--- a/presentation.pptx
+++ b/presentation.pptx
@@ -5,7 +5,7 @@
     <p:sldMasterId id="2147484490" r:id="rId1"/>
   </p:sldMasterIdLst>
   <p:notesMasterIdLst>
-    <p:notesMasterId r:id="rId11"/>
+    <p:notesMasterId r:id="rId29"/>
   </p:notesMasterIdLst>
   <p:sldIdLst>
     <p:sldId id="256" r:id="rId2"/>
@@ -17,6 +17,24 @@
     <p:sldId id="262" r:id="rId8"/>
     <p:sldId id="263" r:id="rId9"/>
     <p:sldId id="264" r:id="rId10"/>
+    <p:sldId id="265" r:id="rId11"/>
+    <p:sldId id="266" r:id="rId12"/>
+    <p:sldId id="276" r:id="rId13"/>
+    <p:sldId id="269" r:id="rId14"/>
+    <p:sldId id="267" r:id="rId15"/>
+    <p:sldId id="268" r:id="rId16"/>
+    <p:sldId id="270" r:id="rId17"/>
+    <p:sldId id="271" r:id="rId18"/>
+    <p:sldId id="272" r:id="rId19"/>
+    <p:sldId id="273" r:id="rId20"/>
+    <p:sldId id="274" r:id="rId21"/>
+    <p:sldId id="275" r:id="rId22"/>
+    <p:sldId id="278" r:id="rId23"/>
+    <p:sldId id="279" r:id="rId24"/>
+    <p:sldId id="280" r:id="rId25"/>
+    <p:sldId id="281" r:id="rId26"/>
+    <p:sldId id="282" r:id="rId27"/>
+    <p:sldId id="277" r:id="rId28"/>
   </p:sldIdLst>
   <p:sldSz cx="9144000" cy="6858000" type="screen4x3"/>
   <p:notesSz cx="6858000" cy="9144000"/>
@@ -200,7 +218,7 @@
           <a:p>
             <a:fld id="{7AEE52E7-1768-1242-A166-3ECCD64BD606}" type="datetimeFigureOut">
               <a:rPr lang="en-US" smtClean="0"/>
-              <a:t>10/30/11</a:t>
+              <a:t>11/1/11</a:t>
             </a:fld>
             <a:endParaRPr lang="en-US"/>
           </a:p>
@@ -580,6 +598,1094 @@
 </p:notes>
 </file>
 
+<file path=ppt/notesSlides/notesSlide10.xml><?xml version="1.0" encoding="utf-8"?>
+<p:notes xmlns:a="http://schemas.openxmlformats.org/drawingml/2006/main" xmlns:r="http://schemas.openxmlformats.org/officeDocument/2006/relationships" xmlns:p="http://schemas.openxmlformats.org/presentationml/2006/main">
+  <p:cSld>
+    <p:spTree>
+      <p:nvGrpSpPr>
+        <p:cNvPr id="1" name=""/>
+        <p:cNvGrpSpPr/>
+        <p:nvPr/>
+      </p:nvGrpSpPr>
+      <p:grpSpPr>
+        <a:xfrm>
+          <a:off x="0" y="0"/>
+          <a:ext cx="0" cy="0"/>
+          <a:chOff x="0" y="0"/>
+          <a:chExt cx="0" cy="0"/>
+        </a:xfrm>
+      </p:grpSpPr>
+      <p:sp>
+        <p:nvSpPr>
+          <p:cNvPr id="2" name="Slide Image Placeholder 1"/>
+          <p:cNvSpPr>
+            <a:spLocks noGrp="1" noRot="1" noChangeAspect="1"/>
+          </p:cNvSpPr>
+          <p:nvPr>
+            <p:ph type="sldImg"/>
+          </p:nvPr>
+        </p:nvSpPr>
+        <p:spPr/>
+      </p:sp>
+      <p:sp>
+        <p:nvSpPr>
+          <p:cNvPr id="3" name="Notes Placeholder 2"/>
+          <p:cNvSpPr>
+            <a:spLocks noGrp="1"/>
+          </p:cNvSpPr>
+          <p:nvPr>
+            <p:ph type="body" idx="1"/>
+          </p:nvPr>
+        </p:nvSpPr>
+        <p:spPr/>
+        <p:txBody>
+          <a:bodyPr/>
+          <a:lstStyle/>
+          <a:p>
+            <a:pPr marL="0" marR="0" indent="0" algn="l" defTabSz="457200" rtl="0" eaLnBrk="1" fontAlgn="auto" latinLnBrk="0" hangingPunct="1">
+              <a:lnSpc>
+                <a:spcPct val="100000"/>
+              </a:lnSpc>
+              <a:spcBef>
+                <a:spcPts val="0"/>
+              </a:spcBef>
+              <a:spcAft>
+                <a:spcPts val="0"/>
+              </a:spcAft>
+              <a:buClrTx/>
+              <a:buSzTx/>
+              <a:buFontTx/>
+              <a:buNone/>
+              <a:tabLst/>
+              <a:defRPr/>
+            </a:pPr>
+            <a:r>
+              <a:rPr lang="en-US" dirty="0" smtClean="0"/>
+              <a:t>http://</a:t>
+            </a:r>
+            <a:r>
+              <a:rPr lang="en-US" dirty="0" err="1" smtClean="0"/>
+              <a:t>openbd.org</a:t>
+            </a:r>
+            <a:r>
+              <a:rPr lang="en-US" dirty="0" smtClean="0"/>
+              <a:t>/manual/?/</a:t>
+            </a:r>
+            <a:r>
+              <a:rPr lang="en-US" dirty="0" err="1" smtClean="0"/>
+              <a:t>basic_cfml</a:t>
+            </a:r>
+            <a:endParaRPr lang="en-US" dirty="0" smtClean="0"/>
+          </a:p>
+          <a:p>
+            <a:endParaRPr lang="en-US" dirty="0"/>
+          </a:p>
+        </p:txBody>
+      </p:sp>
+      <p:sp>
+        <p:nvSpPr>
+          <p:cNvPr id="4" name="Slide Number Placeholder 3"/>
+          <p:cNvSpPr>
+            <a:spLocks noGrp="1"/>
+          </p:cNvSpPr>
+          <p:nvPr>
+            <p:ph type="sldNum" sz="quarter" idx="10"/>
+          </p:nvPr>
+        </p:nvSpPr>
+        <p:spPr/>
+        <p:txBody>
+          <a:bodyPr/>
+          <a:lstStyle/>
+          <a:p>
+            <a:fld id="{433137AF-EBFE-664E-840A-10B3290003D1}" type="slidenum">
+              <a:rPr lang="en-US" smtClean="0"/>
+              <a:t>13</a:t>
+            </a:fld>
+            <a:endParaRPr lang="en-US"/>
+          </a:p>
+        </p:txBody>
+      </p:sp>
+    </p:spTree>
+    <p:extLst>
+      <p:ext uri="{BB962C8B-B14F-4D97-AF65-F5344CB8AC3E}">
+        <p14:creationId xmlns:p14="http://schemas.microsoft.com/office/powerpoint/2010/main" val="4110009042"/>
+      </p:ext>
+    </p:extLst>
+  </p:cSld>
+  <p:clrMapOvr>
+    <a:masterClrMapping/>
+  </p:clrMapOvr>
+</p:notes>
+</file>
+
+<file path=ppt/notesSlides/notesSlide11.xml><?xml version="1.0" encoding="utf-8"?>
+<p:notes xmlns:a="http://schemas.openxmlformats.org/drawingml/2006/main" xmlns:r="http://schemas.openxmlformats.org/officeDocument/2006/relationships" xmlns:p="http://schemas.openxmlformats.org/presentationml/2006/main">
+  <p:cSld>
+    <p:spTree>
+      <p:nvGrpSpPr>
+        <p:cNvPr id="1" name=""/>
+        <p:cNvGrpSpPr/>
+        <p:nvPr/>
+      </p:nvGrpSpPr>
+      <p:grpSpPr>
+        <a:xfrm>
+          <a:off x="0" y="0"/>
+          <a:ext cx="0" cy="0"/>
+          <a:chOff x="0" y="0"/>
+          <a:chExt cx="0" cy="0"/>
+        </a:xfrm>
+      </p:grpSpPr>
+      <p:sp>
+        <p:nvSpPr>
+          <p:cNvPr id="2" name="Slide Image Placeholder 1"/>
+          <p:cNvSpPr>
+            <a:spLocks noGrp="1" noRot="1" noChangeAspect="1"/>
+          </p:cNvSpPr>
+          <p:nvPr>
+            <p:ph type="sldImg"/>
+          </p:nvPr>
+        </p:nvSpPr>
+        <p:spPr/>
+      </p:sp>
+      <p:sp>
+        <p:nvSpPr>
+          <p:cNvPr id="3" name="Notes Placeholder 2"/>
+          <p:cNvSpPr>
+            <a:spLocks noGrp="1"/>
+          </p:cNvSpPr>
+          <p:nvPr>
+            <p:ph type="body" idx="1"/>
+          </p:nvPr>
+        </p:nvSpPr>
+        <p:spPr/>
+        <p:txBody>
+          <a:bodyPr/>
+          <a:lstStyle/>
+          <a:p>
+            <a:r>
+              <a:rPr lang="en-US" dirty="0" smtClean="0"/>
+              <a:t>http://</a:t>
+            </a:r>
+            <a:r>
+              <a:rPr lang="en-US" dirty="0" err="1" smtClean="0"/>
+              <a:t>openbd.org</a:t>
+            </a:r>
+            <a:r>
+              <a:rPr lang="en-US" dirty="0" smtClean="0"/>
+              <a:t>/manual/?/</a:t>
+            </a:r>
+            <a:r>
+              <a:rPr lang="en-US" dirty="0" err="1" smtClean="0"/>
+              <a:t>basic_cfml</a:t>
+            </a:r>
+            <a:endParaRPr lang="en-US" dirty="0" smtClean="0"/>
+          </a:p>
+          <a:p>
+            <a:r>
+              <a:rPr lang="en-US" dirty="0" smtClean="0"/>
+              <a:t>http://</a:t>
+            </a:r>
+            <a:r>
+              <a:rPr lang="en-US" dirty="0" err="1" smtClean="0"/>
+              <a:t>openbd.org</a:t>
+            </a:r>
+            <a:r>
+              <a:rPr lang="en-US" dirty="0" smtClean="0"/>
+              <a:t>/manual/?/</a:t>
+            </a:r>
+            <a:r>
+              <a:rPr lang="en-US" dirty="0" err="1" smtClean="0"/>
+              <a:t>language_scopes</a:t>
+            </a:r>
+            <a:endParaRPr lang="en-US" dirty="0"/>
+          </a:p>
+        </p:txBody>
+      </p:sp>
+      <p:sp>
+        <p:nvSpPr>
+          <p:cNvPr id="4" name="Slide Number Placeholder 3"/>
+          <p:cNvSpPr>
+            <a:spLocks noGrp="1"/>
+          </p:cNvSpPr>
+          <p:nvPr>
+            <p:ph type="sldNum" sz="quarter" idx="10"/>
+          </p:nvPr>
+        </p:nvSpPr>
+        <p:spPr/>
+        <p:txBody>
+          <a:bodyPr/>
+          <a:lstStyle/>
+          <a:p>
+            <a:fld id="{433137AF-EBFE-664E-840A-10B3290003D1}" type="slidenum">
+              <a:rPr lang="en-US" smtClean="0"/>
+              <a:t>14</a:t>
+            </a:fld>
+            <a:endParaRPr lang="en-US"/>
+          </a:p>
+        </p:txBody>
+      </p:sp>
+    </p:spTree>
+    <p:extLst>
+      <p:ext uri="{BB962C8B-B14F-4D97-AF65-F5344CB8AC3E}">
+        <p14:creationId xmlns:p14="http://schemas.microsoft.com/office/powerpoint/2010/main" val="1640793204"/>
+      </p:ext>
+    </p:extLst>
+  </p:cSld>
+  <p:clrMapOvr>
+    <a:masterClrMapping/>
+  </p:clrMapOvr>
+</p:notes>
+</file>
+
+<file path=ppt/notesSlides/notesSlide12.xml><?xml version="1.0" encoding="utf-8"?>
+<p:notes xmlns:a="http://schemas.openxmlformats.org/drawingml/2006/main" xmlns:r="http://schemas.openxmlformats.org/officeDocument/2006/relationships" xmlns:p="http://schemas.openxmlformats.org/presentationml/2006/main">
+  <p:cSld>
+    <p:spTree>
+      <p:nvGrpSpPr>
+        <p:cNvPr id="1" name=""/>
+        <p:cNvGrpSpPr/>
+        <p:nvPr/>
+      </p:nvGrpSpPr>
+      <p:grpSpPr>
+        <a:xfrm>
+          <a:off x="0" y="0"/>
+          <a:ext cx="0" cy="0"/>
+          <a:chOff x="0" y="0"/>
+          <a:chExt cx="0" cy="0"/>
+        </a:xfrm>
+      </p:grpSpPr>
+      <p:sp>
+        <p:nvSpPr>
+          <p:cNvPr id="2" name="Slide Image Placeholder 1"/>
+          <p:cNvSpPr>
+            <a:spLocks noGrp="1" noRot="1" noChangeAspect="1"/>
+          </p:cNvSpPr>
+          <p:nvPr>
+            <p:ph type="sldImg"/>
+          </p:nvPr>
+        </p:nvSpPr>
+        <p:spPr/>
+      </p:sp>
+      <p:sp>
+        <p:nvSpPr>
+          <p:cNvPr id="3" name="Notes Placeholder 2"/>
+          <p:cNvSpPr>
+            <a:spLocks noGrp="1"/>
+          </p:cNvSpPr>
+          <p:nvPr>
+            <p:ph type="body" idx="1"/>
+          </p:nvPr>
+        </p:nvSpPr>
+        <p:spPr/>
+        <p:txBody>
+          <a:bodyPr/>
+          <a:lstStyle/>
+          <a:p>
+            <a:pPr marL="0" marR="0" indent="0" algn="l" defTabSz="457200" rtl="0" eaLnBrk="1" fontAlgn="auto" latinLnBrk="0" hangingPunct="1">
+              <a:lnSpc>
+                <a:spcPct val="100000"/>
+              </a:lnSpc>
+              <a:spcBef>
+                <a:spcPts val="0"/>
+              </a:spcBef>
+              <a:spcAft>
+                <a:spcPts val="0"/>
+              </a:spcAft>
+              <a:buClrTx/>
+              <a:buSzTx/>
+              <a:buFontTx/>
+              <a:buNone/>
+              <a:tabLst/>
+              <a:defRPr/>
+            </a:pPr>
+            <a:r>
+              <a:rPr lang="en-US" dirty="0" smtClean="0"/>
+              <a:t>http://</a:t>
+            </a:r>
+            <a:r>
+              <a:rPr lang="en-US" dirty="0" err="1" smtClean="0"/>
+              <a:t>openbd.org</a:t>
+            </a:r>
+            <a:r>
+              <a:rPr lang="en-US" dirty="0" smtClean="0"/>
+              <a:t>/manual/?/</a:t>
+            </a:r>
+            <a:r>
+              <a:rPr lang="en-US" dirty="0" err="1" smtClean="0"/>
+              <a:t>basic_cfml</a:t>
+            </a:r>
+            <a:endParaRPr lang="en-US" dirty="0" smtClean="0"/>
+          </a:p>
+          <a:p>
+            <a:endParaRPr lang="en-US" dirty="0"/>
+          </a:p>
+        </p:txBody>
+      </p:sp>
+      <p:sp>
+        <p:nvSpPr>
+          <p:cNvPr id="4" name="Slide Number Placeholder 3"/>
+          <p:cNvSpPr>
+            <a:spLocks noGrp="1"/>
+          </p:cNvSpPr>
+          <p:nvPr>
+            <p:ph type="sldNum" sz="quarter" idx="10"/>
+          </p:nvPr>
+        </p:nvSpPr>
+        <p:spPr/>
+        <p:txBody>
+          <a:bodyPr/>
+          <a:lstStyle/>
+          <a:p>
+            <a:fld id="{433137AF-EBFE-664E-840A-10B3290003D1}" type="slidenum">
+              <a:rPr lang="en-US" smtClean="0"/>
+              <a:t>15</a:t>
+            </a:fld>
+            <a:endParaRPr lang="en-US"/>
+          </a:p>
+        </p:txBody>
+      </p:sp>
+    </p:spTree>
+    <p:extLst>
+      <p:ext uri="{BB962C8B-B14F-4D97-AF65-F5344CB8AC3E}">
+        <p14:creationId xmlns:p14="http://schemas.microsoft.com/office/powerpoint/2010/main" val="4023371768"/>
+      </p:ext>
+    </p:extLst>
+  </p:cSld>
+  <p:clrMapOvr>
+    <a:masterClrMapping/>
+  </p:clrMapOvr>
+</p:notes>
+</file>
+
+<file path=ppt/notesSlides/notesSlide13.xml><?xml version="1.0" encoding="utf-8"?>
+<p:notes xmlns:a="http://schemas.openxmlformats.org/drawingml/2006/main" xmlns:r="http://schemas.openxmlformats.org/officeDocument/2006/relationships" xmlns:p="http://schemas.openxmlformats.org/presentationml/2006/main">
+  <p:cSld>
+    <p:spTree>
+      <p:nvGrpSpPr>
+        <p:cNvPr id="1" name=""/>
+        <p:cNvGrpSpPr/>
+        <p:nvPr/>
+      </p:nvGrpSpPr>
+      <p:grpSpPr>
+        <a:xfrm>
+          <a:off x="0" y="0"/>
+          <a:ext cx="0" cy="0"/>
+          <a:chOff x="0" y="0"/>
+          <a:chExt cx="0" cy="0"/>
+        </a:xfrm>
+      </p:grpSpPr>
+      <p:sp>
+        <p:nvSpPr>
+          <p:cNvPr id="2" name="Slide Image Placeholder 1"/>
+          <p:cNvSpPr>
+            <a:spLocks noGrp="1" noRot="1" noChangeAspect="1"/>
+          </p:cNvSpPr>
+          <p:nvPr>
+            <p:ph type="sldImg"/>
+          </p:nvPr>
+        </p:nvSpPr>
+        <p:spPr/>
+      </p:sp>
+      <p:sp>
+        <p:nvSpPr>
+          <p:cNvPr id="3" name="Notes Placeholder 2"/>
+          <p:cNvSpPr>
+            <a:spLocks noGrp="1"/>
+          </p:cNvSpPr>
+          <p:nvPr>
+            <p:ph type="body" idx="1"/>
+          </p:nvPr>
+        </p:nvSpPr>
+        <p:spPr/>
+        <p:txBody>
+          <a:bodyPr/>
+          <a:lstStyle/>
+          <a:p>
+            <a:pPr marL="0" marR="0" indent="0" algn="l" defTabSz="457200" rtl="0" eaLnBrk="1" fontAlgn="auto" latinLnBrk="0" hangingPunct="1">
+              <a:lnSpc>
+                <a:spcPct val="100000"/>
+              </a:lnSpc>
+              <a:spcBef>
+                <a:spcPts val="0"/>
+              </a:spcBef>
+              <a:spcAft>
+                <a:spcPts val="0"/>
+              </a:spcAft>
+              <a:buClrTx/>
+              <a:buSzTx/>
+              <a:buFontTx/>
+              <a:buNone/>
+              <a:tabLst/>
+              <a:defRPr/>
+            </a:pPr>
+            <a:r>
+              <a:rPr lang="en-US" dirty="0" smtClean="0"/>
+              <a:t>http://</a:t>
+            </a:r>
+            <a:r>
+              <a:rPr lang="en-US" dirty="0" err="1" smtClean="0"/>
+              <a:t>openbd.org</a:t>
+            </a:r>
+            <a:r>
+              <a:rPr lang="en-US" dirty="0" smtClean="0"/>
+              <a:t>/manual/?/</a:t>
+            </a:r>
+            <a:r>
+              <a:rPr lang="en-US" dirty="0" err="1" smtClean="0"/>
+              <a:t>basic_cfml</a:t>
+            </a:r>
+            <a:endParaRPr lang="en-US" dirty="0" smtClean="0"/>
+          </a:p>
+          <a:p>
+            <a:endParaRPr lang="en-US" dirty="0"/>
+          </a:p>
+        </p:txBody>
+      </p:sp>
+      <p:sp>
+        <p:nvSpPr>
+          <p:cNvPr id="4" name="Slide Number Placeholder 3"/>
+          <p:cNvSpPr>
+            <a:spLocks noGrp="1"/>
+          </p:cNvSpPr>
+          <p:nvPr>
+            <p:ph type="sldNum" sz="quarter" idx="10"/>
+          </p:nvPr>
+        </p:nvSpPr>
+        <p:spPr/>
+        <p:txBody>
+          <a:bodyPr/>
+          <a:lstStyle/>
+          <a:p>
+            <a:fld id="{433137AF-EBFE-664E-840A-10B3290003D1}" type="slidenum">
+              <a:rPr lang="en-US" smtClean="0"/>
+              <a:t>16</a:t>
+            </a:fld>
+            <a:endParaRPr lang="en-US"/>
+          </a:p>
+        </p:txBody>
+      </p:sp>
+    </p:spTree>
+    <p:extLst>
+      <p:ext uri="{BB962C8B-B14F-4D97-AF65-F5344CB8AC3E}">
+        <p14:creationId xmlns:p14="http://schemas.microsoft.com/office/powerpoint/2010/main" val="582364797"/>
+      </p:ext>
+    </p:extLst>
+  </p:cSld>
+  <p:clrMapOvr>
+    <a:masterClrMapping/>
+  </p:clrMapOvr>
+</p:notes>
+</file>
+
+<file path=ppt/notesSlides/notesSlide14.xml><?xml version="1.0" encoding="utf-8"?>
+<p:notes xmlns:a="http://schemas.openxmlformats.org/drawingml/2006/main" xmlns:r="http://schemas.openxmlformats.org/officeDocument/2006/relationships" xmlns:p="http://schemas.openxmlformats.org/presentationml/2006/main">
+  <p:cSld>
+    <p:spTree>
+      <p:nvGrpSpPr>
+        <p:cNvPr id="1" name=""/>
+        <p:cNvGrpSpPr/>
+        <p:nvPr/>
+      </p:nvGrpSpPr>
+      <p:grpSpPr>
+        <a:xfrm>
+          <a:off x="0" y="0"/>
+          <a:ext cx="0" cy="0"/>
+          <a:chOff x="0" y="0"/>
+          <a:chExt cx="0" cy="0"/>
+        </a:xfrm>
+      </p:grpSpPr>
+      <p:sp>
+        <p:nvSpPr>
+          <p:cNvPr id="2" name="Slide Image Placeholder 1"/>
+          <p:cNvSpPr>
+            <a:spLocks noGrp="1" noRot="1" noChangeAspect="1"/>
+          </p:cNvSpPr>
+          <p:nvPr>
+            <p:ph type="sldImg"/>
+          </p:nvPr>
+        </p:nvSpPr>
+        <p:spPr/>
+      </p:sp>
+      <p:sp>
+        <p:nvSpPr>
+          <p:cNvPr id="3" name="Notes Placeholder 2"/>
+          <p:cNvSpPr>
+            <a:spLocks noGrp="1"/>
+          </p:cNvSpPr>
+          <p:nvPr>
+            <p:ph type="body" idx="1"/>
+          </p:nvPr>
+        </p:nvSpPr>
+        <p:spPr/>
+        <p:txBody>
+          <a:bodyPr/>
+          <a:lstStyle/>
+          <a:p>
+            <a:r>
+              <a:rPr lang="en-US" dirty="0" smtClean="0"/>
+              <a:t>http://</a:t>
+            </a:r>
+            <a:r>
+              <a:rPr lang="en-US" dirty="0" err="1" smtClean="0"/>
+              <a:t>openbd.org</a:t>
+            </a:r>
+            <a:r>
+              <a:rPr lang="en-US" dirty="0" smtClean="0"/>
+              <a:t>/manual/?/</a:t>
+            </a:r>
+            <a:r>
+              <a:rPr lang="en-US" dirty="0" err="1" smtClean="0"/>
+              <a:t>language_creation</a:t>
+            </a:r>
+            <a:endParaRPr lang="en-US" dirty="0" smtClean="0"/>
+          </a:p>
+          <a:p>
+            <a:r>
+              <a:rPr lang="en-US" dirty="0" smtClean="0"/>
+              <a:t>http://</a:t>
+            </a:r>
+            <a:r>
+              <a:rPr lang="en-US" dirty="0" err="1" smtClean="0"/>
+              <a:t>openbd.org</a:t>
+            </a:r>
+            <a:r>
+              <a:rPr lang="en-US" dirty="0" smtClean="0"/>
+              <a:t>/manual/?/tag/CFPARAM</a:t>
+            </a:r>
+            <a:endParaRPr lang="en-US" dirty="0"/>
+          </a:p>
+        </p:txBody>
+      </p:sp>
+      <p:sp>
+        <p:nvSpPr>
+          <p:cNvPr id="4" name="Slide Number Placeholder 3"/>
+          <p:cNvSpPr>
+            <a:spLocks noGrp="1"/>
+          </p:cNvSpPr>
+          <p:nvPr>
+            <p:ph type="sldNum" sz="quarter" idx="10"/>
+          </p:nvPr>
+        </p:nvSpPr>
+        <p:spPr/>
+        <p:txBody>
+          <a:bodyPr/>
+          <a:lstStyle/>
+          <a:p>
+            <a:fld id="{433137AF-EBFE-664E-840A-10B3290003D1}" type="slidenum">
+              <a:rPr lang="en-US" smtClean="0"/>
+              <a:t>17</a:t>
+            </a:fld>
+            <a:endParaRPr lang="en-US"/>
+          </a:p>
+        </p:txBody>
+      </p:sp>
+    </p:spTree>
+    <p:extLst>
+      <p:ext uri="{BB962C8B-B14F-4D97-AF65-F5344CB8AC3E}">
+        <p14:creationId xmlns:p14="http://schemas.microsoft.com/office/powerpoint/2010/main" val="3323382600"/>
+      </p:ext>
+    </p:extLst>
+  </p:cSld>
+  <p:clrMapOvr>
+    <a:masterClrMapping/>
+  </p:clrMapOvr>
+</p:notes>
+</file>
+
+<file path=ppt/notesSlides/notesSlide15.xml><?xml version="1.0" encoding="utf-8"?>
+<p:notes xmlns:a="http://schemas.openxmlformats.org/drawingml/2006/main" xmlns:r="http://schemas.openxmlformats.org/officeDocument/2006/relationships" xmlns:p="http://schemas.openxmlformats.org/presentationml/2006/main">
+  <p:cSld>
+    <p:spTree>
+      <p:nvGrpSpPr>
+        <p:cNvPr id="1" name=""/>
+        <p:cNvGrpSpPr/>
+        <p:nvPr/>
+      </p:nvGrpSpPr>
+      <p:grpSpPr>
+        <a:xfrm>
+          <a:off x="0" y="0"/>
+          <a:ext cx="0" cy="0"/>
+          <a:chOff x="0" y="0"/>
+          <a:chExt cx="0" cy="0"/>
+        </a:xfrm>
+      </p:grpSpPr>
+      <p:sp>
+        <p:nvSpPr>
+          <p:cNvPr id="2" name="Slide Image Placeholder 1"/>
+          <p:cNvSpPr>
+            <a:spLocks noGrp="1" noRot="1" noChangeAspect="1"/>
+          </p:cNvSpPr>
+          <p:nvPr>
+            <p:ph type="sldImg"/>
+          </p:nvPr>
+        </p:nvSpPr>
+        <p:spPr/>
+      </p:sp>
+      <p:sp>
+        <p:nvSpPr>
+          <p:cNvPr id="3" name="Notes Placeholder 2"/>
+          <p:cNvSpPr>
+            <a:spLocks noGrp="1"/>
+          </p:cNvSpPr>
+          <p:nvPr>
+            <p:ph type="body" idx="1"/>
+          </p:nvPr>
+        </p:nvSpPr>
+        <p:spPr/>
+        <p:txBody>
+          <a:bodyPr/>
+          <a:lstStyle/>
+          <a:p>
+            <a:r>
+              <a:rPr lang="en-US" dirty="0" smtClean="0"/>
+              <a:t>http://</a:t>
+            </a:r>
+            <a:r>
+              <a:rPr lang="en-US" dirty="0" err="1" smtClean="0"/>
+              <a:t>openbd.org</a:t>
+            </a:r>
+            <a:r>
+              <a:rPr lang="en-US" dirty="0" smtClean="0"/>
+              <a:t>/manual/?/</a:t>
+            </a:r>
+            <a:r>
+              <a:rPr lang="en-US" dirty="0" err="1" smtClean="0"/>
+              <a:t>language_creation</a:t>
+            </a:r>
+            <a:endParaRPr lang="en-US" dirty="0"/>
+          </a:p>
+        </p:txBody>
+      </p:sp>
+      <p:sp>
+        <p:nvSpPr>
+          <p:cNvPr id="4" name="Slide Number Placeholder 3"/>
+          <p:cNvSpPr>
+            <a:spLocks noGrp="1"/>
+          </p:cNvSpPr>
+          <p:nvPr>
+            <p:ph type="sldNum" sz="quarter" idx="10"/>
+          </p:nvPr>
+        </p:nvSpPr>
+        <p:spPr/>
+        <p:txBody>
+          <a:bodyPr/>
+          <a:lstStyle/>
+          <a:p>
+            <a:fld id="{433137AF-EBFE-664E-840A-10B3290003D1}" type="slidenum">
+              <a:rPr lang="en-US" smtClean="0"/>
+              <a:t>18</a:t>
+            </a:fld>
+            <a:endParaRPr lang="en-US"/>
+          </a:p>
+        </p:txBody>
+      </p:sp>
+    </p:spTree>
+    <p:extLst>
+      <p:ext uri="{BB962C8B-B14F-4D97-AF65-F5344CB8AC3E}">
+        <p14:creationId xmlns:p14="http://schemas.microsoft.com/office/powerpoint/2010/main" val="1115322018"/>
+      </p:ext>
+    </p:extLst>
+  </p:cSld>
+  <p:clrMapOvr>
+    <a:masterClrMapping/>
+  </p:clrMapOvr>
+</p:notes>
+</file>
+
+<file path=ppt/notesSlides/notesSlide16.xml><?xml version="1.0" encoding="utf-8"?>
+<p:notes xmlns:a="http://schemas.openxmlformats.org/drawingml/2006/main" xmlns:r="http://schemas.openxmlformats.org/officeDocument/2006/relationships" xmlns:p="http://schemas.openxmlformats.org/presentationml/2006/main">
+  <p:cSld>
+    <p:spTree>
+      <p:nvGrpSpPr>
+        <p:cNvPr id="1" name=""/>
+        <p:cNvGrpSpPr/>
+        <p:nvPr/>
+      </p:nvGrpSpPr>
+      <p:grpSpPr>
+        <a:xfrm>
+          <a:off x="0" y="0"/>
+          <a:ext cx="0" cy="0"/>
+          <a:chOff x="0" y="0"/>
+          <a:chExt cx="0" cy="0"/>
+        </a:xfrm>
+      </p:grpSpPr>
+      <p:sp>
+        <p:nvSpPr>
+          <p:cNvPr id="2" name="Slide Image Placeholder 1"/>
+          <p:cNvSpPr>
+            <a:spLocks noGrp="1" noRot="1" noChangeAspect="1"/>
+          </p:cNvSpPr>
+          <p:nvPr>
+            <p:ph type="sldImg"/>
+          </p:nvPr>
+        </p:nvSpPr>
+        <p:spPr/>
+      </p:sp>
+      <p:sp>
+        <p:nvSpPr>
+          <p:cNvPr id="3" name="Notes Placeholder 2"/>
+          <p:cNvSpPr>
+            <a:spLocks noGrp="1"/>
+          </p:cNvSpPr>
+          <p:nvPr>
+            <p:ph type="body" idx="1"/>
+          </p:nvPr>
+        </p:nvSpPr>
+        <p:spPr/>
+        <p:txBody>
+          <a:bodyPr/>
+          <a:lstStyle/>
+          <a:p>
+            <a:r>
+              <a:rPr lang="en-US" dirty="0" smtClean="0"/>
+              <a:t>http://</a:t>
+            </a:r>
+            <a:r>
+              <a:rPr lang="en-US" dirty="0" err="1" smtClean="0"/>
+              <a:t>openbd.org</a:t>
+            </a:r>
+            <a:r>
+              <a:rPr lang="en-US" dirty="0" smtClean="0"/>
+              <a:t>/manual/?/</a:t>
+            </a:r>
+            <a:r>
+              <a:rPr lang="en-US" dirty="0" err="1" smtClean="0"/>
+              <a:t>language_creation</a:t>
+            </a:r>
+            <a:endParaRPr lang="en-US" dirty="0"/>
+          </a:p>
+        </p:txBody>
+      </p:sp>
+      <p:sp>
+        <p:nvSpPr>
+          <p:cNvPr id="4" name="Slide Number Placeholder 3"/>
+          <p:cNvSpPr>
+            <a:spLocks noGrp="1"/>
+          </p:cNvSpPr>
+          <p:nvPr>
+            <p:ph type="sldNum" sz="quarter" idx="10"/>
+          </p:nvPr>
+        </p:nvSpPr>
+        <p:spPr/>
+        <p:txBody>
+          <a:bodyPr/>
+          <a:lstStyle/>
+          <a:p>
+            <a:fld id="{433137AF-EBFE-664E-840A-10B3290003D1}" type="slidenum">
+              <a:rPr lang="en-US" smtClean="0"/>
+              <a:t>19</a:t>
+            </a:fld>
+            <a:endParaRPr lang="en-US"/>
+          </a:p>
+        </p:txBody>
+      </p:sp>
+    </p:spTree>
+    <p:extLst>
+      <p:ext uri="{BB962C8B-B14F-4D97-AF65-F5344CB8AC3E}">
+        <p14:creationId xmlns:p14="http://schemas.microsoft.com/office/powerpoint/2010/main" val="846956662"/>
+      </p:ext>
+    </p:extLst>
+  </p:cSld>
+  <p:clrMapOvr>
+    <a:masterClrMapping/>
+  </p:clrMapOvr>
+</p:notes>
+</file>
+
+<file path=ppt/notesSlides/notesSlide17.xml><?xml version="1.0" encoding="utf-8"?>
+<p:notes xmlns:a="http://schemas.openxmlformats.org/drawingml/2006/main" xmlns:r="http://schemas.openxmlformats.org/officeDocument/2006/relationships" xmlns:p="http://schemas.openxmlformats.org/presentationml/2006/main">
+  <p:cSld>
+    <p:spTree>
+      <p:nvGrpSpPr>
+        <p:cNvPr id="1" name=""/>
+        <p:cNvGrpSpPr/>
+        <p:nvPr/>
+      </p:nvGrpSpPr>
+      <p:grpSpPr>
+        <a:xfrm>
+          <a:off x="0" y="0"/>
+          <a:ext cx="0" cy="0"/>
+          <a:chOff x="0" y="0"/>
+          <a:chExt cx="0" cy="0"/>
+        </a:xfrm>
+      </p:grpSpPr>
+      <p:sp>
+        <p:nvSpPr>
+          <p:cNvPr id="2" name="Slide Image Placeholder 1"/>
+          <p:cNvSpPr>
+            <a:spLocks noGrp="1" noRot="1" noChangeAspect="1"/>
+          </p:cNvSpPr>
+          <p:nvPr>
+            <p:ph type="sldImg"/>
+          </p:nvPr>
+        </p:nvSpPr>
+        <p:spPr/>
+      </p:sp>
+      <p:sp>
+        <p:nvSpPr>
+          <p:cNvPr id="3" name="Notes Placeholder 2"/>
+          <p:cNvSpPr>
+            <a:spLocks noGrp="1"/>
+          </p:cNvSpPr>
+          <p:nvPr>
+            <p:ph type="body" idx="1"/>
+          </p:nvPr>
+        </p:nvSpPr>
+        <p:spPr/>
+        <p:txBody>
+          <a:bodyPr/>
+          <a:lstStyle/>
+          <a:p>
+            <a:r>
+              <a:rPr lang="en-US" dirty="0" smtClean="0"/>
+              <a:t>http://</a:t>
+            </a:r>
+            <a:r>
+              <a:rPr lang="en-US" dirty="0" err="1" smtClean="0"/>
+              <a:t>openbd.org</a:t>
+            </a:r>
+            <a:r>
+              <a:rPr lang="en-US" dirty="0" smtClean="0"/>
+              <a:t>/manual/?/</a:t>
+            </a:r>
+            <a:r>
+              <a:rPr lang="en-US" dirty="0" err="1" smtClean="0"/>
+              <a:t>language_operators</a:t>
+            </a:r>
+            <a:endParaRPr lang="en-US" dirty="0"/>
+          </a:p>
+        </p:txBody>
+      </p:sp>
+      <p:sp>
+        <p:nvSpPr>
+          <p:cNvPr id="4" name="Slide Number Placeholder 3"/>
+          <p:cNvSpPr>
+            <a:spLocks noGrp="1"/>
+          </p:cNvSpPr>
+          <p:nvPr>
+            <p:ph type="sldNum" sz="quarter" idx="10"/>
+          </p:nvPr>
+        </p:nvSpPr>
+        <p:spPr/>
+        <p:txBody>
+          <a:bodyPr/>
+          <a:lstStyle/>
+          <a:p>
+            <a:fld id="{433137AF-EBFE-664E-840A-10B3290003D1}" type="slidenum">
+              <a:rPr lang="en-US" smtClean="0"/>
+              <a:t>20</a:t>
+            </a:fld>
+            <a:endParaRPr lang="en-US"/>
+          </a:p>
+        </p:txBody>
+      </p:sp>
+    </p:spTree>
+    <p:extLst>
+      <p:ext uri="{BB962C8B-B14F-4D97-AF65-F5344CB8AC3E}">
+        <p14:creationId xmlns:p14="http://schemas.microsoft.com/office/powerpoint/2010/main" val="3159642190"/>
+      </p:ext>
+    </p:extLst>
+  </p:cSld>
+  <p:clrMapOvr>
+    <a:masterClrMapping/>
+  </p:clrMapOvr>
+</p:notes>
+</file>
+
+<file path=ppt/notesSlides/notesSlide18.xml><?xml version="1.0" encoding="utf-8"?>
+<p:notes xmlns:a="http://schemas.openxmlformats.org/drawingml/2006/main" xmlns:r="http://schemas.openxmlformats.org/officeDocument/2006/relationships" xmlns:p="http://schemas.openxmlformats.org/presentationml/2006/main">
+  <p:cSld>
+    <p:spTree>
+      <p:nvGrpSpPr>
+        <p:cNvPr id="1" name=""/>
+        <p:cNvGrpSpPr/>
+        <p:nvPr/>
+      </p:nvGrpSpPr>
+      <p:grpSpPr>
+        <a:xfrm>
+          <a:off x="0" y="0"/>
+          <a:ext cx="0" cy="0"/>
+          <a:chOff x="0" y="0"/>
+          <a:chExt cx="0" cy="0"/>
+        </a:xfrm>
+      </p:grpSpPr>
+      <p:sp>
+        <p:nvSpPr>
+          <p:cNvPr id="2" name="Slide Image Placeholder 1"/>
+          <p:cNvSpPr>
+            <a:spLocks noGrp="1" noRot="1" noChangeAspect="1"/>
+          </p:cNvSpPr>
+          <p:nvPr>
+            <p:ph type="sldImg"/>
+          </p:nvPr>
+        </p:nvSpPr>
+        <p:spPr/>
+      </p:sp>
+      <p:sp>
+        <p:nvSpPr>
+          <p:cNvPr id="3" name="Notes Placeholder 2"/>
+          <p:cNvSpPr>
+            <a:spLocks noGrp="1"/>
+          </p:cNvSpPr>
+          <p:nvPr>
+            <p:ph type="body" idx="1"/>
+          </p:nvPr>
+        </p:nvSpPr>
+        <p:spPr/>
+        <p:txBody>
+          <a:bodyPr/>
+          <a:lstStyle/>
+          <a:p>
+            <a:endParaRPr lang="en-US" dirty="0"/>
+          </a:p>
+        </p:txBody>
+      </p:sp>
+      <p:sp>
+        <p:nvSpPr>
+          <p:cNvPr id="4" name="Slide Number Placeholder 3"/>
+          <p:cNvSpPr>
+            <a:spLocks noGrp="1"/>
+          </p:cNvSpPr>
+          <p:nvPr>
+            <p:ph type="sldNum" sz="quarter" idx="10"/>
+          </p:nvPr>
+        </p:nvSpPr>
+        <p:spPr/>
+        <p:txBody>
+          <a:bodyPr/>
+          <a:lstStyle/>
+          <a:p>
+            <a:fld id="{433137AF-EBFE-664E-840A-10B3290003D1}" type="slidenum">
+              <a:rPr lang="en-US" smtClean="0"/>
+              <a:t>21</a:t>
+            </a:fld>
+            <a:endParaRPr lang="en-US"/>
+          </a:p>
+        </p:txBody>
+      </p:sp>
+    </p:spTree>
+    <p:extLst>
+      <p:ext uri="{BB962C8B-B14F-4D97-AF65-F5344CB8AC3E}">
+        <p14:creationId xmlns:p14="http://schemas.microsoft.com/office/powerpoint/2010/main" val="1972797592"/>
+      </p:ext>
+    </p:extLst>
+  </p:cSld>
+  <p:clrMapOvr>
+    <a:masterClrMapping/>
+  </p:clrMapOvr>
+</p:notes>
+</file>
+
+<file path=ppt/notesSlides/notesSlide19.xml><?xml version="1.0" encoding="utf-8"?>
+<p:notes xmlns:a="http://schemas.openxmlformats.org/drawingml/2006/main" xmlns:r="http://schemas.openxmlformats.org/officeDocument/2006/relationships" xmlns:p="http://schemas.openxmlformats.org/presentationml/2006/main">
+  <p:cSld>
+    <p:spTree>
+      <p:nvGrpSpPr>
+        <p:cNvPr id="1" name=""/>
+        <p:cNvGrpSpPr/>
+        <p:nvPr/>
+      </p:nvGrpSpPr>
+      <p:grpSpPr>
+        <a:xfrm>
+          <a:off x="0" y="0"/>
+          <a:ext cx="0" cy="0"/>
+          <a:chOff x="0" y="0"/>
+          <a:chExt cx="0" cy="0"/>
+        </a:xfrm>
+      </p:grpSpPr>
+      <p:sp>
+        <p:nvSpPr>
+          <p:cNvPr id="2" name="Slide Image Placeholder 1"/>
+          <p:cNvSpPr>
+            <a:spLocks noGrp="1" noRot="1" noChangeAspect="1"/>
+          </p:cNvSpPr>
+          <p:nvPr>
+            <p:ph type="sldImg"/>
+          </p:nvPr>
+        </p:nvSpPr>
+        <p:spPr/>
+      </p:sp>
+      <p:sp>
+        <p:nvSpPr>
+          <p:cNvPr id="3" name="Notes Placeholder 2"/>
+          <p:cNvSpPr>
+            <a:spLocks noGrp="1"/>
+          </p:cNvSpPr>
+          <p:nvPr>
+            <p:ph type="body" idx="1"/>
+          </p:nvPr>
+        </p:nvSpPr>
+        <p:spPr/>
+        <p:txBody>
+          <a:bodyPr/>
+          <a:lstStyle/>
+          <a:p>
+            <a:r>
+              <a:rPr lang="en-US" dirty="0" smtClean="0"/>
+              <a:t>http://</a:t>
+            </a:r>
+            <a:r>
+              <a:rPr lang="en-US" dirty="0" err="1" smtClean="0"/>
+              <a:t>openbd.org</a:t>
+            </a:r>
+            <a:r>
+              <a:rPr lang="en-US" dirty="0" smtClean="0"/>
+              <a:t>/manual/?/tag/category/control</a:t>
+            </a:r>
+          </a:p>
+          <a:p>
+            <a:r>
+              <a:rPr lang="en-US" dirty="0" smtClean="0"/>
+              <a:t>http://</a:t>
+            </a:r>
+            <a:r>
+              <a:rPr lang="en-US" dirty="0" err="1" smtClean="0"/>
+              <a:t>openbd.org</a:t>
+            </a:r>
+            <a:r>
+              <a:rPr lang="en-US" dirty="0" smtClean="0"/>
+              <a:t>/manual/?/tag/category/network</a:t>
+            </a:r>
+            <a:endParaRPr lang="en-US" dirty="0"/>
+          </a:p>
+        </p:txBody>
+      </p:sp>
+      <p:sp>
+        <p:nvSpPr>
+          <p:cNvPr id="4" name="Slide Number Placeholder 3"/>
+          <p:cNvSpPr>
+            <a:spLocks noGrp="1"/>
+          </p:cNvSpPr>
+          <p:nvPr>
+            <p:ph type="sldNum" sz="quarter" idx="10"/>
+          </p:nvPr>
+        </p:nvSpPr>
+        <p:spPr/>
+        <p:txBody>
+          <a:bodyPr/>
+          <a:lstStyle/>
+          <a:p>
+            <a:fld id="{433137AF-EBFE-664E-840A-10B3290003D1}" type="slidenum">
+              <a:rPr lang="en-US" smtClean="0"/>
+              <a:t>22</a:t>
+            </a:fld>
+            <a:endParaRPr lang="en-US"/>
+          </a:p>
+        </p:txBody>
+      </p:sp>
+    </p:spTree>
+    <p:extLst>
+      <p:ext uri="{BB962C8B-B14F-4D97-AF65-F5344CB8AC3E}">
+        <p14:creationId xmlns:p14="http://schemas.microsoft.com/office/powerpoint/2010/main" val="42394760"/>
+      </p:ext>
+    </p:extLst>
+  </p:cSld>
+  <p:clrMapOvr>
+    <a:masterClrMapping/>
+  </p:clrMapOvr>
+</p:notes>
+</file>
+
 <file path=ppt/notesSlides/notesSlide2.xml><?xml version="1.0" encoding="utf-8"?>
 <p:notes xmlns:a="http://schemas.openxmlformats.org/drawingml/2006/main" xmlns:r="http://schemas.openxmlformats.org/officeDocument/2006/relationships" xmlns:p="http://schemas.openxmlformats.org/presentationml/2006/main">
   <p:cSld>
@@ -655,6 +1761,436 @@
     <p:extLst>
       <p:ext uri="{BB962C8B-B14F-4D97-AF65-F5344CB8AC3E}">
         <p14:creationId xmlns:p14="http://schemas.microsoft.com/office/powerpoint/2010/main" val="1840430768"/>
+      </p:ext>
+    </p:extLst>
+  </p:cSld>
+  <p:clrMapOvr>
+    <a:masterClrMapping/>
+  </p:clrMapOvr>
+</p:notes>
+</file>
+
+<file path=ppt/notesSlides/notesSlide20.xml><?xml version="1.0" encoding="utf-8"?>
+<p:notes xmlns:a="http://schemas.openxmlformats.org/drawingml/2006/main" xmlns:r="http://schemas.openxmlformats.org/officeDocument/2006/relationships" xmlns:p="http://schemas.openxmlformats.org/presentationml/2006/main">
+  <p:cSld>
+    <p:spTree>
+      <p:nvGrpSpPr>
+        <p:cNvPr id="1" name=""/>
+        <p:cNvGrpSpPr/>
+        <p:nvPr/>
+      </p:nvGrpSpPr>
+      <p:grpSpPr>
+        <a:xfrm>
+          <a:off x="0" y="0"/>
+          <a:ext cx="0" cy="0"/>
+          <a:chOff x="0" y="0"/>
+          <a:chExt cx="0" cy="0"/>
+        </a:xfrm>
+      </p:grpSpPr>
+      <p:sp>
+        <p:nvSpPr>
+          <p:cNvPr id="2" name="Slide Image Placeholder 1"/>
+          <p:cNvSpPr>
+            <a:spLocks noGrp="1" noRot="1" noChangeAspect="1"/>
+          </p:cNvSpPr>
+          <p:nvPr>
+            <p:ph type="sldImg"/>
+          </p:nvPr>
+        </p:nvSpPr>
+        <p:spPr/>
+      </p:sp>
+      <p:sp>
+        <p:nvSpPr>
+          <p:cNvPr id="3" name="Notes Placeholder 2"/>
+          <p:cNvSpPr>
+            <a:spLocks noGrp="1"/>
+          </p:cNvSpPr>
+          <p:nvPr>
+            <p:ph type="body" idx="1"/>
+          </p:nvPr>
+        </p:nvSpPr>
+        <p:spPr/>
+        <p:txBody>
+          <a:bodyPr/>
+          <a:lstStyle/>
+          <a:p>
+            <a:r>
+              <a:rPr lang="en-US" dirty="0" smtClean="0"/>
+              <a:t>http://</a:t>
+            </a:r>
+            <a:r>
+              <a:rPr lang="en-US" dirty="0" err="1" smtClean="0"/>
+              <a:t>openbd.org</a:t>
+            </a:r>
+            <a:r>
+              <a:rPr lang="en-US" dirty="0" smtClean="0"/>
+              <a:t>/manual/?/tag/category/control</a:t>
+            </a:r>
+            <a:endParaRPr lang="en-US" dirty="0"/>
+          </a:p>
+        </p:txBody>
+      </p:sp>
+      <p:sp>
+        <p:nvSpPr>
+          <p:cNvPr id="4" name="Slide Number Placeholder 3"/>
+          <p:cNvSpPr>
+            <a:spLocks noGrp="1"/>
+          </p:cNvSpPr>
+          <p:nvPr>
+            <p:ph type="sldNum" sz="quarter" idx="10"/>
+          </p:nvPr>
+        </p:nvSpPr>
+        <p:spPr/>
+        <p:txBody>
+          <a:bodyPr/>
+          <a:lstStyle/>
+          <a:p>
+            <a:fld id="{433137AF-EBFE-664E-840A-10B3290003D1}" type="slidenum">
+              <a:rPr lang="en-US" smtClean="0"/>
+              <a:t>23</a:t>
+            </a:fld>
+            <a:endParaRPr lang="en-US"/>
+          </a:p>
+        </p:txBody>
+      </p:sp>
+    </p:spTree>
+    <p:extLst>
+      <p:ext uri="{BB962C8B-B14F-4D97-AF65-F5344CB8AC3E}">
+        <p14:creationId xmlns:p14="http://schemas.microsoft.com/office/powerpoint/2010/main" val="107169159"/>
+      </p:ext>
+    </p:extLst>
+  </p:cSld>
+  <p:clrMapOvr>
+    <a:masterClrMapping/>
+  </p:clrMapOvr>
+</p:notes>
+</file>
+
+<file path=ppt/notesSlides/notesSlide21.xml><?xml version="1.0" encoding="utf-8"?>
+<p:notes xmlns:a="http://schemas.openxmlformats.org/drawingml/2006/main" xmlns:r="http://schemas.openxmlformats.org/officeDocument/2006/relationships" xmlns:p="http://schemas.openxmlformats.org/presentationml/2006/main">
+  <p:cSld>
+    <p:spTree>
+      <p:nvGrpSpPr>
+        <p:cNvPr id="1" name=""/>
+        <p:cNvGrpSpPr/>
+        <p:nvPr/>
+      </p:nvGrpSpPr>
+      <p:grpSpPr>
+        <a:xfrm>
+          <a:off x="0" y="0"/>
+          <a:ext cx="0" cy="0"/>
+          <a:chOff x="0" y="0"/>
+          <a:chExt cx="0" cy="0"/>
+        </a:xfrm>
+      </p:grpSpPr>
+      <p:sp>
+        <p:nvSpPr>
+          <p:cNvPr id="2" name="Slide Image Placeholder 1"/>
+          <p:cNvSpPr>
+            <a:spLocks noGrp="1" noRot="1" noChangeAspect="1"/>
+          </p:cNvSpPr>
+          <p:nvPr>
+            <p:ph type="sldImg"/>
+          </p:nvPr>
+        </p:nvSpPr>
+        <p:spPr/>
+      </p:sp>
+      <p:sp>
+        <p:nvSpPr>
+          <p:cNvPr id="3" name="Notes Placeholder 2"/>
+          <p:cNvSpPr>
+            <a:spLocks noGrp="1"/>
+          </p:cNvSpPr>
+          <p:nvPr>
+            <p:ph type="body" idx="1"/>
+          </p:nvPr>
+        </p:nvSpPr>
+        <p:spPr/>
+        <p:txBody>
+          <a:bodyPr/>
+          <a:lstStyle/>
+          <a:p>
+            <a:r>
+              <a:rPr lang="en-US" dirty="0" smtClean="0"/>
+              <a:t>http://</a:t>
+            </a:r>
+            <a:r>
+              <a:rPr lang="en-US" dirty="0" err="1" smtClean="0"/>
+              <a:t>openbd.org</a:t>
+            </a:r>
+            <a:r>
+              <a:rPr lang="en-US" dirty="0" smtClean="0"/>
+              <a:t>/manual/?/tag/category/database</a:t>
+            </a:r>
+          </a:p>
+          <a:p>
+            <a:r>
+              <a:rPr lang="en-US" dirty="0" smtClean="0"/>
+              <a:t>http://</a:t>
+            </a:r>
+            <a:r>
+              <a:rPr lang="en-US" dirty="0" err="1" smtClean="0"/>
+              <a:t>openbd.org</a:t>
+            </a:r>
+            <a:r>
+              <a:rPr lang="en-US" dirty="0" smtClean="0"/>
+              <a:t>/manual/?/tag/category/file</a:t>
+            </a:r>
+          </a:p>
+          <a:p>
+            <a:r>
+              <a:rPr lang="en-US" dirty="0" smtClean="0"/>
+              <a:t>http://</a:t>
+            </a:r>
+            <a:r>
+              <a:rPr lang="en-US" dirty="0" err="1" smtClean="0"/>
+              <a:t>openbd.org</a:t>
+            </a:r>
+            <a:r>
+              <a:rPr lang="en-US" dirty="0" smtClean="0"/>
+              <a:t>/manual/?/tag/category/remote</a:t>
+            </a:r>
+            <a:endParaRPr lang="en-US" dirty="0"/>
+          </a:p>
+        </p:txBody>
+      </p:sp>
+      <p:sp>
+        <p:nvSpPr>
+          <p:cNvPr id="4" name="Slide Number Placeholder 3"/>
+          <p:cNvSpPr>
+            <a:spLocks noGrp="1"/>
+          </p:cNvSpPr>
+          <p:nvPr>
+            <p:ph type="sldNum" sz="quarter" idx="10"/>
+          </p:nvPr>
+        </p:nvSpPr>
+        <p:spPr/>
+        <p:txBody>
+          <a:bodyPr/>
+          <a:lstStyle/>
+          <a:p>
+            <a:fld id="{433137AF-EBFE-664E-840A-10B3290003D1}" type="slidenum">
+              <a:rPr lang="en-US" smtClean="0"/>
+              <a:t>24</a:t>
+            </a:fld>
+            <a:endParaRPr lang="en-US"/>
+          </a:p>
+        </p:txBody>
+      </p:sp>
+    </p:spTree>
+    <p:extLst>
+      <p:ext uri="{BB962C8B-B14F-4D97-AF65-F5344CB8AC3E}">
+        <p14:creationId xmlns:p14="http://schemas.microsoft.com/office/powerpoint/2010/main" val="3064070676"/>
+      </p:ext>
+    </p:extLst>
+  </p:cSld>
+  <p:clrMapOvr>
+    <a:masterClrMapping/>
+  </p:clrMapOvr>
+</p:notes>
+</file>
+
+<file path=ppt/notesSlides/notesSlide22.xml><?xml version="1.0" encoding="utf-8"?>
+<p:notes xmlns:a="http://schemas.openxmlformats.org/drawingml/2006/main" xmlns:r="http://schemas.openxmlformats.org/officeDocument/2006/relationships" xmlns:p="http://schemas.openxmlformats.org/presentationml/2006/main">
+  <p:cSld>
+    <p:spTree>
+      <p:nvGrpSpPr>
+        <p:cNvPr id="1" name=""/>
+        <p:cNvGrpSpPr/>
+        <p:nvPr/>
+      </p:nvGrpSpPr>
+      <p:grpSpPr>
+        <a:xfrm>
+          <a:off x="0" y="0"/>
+          <a:ext cx="0" cy="0"/>
+          <a:chOff x="0" y="0"/>
+          <a:chExt cx="0" cy="0"/>
+        </a:xfrm>
+      </p:grpSpPr>
+      <p:sp>
+        <p:nvSpPr>
+          <p:cNvPr id="2" name="Slide Image Placeholder 1"/>
+          <p:cNvSpPr>
+            <a:spLocks noGrp="1" noRot="1" noChangeAspect="1"/>
+          </p:cNvSpPr>
+          <p:nvPr>
+            <p:ph type="sldImg"/>
+          </p:nvPr>
+        </p:nvSpPr>
+        <p:spPr/>
+      </p:sp>
+      <p:sp>
+        <p:nvSpPr>
+          <p:cNvPr id="3" name="Notes Placeholder 2"/>
+          <p:cNvSpPr>
+            <a:spLocks noGrp="1"/>
+          </p:cNvSpPr>
+          <p:nvPr>
+            <p:ph type="body" idx="1"/>
+          </p:nvPr>
+        </p:nvSpPr>
+        <p:spPr/>
+        <p:txBody>
+          <a:bodyPr/>
+          <a:lstStyle/>
+          <a:p>
+            <a:r>
+              <a:rPr lang="en-US" dirty="0" smtClean="0"/>
+              <a:t>http://</a:t>
+            </a:r>
+            <a:r>
+              <a:rPr lang="en-US" dirty="0" err="1" smtClean="0"/>
+              <a:t>openbd.org</a:t>
+            </a:r>
+            <a:r>
+              <a:rPr lang="en-US" dirty="0" smtClean="0"/>
+              <a:t>/manual/?/tag/category/remote</a:t>
+            </a:r>
+          </a:p>
+          <a:p>
+            <a:r>
+              <a:rPr lang="en-US" dirty="0" smtClean="0"/>
+              <a:t>http://</a:t>
+            </a:r>
+            <a:r>
+              <a:rPr lang="en-US" dirty="0" err="1" smtClean="0"/>
+              <a:t>openbd.org</a:t>
+            </a:r>
+            <a:r>
+              <a:rPr lang="en-US" dirty="0" smtClean="0"/>
+              <a:t>/manual/?/tag/category/unknown</a:t>
+            </a:r>
+            <a:endParaRPr lang="en-US" dirty="0"/>
+          </a:p>
+        </p:txBody>
+      </p:sp>
+      <p:sp>
+        <p:nvSpPr>
+          <p:cNvPr id="4" name="Slide Number Placeholder 3"/>
+          <p:cNvSpPr>
+            <a:spLocks noGrp="1"/>
+          </p:cNvSpPr>
+          <p:nvPr>
+            <p:ph type="sldNum" sz="quarter" idx="10"/>
+          </p:nvPr>
+        </p:nvSpPr>
+        <p:spPr/>
+        <p:txBody>
+          <a:bodyPr/>
+          <a:lstStyle/>
+          <a:p>
+            <a:fld id="{433137AF-EBFE-664E-840A-10B3290003D1}" type="slidenum">
+              <a:rPr lang="en-US" smtClean="0"/>
+              <a:t>25</a:t>
+            </a:fld>
+            <a:endParaRPr lang="en-US"/>
+          </a:p>
+        </p:txBody>
+      </p:sp>
+    </p:spTree>
+    <p:extLst>
+      <p:ext uri="{BB962C8B-B14F-4D97-AF65-F5344CB8AC3E}">
+        <p14:creationId xmlns:p14="http://schemas.microsoft.com/office/powerpoint/2010/main" val="747617567"/>
+      </p:ext>
+    </p:extLst>
+  </p:cSld>
+  <p:clrMapOvr>
+    <a:masterClrMapping/>
+  </p:clrMapOvr>
+</p:notes>
+</file>
+
+<file path=ppt/notesSlides/notesSlide23.xml><?xml version="1.0" encoding="utf-8"?>
+<p:notes xmlns:a="http://schemas.openxmlformats.org/drawingml/2006/main" xmlns:r="http://schemas.openxmlformats.org/officeDocument/2006/relationships" xmlns:p="http://schemas.openxmlformats.org/presentationml/2006/main">
+  <p:cSld>
+    <p:spTree>
+      <p:nvGrpSpPr>
+        <p:cNvPr id="1" name=""/>
+        <p:cNvGrpSpPr/>
+        <p:nvPr/>
+      </p:nvGrpSpPr>
+      <p:grpSpPr>
+        <a:xfrm>
+          <a:off x="0" y="0"/>
+          <a:ext cx="0" cy="0"/>
+          <a:chOff x="0" y="0"/>
+          <a:chExt cx="0" cy="0"/>
+        </a:xfrm>
+      </p:grpSpPr>
+      <p:sp>
+        <p:nvSpPr>
+          <p:cNvPr id="2" name="Slide Image Placeholder 1"/>
+          <p:cNvSpPr>
+            <a:spLocks noGrp="1" noRot="1" noChangeAspect="1"/>
+          </p:cNvSpPr>
+          <p:nvPr>
+            <p:ph type="sldImg"/>
+          </p:nvPr>
+        </p:nvSpPr>
+        <p:spPr/>
+      </p:sp>
+      <p:sp>
+        <p:nvSpPr>
+          <p:cNvPr id="3" name="Notes Placeholder 2"/>
+          <p:cNvSpPr>
+            <a:spLocks noGrp="1"/>
+          </p:cNvSpPr>
+          <p:nvPr>
+            <p:ph type="body" idx="1"/>
+          </p:nvPr>
+        </p:nvSpPr>
+        <p:spPr/>
+        <p:txBody>
+          <a:bodyPr/>
+          <a:lstStyle/>
+          <a:p>
+            <a:r>
+              <a:rPr lang="en-US" dirty="0" smtClean="0"/>
+              <a:t>http://</a:t>
+            </a:r>
+            <a:r>
+              <a:rPr lang="en-US" dirty="0" err="1" smtClean="0"/>
+              <a:t>openbd.org</a:t>
+            </a:r>
+            <a:r>
+              <a:rPr lang="en-US" dirty="0" smtClean="0"/>
+              <a:t>/manual/?/</a:t>
+            </a:r>
+            <a:r>
+              <a:rPr lang="en-US" dirty="0" err="1" smtClean="0"/>
+              <a:t>cfc_introduction</a:t>
+            </a:r>
+            <a:endParaRPr lang="en-US" dirty="0"/>
+          </a:p>
+        </p:txBody>
+      </p:sp>
+      <p:sp>
+        <p:nvSpPr>
+          <p:cNvPr id="4" name="Slide Number Placeholder 3"/>
+          <p:cNvSpPr>
+            <a:spLocks noGrp="1"/>
+          </p:cNvSpPr>
+          <p:nvPr>
+            <p:ph type="sldNum" sz="quarter" idx="10"/>
+          </p:nvPr>
+        </p:nvSpPr>
+        <p:spPr/>
+        <p:txBody>
+          <a:bodyPr/>
+          <a:lstStyle/>
+          <a:p>
+            <a:fld id="{433137AF-EBFE-664E-840A-10B3290003D1}" type="slidenum">
+              <a:rPr lang="en-US" smtClean="0"/>
+              <a:t>27</a:t>
+            </a:fld>
+            <a:endParaRPr lang="en-US"/>
+          </a:p>
+        </p:txBody>
+      </p:sp>
+    </p:spTree>
+    <p:extLst>
+      <p:ext uri="{BB962C8B-B14F-4D97-AF65-F5344CB8AC3E}">
+        <p14:creationId xmlns:p14="http://schemas.microsoft.com/office/powerpoint/2010/main" val="882511047"/>
       </p:ext>
     </p:extLst>
   </p:cSld>
@@ -1582,6 +3118,94 @@
     <p:extLst>
       <p:ext uri="{BB962C8B-B14F-4D97-AF65-F5344CB8AC3E}">
         <p14:creationId xmlns:p14="http://schemas.microsoft.com/office/powerpoint/2010/main" val="598371091"/>
+      </p:ext>
+    </p:extLst>
+  </p:cSld>
+  <p:clrMapOvr>
+    <a:masterClrMapping/>
+  </p:clrMapOvr>
+</p:notes>
+</file>
+
+<file path=ppt/notesSlides/notesSlide9.xml><?xml version="1.0" encoding="utf-8"?>
+<p:notes xmlns:a="http://schemas.openxmlformats.org/drawingml/2006/main" xmlns:r="http://schemas.openxmlformats.org/officeDocument/2006/relationships" xmlns:p="http://schemas.openxmlformats.org/presentationml/2006/main">
+  <p:cSld>
+    <p:spTree>
+      <p:nvGrpSpPr>
+        <p:cNvPr id="1" name=""/>
+        <p:cNvGrpSpPr/>
+        <p:nvPr/>
+      </p:nvGrpSpPr>
+      <p:grpSpPr>
+        <a:xfrm>
+          <a:off x="0" y="0"/>
+          <a:ext cx="0" cy="0"/>
+          <a:chOff x="0" y="0"/>
+          <a:chExt cx="0" cy="0"/>
+        </a:xfrm>
+      </p:grpSpPr>
+      <p:sp>
+        <p:nvSpPr>
+          <p:cNvPr id="2" name="Slide Image Placeholder 1"/>
+          <p:cNvSpPr>
+            <a:spLocks noGrp="1" noRot="1" noChangeAspect="1"/>
+          </p:cNvSpPr>
+          <p:nvPr>
+            <p:ph type="sldImg"/>
+          </p:nvPr>
+        </p:nvSpPr>
+        <p:spPr/>
+      </p:sp>
+      <p:sp>
+        <p:nvSpPr>
+          <p:cNvPr id="3" name="Notes Placeholder 2"/>
+          <p:cNvSpPr>
+            <a:spLocks noGrp="1"/>
+          </p:cNvSpPr>
+          <p:nvPr>
+            <p:ph type="body" idx="1"/>
+          </p:nvPr>
+        </p:nvSpPr>
+        <p:spPr/>
+        <p:txBody>
+          <a:bodyPr/>
+          <a:lstStyle/>
+          <a:p>
+            <a:r>
+              <a:rPr lang="en-US" dirty="0" smtClean="0"/>
+              <a:t>Create a new guestbook website</a:t>
+            </a:r>
+            <a:endParaRPr lang="en-US" dirty="0"/>
+          </a:p>
+        </p:txBody>
+      </p:sp>
+      <p:sp>
+        <p:nvSpPr>
+          <p:cNvPr id="4" name="Slide Number Placeholder 3"/>
+          <p:cNvSpPr>
+            <a:spLocks noGrp="1"/>
+          </p:cNvSpPr>
+          <p:nvPr>
+            <p:ph type="sldNum" sz="quarter" idx="10"/>
+          </p:nvPr>
+        </p:nvSpPr>
+        <p:spPr/>
+        <p:txBody>
+          <a:bodyPr/>
+          <a:lstStyle/>
+          <a:p>
+            <a:fld id="{433137AF-EBFE-664E-840A-10B3290003D1}" type="slidenum">
+              <a:rPr lang="en-US" smtClean="0"/>
+              <a:t>12</a:t>
+            </a:fld>
+            <a:endParaRPr lang="en-US"/>
+          </a:p>
+        </p:txBody>
+      </p:sp>
+    </p:spTree>
+    <p:extLst>
+      <p:ext uri="{BB962C8B-B14F-4D97-AF65-F5344CB8AC3E}">
+        <p14:creationId xmlns:p14="http://schemas.microsoft.com/office/powerpoint/2010/main" val="4066927578"/>
       </p:ext>
     </p:extLst>
   </p:cSld>
@@ -1875,7 +3499,7 @@
             <a:fld id="{8ACDB3CC-F982-40F9-8DD6-BCC9AFBF44BD}" type="datetime1">
               <a:rPr lang="en-US" smtClean="0"/>
               <a:pPr/>
-              <a:t>10/30/11</a:t>
+              <a:t>11/1/11</a:t>
             </a:fld>
             <a:endParaRPr lang="en-US" dirty="0"/>
           </a:p>
@@ -2068,7 +3692,7 @@
           <a:p>
             <a:fld id="{8604C85F-9729-E84D-AABC-8B386584B07D}" type="datetimeFigureOut">
               <a:rPr lang="en-US" smtClean="0"/>
-              <a:t>10/30/11</a:t>
+              <a:t>11/1/11</a:t>
             </a:fld>
             <a:endParaRPr lang="en-US"/>
           </a:p>
@@ -2337,7 +3961,7 @@
           <a:p>
             <a:fld id="{8604C85F-9729-E84D-AABC-8B386584B07D}" type="datetimeFigureOut">
               <a:rPr lang="en-US" smtClean="0"/>
-              <a:t>10/30/11</a:t>
+              <a:t>11/1/11</a:t>
             </a:fld>
             <a:endParaRPr lang="en-US"/>
           </a:p>
@@ -2516,7 +4140,7 @@
           <a:p>
             <a:fld id="{8604C85F-9729-E84D-AABC-8B386584B07D}" type="datetimeFigureOut">
               <a:rPr lang="en-US" smtClean="0"/>
-              <a:t>10/30/11</a:t>
+              <a:t>11/1/11</a:t>
             </a:fld>
             <a:endParaRPr lang="en-US"/>
           </a:p>
@@ -2685,7 +4309,7 @@
           <a:p>
             <a:fld id="{8604C85F-9729-E84D-AABC-8B386584B07D}" type="datetimeFigureOut">
               <a:rPr lang="en-US" smtClean="0"/>
-              <a:t>10/30/11</a:t>
+              <a:t>11/1/11</a:t>
             </a:fld>
             <a:endParaRPr lang="en-US"/>
           </a:p>
@@ -2927,7 +4551,7 @@
           <a:p>
             <a:fld id="{8604C85F-9729-E84D-AABC-8B386584B07D}" type="datetimeFigureOut">
               <a:rPr lang="en-US" smtClean="0"/>
-              <a:t>10/30/11</a:t>
+              <a:t>11/1/11</a:t>
             </a:fld>
             <a:endParaRPr lang="en-US"/>
           </a:p>
@@ -3251,7 +4875,7 @@
             <a:fld id="{64DDAE5B-B07C-441A-8026-C23A427A74DC}" type="datetime1">
               <a:rPr lang="en-US" smtClean="0"/>
               <a:pPr/>
-              <a:t>10/30/11</a:t>
+              <a:t>11/1/11</a:t>
             </a:fld>
             <a:endParaRPr lang="en-US"/>
           </a:p>
@@ -3550,7 +5174,7 @@
           <a:p>
             <a:fld id="{8604C85F-9729-E84D-AABC-8B386584B07D}" type="datetimeFigureOut">
               <a:rPr lang="en-US" smtClean="0"/>
-              <a:t>10/30/11</a:t>
+              <a:t>11/1/11</a:t>
             </a:fld>
             <a:endParaRPr lang="en-US"/>
           </a:p>
@@ -4006,7 +5630,7 @@
           <a:p>
             <a:fld id="{8604C85F-9729-E84D-AABC-8B386584B07D}" type="datetimeFigureOut">
               <a:rPr lang="en-US" smtClean="0"/>
-              <a:t>10/30/11</a:t>
+              <a:t>11/1/11</a:t>
             </a:fld>
             <a:endParaRPr lang="en-US"/>
           </a:p>
@@ -4119,7 +5743,7 @@
           <a:p>
             <a:fld id="{8604C85F-9729-E84D-AABC-8B386584B07D}" type="datetimeFigureOut">
               <a:rPr lang="en-US" smtClean="0"/>
-              <a:t>10/30/11</a:t>
+              <a:t>11/1/11</a:t>
             </a:fld>
             <a:endParaRPr lang="en-US"/>
           </a:p>
@@ -4209,7 +5833,7 @@
           <a:p>
             <a:fld id="{8604C85F-9729-E84D-AABC-8B386584B07D}" type="datetimeFigureOut">
               <a:rPr lang="en-US" smtClean="0"/>
-              <a:t>10/30/11</a:t>
+              <a:t>11/1/11</a:t>
             </a:fld>
             <a:endParaRPr lang="en-US"/>
           </a:p>
@@ -4491,7 +6115,7 @@
           <a:p>
             <a:fld id="{8604C85F-9729-E84D-AABC-8B386584B07D}" type="datetimeFigureOut">
               <a:rPr lang="en-US" smtClean="0"/>
-              <a:t>10/30/11</a:t>
+              <a:t>11/1/11</a:t>
             </a:fld>
             <a:endParaRPr lang="en-US"/>
           </a:p>
@@ -4698,7 +6322,7 @@
           <a:p>
             <a:fld id="{8604C85F-9729-E84D-AABC-8B386584B07D}" type="datetimeFigureOut">
               <a:rPr lang="en-US" smtClean="0"/>
-              <a:t>10/30/11</a:t>
+              <a:t>11/1/11</a:t>
             </a:fld>
             <a:endParaRPr lang="en-US"/>
           </a:p>
@@ -5205,14 +6829,1826 @@
   <p:clrMapOvr>
     <a:masterClrMapping/>
   </p:clrMapOvr>
-  <mc:AlternateContent xmlns:mc="http://schemas.openxmlformats.org/markup-compatibility/2006">
-    <mc:Choice xmlns:p14="http://schemas.microsoft.com/office/powerpoint/2010/main" Requires="p14">
+  <mc:AlternateContent xmlns:mc="http://schemas.openxmlformats.org/markup-compatibility/2006" xmlns:p14="http://schemas.microsoft.com/office/powerpoint/2010/main">
+    <mc:Choice Requires="p14">
       <p:transition spd="slow" p14:dur="2000"/>
     </mc:Choice>
-    <mc:Fallback>
+    <mc:Fallback xmlns="">
       <p:transition xmlns:p14="http://schemas.microsoft.com/office/powerpoint/2010/main" spd="slow"/>
     </mc:Fallback>
   </mc:AlternateContent>
+</p:sld>
+</file>
+
+<file path=ppt/slides/slide10.xml><?xml version="1.0" encoding="utf-8"?>
+<p:sld xmlns:a="http://schemas.openxmlformats.org/drawingml/2006/main" xmlns:r="http://schemas.openxmlformats.org/officeDocument/2006/relationships" xmlns:p="http://schemas.openxmlformats.org/presentationml/2006/main">
+  <p:cSld>
+    <p:spTree>
+      <p:nvGrpSpPr>
+        <p:cNvPr id="1" name=""/>
+        <p:cNvGrpSpPr/>
+        <p:nvPr/>
+      </p:nvGrpSpPr>
+      <p:grpSpPr>
+        <a:xfrm>
+          <a:off x="0" y="0"/>
+          <a:ext cx="0" cy="0"/>
+          <a:chOff x="0" y="0"/>
+          <a:chExt cx="0" cy="0"/>
+        </a:xfrm>
+      </p:grpSpPr>
+      <p:sp>
+        <p:nvSpPr>
+          <p:cNvPr id="2" name="Title 1"/>
+          <p:cNvSpPr>
+            <a:spLocks noGrp="1"/>
+          </p:cNvSpPr>
+          <p:nvPr>
+            <p:ph type="title"/>
+          </p:nvPr>
+        </p:nvSpPr>
+        <p:spPr/>
+        <p:txBody>
+          <a:bodyPr/>
+          <a:lstStyle/>
+          <a:p>
+            <a:r>
+              <a:rPr lang="en-US" dirty="0" smtClean="0"/>
+              <a:t>Install </a:t>
+            </a:r>
+            <a:r>
+              <a:rPr lang="en-US" dirty="0" err="1" smtClean="0"/>
+              <a:t>OpenBD</a:t>
+            </a:r>
+            <a:r>
+              <a:rPr lang="en-US" dirty="0" smtClean="0"/>
+              <a:t> Desktop</a:t>
+            </a:r>
+            <a:endParaRPr lang="en-US" dirty="0"/>
+          </a:p>
+        </p:txBody>
+      </p:sp>
+      <p:sp>
+        <p:nvSpPr>
+          <p:cNvPr id="3" name="Content Placeholder 2"/>
+          <p:cNvSpPr>
+            <a:spLocks noGrp="1"/>
+          </p:cNvSpPr>
+          <p:nvPr>
+            <p:ph idx="1"/>
+          </p:nvPr>
+        </p:nvSpPr>
+        <p:spPr/>
+        <p:txBody>
+          <a:bodyPr>
+            <a:normAutofit lnSpcReduction="10000"/>
+          </a:bodyPr>
+          <a:lstStyle/>
+          <a:p>
+            <a:r>
+              <a:rPr lang="en-US" dirty="0" smtClean="0"/>
+              <a:t>Go to </a:t>
+            </a:r>
+            <a:r>
+              <a:rPr lang="en-US" dirty="0" err="1" smtClean="0"/>
+              <a:t>openbd.org</a:t>
+            </a:r>
+            <a:endParaRPr lang="en-US" dirty="0" smtClean="0"/>
+          </a:p>
+          <a:p>
+            <a:r>
+              <a:rPr lang="en-US" dirty="0" smtClean="0"/>
+              <a:t>Click on Download</a:t>
+            </a:r>
+          </a:p>
+          <a:p>
+            <a:r>
+              <a:rPr lang="en-US" dirty="0" smtClean="0"/>
+              <a:t>Click </a:t>
+            </a:r>
+            <a:r>
+              <a:rPr lang="en-US" dirty="0" err="1" smtClean="0"/>
+              <a:t>OpenBD</a:t>
+            </a:r>
+            <a:r>
+              <a:rPr lang="en-US" dirty="0" smtClean="0"/>
+              <a:t> Desktop</a:t>
+            </a:r>
+          </a:p>
+          <a:p>
+            <a:r>
+              <a:rPr lang="en-US" dirty="0" smtClean="0"/>
+              <a:t>Click Download</a:t>
+            </a:r>
+          </a:p>
+          <a:p>
+            <a:r>
+              <a:rPr lang="en-US" dirty="0" smtClean="0"/>
+              <a:t>Unzip</a:t>
+            </a:r>
+          </a:p>
+          <a:p>
+            <a:r>
+              <a:rPr lang="en-US" dirty="0" smtClean="0"/>
+              <a:t>Execute the .exe or .</a:t>
+            </a:r>
+            <a:r>
+              <a:rPr lang="en-US" dirty="0" err="1" smtClean="0"/>
+              <a:t>sh</a:t>
+            </a:r>
+            <a:endParaRPr lang="en-US" dirty="0" smtClean="0"/>
+          </a:p>
+          <a:p>
+            <a:pPr lvl="1"/>
+            <a:r>
+              <a:rPr lang="en-US" dirty="0" smtClean="0"/>
+              <a:t>.</a:t>
+            </a:r>
+            <a:r>
+              <a:rPr lang="en-US" dirty="0" err="1" smtClean="0"/>
+              <a:t>sh</a:t>
+            </a:r>
+            <a:r>
+              <a:rPr lang="en-US" dirty="0" smtClean="0"/>
+              <a:t> might need to get </a:t>
+            </a:r>
+            <a:r>
+              <a:rPr lang="en-US" dirty="0" err="1" smtClean="0"/>
+              <a:t>chmod</a:t>
+            </a:r>
+            <a:r>
+              <a:rPr lang="en-US" dirty="0" smtClean="0"/>
+              <a:t> +x</a:t>
+            </a:r>
+          </a:p>
+          <a:p>
+            <a:pPr lvl="1"/>
+            <a:r>
+              <a:rPr lang="en-US" dirty="0" smtClean="0"/>
+              <a:t>Execute .</a:t>
+            </a:r>
+            <a:r>
+              <a:rPr lang="en-US" dirty="0" err="1" smtClean="0"/>
+              <a:t>sh</a:t>
+            </a:r>
+            <a:r>
+              <a:rPr lang="en-US" dirty="0" smtClean="0"/>
+              <a:t> as `</a:t>
+            </a:r>
+            <a:r>
+              <a:rPr lang="en-US" dirty="0" err="1" smtClean="0"/>
+              <a:t>sudo</a:t>
+            </a:r>
+            <a:r>
+              <a:rPr lang="en-US" dirty="0" smtClean="0"/>
+              <a:t> </a:t>
+            </a:r>
+            <a:r>
+              <a:rPr lang="en-US" dirty="0" err="1" smtClean="0"/>
+              <a:t>sh</a:t>
+            </a:r>
+            <a:r>
+              <a:rPr lang="en-US" dirty="0" smtClean="0"/>
+              <a:t> </a:t>
+            </a:r>
+            <a:r>
+              <a:rPr lang="en-US" dirty="0" err="1" smtClean="0"/>
+              <a:t>OpenBlueDragonDesktop.sh</a:t>
+            </a:r>
+            <a:r>
+              <a:rPr lang="en-US" dirty="0" smtClean="0"/>
+              <a:t>`</a:t>
+            </a:r>
+            <a:endParaRPr lang="en-US" dirty="0"/>
+          </a:p>
+        </p:txBody>
+      </p:sp>
+    </p:spTree>
+    <p:extLst>
+      <p:ext uri="{BB962C8B-B14F-4D97-AF65-F5344CB8AC3E}">
+        <p14:creationId xmlns:p14="http://schemas.microsoft.com/office/powerpoint/2010/main" val="507268359"/>
+      </p:ext>
+    </p:extLst>
+  </p:cSld>
+  <p:clrMapOvr>
+    <a:masterClrMapping/>
+  </p:clrMapOvr>
+</p:sld>
+</file>
+
+<file path=ppt/slides/slide11.xml><?xml version="1.0" encoding="utf-8"?>
+<p:sld xmlns:a="http://schemas.openxmlformats.org/drawingml/2006/main" xmlns:r="http://schemas.openxmlformats.org/officeDocument/2006/relationships" xmlns:p="http://schemas.openxmlformats.org/presentationml/2006/main">
+  <p:cSld>
+    <p:spTree>
+      <p:nvGrpSpPr>
+        <p:cNvPr id="1" name=""/>
+        <p:cNvGrpSpPr/>
+        <p:nvPr/>
+      </p:nvGrpSpPr>
+      <p:grpSpPr>
+        <a:xfrm>
+          <a:off x="0" y="0"/>
+          <a:ext cx="0" cy="0"/>
+          <a:chOff x="0" y="0"/>
+          <a:chExt cx="0" cy="0"/>
+        </a:xfrm>
+      </p:grpSpPr>
+      <p:sp>
+        <p:nvSpPr>
+          <p:cNvPr id="2" name="Title 1"/>
+          <p:cNvSpPr>
+            <a:spLocks noGrp="1"/>
+          </p:cNvSpPr>
+          <p:nvPr>
+            <p:ph type="title"/>
+          </p:nvPr>
+        </p:nvSpPr>
+        <p:spPr/>
+        <p:txBody>
+          <a:bodyPr/>
+          <a:lstStyle/>
+          <a:p>
+            <a:r>
+              <a:rPr lang="en-US" dirty="0" smtClean="0"/>
+              <a:t>Run </a:t>
+            </a:r>
+            <a:r>
+              <a:rPr lang="en-US" dirty="0" err="1" smtClean="0"/>
+              <a:t>OpenBD</a:t>
+            </a:r>
+            <a:r>
+              <a:rPr lang="en-US" dirty="0" smtClean="0"/>
+              <a:t> Desktop</a:t>
+            </a:r>
+            <a:endParaRPr lang="en-US" dirty="0"/>
+          </a:p>
+        </p:txBody>
+      </p:sp>
+      <p:sp>
+        <p:nvSpPr>
+          <p:cNvPr id="3" name="Content Placeholder 2"/>
+          <p:cNvSpPr>
+            <a:spLocks noGrp="1"/>
+          </p:cNvSpPr>
+          <p:nvPr>
+            <p:ph idx="1"/>
+          </p:nvPr>
+        </p:nvSpPr>
+        <p:spPr/>
+        <p:txBody>
+          <a:bodyPr/>
+          <a:lstStyle/>
+          <a:p>
+            <a:r>
+              <a:rPr lang="en-US" dirty="0" smtClean="0"/>
+              <a:t>Web App</a:t>
+            </a:r>
+          </a:p>
+          <a:p>
+            <a:pPr lvl="1"/>
+            <a:r>
+              <a:rPr lang="en-US" dirty="0" smtClean="0"/>
+              <a:t>Choose Web App Folder (will add necessary files)</a:t>
+            </a:r>
+          </a:p>
+          <a:p>
+            <a:pPr lvl="1"/>
+            <a:r>
+              <a:rPr lang="en-US" dirty="0" smtClean="0"/>
+              <a:t>Web Port</a:t>
+            </a:r>
+          </a:p>
+          <a:p>
+            <a:pPr lvl="1"/>
+            <a:r>
+              <a:rPr lang="en-US" dirty="0" smtClean="0"/>
+              <a:t>Extensions to execute through </a:t>
+            </a:r>
+            <a:r>
+              <a:rPr lang="en-US" dirty="0" err="1" smtClean="0"/>
+              <a:t>OpenBD</a:t>
+            </a:r>
+            <a:endParaRPr lang="en-US" dirty="0" smtClean="0"/>
+          </a:p>
+          <a:p>
+            <a:pPr lvl="1"/>
+            <a:r>
+              <a:rPr lang="en-US" dirty="0" smtClean="0"/>
+              <a:t>Options: check Manual and Admin Console</a:t>
+            </a:r>
+          </a:p>
+          <a:p>
+            <a:pPr lvl="1"/>
+            <a:r>
+              <a:rPr lang="en-US" dirty="0" smtClean="0"/>
+              <a:t>Standard Engine</a:t>
+            </a:r>
+          </a:p>
+          <a:p>
+            <a:r>
+              <a:rPr lang="en-US" dirty="0" smtClean="0"/>
+              <a:t>Click Start </a:t>
+            </a:r>
+            <a:r>
+              <a:rPr lang="en-US" dirty="0" err="1" smtClean="0"/>
+              <a:t>OpenBD</a:t>
+            </a:r>
+            <a:endParaRPr lang="en-US" dirty="0"/>
+          </a:p>
+        </p:txBody>
+      </p:sp>
+    </p:spTree>
+    <p:extLst>
+      <p:ext uri="{BB962C8B-B14F-4D97-AF65-F5344CB8AC3E}">
+        <p14:creationId xmlns:p14="http://schemas.microsoft.com/office/powerpoint/2010/main" val="1145352571"/>
+      </p:ext>
+    </p:extLst>
+  </p:cSld>
+  <p:clrMapOvr>
+    <a:masterClrMapping/>
+  </p:clrMapOvr>
+</p:sld>
+</file>
+
+<file path=ppt/slides/slide12.xml><?xml version="1.0" encoding="utf-8"?>
+<p:sld xmlns:a="http://schemas.openxmlformats.org/drawingml/2006/main" xmlns:r="http://schemas.openxmlformats.org/officeDocument/2006/relationships" xmlns:p="http://schemas.openxmlformats.org/presentationml/2006/main">
+  <p:cSld>
+    <p:spTree>
+      <p:nvGrpSpPr>
+        <p:cNvPr id="1" name=""/>
+        <p:cNvGrpSpPr/>
+        <p:nvPr/>
+      </p:nvGrpSpPr>
+      <p:grpSpPr>
+        <a:xfrm>
+          <a:off x="0" y="0"/>
+          <a:ext cx="0" cy="0"/>
+          <a:chOff x="0" y="0"/>
+          <a:chExt cx="0" cy="0"/>
+        </a:xfrm>
+      </p:grpSpPr>
+      <p:sp>
+        <p:nvSpPr>
+          <p:cNvPr id="4" name="Title 3"/>
+          <p:cNvSpPr>
+            <a:spLocks noGrp="1"/>
+          </p:cNvSpPr>
+          <p:nvPr>
+            <p:ph type="ctrTitle"/>
+          </p:nvPr>
+        </p:nvSpPr>
+        <p:spPr/>
+        <p:txBody>
+          <a:bodyPr/>
+          <a:lstStyle/>
+          <a:p>
+            <a:r>
+              <a:rPr lang="en-US" dirty="0" smtClean="0"/>
+              <a:t>Demo 01</a:t>
+            </a:r>
+            <a:endParaRPr lang="en-US" dirty="0"/>
+          </a:p>
+        </p:txBody>
+      </p:sp>
+      <p:sp>
+        <p:nvSpPr>
+          <p:cNvPr id="5" name="Subtitle 4"/>
+          <p:cNvSpPr>
+            <a:spLocks noGrp="1"/>
+          </p:cNvSpPr>
+          <p:nvPr>
+            <p:ph type="subTitle" idx="1"/>
+          </p:nvPr>
+        </p:nvSpPr>
+        <p:spPr/>
+        <p:txBody>
+          <a:bodyPr/>
+          <a:lstStyle/>
+          <a:p>
+            <a:endParaRPr lang="en-US"/>
+          </a:p>
+        </p:txBody>
+      </p:sp>
+      <p:sp>
+        <p:nvSpPr>
+          <p:cNvPr id="6" name="Picture Placeholder 5"/>
+          <p:cNvSpPr>
+            <a:spLocks noGrp="1"/>
+          </p:cNvSpPr>
+          <p:nvPr>
+            <p:ph type="pic" idx="13"/>
+          </p:nvPr>
+        </p:nvSpPr>
+        <p:spPr/>
+      </p:sp>
+    </p:spTree>
+    <p:extLst>
+      <p:ext uri="{BB962C8B-B14F-4D97-AF65-F5344CB8AC3E}">
+        <p14:creationId xmlns:p14="http://schemas.microsoft.com/office/powerpoint/2010/main" val="711675040"/>
+      </p:ext>
+    </p:extLst>
+  </p:cSld>
+  <p:clrMapOvr>
+    <a:masterClrMapping/>
+  </p:clrMapOvr>
+</p:sld>
+</file>
+
+<file path=ppt/slides/slide13.xml><?xml version="1.0" encoding="utf-8"?>
+<p:sld xmlns:a="http://schemas.openxmlformats.org/drawingml/2006/main" xmlns:r="http://schemas.openxmlformats.org/officeDocument/2006/relationships" xmlns:p="http://schemas.openxmlformats.org/presentationml/2006/main">
+  <p:cSld>
+    <p:spTree>
+      <p:nvGrpSpPr>
+        <p:cNvPr id="1" name=""/>
+        <p:cNvGrpSpPr/>
+        <p:nvPr/>
+      </p:nvGrpSpPr>
+      <p:grpSpPr>
+        <a:xfrm>
+          <a:off x="0" y="0"/>
+          <a:ext cx="0" cy="0"/>
+          <a:chOff x="0" y="0"/>
+          <a:chExt cx="0" cy="0"/>
+        </a:xfrm>
+      </p:grpSpPr>
+      <p:sp>
+        <p:nvSpPr>
+          <p:cNvPr id="2" name="Title 1"/>
+          <p:cNvSpPr>
+            <a:spLocks noGrp="1"/>
+          </p:cNvSpPr>
+          <p:nvPr>
+            <p:ph type="title"/>
+          </p:nvPr>
+        </p:nvSpPr>
+        <p:spPr/>
+        <p:txBody>
+          <a:bodyPr/>
+          <a:lstStyle/>
+          <a:p>
+            <a:r>
+              <a:rPr lang="en-US" dirty="0" smtClean="0"/>
+              <a:t>Basic CFML - syntax</a:t>
+            </a:r>
+            <a:endParaRPr lang="en-US" dirty="0"/>
+          </a:p>
+        </p:txBody>
+      </p:sp>
+      <p:sp>
+        <p:nvSpPr>
+          <p:cNvPr id="3" name="Content Placeholder 2"/>
+          <p:cNvSpPr>
+            <a:spLocks noGrp="1"/>
+          </p:cNvSpPr>
+          <p:nvPr>
+            <p:ph idx="1"/>
+          </p:nvPr>
+        </p:nvSpPr>
+        <p:spPr/>
+        <p:txBody>
+          <a:bodyPr/>
+          <a:lstStyle/>
+          <a:p>
+            <a:r>
+              <a:rPr lang="en-US" dirty="0" smtClean="0"/>
+              <a:t>Code lives in CFM or CFC files</a:t>
+            </a:r>
+          </a:p>
+          <a:p>
+            <a:r>
+              <a:rPr lang="en-US" dirty="0"/>
+              <a:t>Designed to live amongst </a:t>
+            </a:r>
+            <a:r>
+              <a:rPr lang="en-US" dirty="0" smtClean="0"/>
+              <a:t>HTML</a:t>
+            </a:r>
+          </a:p>
+          <a:p>
+            <a:r>
+              <a:rPr lang="en-US" dirty="0" smtClean="0"/>
+              <a:t>Tag</a:t>
+            </a:r>
+            <a:r>
+              <a:rPr lang="en-US" dirty="0"/>
+              <a:t>-based, starting with “</a:t>
+            </a:r>
+            <a:r>
+              <a:rPr lang="en-US" dirty="0" err="1"/>
+              <a:t>cf</a:t>
+            </a:r>
+            <a:r>
+              <a:rPr lang="en-US" dirty="0"/>
+              <a:t>” (for example, </a:t>
+            </a:r>
+            <a:r>
+              <a:rPr lang="en-US" b="1" dirty="0"/>
+              <a:t>&lt;</a:t>
+            </a:r>
+            <a:r>
+              <a:rPr lang="en-US" b="1" dirty="0" err="1" smtClean="0"/>
+              <a:t>cfset</a:t>
+            </a:r>
+            <a:r>
+              <a:rPr lang="en-US" b="1" dirty="0" smtClean="0"/>
+              <a:t>&gt;</a:t>
+            </a:r>
+            <a:r>
+              <a:rPr lang="en-US" dirty="0" smtClean="0"/>
+              <a:t>)</a:t>
+            </a:r>
+          </a:p>
+          <a:p>
+            <a:r>
+              <a:rPr lang="en-US" dirty="0" smtClean="0"/>
+              <a:t>Some tags are self-closing, many have attributes, some perform processing within the tag</a:t>
+            </a:r>
+          </a:p>
+          <a:p>
+            <a:r>
+              <a:rPr lang="en-US" dirty="0" smtClean="0"/>
+              <a:t>Can create custom tags</a:t>
+            </a:r>
+          </a:p>
+          <a:p>
+            <a:r>
+              <a:rPr lang="en-US" dirty="0" smtClean="0"/>
+              <a:t>Comments: </a:t>
+            </a:r>
+            <a:r>
+              <a:rPr lang="en-US" i="1" dirty="0" smtClean="0"/>
+              <a:t>&lt;!--- comment ---&gt;</a:t>
+            </a:r>
+          </a:p>
+        </p:txBody>
+      </p:sp>
+    </p:spTree>
+    <p:extLst>
+      <p:ext uri="{BB962C8B-B14F-4D97-AF65-F5344CB8AC3E}">
+        <p14:creationId xmlns:p14="http://schemas.microsoft.com/office/powerpoint/2010/main" val="1399933645"/>
+      </p:ext>
+    </p:extLst>
+  </p:cSld>
+  <p:clrMapOvr>
+    <a:masterClrMapping/>
+  </p:clrMapOvr>
+</p:sld>
+</file>
+
+<file path=ppt/slides/slide14.xml><?xml version="1.0" encoding="utf-8"?>
+<p:sld xmlns:a="http://schemas.openxmlformats.org/drawingml/2006/main" xmlns:r="http://schemas.openxmlformats.org/officeDocument/2006/relationships" xmlns:p="http://schemas.openxmlformats.org/presentationml/2006/main">
+  <p:cSld>
+    <p:spTree>
+      <p:nvGrpSpPr>
+        <p:cNvPr id="1" name=""/>
+        <p:cNvGrpSpPr/>
+        <p:nvPr/>
+      </p:nvGrpSpPr>
+      <p:grpSpPr>
+        <a:xfrm>
+          <a:off x="0" y="0"/>
+          <a:ext cx="0" cy="0"/>
+          <a:chOff x="0" y="0"/>
+          <a:chExt cx="0" cy="0"/>
+        </a:xfrm>
+      </p:grpSpPr>
+      <p:sp>
+        <p:nvSpPr>
+          <p:cNvPr id="2" name="Title 1"/>
+          <p:cNvSpPr>
+            <a:spLocks noGrp="1"/>
+          </p:cNvSpPr>
+          <p:nvPr>
+            <p:ph type="title"/>
+          </p:nvPr>
+        </p:nvSpPr>
+        <p:spPr/>
+        <p:txBody>
+          <a:bodyPr/>
+          <a:lstStyle/>
+          <a:p>
+            <a:r>
+              <a:rPr lang="en-US" dirty="0" smtClean="0"/>
+              <a:t>Basic CFML - variables</a:t>
+            </a:r>
+            <a:endParaRPr lang="en-US" dirty="0"/>
+          </a:p>
+        </p:txBody>
+      </p:sp>
+      <p:sp>
+        <p:nvSpPr>
+          <p:cNvPr id="3" name="Content Placeholder 2"/>
+          <p:cNvSpPr>
+            <a:spLocks noGrp="1"/>
+          </p:cNvSpPr>
+          <p:nvPr>
+            <p:ph idx="1"/>
+          </p:nvPr>
+        </p:nvSpPr>
+        <p:spPr/>
+        <p:txBody>
+          <a:bodyPr>
+            <a:normAutofit/>
+          </a:bodyPr>
+          <a:lstStyle/>
+          <a:p>
+            <a:r>
+              <a:rPr lang="en-US" dirty="0" smtClean="0"/>
+              <a:t>Variables </a:t>
+            </a:r>
+            <a:r>
+              <a:rPr lang="en-US" dirty="0"/>
+              <a:t>are </a:t>
+            </a:r>
+            <a:r>
+              <a:rPr lang="en-US" dirty="0" smtClean="0"/>
+              <a:t>type-less</a:t>
+            </a:r>
+          </a:p>
+          <a:p>
+            <a:pPr lvl="1"/>
+            <a:r>
+              <a:rPr lang="en-US" dirty="0" smtClean="0"/>
+              <a:t> </a:t>
+            </a:r>
+            <a:r>
+              <a:rPr lang="en-US" dirty="0"/>
+              <a:t>String, number, date, </a:t>
+            </a:r>
+            <a:r>
+              <a:rPr lang="en-US" dirty="0" err="1"/>
+              <a:t>boolean</a:t>
+            </a:r>
+            <a:r>
+              <a:rPr lang="en-US" dirty="0"/>
+              <a:t>, structures, </a:t>
+            </a:r>
+            <a:r>
+              <a:rPr lang="en-US" dirty="0" smtClean="0"/>
+              <a:t>arrays</a:t>
+            </a:r>
+          </a:p>
+          <a:p>
+            <a:r>
+              <a:rPr lang="en-US" dirty="0" smtClean="0"/>
+              <a:t>Variables have scope</a:t>
+            </a:r>
+          </a:p>
+          <a:p>
+            <a:pPr lvl="1"/>
+            <a:r>
+              <a:rPr lang="en-US" dirty="0" smtClean="0"/>
+              <a:t>Server, </a:t>
+            </a:r>
+            <a:r>
+              <a:rPr lang="en-US" dirty="0" err="1" smtClean="0"/>
+              <a:t>cgi</a:t>
+            </a:r>
+            <a:r>
+              <a:rPr lang="en-US" dirty="0" smtClean="0"/>
+              <a:t>, cookie, request, form, </a:t>
+            </a:r>
+            <a:r>
+              <a:rPr lang="en-US" dirty="0" err="1" smtClean="0"/>
+              <a:t>url</a:t>
+            </a:r>
+            <a:r>
+              <a:rPr lang="en-US" dirty="0" smtClean="0"/>
+              <a:t>, variables, local, arguments, attributes, application, client, session, </a:t>
+            </a:r>
+            <a:r>
+              <a:rPr lang="en-US" dirty="0" err="1" smtClean="0"/>
+              <a:t>cfthread</a:t>
+            </a:r>
+            <a:r>
+              <a:rPr lang="en-US" dirty="0" smtClean="0"/>
+              <a:t>, </a:t>
+            </a:r>
+            <a:r>
+              <a:rPr lang="en-US" dirty="0" err="1" smtClean="0"/>
+              <a:t>cffile</a:t>
+            </a:r>
+            <a:r>
+              <a:rPr lang="en-US" dirty="0" smtClean="0"/>
+              <a:t>, this, super, </a:t>
+            </a:r>
+            <a:r>
+              <a:rPr lang="en-US" dirty="0" err="1" smtClean="0"/>
+              <a:t>cfcatch</a:t>
+            </a:r>
+            <a:endParaRPr lang="en-US" dirty="0" smtClean="0"/>
+          </a:p>
+          <a:p>
+            <a:r>
+              <a:rPr lang="en-US" dirty="0" smtClean="0"/>
+              <a:t>Reference variables [scope].[variable’s name] or [scope][‘variable’s name’]</a:t>
+            </a:r>
+          </a:p>
+          <a:p>
+            <a:r>
+              <a:rPr lang="en-US" b="1" dirty="0" smtClean="0"/>
+              <a:t>&lt;</a:t>
+            </a:r>
+            <a:r>
+              <a:rPr lang="en-US" b="1" dirty="0" err="1" smtClean="0"/>
+              <a:t>cfset</a:t>
+            </a:r>
+            <a:r>
+              <a:rPr lang="en-US" b="1" dirty="0" smtClean="0"/>
+              <a:t> message = “Hello, World!”&gt;</a:t>
+            </a:r>
+          </a:p>
+        </p:txBody>
+      </p:sp>
+    </p:spTree>
+    <p:extLst>
+      <p:ext uri="{BB962C8B-B14F-4D97-AF65-F5344CB8AC3E}">
+        <p14:creationId xmlns:p14="http://schemas.microsoft.com/office/powerpoint/2010/main" val="2772679587"/>
+      </p:ext>
+    </p:extLst>
+  </p:cSld>
+  <p:clrMapOvr>
+    <a:masterClrMapping/>
+  </p:clrMapOvr>
+</p:sld>
+</file>
+
+<file path=ppt/slides/slide15.xml><?xml version="1.0" encoding="utf-8"?>
+<p:sld xmlns:a="http://schemas.openxmlformats.org/drawingml/2006/main" xmlns:r="http://schemas.openxmlformats.org/officeDocument/2006/relationships" xmlns:p="http://schemas.openxmlformats.org/presentationml/2006/main">
+  <p:cSld>
+    <p:spTree>
+      <p:nvGrpSpPr>
+        <p:cNvPr id="1" name=""/>
+        <p:cNvGrpSpPr/>
+        <p:nvPr/>
+      </p:nvGrpSpPr>
+      <p:grpSpPr>
+        <a:xfrm>
+          <a:off x="0" y="0"/>
+          <a:ext cx="0" cy="0"/>
+          <a:chOff x="0" y="0"/>
+          <a:chExt cx="0" cy="0"/>
+        </a:xfrm>
+      </p:grpSpPr>
+      <p:sp>
+        <p:nvSpPr>
+          <p:cNvPr id="2" name="Title 1"/>
+          <p:cNvSpPr>
+            <a:spLocks noGrp="1"/>
+          </p:cNvSpPr>
+          <p:nvPr>
+            <p:ph type="title"/>
+          </p:nvPr>
+        </p:nvSpPr>
+        <p:spPr/>
+        <p:txBody>
+          <a:bodyPr/>
+          <a:lstStyle/>
+          <a:p>
+            <a:r>
+              <a:rPr lang="en-US" dirty="0" smtClean="0"/>
+              <a:t>Basic CFML - output</a:t>
+            </a:r>
+            <a:endParaRPr lang="en-US" dirty="0"/>
+          </a:p>
+        </p:txBody>
+      </p:sp>
+      <p:sp>
+        <p:nvSpPr>
+          <p:cNvPr id="3" name="Content Placeholder 2"/>
+          <p:cNvSpPr>
+            <a:spLocks noGrp="1"/>
+          </p:cNvSpPr>
+          <p:nvPr>
+            <p:ph idx="1"/>
+          </p:nvPr>
+        </p:nvSpPr>
+        <p:spPr/>
+        <p:txBody>
+          <a:bodyPr>
+            <a:normAutofit fontScale="92500"/>
+          </a:bodyPr>
+          <a:lstStyle/>
+          <a:p>
+            <a:r>
+              <a:rPr lang="en-US" dirty="0" smtClean="0"/>
+              <a:t>CFML lives amongst HTML, so you tell it when to output</a:t>
+            </a:r>
+          </a:p>
+          <a:p>
+            <a:r>
+              <a:rPr lang="en-US" dirty="0" smtClean="0"/>
+              <a:t>Use #s to process CFML, with </a:t>
+            </a:r>
+            <a:r>
+              <a:rPr lang="en-US" b="1" dirty="0" smtClean="0"/>
+              <a:t>&lt;</a:t>
+            </a:r>
+            <a:r>
+              <a:rPr lang="en-US" b="1" dirty="0" err="1" smtClean="0"/>
+              <a:t>cfoutput</a:t>
+            </a:r>
+            <a:r>
+              <a:rPr lang="en-US" b="1" dirty="0" smtClean="0"/>
+              <a:t>&gt;</a:t>
+            </a:r>
+          </a:p>
+          <a:p>
+            <a:r>
+              <a:rPr lang="en-US" dirty="0" smtClean="0"/>
+              <a:t>Can put variables or function calls within #s</a:t>
+            </a:r>
+          </a:p>
+          <a:p>
+            <a:pPr lvl="1"/>
+            <a:r>
+              <a:rPr lang="en-US" b="1" dirty="0" smtClean="0"/>
+              <a:t>#</a:t>
+            </a:r>
+            <a:r>
+              <a:rPr lang="en-US" b="1" dirty="0" err="1" smtClean="0"/>
+              <a:t>uCase</a:t>
+            </a:r>
+            <a:r>
+              <a:rPr lang="en-US" b="1" dirty="0" smtClean="0"/>
+              <a:t>(message)# </a:t>
+            </a:r>
+            <a:r>
+              <a:rPr lang="en-US" dirty="0" smtClean="0"/>
+              <a:t>outputs the upper case of message</a:t>
+            </a:r>
+          </a:p>
+          <a:p>
+            <a:r>
+              <a:rPr lang="en-US" dirty="0" smtClean="0"/>
+              <a:t>Cannot put tags within #s</a:t>
+            </a:r>
+          </a:p>
+          <a:p>
+            <a:r>
+              <a:rPr lang="en-US" dirty="0" smtClean="0"/>
+              <a:t>Escape # with another #: ##</a:t>
+            </a:r>
+          </a:p>
+          <a:p>
+            <a:r>
+              <a:rPr lang="en-US" dirty="0" smtClean="0"/>
+              <a:t>Need #s in attributes for tags</a:t>
+            </a:r>
+          </a:p>
+          <a:p>
+            <a:pPr lvl="1"/>
+            <a:r>
+              <a:rPr lang="en-US" b="1" dirty="0" smtClean="0"/>
+              <a:t>&lt;</a:t>
+            </a:r>
+            <a:r>
+              <a:rPr lang="en-US" b="1" dirty="0" err="1" smtClean="0"/>
+              <a:t>cfdump</a:t>
+            </a:r>
+            <a:r>
+              <a:rPr lang="en-US" b="1" dirty="0" smtClean="0"/>
+              <a:t> </a:t>
+            </a:r>
+            <a:r>
+              <a:rPr lang="en-US" b="1" dirty="0" err="1" smtClean="0"/>
+              <a:t>var</a:t>
+            </a:r>
+            <a:r>
+              <a:rPr lang="en-US" b="1" dirty="0" smtClean="0"/>
+              <a:t>=“#message#”&gt;</a:t>
+            </a:r>
+            <a:endParaRPr lang="en-US" b="1" dirty="0"/>
+          </a:p>
+        </p:txBody>
+      </p:sp>
+    </p:spTree>
+    <p:extLst>
+      <p:ext uri="{BB962C8B-B14F-4D97-AF65-F5344CB8AC3E}">
+        <p14:creationId xmlns:p14="http://schemas.microsoft.com/office/powerpoint/2010/main" val="3765747897"/>
+      </p:ext>
+    </p:extLst>
+  </p:cSld>
+  <p:clrMapOvr>
+    <a:masterClrMapping/>
+  </p:clrMapOvr>
+</p:sld>
+</file>
+
+<file path=ppt/slides/slide16.xml><?xml version="1.0" encoding="utf-8"?>
+<p:sld xmlns:a="http://schemas.openxmlformats.org/drawingml/2006/main" xmlns:r="http://schemas.openxmlformats.org/officeDocument/2006/relationships" xmlns:p="http://schemas.openxmlformats.org/presentationml/2006/main">
+  <p:cSld>
+    <p:spTree>
+      <p:nvGrpSpPr>
+        <p:cNvPr id="1" name=""/>
+        <p:cNvGrpSpPr/>
+        <p:nvPr/>
+      </p:nvGrpSpPr>
+      <p:grpSpPr>
+        <a:xfrm>
+          <a:off x="0" y="0"/>
+          <a:ext cx="0" cy="0"/>
+          <a:chOff x="0" y="0"/>
+          <a:chExt cx="0" cy="0"/>
+        </a:xfrm>
+      </p:grpSpPr>
+      <p:sp>
+        <p:nvSpPr>
+          <p:cNvPr id="2" name="Title 1"/>
+          <p:cNvSpPr>
+            <a:spLocks noGrp="1"/>
+          </p:cNvSpPr>
+          <p:nvPr>
+            <p:ph type="title"/>
+          </p:nvPr>
+        </p:nvSpPr>
+        <p:spPr/>
+        <p:txBody>
+          <a:bodyPr/>
+          <a:lstStyle/>
+          <a:p>
+            <a:r>
+              <a:rPr lang="en-US" dirty="0" smtClean="0"/>
+              <a:t>Basic CFML - functions</a:t>
+            </a:r>
+            <a:endParaRPr lang="en-US" dirty="0"/>
+          </a:p>
+        </p:txBody>
+      </p:sp>
+      <p:sp>
+        <p:nvSpPr>
+          <p:cNvPr id="3" name="Content Placeholder 2"/>
+          <p:cNvSpPr>
+            <a:spLocks noGrp="1"/>
+          </p:cNvSpPr>
+          <p:nvPr>
+            <p:ph idx="1"/>
+          </p:nvPr>
+        </p:nvSpPr>
+        <p:spPr/>
+        <p:txBody>
+          <a:bodyPr/>
+          <a:lstStyle/>
+          <a:p>
+            <a:r>
+              <a:rPr lang="en-US" dirty="0" smtClean="0"/>
+              <a:t>2 basic types: core (built-in) and user-defined (UDF)</a:t>
+            </a:r>
+          </a:p>
+          <a:p>
+            <a:r>
+              <a:rPr lang="en-US" dirty="0" smtClean="0"/>
+              <a:t>Can define using </a:t>
+            </a:r>
+            <a:r>
+              <a:rPr lang="en-US" b="1" dirty="0" smtClean="0"/>
+              <a:t>&lt;</a:t>
+            </a:r>
+            <a:r>
+              <a:rPr lang="en-US" b="1" dirty="0" err="1" smtClean="0"/>
+              <a:t>cffunction</a:t>
+            </a:r>
+            <a:r>
+              <a:rPr lang="en-US" b="1" dirty="0" smtClean="0"/>
+              <a:t> …&gt;</a:t>
+            </a:r>
+            <a:r>
+              <a:rPr lang="en-US" dirty="0" smtClean="0"/>
+              <a:t> or CFCs</a:t>
+            </a:r>
+          </a:p>
+          <a:p>
+            <a:r>
+              <a:rPr lang="en-US" dirty="0" smtClean="0"/>
+              <a:t>Might return a value, output something, or both</a:t>
+            </a:r>
+          </a:p>
+          <a:p>
+            <a:r>
+              <a:rPr lang="en-US" dirty="0" smtClean="0"/>
+              <a:t>Syntax</a:t>
+            </a:r>
+          </a:p>
+          <a:p>
+            <a:pPr lvl="1"/>
+            <a:r>
+              <a:rPr lang="en-US" b="1" dirty="0" err="1" smtClean="0"/>
+              <a:t>FunctionName</a:t>
+            </a:r>
+            <a:r>
+              <a:rPr lang="en-US" b="1" dirty="0" smtClean="0"/>
+              <a:t>(“Miles”, 28)</a:t>
+            </a:r>
+          </a:p>
+          <a:p>
+            <a:pPr lvl="1"/>
+            <a:r>
+              <a:rPr lang="en-US" b="1" dirty="0" err="1" smtClean="0"/>
+              <a:t>FunctionName</a:t>
+            </a:r>
+            <a:r>
+              <a:rPr lang="en-US" b="1" dirty="0" smtClean="0"/>
+              <a:t>(name = “Miles”, age = 28)</a:t>
+            </a:r>
+          </a:p>
+          <a:p>
+            <a:pPr lvl="1"/>
+            <a:r>
+              <a:rPr lang="en-US" b="1" dirty="0" err="1" smtClean="0"/>
+              <a:t>FunctionName</a:t>
+            </a:r>
+            <a:r>
+              <a:rPr lang="en-US" b="1" dirty="0" smtClean="0"/>
+              <a:t>(</a:t>
+            </a:r>
+            <a:r>
+              <a:rPr lang="en-US" b="1" dirty="0" err="1" smtClean="0"/>
+              <a:t>argumentcollection</a:t>
+            </a:r>
+            <a:r>
+              <a:rPr lang="en-US" b="1" dirty="0" smtClean="0"/>
+              <a:t> = </a:t>
+            </a:r>
+            <a:r>
+              <a:rPr lang="en-US" b="1" dirty="0" err="1" smtClean="0"/>
+              <a:t>argsStruct</a:t>
+            </a:r>
+            <a:r>
+              <a:rPr lang="en-US" b="1" dirty="0" smtClean="0"/>
+              <a:t>)</a:t>
+            </a:r>
+            <a:endParaRPr lang="en-US" b="1" dirty="0"/>
+          </a:p>
+        </p:txBody>
+      </p:sp>
+    </p:spTree>
+    <p:extLst>
+      <p:ext uri="{BB962C8B-B14F-4D97-AF65-F5344CB8AC3E}">
+        <p14:creationId xmlns:p14="http://schemas.microsoft.com/office/powerpoint/2010/main" val="1785793510"/>
+      </p:ext>
+    </p:extLst>
+  </p:cSld>
+  <p:clrMapOvr>
+    <a:masterClrMapping/>
+  </p:clrMapOvr>
+</p:sld>
+</file>
+
+<file path=ppt/slides/slide17.xml><?xml version="1.0" encoding="utf-8"?>
+<p:sld xmlns:a="http://schemas.openxmlformats.org/drawingml/2006/main" xmlns:r="http://schemas.openxmlformats.org/officeDocument/2006/relationships" xmlns:p="http://schemas.openxmlformats.org/presentationml/2006/main">
+  <p:cSld>
+    <p:spTree>
+      <p:nvGrpSpPr>
+        <p:cNvPr id="1" name=""/>
+        <p:cNvGrpSpPr/>
+        <p:nvPr/>
+      </p:nvGrpSpPr>
+      <p:grpSpPr>
+        <a:xfrm>
+          <a:off x="0" y="0"/>
+          <a:ext cx="0" cy="0"/>
+          <a:chOff x="0" y="0"/>
+          <a:chExt cx="0" cy="0"/>
+        </a:xfrm>
+      </p:grpSpPr>
+      <p:sp>
+        <p:nvSpPr>
+          <p:cNvPr id="2" name="Title 1"/>
+          <p:cNvSpPr>
+            <a:spLocks noGrp="1"/>
+          </p:cNvSpPr>
+          <p:nvPr>
+            <p:ph type="title"/>
+          </p:nvPr>
+        </p:nvSpPr>
+        <p:spPr/>
+        <p:txBody>
+          <a:bodyPr/>
+          <a:lstStyle/>
+          <a:p>
+            <a:r>
+              <a:rPr lang="en-US" dirty="0" smtClean="0"/>
+              <a:t>Using Variables</a:t>
+            </a:r>
+            <a:endParaRPr lang="en-US" dirty="0"/>
+          </a:p>
+        </p:txBody>
+      </p:sp>
+      <p:sp>
+        <p:nvSpPr>
+          <p:cNvPr id="3" name="Content Placeholder 2"/>
+          <p:cNvSpPr>
+            <a:spLocks noGrp="1"/>
+          </p:cNvSpPr>
+          <p:nvPr>
+            <p:ph idx="1"/>
+          </p:nvPr>
+        </p:nvSpPr>
+        <p:spPr/>
+        <p:txBody>
+          <a:bodyPr>
+            <a:normAutofit/>
+          </a:bodyPr>
+          <a:lstStyle/>
+          <a:p>
+            <a:r>
+              <a:rPr lang="en-US" dirty="0" smtClean="0"/>
+              <a:t>String</a:t>
+            </a:r>
+            <a:r>
+              <a:rPr lang="en-US" dirty="0"/>
+              <a:t>: </a:t>
+            </a:r>
+            <a:r>
+              <a:rPr lang="en-US" b="1" dirty="0"/>
+              <a:t>&lt;</a:t>
+            </a:r>
+            <a:r>
+              <a:rPr lang="en-US" b="1" dirty="0" err="1"/>
+              <a:t>cfset</a:t>
+            </a:r>
+            <a:r>
+              <a:rPr lang="en-US" b="1" dirty="0"/>
+              <a:t> name=“Miles”&gt;</a:t>
+            </a:r>
+          </a:p>
+          <a:p>
+            <a:r>
+              <a:rPr lang="en-US" dirty="0" smtClean="0"/>
+              <a:t>Number: </a:t>
+            </a:r>
+            <a:r>
+              <a:rPr lang="en-US" b="1" dirty="0" smtClean="0"/>
+              <a:t>&lt;</a:t>
+            </a:r>
+            <a:r>
+              <a:rPr lang="en-US" b="1" dirty="0" err="1" smtClean="0"/>
+              <a:t>cfset</a:t>
+            </a:r>
+            <a:r>
+              <a:rPr lang="en-US" b="1" dirty="0" smtClean="0"/>
+              <a:t> age = 28&gt;</a:t>
+            </a:r>
+          </a:p>
+          <a:p>
+            <a:r>
+              <a:rPr lang="en-US" dirty="0" smtClean="0"/>
+              <a:t>Boolean: </a:t>
+            </a:r>
+            <a:r>
+              <a:rPr lang="en-US" b="1" dirty="0" smtClean="0"/>
+              <a:t>&lt;</a:t>
+            </a:r>
+            <a:r>
+              <a:rPr lang="en-US" b="1" dirty="0" err="1" smtClean="0"/>
+              <a:t>cfset</a:t>
+            </a:r>
+            <a:r>
+              <a:rPr lang="en-US" b="1" dirty="0" smtClean="0"/>
+              <a:t> </a:t>
+            </a:r>
+            <a:r>
+              <a:rPr lang="en-US" b="1" dirty="0" err="1" smtClean="0"/>
+              <a:t>isPresenting</a:t>
+            </a:r>
+            <a:r>
+              <a:rPr lang="en-US" b="1" dirty="0" smtClean="0"/>
+              <a:t> = true&gt;</a:t>
+            </a:r>
+          </a:p>
+          <a:p>
+            <a:r>
+              <a:rPr lang="en-US" dirty="0" smtClean="0"/>
+              <a:t>Date: </a:t>
+            </a:r>
+            <a:r>
+              <a:rPr lang="en-US" b="1" dirty="0" smtClean="0"/>
+              <a:t>&lt;</a:t>
+            </a:r>
+            <a:r>
+              <a:rPr lang="en-US" b="1" dirty="0" err="1" smtClean="0"/>
+              <a:t>cfset</a:t>
+            </a:r>
+            <a:r>
+              <a:rPr lang="en-US" b="1" dirty="0" smtClean="0"/>
+              <a:t> </a:t>
+            </a:r>
+            <a:r>
+              <a:rPr lang="en-US" b="1" dirty="0" err="1" smtClean="0"/>
+              <a:t>datePresenting</a:t>
+            </a:r>
+            <a:r>
+              <a:rPr lang="en-US" b="1" dirty="0" smtClean="0"/>
+              <a:t> = Now()&gt;</a:t>
+            </a:r>
+          </a:p>
+          <a:p>
+            <a:r>
+              <a:rPr lang="en-US" b="1" dirty="0" smtClean="0"/>
+              <a:t>&lt;</a:t>
+            </a:r>
+            <a:r>
+              <a:rPr lang="en-US" b="1" dirty="0" err="1" smtClean="0"/>
+              <a:t>cfparam</a:t>
+            </a:r>
+            <a:r>
+              <a:rPr lang="en-US" b="1" dirty="0" smtClean="0"/>
+              <a:t> name=“name” default=“No Name”&gt;</a:t>
+            </a:r>
+          </a:p>
+          <a:p>
+            <a:r>
+              <a:rPr lang="en-US" b="1" dirty="0" smtClean="0"/>
+              <a:t>&lt;</a:t>
+            </a:r>
+            <a:r>
+              <a:rPr lang="en-US" b="1" dirty="0" err="1" smtClean="0"/>
+              <a:t>cfoutput</a:t>
+            </a:r>
+            <a:r>
+              <a:rPr lang="en-US" b="1" dirty="0" smtClean="0"/>
+              <a:t>&gt;#</a:t>
+            </a:r>
+            <a:r>
+              <a:rPr lang="en-US" b="1" dirty="0" err="1" smtClean="0"/>
+              <a:t>simpleVariable</a:t>
+            </a:r>
+            <a:r>
+              <a:rPr lang="en-US" b="1" dirty="0" smtClean="0"/>
+              <a:t>#&lt;/</a:t>
+            </a:r>
+            <a:r>
+              <a:rPr lang="en-US" b="1" dirty="0" err="1" smtClean="0"/>
+              <a:t>cfoutput</a:t>
+            </a:r>
+            <a:r>
+              <a:rPr lang="en-US" b="1" dirty="0" smtClean="0"/>
+              <a:t>&gt;</a:t>
+            </a:r>
+          </a:p>
+        </p:txBody>
+      </p:sp>
+    </p:spTree>
+    <p:extLst>
+      <p:ext uri="{BB962C8B-B14F-4D97-AF65-F5344CB8AC3E}">
+        <p14:creationId xmlns:p14="http://schemas.microsoft.com/office/powerpoint/2010/main" val="1432780703"/>
+      </p:ext>
+    </p:extLst>
+  </p:cSld>
+  <p:clrMapOvr>
+    <a:masterClrMapping/>
+  </p:clrMapOvr>
+</p:sld>
+</file>
+
+<file path=ppt/slides/slide18.xml><?xml version="1.0" encoding="utf-8"?>
+<p:sld xmlns:a="http://schemas.openxmlformats.org/drawingml/2006/main" xmlns:r="http://schemas.openxmlformats.org/officeDocument/2006/relationships" xmlns:p="http://schemas.openxmlformats.org/presentationml/2006/main">
+  <p:cSld>
+    <p:spTree>
+      <p:nvGrpSpPr>
+        <p:cNvPr id="1" name=""/>
+        <p:cNvGrpSpPr/>
+        <p:nvPr/>
+      </p:nvGrpSpPr>
+      <p:grpSpPr>
+        <a:xfrm>
+          <a:off x="0" y="0"/>
+          <a:ext cx="0" cy="0"/>
+          <a:chOff x="0" y="0"/>
+          <a:chExt cx="0" cy="0"/>
+        </a:xfrm>
+      </p:grpSpPr>
+      <p:sp>
+        <p:nvSpPr>
+          <p:cNvPr id="2" name="Title 1"/>
+          <p:cNvSpPr>
+            <a:spLocks noGrp="1"/>
+          </p:cNvSpPr>
+          <p:nvPr>
+            <p:ph type="title"/>
+          </p:nvPr>
+        </p:nvSpPr>
+        <p:spPr/>
+        <p:txBody>
+          <a:bodyPr/>
+          <a:lstStyle/>
+          <a:p>
+            <a:r>
+              <a:rPr lang="en-US" dirty="0" smtClean="0"/>
+              <a:t>Using Variables - Arrays</a:t>
+            </a:r>
+            <a:endParaRPr lang="en-US" dirty="0"/>
+          </a:p>
+        </p:txBody>
+      </p:sp>
+      <p:sp>
+        <p:nvSpPr>
+          <p:cNvPr id="3" name="Content Placeholder 2"/>
+          <p:cNvSpPr>
+            <a:spLocks noGrp="1"/>
+          </p:cNvSpPr>
+          <p:nvPr>
+            <p:ph idx="1"/>
+          </p:nvPr>
+        </p:nvSpPr>
+        <p:spPr/>
+        <p:txBody>
+          <a:bodyPr/>
+          <a:lstStyle/>
+          <a:p>
+            <a:r>
+              <a:rPr lang="en-US" dirty="0" smtClean="0"/>
+              <a:t>1</a:t>
+            </a:r>
+            <a:r>
+              <a:rPr lang="en-US" dirty="0"/>
+              <a:t>-based, not 0-</a:t>
+            </a:r>
+            <a:r>
+              <a:rPr lang="en-US" dirty="0" smtClean="0"/>
+              <a:t>based</a:t>
+            </a:r>
+          </a:p>
+          <a:p>
+            <a:r>
+              <a:rPr lang="en-US" dirty="0" smtClean="0"/>
+              <a:t>Not typed</a:t>
+            </a:r>
+            <a:endParaRPr lang="en-US" dirty="0"/>
+          </a:p>
+          <a:p>
+            <a:r>
+              <a:rPr lang="en-US" b="1" dirty="0"/>
+              <a:t>&lt;</a:t>
+            </a:r>
+            <a:r>
+              <a:rPr lang="en-US" b="1" dirty="0" err="1"/>
+              <a:t>cfset</a:t>
+            </a:r>
+            <a:r>
+              <a:rPr lang="en-US" b="1" dirty="0"/>
+              <a:t> links = </a:t>
+            </a:r>
+            <a:r>
+              <a:rPr lang="en-US" b="1" dirty="0" err="1"/>
+              <a:t>ArrayNew</a:t>
+            </a:r>
+            <a:r>
+              <a:rPr lang="en-US" b="1" dirty="0"/>
+              <a:t>(1)&gt;</a:t>
+            </a:r>
+            <a:br>
+              <a:rPr lang="en-US" b="1" dirty="0"/>
+            </a:br>
+            <a:r>
+              <a:rPr lang="en-US" b="1" dirty="0"/>
+              <a:t>&lt;</a:t>
+            </a:r>
+            <a:r>
+              <a:rPr lang="en-US" b="1" dirty="0" err="1"/>
+              <a:t>cfset</a:t>
+            </a:r>
+            <a:r>
+              <a:rPr lang="en-US" b="1" dirty="0"/>
+              <a:t> links[1] = “http://</a:t>
+            </a:r>
+            <a:r>
+              <a:rPr lang="en-US" b="1" dirty="0" err="1"/>
+              <a:t>milesrausch.com</a:t>
+            </a:r>
+            <a:r>
+              <a:rPr lang="en-US" b="1" dirty="0"/>
+              <a:t>”&gt;</a:t>
+            </a:r>
+            <a:br>
+              <a:rPr lang="en-US" b="1" dirty="0"/>
+            </a:br>
+            <a:r>
+              <a:rPr lang="en-US" b="1" dirty="0"/>
+              <a:t>&lt;</a:t>
+            </a:r>
+            <a:r>
+              <a:rPr lang="en-US" b="1" dirty="0" err="1"/>
+              <a:t>cfset</a:t>
+            </a:r>
+            <a:r>
+              <a:rPr lang="en-US" b="1" dirty="0"/>
+              <a:t> links[2] = “http://</a:t>
+            </a:r>
+            <a:r>
+              <a:rPr lang="en-US" b="1" dirty="0" err="1"/>
+              <a:t>awayken.com</a:t>
+            </a:r>
+            <a:r>
+              <a:rPr lang="en-US" b="1" dirty="0"/>
+              <a:t>”&gt;</a:t>
+            </a:r>
+          </a:p>
+          <a:p>
+            <a:r>
+              <a:rPr lang="en-US" b="1" dirty="0"/>
+              <a:t>&lt;</a:t>
+            </a:r>
+            <a:r>
+              <a:rPr lang="en-US" b="1" dirty="0" err="1"/>
+              <a:t>cfset</a:t>
+            </a:r>
+            <a:r>
+              <a:rPr lang="en-US" b="1" dirty="0"/>
+              <a:t> links = [ “http://</a:t>
+            </a:r>
+            <a:r>
+              <a:rPr lang="en-US" b="1" dirty="0" err="1"/>
+              <a:t>milesrausch.com</a:t>
+            </a:r>
+            <a:r>
+              <a:rPr lang="en-US" b="1" dirty="0"/>
+              <a:t>”, “http://</a:t>
+            </a:r>
+            <a:r>
+              <a:rPr lang="en-US" b="1" dirty="0" err="1"/>
+              <a:t>awaken.com</a:t>
+            </a:r>
+            <a:r>
+              <a:rPr lang="en-US" b="1" dirty="0"/>
+              <a:t>” ]&gt;</a:t>
+            </a:r>
+          </a:p>
+          <a:p>
+            <a:r>
+              <a:rPr lang="en-US" b="1" dirty="0"/>
+              <a:t>&lt;</a:t>
+            </a:r>
+            <a:r>
+              <a:rPr lang="en-US" b="1" dirty="0" err="1"/>
+              <a:t>cfoutput</a:t>
+            </a:r>
+            <a:r>
+              <a:rPr lang="en-US" b="1" dirty="0"/>
+              <a:t>&gt;#links[1]#&lt;/</a:t>
+            </a:r>
+            <a:r>
+              <a:rPr lang="en-US" b="1" dirty="0" err="1"/>
+              <a:t>cfoutput</a:t>
+            </a:r>
+            <a:r>
+              <a:rPr lang="en-US" b="1" dirty="0" smtClean="0"/>
+              <a:t>&gt;</a:t>
+            </a:r>
+            <a:endParaRPr lang="en-US" b="1" dirty="0"/>
+          </a:p>
+        </p:txBody>
+      </p:sp>
+    </p:spTree>
+    <p:extLst>
+      <p:ext uri="{BB962C8B-B14F-4D97-AF65-F5344CB8AC3E}">
+        <p14:creationId xmlns:p14="http://schemas.microsoft.com/office/powerpoint/2010/main" val="696998618"/>
+      </p:ext>
+    </p:extLst>
+  </p:cSld>
+  <p:clrMapOvr>
+    <a:masterClrMapping/>
+  </p:clrMapOvr>
+</p:sld>
+</file>
+
+<file path=ppt/slides/slide19.xml><?xml version="1.0" encoding="utf-8"?>
+<p:sld xmlns:a="http://schemas.openxmlformats.org/drawingml/2006/main" xmlns:r="http://schemas.openxmlformats.org/officeDocument/2006/relationships" xmlns:p="http://schemas.openxmlformats.org/presentationml/2006/main">
+  <p:cSld>
+    <p:spTree>
+      <p:nvGrpSpPr>
+        <p:cNvPr id="1" name=""/>
+        <p:cNvGrpSpPr/>
+        <p:nvPr/>
+      </p:nvGrpSpPr>
+      <p:grpSpPr>
+        <a:xfrm>
+          <a:off x="0" y="0"/>
+          <a:ext cx="0" cy="0"/>
+          <a:chOff x="0" y="0"/>
+          <a:chExt cx="0" cy="0"/>
+        </a:xfrm>
+      </p:grpSpPr>
+      <p:sp>
+        <p:nvSpPr>
+          <p:cNvPr id="2" name="Title 1"/>
+          <p:cNvSpPr>
+            <a:spLocks noGrp="1"/>
+          </p:cNvSpPr>
+          <p:nvPr>
+            <p:ph type="title"/>
+          </p:nvPr>
+        </p:nvSpPr>
+        <p:spPr/>
+        <p:txBody>
+          <a:bodyPr/>
+          <a:lstStyle/>
+          <a:p>
+            <a:r>
+              <a:rPr lang="en-US" dirty="0" smtClean="0"/>
+              <a:t>Using Variables - Structures</a:t>
+            </a:r>
+            <a:endParaRPr lang="en-US" dirty="0"/>
+          </a:p>
+        </p:txBody>
+      </p:sp>
+      <p:sp>
+        <p:nvSpPr>
+          <p:cNvPr id="3" name="Content Placeholder 2"/>
+          <p:cNvSpPr>
+            <a:spLocks noGrp="1"/>
+          </p:cNvSpPr>
+          <p:nvPr>
+            <p:ph idx="1"/>
+          </p:nvPr>
+        </p:nvSpPr>
+        <p:spPr/>
+        <p:txBody>
+          <a:bodyPr>
+            <a:normAutofit fontScale="92500" lnSpcReduction="20000"/>
+          </a:bodyPr>
+          <a:lstStyle/>
+          <a:p>
+            <a:r>
+              <a:rPr lang="en-US" dirty="0" smtClean="0"/>
+              <a:t>Key / value data (map, collection, etc.)</a:t>
+            </a:r>
+          </a:p>
+          <a:p>
+            <a:r>
+              <a:rPr lang="en-US" dirty="0" smtClean="0"/>
+              <a:t>Can reference with dot or bracket notation</a:t>
+            </a:r>
+          </a:p>
+          <a:p>
+            <a:r>
+              <a:rPr lang="en-US" b="1" dirty="0" smtClean="0"/>
+              <a:t>&lt;</a:t>
+            </a:r>
+            <a:r>
+              <a:rPr lang="en-US" b="1" dirty="0" err="1"/>
+              <a:t>cfset</a:t>
+            </a:r>
+            <a:r>
+              <a:rPr lang="en-US" b="1" dirty="0"/>
+              <a:t> </a:t>
+            </a:r>
+            <a:r>
+              <a:rPr lang="en-US" b="1" dirty="0" smtClean="0"/>
+              <a:t>meta = </a:t>
+            </a:r>
+            <a:r>
+              <a:rPr lang="en-US" b="1" dirty="0" err="1" smtClean="0"/>
+              <a:t>StructNew</a:t>
+            </a:r>
+            <a:r>
+              <a:rPr lang="en-US" b="1" dirty="0" smtClean="0"/>
+              <a:t>()</a:t>
+            </a:r>
+            <a:r>
+              <a:rPr lang="en-US" b="1" dirty="0"/>
+              <a:t>&gt;</a:t>
+            </a:r>
+            <a:br>
+              <a:rPr lang="en-US" b="1" dirty="0"/>
+            </a:br>
+            <a:r>
+              <a:rPr lang="en-US" b="1" dirty="0"/>
+              <a:t>&lt;</a:t>
+            </a:r>
+            <a:r>
+              <a:rPr lang="en-US" b="1" dirty="0" err="1"/>
+              <a:t>cfset</a:t>
+            </a:r>
+            <a:r>
+              <a:rPr lang="en-US" b="1" dirty="0"/>
+              <a:t> </a:t>
+            </a:r>
+            <a:r>
+              <a:rPr lang="en-US" b="1" dirty="0" err="1" smtClean="0"/>
+              <a:t>meta.engine</a:t>
+            </a:r>
+            <a:r>
+              <a:rPr lang="en-US" b="1" dirty="0" smtClean="0"/>
+              <a:t> </a:t>
+            </a:r>
+            <a:r>
+              <a:rPr lang="en-US" b="1" dirty="0"/>
+              <a:t>= </a:t>
+            </a:r>
+            <a:r>
+              <a:rPr lang="en-US" b="1" dirty="0" smtClean="0"/>
+              <a:t>“</a:t>
+            </a:r>
+            <a:r>
+              <a:rPr lang="en-US" b="1" dirty="0" err="1" smtClean="0"/>
+              <a:t>OpenBD</a:t>
+            </a:r>
+            <a:r>
+              <a:rPr lang="en-US" b="1" dirty="0" smtClean="0"/>
+              <a:t>”</a:t>
+            </a:r>
+            <a:r>
+              <a:rPr lang="en-US" b="1" dirty="0"/>
+              <a:t>&gt;</a:t>
+            </a:r>
+            <a:br>
+              <a:rPr lang="en-US" b="1" dirty="0"/>
+            </a:br>
+            <a:r>
+              <a:rPr lang="en-US" b="1" dirty="0"/>
+              <a:t>&lt;</a:t>
+            </a:r>
+            <a:r>
+              <a:rPr lang="en-US" b="1" dirty="0" err="1"/>
+              <a:t>cfset</a:t>
+            </a:r>
+            <a:r>
+              <a:rPr lang="en-US" b="1" dirty="0"/>
+              <a:t> </a:t>
+            </a:r>
+            <a:r>
+              <a:rPr lang="en-US" b="1" dirty="0" smtClean="0"/>
+              <a:t>meta[“version”] </a:t>
+            </a:r>
+            <a:r>
+              <a:rPr lang="en-US" b="1" dirty="0"/>
+              <a:t>= </a:t>
+            </a:r>
+            <a:r>
+              <a:rPr lang="en-US" b="1" dirty="0" smtClean="0"/>
+              <a:t>“1.5”</a:t>
+            </a:r>
+            <a:r>
+              <a:rPr lang="en-US" b="1" dirty="0"/>
+              <a:t>&gt;</a:t>
+            </a:r>
+          </a:p>
+          <a:p>
+            <a:r>
+              <a:rPr lang="en-US" b="1" dirty="0"/>
+              <a:t>&lt;</a:t>
+            </a:r>
+            <a:r>
+              <a:rPr lang="en-US" b="1" dirty="0" err="1"/>
+              <a:t>cfset</a:t>
+            </a:r>
+            <a:r>
+              <a:rPr lang="en-US" b="1" dirty="0"/>
+              <a:t> </a:t>
+            </a:r>
+            <a:r>
+              <a:rPr lang="en-US" b="1" dirty="0" smtClean="0"/>
+              <a:t>meta = { engine = “</a:t>
+            </a:r>
+            <a:r>
+              <a:rPr lang="en-US" b="1" dirty="0" err="1" smtClean="0"/>
+              <a:t>OpenBD</a:t>
+            </a:r>
+            <a:r>
+              <a:rPr lang="en-US" b="1" dirty="0" smtClean="0"/>
+              <a:t>”, version = “1.5” }&gt;</a:t>
+            </a:r>
+            <a:endParaRPr lang="en-US" b="1" dirty="0"/>
+          </a:p>
+          <a:p>
+            <a:r>
+              <a:rPr lang="en-US" b="1" dirty="0"/>
+              <a:t>&lt;</a:t>
+            </a:r>
+            <a:r>
+              <a:rPr lang="en-US" b="1" dirty="0" err="1"/>
+              <a:t>cfoutput</a:t>
+            </a:r>
+            <a:r>
+              <a:rPr lang="en-US" b="1" dirty="0"/>
+              <a:t>&gt;</a:t>
+            </a:r>
+            <a:r>
+              <a:rPr lang="en-US" b="1" dirty="0" smtClean="0"/>
+              <a:t>#</a:t>
+            </a:r>
+            <a:r>
+              <a:rPr lang="en-US" b="1" dirty="0" err="1" smtClean="0"/>
+              <a:t>meta.engine</a:t>
+            </a:r>
+            <a:r>
+              <a:rPr lang="en-US" b="1" dirty="0" smtClean="0"/>
+              <a:t>#</a:t>
+            </a:r>
+            <a:r>
+              <a:rPr lang="en-US" b="1" dirty="0"/>
+              <a:t>&lt;/</a:t>
+            </a:r>
+            <a:r>
+              <a:rPr lang="en-US" b="1" dirty="0" err="1"/>
+              <a:t>cfoutput</a:t>
+            </a:r>
+            <a:r>
+              <a:rPr lang="en-US" b="1" dirty="0" smtClean="0"/>
+              <a:t>&gt;</a:t>
+            </a:r>
+            <a:br>
+              <a:rPr lang="en-US" b="1" dirty="0" smtClean="0"/>
+            </a:br>
+            <a:r>
+              <a:rPr lang="en-US" b="1" dirty="0" smtClean="0"/>
+              <a:t>&lt;</a:t>
+            </a:r>
+            <a:r>
+              <a:rPr lang="en-US" b="1" dirty="0" err="1" smtClean="0"/>
+              <a:t>cfoutput</a:t>
+            </a:r>
+            <a:r>
+              <a:rPr lang="en-US" b="1" dirty="0" smtClean="0"/>
+              <a:t>&gt;#meta[“version”]#&lt;/</a:t>
+            </a:r>
+            <a:r>
+              <a:rPr lang="en-US" b="1" dirty="0" err="1" smtClean="0"/>
+              <a:t>cfoutput</a:t>
+            </a:r>
+            <a:r>
+              <a:rPr lang="en-US" b="1" dirty="0" smtClean="0"/>
+              <a:t>&gt;</a:t>
+            </a:r>
+          </a:p>
+          <a:p>
+            <a:r>
+              <a:rPr lang="en-US" dirty="0"/>
+              <a:t>Check for existence before </a:t>
+            </a:r>
+            <a:r>
+              <a:rPr lang="en-US" dirty="0" smtClean="0"/>
+              <a:t>using:</a:t>
+            </a:r>
+            <a:br>
+              <a:rPr lang="en-US" dirty="0" smtClean="0"/>
+            </a:br>
+            <a:r>
+              <a:rPr lang="en-US" b="1" dirty="0" smtClean="0"/>
+              <a:t>&lt;</a:t>
+            </a:r>
+            <a:r>
+              <a:rPr lang="en-US" b="1" dirty="0" err="1" smtClean="0"/>
+              <a:t>cfif</a:t>
+            </a:r>
+            <a:r>
+              <a:rPr lang="en-US" b="1" dirty="0" smtClean="0"/>
+              <a:t> </a:t>
+            </a:r>
+            <a:r>
+              <a:rPr lang="en-US" b="1" dirty="0" err="1" smtClean="0"/>
+              <a:t>isDefined</a:t>
+            </a:r>
+            <a:r>
+              <a:rPr lang="en-US" b="1" dirty="0" smtClean="0"/>
+              <a:t>(“</a:t>
+            </a:r>
+            <a:r>
+              <a:rPr lang="en-US" b="1" dirty="0" err="1" smtClean="0"/>
+              <a:t>meta.engine</a:t>
+            </a:r>
+            <a:r>
+              <a:rPr lang="en-US" b="1" dirty="0" smtClean="0"/>
+              <a:t>”)&gt;</a:t>
+            </a:r>
+            <a:br>
+              <a:rPr lang="en-US" b="1" dirty="0" smtClean="0"/>
+            </a:br>
+            <a:r>
+              <a:rPr lang="en-US" b="1" dirty="0" smtClean="0"/>
+              <a:t>&lt;</a:t>
+            </a:r>
+            <a:r>
+              <a:rPr lang="en-US" b="1" dirty="0" err="1" smtClean="0"/>
+              <a:t>cfif</a:t>
+            </a:r>
+            <a:r>
+              <a:rPr lang="en-US" b="1" dirty="0" smtClean="0"/>
+              <a:t> </a:t>
+            </a:r>
+            <a:r>
+              <a:rPr lang="en-US" b="1" dirty="0" err="1" smtClean="0"/>
+              <a:t>StructKeyExists</a:t>
+            </a:r>
+            <a:r>
+              <a:rPr lang="en-US" b="1" dirty="0" smtClean="0"/>
+              <a:t>(meta, “engine”)&gt;</a:t>
+            </a:r>
+            <a:endParaRPr lang="en-US" b="1" dirty="0"/>
+          </a:p>
+        </p:txBody>
+      </p:sp>
+    </p:spTree>
+    <p:extLst>
+      <p:ext uri="{BB962C8B-B14F-4D97-AF65-F5344CB8AC3E}">
+        <p14:creationId xmlns:p14="http://schemas.microsoft.com/office/powerpoint/2010/main" val="2389885091"/>
+      </p:ext>
+    </p:extLst>
+  </p:cSld>
+  <p:clrMapOvr>
+    <a:masterClrMapping/>
+  </p:clrMapOvr>
 </p:sld>
 </file>
 
@@ -5289,14 +8725,1203 @@
   <p:clrMapOvr>
     <a:masterClrMapping/>
   </p:clrMapOvr>
-  <mc:AlternateContent xmlns:mc="http://schemas.openxmlformats.org/markup-compatibility/2006">
-    <mc:Choice xmlns:p14="http://schemas.microsoft.com/office/powerpoint/2010/main" Requires="p14">
+  <mc:AlternateContent xmlns:mc="http://schemas.openxmlformats.org/markup-compatibility/2006" xmlns:p14="http://schemas.microsoft.com/office/powerpoint/2010/main">
+    <mc:Choice Requires="p14">
       <p:transition spd="slow" p14:dur="2000"/>
     </mc:Choice>
-    <mc:Fallback>
+    <mc:Fallback xmlns="">
       <p:transition xmlns:p14="http://schemas.microsoft.com/office/powerpoint/2010/main" spd="slow"/>
     </mc:Fallback>
   </mc:AlternateContent>
+</p:sld>
+</file>
+
+<file path=ppt/slides/slide20.xml><?xml version="1.0" encoding="utf-8"?>
+<p:sld xmlns:a="http://schemas.openxmlformats.org/drawingml/2006/main" xmlns:r="http://schemas.openxmlformats.org/officeDocument/2006/relationships" xmlns:p="http://schemas.openxmlformats.org/presentationml/2006/main">
+  <p:cSld>
+    <p:spTree>
+      <p:nvGrpSpPr>
+        <p:cNvPr id="1" name=""/>
+        <p:cNvGrpSpPr/>
+        <p:nvPr/>
+      </p:nvGrpSpPr>
+      <p:grpSpPr>
+        <a:xfrm>
+          <a:off x="0" y="0"/>
+          <a:ext cx="0" cy="0"/>
+          <a:chOff x="0" y="0"/>
+          <a:chExt cx="0" cy="0"/>
+        </a:xfrm>
+      </p:grpSpPr>
+      <p:sp>
+        <p:nvSpPr>
+          <p:cNvPr id="2" name="Title 1"/>
+          <p:cNvSpPr>
+            <a:spLocks noGrp="1"/>
+          </p:cNvSpPr>
+          <p:nvPr>
+            <p:ph type="title"/>
+          </p:nvPr>
+        </p:nvSpPr>
+        <p:spPr/>
+        <p:txBody>
+          <a:bodyPr/>
+          <a:lstStyle/>
+          <a:p>
+            <a:r>
+              <a:rPr lang="en-US" dirty="0" smtClean="0"/>
+              <a:t>Operators</a:t>
+            </a:r>
+            <a:endParaRPr lang="en-US" dirty="0"/>
+          </a:p>
+        </p:txBody>
+      </p:sp>
+      <p:sp>
+        <p:nvSpPr>
+          <p:cNvPr id="3" name="Content Placeholder 2"/>
+          <p:cNvSpPr>
+            <a:spLocks noGrp="1"/>
+          </p:cNvSpPr>
+          <p:nvPr>
+            <p:ph idx="1"/>
+          </p:nvPr>
+        </p:nvSpPr>
+        <p:spPr/>
+        <p:txBody>
+          <a:bodyPr>
+            <a:normAutofit fontScale="77500" lnSpcReduction="20000"/>
+          </a:bodyPr>
+          <a:lstStyle/>
+          <a:p>
+            <a:r>
+              <a:rPr lang="en-US" dirty="0" smtClean="0"/>
+              <a:t>Assignment</a:t>
+            </a:r>
+          </a:p>
+          <a:p>
+            <a:pPr lvl="1"/>
+            <a:r>
+              <a:rPr lang="en-US" dirty="0" smtClean="0"/>
+              <a:t>=, +=, -=, &amp;=, /=, *=, %=</a:t>
+            </a:r>
+          </a:p>
+          <a:p>
+            <a:r>
+              <a:rPr lang="en-US" dirty="0" smtClean="0"/>
+              <a:t>Unary</a:t>
+            </a:r>
+          </a:p>
+          <a:p>
+            <a:pPr lvl="1"/>
+            <a:r>
+              <a:rPr lang="en-US" dirty="0" smtClean="0"/>
+              <a:t>++, --, +, -, /, *</a:t>
+            </a:r>
+          </a:p>
+          <a:p>
+            <a:r>
+              <a:rPr lang="en-US" dirty="0" smtClean="0"/>
+              <a:t>Binary</a:t>
+            </a:r>
+          </a:p>
+          <a:p>
+            <a:pPr lvl="1"/>
+            <a:r>
+              <a:rPr lang="en-US" dirty="0" smtClean="0"/>
+              <a:t>% or MOD</a:t>
+            </a:r>
+          </a:p>
+          <a:p>
+            <a:r>
+              <a:rPr lang="en-US" dirty="0" smtClean="0"/>
+              <a:t>Logical</a:t>
+            </a:r>
+          </a:p>
+          <a:p>
+            <a:pPr lvl="1"/>
+            <a:r>
+              <a:rPr lang="en-US" dirty="0" smtClean="0"/>
+              <a:t>! or NOT, OR, AND, XOR</a:t>
+            </a:r>
+          </a:p>
+          <a:p>
+            <a:r>
+              <a:rPr lang="en-US" dirty="0" smtClean="0"/>
+              <a:t>Comparators</a:t>
+            </a:r>
+          </a:p>
+          <a:p>
+            <a:pPr lvl="1"/>
+            <a:r>
+              <a:rPr lang="en-US" dirty="0" smtClean="0"/>
+              <a:t>EQ, NEQ, LT, LTE, GT, GTE, IS, IS NOT, CONTAINS</a:t>
+            </a:r>
+          </a:p>
+          <a:p>
+            <a:r>
+              <a:rPr lang="en-US" dirty="0" smtClean="0"/>
+              <a:t>This is not a complete list.</a:t>
+            </a:r>
+          </a:p>
+        </p:txBody>
+      </p:sp>
+    </p:spTree>
+    <p:extLst>
+      <p:ext uri="{BB962C8B-B14F-4D97-AF65-F5344CB8AC3E}">
+        <p14:creationId xmlns:p14="http://schemas.microsoft.com/office/powerpoint/2010/main" val="2233413174"/>
+      </p:ext>
+    </p:extLst>
+  </p:cSld>
+  <p:clrMapOvr>
+    <a:masterClrMapping/>
+  </p:clrMapOvr>
+</p:sld>
+</file>
+
+<file path=ppt/slides/slide21.xml><?xml version="1.0" encoding="utf-8"?>
+<p:sld xmlns:a="http://schemas.openxmlformats.org/drawingml/2006/main" xmlns:r="http://schemas.openxmlformats.org/officeDocument/2006/relationships" xmlns:p="http://schemas.openxmlformats.org/presentationml/2006/main">
+  <p:cSld>
+    <p:spTree>
+      <p:nvGrpSpPr>
+        <p:cNvPr id="1" name=""/>
+        <p:cNvGrpSpPr/>
+        <p:nvPr/>
+      </p:nvGrpSpPr>
+      <p:grpSpPr>
+        <a:xfrm>
+          <a:off x="0" y="0"/>
+          <a:ext cx="0" cy="0"/>
+          <a:chOff x="0" y="0"/>
+          <a:chExt cx="0" cy="0"/>
+        </a:xfrm>
+      </p:grpSpPr>
+      <p:sp>
+        <p:nvSpPr>
+          <p:cNvPr id="2" name="Title 1"/>
+          <p:cNvSpPr>
+            <a:spLocks noGrp="1"/>
+          </p:cNvSpPr>
+          <p:nvPr>
+            <p:ph type="ctrTitle"/>
+          </p:nvPr>
+        </p:nvSpPr>
+        <p:spPr/>
+        <p:txBody>
+          <a:bodyPr/>
+          <a:lstStyle/>
+          <a:p>
+            <a:r>
+              <a:rPr lang="en-US" dirty="0" smtClean="0"/>
+              <a:t>Demo 02</a:t>
+            </a:r>
+            <a:endParaRPr lang="en-US" dirty="0"/>
+          </a:p>
+        </p:txBody>
+      </p:sp>
+      <p:sp>
+        <p:nvSpPr>
+          <p:cNvPr id="4" name="Subtitle 3"/>
+          <p:cNvSpPr>
+            <a:spLocks noGrp="1"/>
+          </p:cNvSpPr>
+          <p:nvPr>
+            <p:ph type="subTitle" idx="1"/>
+          </p:nvPr>
+        </p:nvSpPr>
+        <p:spPr/>
+        <p:txBody>
+          <a:bodyPr/>
+          <a:lstStyle/>
+          <a:p>
+            <a:endParaRPr lang="en-US"/>
+          </a:p>
+        </p:txBody>
+      </p:sp>
+      <p:sp>
+        <p:nvSpPr>
+          <p:cNvPr id="5" name="Picture Placeholder 4"/>
+          <p:cNvSpPr>
+            <a:spLocks noGrp="1"/>
+          </p:cNvSpPr>
+          <p:nvPr>
+            <p:ph type="pic" idx="13"/>
+          </p:nvPr>
+        </p:nvSpPr>
+        <p:spPr/>
+      </p:sp>
+    </p:spTree>
+    <p:extLst>
+      <p:ext uri="{BB962C8B-B14F-4D97-AF65-F5344CB8AC3E}">
+        <p14:creationId xmlns:p14="http://schemas.microsoft.com/office/powerpoint/2010/main" val="3132652974"/>
+      </p:ext>
+    </p:extLst>
+  </p:cSld>
+  <p:clrMapOvr>
+    <a:masterClrMapping/>
+  </p:clrMapOvr>
+</p:sld>
+</file>
+
+<file path=ppt/slides/slide22.xml><?xml version="1.0" encoding="utf-8"?>
+<p:sld xmlns:a="http://schemas.openxmlformats.org/drawingml/2006/main" xmlns:r="http://schemas.openxmlformats.org/officeDocument/2006/relationships" xmlns:p="http://schemas.openxmlformats.org/presentationml/2006/main">
+  <p:cSld>
+    <p:spTree>
+      <p:nvGrpSpPr>
+        <p:cNvPr id="1" name=""/>
+        <p:cNvGrpSpPr/>
+        <p:nvPr/>
+      </p:nvGrpSpPr>
+      <p:grpSpPr>
+        <a:xfrm>
+          <a:off x="0" y="0"/>
+          <a:ext cx="0" cy="0"/>
+          <a:chOff x="0" y="0"/>
+          <a:chExt cx="0" cy="0"/>
+        </a:xfrm>
+      </p:grpSpPr>
+      <p:sp>
+        <p:nvSpPr>
+          <p:cNvPr id="5" name="Title 4"/>
+          <p:cNvSpPr>
+            <a:spLocks noGrp="1"/>
+          </p:cNvSpPr>
+          <p:nvPr>
+            <p:ph type="title"/>
+          </p:nvPr>
+        </p:nvSpPr>
+        <p:spPr/>
+        <p:txBody>
+          <a:bodyPr/>
+          <a:lstStyle/>
+          <a:p>
+            <a:r>
+              <a:rPr lang="en-US" dirty="0" smtClean="0"/>
+              <a:t>Control</a:t>
+            </a:r>
+            <a:endParaRPr lang="en-US" dirty="0"/>
+          </a:p>
+        </p:txBody>
+      </p:sp>
+      <p:sp>
+        <p:nvSpPr>
+          <p:cNvPr id="6" name="Content Placeholder 5"/>
+          <p:cNvSpPr>
+            <a:spLocks noGrp="1"/>
+          </p:cNvSpPr>
+          <p:nvPr>
+            <p:ph idx="1"/>
+          </p:nvPr>
+        </p:nvSpPr>
+        <p:spPr/>
+        <p:txBody>
+          <a:bodyPr>
+            <a:normAutofit fontScale="92500" lnSpcReduction="10000"/>
+          </a:bodyPr>
+          <a:lstStyle/>
+          <a:p>
+            <a:r>
+              <a:rPr lang="en-US" dirty="0" smtClean="0"/>
+              <a:t>&lt;</a:t>
+            </a:r>
+            <a:r>
+              <a:rPr lang="en-US" dirty="0" err="1" smtClean="0"/>
+              <a:t>cfif</a:t>
+            </a:r>
+            <a:r>
+              <a:rPr lang="en-US" dirty="0" smtClean="0"/>
+              <a:t>&gt;</a:t>
+            </a:r>
+          </a:p>
+          <a:p>
+            <a:pPr lvl="1"/>
+            <a:r>
+              <a:rPr lang="en-US" dirty="0" smtClean="0"/>
+              <a:t>&lt;</a:t>
+            </a:r>
+            <a:r>
+              <a:rPr lang="en-US" dirty="0" err="1" smtClean="0"/>
+              <a:t>cfelseif</a:t>
+            </a:r>
+            <a:r>
+              <a:rPr lang="en-US" dirty="0" smtClean="0"/>
+              <a:t>&gt;</a:t>
+            </a:r>
+          </a:p>
+          <a:p>
+            <a:pPr lvl="1"/>
+            <a:r>
+              <a:rPr lang="en-US" dirty="0" smtClean="0"/>
+              <a:t>&lt;</a:t>
+            </a:r>
+            <a:r>
+              <a:rPr lang="en-US" dirty="0" err="1" smtClean="0"/>
+              <a:t>cfelse</a:t>
+            </a:r>
+            <a:r>
+              <a:rPr lang="en-US" dirty="0" smtClean="0"/>
+              <a:t>&gt;</a:t>
+            </a:r>
+          </a:p>
+          <a:p>
+            <a:r>
+              <a:rPr lang="en-US" dirty="0" smtClean="0"/>
+              <a:t>&lt;</a:t>
+            </a:r>
+            <a:r>
+              <a:rPr lang="en-US" dirty="0" err="1" smtClean="0"/>
+              <a:t>cfswitch</a:t>
+            </a:r>
+            <a:r>
+              <a:rPr lang="en-US" dirty="0" smtClean="0"/>
+              <a:t>&gt;</a:t>
+            </a:r>
+          </a:p>
+          <a:p>
+            <a:pPr lvl="1"/>
+            <a:r>
+              <a:rPr lang="en-US" dirty="0" smtClean="0"/>
+              <a:t>&lt;</a:t>
+            </a:r>
+            <a:r>
+              <a:rPr lang="en-US" dirty="0" err="1" smtClean="0"/>
+              <a:t>cfcase</a:t>
+            </a:r>
+            <a:r>
+              <a:rPr lang="en-US" dirty="0" smtClean="0"/>
+              <a:t>&gt;</a:t>
+            </a:r>
+          </a:p>
+          <a:p>
+            <a:pPr lvl="1"/>
+            <a:r>
+              <a:rPr lang="en-US" dirty="0" smtClean="0"/>
+              <a:t>&lt;</a:t>
+            </a:r>
+            <a:r>
+              <a:rPr lang="en-US" dirty="0" err="1" smtClean="0"/>
+              <a:t>cfdefaultcase</a:t>
+            </a:r>
+            <a:r>
+              <a:rPr lang="en-US" dirty="0" smtClean="0"/>
+              <a:t>&gt;</a:t>
+            </a:r>
+          </a:p>
+          <a:p>
+            <a:r>
+              <a:rPr lang="en-US" dirty="0" smtClean="0"/>
+              <a:t>&lt;</a:t>
+            </a:r>
+            <a:r>
+              <a:rPr lang="en-US" dirty="0" err="1" smtClean="0"/>
+              <a:t>cftry</a:t>
+            </a:r>
+            <a:r>
+              <a:rPr lang="en-US" dirty="0" smtClean="0"/>
+              <a:t>&gt;</a:t>
+            </a:r>
+          </a:p>
+          <a:p>
+            <a:pPr lvl="1"/>
+            <a:r>
+              <a:rPr lang="en-US" dirty="0" smtClean="0"/>
+              <a:t>&lt;</a:t>
+            </a:r>
+            <a:r>
+              <a:rPr lang="en-US" dirty="0" err="1" smtClean="0"/>
+              <a:t>cfcatch</a:t>
+            </a:r>
+            <a:r>
+              <a:rPr lang="en-US" dirty="0" smtClean="0"/>
+              <a:t>&gt;</a:t>
+            </a:r>
+          </a:p>
+          <a:p>
+            <a:pPr lvl="1"/>
+            <a:r>
+              <a:rPr lang="en-US" dirty="0" smtClean="0"/>
+              <a:t>&lt;</a:t>
+            </a:r>
+            <a:r>
+              <a:rPr lang="en-US" dirty="0" err="1" smtClean="0"/>
+              <a:t>cffinally</a:t>
+            </a:r>
+            <a:r>
+              <a:rPr lang="en-US" dirty="0" smtClean="0"/>
+              <a:t>&gt;</a:t>
+            </a:r>
+          </a:p>
+          <a:p>
+            <a:r>
+              <a:rPr lang="en-US" dirty="0" smtClean="0"/>
+              <a:t>&lt;</a:t>
+            </a:r>
+            <a:r>
+              <a:rPr lang="en-US" dirty="0" err="1" smtClean="0"/>
+              <a:t>cflocation</a:t>
+            </a:r>
+            <a:r>
+              <a:rPr lang="en-US" dirty="0" smtClean="0"/>
+              <a:t>&gt;</a:t>
+            </a:r>
+            <a:endParaRPr lang="en-US" dirty="0"/>
+          </a:p>
+        </p:txBody>
+      </p:sp>
+    </p:spTree>
+    <p:extLst>
+      <p:ext uri="{BB962C8B-B14F-4D97-AF65-F5344CB8AC3E}">
+        <p14:creationId xmlns:p14="http://schemas.microsoft.com/office/powerpoint/2010/main" val="2696741995"/>
+      </p:ext>
+    </p:extLst>
+  </p:cSld>
+  <p:clrMapOvr>
+    <a:masterClrMapping/>
+  </p:clrMapOvr>
+</p:sld>
+</file>
+
+<file path=ppt/slides/slide23.xml><?xml version="1.0" encoding="utf-8"?>
+<p:sld xmlns:a="http://schemas.openxmlformats.org/drawingml/2006/main" xmlns:r="http://schemas.openxmlformats.org/officeDocument/2006/relationships" xmlns:p="http://schemas.openxmlformats.org/presentationml/2006/main">
+  <p:cSld>
+    <p:spTree>
+      <p:nvGrpSpPr>
+        <p:cNvPr id="1" name=""/>
+        <p:cNvGrpSpPr/>
+        <p:nvPr/>
+      </p:nvGrpSpPr>
+      <p:grpSpPr>
+        <a:xfrm>
+          <a:off x="0" y="0"/>
+          <a:ext cx="0" cy="0"/>
+          <a:chOff x="0" y="0"/>
+          <a:chExt cx="0" cy="0"/>
+        </a:xfrm>
+      </p:grpSpPr>
+      <p:sp>
+        <p:nvSpPr>
+          <p:cNvPr id="2" name="Title 1"/>
+          <p:cNvSpPr>
+            <a:spLocks noGrp="1"/>
+          </p:cNvSpPr>
+          <p:nvPr>
+            <p:ph type="title"/>
+          </p:nvPr>
+        </p:nvSpPr>
+        <p:spPr/>
+        <p:txBody>
+          <a:bodyPr/>
+          <a:lstStyle/>
+          <a:p>
+            <a:r>
+              <a:rPr lang="en-US" dirty="0" smtClean="0"/>
+              <a:t>Iterations</a:t>
+            </a:r>
+            <a:endParaRPr lang="en-US" dirty="0"/>
+          </a:p>
+        </p:txBody>
+      </p:sp>
+      <p:sp>
+        <p:nvSpPr>
+          <p:cNvPr id="3" name="Content Placeholder 2"/>
+          <p:cNvSpPr>
+            <a:spLocks noGrp="1"/>
+          </p:cNvSpPr>
+          <p:nvPr>
+            <p:ph idx="1"/>
+          </p:nvPr>
+        </p:nvSpPr>
+        <p:spPr/>
+        <p:txBody>
+          <a:bodyPr>
+            <a:normAutofit lnSpcReduction="10000"/>
+          </a:bodyPr>
+          <a:lstStyle/>
+          <a:p>
+            <a:r>
+              <a:rPr lang="en-US" dirty="0" smtClean="0"/>
+              <a:t>&lt;</a:t>
+            </a:r>
+            <a:r>
+              <a:rPr lang="en-US" dirty="0" err="1" smtClean="0"/>
+              <a:t>cfloop</a:t>
+            </a:r>
+            <a:r>
+              <a:rPr lang="en-US" dirty="0" smtClean="0"/>
+              <a:t>&gt;</a:t>
+            </a:r>
+          </a:p>
+          <a:p>
+            <a:pPr lvl="1"/>
+            <a:r>
+              <a:rPr lang="en-US" dirty="0" smtClean="0"/>
+              <a:t>Types of loops</a:t>
+            </a:r>
+          </a:p>
+          <a:p>
+            <a:pPr lvl="2"/>
+            <a:r>
+              <a:rPr lang="en-US" dirty="0" smtClean="0"/>
+              <a:t>Numeric: from, to, index, step</a:t>
+            </a:r>
+          </a:p>
+          <a:p>
+            <a:pPr lvl="2"/>
+            <a:r>
+              <a:rPr lang="en-US" dirty="0" smtClean="0"/>
+              <a:t>Condition: condition</a:t>
+            </a:r>
+          </a:p>
+          <a:p>
+            <a:pPr lvl="2"/>
+            <a:r>
+              <a:rPr lang="en-US" dirty="0" smtClean="0"/>
+              <a:t>Query: query, </a:t>
+            </a:r>
+            <a:r>
+              <a:rPr lang="en-US" dirty="0" err="1" smtClean="0"/>
+              <a:t>startrow</a:t>
+            </a:r>
+            <a:r>
+              <a:rPr lang="en-US" dirty="0" smtClean="0"/>
+              <a:t>, </a:t>
+            </a:r>
+            <a:r>
+              <a:rPr lang="en-US" dirty="0" err="1" smtClean="0"/>
+              <a:t>endrow</a:t>
+            </a:r>
+            <a:endParaRPr lang="en-US" dirty="0" smtClean="0"/>
+          </a:p>
+          <a:p>
+            <a:pPr lvl="2"/>
+            <a:r>
+              <a:rPr lang="en-US" dirty="0" smtClean="0"/>
+              <a:t>Array: array, index</a:t>
+            </a:r>
+          </a:p>
+          <a:p>
+            <a:pPr lvl="2"/>
+            <a:r>
+              <a:rPr lang="en-US" dirty="0" smtClean="0"/>
+              <a:t>List: list, index, delimiters</a:t>
+            </a:r>
+          </a:p>
+          <a:p>
+            <a:pPr lvl="2"/>
+            <a:r>
+              <a:rPr lang="en-US" dirty="0" smtClean="0"/>
+              <a:t>File: file, index, characters</a:t>
+            </a:r>
+          </a:p>
+          <a:p>
+            <a:pPr lvl="2"/>
+            <a:r>
+              <a:rPr lang="en-US" dirty="0" smtClean="0"/>
+              <a:t>Collection: collection, item</a:t>
+            </a:r>
+          </a:p>
+          <a:p>
+            <a:pPr lvl="1"/>
+            <a:r>
+              <a:rPr lang="en-US" dirty="0" smtClean="0"/>
+              <a:t>&lt;</a:t>
+            </a:r>
+            <a:r>
+              <a:rPr lang="en-US" dirty="0" err="1" smtClean="0"/>
+              <a:t>cfbreak</a:t>
+            </a:r>
+            <a:r>
+              <a:rPr lang="en-US" dirty="0" smtClean="0"/>
+              <a:t>&gt;</a:t>
+            </a:r>
+          </a:p>
+          <a:p>
+            <a:pPr lvl="1"/>
+            <a:r>
+              <a:rPr lang="en-US" dirty="0" smtClean="0"/>
+              <a:t>&lt;</a:t>
+            </a:r>
+            <a:r>
+              <a:rPr lang="en-US" dirty="0" err="1" smtClean="0"/>
+              <a:t>cfcontinue</a:t>
+            </a:r>
+            <a:r>
+              <a:rPr lang="en-US" dirty="0" smtClean="0"/>
+              <a:t>&gt;</a:t>
+            </a:r>
+            <a:endParaRPr lang="en-US" dirty="0"/>
+          </a:p>
+        </p:txBody>
+      </p:sp>
+    </p:spTree>
+    <p:extLst>
+      <p:ext uri="{BB962C8B-B14F-4D97-AF65-F5344CB8AC3E}">
+        <p14:creationId xmlns:p14="http://schemas.microsoft.com/office/powerpoint/2010/main" val="3196592386"/>
+      </p:ext>
+    </p:extLst>
+  </p:cSld>
+  <p:clrMapOvr>
+    <a:masterClrMapping/>
+  </p:clrMapOvr>
+</p:sld>
+</file>
+
+<file path=ppt/slides/slide24.xml><?xml version="1.0" encoding="utf-8"?>
+<p:sld xmlns:a="http://schemas.openxmlformats.org/drawingml/2006/main" xmlns:r="http://schemas.openxmlformats.org/officeDocument/2006/relationships" xmlns:p="http://schemas.openxmlformats.org/presentationml/2006/main">
+  <p:cSld>
+    <p:spTree>
+      <p:nvGrpSpPr>
+        <p:cNvPr id="1" name=""/>
+        <p:cNvGrpSpPr/>
+        <p:nvPr/>
+      </p:nvGrpSpPr>
+      <p:grpSpPr>
+        <a:xfrm>
+          <a:off x="0" y="0"/>
+          <a:ext cx="0" cy="0"/>
+          <a:chOff x="0" y="0"/>
+          <a:chExt cx="0" cy="0"/>
+        </a:xfrm>
+      </p:grpSpPr>
+      <p:sp>
+        <p:nvSpPr>
+          <p:cNvPr id="2" name="Title 1"/>
+          <p:cNvSpPr>
+            <a:spLocks noGrp="1"/>
+          </p:cNvSpPr>
+          <p:nvPr>
+            <p:ph type="title"/>
+          </p:nvPr>
+        </p:nvSpPr>
+        <p:spPr/>
+        <p:txBody>
+          <a:bodyPr/>
+          <a:lstStyle/>
+          <a:p>
+            <a:r>
+              <a:rPr lang="en-US" dirty="0" smtClean="0"/>
+              <a:t>Content</a:t>
+            </a:r>
+            <a:endParaRPr lang="en-US" dirty="0"/>
+          </a:p>
+        </p:txBody>
+      </p:sp>
+      <p:sp>
+        <p:nvSpPr>
+          <p:cNvPr id="3" name="Content Placeholder 2"/>
+          <p:cNvSpPr>
+            <a:spLocks noGrp="1"/>
+          </p:cNvSpPr>
+          <p:nvPr>
+            <p:ph idx="1"/>
+          </p:nvPr>
+        </p:nvSpPr>
+        <p:spPr/>
+        <p:txBody>
+          <a:bodyPr>
+            <a:normAutofit/>
+          </a:bodyPr>
+          <a:lstStyle/>
+          <a:p>
+            <a:r>
+              <a:rPr lang="en-US" dirty="0" smtClean="0"/>
+              <a:t>&lt;</a:t>
+            </a:r>
+            <a:r>
+              <a:rPr lang="en-US" dirty="0" err="1" smtClean="0"/>
+              <a:t>cfquery</a:t>
+            </a:r>
+            <a:r>
+              <a:rPr lang="en-US" dirty="0" smtClean="0"/>
+              <a:t>&gt;</a:t>
+            </a:r>
+          </a:p>
+          <a:p>
+            <a:pPr lvl="1"/>
+            <a:r>
+              <a:rPr lang="en-US" dirty="0" smtClean="0"/>
+              <a:t>&lt;</a:t>
+            </a:r>
+            <a:r>
+              <a:rPr lang="en-US" dirty="0" err="1" smtClean="0"/>
+              <a:t>cfqueryparam</a:t>
+            </a:r>
+            <a:r>
+              <a:rPr lang="en-US" dirty="0" smtClean="0"/>
+              <a:t>&gt;</a:t>
+            </a:r>
+          </a:p>
+          <a:p>
+            <a:pPr lvl="1"/>
+            <a:r>
+              <a:rPr lang="en-US" dirty="0" smtClean="0"/>
+              <a:t>&lt;</a:t>
+            </a:r>
+            <a:r>
+              <a:rPr lang="en-US" dirty="0" err="1" smtClean="0"/>
+              <a:t>cftransaction</a:t>
+            </a:r>
+            <a:r>
+              <a:rPr lang="en-US" dirty="0" smtClean="0"/>
+              <a:t>&gt;</a:t>
+            </a:r>
+          </a:p>
+          <a:p>
+            <a:r>
+              <a:rPr lang="en-US" dirty="0" smtClean="0"/>
+              <a:t>&lt;</a:t>
+            </a:r>
+            <a:r>
+              <a:rPr lang="en-US" dirty="0" err="1" smtClean="0"/>
+              <a:t>cffile</a:t>
+            </a:r>
+            <a:r>
+              <a:rPr lang="en-US" dirty="0" smtClean="0"/>
+              <a:t>&gt;</a:t>
+            </a:r>
+          </a:p>
+          <a:p>
+            <a:r>
+              <a:rPr lang="en-US" dirty="0" smtClean="0"/>
+              <a:t>&lt;</a:t>
+            </a:r>
+            <a:r>
+              <a:rPr lang="en-US" dirty="0" err="1" smtClean="0"/>
+              <a:t>cfdirectory</a:t>
+            </a:r>
+            <a:r>
+              <a:rPr lang="en-US" dirty="0" smtClean="0"/>
+              <a:t>&gt;</a:t>
+            </a:r>
+          </a:p>
+          <a:p>
+            <a:r>
+              <a:rPr lang="en-US" dirty="0" smtClean="0"/>
+              <a:t>&lt;</a:t>
+            </a:r>
+            <a:r>
+              <a:rPr lang="en-US" dirty="0" err="1" smtClean="0"/>
+              <a:t>cfhttp</a:t>
+            </a:r>
+            <a:r>
+              <a:rPr lang="en-US" dirty="0" smtClean="0"/>
+              <a:t>&gt;</a:t>
+            </a:r>
+          </a:p>
+          <a:p>
+            <a:pPr lvl="1"/>
+            <a:r>
+              <a:rPr lang="en-US" dirty="0" smtClean="0"/>
+              <a:t>&lt;</a:t>
+            </a:r>
+            <a:r>
+              <a:rPr lang="en-US" dirty="0" err="1" smtClean="0"/>
+              <a:t>cfhttpparam</a:t>
+            </a:r>
+            <a:r>
+              <a:rPr lang="en-US" dirty="0" smtClean="0"/>
+              <a:t>&gt;</a:t>
+            </a:r>
+          </a:p>
+          <a:p>
+            <a:r>
+              <a:rPr lang="en-US" dirty="0" smtClean="0"/>
+              <a:t>&lt;</a:t>
+            </a:r>
+            <a:r>
+              <a:rPr lang="en-US" dirty="0" err="1" smtClean="0"/>
+              <a:t>cffeed</a:t>
+            </a:r>
+            <a:r>
+              <a:rPr lang="en-US" dirty="0" smtClean="0"/>
+              <a:t>&gt;</a:t>
+            </a:r>
+            <a:endParaRPr lang="en-US" dirty="0"/>
+          </a:p>
+        </p:txBody>
+      </p:sp>
+    </p:spTree>
+    <p:extLst>
+      <p:ext uri="{BB962C8B-B14F-4D97-AF65-F5344CB8AC3E}">
+        <p14:creationId xmlns:p14="http://schemas.microsoft.com/office/powerpoint/2010/main" val="2652134881"/>
+      </p:ext>
+    </p:extLst>
+  </p:cSld>
+  <p:clrMapOvr>
+    <a:masterClrMapping/>
+  </p:clrMapOvr>
+</p:sld>
+</file>
+
+<file path=ppt/slides/slide25.xml><?xml version="1.0" encoding="utf-8"?>
+<p:sld xmlns:a="http://schemas.openxmlformats.org/drawingml/2006/main" xmlns:r="http://schemas.openxmlformats.org/officeDocument/2006/relationships" xmlns:p="http://schemas.openxmlformats.org/presentationml/2006/main">
+  <p:cSld>
+    <p:spTree>
+      <p:nvGrpSpPr>
+        <p:cNvPr id="1" name=""/>
+        <p:cNvGrpSpPr/>
+        <p:nvPr/>
+      </p:nvGrpSpPr>
+      <p:grpSpPr>
+        <a:xfrm>
+          <a:off x="0" y="0"/>
+          <a:ext cx="0" cy="0"/>
+          <a:chOff x="0" y="0"/>
+          <a:chExt cx="0" cy="0"/>
+        </a:xfrm>
+      </p:grpSpPr>
+      <p:sp>
+        <p:nvSpPr>
+          <p:cNvPr id="2" name="Title 1"/>
+          <p:cNvSpPr>
+            <a:spLocks noGrp="1"/>
+          </p:cNvSpPr>
+          <p:nvPr>
+            <p:ph type="title"/>
+          </p:nvPr>
+        </p:nvSpPr>
+        <p:spPr/>
+        <p:txBody>
+          <a:bodyPr/>
+          <a:lstStyle/>
+          <a:p>
+            <a:r>
+              <a:rPr lang="en-US" dirty="0" smtClean="0"/>
+              <a:t>Manipulation</a:t>
+            </a:r>
+            <a:endParaRPr lang="en-US" dirty="0"/>
+          </a:p>
+        </p:txBody>
+      </p:sp>
+      <p:sp>
+        <p:nvSpPr>
+          <p:cNvPr id="3" name="Content Placeholder 2"/>
+          <p:cNvSpPr>
+            <a:spLocks noGrp="1"/>
+          </p:cNvSpPr>
+          <p:nvPr>
+            <p:ph idx="1"/>
+          </p:nvPr>
+        </p:nvSpPr>
+        <p:spPr/>
+        <p:txBody>
+          <a:bodyPr>
+            <a:normAutofit fontScale="92500" lnSpcReduction="10000"/>
+          </a:bodyPr>
+          <a:lstStyle/>
+          <a:p>
+            <a:r>
+              <a:rPr lang="en-US" dirty="0"/>
+              <a:t>&lt;</a:t>
+            </a:r>
+            <a:r>
+              <a:rPr lang="en-US" dirty="0" err="1"/>
+              <a:t>cfimage</a:t>
+            </a:r>
+            <a:r>
+              <a:rPr lang="en-US" dirty="0"/>
+              <a:t>&gt;</a:t>
+            </a:r>
+          </a:p>
+          <a:p>
+            <a:r>
+              <a:rPr lang="en-US" dirty="0"/>
+              <a:t>&lt;</a:t>
+            </a:r>
+            <a:r>
+              <a:rPr lang="en-US" dirty="0" err="1"/>
+              <a:t>cfmail</a:t>
+            </a:r>
+            <a:r>
+              <a:rPr lang="en-US" dirty="0"/>
+              <a:t>&gt;</a:t>
+            </a:r>
+          </a:p>
+          <a:p>
+            <a:pPr lvl="1"/>
+            <a:r>
+              <a:rPr lang="en-US" dirty="0"/>
+              <a:t>&lt;</a:t>
+            </a:r>
+            <a:r>
+              <a:rPr lang="en-US" dirty="0" err="1"/>
+              <a:t>cfmailparam</a:t>
+            </a:r>
+            <a:r>
+              <a:rPr lang="en-US" dirty="0"/>
+              <a:t>&gt;</a:t>
+            </a:r>
+          </a:p>
+          <a:p>
+            <a:pPr lvl="1"/>
+            <a:r>
+              <a:rPr lang="en-US" dirty="0"/>
+              <a:t>&lt;</a:t>
+            </a:r>
+            <a:r>
+              <a:rPr lang="en-US" dirty="0" err="1"/>
+              <a:t>cfmailpart</a:t>
+            </a:r>
+            <a:r>
+              <a:rPr lang="en-US" dirty="0" smtClean="0"/>
+              <a:t>&gt;</a:t>
+            </a:r>
+          </a:p>
+          <a:p>
+            <a:r>
+              <a:rPr lang="en-US" dirty="0" smtClean="0"/>
+              <a:t>&lt;</a:t>
+            </a:r>
+            <a:r>
+              <a:rPr lang="en-US" dirty="0" err="1" smtClean="0"/>
+              <a:t>cfdocument</a:t>
+            </a:r>
+            <a:r>
+              <a:rPr lang="en-US" dirty="0" smtClean="0"/>
+              <a:t>&gt;</a:t>
+            </a:r>
+          </a:p>
+          <a:p>
+            <a:pPr lvl="1"/>
+            <a:r>
+              <a:rPr lang="en-US" dirty="0" smtClean="0"/>
+              <a:t>&lt;</a:t>
+            </a:r>
+            <a:r>
+              <a:rPr lang="en-US" dirty="0" err="1" smtClean="0"/>
+              <a:t>cfdocumentsection</a:t>
+            </a:r>
+            <a:r>
+              <a:rPr lang="en-US" dirty="0" smtClean="0"/>
+              <a:t>&gt;</a:t>
+            </a:r>
+          </a:p>
+          <a:p>
+            <a:pPr lvl="1"/>
+            <a:r>
+              <a:rPr lang="en-US" dirty="0" smtClean="0"/>
+              <a:t>&lt;</a:t>
+            </a:r>
+            <a:r>
+              <a:rPr lang="en-US" dirty="0" err="1" smtClean="0"/>
+              <a:t>cfdocumentitem</a:t>
+            </a:r>
+            <a:r>
+              <a:rPr lang="en-US" dirty="0" smtClean="0"/>
+              <a:t>&gt;</a:t>
+            </a:r>
+          </a:p>
+          <a:p>
+            <a:r>
+              <a:rPr lang="en-US" dirty="0" smtClean="0"/>
+              <a:t>&lt;</a:t>
+            </a:r>
+            <a:r>
+              <a:rPr lang="en-US" dirty="0" err="1" smtClean="0"/>
+              <a:t>cfform</a:t>
+            </a:r>
+            <a:r>
+              <a:rPr lang="en-US" dirty="0" smtClean="0"/>
+              <a:t>&gt;</a:t>
+            </a:r>
+          </a:p>
+          <a:p>
+            <a:pPr lvl="1"/>
+            <a:r>
+              <a:rPr lang="en-US" dirty="0" smtClean="0"/>
+              <a:t>&lt;</a:t>
+            </a:r>
+            <a:r>
+              <a:rPr lang="en-US" dirty="0" err="1" smtClean="0"/>
+              <a:t>cfinput</a:t>
+            </a:r>
+            <a:r>
+              <a:rPr lang="en-US" dirty="0" smtClean="0"/>
+              <a:t>&gt;</a:t>
+            </a:r>
+          </a:p>
+          <a:p>
+            <a:pPr lvl="1"/>
+            <a:r>
+              <a:rPr lang="en-US" dirty="0" smtClean="0"/>
+              <a:t>&lt;</a:t>
+            </a:r>
+            <a:r>
+              <a:rPr lang="en-US" dirty="0" err="1" smtClean="0"/>
+              <a:t>cftextarea</a:t>
+            </a:r>
+            <a:r>
+              <a:rPr lang="en-US" dirty="0" smtClean="0"/>
+              <a:t>&gt;</a:t>
+            </a:r>
+          </a:p>
+        </p:txBody>
+      </p:sp>
+    </p:spTree>
+    <p:extLst>
+      <p:ext uri="{BB962C8B-B14F-4D97-AF65-F5344CB8AC3E}">
+        <p14:creationId xmlns:p14="http://schemas.microsoft.com/office/powerpoint/2010/main" val="1012331123"/>
+      </p:ext>
+    </p:extLst>
+  </p:cSld>
+  <p:clrMapOvr>
+    <a:masterClrMapping/>
+  </p:clrMapOvr>
+</p:sld>
+</file>
+
+<file path=ppt/slides/slide26.xml><?xml version="1.0" encoding="utf-8"?>
+<p:sld xmlns:a="http://schemas.openxmlformats.org/drawingml/2006/main" xmlns:r="http://schemas.openxmlformats.org/officeDocument/2006/relationships" xmlns:p="http://schemas.openxmlformats.org/presentationml/2006/main">
+  <p:cSld>
+    <p:spTree>
+      <p:nvGrpSpPr>
+        <p:cNvPr id="1" name=""/>
+        <p:cNvGrpSpPr/>
+        <p:nvPr/>
+      </p:nvGrpSpPr>
+      <p:grpSpPr>
+        <a:xfrm>
+          <a:off x="0" y="0"/>
+          <a:ext cx="0" cy="0"/>
+          <a:chOff x="0" y="0"/>
+          <a:chExt cx="0" cy="0"/>
+        </a:xfrm>
+      </p:grpSpPr>
+      <p:sp>
+        <p:nvSpPr>
+          <p:cNvPr id="4" name="Title 3"/>
+          <p:cNvSpPr>
+            <a:spLocks noGrp="1"/>
+          </p:cNvSpPr>
+          <p:nvPr>
+            <p:ph type="ctrTitle"/>
+          </p:nvPr>
+        </p:nvSpPr>
+        <p:spPr/>
+        <p:txBody>
+          <a:bodyPr/>
+          <a:lstStyle/>
+          <a:p>
+            <a:r>
+              <a:rPr lang="en-US" dirty="0" smtClean="0"/>
+              <a:t>Demo 03</a:t>
+            </a:r>
+            <a:endParaRPr lang="en-US" dirty="0"/>
+          </a:p>
+        </p:txBody>
+      </p:sp>
+      <p:sp>
+        <p:nvSpPr>
+          <p:cNvPr id="5" name="Subtitle 4"/>
+          <p:cNvSpPr>
+            <a:spLocks noGrp="1"/>
+          </p:cNvSpPr>
+          <p:nvPr>
+            <p:ph type="subTitle" idx="1"/>
+          </p:nvPr>
+        </p:nvSpPr>
+        <p:spPr/>
+        <p:txBody>
+          <a:bodyPr/>
+          <a:lstStyle/>
+          <a:p>
+            <a:endParaRPr lang="en-US"/>
+          </a:p>
+        </p:txBody>
+      </p:sp>
+      <p:sp>
+        <p:nvSpPr>
+          <p:cNvPr id="6" name="Picture Placeholder 5"/>
+          <p:cNvSpPr>
+            <a:spLocks noGrp="1"/>
+          </p:cNvSpPr>
+          <p:nvPr>
+            <p:ph type="pic" idx="13"/>
+          </p:nvPr>
+        </p:nvSpPr>
+        <p:spPr/>
+      </p:sp>
+    </p:spTree>
+    <p:extLst>
+      <p:ext uri="{BB962C8B-B14F-4D97-AF65-F5344CB8AC3E}">
+        <p14:creationId xmlns:p14="http://schemas.microsoft.com/office/powerpoint/2010/main" val="2368212209"/>
+      </p:ext>
+    </p:extLst>
+  </p:cSld>
+  <p:clrMapOvr>
+    <a:masterClrMapping/>
+  </p:clrMapOvr>
+</p:sld>
+</file>
+
+<file path=ppt/slides/slide27.xml><?xml version="1.0" encoding="utf-8"?>
+<p:sld xmlns:a="http://schemas.openxmlformats.org/drawingml/2006/main" xmlns:r="http://schemas.openxmlformats.org/officeDocument/2006/relationships" xmlns:p="http://schemas.openxmlformats.org/presentationml/2006/main">
+  <p:cSld>
+    <p:spTree>
+      <p:nvGrpSpPr>
+        <p:cNvPr id="1" name=""/>
+        <p:cNvGrpSpPr/>
+        <p:nvPr/>
+      </p:nvGrpSpPr>
+      <p:grpSpPr>
+        <a:xfrm>
+          <a:off x="0" y="0"/>
+          <a:ext cx="0" cy="0"/>
+          <a:chOff x="0" y="0"/>
+          <a:chExt cx="0" cy="0"/>
+        </a:xfrm>
+      </p:grpSpPr>
+      <p:sp>
+        <p:nvSpPr>
+          <p:cNvPr id="5" name="Title 4"/>
+          <p:cNvSpPr>
+            <a:spLocks noGrp="1"/>
+          </p:cNvSpPr>
+          <p:nvPr>
+            <p:ph type="title"/>
+          </p:nvPr>
+        </p:nvSpPr>
+        <p:spPr/>
+        <p:txBody>
+          <a:bodyPr/>
+          <a:lstStyle/>
+          <a:p>
+            <a:r>
+              <a:rPr lang="en-US" dirty="0" smtClean="0"/>
+              <a:t>CFCs</a:t>
+            </a:r>
+            <a:endParaRPr lang="en-US" dirty="0"/>
+          </a:p>
+        </p:txBody>
+      </p:sp>
+      <p:sp>
+        <p:nvSpPr>
+          <p:cNvPr id="6" name="Content Placeholder 5"/>
+          <p:cNvSpPr>
+            <a:spLocks noGrp="1"/>
+          </p:cNvSpPr>
+          <p:nvPr>
+            <p:ph idx="1"/>
+          </p:nvPr>
+        </p:nvSpPr>
+        <p:spPr/>
+        <p:txBody>
+          <a:bodyPr/>
+          <a:lstStyle/>
+          <a:p>
+            <a:endParaRPr lang="en-US"/>
+          </a:p>
+        </p:txBody>
+      </p:sp>
+    </p:spTree>
+    <p:extLst>
+      <p:ext uri="{BB962C8B-B14F-4D97-AF65-F5344CB8AC3E}">
+        <p14:creationId xmlns:p14="http://schemas.microsoft.com/office/powerpoint/2010/main" val="2014084714"/>
+      </p:ext>
+    </p:extLst>
+  </p:cSld>
+  <p:clrMapOvr>
+    <a:masterClrMapping/>
+  </p:clrMapOvr>
 </p:sld>
 </file>
 
@@ -5415,11 +10040,11 @@
   <p:clrMapOvr>
     <a:masterClrMapping/>
   </p:clrMapOvr>
-  <mc:AlternateContent xmlns:mc="http://schemas.openxmlformats.org/markup-compatibility/2006">
-    <mc:Choice xmlns:p14="http://schemas.microsoft.com/office/powerpoint/2010/main" Requires="p14">
+  <mc:AlternateContent xmlns:mc="http://schemas.openxmlformats.org/markup-compatibility/2006" xmlns:p14="http://schemas.microsoft.com/office/powerpoint/2010/main">
+    <mc:Choice Requires="p14">
       <p:transition spd="slow" p14:dur="2000"/>
     </mc:Choice>
-    <mc:Fallback>
+    <mc:Fallback xmlns="">
       <p:transition xmlns:p14="http://schemas.microsoft.com/office/powerpoint/2010/main" spd="slow"/>
     </mc:Fallback>
   </mc:AlternateContent>
@@ -5501,11 +10126,11 @@
   <p:clrMapOvr>
     <a:masterClrMapping/>
   </p:clrMapOvr>
-  <mc:AlternateContent xmlns:mc="http://schemas.openxmlformats.org/markup-compatibility/2006">
-    <mc:Choice xmlns:p14="http://schemas.microsoft.com/office/powerpoint/2010/main" Requires="p14">
+  <mc:AlternateContent xmlns:mc="http://schemas.openxmlformats.org/markup-compatibility/2006" xmlns:p14="http://schemas.microsoft.com/office/powerpoint/2010/main">
+    <mc:Choice Requires="p14">
       <p:transition spd="slow" p14:dur="2000"/>
     </mc:Choice>
-    <mc:Fallback>
+    <mc:Fallback xmlns="">
       <p:transition xmlns:p14="http://schemas.microsoft.com/office/powerpoint/2010/main" spd="slow"/>
     </mc:Fallback>
   </mc:AlternateContent>
@@ -5583,11 +10208,11 @@
   <p:clrMapOvr>
     <a:masterClrMapping/>
   </p:clrMapOvr>
-  <mc:AlternateContent xmlns:mc="http://schemas.openxmlformats.org/markup-compatibility/2006">
-    <mc:Choice xmlns:p14="http://schemas.microsoft.com/office/powerpoint/2010/main" Requires="p14">
+  <mc:AlternateContent xmlns:mc="http://schemas.openxmlformats.org/markup-compatibility/2006" xmlns:p14="http://schemas.microsoft.com/office/powerpoint/2010/main">
+    <mc:Choice Requires="p14">
       <p:transition spd="slow" p14:dur="2000"/>
     </mc:Choice>
-    <mc:Fallback>
+    <mc:Fallback xmlns="">
       <p:transition xmlns:p14="http://schemas.microsoft.com/office/powerpoint/2010/main" spd="slow"/>
     </mc:Fallback>
   </mc:AlternateContent>
@@ -5669,11 +10294,11 @@
   <p:clrMapOvr>
     <a:masterClrMapping/>
   </p:clrMapOvr>
-  <mc:AlternateContent xmlns:mc="http://schemas.openxmlformats.org/markup-compatibility/2006">
-    <mc:Choice xmlns:p14="http://schemas.microsoft.com/office/powerpoint/2010/main" Requires="p14">
+  <mc:AlternateContent xmlns:mc="http://schemas.openxmlformats.org/markup-compatibility/2006" xmlns:p14="http://schemas.microsoft.com/office/powerpoint/2010/main">
+    <mc:Choice Requires="p14">
       <p:transition spd="slow" p14:dur="2000"/>
     </mc:Choice>
-    <mc:Fallback>
+    <mc:Fallback xmlns="">
       <p:transition xmlns:p14="http://schemas.microsoft.com/office/powerpoint/2010/main" spd="slow"/>
     </mc:Fallback>
   </mc:AlternateContent>
@@ -5755,11 +10380,11 @@
   <p:clrMapOvr>
     <a:masterClrMapping/>
   </p:clrMapOvr>
-  <mc:AlternateContent xmlns:mc="http://schemas.openxmlformats.org/markup-compatibility/2006">
-    <mc:Choice xmlns:p14="http://schemas.microsoft.com/office/powerpoint/2010/main" Requires="p14">
+  <mc:AlternateContent xmlns:mc="http://schemas.openxmlformats.org/markup-compatibility/2006" xmlns:p14="http://schemas.microsoft.com/office/powerpoint/2010/main">
+    <mc:Choice Requires="p14">
       <p:transition spd="slow" p14:dur="2000"/>
     </mc:Choice>
-    <mc:Fallback>
+    <mc:Fallback xmlns="">
       <p:transition xmlns:p14="http://schemas.microsoft.com/office/powerpoint/2010/main" spd="slow"/>
     </mc:Fallback>
   </mc:AlternateContent>
@@ -5841,11 +10466,11 @@
   <p:clrMapOvr>
     <a:masterClrMapping/>
   </p:clrMapOvr>
-  <mc:AlternateContent xmlns:mc="http://schemas.openxmlformats.org/markup-compatibility/2006">
-    <mc:Choice xmlns:p14="http://schemas.microsoft.com/office/powerpoint/2010/main" Requires="p14">
+  <mc:AlternateContent xmlns:mc="http://schemas.openxmlformats.org/markup-compatibility/2006" xmlns:p14="http://schemas.microsoft.com/office/powerpoint/2010/main">
+    <mc:Choice Requires="p14">
       <p:transition spd="slow" p14:dur="2000"/>
     </mc:Choice>
-    <mc:Fallback>
+    <mc:Fallback xmlns="">
       <p:transition xmlns:p14="http://schemas.microsoft.com/office/powerpoint/2010/main" spd="slow"/>
     </mc:Fallback>
   </mc:AlternateContent>

--- a/presentation.pptx
+++ b/presentation.pptx
@@ -5,7 +5,7 @@
     <p:sldMasterId id="2147484490" r:id="rId1"/>
   </p:sldMasterIdLst>
   <p:notesMasterIdLst>
-    <p:notesMasterId r:id="rId29"/>
+    <p:notesMasterId r:id="rId34"/>
   </p:notesMasterIdLst>
   <p:sldIdLst>
     <p:sldId id="256" r:id="rId2"/>
@@ -19,22 +19,27 @@
     <p:sldId id="264" r:id="rId10"/>
     <p:sldId id="265" r:id="rId11"/>
     <p:sldId id="266" r:id="rId12"/>
-    <p:sldId id="276" r:id="rId13"/>
-    <p:sldId id="269" r:id="rId14"/>
-    <p:sldId id="267" r:id="rId15"/>
-    <p:sldId id="268" r:id="rId16"/>
-    <p:sldId id="270" r:id="rId17"/>
-    <p:sldId id="271" r:id="rId18"/>
-    <p:sldId id="272" r:id="rId19"/>
-    <p:sldId id="273" r:id="rId20"/>
-    <p:sldId id="274" r:id="rId21"/>
-    <p:sldId id="275" r:id="rId22"/>
-    <p:sldId id="278" r:id="rId23"/>
-    <p:sldId id="279" r:id="rId24"/>
-    <p:sldId id="280" r:id="rId25"/>
-    <p:sldId id="281" r:id="rId26"/>
-    <p:sldId id="282" r:id="rId27"/>
-    <p:sldId id="277" r:id="rId28"/>
+    <p:sldId id="283" r:id="rId13"/>
+    <p:sldId id="284" r:id="rId14"/>
+    <p:sldId id="276" r:id="rId15"/>
+    <p:sldId id="269" r:id="rId16"/>
+    <p:sldId id="267" r:id="rId17"/>
+    <p:sldId id="268" r:id="rId18"/>
+    <p:sldId id="271" r:id="rId19"/>
+    <p:sldId id="272" r:id="rId20"/>
+    <p:sldId id="273" r:id="rId21"/>
+    <p:sldId id="274" r:id="rId22"/>
+    <p:sldId id="275" r:id="rId23"/>
+    <p:sldId id="278" r:id="rId24"/>
+    <p:sldId id="279" r:id="rId25"/>
+    <p:sldId id="280" r:id="rId26"/>
+    <p:sldId id="285" r:id="rId27"/>
+    <p:sldId id="282" r:id="rId28"/>
+    <p:sldId id="286" r:id="rId29"/>
+    <p:sldId id="270" r:id="rId30"/>
+    <p:sldId id="288" r:id="rId31"/>
+    <p:sldId id="287" r:id="rId32"/>
+    <p:sldId id="277" r:id="rId33"/>
   </p:sldIdLst>
   <p:sldSz cx="9144000" cy="6858000" type="screen4x3"/>
   <p:notesSz cx="6858000" cy="9144000"/>
@@ -218,7 +223,7 @@
           <a:p>
             <a:fld id="{7AEE52E7-1768-1242-A166-3ECCD64BD606}" type="datetimeFigureOut">
               <a:rPr lang="en-US" smtClean="0"/>
-              <a:t>11/1/11</a:t>
+              <a:t>11/3/11</a:t>
             </a:fld>
             <a:endParaRPr lang="en-US"/>
           </a:p>
@@ -699,7 +704,7 @@
           <a:p>
             <a:fld id="{433137AF-EBFE-664E-840A-10B3290003D1}" type="slidenum">
               <a:rPr lang="en-US" smtClean="0"/>
-              <a:t>13</a:t>
+              <a:t>15</a:t>
             </a:fld>
             <a:endParaRPr lang="en-US"/>
           </a:p>
@@ -818,7 +823,7 @@
           <a:p>
             <a:fld id="{433137AF-EBFE-664E-840A-10B3290003D1}" type="slidenum">
               <a:rPr lang="en-US" smtClean="0"/>
-              <a:t>14</a:t>
+              <a:t>16</a:t>
             </a:fld>
             <a:endParaRPr lang="en-US"/>
           </a:p>
@@ -938,7 +943,7 @@
           <a:p>
             <a:fld id="{433137AF-EBFE-664E-840A-10B3290003D1}" type="slidenum">
               <a:rPr lang="en-US" smtClean="0"/>
-              <a:t>15</a:t>
+              <a:t>17</a:t>
             </a:fld>
             <a:endParaRPr lang="en-US"/>
           </a:p>
@@ -1001,23 +1006,6 @@
           <a:bodyPr/>
           <a:lstStyle/>
           <a:p>
-            <a:pPr marL="0" marR="0" indent="0" algn="l" defTabSz="457200" rtl="0" eaLnBrk="1" fontAlgn="auto" latinLnBrk="0" hangingPunct="1">
-              <a:lnSpc>
-                <a:spcPct val="100000"/>
-              </a:lnSpc>
-              <a:spcBef>
-                <a:spcPts val="0"/>
-              </a:spcBef>
-              <a:spcAft>
-                <a:spcPts val="0"/>
-              </a:spcAft>
-              <a:buClrTx/>
-              <a:buSzTx/>
-              <a:buFontTx/>
-              <a:buNone/>
-              <a:tabLst/>
-              <a:defRPr/>
-            </a:pPr>
             <a:r>
               <a:rPr lang="en-US" dirty="0" smtClean="0"/>
               <a:t>http://</a:t>
@@ -1032,11 +1020,23 @@
             </a:r>
             <a:r>
               <a:rPr lang="en-US" dirty="0" err="1" smtClean="0"/>
-              <a:t>basic_cfml</a:t>
+              <a:t>language_creation</a:t>
             </a:r>
             <a:endParaRPr lang="en-US" dirty="0" smtClean="0"/>
           </a:p>
           <a:p>
+            <a:r>
+              <a:rPr lang="en-US" dirty="0" smtClean="0"/>
+              <a:t>http://</a:t>
+            </a:r>
+            <a:r>
+              <a:rPr lang="en-US" dirty="0" err="1" smtClean="0"/>
+              <a:t>openbd.org</a:t>
+            </a:r>
+            <a:r>
+              <a:rPr lang="en-US" dirty="0" smtClean="0"/>
+              <a:t>/manual/?/tag/CFPARAM</a:t>
+            </a:r>
             <a:endParaRPr lang="en-US" dirty="0"/>
           </a:p>
         </p:txBody>
@@ -1058,7 +1058,7 @@
           <a:p>
             <a:fld id="{433137AF-EBFE-664E-840A-10B3290003D1}" type="slidenum">
               <a:rPr lang="en-US" smtClean="0"/>
-              <a:t>16</a:t>
+              <a:t>18</a:t>
             </a:fld>
             <a:endParaRPr lang="en-US"/>
           </a:p>
@@ -1067,7 +1067,7 @@
     </p:spTree>
     <p:extLst>
       <p:ext uri="{BB962C8B-B14F-4D97-AF65-F5344CB8AC3E}">
-        <p14:creationId xmlns:p14="http://schemas.microsoft.com/office/powerpoint/2010/main" val="582364797"/>
+        <p14:creationId xmlns:p14="http://schemas.microsoft.com/office/powerpoint/2010/main" val="3323382600"/>
       </p:ext>
     </p:extLst>
   </p:cSld>
@@ -1137,21 +1137,6 @@
               <a:rPr lang="en-US" dirty="0" err="1" smtClean="0"/>
               <a:t>language_creation</a:t>
             </a:r>
-            <a:endParaRPr lang="en-US" dirty="0" smtClean="0"/>
-          </a:p>
-          <a:p>
-            <a:r>
-              <a:rPr lang="en-US" dirty="0" smtClean="0"/>
-              <a:t>http://</a:t>
-            </a:r>
-            <a:r>
-              <a:rPr lang="en-US" dirty="0" err="1" smtClean="0"/>
-              <a:t>openbd.org</a:t>
-            </a:r>
-            <a:r>
-              <a:rPr lang="en-US" dirty="0" smtClean="0"/>
-              <a:t>/manual/?/tag/CFPARAM</a:t>
-            </a:r>
             <a:endParaRPr lang="en-US" dirty="0"/>
           </a:p>
         </p:txBody>
@@ -1173,7 +1158,7 @@
           <a:p>
             <a:fld id="{433137AF-EBFE-664E-840A-10B3290003D1}" type="slidenum">
               <a:rPr lang="en-US" smtClean="0"/>
-              <a:t>17</a:t>
+              <a:t>19</a:t>
             </a:fld>
             <a:endParaRPr lang="en-US"/>
           </a:p>
@@ -1182,7 +1167,7 @@
     </p:spTree>
     <p:extLst>
       <p:ext uri="{BB962C8B-B14F-4D97-AF65-F5344CB8AC3E}">
-        <p14:creationId xmlns:p14="http://schemas.microsoft.com/office/powerpoint/2010/main" val="3323382600"/>
+        <p14:creationId xmlns:p14="http://schemas.microsoft.com/office/powerpoint/2010/main" val="1115322018"/>
       </p:ext>
     </p:extLst>
   </p:cSld>
@@ -1273,7 +1258,7 @@
           <a:p>
             <a:fld id="{433137AF-EBFE-664E-840A-10B3290003D1}" type="slidenum">
               <a:rPr lang="en-US" smtClean="0"/>
-              <a:t>18</a:t>
+              <a:t>20</a:t>
             </a:fld>
             <a:endParaRPr lang="en-US"/>
           </a:p>
@@ -1282,7 +1267,7 @@
     </p:spTree>
     <p:extLst>
       <p:ext uri="{BB962C8B-B14F-4D97-AF65-F5344CB8AC3E}">
-        <p14:creationId xmlns:p14="http://schemas.microsoft.com/office/powerpoint/2010/main" val="1115322018"/>
+        <p14:creationId xmlns:p14="http://schemas.microsoft.com/office/powerpoint/2010/main" val="846956662"/>
       </p:ext>
     </p:extLst>
   </p:cSld>
@@ -1350,7 +1335,7 @@
             </a:r>
             <a:r>
               <a:rPr lang="en-US" dirty="0" err="1" smtClean="0"/>
-              <a:t>language_creation</a:t>
+              <a:t>language_operators</a:t>
             </a:r>
             <a:endParaRPr lang="en-US" dirty="0"/>
           </a:p>
@@ -1373,7 +1358,7 @@
           <a:p>
             <a:fld id="{433137AF-EBFE-664E-840A-10B3290003D1}" type="slidenum">
               <a:rPr lang="en-US" smtClean="0"/>
-              <a:t>19</a:t>
+              <a:t>21</a:t>
             </a:fld>
             <a:endParaRPr lang="en-US"/>
           </a:p>
@@ -1382,7 +1367,7 @@
     </p:spTree>
     <p:extLst>
       <p:ext uri="{BB962C8B-B14F-4D97-AF65-F5344CB8AC3E}">
-        <p14:creationId xmlns:p14="http://schemas.microsoft.com/office/powerpoint/2010/main" val="846956662"/>
+        <p14:creationId xmlns:p14="http://schemas.microsoft.com/office/powerpoint/2010/main" val="3159642190"/>
       </p:ext>
     </p:extLst>
   </p:cSld>
@@ -1436,22 +1421,6 @@
           <a:bodyPr/>
           <a:lstStyle/>
           <a:p>
-            <a:r>
-              <a:rPr lang="en-US" dirty="0" smtClean="0"/>
-              <a:t>http://</a:t>
-            </a:r>
-            <a:r>
-              <a:rPr lang="en-US" dirty="0" err="1" smtClean="0"/>
-              <a:t>openbd.org</a:t>
-            </a:r>
-            <a:r>
-              <a:rPr lang="en-US" dirty="0" smtClean="0"/>
-              <a:t>/manual/?/</a:t>
-            </a:r>
-            <a:r>
-              <a:rPr lang="en-US" dirty="0" err="1" smtClean="0"/>
-              <a:t>language_operators</a:t>
-            </a:r>
             <a:endParaRPr lang="en-US" dirty="0"/>
           </a:p>
         </p:txBody>
@@ -1473,7 +1442,7 @@
           <a:p>
             <a:fld id="{433137AF-EBFE-664E-840A-10B3290003D1}" type="slidenum">
               <a:rPr lang="en-US" smtClean="0"/>
-              <a:t>20</a:t>
+              <a:t>22</a:t>
             </a:fld>
             <a:endParaRPr lang="en-US"/>
           </a:p>
@@ -1482,7 +1451,7 @@
     </p:spTree>
     <p:extLst>
       <p:ext uri="{BB962C8B-B14F-4D97-AF65-F5344CB8AC3E}">
-        <p14:creationId xmlns:p14="http://schemas.microsoft.com/office/powerpoint/2010/main" val="3159642190"/>
+        <p14:creationId xmlns:p14="http://schemas.microsoft.com/office/powerpoint/2010/main" val="1972797592"/>
       </p:ext>
     </p:extLst>
   </p:cSld>
@@ -1536,6 +1505,32 @@
           <a:bodyPr/>
           <a:lstStyle/>
           <a:p>
+            <a:r>
+              <a:rPr lang="en-US" dirty="0" smtClean="0"/>
+              <a:t>http://</a:t>
+            </a:r>
+            <a:r>
+              <a:rPr lang="en-US" dirty="0" err="1" smtClean="0"/>
+              <a:t>openbd.org</a:t>
+            </a:r>
+            <a:r>
+              <a:rPr lang="en-US" dirty="0" smtClean="0"/>
+              <a:t>/manual/?/tag/category/control</a:t>
+            </a:r>
+          </a:p>
+          <a:p>
+            <a:r>
+              <a:rPr lang="en-US" dirty="0" smtClean="0"/>
+              <a:t>http://</a:t>
+            </a:r>
+            <a:r>
+              <a:rPr lang="en-US" dirty="0" err="1" smtClean="0"/>
+              <a:t>openbd.org</a:t>
+            </a:r>
+            <a:r>
+              <a:rPr lang="en-US" dirty="0" smtClean="0"/>
+              <a:t>/manual/?/tag/category/network</a:t>
+            </a:r>
             <a:endParaRPr lang="en-US" dirty="0"/>
           </a:p>
         </p:txBody>
@@ -1557,7 +1552,7 @@
           <a:p>
             <a:fld id="{433137AF-EBFE-664E-840A-10B3290003D1}" type="slidenum">
               <a:rPr lang="en-US" smtClean="0"/>
-              <a:t>21</a:t>
+              <a:t>23</a:t>
             </a:fld>
             <a:endParaRPr lang="en-US"/>
           </a:p>
@@ -1566,7 +1561,7 @@
     </p:spTree>
     <p:extLst>
       <p:ext uri="{BB962C8B-B14F-4D97-AF65-F5344CB8AC3E}">
-        <p14:creationId xmlns:p14="http://schemas.microsoft.com/office/powerpoint/2010/main" val="1972797592"/>
+        <p14:creationId xmlns:p14="http://schemas.microsoft.com/office/powerpoint/2010/main" val="42394760"/>
       </p:ext>
     </p:extLst>
   </p:cSld>
@@ -1632,20 +1627,6 @@
               <a:rPr lang="en-US" dirty="0" smtClean="0"/>
               <a:t>/manual/?/tag/category/control</a:t>
             </a:r>
-          </a:p>
-          <a:p>
-            <a:r>
-              <a:rPr lang="en-US" dirty="0" smtClean="0"/>
-              <a:t>http://</a:t>
-            </a:r>
-            <a:r>
-              <a:rPr lang="en-US" dirty="0" err="1" smtClean="0"/>
-              <a:t>openbd.org</a:t>
-            </a:r>
-            <a:r>
-              <a:rPr lang="en-US" dirty="0" smtClean="0"/>
-              <a:t>/manual/?/tag/category/network</a:t>
-            </a:r>
             <a:endParaRPr lang="en-US" dirty="0"/>
           </a:p>
         </p:txBody>
@@ -1667,7 +1648,7 @@
           <a:p>
             <a:fld id="{433137AF-EBFE-664E-840A-10B3290003D1}" type="slidenum">
               <a:rPr lang="en-US" smtClean="0"/>
-              <a:t>22</a:t>
+              <a:t>24</a:t>
             </a:fld>
             <a:endParaRPr lang="en-US"/>
           </a:p>
@@ -1676,7 +1657,7 @@
     </p:spTree>
     <p:extLst>
       <p:ext uri="{BB962C8B-B14F-4D97-AF65-F5344CB8AC3E}">
-        <p14:creationId xmlns:p14="http://schemas.microsoft.com/office/powerpoint/2010/main" val="42394760"/>
+        <p14:creationId xmlns:p14="http://schemas.microsoft.com/office/powerpoint/2010/main" val="107169159"/>
       </p:ext>
     </p:extLst>
   </p:cSld>
@@ -1816,7 +1797,11 @@
           <a:p>
             <a:r>
               <a:rPr lang="en-US" dirty="0" smtClean="0"/>
-              <a:t>http://</a:t>
+              <a:t>http</a:t>
+            </a:r>
+            <a:r>
+              <a:rPr lang="en-US" dirty="0" smtClean="0"/>
+              <a:t>://</a:t>
             </a:r>
             <a:r>
               <a:rPr lang="en-US" dirty="0" err="1" smtClean="0"/>
@@ -1824,7 +1809,21 @@
             </a:r>
             <a:r>
               <a:rPr lang="en-US" dirty="0" smtClean="0"/>
-              <a:t>/manual/?/tag/category/control</a:t>
+              <a:t>/manual/?/tag/category/file</a:t>
+            </a:r>
+          </a:p>
+          <a:p>
+            <a:r>
+              <a:rPr lang="en-US" dirty="0" smtClean="0"/>
+              <a:t>http://</a:t>
+            </a:r>
+            <a:r>
+              <a:rPr lang="en-US" dirty="0" err="1" smtClean="0"/>
+              <a:t>openbd.org</a:t>
+            </a:r>
+            <a:r>
+              <a:rPr lang="en-US" dirty="0" smtClean="0"/>
+              <a:t>/manual/?/tag/category/remote</a:t>
             </a:r>
             <a:endParaRPr lang="en-US" dirty="0"/>
           </a:p>
@@ -1847,7 +1846,7 @@
           <a:p>
             <a:fld id="{433137AF-EBFE-664E-840A-10B3290003D1}" type="slidenum">
               <a:rPr lang="en-US" smtClean="0"/>
-              <a:t>23</a:t>
+              <a:t>25</a:t>
             </a:fld>
             <a:endParaRPr lang="en-US"/>
           </a:p>
@@ -1856,7 +1855,7 @@
     </p:spTree>
     <p:extLst>
       <p:ext uri="{BB962C8B-B14F-4D97-AF65-F5344CB8AC3E}">
-        <p14:creationId xmlns:p14="http://schemas.microsoft.com/office/powerpoint/2010/main" val="107169159"/>
+        <p14:creationId xmlns:p14="http://schemas.microsoft.com/office/powerpoint/2010/main" val="3064070676"/>
       </p:ext>
     </p:extLst>
   </p:cSld>
@@ -1910,6 +1909,23 @@
           <a:bodyPr/>
           <a:lstStyle/>
           <a:p>
+            <a:pPr marL="0" marR="0" indent="0" algn="l" defTabSz="457200" rtl="0" eaLnBrk="1" fontAlgn="auto" latinLnBrk="0" hangingPunct="1">
+              <a:lnSpc>
+                <a:spcPct val="100000"/>
+              </a:lnSpc>
+              <a:spcBef>
+                <a:spcPts val="0"/>
+              </a:spcBef>
+              <a:spcAft>
+                <a:spcPts val="0"/>
+              </a:spcAft>
+              <a:buClrTx/>
+              <a:buSzTx/>
+              <a:buFontTx/>
+              <a:buNone/>
+              <a:tabLst/>
+              <a:defRPr/>
+            </a:pPr>
             <a:r>
               <a:rPr lang="en-US" dirty="0" smtClean="0"/>
               <a:t>http://</a:t>
@@ -1924,32 +1940,6 @@
             </a:r>
           </a:p>
           <a:p>
-            <a:r>
-              <a:rPr lang="en-US" dirty="0" smtClean="0"/>
-              <a:t>http://</a:t>
-            </a:r>
-            <a:r>
-              <a:rPr lang="en-US" dirty="0" err="1" smtClean="0"/>
-              <a:t>openbd.org</a:t>
-            </a:r>
-            <a:r>
-              <a:rPr lang="en-US" dirty="0" smtClean="0"/>
-              <a:t>/manual/?/tag/category/file</a:t>
-            </a:r>
-          </a:p>
-          <a:p>
-            <a:r>
-              <a:rPr lang="en-US" dirty="0" smtClean="0"/>
-              <a:t>http://</a:t>
-            </a:r>
-            <a:r>
-              <a:rPr lang="en-US" dirty="0" err="1" smtClean="0"/>
-              <a:t>openbd.org</a:t>
-            </a:r>
-            <a:r>
-              <a:rPr lang="en-US" dirty="0" smtClean="0"/>
-              <a:t>/manual/?/tag/category/remote</a:t>
-            </a:r>
             <a:endParaRPr lang="en-US" dirty="0"/>
           </a:p>
         </p:txBody>
@@ -1971,7 +1961,7 @@
           <a:p>
             <a:fld id="{433137AF-EBFE-664E-840A-10B3290003D1}" type="slidenum">
               <a:rPr lang="en-US" smtClean="0"/>
-              <a:t>24</a:t>
+              <a:t>26</a:t>
             </a:fld>
             <a:endParaRPr lang="en-US"/>
           </a:p>
@@ -1980,7 +1970,7 @@
     </p:spTree>
     <p:extLst>
       <p:ext uri="{BB962C8B-B14F-4D97-AF65-F5344CB8AC3E}">
-        <p14:creationId xmlns:p14="http://schemas.microsoft.com/office/powerpoint/2010/main" val="3064070676"/>
+        <p14:creationId xmlns:p14="http://schemas.microsoft.com/office/powerpoint/2010/main" val="2620958923"/>
       </p:ext>
     </p:extLst>
   </p:cSld>
@@ -2034,6 +2024,23 @@
           <a:bodyPr/>
           <a:lstStyle/>
           <a:p>
+            <a:pPr marL="0" marR="0" indent="0" algn="l" defTabSz="457200" rtl="0" eaLnBrk="1" fontAlgn="auto" latinLnBrk="0" hangingPunct="1">
+              <a:lnSpc>
+                <a:spcPct val="100000"/>
+              </a:lnSpc>
+              <a:spcBef>
+                <a:spcPts val="0"/>
+              </a:spcBef>
+              <a:spcAft>
+                <a:spcPts val="0"/>
+              </a:spcAft>
+              <a:buClrTx/>
+              <a:buSzTx/>
+              <a:buFontTx/>
+              <a:buNone/>
+              <a:tabLst/>
+              <a:defRPr/>
+            </a:pPr>
             <a:r>
               <a:rPr lang="en-US" dirty="0" smtClean="0"/>
               <a:t>http://</a:t>
@@ -2044,22 +2051,15 @@
             </a:r>
             <a:r>
               <a:rPr lang="en-US" dirty="0" smtClean="0"/>
-              <a:t>/manual/?/tag/category/remote</a:t>
-            </a:r>
-          </a:p>
-          <a:p>
-            <a:r>
-              <a:rPr lang="en-US" dirty="0" smtClean="0"/>
-              <a:t>http://</a:t>
+              <a:t>/manual/?/</a:t>
             </a:r>
             <a:r>
               <a:rPr lang="en-US" dirty="0" err="1" smtClean="0"/>
-              <a:t>openbd.org</a:t>
-            </a:r>
-            <a:r>
-              <a:rPr lang="en-US" dirty="0" smtClean="0"/>
-              <a:t>/manual/?/tag/category/unknown</a:t>
-            </a:r>
+              <a:t>basic_cfml</a:t>
+            </a:r>
+            <a:endParaRPr lang="en-US" dirty="0" smtClean="0"/>
+          </a:p>
+          <a:p>
             <a:endParaRPr lang="en-US" dirty="0"/>
           </a:p>
         </p:txBody>
@@ -2081,7 +2081,7 @@
           <a:p>
             <a:fld id="{433137AF-EBFE-664E-840A-10B3290003D1}" type="slidenum">
               <a:rPr lang="en-US" smtClean="0"/>
-              <a:t>25</a:t>
+              <a:t>29</a:t>
             </a:fld>
             <a:endParaRPr lang="en-US"/>
           </a:p>
@@ -2090,7 +2090,7 @@
     </p:spTree>
     <p:extLst>
       <p:ext uri="{BB962C8B-B14F-4D97-AF65-F5344CB8AC3E}">
-        <p14:creationId xmlns:p14="http://schemas.microsoft.com/office/powerpoint/2010/main" val="747617567"/>
+        <p14:creationId xmlns:p14="http://schemas.microsoft.com/office/powerpoint/2010/main" val="582364797"/>
       </p:ext>
     </p:extLst>
   </p:cSld>
@@ -2181,7 +2181,7 @@
           <a:p>
             <a:fld id="{433137AF-EBFE-664E-840A-10B3290003D1}" type="slidenum">
               <a:rPr lang="en-US" smtClean="0"/>
-              <a:t>27</a:t>
+              <a:t>32</a:t>
             </a:fld>
             <a:endParaRPr lang="en-US"/>
           </a:p>
@@ -2881,6 +2881,72 @@
           <a:bodyPr/>
           <a:lstStyle/>
           <a:p>
+            <a:r>
+              <a:rPr lang="en-US" sz="1200" kern="1200" dirty="0" smtClean="0">
+                <a:solidFill>
+                  <a:schemeClr val="tx1"/>
+                </a:solidFill>
+                <a:latin typeface="+mn-lt"/>
+                <a:ea typeface="+mn-ea"/>
+                <a:cs typeface="+mn-cs"/>
+              </a:rPr>
+              <a:t>https://</a:t>
+            </a:r>
+            <a:r>
+              <a:rPr lang="en-US" sz="1200" kern="1200" dirty="0" err="1" smtClean="0">
+                <a:solidFill>
+                  <a:schemeClr val="tx1"/>
+                </a:solidFill>
+                <a:latin typeface="+mn-lt"/>
+                <a:ea typeface="+mn-ea"/>
+                <a:cs typeface="+mn-cs"/>
+              </a:rPr>
+              <a:t>skitch.com</a:t>
+            </a:r>
+            <a:r>
+              <a:rPr lang="en-US" sz="1200" kern="1200" dirty="0" smtClean="0">
+                <a:solidFill>
+                  <a:schemeClr val="tx1"/>
+                </a:solidFill>
+                <a:latin typeface="+mn-lt"/>
+                <a:ea typeface="+mn-ea"/>
+                <a:cs typeface="+mn-cs"/>
+              </a:rPr>
+              <a:t>/</a:t>
+            </a:r>
+            <a:r>
+              <a:rPr lang="en-US" sz="1200" kern="1200" dirty="0" err="1" smtClean="0">
+                <a:solidFill>
+                  <a:schemeClr val="tx1"/>
+                </a:solidFill>
+                <a:latin typeface="+mn-lt"/>
+                <a:ea typeface="+mn-ea"/>
+                <a:cs typeface="+mn-cs"/>
+              </a:rPr>
+              <a:t>awayken</a:t>
+            </a:r>
+            <a:r>
+              <a:rPr lang="en-US" sz="1200" kern="1200" dirty="0" smtClean="0">
+                <a:solidFill>
+                  <a:schemeClr val="tx1"/>
+                </a:solidFill>
+                <a:latin typeface="+mn-lt"/>
+                <a:ea typeface="+mn-ea"/>
+                <a:cs typeface="+mn-cs"/>
+              </a:rPr>
+              <a:t>/gf9yy/tag-</a:t>
+            </a:r>
+            <a:r>
+              <a:rPr lang="en-US" sz="1200" kern="1200" dirty="0" err="1" smtClean="0">
+                <a:solidFill>
+                  <a:schemeClr val="tx1"/>
+                </a:solidFill>
+                <a:latin typeface="+mn-lt"/>
+                <a:ea typeface="+mn-ea"/>
+                <a:cs typeface="+mn-cs"/>
+              </a:rPr>
+              <a:t>index.inc</a:t>
+            </a:r>
             <a:endParaRPr lang="en-US" sz="1200" kern="1200" dirty="0" smtClean="0">
               <a:solidFill>
                 <a:schemeClr val="tx1"/>
@@ -3173,7 +3239,41 @@
           <a:p>
             <a:r>
               <a:rPr lang="en-US" dirty="0" smtClean="0"/>
-              <a:t>Create a new guestbook website</a:t>
+              <a:t>Create </a:t>
+            </a:r>
+            <a:r>
+              <a:rPr lang="en-US" dirty="0" smtClean="0"/>
+              <a:t>the Mr. Octopus</a:t>
+            </a:r>
+            <a:r>
+              <a:rPr lang="en-US" baseline="0" dirty="0" smtClean="0"/>
+              <a:t> </a:t>
+            </a:r>
+            <a:r>
+              <a:rPr lang="en-US" dirty="0" smtClean="0"/>
+              <a:t>website.</a:t>
+            </a:r>
+          </a:p>
+          <a:p>
+            <a:r>
+              <a:rPr lang="en-US" dirty="0" smtClean="0"/>
+              <a:t>Show http://</a:t>
+            </a:r>
+            <a:r>
+              <a:rPr lang="en-US" dirty="0" err="1" smtClean="0"/>
+              <a:t>localhost</a:t>
+            </a:r>
+            <a:r>
+              <a:rPr lang="en-US" dirty="0" smtClean="0"/>
+              <a:t>/</a:t>
+            </a:r>
+            <a:r>
+              <a:rPr lang="en-US" dirty="0" err="1" smtClean="0"/>
+              <a:t>bluedragon</a:t>
+            </a:r>
+            <a:r>
+              <a:rPr lang="en-US" dirty="0" smtClean="0"/>
+              <a:t>/administrator</a:t>
             </a:r>
             <a:endParaRPr lang="en-US" dirty="0"/>
           </a:p>
@@ -3196,7 +3296,7 @@
           <a:p>
             <a:fld id="{433137AF-EBFE-664E-840A-10B3290003D1}" type="slidenum">
               <a:rPr lang="en-US" smtClean="0"/>
-              <a:t>12</a:t>
+              <a:t>14</a:t>
             </a:fld>
             <a:endParaRPr lang="en-US"/>
           </a:p>
@@ -3499,7 +3599,7 @@
             <a:fld id="{8ACDB3CC-F982-40F9-8DD6-BCC9AFBF44BD}" type="datetime1">
               <a:rPr lang="en-US" smtClean="0"/>
               <a:pPr/>
-              <a:t>11/1/11</a:t>
+              <a:t>11/3/11</a:t>
             </a:fld>
             <a:endParaRPr lang="en-US" dirty="0"/>
           </a:p>
@@ -3692,7 +3792,7 @@
           <a:p>
             <a:fld id="{8604C85F-9729-E84D-AABC-8B386584B07D}" type="datetimeFigureOut">
               <a:rPr lang="en-US" smtClean="0"/>
-              <a:t>11/1/11</a:t>
+              <a:t>11/3/11</a:t>
             </a:fld>
             <a:endParaRPr lang="en-US"/>
           </a:p>
@@ -3961,7 +4061,7 @@
           <a:p>
             <a:fld id="{8604C85F-9729-E84D-AABC-8B386584B07D}" type="datetimeFigureOut">
               <a:rPr lang="en-US" smtClean="0"/>
-              <a:t>11/1/11</a:t>
+              <a:t>11/3/11</a:t>
             </a:fld>
             <a:endParaRPr lang="en-US"/>
           </a:p>
@@ -4140,7 +4240,7 @@
           <a:p>
             <a:fld id="{8604C85F-9729-E84D-AABC-8B386584B07D}" type="datetimeFigureOut">
               <a:rPr lang="en-US" smtClean="0"/>
-              <a:t>11/1/11</a:t>
+              <a:t>11/3/11</a:t>
             </a:fld>
             <a:endParaRPr lang="en-US"/>
           </a:p>
@@ -4309,7 +4409,7 @@
           <a:p>
             <a:fld id="{8604C85F-9729-E84D-AABC-8B386584B07D}" type="datetimeFigureOut">
               <a:rPr lang="en-US" smtClean="0"/>
-              <a:t>11/1/11</a:t>
+              <a:t>11/3/11</a:t>
             </a:fld>
             <a:endParaRPr lang="en-US"/>
           </a:p>
@@ -4551,7 +4651,7 @@
           <a:p>
             <a:fld id="{8604C85F-9729-E84D-AABC-8B386584B07D}" type="datetimeFigureOut">
               <a:rPr lang="en-US" smtClean="0"/>
-              <a:t>11/1/11</a:t>
+              <a:t>11/3/11</a:t>
             </a:fld>
             <a:endParaRPr lang="en-US"/>
           </a:p>
@@ -4875,7 +4975,7 @@
             <a:fld id="{64DDAE5B-B07C-441A-8026-C23A427A74DC}" type="datetime1">
               <a:rPr lang="en-US" smtClean="0"/>
               <a:pPr/>
-              <a:t>11/1/11</a:t>
+              <a:t>11/3/11</a:t>
             </a:fld>
             <a:endParaRPr lang="en-US"/>
           </a:p>
@@ -5174,7 +5274,7 @@
           <a:p>
             <a:fld id="{8604C85F-9729-E84D-AABC-8B386584B07D}" type="datetimeFigureOut">
               <a:rPr lang="en-US" smtClean="0"/>
-              <a:t>11/1/11</a:t>
+              <a:t>11/3/11</a:t>
             </a:fld>
             <a:endParaRPr lang="en-US"/>
           </a:p>
@@ -5630,7 +5730,7 @@
           <a:p>
             <a:fld id="{8604C85F-9729-E84D-AABC-8B386584B07D}" type="datetimeFigureOut">
               <a:rPr lang="en-US" smtClean="0"/>
-              <a:t>11/1/11</a:t>
+              <a:t>11/3/11</a:t>
             </a:fld>
             <a:endParaRPr lang="en-US"/>
           </a:p>
@@ -5743,7 +5843,7 @@
           <a:p>
             <a:fld id="{8604C85F-9729-E84D-AABC-8B386584B07D}" type="datetimeFigureOut">
               <a:rPr lang="en-US" smtClean="0"/>
-              <a:t>11/1/11</a:t>
+              <a:t>11/3/11</a:t>
             </a:fld>
             <a:endParaRPr lang="en-US"/>
           </a:p>
@@ -5833,7 +5933,7 @@
           <a:p>
             <a:fld id="{8604C85F-9729-E84D-AABC-8B386584B07D}" type="datetimeFigureOut">
               <a:rPr lang="en-US" smtClean="0"/>
-              <a:t>11/1/11</a:t>
+              <a:t>11/3/11</a:t>
             </a:fld>
             <a:endParaRPr lang="en-US"/>
           </a:p>
@@ -6115,7 +6215,7 @@
           <a:p>
             <a:fld id="{8604C85F-9729-E84D-AABC-8B386584B07D}" type="datetimeFigureOut">
               <a:rPr lang="en-US" smtClean="0"/>
-              <a:t>11/1/11</a:t>
+              <a:t>11/3/11</a:t>
             </a:fld>
             <a:endParaRPr lang="en-US"/>
           </a:p>
@@ -6322,7 +6422,7 @@
           <a:p>
             <a:fld id="{8604C85F-9729-E84D-AABC-8B386584B07D}" type="datetimeFigureOut">
               <a:rPr lang="en-US" smtClean="0"/>
-              <a:t>11/1/11</a:t>
+              <a:t>11/3/11</a:t>
             </a:fld>
             <a:endParaRPr lang="en-US"/>
           </a:p>
@@ -6901,7 +7001,7 @@
         <p:spPr/>
         <p:txBody>
           <a:bodyPr>
-            <a:normAutofit lnSpcReduction="10000"/>
+            <a:normAutofit/>
           </a:bodyPr>
           <a:lstStyle/>
           <a:p>
@@ -6910,16 +7010,18 @@
               <a:t>Go to </a:t>
             </a:r>
             <a:r>
-              <a:rPr lang="en-US" dirty="0" err="1" smtClean="0"/>
+              <a:rPr lang="en-US" dirty="0" err="1" smtClean="0">
+                <a:hlinkClick r:id="rId2"/>
+              </a:rPr>
               <a:t>openbd.org</a:t>
             </a:r>
+            <a:r>
+              <a:rPr lang="en-US" dirty="0" smtClean="0">
+                <a:hlinkClick r:id="rId2"/>
+              </a:rPr>
+              <a:t>/download</a:t>
+            </a:r>
             <a:endParaRPr lang="en-US" dirty="0" smtClean="0"/>
-          </a:p>
-          <a:p>
-            <a:r>
-              <a:rPr lang="en-US" dirty="0" smtClean="0"/>
-              <a:t>Click on Download</a:t>
-            </a:r>
           </a:p>
           <a:p>
             <a:r>
@@ -6946,80 +7048,7 @@
               <a:rPr lang="en-US" dirty="0" smtClean="0"/>
               <a:t>Unzip</a:t>
             </a:r>
-          </a:p>
-          <a:p>
-            <a:r>
-              <a:rPr lang="en-US" dirty="0" smtClean="0"/>
-              <a:t>Execute the .exe or .</a:t>
-            </a:r>
-            <a:r>
-              <a:rPr lang="en-US" dirty="0" err="1" smtClean="0"/>
-              <a:t>sh</a:t>
-            </a:r>
             <a:endParaRPr lang="en-US" dirty="0" smtClean="0"/>
-          </a:p>
-          <a:p>
-            <a:pPr lvl="1"/>
-            <a:r>
-              <a:rPr lang="en-US" dirty="0" smtClean="0"/>
-              <a:t>.</a:t>
-            </a:r>
-            <a:r>
-              <a:rPr lang="en-US" dirty="0" err="1" smtClean="0"/>
-              <a:t>sh</a:t>
-            </a:r>
-            <a:r>
-              <a:rPr lang="en-US" dirty="0" smtClean="0"/>
-              <a:t> might need to get </a:t>
-            </a:r>
-            <a:r>
-              <a:rPr lang="en-US" dirty="0" err="1" smtClean="0"/>
-              <a:t>chmod</a:t>
-            </a:r>
-            <a:r>
-              <a:rPr lang="en-US" dirty="0" smtClean="0"/>
-              <a:t> +x</a:t>
-            </a:r>
-          </a:p>
-          <a:p>
-            <a:pPr lvl="1"/>
-            <a:r>
-              <a:rPr lang="en-US" dirty="0" smtClean="0"/>
-              <a:t>Execute .</a:t>
-            </a:r>
-            <a:r>
-              <a:rPr lang="en-US" dirty="0" err="1" smtClean="0"/>
-              <a:t>sh</a:t>
-            </a:r>
-            <a:r>
-              <a:rPr lang="en-US" dirty="0" smtClean="0"/>
-              <a:t> as `</a:t>
-            </a:r>
-            <a:r>
-              <a:rPr lang="en-US" dirty="0" err="1" smtClean="0"/>
-              <a:t>sudo</a:t>
-            </a:r>
-            <a:r>
-              <a:rPr lang="en-US" dirty="0" smtClean="0"/>
-              <a:t> </a:t>
-            </a:r>
-            <a:r>
-              <a:rPr lang="en-US" dirty="0" err="1" smtClean="0"/>
-              <a:t>sh</a:t>
-            </a:r>
-            <a:r>
-              <a:rPr lang="en-US" dirty="0" smtClean="0"/>
-              <a:t> </a:t>
-            </a:r>
-            <a:r>
-              <a:rPr lang="en-US" dirty="0" err="1" smtClean="0"/>
-              <a:t>OpenBlueDragonDesktop.sh</a:t>
-            </a:r>
-            <a:r>
-              <a:rPr lang="en-US" dirty="0" smtClean="0"/>
-              <a:t>`</a:t>
-            </a:r>
-            <a:endParaRPr lang="en-US" dirty="0"/>
           </a:p>
         </p:txBody>
       </p:sp>
@@ -7096,17 +7125,94 @@
         </p:nvSpPr>
         <p:spPr/>
         <p:txBody>
-          <a:bodyPr/>
-          <a:lstStyle/>
-          <a:p>
-            <a:r>
-              <a:rPr lang="en-US" dirty="0" smtClean="0"/>
-              <a:t>Web App</a:t>
-            </a:r>
+          <a:bodyPr>
+            <a:normAutofit fontScale="92500" lnSpcReduction="20000"/>
+          </a:bodyPr>
+          <a:lstStyle/>
+          <a:p>
+            <a:r>
+              <a:rPr lang="en-US" dirty="0"/>
+              <a:t>Execute the .exe or .</a:t>
+            </a:r>
+            <a:r>
+              <a:rPr lang="en-US" dirty="0" err="1"/>
+              <a:t>sh</a:t>
+            </a:r>
+            <a:endParaRPr lang="en-US" dirty="0"/>
           </a:p>
           <a:p>
             <a:pPr lvl="1"/>
             <a:r>
+              <a:rPr lang="en-US" dirty="0"/>
+              <a:t>.</a:t>
+            </a:r>
+            <a:r>
+              <a:rPr lang="en-US" dirty="0" err="1"/>
+              <a:t>sh</a:t>
+            </a:r>
+            <a:r>
+              <a:rPr lang="en-US" dirty="0"/>
+              <a:t> might need to get </a:t>
+            </a:r>
+            <a:r>
+              <a:rPr lang="en-US" dirty="0" err="1"/>
+              <a:t>chmod</a:t>
+            </a:r>
+            <a:r>
+              <a:rPr lang="en-US" dirty="0"/>
+              <a:t> +x</a:t>
+            </a:r>
+          </a:p>
+          <a:p>
+            <a:pPr lvl="1"/>
+            <a:r>
+              <a:rPr lang="en-US" dirty="0"/>
+              <a:t>Execute .</a:t>
+            </a:r>
+            <a:r>
+              <a:rPr lang="en-US" dirty="0" err="1"/>
+              <a:t>sh</a:t>
+            </a:r>
+            <a:r>
+              <a:rPr lang="en-US" dirty="0"/>
+              <a:t> as `</a:t>
+            </a:r>
+            <a:r>
+              <a:rPr lang="en-US" dirty="0" err="1"/>
+              <a:t>sudo</a:t>
+            </a:r>
+            <a:r>
+              <a:rPr lang="en-US" dirty="0"/>
+              <a:t> </a:t>
+            </a:r>
+            <a:r>
+              <a:rPr lang="en-US" dirty="0" err="1"/>
+              <a:t>sh</a:t>
+            </a:r>
+            <a:r>
+              <a:rPr lang="en-US" dirty="0"/>
+              <a:t> </a:t>
+            </a:r>
+            <a:r>
+              <a:rPr lang="en-US" dirty="0" err="1"/>
+              <a:t>OpenBlueDragonDesktop.sh</a:t>
+            </a:r>
+            <a:r>
+              <a:rPr lang="en-US" dirty="0" smtClean="0"/>
+              <a:t>`</a:t>
+            </a:r>
+            <a:endParaRPr lang="en-US" dirty="0" smtClean="0"/>
+          </a:p>
+          <a:p>
+            <a:r>
+              <a:rPr lang="en-US" dirty="0" smtClean="0"/>
+              <a:t>Web App tab</a:t>
+            </a:r>
+            <a:endParaRPr lang="en-US" dirty="0" smtClean="0"/>
+          </a:p>
+          <a:p>
+            <a:pPr lvl="1"/>
+            <a:r>
               <a:rPr lang="en-US" dirty="0" smtClean="0"/>
               <a:t>Choose Web App Folder (will add necessary files)</a:t>
             </a:r>
@@ -7115,8 +7221,13 @@
             <a:pPr lvl="1"/>
             <a:r>
               <a:rPr lang="en-US" dirty="0" smtClean="0"/>
-              <a:t>Web Port</a:t>
-            </a:r>
+              <a:t>Web </a:t>
+            </a:r>
+            <a:r>
+              <a:rPr lang="en-US" dirty="0" smtClean="0"/>
+              <a:t>Port: 80</a:t>
+            </a:r>
+            <a:endParaRPr lang="en-US" dirty="0" smtClean="0"/>
           </a:p>
           <a:p>
             <a:pPr lvl="1"/>
@@ -7134,7 +7245,15 @@
             <a:pPr lvl="1"/>
             <a:r>
               <a:rPr lang="en-US" dirty="0" smtClean="0"/>
-              <a:t>Options: check Manual and Admin Console</a:t>
+              <a:t>Options: </a:t>
+            </a:r>
+            <a:r>
+              <a:rPr lang="en-US" dirty="0" smtClean="0"/>
+              <a:t>enable Manual </a:t>
+            </a:r>
+            <a:r>
+              <a:rPr lang="en-US" dirty="0" smtClean="0"/>
+              <a:t>and Admin Console</a:t>
             </a:r>
           </a:p>
           <a:p>
@@ -7152,6 +7271,31 @@
             <a:r>
               <a:rPr lang="en-US" dirty="0" err="1" smtClean="0"/>
               <a:t>OpenBD</a:t>
+            </a:r>
+            <a:endParaRPr lang="en-US" dirty="0" smtClean="0"/>
+          </a:p>
+          <a:p>
+            <a:r>
+              <a:rPr lang="en-US" dirty="0" smtClean="0"/>
+              <a:t>Browse to </a:t>
+            </a:r>
+            <a:r>
+              <a:rPr lang="en-US" dirty="0" smtClean="0">
+                <a:hlinkClick r:id="rId2"/>
+              </a:rPr>
+              <a:t>http://</a:t>
+            </a:r>
+            <a:r>
+              <a:rPr lang="en-US" dirty="0" err="1" smtClean="0">
+                <a:hlinkClick r:id="rId2"/>
+              </a:rPr>
+              <a:t>localhost</a:t>
+            </a:r>
+            <a:r>
+              <a:rPr lang="en-US" dirty="0" smtClean="0">
+                <a:hlinkClick r:id="rId2"/>
+              </a:rPr>
+              <a:t>/</a:t>
             </a:r>
             <a:endParaRPr lang="en-US" dirty="0"/>
           </a:p>
@@ -7189,22 +7333,30 @@
       </p:grpSpPr>
       <p:sp>
         <p:nvSpPr>
-          <p:cNvPr id="4" name="Title 3"/>
-          <p:cNvSpPr>
-            <a:spLocks noGrp="1"/>
-          </p:cNvSpPr>
-          <p:nvPr>
-            <p:ph type="ctrTitle"/>
-          </p:nvPr>
-        </p:nvSpPr>
-        <p:spPr/>
-        <p:txBody>
-          <a:bodyPr/>
-          <a:lstStyle/>
-          <a:p>
-            <a:r>
-              <a:rPr lang="en-US" dirty="0" smtClean="0"/>
-              <a:t>Demo 01</a:t>
+          <p:cNvPr id="2" name="Title 1"/>
+          <p:cNvSpPr>
+            <a:spLocks noGrp="1"/>
+          </p:cNvSpPr>
+          <p:nvPr>
+            <p:ph type="title"/>
+          </p:nvPr>
+        </p:nvSpPr>
+        <p:spPr/>
+        <p:txBody>
+          <a:bodyPr/>
+          <a:lstStyle/>
+          <a:p>
+            <a:r>
+              <a:rPr lang="en-US" dirty="0" smtClean="0"/>
+              <a:t>Install </a:t>
+            </a:r>
+            <a:r>
+              <a:rPr lang="en-US" dirty="0" err="1" smtClean="0"/>
+              <a:t>Railo</a:t>
+            </a:r>
+            <a:r>
+              <a:rPr lang="en-US" dirty="0" smtClean="0"/>
+              <a:t> Express</a:t>
             </a:r>
             <a:endParaRPr lang="en-US" dirty="0"/>
           </a:p>
@@ -7212,39 +7364,71 @@
       </p:sp>
       <p:sp>
         <p:nvSpPr>
-          <p:cNvPr id="5" name="Subtitle 4"/>
-          <p:cNvSpPr>
-            <a:spLocks noGrp="1"/>
-          </p:cNvSpPr>
-          <p:nvPr>
-            <p:ph type="subTitle" idx="1"/>
-          </p:nvPr>
-        </p:nvSpPr>
-        <p:spPr/>
-        <p:txBody>
-          <a:bodyPr/>
-          <a:lstStyle/>
-          <a:p>
-            <a:endParaRPr lang="en-US"/>
-          </a:p>
-        </p:txBody>
-      </p:sp>
-      <p:sp>
-        <p:nvSpPr>
-          <p:cNvPr id="6" name="Picture Placeholder 5"/>
-          <p:cNvSpPr>
-            <a:spLocks noGrp="1"/>
-          </p:cNvSpPr>
-          <p:nvPr>
-            <p:ph type="pic" idx="13"/>
-          </p:nvPr>
-        </p:nvSpPr>
-        <p:spPr/>
+          <p:cNvPr id="3" name="Content Placeholder 2"/>
+          <p:cNvSpPr>
+            <a:spLocks noGrp="1"/>
+          </p:cNvSpPr>
+          <p:nvPr>
+            <p:ph idx="1"/>
+          </p:nvPr>
+        </p:nvSpPr>
+        <p:spPr/>
+        <p:txBody>
+          <a:bodyPr>
+            <a:normAutofit/>
+          </a:bodyPr>
+          <a:lstStyle/>
+          <a:p>
+            <a:r>
+              <a:rPr lang="en-US" dirty="0" smtClean="0"/>
+              <a:t>Go </a:t>
+            </a:r>
+            <a:r>
+              <a:rPr lang="en-US" dirty="0" smtClean="0"/>
+              <a:t>to </a:t>
+            </a:r>
+            <a:r>
+              <a:rPr lang="en-US" dirty="0" err="1" smtClean="0">
+                <a:hlinkClick r:id="rId2"/>
+              </a:rPr>
+              <a:t>getrailo.org</a:t>
+            </a:r>
+            <a:r>
+              <a:rPr lang="en-US" dirty="0" smtClean="0">
+                <a:hlinkClick r:id="rId2"/>
+              </a:rPr>
+              <a:t>/download</a:t>
+            </a:r>
+            <a:endParaRPr lang="en-US" dirty="0" smtClean="0"/>
+          </a:p>
+          <a:p>
+            <a:r>
+              <a:rPr lang="en-US" dirty="0" smtClean="0"/>
+              <a:t>Choose </a:t>
+            </a:r>
+            <a:r>
+              <a:rPr lang="en-US" dirty="0" err="1" smtClean="0"/>
+              <a:t>Railo</a:t>
+            </a:r>
+            <a:r>
+              <a:rPr lang="en-US" dirty="0" smtClean="0"/>
+              <a:t> Express for your OS and architecture</a:t>
+            </a:r>
+            <a:endParaRPr lang="en-US" dirty="0" smtClean="0"/>
+          </a:p>
+          <a:p>
+            <a:r>
+              <a:rPr lang="en-US" dirty="0" smtClean="0"/>
+              <a:t>Unzip</a:t>
+            </a:r>
+            <a:endParaRPr lang="en-US" dirty="0" smtClean="0"/>
+          </a:p>
+        </p:txBody>
       </p:sp>
     </p:spTree>
     <p:extLst>
       <p:ext uri="{BB962C8B-B14F-4D97-AF65-F5344CB8AC3E}">
-        <p14:creationId xmlns:p14="http://schemas.microsoft.com/office/powerpoint/2010/main" val="711675040"/>
+        <p14:creationId xmlns:p14="http://schemas.microsoft.com/office/powerpoint/2010/main" val="2366691621"/>
       </p:ext>
     </p:extLst>
   </p:cSld>
@@ -7288,7 +7472,15 @@
           <a:p>
             <a:r>
               <a:rPr lang="en-US" dirty="0" smtClean="0"/>
-              <a:t>Basic CFML - syntax</a:t>
+              <a:t>Run </a:t>
+            </a:r>
+            <a:r>
+              <a:rPr lang="en-US" dirty="0" err="1" smtClean="0"/>
+              <a:t>Railo</a:t>
+            </a:r>
+            <a:r>
+              <a:rPr lang="en-US" dirty="0" smtClean="0"/>
+              <a:t> Express</a:t>
             </a:r>
             <a:endParaRPr lang="en-US" dirty="0"/>
           </a:p>
@@ -7310,82 +7502,51 @@
           <a:lstStyle/>
           <a:p>
             <a:r>
-              <a:rPr lang="en-US" dirty="0" smtClean="0"/>
-              <a:t>Code lives in CFM or CFC files</a:t>
-            </a:r>
-          </a:p>
-          <a:p>
-            <a:r>
               <a:rPr lang="en-US" dirty="0"/>
-              <a:t>Designed to live amongst </a:t>
-            </a:r>
-            <a:r>
-              <a:rPr lang="en-US" dirty="0" smtClean="0"/>
-              <a:t>HTML</a:t>
-            </a:r>
-          </a:p>
-          <a:p>
-            <a:r>
-              <a:rPr lang="en-US" dirty="0" smtClean="0"/>
-              <a:t>Tag</a:t>
-            </a:r>
-            <a:r>
-              <a:rPr lang="en-US" dirty="0"/>
-              <a:t>-based, starting with “</a:t>
-            </a:r>
-            <a:r>
-              <a:rPr lang="en-US" dirty="0" err="1"/>
-              <a:t>cf</a:t>
-            </a:r>
-            <a:r>
-              <a:rPr lang="en-US" dirty="0"/>
-              <a:t>” (for example, </a:t>
-            </a:r>
-            <a:r>
-              <a:rPr lang="en-US" b="1" dirty="0"/>
-              <a:t>&lt;</a:t>
-            </a:r>
-            <a:r>
-              <a:rPr lang="en-US" b="1" dirty="0" err="1" smtClean="0"/>
-              <a:t>cfset</a:t>
-            </a:r>
-            <a:r>
-              <a:rPr lang="en-US" b="1" dirty="0" smtClean="0"/>
-              <a:t>&gt;</a:t>
-            </a:r>
-            <a:r>
-              <a:rPr lang="en-US" dirty="0" smtClean="0"/>
-              <a:t>)</a:t>
-            </a:r>
-          </a:p>
-          <a:p>
-            <a:r>
-              <a:rPr lang="en-US" dirty="0" smtClean="0"/>
-              <a:t>Some tags are self-closing, many have attributes, some perform processing within the tag</a:t>
-            </a:r>
-          </a:p>
-          <a:p>
-            <a:r>
-              <a:rPr lang="en-US" dirty="0" smtClean="0"/>
-              <a:t>Can create custom tags</a:t>
-            </a:r>
-          </a:p>
-          <a:p>
-            <a:r>
-              <a:rPr lang="en-US" dirty="0" smtClean="0"/>
-              <a:t>Comments: </a:t>
-            </a:r>
-            <a:r>
-              <a:rPr lang="en-US" i="1" dirty="0" smtClean="0"/>
-              <a:t>&lt;!--- comment ---&gt;</a:t>
-            </a:r>
+              <a:t>Execute `start</a:t>
+            </a:r>
+            <a:r>
+              <a:rPr lang="en-US" dirty="0" smtClean="0"/>
+              <a:t>`</a:t>
+            </a:r>
+          </a:p>
+          <a:p>
+            <a:r>
+              <a:rPr lang="en-US" dirty="0" smtClean="0"/>
+              <a:t>Browse to </a:t>
+            </a:r>
+            <a:r>
+              <a:rPr lang="en-US" dirty="0" smtClean="0">
+                <a:hlinkClick r:id="rId2"/>
+              </a:rPr>
+              <a:t>http://localhost:8888/</a:t>
+            </a:r>
+            <a:endParaRPr lang="en-US" dirty="0"/>
+          </a:p>
+          <a:p>
+            <a:r>
+              <a:rPr lang="en-US" dirty="0" smtClean="0"/>
+              <a:t>Modify files in </a:t>
+            </a:r>
+            <a:r>
+              <a:rPr lang="en-US" dirty="0" err="1" smtClean="0"/>
+              <a:t>webroot</a:t>
+            </a:r>
+            <a:r>
+              <a:rPr lang="en-US" dirty="0" smtClean="0"/>
+              <a:t>/ instead of pointing to your own folder</a:t>
+            </a:r>
+            <a:endParaRPr lang="en-US" dirty="0"/>
+          </a:p>
+          <a:p>
+            <a:endParaRPr lang="en-US" dirty="0"/>
           </a:p>
         </p:txBody>
       </p:sp>
     </p:spTree>
     <p:extLst>
       <p:ext uri="{BB962C8B-B14F-4D97-AF65-F5344CB8AC3E}">
-        <p14:creationId xmlns:p14="http://schemas.microsoft.com/office/powerpoint/2010/main" val="1399933645"/>
+        <p14:creationId xmlns:p14="http://schemas.microsoft.com/office/powerpoint/2010/main" val="1373496393"/>
       </p:ext>
     </p:extLst>
   </p:cSld>
@@ -7414,22 +7575,22 @@
       </p:grpSpPr>
       <p:sp>
         <p:nvSpPr>
-          <p:cNvPr id="2" name="Title 1"/>
-          <p:cNvSpPr>
-            <a:spLocks noGrp="1"/>
-          </p:cNvSpPr>
-          <p:nvPr>
-            <p:ph type="title"/>
-          </p:nvPr>
-        </p:nvSpPr>
-        <p:spPr/>
-        <p:txBody>
-          <a:bodyPr/>
-          <a:lstStyle/>
-          <a:p>
-            <a:r>
-              <a:rPr lang="en-US" dirty="0" smtClean="0"/>
-              <a:t>Basic CFML - variables</a:t>
+          <p:cNvPr id="4" name="Title 3"/>
+          <p:cNvSpPr>
+            <a:spLocks noGrp="1"/>
+          </p:cNvSpPr>
+          <p:nvPr>
+            <p:ph type="ctrTitle"/>
+          </p:nvPr>
+        </p:nvSpPr>
+        <p:spPr/>
+        <p:txBody>
+          <a:bodyPr/>
+          <a:lstStyle/>
+          <a:p>
+            <a:r>
+              <a:rPr lang="en-US" dirty="0" smtClean="0"/>
+              <a:t>Demo 01</a:t>
             </a:r>
             <a:endParaRPr lang="en-US" dirty="0"/>
           </a:p>
@@ -7437,133 +7598,39 @@
       </p:sp>
       <p:sp>
         <p:nvSpPr>
-          <p:cNvPr id="3" name="Content Placeholder 2"/>
-          <p:cNvSpPr>
-            <a:spLocks noGrp="1"/>
-          </p:cNvSpPr>
-          <p:nvPr>
-            <p:ph idx="1"/>
-          </p:nvPr>
-        </p:nvSpPr>
-        <p:spPr/>
-        <p:txBody>
-          <a:bodyPr>
-            <a:normAutofit/>
-          </a:bodyPr>
-          <a:lstStyle/>
-          <a:p>
-            <a:r>
-              <a:rPr lang="en-US" dirty="0" smtClean="0"/>
-              <a:t>Variables </a:t>
-            </a:r>
-            <a:r>
-              <a:rPr lang="en-US" dirty="0"/>
-              <a:t>are </a:t>
-            </a:r>
-            <a:r>
-              <a:rPr lang="en-US" dirty="0" smtClean="0"/>
-              <a:t>type-less</a:t>
-            </a:r>
-          </a:p>
-          <a:p>
-            <a:pPr lvl="1"/>
-            <a:r>
-              <a:rPr lang="en-US" dirty="0" smtClean="0"/>
-              <a:t> </a:t>
-            </a:r>
-            <a:r>
-              <a:rPr lang="en-US" dirty="0"/>
-              <a:t>String, number, date, </a:t>
-            </a:r>
-            <a:r>
-              <a:rPr lang="en-US" dirty="0" err="1"/>
-              <a:t>boolean</a:t>
-            </a:r>
-            <a:r>
-              <a:rPr lang="en-US" dirty="0"/>
-              <a:t>, structures, </a:t>
-            </a:r>
-            <a:r>
-              <a:rPr lang="en-US" dirty="0" smtClean="0"/>
-              <a:t>arrays</a:t>
-            </a:r>
-          </a:p>
-          <a:p>
-            <a:r>
-              <a:rPr lang="en-US" dirty="0" smtClean="0"/>
-              <a:t>Variables have scope</a:t>
-            </a:r>
-          </a:p>
-          <a:p>
-            <a:pPr lvl="1"/>
-            <a:r>
-              <a:rPr lang="en-US" dirty="0" smtClean="0"/>
-              <a:t>Server, </a:t>
-            </a:r>
-            <a:r>
-              <a:rPr lang="en-US" dirty="0" err="1" smtClean="0"/>
-              <a:t>cgi</a:t>
-            </a:r>
-            <a:r>
-              <a:rPr lang="en-US" dirty="0" smtClean="0"/>
-              <a:t>, cookie, request, form, </a:t>
-            </a:r>
-            <a:r>
-              <a:rPr lang="en-US" dirty="0" err="1" smtClean="0"/>
-              <a:t>url</a:t>
-            </a:r>
-            <a:r>
-              <a:rPr lang="en-US" dirty="0" smtClean="0"/>
-              <a:t>, variables, local, arguments, attributes, application, client, session, </a:t>
-            </a:r>
-            <a:r>
-              <a:rPr lang="en-US" dirty="0" err="1" smtClean="0"/>
-              <a:t>cfthread</a:t>
-            </a:r>
-            <a:r>
-              <a:rPr lang="en-US" dirty="0" smtClean="0"/>
-              <a:t>, </a:t>
-            </a:r>
-            <a:r>
-              <a:rPr lang="en-US" dirty="0" err="1" smtClean="0"/>
-              <a:t>cffile</a:t>
-            </a:r>
-            <a:r>
-              <a:rPr lang="en-US" dirty="0" smtClean="0"/>
-              <a:t>, this, super, </a:t>
-            </a:r>
-            <a:r>
-              <a:rPr lang="en-US" dirty="0" err="1" smtClean="0"/>
-              <a:t>cfcatch</a:t>
-            </a:r>
-            <a:endParaRPr lang="en-US" dirty="0" smtClean="0"/>
-          </a:p>
-          <a:p>
-            <a:r>
-              <a:rPr lang="en-US" dirty="0" smtClean="0"/>
-              <a:t>Reference variables [scope].[variable’s name] or [scope][‘variable’s name’]</a:t>
-            </a:r>
-          </a:p>
-          <a:p>
-            <a:r>
-              <a:rPr lang="en-US" b="1" dirty="0" smtClean="0"/>
-              <a:t>&lt;</a:t>
-            </a:r>
-            <a:r>
-              <a:rPr lang="en-US" b="1" dirty="0" err="1" smtClean="0"/>
-              <a:t>cfset</a:t>
-            </a:r>
-            <a:r>
-              <a:rPr lang="en-US" b="1" dirty="0" smtClean="0"/>
-              <a:t> message = “Hello, World!”&gt;</a:t>
-            </a:r>
-          </a:p>
-        </p:txBody>
+          <p:cNvPr id="5" name="Subtitle 4"/>
+          <p:cNvSpPr>
+            <a:spLocks noGrp="1"/>
+          </p:cNvSpPr>
+          <p:nvPr>
+            <p:ph type="subTitle" idx="1"/>
+          </p:nvPr>
+        </p:nvSpPr>
+        <p:spPr/>
+        <p:txBody>
+          <a:bodyPr/>
+          <a:lstStyle/>
+          <a:p>
+            <a:endParaRPr lang="en-US" dirty="0"/>
+          </a:p>
+        </p:txBody>
+      </p:sp>
+      <p:sp>
+        <p:nvSpPr>
+          <p:cNvPr id="6" name="Picture Placeholder 5"/>
+          <p:cNvSpPr>
+            <a:spLocks noGrp="1"/>
+          </p:cNvSpPr>
+          <p:nvPr>
+            <p:ph type="pic" idx="13"/>
+          </p:nvPr>
+        </p:nvSpPr>
+        <p:spPr/>
       </p:sp>
     </p:spTree>
     <p:extLst>
       <p:ext uri="{BB962C8B-B14F-4D97-AF65-F5344CB8AC3E}">
-        <p14:creationId xmlns:p14="http://schemas.microsoft.com/office/powerpoint/2010/main" val="2772679587"/>
+        <p14:creationId xmlns:p14="http://schemas.microsoft.com/office/powerpoint/2010/main" val="711675040"/>
       </p:ext>
     </p:extLst>
   </p:cSld>
@@ -7607,7 +7674,7 @@
           <a:p>
             <a:r>
               <a:rPr lang="en-US" dirty="0" smtClean="0"/>
-              <a:t>Basic CFML - output</a:t>
+              <a:t>Basic CFML - syntax</a:t>
             </a:r>
             <a:endParaRPr lang="en-US" dirty="0"/>
           </a:p>
@@ -7625,107 +7692,102 @@
         </p:nvSpPr>
         <p:spPr/>
         <p:txBody>
-          <a:bodyPr>
-            <a:normAutofit fontScale="92500"/>
-          </a:bodyPr>
-          <a:lstStyle/>
-          <a:p>
-            <a:r>
-              <a:rPr lang="en-US" dirty="0" smtClean="0"/>
-              <a:t>CFML lives amongst HTML, so you tell it when to output</a:t>
-            </a:r>
-          </a:p>
-          <a:p>
-            <a:r>
-              <a:rPr lang="en-US" dirty="0" smtClean="0"/>
-              <a:t>Use #s to process CFML, with </a:t>
-            </a:r>
-            <a:r>
-              <a:rPr lang="en-US" b="1" dirty="0" smtClean="0"/>
+          <a:bodyPr/>
+          <a:lstStyle/>
+          <a:p>
+            <a:r>
+              <a:rPr lang="en-US" dirty="0" smtClean="0"/>
+              <a:t>Code lives in CFM or CFC files</a:t>
+            </a:r>
+          </a:p>
+          <a:p>
+            <a:r>
+              <a:rPr lang="en-US" dirty="0"/>
+              <a:t>Designed to live amongst </a:t>
+            </a:r>
+            <a:r>
+              <a:rPr lang="en-US" dirty="0" smtClean="0"/>
+              <a:t>HTML</a:t>
+            </a:r>
+          </a:p>
+          <a:p>
+            <a:r>
+              <a:rPr lang="en-US" dirty="0" smtClean="0"/>
+              <a:t>Tag</a:t>
+            </a:r>
+            <a:r>
+              <a:rPr lang="en-US" dirty="0"/>
+              <a:t>-based, starting with “</a:t>
+            </a:r>
+            <a:r>
+              <a:rPr lang="en-US" dirty="0" err="1"/>
+              <a:t>cf</a:t>
+            </a:r>
+            <a:r>
+              <a:rPr lang="en-US" dirty="0"/>
+              <a:t>” (for example, </a:t>
+            </a:r>
+            <a:r>
+              <a:rPr lang="en-US" sz="2000" dirty="0">
+                <a:latin typeface="Courier New"/>
+                <a:cs typeface="Courier New"/>
+              </a:rPr>
               <a:t>&lt;</a:t>
             </a:r>
             <a:r>
-              <a:rPr lang="en-US" b="1" dirty="0" err="1" smtClean="0"/>
-              <a:t>cfoutput</a:t>
-            </a:r>
-            <a:r>
-              <a:rPr lang="en-US" b="1" dirty="0" smtClean="0"/>
+              <a:rPr lang="en-US" sz="2000" dirty="0" err="1" smtClean="0">
+                <a:latin typeface="Courier New"/>
+                <a:cs typeface="Courier New"/>
+              </a:rPr>
+              <a:t>cfset</a:t>
+            </a:r>
+            <a:r>
+              <a:rPr lang="en-US" sz="2000" dirty="0" smtClean="0">
+                <a:latin typeface="Courier New"/>
+                <a:cs typeface="Courier New"/>
+              </a:rPr>
               <a:t>&gt;</a:t>
             </a:r>
-          </a:p>
-          <a:p>
-            <a:r>
-              <a:rPr lang="en-US" dirty="0" smtClean="0"/>
-              <a:t>Can put variables or function calls within #s</a:t>
-            </a:r>
-          </a:p>
-          <a:p>
-            <a:pPr lvl="1"/>
-            <a:r>
-              <a:rPr lang="en-US" b="1" dirty="0" smtClean="0"/>
-              <a:t>#</a:t>
-            </a:r>
-            <a:r>
-              <a:rPr lang="en-US" b="1" dirty="0" err="1" smtClean="0"/>
-              <a:t>uCase</a:t>
-            </a:r>
-            <a:r>
-              <a:rPr lang="en-US" b="1" dirty="0" smtClean="0"/>
-              <a:t>(message)# </a:t>
-            </a:r>
-            <a:r>
-              <a:rPr lang="en-US" dirty="0" smtClean="0"/>
-              <a:t>outputs the upper case of message</a:t>
-            </a:r>
-          </a:p>
-          <a:p>
-            <a:r>
-              <a:rPr lang="en-US" dirty="0" smtClean="0"/>
-              <a:t>Cannot put tags within #s</a:t>
-            </a:r>
-          </a:p>
-          <a:p>
-            <a:r>
-              <a:rPr lang="en-US" dirty="0" smtClean="0"/>
-              <a:t>Escape # with another #: ##</a:t>
-            </a:r>
-          </a:p>
-          <a:p>
-            <a:r>
-              <a:rPr lang="en-US" dirty="0" smtClean="0"/>
-              <a:t>Need #s in attributes for tags</a:t>
-            </a:r>
-          </a:p>
-          <a:p>
-            <a:pPr lvl="1"/>
-            <a:r>
-              <a:rPr lang="en-US" b="1" dirty="0" smtClean="0"/>
-              <a:t>&lt;</a:t>
-            </a:r>
-            <a:r>
-              <a:rPr lang="en-US" b="1" dirty="0" err="1" smtClean="0"/>
-              <a:t>cfdump</a:t>
-            </a:r>
-            <a:r>
-              <a:rPr lang="en-US" b="1" dirty="0" smtClean="0"/>
-              <a:t> </a:t>
-            </a:r>
-            <a:r>
-              <a:rPr lang="en-US" b="1" dirty="0" err="1" smtClean="0"/>
-              <a:t>var</a:t>
-            </a:r>
-            <a:r>
-              <a:rPr lang="en-US" b="1" dirty="0" smtClean="0"/>
-              <a:t>=“#message#”&gt;</a:t>
-            </a:r>
-            <a:endParaRPr lang="en-US" b="1" dirty="0"/>
+            <a:r>
+              <a:rPr lang="en-US" dirty="0" smtClean="0"/>
+              <a:t>)</a:t>
+            </a:r>
+          </a:p>
+          <a:p>
+            <a:r>
+              <a:rPr lang="en-US" dirty="0" smtClean="0"/>
+              <a:t>Some tags are self-closing, many have attributes, some perform processing within the tag</a:t>
+            </a:r>
+          </a:p>
+          <a:p>
+            <a:r>
+              <a:rPr lang="en-US" dirty="0" smtClean="0"/>
+              <a:t>Can create custom tags</a:t>
+            </a:r>
+          </a:p>
+          <a:p>
+            <a:r>
+              <a:rPr lang="en-US" dirty="0" smtClean="0"/>
+              <a:t>Comments: </a:t>
+            </a:r>
+            <a:r>
+              <a:rPr lang="en-US" sz="2000" i="1" dirty="0" smtClean="0">
+                <a:latin typeface="Courier New"/>
+                <a:cs typeface="Courier New"/>
+              </a:rPr>
+              <a:t>&lt;!--- comment ---&gt;</a:t>
+            </a:r>
+            <a:endParaRPr lang="en-US" i="1" dirty="0" smtClean="0">
+              <a:latin typeface="Courier New"/>
+              <a:cs typeface="Courier New"/>
+            </a:endParaRPr>
           </a:p>
         </p:txBody>
       </p:sp>
     </p:spTree>
     <p:extLst>
       <p:ext uri="{BB962C8B-B14F-4D97-AF65-F5344CB8AC3E}">
-        <p14:creationId xmlns:p14="http://schemas.microsoft.com/office/powerpoint/2010/main" val="3765747897"/>
+        <p14:creationId xmlns:p14="http://schemas.microsoft.com/office/powerpoint/2010/main" val="1399933645"/>
       </p:ext>
     </p:extLst>
   </p:cSld>
@@ -7769,7 +7831,7 @@
           <a:p>
             <a:r>
               <a:rPr lang="en-US" dirty="0" smtClean="0"/>
-              <a:t>Basic CFML - functions</a:t>
+              <a:t>Basic CFML - variables</a:t>
             </a:r>
             <a:endParaRPr lang="en-US" dirty="0"/>
           </a:p>
@@ -7787,104 +7849,132 @@
         </p:nvSpPr>
         <p:spPr/>
         <p:txBody>
-          <a:bodyPr/>
-          <a:lstStyle/>
-          <a:p>
-            <a:r>
-              <a:rPr lang="en-US" dirty="0" smtClean="0"/>
-              <a:t>2 basic types: core (built-in) and user-defined (UDF)</a:t>
-            </a:r>
-          </a:p>
-          <a:p>
-            <a:r>
-              <a:rPr lang="en-US" dirty="0" smtClean="0"/>
-              <a:t>Can define using </a:t>
-            </a:r>
-            <a:r>
-              <a:rPr lang="en-US" b="1" dirty="0" smtClean="0"/>
+          <a:bodyPr>
+            <a:normAutofit/>
+          </a:bodyPr>
+          <a:lstStyle/>
+          <a:p>
+            <a:r>
+              <a:rPr lang="en-US" dirty="0" smtClean="0"/>
+              <a:t>Variables </a:t>
+            </a:r>
+            <a:r>
+              <a:rPr lang="en-US" dirty="0"/>
+              <a:t>are </a:t>
+            </a:r>
+            <a:r>
+              <a:rPr lang="en-US" dirty="0" smtClean="0"/>
+              <a:t>type-less</a:t>
+            </a:r>
+          </a:p>
+          <a:p>
+            <a:pPr lvl="1"/>
+            <a:r>
+              <a:rPr lang="en-US" dirty="0" smtClean="0"/>
+              <a:t> </a:t>
+            </a:r>
+            <a:r>
+              <a:rPr lang="en-US" dirty="0"/>
+              <a:t>String, number, date, </a:t>
+            </a:r>
+            <a:r>
+              <a:rPr lang="en-US" dirty="0" err="1"/>
+              <a:t>boolean</a:t>
+            </a:r>
+            <a:r>
+              <a:rPr lang="en-US" dirty="0"/>
+              <a:t>, structures, </a:t>
+            </a:r>
+            <a:r>
+              <a:rPr lang="en-US" dirty="0" smtClean="0"/>
+              <a:t>arrays</a:t>
+            </a:r>
+          </a:p>
+          <a:p>
+            <a:r>
+              <a:rPr lang="en-US" dirty="0" smtClean="0"/>
+              <a:t>Variables have scope</a:t>
+            </a:r>
+          </a:p>
+          <a:p>
+            <a:pPr lvl="1"/>
+            <a:r>
+              <a:rPr lang="en-US" dirty="0" smtClean="0"/>
+              <a:t>Server, </a:t>
+            </a:r>
+            <a:r>
+              <a:rPr lang="en-US" dirty="0" err="1" smtClean="0"/>
+              <a:t>cgi</a:t>
+            </a:r>
+            <a:r>
+              <a:rPr lang="en-US" dirty="0" smtClean="0"/>
+              <a:t>, cookie, request, form, </a:t>
+            </a:r>
+            <a:r>
+              <a:rPr lang="en-US" dirty="0" err="1" smtClean="0"/>
+              <a:t>url</a:t>
+            </a:r>
+            <a:r>
+              <a:rPr lang="en-US" dirty="0" smtClean="0"/>
+              <a:t>, variables, local, arguments, attributes, application, client, session, </a:t>
+            </a:r>
+            <a:r>
+              <a:rPr lang="en-US" dirty="0" err="1" smtClean="0"/>
+              <a:t>cfthread</a:t>
+            </a:r>
+            <a:r>
+              <a:rPr lang="en-US" dirty="0" smtClean="0"/>
+              <a:t>, </a:t>
+            </a:r>
+            <a:r>
+              <a:rPr lang="en-US" dirty="0" err="1" smtClean="0"/>
+              <a:t>cffile</a:t>
+            </a:r>
+            <a:r>
+              <a:rPr lang="en-US" dirty="0" smtClean="0"/>
+              <a:t>, this, super, </a:t>
+            </a:r>
+            <a:r>
+              <a:rPr lang="en-US" dirty="0" err="1" smtClean="0"/>
+              <a:t>cfcatch</a:t>
+            </a:r>
+            <a:endParaRPr lang="en-US" dirty="0" smtClean="0"/>
+          </a:p>
+          <a:p>
+            <a:r>
+              <a:rPr lang="en-US" dirty="0" smtClean="0"/>
+              <a:t>Reference variables [scope].[variable’s name] or [scope][‘variable’s name’]</a:t>
+            </a:r>
+          </a:p>
+          <a:p>
+            <a:r>
+              <a:rPr lang="en-US" sz="2000" dirty="0" smtClean="0">
+                <a:latin typeface="Courier New"/>
+                <a:cs typeface="Courier New"/>
+              </a:rPr>
               <a:t>&lt;</a:t>
             </a:r>
             <a:r>
-              <a:rPr lang="en-US" b="1" dirty="0" err="1" smtClean="0"/>
-              <a:t>cffunction</a:t>
-            </a:r>
-            <a:r>
-              <a:rPr lang="en-US" b="1" dirty="0" smtClean="0"/>
-              <a:t> …&gt;</a:t>
-            </a:r>
-            <a:r>
-              <a:rPr lang="en-US" dirty="0" smtClean="0"/>
-              <a:t> or CFCs</a:t>
-            </a:r>
-          </a:p>
-          <a:p>
-            <a:r>
-              <a:rPr lang="en-US" dirty="0" smtClean="0"/>
-              <a:t>Might return a value, output something, or both</a:t>
-            </a:r>
-          </a:p>
-          <a:p>
-            <a:r>
-              <a:rPr lang="en-US" dirty="0" smtClean="0"/>
-              <a:t>Syntax</a:t>
-            </a:r>
-          </a:p>
-          <a:p>
-            <a:pPr lvl="1"/>
-            <a:r>
-              <a:rPr lang="en-US" b="1" dirty="0" err="1" smtClean="0"/>
-              <a:t>FunctionName</a:t>
-            </a:r>
-            <a:r>
-              <a:rPr lang="en-US" b="1" dirty="0" smtClean="0"/>
-              <a:t>(“Miles”, 28)</a:t>
-            </a:r>
-          </a:p>
-          <a:p>
-            <a:pPr lvl="1"/>
-            <a:r>
-              <a:rPr lang="en-US" b="1" dirty="0" err="1" smtClean="0"/>
-              <a:t>FunctionName</a:t>
-            </a:r>
-            <a:r>
-              <a:rPr lang="en-US" b="1" dirty="0" smtClean="0"/>
-              <a:t>(name = “Miles”, age = 28)</a:t>
-            </a:r>
-          </a:p>
-          <a:p>
-            <a:pPr lvl="1"/>
-            <a:r>
-              <a:rPr lang="en-US" b="1" dirty="0" err="1" smtClean="0"/>
-              <a:t>FunctionName</a:t>
-            </a:r>
-            <a:r>
-              <a:rPr lang="en-US" b="1" dirty="0" smtClean="0"/>
-              <a:t>(</a:t>
-            </a:r>
-            <a:r>
-              <a:rPr lang="en-US" b="1" dirty="0" err="1" smtClean="0"/>
-              <a:t>argumentcollection</a:t>
-            </a:r>
-            <a:r>
-              <a:rPr lang="en-US" b="1" dirty="0" smtClean="0"/>
-              <a:t> = </a:t>
-            </a:r>
-            <a:r>
-              <a:rPr lang="en-US" b="1" dirty="0" err="1" smtClean="0"/>
-              <a:t>argsStruct</a:t>
-            </a:r>
-            <a:r>
-              <a:rPr lang="en-US" b="1" dirty="0" smtClean="0"/>
-              <a:t>)</a:t>
-            </a:r>
-            <a:endParaRPr lang="en-US" b="1" dirty="0"/>
+              <a:rPr lang="en-US" sz="2000" dirty="0" err="1" smtClean="0">
+                <a:latin typeface="Courier New"/>
+                <a:cs typeface="Courier New"/>
+              </a:rPr>
+              <a:t>cfset</a:t>
+            </a:r>
+            <a:r>
+              <a:rPr lang="en-US" sz="2000" dirty="0" smtClean="0">
+                <a:latin typeface="Courier New"/>
+                <a:cs typeface="Courier New"/>
+              </a:rPr>
+              <a:t> message = “Hello, World!”&gt;</a:t>
+            </a:r>
           </a:p>
         </p:txBody>
       </p:sp>
     </p:spTree>
     <p:extLst>
       <p:ext uri="{BB962C8B-B14F-4D97-AF65-F5344CB8AC3E}">
-        <p14:creationId xmlns:p14="http://schemas.microsoft.com/office/powerpoint/2010/main" val="1785793510"/>
+        <p14:creationId xmlns:p14="http://schemas.microsoft.com/office/powerpoint/2010/main" val="2772679587"/>
       </p:ext>
     </p:extLst>
   </p:cSld>
@@ -7928,7 +8018,7 @@
           <a:p>
             <a:r>
               <a:rPr lang="en-US" dirty="0" smtClean="0"/>
-              <a:t>Using Variables</a:t>
+              <a:t>Basic CFML - output</a:t>
             </a:r>
             <a:endParaRPr lang="en-US" dirty="0"/>
           </a:p>
@@ -7947,151 +8037,153 @@
         <p:spPr/>
         <p:txBody>
           <a:bodyPr>
-            <a:normAutofit/>
+            <a:normAutofit fontScale="92500"/>
           </a:bodyPr>
           <a:lstStyle/>
           <a:p>
             <a:r>
               <a:rPr lang="en-US" dirty="0" smtClean="0"/>
-              <a:t>String</a:t>
-            </a:r>
-            <a:r>
-              <a:rPr lang="en-US" dirty="0"/>
-              <a:t>: </a:t>
-            </a:r>
-            <a:r>
-              <a:rPr lang="en-US" b="1" dirty="0"/>
+              <a:t>CFML lives amongst HTML, so you tell it when to output</a:t>
+            </a:r>
+          </a:p>
+          <a:p>
+            <a:r>
+              <a:rPr lang="en-US" dirty="0" smtClean="0"/>
+              <a:t>Use #s to process CFML, with </a:t>
+            </a:r>
+            <a:r>
+              <a:rPr lang="en-US" sz="2200" dirty="0" smtClean="0">
+                <a:latin typeface="Courier New"/>
+                <a:cs typeface="Courier New"/>
+              </a:rPr>
               <a:t>&lt;</a:t>
             </a:r>
             <a:r>
-              <a:rPr lang="en-US" b="1" dirty="0" err="1"/>
-              <a:t>cfset</a:t>
-            </a:r>
-            <a:r>
-              <a:rPr lang="en-US" b="1" dirty="0"/>
-              <a:t> name=“Miles”&gt;</a:t>
-            </a:r>
-          </a:p>
-          <a:p>
-            <a:r>
-              <a:rPr lang="en-US" dirty="0" smtClean="0"/>
-              <a:t>Number: </a:t>
-            </a:r>
-            <a:r>
-              <a:rPr lang="en-US" b="1" dirty="0" smtClean="0"/>
+              <a:rPr lang="en-US" sz="2200" dirty="0" err="1" smtClean="0">
+                <a:latin typeface="Courier New"/>
+                <a:cs typeface="Courier New"/>
+              </a:rPr>
+              <a:t>cfoutput</a:t>
+            </a:r>
+            <a:r>
+              <a:rPr lang="en-US" sz="2200" dirty="0" smtClean="0">
+                <a:latin typeface="Courier New"/>
+                <a:cs typeface="Courier New"/>
+              </a:rPr>
+              <a:t>&gt;</a:t>
+            </a:r>
+          </a:p>
+          <a:p>
+            <a:r>
+              <a:rPr lang="en-US" dirty="0" smtClean="0"/>
+              <a:t>Can put variables or function calls within #s</a:t>
+            </a:r>
+          </a:p>
+          <a:p>
+            <a:pPr lvl="1"/>
+            <a:r>
+              <a:rPr lang="en-US" sz="1900" dirty="0" smtClean="0">
+                <a:latin typeface="Courier New"/>
+                <a:cs typeface="Courier New"/>
+              </a:rPr>
+              <a:t>#</a:t>
+            </a:r>
+            <a:r>
+              <a:rPr lang="en-US" sz="1900" dirty="0" err="1" smtClean="0">
+                <a:latin typeface="Courier New"/>
+                <a:cs typeface="Courier New"/>
+              </a:rPr>
+              <a:t>uCase</a:t>
+            </a:r>
+            <a:r>
+              <a:rPr lang="en-US" sz="1900" dirty="0" smtClean="0">
+                <a:latin typeface="Courier New"/>
+                <a:cs typeface="Courier New"/>
+              </a:rPr>
+              <a:t>(message)# </a:t>
+            </a:r>
+            <a:r>
+              <a:rPr lang="en-US" dirty="0" smtClean="0"/>
+              <a:t>outputs the upper case of message</a:t>
+            </a:r>
+          </a:p>
+          <a:p>
+            <a:r>
+              <a:rPr lang="en-US" dirty="0" smtClean="0"/>
+              <a:t>Cannot put tags within #s</a:t>
+            </a:r>
+          </a:p>
+          <a:p>
+            <a:r>
+              <a:rPr lang="en-US" dirty="0" smtClean="0"/>
+              <a:t>Escape # with another #: </a:t>
+            </a:r>
+            <a:r>
+              <a:rPr lang="en-US" sz="2200" dirty="0" smtClean="0">
+                <a:latin typeface="Courier New"/>
+                <a:cs typeface="Courier New"/>
+              </a:rPr>
+              <a:t>##</a:t>
+            </a:r>
+            <a:endParaRPr lang="en-US" dirty="0" smtClean="0">
+              <a:latin typeface="Courier New"/>
+              <a:cs typeface="Courier New"/>
+            </a:endParaRPr>
+          </a:p>
+          <a:p>
+            <a:r>
+              <a:rPr lang="en-US" dirty="0" smtClean="0"/>
+              <a:t>Need #s in attributes for tags</a:t>
+            </a:r>
+          </a:p>
+          <a:p>
+            <a:pPr lvl="1"/>
+            <a:r>
+              <a:rPr lang="en-US" sz="1900" dirty="0" smtClean="0">
+                <a:latin typeface="Courier New"/>
+                <a:cs typeface="Courier New"/>
+              </a:rPr>
               <a:t>&lt;</a:t>
             </a:r>
             <a:r>
-              <a:rPr lang="en-US" b="1" dirty="0" err="1" smtClean="0"/>
-              <a:t>cfset</a:t>
-            </a:r>
-            <a:r>
-              <a:rPr lang="en-US" b="1" dirty="0" smtClean="0"/>
-              <a:t> age = 28&gt;</a:t>
-            </a:r>
-          </a:p>
-          <a:p>
-            <a:r>
-              <a:rPr lang="en-US" dirty="0" smtClean="0"/>
-              <a:t>Boolean: </a:t>
-            </a:r>
-            <a:r>
-              <a:rPr lang="en-US" b="1" dirty="0" smtClean="0"/>
-              <a:t>&lt;</a:t>
-            </a:r>
-            <a:r>
-              <a:rPr lang="en-US" b="1" dirty="0" err="1" smtClean="0"/>
-              <a:t>cfset</a:t>
-            </a:r>
-            <a:r>
-              <a:rPr lang="en-US" b="1" dirty="0" smtClean="0"/>
+              <a:rPr lang="en-US" sz="1900" dirty="0" err="1" smtClean="0">
+                <a:latin typeface="Courier New"/>
+                <a:cs typeface="Courier New"/>
+              </a:rPr>
+              <a:t>cfdump</a:t>
+            </a:r>
+            <a:r>
+              <a:rPr lang="en-US" sz="1900" dirty="0" smtClean="0">
+                <a:latin typeface="Courier New"/>
+                <a:cs typeface="Courier New"/>
+              </a:rPr>
               <a:t> </a:t>
             </a:r>
             <a:r>
-              <a:rPr lang="en-US" b="1" dirty="0" err="1" smtClean="0"/>
-              <a:t>isPresenting</a:t>
-            </a:r>
-            <a:r>
-              <a:rPr lang="en-US" b="1" dirty="0" smtClean="0"/>
-              <a:t> = true&gt;</a:t>
-            </a:r>
-          </a:p>
-          <a:p>
-            <a:r>
-              <a:rPr lang="en-US" dirty="0" smtClean="0"/>
-              <a:t>Date: </a:t>
-            </a:r>
-            <a:r>
-              <a:rPr lang="en-US" b="1" dirty="0" smtClean="0"/>
-              <a:t>&lt;</a:t>
-            </a:r>
-            <a:r>
-              <a:rPr lang="en-US" b="1" dirty="0" err="1" smtClean="0"/>
-              <a:t>cfset</a:t>
-            </a:r>
-            <a:r>
-              <a:rPr lang="en-US" b="1" dirty="0" smtClean="0"/>
-              <a:t> </a:t>
-            </a:r>
-            <a:r>
-              <a:rPr lang="en-US" b="1" dirty="0" err="1" smtClean="0"/>
-              <a:t>datePresenting</a:t>
-            </a:r>
-            <a:r>
-              <a:rPr lang="en-US" b="1" dirty="0" smtClean="0"/>
-              <a:t> = Now()&gt;</a:t>
-            </a:r>
-          </a:p>
-          <a:p>
-            <a:r>
-              <a:rPr lang="en-US" b="1" dirty="0" smtClean="0"/>
-              <a:t>&lt;</a:t>
-            </a:r>
-            <a:r>
-              <a:rPr lang="en-US" b="1" dirty="0" err="1" smtClean="0"/>
-              <a:t>cfparam</a:t>
-            </a:r>
-            <a:r>
-              <a:rPr lang="en-US" b="1" dirty="0" smtClean="0"/>
-              <a:t> name=“name” default=“No Name”&gt;</a:t>
-            </a:r>
-          </a:p>
-          <a:p>
-            <a:r>
-              <a:rPr lang="en-US" b="1" dirty="0" smtClean="0"/>
-              <a:t>&lt;</a:t>
-            </a:r>
-            <a:r>
-              <a:rPr lang="en-US" b="1" dirty="0" err="1" smtClean="0"/>
-              <a:t>cfoutput</a:t>
-            </a:r>
-            <a:r>
-              <a:rPr lang="en-US" b="1" dirty="0" smtClean="0"/>
-              <a:t>&gt;#</a:t>
-            </a:r>
-            <a:r>
-              <a:rPr lang="en-US" b="1" dirty="0" err="1" smtClean="0"/>
-              <a:t>simpleVariable</a:t>
-            </a:r>
-            <a:r>
-              <a:rPr lang="en-US" b="1" dirty="0" smtClean="0"/>
-              <a:t>#&lt;/</a:t>
-            </a:r>
-            <a:r>
-              <a:rPr lang="en-US" b="1" dirty="0" err="1" smtClean="0"/>
-              <a:t>cfoutput</a:t>
-            </a:r>
-            <a:r>
-              <a:rPr lang="en-US" b="1" dirty="0" smtClean="0"/>
-              <a:t>&gt;</a:t>
-            </a:r>
+              <a:rPr lang="en-US" sz="1900" dirty="0" err="1" smtClean="0">
+                <a:latin typeface="Courier New"/>
+                <a:cs typeface="Courier New"/>
+              </a:rPr>
+              <a:t>var</a:t>
+            </a:r>
+            <a:r>
+              <a:rPr lang="en-US" sz="1900" dirty="0" smtClean="0">
+                <a:latin typeface="Courier New"/>
+                <a:cs typeface="Courier New"/>
+              </a:rPr>
+              <a:t>=“#message#”&gt;</a:t>
+            </a:r>
+            <a:endParaRPr lang="en-US" sz="1900" dirty="0">
+              <a:latin typeface="Courier New"/>
+              <a:cs typeface="Courier New"/>
+            </a:endParaRPr>
           </a:p>
         </p:txBody>
       </p:sp>
     </p:spTree>
     <p:extLst>
       <p:ext uri="{BB962C8B-B14F-4D97-AF65-F5344CB8AC3E}">
-        <p14:creationId xmlns:p14="http://schemas.microsoft.com/office/powerpoint/2010/main" val="1432780703"/>
+        <p14:creationId xmlns:p14="http://schemas.microsoft.com/office/powerpoint/2010/main" val="3765747897"/>
       </p:ext>
     </p:extLst>
   </p:cSld>
@@ -8135,7 +8227,7 @@
           <a:p>
             <a:r>
               <a:rPr lang="en-US" dirty="0" smtClean="0"/>
-              <a:t>Using Variables - Arrays</a:t>
+              <a:t>Using Variables</a:t>
             </a:r>
             <a:endParaRPr lang="en-US" dirty="0"/>
           </a:p>
@@ -8153,156 +8245,234 @@
         </p:nvSpPr>
         <p:spPr/>
         <p:txBody>
-          <a:bodyPr/>
-          <a:lstStyle/>
-          <a:p>
-            <a:r>
-              <a:rPr lang="en-US" dirty="0" smtClean="0"/>
-              <a:t>1</a:t>
+          <a:bodyPr>
+            <a:normAutofit/>
+          </a:bodyPr>
+          <a:lstStyle/>
+          <a:p>
+            <a:r>
+              <a:rPr lang="en-US" dirty="0" smtClean="0"/>
+              <a:t>String</a:t>
             </a:r>
             <a:r>
               <a:rPr lang="en-US" dirty="0"/>
-              <a:t>-based, not 0-</a:t>
-            </a:r>
-            <a:r>
-              <a:rPr lang="en-US" dirty="0" smtClean="0"/>
-              <a:t>based</a:t>
-            </a:r>
-          </a:p>
-          <a:p>
-            <a:r>
-              <a:rPr lang="en-US" dirty="0" smtClean="0"/>
-              <a:t>Not typed</a:t>
-            </a:r>
-            <a:endParaRPr lang="en-US" dirty="0"/>
-          </a:p>
-          <a:p>
-            <a:r>
-              <a:rPr lang="en-US" b="1" dirty="0"/>
+              <a:t>: </a:t>
+            </a:r>
+            <a:r>
+              <a:rPr lang="en-US" sz="2000" dirty="0">
+                <a:latin typeface="Courier New"/>
+                <a:cs typeface="Courier New"/>
+              </a:rPr>
               <a:t>&lt;</a:t>
             </a:r>
             <a:r>
-              <a:rPr lang="en-US" b="1" dirty="0" err="1"/>
+              <a:rPr lang="en-US" sz="2000" dirty="0" err="1">
+                <a:latin typeface="Courier New"/>
+                <a:cs typeface="Courier New"/>
+              </a:rPr>
               <a:t>cfset</a:t>
             </a:r>
             <a:r>
-              <a:rPr lang="en-US" b="1" dirty="0"/>
-              <a:t> links = </a:t>
-            </a:r>
-            <a:r>
-              <a:rPr lang="en-US" b="1" dirty="0" err="1"/>
-              <a:t>ArrayNew</a:t>
-            </a:r>
-            <a:r>
-              <a:rPr lang="en-US" b="1" dirty="0"/>
-              <a:t>(1)&gt;</a:t>
-            </a:r>
-            <a:br>
-              <a:rPr lang="en-US" b="1" dirty="0"/>
-            </a:br>
-            <a:r>
-              <a:rPr lang="en-US" b="1" dirty="0"/>
+              <a:rPr lang="en-US" sz="2000" dirty="0">
+                <a:latin typeface="Courier New"/>
+                <a:cs typeface="Courier New"/>
+              </a:rPr>
+              <a:t> name=“Miles”&gt;</a:t>
+            </a:r>
+            <a:endParaRPr lang="en-US" dirty="0">
+              <a:latin typeface="Courier New"/>
+              <a:cs typeface="Courier New"/>
+            </a:endParaRPr>
+          </a:p>
+          <a:p>
+            <a:r>
+              <a:rPr lang="en-US" dirty="0" smtClean="0"/>
+              <a:t>Number: </a:t>
+            </a:r>
+            <a:r>
+              <a:rPr lang="en-US" sz="2000" dirty="0" smtClean="0">
+                <a:latin typeface="Courier New"/>
+                <a:cs typeface="Courier New"/>
+              </a:rPr>
               <a:t>&lt;</a:t>
             </a:r>
             <a:r>
-              <a:rPr lang="en-US" b="1" dirty="0" err="1"/>
+              <a:rPr lang="en-US" sz="2000" dirty="0" err="1" smtClean="0">
+                <a:latin typeface="Courier New"/>
+                <a:cs typeface="Courier New"/>
+              </a:rPr>
               <a:t>cfset</a:t>
             </a:r>
             <a:r>
-              <a:rPr lang="en-US" b="1" dirty="0"/>
-              <a:t> links[1] = “http://</a:t>
-            </a:r>
-            <a:r>
-              <a:rPr lang="en-US" b="1" dirty="0" err="1"/>
-              <a:t>milesrausch.com</a:t>
-            </a:r>
-            <a:r>
-              <a:rPr lang="en-US" b="1" dirty="0"/>
-              <a:t>”&gt;</a:t>
-            </a:r>
-            <a:br>
-              <a:rPr lang="en-US" b="1" dirty="0"/>
-            </a:br>
-            <a:r>
-              <a:rPr lang="en-US" b="1" dirty="0"/>
+              <a:rPr lang="en-US" sz="2000" dirty="0" smtClean="0">
+                <a:latin typeface="Courier New"/>
+                <a:cs typeface="Courier New"/>
+              </a:rPr>
+              <a:t> age = 28&gt;</a:t>
+            </a:r>
+          </a:p>
+          <a:p>
+            <a:r>
+              <a:rPr lang="en-US" dirty="0" smtClean="0"/>
+              <a:t>Boolean: </a:t>
+            </a:r>
+            <a:r>
+              <a:rPr lang="en-US" sz="2000" dirty="0" smtClean="0">
+                <a:latin typeface="Courier New"/>
+                <a:cs typeface="Courier New"/>
+              </a:rPr>
               <a:t>&lt;</a:t>
             </a:r>
             <a:r>
-              <a:rPr lang="en-US" b="1" dirty="0" err="1"/>
+              <a:rPr lang="en-US" sz="2000" dirty="0" err="1" smtClean="0">
+                <a:latin typeface="Courier New"/>
+                <a:cs typeface="Courier New"/>
+              </a:rPr>
               <a:t>cfset</a:t>
             </a:r>
             <a:r>
-              <a:rPr lang="en-US" b="1" dirty="0"/>
-              <a:t> links[2] = “http://</a:t>
-            </a:r>
-            <a:r>
-              <a:rPr lang="en-US" b="1" dirty="0" err="1"/>
-              <a:t>awayken.com</a:t>
-            </a:r>
-            <a:r>
-              <a:rPr lang="en-US" b="1" dirty="0"/>
-              <a:t>”&gt;</a:t>
-            </a:r>
-          </a:p>
-          <a:p>
-            <a:r>
-              <a:rPr lang="en-US" b="1" dirty="0"/>
+              <a:rPr lang="en-US" sz="2000" dirty="0" smtClean="0">
+                <a:latin typeface="Courier New"/>
+                <a:cs typeface="Courier New"/>
+              </a:rPr>
+              <a:t> </a:t>
+            </a:r>
+            <a:r>
+              <a:rPr lang="en-US" sz="2000" dirty="0" err="1" smtClean="0">
+                <a:latin typeface="Courier New"/>
+                <a:cs typeface="Courier New"/>
+              </a:rPr>
+              <a:t>isPresenting</a:t>
+            </a:r>
+            <a:r>
+              <a:rPr lang="en-US" sz="2000" dirty="0" smtClean="0">
+                <a:latin typeface="Courier New"/>
+                <a:cs typeface="Courier New"/>
+              </a:rPr>
+              <a:t> = true&gt;</a:t>
+            </a:r>
+          </a:p>
+          <a:p>
+            <a:r>
+              <a:rPr lang="en-US" dirty="0" smtClean="0"/>
+              <a:t>Date: </a:t>
+            </a:r>
+            <a:r>
+              <a:rPr lang="en-US" sz="2000" dirty="0" smtClean="0">
+                <a:latin typeface="Courier New"/>
+                <a:cs typeface="Courier New"/>
+              </a:rPr>
               <a:t>&lt;</a:t>
             </a:r>
             <a:r>
-              <a:rPr lang="en-US" b="1" dirty="0" err="1"/>
+              <a:rPr lang="en-US" sz="2000" dirty="0" err="1" smtClean="0">
+                <a:latin typeface="Courier New"/>
+                <a:cs typeface="Courier New"/>
+              </a:rPr>
               <a:t>cfset</a:t>
             </a:r>
             <a:r>
-              <a:rPr lang="en-US" b="1" dirty="0"/>
-              <a:t> links = [ “http://</a:t>
-            </a:r>
-            <a:r>
-              <a:rPr lang="en-US" b="1" dirty="0" err="1"/>
-              <a:t>milesrausch.com</a:t>
-            </a:r>
-            <a:r>
-              <a:rPr lang="en-US" b="1" dirty="0"/>
-              <a:t>”, “http://</a:t>
-            </a:r>
-            <a:r>
-              <a:rPr lang="en-US" b="1" dirty="0" err="1"/>
-              <a:t>awaken.com</a:t>
-            </a:r>
-            <a:r>
-              <a:rPr lang="en-US" b="1" dirty="0"/>
-              <a:t>” ]&gt;</a:t>
-            </a:r>
-          </a:p>
-          <a:p>
-            <a:r>
-              <a:rPr lang="en-US" b="1" dirty="0"/>
+              <a:rPr lang="en-US" sz="2000" dirty="0" smtClean="0">
+                <a:latin typeface="Courier New"/>
+                <a:cs typeface="Courier New"/>
+              </a:rPr>
+              <a:t> </a:t>
+            </a:r>
+            <a:r>
+              <a:rPr lang="en-US" sz="2000" dirty="0" err="1" smtClean="0">
+                <a:latin typeface="Courier New"/>
+                <a:cs typeface="Courier New"/>
+              </a:rPr>
+              <a:t>datePresenting</a:t>
+            </a:r>
+            <a:r>
+              <a:rPr lang="en-US" sz="2000" dirty="0" smtClean="0">
+                <a:latin typeface="Courier New"/>
+                <a:cs typeface="Courier New"/>
+              </a:rPr>
+              <a:t> = Now()&gt;</a:t>
+            </a:r>
+          </a:p>
+          <a:p>
+            <a:r>
+              <a:rPr lang="en-US" sz="2000" dirty="0" smtClean="0">
+                <a:latin typeface="Courier New"/>
+                <a:cs typeface="Courier New"/>
+              </a:rPr>
               <a:t>&lt;</a:t>
             </a:r>
             <a:r>
-              <a:rPr lang="en-US" b="1" dirty="0" err="1"/>
+              <a:rPr lang="en-US" sz="2000" dirty="0" err="1" smtClean="0">
+                <a:latin typeface="Courier New"/>
+                <a:cs typeface="Courier New"/>
+              </a:rPr>
+              <a:t>cfparam</a:t>
+            </a:r>
+            <a:r>
+              <a:rPr lang="en-US" sz="2000" dirty="0" smtClean="0">
+                <a:latin typeface="Courier New"/>
+                <a:cs typeface="Courier New"/>
+              </a:rPr>
+              <a:t> name=“name” default=“No Name”&gt;</a:t>
+            </a:r>
+          </a:p>
+          <a:p>
+            <a:r>
+              <a:rPr lang="en-US" sz="2000" dirty="0" smtClean="0">
+                <a:latin typeface="Courier New"/>
+                <a:cs typeface="Courier New"/>
+              </a:rPr>
+              <a:t>&lt;</a:t>
+            </a:r>
+            <a:r>
+              <a:rPr lang="en-US" sz="2000" dirty="0" err="1" smtClean="0">
+                <a:latin typeface="Courier New"/>
+                <a:cs typeface="Courier New"/>
+              </a:rPr>
               <a:t>cfoutput</a:t>
             </a:r>
             <a:r>
-              <a:rPr lang="en-US" b="1" dirty="0"/>
-              <a:t>&gt;#links[1]#&lt;/</a:t>
-            </a:r>
-            <a:r>
-              <a:rPr lang="en-US" b="1" dirty="0" err="1"/>
+              <a:rPr lang="en-US" sz="2000" dirty="0" smtClean="0">
+                <a:latin typeface="Courier New"/>
+                <a:cs typeface="Courier New"/>
+              </a:rPr>
+              <a:t>&gt;#</a:t>
+            </a:r>
+            <a:r>
+              <a:rPr lang="en-US" sz="2000" dirty="0" err="1" smtClean="0">
+                <a:latin typeface="Courier New"/>
+                <a:cs typeface="Courier New"/>
+              </a:rPr>
+              <a:t>simpleVariable</a:t>
+            </a:r>
+            <a:r>
+              <a:rPr lang="en-US" sz="2000" dirty="0" smtClean="0">
+                <a:latin typeface="Courier New"/>
+                <a:cs typeface="Courier New"/>
+              </a:rPr>
+              <a:t>#&lt;/</a:t>
+            </a:r>
+            <a:r>
+              <a:rPr lang="en-US" sz="2000" dirty="0" err="1" smtClean="0">
+                <a:latin typeface="Courier New"/>
+                <a:cs typeface="Courier New"/>
+              </a:rPr>
               <a:t>cfoutput</a:t>
             </a:r>
             <a:r>
-              <a:rPr lang="en-US" b="1" dirty="0" smtClean="0"/>
+              <a:rPr lang="en-US" sz="2000" dirty="0" smtClean="0">
+                <a:latin typeface="Courier New"/>
+                <a:cs typeface="Courier New"/>
+              </a:rPr>
               <a:t>&gt;</a:t>
             </a:r>
-            <a:endParaRPr lang="en-US" b="1" dirty="0"/>
           </a:p>
         </p:txBody>
       </p:sp>
     </p:spTree>
     <p:extLst>
       <p:ext uri="{BB962C8B-B14F-4D97-AF65-F5344CB8AC3E}">
-        <p14:creationId xmlns:p14="http://schemas.microsoft.com/office/powerpoint/2010/main" val="696998618"/>
+        <p14:creationId xmlns:p14="http://schemas.microsoft.com/office/powerpoint/2010/main" val="1432780703"/>
       </p:ext>
     </p:extLst>
   </p:cSld>
@@ -8346,7 +8516,7 @@
           <a:p>
             <a:r>
               <a:rPr lang="en-US" dirty="0" smtClean="0"/>
-              <a:t>Using Variables - Structures</a:t>
+              <a:t>Using Variables - Arrays</a:t>
             </a:r>
             <a:endParaRPr lang="en-US" dirty="0"/>
           </a:p>
@@ -8365,284 +8535,247 @@
         <p:spPr/>
         <p:txBody>
           <a:bodyPr>
-            <a:normAutofit fontScale="92500" lnSpcReduction="20000"/>
+            <a:normAutofit/>
           </a:bodyPr>
           <a:lstStyle/>
           <a:p>
             <a:r>
               <a:rPr lang="en-US" dirty="0" smtClean="0"/>
-              <a:t>Key / value data (map, collection, etc.)</a:t>
-            </a:r>
-          </a:p>
-          <a:p>
-            <a:r>
-              <a:rPr lang="en-US" dirty="0" smtClean="0"/>
-              <a:t>Can reference with dot or bracket notation</a:t>
-            </a:r>
-          </a:p>
-          <a:p>
-            <a:r>
-              <a:rPr lang="en-US" b="1" dirty="0" smtClean="0"/>
+              <a:t>1</a:t>
+            </a:r>
+            <a:r>
+              <a:rPr lang="en-US" dirty="0"/>
+              <a:t>-based, not 0-</a:t>
+            </a:r>
+            <a:r>
+              <a:rPr lang="en-US" dirty="0" smtClean="0"/>
+              <a:t>based</a:t>
+            </a:r>
+          </a:p>
+          <a:p>
+            <a:r>
+              <a:rPr lang="en-US" dirty="0" smtClean="0"/>
+              <a:t>Not typed</a:t>
+            </a:r>
+            <a:endParaRPr lang="en-US" dirty="0"/>
+          </a:p>
+          <a:p>
+            <a:r>
+              <a:rPr lang="en-US" sz="2000" dirty="0">
+                <a:latin typeface="Courier New"/>
+                <a:cs typeface="Courier New"/>
+              </a:rPr>
               <a:t>&lt;</a:t>
             </a:r>
             <a:r>
-              <a:rPr lang="en-US" b="1" dirty="0" err="1"/>
+              <a:rPr lang="en-US" sz="2000" dirty="0" err="1">
+                <a:latin typeface="Courier New"/>
+                <a:cs typeface="Courier New"/>
+              </a:rPr>
               <a:t>cfset</a:t>
             </a:r>
             <a:r>
-              <a:rPr lang="en-US" b="1" dirty="0"/>
-              <a:t> </a:t>
-            </a:r>
-            <a:r>
-              <a:rPr lang="en-US" b="1" dirty="0" smtClean="0"/>
-              <a:t>meta = </a:t>
-            </a:r>
-            <a:r>
-              <a:rPr lang="en-US" b="1" dirty="0" err="1" smtClean="0"/>
-              <a:t>StructNew</a:t>
-            </a:r>
-            <a:r>
-              <a:rPr lang="en-US" b="1" dirty="0" smtClean="0"/>
-              <a:t>()</a:t>
-            </a:r>
-            <a:r>
-              <a:rPr lang="en-US" b="1" dirty="0"/>
+              <a:rPr lang="en-US" sz="2000" dirty="0">
+                <a:latin typeface="Courier New"/>
+                <a:cs typeface="Courier New"/>
+              </a:rPr>
+              <a:t> links = </a:t>
+            </a:r>
+            <a:r>
+              <a:rPr lang="en-US" sz="2000" dirty="0" err="1">
+                <a:latin typeface="Courier New"/>
+                <a:cs typeface="Courier New"/>
+              </a:rPr>
+              <a:t>ArrayNew</a:t>
+            </a:r>
+            <a:r>
+              <a:rPr lang="en-US" sz="2000" dirty="0">
+                <a:latin typeface="Courier New"/>
+                <a:cs typeface="Courier New"/>
+              </a:rPr>
+              <a:t>(1)&gt;</a:t>
+            </a:r>
+            <a:br>
+              <a:rPr lang="en-US" sz="2000" dirty="0">
+                <a:latin typeface="Courier New"/>
+                <a:cs typeface="Courier New"/>
+              </a:rPr>
+            </a:br>
+            <a:r>
+              <a:rPr lang="en-US" sz="2000" dirty="0">
+                <a:latin typeface="Courier New"/>
+                <a:cs typeface="Courier New"/>
+              </a:rPr>
+              <a:t>&lt;</a:t>
+            </a:r>
+            <a:r>
+              <a:rPr lang="en-US" sz="2000" dirty="0" err="1">
+                <a:latin typeface="Courier New"/>
+                <a:cs typeface="Courier New"/>
+              </a:rPr>
+              <a:t>cfset</a:t>
+            </a:r>
+            <a:r>
+              <a:rPr lang="en-US" sz="2000" dirty="0">
+                <a:latin typeface="Courier New"/>
+                <a:cs typeface="Courier New"/>
+              </a:rPr>
+              <a:t> links[1] = “http://</a:t>
+            </a:r>
+            <a:r>
+              <a:rPr lang="en-US" sz="2000" dirty="0" err="1">
+                <a:latin typeface="Courier New"/>
+                <a:cs typeface="Courier New"/>
+              </a:rPr>
+              <a:t>milesrausch.com</a:t>
+            </a:r>
+            <a:r>
+              <a:rPr lang="en-US" sz="2000" dirty="0">
+                <a:latin typeface="Courier New"/>
+                <a:cs typeface="Courier New"/>
+              </a:rPr>
+              <a:t>”&gt;</a:t>
+            </a:r>
+            <a:br>
+              <a:rPr lang="en-US" sz="2000" dirty="0">
+                <a:latin typeface="Courier New"/>
+                <a:cs typeface="Courier New"/>
+              </a:rPr>
+            </a:br>
+            <a:r>
+              <a:rPr lang="en-US" sz="2000" dirty="0">
+                <a:latin typeface="Courier New"/>
+                <a:cs typeface="Courier New"/>
+              </a:rPr>
+              <a:t>&lt;</a:t>
+            </a:r>
+            <a:r>
+              <a:rPr lang="en-US" sz="2000" dirty="0" err="1">
+                <a:latin typeface="Courier New"/>
+                <a:cs typeface="Courier New"/>
+              </a:rPr>
+              <a:t>cfset</a:t>
+            </a:r>
+            <a:r>
+              <a:rPr lang="en-US" sz="2000" dirty="0">
+                <a:latin typeface="Courier New"/>
+                <a:cs typeface="Courier New"/>
+              </a:rPr>
+              <a:t> links[2] = “http://</a:t>
+            </a:r>
+            <a:r>
+              <a:rPr lang="en-US" sz="2000" dirty="0" err="1">
+                <a:latin typeface="Courier New"/>
+                <a:cs typeface="Courier New"/>
+              </a:rPr>
+              <a:t>awayken.com</a:t>
+            </a:r>
+            <a:r>
+              <a:rPr lang="en-US" sz="2000" dirty="0">
+                <a:latin typeface="Courier New"/>
+                <a:cs typeface="Courier New"/>
+              </a:rPr>
+              <a:t>”&gt;</a:t>
+            </a:r>
+          </a:p>
+          <a:p>
+            <a:r>
+              <a:rPr lang="en-US" sz="2000" dirty="0">
+                <a:latin typeface="Courier New"/>
+                <a:cs typeface="Courier New"/>
+              </a:rPr>
+              <a:t>&lt;</a:t>
+            </a:r>
+            <a:r>
+              <a:rPr lang="en-US" sz="2000" dirty="0" err="1">
+                <a:latin typeface="Courier New"/>
+                <a:cs typeface="Courier New"/>
+              </a:rPr>
+              <a:t>cfset</a:t>
+            </a:r>
+            <a:r>
+              <a:rPr lang="en-US" sz="2000" dirty="0">
+                <a:latin typeface="Courier New"/>
+                <a:cs typeface="Courier New"/>
+              </a:rPr>
+              <a:t> links = [ “http://</a:t>
+            </a:r>
+            <a:r>
+              <a:rPr lang="en-US" sz="2000" dirty="0" err="1">
+                <a:latin typeface="Courier New"/>
+                <a:cs typeface="Courier New"/>
+              </a:rPr>
+              <a:t>milesrausch.com</a:t>
+            </a:r>
+            <a:r>
+              <a:rPr lang="en-US" sz="2000" dirty="0">
+                <a:latin typeface="Courier New"/>
+                <a:cs typeface="Courier New"/>
+              </a:rPr>
+              <a:t>”, “http://</a:t>
+            </a:r>
+            <a:r>
+              <a:rPr lang="en-US" sz="2000" dirty="0" err="1">
+                <a:latin typeface="Courier New"/>
+                <a:cs typeface="Courier New"/>
+              </a:rPr>
+              <a:t>awaken.com</a:t>
+            </a:r>
+            <a:r>
+              <a:rPr lang="en-US" sz="2000" dirty="0">
+                <a:latin typeface="Courier New"/>
+                <a:cs typeface="Courier New"/>
+              </a:rPr>
+              <a:t>” ]&gt;</a:t>
+            </a:r>
+          </a:p>
+          <a:p>
+            <a:r>
+              <a:rPr lang="en-US" sz="2000" dirty="0">
+                <a:latin typeface="Courier New"/>
+                <a:cs typeface="Courier New"/>
+              </a:rPr>
+              <a:t>&lt;</a:t>
+            </a:r>
+            <a:r>
+              <a:rPr lang="en-US" sz="2000" dirty="0" err="1">
+                <a:latin typeface="Courier New"/>
+                <a:cs typeface="Courier New"/>
+              </a:rPr>
+              <a:t>cfoutput</a:t>
+            </a:r>
+            <a:r>
+              <a:rPr lang="en-US" sz="2000" dirty="0">
+                <a:latin typeface="Courier New"/>
+                <a:cs typeface="Courier New"/>
+              </a:rPr>
+              <a:t>&gt;#links[1]#&lt;/</a:t>
+            </a:r>
+            <a:r>
+              <a:rPr lang="en-US" sz="2000" dirty="0" err="1">
+                <a:latin typeface="Courier New"/>
+                <a:cs typeface="Courier New"/>
+              </a:rPr>
+              <a:t>cfoutput</a:t>
+            </a:r>
+            <a:r>
+              <a:rPr lang="en-US" sz="2000" dirty="0" smtClean="0">
+                <a:latin typeface="Courier New"/>
+                <a:cs typeface="Courier New"/>
+              </a:rPr>
               <a:t>&gt;</a:t>
             </a:r>
-            <a:br>
-              <a:rPr lang="en-US" b="1" dirty="0"/>
-            </a:br>
-            <a:r>
-              <a:rPr lang="en-US" b="1" dirty="0"/>
-              <a:t>&lt;</a:t>
-            </a:r>
-            <a:r>
-              <a:rPr lang="en-US" b="1" dirty="0" err="1"/>
-              <a:t>cfset</a:t>
-            </a:r>
-            <a:r>
-              <a:rPr lang="en-US" b="1" dirty="0"/>
-              <a:t> </a:t>
-            </a:r>
-            <a:r>
-              <a:rPr lang="en-US" b="1" dirty="0" err="1" smtClean="0"/>
-              <a:t>meta.engine</a:t>
-            </a:r>
-            <a:r>
-              <a:rPr lang="en-US" b="1" dirty="0" smtClean="0"/>
-              <a:t> </a:t>
-            </a:r>
-            <a:r>
-              <a:rPr lang="en-US" b="1" dirty="0"/>
-              <a:t>= </a:t>
-            </a:r>
-            <a:r>
-              <a:rPr lang="en-US" b="1" dirty="0" smtClean="0"/>
-              <a:t>“</a:t>
-            </a:r>
-            <a:r>
-              <a:rPr lang="en-US" b="1" dirty="0" err="1" smtClean="0"/>
-              <a:t>OpenBD</a:t>
-            </a:r>
-            <a:r>
-              <a:rPr lang="en-US" b="1" dirty="0" smtClean="0"/>
-              <a:t>”</a:t>
-            </a:r>
-            <a:r>
-              <a:rPr lang="en-US" b="1" dirty="0"/>
-              <a:t>&gt;</a:t>
-            </a:r>
-            <a:br>
-              <a:rPr lang="en-US" b="1" dirty="0"/>
-            </a:br>
-            <a:r>
-              <a:rPr lang="en-US" b="1" dirty="0"/>
-              <a:t>&lt;</a:t>
-            </a:r>
-            <a:r>
-              <a:rPr lang="en-US" b="1" dirty="0" err="1"/>
-              <a:t>cfset</a:t>
-            </a:r>
-            <a:r>
-              <a:rPr lang="en-US" b="1" dirty="0"/>
-              <a:t> </a:t>
-            </a:r>
-            <a:r>
-              <a:rPr lang="en-US" b="1" dirty="0" smtClean="0"/>
-              <a:t>meta[“version”] </a:t>
-            </a:r>
-            <a:r>
-              <a:rPr lang="en-US" b="1" dirty="0"/>
-              <a:t>= </a:t>
-            </a:r>
-            <a:r>
-              <a:rPr lang="en-US" b="1" dirty="0" smtClean="0"/>
-              <a:t>“1.5”</a:t>
-            </a:r>
-            <a:r>
-              <a:rPr lang="en-US" b="1" dirty="0"/>
-              <a:t>&gt;</a:t>
-            </a:r>
-          </a:p>
-          <a:p>
-            <a:r>
-              <a:rPr lang="en-US" b="1" dirty="0"/>
-              <a:t>&lt;</a:t>
-            </a:r>
-            <a:r>
-              <a:rPr lang="en-US" b="1" dirty="0" err="1"/>
-              <a:t>cfset</a:t>
-            </a:r>
-            <a:r>
-              <a:rPr lang="en-US" b="1" dirty="0"/>
-              <a:t> </a:t>
-            </a:r>
-            <a:r>
-              <a:rPr lang="en-US" b="1" dirty="0" smtClean="0"/>
-              <a:t>meta = { engine = “</a:t>
-            </a:r>
-            <a:r>
-              <a:rPr lang="en-US" b="1" dirty="0" err="1" smtClean="0"/>
-              <a:t>OpenBD</a:t>
-            </a:r>
-            <a:r>
-              <a:rPr lang="en-US" b="1" dirty="0" smtClean="0"/>
-              <a:t>”, version = “1.5” }&gt;</a:t>
-            </a:r>
-            <a:endParaRPr lang="en-US" b="1" dirty="0"/>
-          </a:p>
-          <a:p>
-            <a:r>
-              <a:rPr lang="en-US" b="1" dirty="0"/>
-              <a:t>&lt;</a:t>
-            </a:r>
-            <a:r>
-              <a:rPr lang="en-US" b="1" dirty="0" err="1"/>
-              <a:t>cfoutput</a:t>
-            </a:r>
-            <a:r>
-              <a:rPr lang="en-US" b="1" dirty="0"/>
-              <a:t>&gt;</a:t>
-            </a:r>
-            <a:r>
-              <a:rPr lang="en-US" b="1" dirty="0" smtClean="0"/>
-              <a:t>#</a:t>
-            </a:r>
-            <a:r>
-              <a:rPr lang="en-US" b="1" dirty="0" err="1" smtClean="0"/>
-              <a:t>meta.engine</a:t>
-            </a:r>
-            <a:r>
-              <a:rPr lang="en-US" b="1" dirty="0" smtClean="0"/>
-              <a:t>#</a:t>
-            </a:r>
-            <a:r>
-              <a:rPr lang="en-US" b="1" dirty="0"/>
-              <a:t>&lt;/</a:t>
-            </a:r>
-            <a:r>
-              <a:rPr lang="en-US" b="1" dirty="0" err="1"/>
-              <a:t>cfoutput</a:t>
-            </a:r>
-            <a:r>
-              <a:rPr lang="en-US" b="1" dirty="0" smtClean="0"/>
-              <a:t>&gt;</a:t>
-            </a:r>
-            <a:br>
-              <a:rPr lang="en-US" b="1" dirty="0" smtClean="0"/>
-            </a:br>
-            <a:r>
-              <a:rPr lang="en-US" b="1" dirty="0" smtClean="0"/>
-              <a:t>&lt;</a:t>
-            </a:r>
-            <a:r>
-              <a:rPr lang="en-US" b="1" dirty="0" err="1" smtClean="0"/>
-              <a:t>cfoutput</a:t>
-            </a:r>
-            <a:r>
-              <a:rPr lang="en-US" b="1" dirty="0" smtClean="0"/>
-              <a:t>&gt;#meta[“version”]#&lt;/</a:t>
-            </a:r>
-            <a:r>
-              <a:rPr lang="en-US" b="1" dirty="0" err="1" smtClean="0"/>
-              <a:t>cfoutput</a:t>
-            </a:r>
-            <a:r>
-              <a:rPr lang="en-US" b="1" dirty="0" smtClean="0"/>
-              <a:t>&gt;</a:t>
-            </a:r>
-          </a:p>
-          <a:p>
-            <a:r>
-              <a:rPr lang="en-US" dirty="0"/>
-              <a:t>Check for existence before </a:t>
-            </a:r>
-            <a:r>
-              <a:rPr lang="en-US" dirty="0" smtClean="0"/>
-              <a:t>using:</a:t>
-            </a:r>
-            <a:br>
-              <a:rPr lang="en-US" dirty="0" smtClean="0"/>
-            </a:br>
-            <a:r>
-              <a:rPr lang="en-US" b="1" dirty="0" smtClean="0"/>
-              <a:t>&lt;</a:t>
-            </a:r>
-            <a:r>
-              <a:rPr lang="en-US" b="1" dirty="0" err="1" smtClean="0"/>
-              <a:t>cfif</a:t>
-            </a:r>
-            <a:r>
-              <a:rPr lang="en-US" b="1" dirty="0" smtClean="0"/>
-              <a:t> </a:t>
-            </a:r>
-            <a:r>
-              <a:rPr lang="en-US" b="1" dirty="0" err="1" smtClean="0"/>
-              <a:t>isDefined</a:t>
-            </a:r>
-            <a:r>
-              <a:rPr lang="en-US" b="1" dirty="0" smtClean="0"/>
-              <a:t>(“</a:t>
-            </a:r>
-            <a:r>
-              <a:rPr lang="en-US" b="1" dirty="0" err="1" smtClean="0"/>
-              <a:t>meta.engine</a:t>
-            </a:r>
-            <a:r>
-              <a:rPr lang="en-US" b="1" dirty="0" smtClean="0"/>
-              <a:t>”)&gt;</a:t>
-            </a:r>
-            <a:br>
-              <a:rPr lang="en-US" b="1" dirty="0" smtClean="0"/>
-            </a:br>
-            <a:r>
-              <a:rPr lang="en-US" b="1" dirty="0" smtClean="0"/>
-              <a:t>&lt;</a:t>
-            </a:r>
-            <a:r>
-              <a:rPr lang="en-US" b="1" dirty="0" err="1" smtClean="0"/>
-              <a:t>cfif</a:t>
-            </a:r>
-            <a:r>
-              <a:rPr lang="en-US" b="1" dirty="0" smtClean="0"/>
-              <a:t> </a:t>
-            </a:r>
-            <a:r>
-              <a:rPr lang="en-US" b="1" dirty="0" err="1" smtClean="0"/>
-              <a:t>StructKeyExists</a:t>
-            </a:r>
-            <a:r>
-              <a:rPr lang="en-US" b="1" dirty="0" smtClean="0"/>
-              <a:t>(meta, “engine”)&gt;</a:t>
-            </a:r>
-            <a:endParaRPr lang="en-US" b="1" dirty="0"/>
+            <a:endParaRPr lang="en-US" sz="2000" dirty="0">
+              <a:latin typeface="Courier New"/>
+              <a:cs typeface="Courier New"/>
+            </a:endParaRPr>
           </a:p>
         </p:txBody>
       </p:sp>
     </p:spTree>
     <p:extLst>
       <p:ext uri="{BB962C8B-B14F-4D97-AF65-F5344CB8AC3E}">
-        <p14:creationId xmlns:p14="http://schemas.microsoft.com/office/powerpoint/2010/main" val="2389885091"/>
+        <p14:creationId xmlns:p14="http://schemas.microsoft.com/office/powerpoint/2010/main" val="696998618"/>
       </p:ext>
     </p:extLst>
   </p:cSld>
@@ -8770,7 +8903,7 @@
           <a:p>
             <a:r>
               <a:rPr lang="en-US" dirty="0" smtClean="0"/>
-              <a:t>Operators</a:t>
+              <a:t>Using Variables - Structures</a:t>
             </a:r>
             <a:endParaRPr lang="en-US" dirty="0"/>
           </a:p>
@@ -8789,86 +8922,479 @@
         <p:spPr/>
         <p:txBody>
           <a:bodyPr>
-            <a:normAutofit fontScale="77500" lnSpcReduction="20000"/>
+            <a:normAutofit fontScale="92500" lnSpcReduction="20000"/>
           </a:bodyPr>
           <a:lstStyle/>
           <a:p>
             <a:r>
               <a:rPr lang="en-US" dirty="0" smtClean="0"/>
-              <a:t>Assignment</a:t>
-            </a:r>
-          </a:p>
-          <a:p>
-            <a:pPr lvl="1"/>
-            <a:r>
-              <a:rPr lang="en-US" dirty="0" smtClean="0"/>
-              <a:t>=, +=, -=, &amp;=, /=, *=, %=</a:t>
-            </a:r>
-          </a:p>
-          <a:p>
-            <a:r>
-              <a:rPr lang="en-US" dirty="0" smtClean="0"/>
-              <a:t>Unary</a:t>
-            </a:r>
-          </a:p>
-          <a:p>
-            <a:pPr lvl="1"/>
-            <a:r>
-              <a:rPr lang="en-US" dirty="0" smtClean="0"/>
-              <a:t>++, --, +, -, /, *</a:t>
-            </a:r>
-          </a:p>
-          <a:p>
-            <a:r>
-              <a:rPr lang="en-US" dirty="0" smtClean="0"/>
-              <a:t>Binary</a:t>
-            </a:r>
-          </a:p>
-          <a:p>
-            <a:pPr lvl="1"/>
-            <a:r>
-              <a:rPr lang="en-US" dirty="0" smtClean="0"/>
-              <a:t>% or MOD</a:t>
-            </a:r>
-          </a:p>
-          <a:p>
-            <a:r>
-              <a:rPr lang="en-US" dirty="0" smtClean="0"/>
-              <a:t>Logical</a:t>
-            </a:r>
-          </a:p>
-          <a:p>
-            <a:pPr lvl="1"/>
-            <a:r>
-              <a:rPr lang="en-US" dirty="0" smtClean="0"/>
-              <a:t>! or NOT, OR, AND, XOR</a:t>
-            </a:r>
-          </a:p>
-          <a:p>
-            <a:r>
-              <a:rPr lang="en-US" dirty="0" smtClean="0"/>
-              <a:t>Comparators</a:t>
-            </a:r>
-          </a:p>
-          <a:p>
-            <a:pPr lvl="1"/>
-            <a:r>
-              <a:rPr lang="en-US" dirty="0" smtClean="0"/>
-              <a:t>EQ, NEQ, LT, LTE, GT, GTE, IS, IS NOT, CONTAINS</a:t>
-            </a:r>
-          </a:p>
-          <a:p>
-            <a:r>
-              <a:rPr lang="en-US" dirty="0" smtClean="0"/>
-              <a:t>This is not a complete list.</a:t>
-            </a:r>
+              <a:t>Key / value data (map, collection, etc.)</a:t>
+            </a:r>
+          </a:p>
+          <a:p>
+            <a:r>
+              <a:rPr lang="en-US" dirty="0" smtClean="0"/>
+              <a:t>Can reference with dot or bracket notation</a:t>
+            </a:r>
+          </a:p>
+          <a:p>
+            <a:r>
+              <a:rPr lang="en-US" sz="2100" dirty="0" smtClean="0">
+                <a:latin typeface="Courier New"/>
+                <a:cs typeface="Courier New"/>
+              </a:rPr>
+              <a:t>&lt;</a:t>
+            </a:r>
+            <a:r>
+              <a:rPr lang="en-US" sz="2100" dirty="0" err="1">
+                <a:latin typeface="Courier New"/>
+                <a:cs typeface="Courier New"/>
+              </a:rPr>
+              <a:t>cfset</a:t>
+            </a:r>
+            <a:r>
+              <a:rPr lang="en-US" sz="2100" dirty="0">
+                <a:latin typeface="Courier New"/>
+                <a:cs typeface="Courier New"/>
+              </a:rPr>
+              <a:t> </a:t>
+            </a:r>
+            <a:r>
+              <a:rPr lang="en-US" sz="2100" dirty="0" smtClean="0">
+                <a:latin typeface="Courier New"/>
+                <a:cs typeface="Courier New"/>
+              </a:rPr>
+              <a:t>meta = </a:t>
+            </a:r>
+            <a:r>
+              <a:rPr lang="en-US" sz="2100" dirty="0" err="1" smtClean="0">
+                <a:latin typeface="Courier New"/>
+                <a:cs typeface="Courier New"/>
+              </a:rPr>
+              <a:t>StructNew</a:t>
+            </a:r>
+            <a:r>
+              <a:rPr lang="en-US" sz="2100" dirty="0" smtClean="0">
+                <a:latin typeface="Courier New"/>
+                <a:cs typeface="Courier New"/>
+              </a:rPr>
+              <a:t>()</a:t>
+            </a:r>
+            <a:r>
+              <a:rPr lang="en-US" sz="2100" dirty="0">
+                <a:latin typeface="Courier New"/>
+                <a:cs typeface="Courier New"/>
+              </a:rPr>
+              <a:t>&gt;</a:t>
+            </a:r>
+            <a:br>
+              <a:rPr lang="en-US" sz="2100" dirty="0">
+                <a:latin typeface="Courier New"/>
+                <a:cs typeface="Courier New"/>
+              </a:rPr>
+            </a:br>
+            <a:r>
+              <a:rPr lang="en-US" sz="2100" dirty="0">
+                <a:latin typeface="Courier New"/>
+                <a:cs typeface="Courier New"/>
+              </a:rPr>
+              <a:t>&lt;</a:t>
+            </a:r>
+            <a:r>
+              <a:rPr lang="en-US" sz="2100" dirty="0" err="1">
+                <a:latin typeface="Courier New"/>
+                <a:cs typeface="Courier New"/>
+              </a:rPr>
+              <a:t>cfset</a:t>
+            </a:r>
+            <a:r>
+              <a:rPr lang="en-US" sz="2100" dirty="0">
+                <a:latin typeface="Courier New"/>
+                <a:cs typeface="Courier New"/>
+              </a:rPr>
+              <a:t> </a:t>
+            </a:r>
+            <a:r>
+              <a:rPr lang="en-US" sz="2100" dirty="0" err="1" smtClean="0">
+                <a:latin typeface="Courier New"/>
+                <a:cs typeface="Courier New"/>
+              </a:rPr>
+              <a:t>meta.engine</a:t>
+            </a:r>
+            <a:r>
+              <a:rPr lang="en-US" sz="2100" dirty="0" smtClean="0">
+                <a:latin typeface="Courier New"/>
+                <a:cs typeface="Courier New"/>
+              </a:rPr>
+              <a:t> </a:t>
+            </a:r>
+            <a:r>
+              <a:rPr lang="en-US" sz="2100" dirty="0">
+                <a:latin typeface="Courier New"/>
+                <a:cs typeface="Courier New"/>
+              </a:rPr>
+              <a:t>= </a:t>
+            </a:r>
+            <a:r>
+              <a:rPr lang="en-US" sz="2100" dirty="0" smtClean="0">
+                <a:latin typeface="Courier New"/>
+                <a:cs typeface="Courier New"/>
+              </a:rPr>
+              <a:t>“</a:t>
+            </a:r>
+            <a:r>
+              <a:rPr lang="en-US" sz="2100" dirty="0" err="1" smtClean="0">
+                <a:latin typeface="Courier New"/>
+                <a:cs typeface="Courier New"/>
+              </a:rPr>
+              <a:t>OpenBD</a:t>
+            </a:r>
+            <a:r>
+              <a:rPr lang="en-US" sz="2100" dirty="0" smtClean="0">
+                <a:latin typeface="Courier New"/>
+                <a:cs typeface="Courier New"/>
+              </a:rPr>
+              <a:t>”</a:t>
+            </a:r>
+            <a:r>
+              <a:rPr lang="en-US" sz="2100" dirty="0">
+                <a:latin typeface="Courier New"/>
+                <a:cs typeface="Courier New"/>
+              </a:rPr>
+              <a:t>&gt;</a:t>
+            </a:r>
+            <a:br>
+              <a:rPr lang="en-US" sz="2100" dirty="0">
+                <a:latin typeface="Courier New"/>
+                <a:cs typeface="Courier New"/>
+              </a:rPr>
+            </a:br>
+            <a:r>
+              <a:rPr lang="en-US" sz="2100" dirty="0">
+                <a:latin typeface="Courier New"/>
+                <a:cs typeface="Courier New"/>
+              </a:rPr>
+              <a:t>&lt;</a:t>
+            </a:r>
+            <a:r>
+              <a:rPr lang="en-US" sz="2100" dirty="0" err="1">
+                <a:latin typeface="Courier New"/>
+                <a:cs typeface="Courier New"/>
+              </a:rPr>
+              <a:t>cfset</a:t>
+            </a:r>
+            <a:r>
+              <a:rPr lang="en-US" sz="2100" dirty="0">
+                <a:latin typeface="Courier New"/>
+                <a:cs typeface="Courier New"/>
+              </a:rPr>
+              <a:t> </a:t>
+            </a:r>
+            <a:r>
+              <a:rPr lang="en-US" sz="2100" dirty="0" smtClean="0">
+                <a:latin typeface="Courier New"/>
+                <a:cs typeface="Courier New"/>
+              </a:rPr>
+              <a:t>meta[“version”] </a:t>
+            </a:r>
+            <a:r>
+              <a:rPr lang="en-US" sz="2100" dirty="0">
+                <a:latin typeface="Courier New"/>
+                <a:cs typeface="Courier New"/>
+              </a:rPr>
+              <a:t>= </a:t>
+            </a:r>
+            <a:r>
+              <a:rPr lang="en-US" sz="2100" dirty="0" smtClean="0">
+                <a:latin typeface="Courier New"/>
+                <a:cs typeface="Courier New"/>
+              </a:rPr>
+              <a:t>“1.5”</a:t>
+            </a:r>
+            <a:r>
+              <a:rPr lang="en-US" sz="2100" dirty="0">
+                <a:latin typeface="Courier New"/>
+                <a:cs typeface="Courier New"/>
+              </a:rPr>
+              <a:t>&gt;</a:t>
+            </a:r>
+          </a:p>
+          <a:p>
+            <a:r>
+              <a:rPr lang="en-US" sz="2100" dirty="0">
+                <a:latin typeface="Courier New"/>
+                <a:cs typeface="Courier New"/>
+              </a:rPr>
+              <a:t>&lt;</a:t>
+            </a:r>
+            <a:r>
+              <a:rPr lang="en-US" sz="2100" dirty="0" err="1">
+                <a:latin typeface="Courier New"/>
+                <a:cs typeface="Courier New"/>
+              </a:rPr>
+              <a:t>cfset</a:t>
+            </a:r>
+            <a:r>
+              <a:rPr lang="en-US" sz="2100" dirty="0">
+                <a:latin typeface="Courier New"/>
+                <a:cs typeface="Courier New"/>
+              </a:rPr>
+              <a:t> </a:t>
+            </a:r>
+            <a:r>
+              <a:rPr lang="en-US" sz="2100" dirty="0" smtClean="0">
+                <a:latin typeface="Courier New"/>
+                <a:cs typeface="Courier New"/>
+              </a:rPr>
+              <a:t>meta = { engine = “</a:t>
+            </a:r>
+            <a:r>
+              <a:rPr lang="en-US" sz="2100" dirty="0" err="1" smtClean="0">
+                <a:latin typeface="Courier New"/>
+                <a:cs typeface="Courier New"/>
+              </a:rPr>
+              <a:t>OpenBD</a:t>
+            </a:r>
+            <a:r>
+              <a:rPr lang="en-US" sz="2100" dirty="0" smtClean="0">
+                <a:latin typeface="Courier New"/>
+                <a:cs typeface="Courier New"/>
+              </a:rPr>
+              <a:t>”, version = “1.5” }&gt;</a:t>
+            </a:r>
+            <a:endParaRPr lang="en-US" sz="2100" dirty="0">
+              <a:latin typeface="Courier New"/>
+              <a:cs typeface="Courier New"/>
+            </a:endParaRPr>
+          </a:p>
+          <a:p>
+            <a:r>
+              <a:rPr lang="en-US" sz="2100" dirty="0">
+                <a:latin typeface="Courier New"/>
+                <a:cs typeface="Courier New"/>
+              </a:rPr>
+              <a:t>&lt;</a:t>
+            </a:r>
+            <a:r>
+              <a:rPr lang="en-US" sz="2100" dirty="0" err="1">
+                <a:latin typeface="Courier New"/>
+                <a:cs typeface="Courier New"/>
+              </a:rPr>
+              <a:t>cfoutput</a:t>
+            </a:r>
+            <a:r>
+              <a:rPr lang="en-US" sz="2100" dirty="0">
+                <a:latin typeface="Courier New"/>
+                <a:cs typeface="Courier New"/>
+              </a:rPr>
+              <a:t>&gt;</a:t>
+            </a:r>
+            <a:r>
+              <a:rPr lang="en-US" sz="2100" dirty="0" smtClean="0">
+                <a:latin typeface="Courier New"/>
+                <a:cs typeface="Courier New"/>
+              </a:rPr>
+              <a:t>#</a:t>
+            </a:r>
+            <a:r>
+              <a:rPr lang="en-US" sz="2100" dirty="0" err="1" smtClean="0">
+                <a:latin typeface="Courier New"/>
+                <a:cs typeface="Courier New"/>
+              </a:rPr>
+              <a:t>meta.engine</a:t>
+            </a:r>
+            <a:r>
+              <a:rPr lang="en-US" sz="2100" dirty="0" smtClean="0">
+                <a:latin typeface="Courier New"/>
+                <a:cs typeface="Courier New"/>
+              </a:rPr>
+              <a:t>#</a:t>
+            </a:r>
+            <a:r>
+              <a:rPr lang="en-US" sz="2100" dirty="0">
+                <a:latin typeface="Courier New"/>
+                <a:cs typeface="Courier New"/>
+              </a:rPr>
+              <a:t>&lt;/</a:t>
+            </a:r>
+            <a:r>
+              <a:rPr lang="en-US" sz="2100" dirty="0" err="1">
+                <a:latin typeface="Courier New"/>
+                <a:cs typeface="Courier New"/>
+              </a:rPr>
+              <a:t>cfoutput</a:t>
+            </a:r>
+            <a:r>
+              <a:rPr lang="en-US" sz="2100" dirty="0" smtClean="0">
+                <a:latin typeface="Courier New"/>
+                <a:cs typeface="Courier New"/>
+              </a:rPr>
+              <a:t>&gt;</a:t>
+            </a:r>
+            <a:br>
+              <a:rPr lang="en-US" sz="2100" dirty="0" smtClean="0">
+                <a:latin typeface="Courier New"/>
+                <a:cs typeface="Courier New"/>
+              </a:rPr>
+            </a:br>
+            <a:r>
+              <a:rPr lang="en-US" sz="2100" dirty="0" smtClean="0">
+                <a:latin typeface="Courier New"/>
+                <a:cs typeface="Courier New"/>
+              </a:rPr>
+              <a:t>&lt;</a:t>
+            </a:r>
+            <a:r>
+              <a:rPr lang="en-US" sz="2100" dirty="0" err="1" smtClean="0">
+                <a:latin typeface="Courier New"/>
+                <a:cs typeface="Courier New"/>
+              </a:rPr>
+              <a:t>cfoutput</a:t>
+            </a:r>
+            <a:r>
+              <a:rPr lang="en-US" sz="2100" dirty="0" smtClean="0">
+                <a:latin typeface="Courier New"/>
+                <a:cs typeface="Courier New"/>
+              </a:rPr>
+              <a:t>&gt;#meta[“version”]#&lt;/</a:t>
+            </a:r>
+            <a:r>
+              <a:rPr lang="en-US" sz="2100" dirty="0" err="1" smtClean="0">
+                <a:latin typeface="Courier New"/>
+                <a:cs typeface="Courier New"/>
+              </a:rPr>
+              <a:t>cfoutput</a:t>
+            </a:r>
+            <a:r>
+              <a:rPr lang="en-US" sz="2100" dirty="0" smtClean="0">
+                <a:latin typeface="Courier New"/>
+                <a:cs typeface="Courier New"/>
+              </a:rPr>
+              <a:t>&gt;</a:t>
+            </a:r>
+          </a:p>
+          <a:p>
+            <a:r>
+              <a:rPr lang="en-US" sz="2100" dirty="0">
+                <a:latin typeface="Courier New"/>
+                <a:cs typeface="Courier New"/>
+              </a:rPr>
+              <a:t>Check for existence before </a:t>
+            </a:r>
+            <a:r>
+              <a:rPr lang="en-US" sz="2100" dirty="0" smtClean="0">
+                <a:latin typeface="Courier New"/>
+                <a:cs typeface="Courier New"/>
+              </a:rPr>
+              <a:t>using:</a:t>
+            </a:r>
+            <a:br>
+              <a:rPr lang="en-US" sz="2100" dirty="0" smtClean="0">
+                <a:latin typeface="Courier New"/>
+                <a:cs typeface="Courier New"/>
+              </a:rPr>
+            </a:br>
+            <a:r>
+              <a:rPr lang="en-US" sz="2100" dirty="0" smtClean="0">
+                <a:latin typeface="Courier New"/>
+                <a:cs typeface="Courier New"/>
+              </a:rPr>
+              <a:t>&lt;</a:t>
+            </a:r>
+            <a:r>
+              <a:rPr lang="en-US" sz="2100" dirty="0" err="1" smtClean="0">
+                <a:latin typeface="Courier New"/>
+                <a:cs typeface="Courier New"/>
+              </a:rPr>
+              <a:t>cfif</a:t>
+            </a:r>
+            <a:r>
+              <a:rPr lang="en-US" sz="2100" dirty="0" smtClean="0">
+                <a:latin typeface="Courier New"/>
+                <a:cs typeface="Courier New"/>
+              </a:rPr>
+              <a:t> </a:t>
+            </a:r>
+            <a:r>
+              <a:rPr lang="en-US" sz="2100" dirty="0" err="1" smtClean="0">
+                <a:latin typeface="Courier New"/>
+                <a:cs typeface="Courier New"/>
+              </a:rPr>
+              <a:t>isDefined</a:t>
+            </a:r>
+            <a:r>
+              <a:rPr lang="en-US" sz="2100" dirty="0" smtClean="0">
+                <a:latin typeface="Courier New"/>
+                <a:cs typeface="Courier New"/>
+              </a:rPr>
+              <a:t>(“</a:t>
+            </a:r>
+            <a:r>
+              <a:rPr lang="en-US" sz="2100" dirty="0" err="1" smtClean="0">
+                <a:latin typeface="Courier New"/>
+                <a:cs typeface="Courier New"/>
+              </a:rPr>
+              <a:t>meta.engine</a:t>
+            </a:r>
+            <a:r>
+              <a:rPr lang="en-US" sz="2100" dirty="0" smtClean="0">
+                <a:latin typeface="Courier New"/>
+                <a:cs typeface="Courier New"/>
+              </a:rPr>
+              <a:t>”)&gt;</a:t>
+            </a:r>
+            <a:br>
+              <a:rPr lang="en-US" sz="2100" dirty="0" smtClean="0">
+                <a:latin typeface="Courier New"/>
+                <a:cs typeface="Courier New"/>
+              </a:rPr>
+            </a:br>
+            <a:r>
+              <a:rPr lang="en-US" sz="2100" dirty="0" smtClean="0">
+                <a:latin typeface="Courier New"/>
+                <a:cs typeface="Courier New"/>
+              </a:rPr>
+              <a:t>&lt;</a:t>
+            </a:r>
+            <a:r>
+              <a:rPr lang="en-US" sz="2100" dirty="0" err="1" smtClean="0">
+                <a:latin typeface="Courier New"/>
+                <a:cs typeface="Courier New"/>
+              </a:rPr>
+              <a:t>cfif</a:t>
+            </a:r>
+            <a:r>
+              <a:rPr lang="en-US" sz="2100" dirty="0" smtClean="0">
+                <a:latin typeface="Courier New"/>
+                <a:cs typeface="Courier New"/>
+              </a:rPr>
+              <a:t> </a:t>
+            </a:r>
+            <a:r>
+              <a:rPr lang="en-US" sz="2100" dirty="0" err="1" smtClean="0">
+                <a:latin typeface="Courier New"/>
+                <a:cs typeface="Courier New"/>
+              </a:rPr>
+              <a:t>StructKeyExists</a:t>
+            </a:r>
+            <a:r>
+              <a:rPr lang="en-US" sz="2100" dirty="0" smtClean="0">
+                <a:latin typeface="Courier New"/>
+                <a:cs typeface="Courier New"/>
+              </a:rPr>
+              <a:t>(meta, “engine”)&gt;</a:t>
+            </a:r>
+            <a:endParaRPr lang="en-US" sz="2100" dirty="0">
+              <a:latin typeface="Courier New"/>
+              <a:cs typeface="Courier New"/>
+            </a:endParaRPr>
           </a:p>
         </p:txBody>
       </p:sp>
     </p:spTree>
     <p:extLst>
       <p:ext uri="{BB962C8B-B14F-4D97-AF65-F5344CB8AC3E}">
-        <p14:creationId xmlns:p14="http://schemas.microsoft.com/office/powerpoint/2010/main" val="2233413174"/>
+        <p14:creationId xmlns:p14="http://schemas.microsoft.com/office/powerpoint/2010/main" val="2389885091"/>
       </p:ext>
     </p:extLst>
   </p:cSld>
@@ -8902,17 +9428,17 @@
             <a:spLocks noGrp="1"/>
           </p:cNvSpPr>
           <p:nvPr>
-            <p:ph type="ctrTitle"/>
-          </p:nvPr>
-        </p:nvSpPr>
-        <p:spPr/>
-        <p:txBody>
-          <a:bodyPr/>
-          <a:lstStyle/>
-          <a:p>
-            <a:r>
-              <a:rPr lang="en-US" dirty="0" smtClean="0"/>
-              <a:t>Demo 02</a:t>
+            <p:ph type="title"/>
+          </p:nvPr>
+        </p:nvSpPr>
+        <p:spPr/>
+        <p:txBody>
+          <a:bodyPr/>
+          <a:lstStyle/>
+          <a:p>
+            <a:r>
+              <a:rPr lang="en-US" dirty="0" smtClean="0"/>
+              <a:t>Operators</a:t>
             </a:r>
             <a:endParaRPr lang="en-US" dirty="0"/>
           </a:p>
@@ -8920,39 +9446,97 @@
       </p:sp>
       <p:sp>
         <p:nvSpPr>
-          <p:cNvPr id="4" name="Subtitle 3"/>
-          <p:cNvSpPr>
-            <a:spLocks noGrp="1"/>
-          </p:cNvSpPr>
-          <p:nvPr>
-            <p:ph type="subTitle" idx="1"/>
-          </p:nvPr>
-        </p:nvSpPr>
-        <p:spPr/>
-        <p:txBody>
-          <a:bodyPr/>
-          <a:lstStyle/>
-          <a:p>
-            <a:endParaRPr lang="en-US"/>
-          </a:p>
-        </p:txBody>
-      </p:sp>
-      <p:sp>
-        <p:nvSpPr>
-          <p:cNvPr id="5" name="Picture Placeholder 4"/>
-          <p:cNvSpPr>
-            <a:spLocks noGrp="1"/>
-          </p:cNvSpPr>
-          <p:nvPr>
-            <p:ph type="pic" idx="13"/>
-          </p:nvPr>
-        </p:nvSpPr>
-        <p:spPr/>
+          <p:cNvPr id="3" name="Content Placeholder 2"/>
+          <p:cNvSpPr>
+            <a:spLocks noGrp="1"/>
+          </p:cNvSpPr>
+          <p:nvPr>
+            <p:ph idx="1"/>
+          </p:nvPr>
+        </p:nvSpPr>
+        <p:spPr/>
+        <p:txBody>
+          <a:bodyPr>
+            <a:normAutofit fontScale="77500" lnSpcReduction="20000"/>
+          </a:bodyPr>
+          <a:lstStyle/>
+          <a:p>
+            <a:r>
+              <a:rPr lang="en-US" dirty="0" smtClean="0"/>
+              <a:t>Assignment</a:t>
+            </a:r>
+          </a:p>
+          <a:p>
+            <a:pPr lvl="1"/>
+            <a:r>
+              <a:rPr lang="en-US" dirty="0" smtClean="0"/>
+              <a:t>=, +=, -=, &amp;=, /=, *=, %=</a:t>
+            </a:r>
+          </a:p>
+          <a:p>
+            <a:r>
+              <a:rPr lang="en-US" dirty="0" smtClean="0"/>
+              <a:t>Unary</a:t>
+            </a:r>
+          </a:p>
+          <a:p>
+            <a:pPr lvl="1"/>
+            <a:r>
+              <a:rPr lang="en-US" dirty="0" smtClean="0"/>
+              <a:t>++, --, +, -, /, *</a:t>
+            </a:r>
+          </a:p>
+          <a:p>
+            <a:r>
+              <a:rPr lang="en-US" dirty="0" smtClean="0"/>
+              <a:t>Binary</a:t>
+            </a:r>
+          </a:p>
+          <a:p>
+            <a:pPr lvl="1"/>
+            <a:r>
+              <a:rPr lang="en-US" dirty="0" smtClean="0"/>
+              <a:t>% or MOD</a:t>
+            </a:r>
+          </a:p>
+          <a:p>
+            <a:r>
+              <a:rPr lang="en-US" dirty="0" smtClean="0"/>
+              <a:t>Logical</a:t>
+            </a:r>
+          </a:p>
+          <a:p>
+            <a:pPr lvl="1"/>
+            <a:r>
+              <a:rPr lang="en-US" dirty="0" smtClean="0"/>
+              <a:t>! or NOT, OR, AND, XOR</a:t>
+            </a:r>
+          </a:p>
+          <a:p>
+            <a:r>
+              <a:rPr lang="en-US" dirty="0" smtClean="0"/>
+              <a:t>Comparators</a:t>
+            </a:r>
+          </a:p>
+          <a:p>
+            <a:pPr lvl="1"/>
+            <a:r>
+              <a:rPr lang="en-US" dirty="0" smtClean="0"/>
+              <a:t>EQ, NEQ, LT, LTE, GT, GTE, IS, IS NOT, CONTAINS</a:t>
+            </a:r>
+          </a:p>
+          <a:p>
+            <a:r>
+              <a:rPr lang="en-US" dirty="0" smtClean="0"/>
+              <a:t>This is not a complete list.</a:t>
+            </a:r>
+          </a:p>
+        </p:txBody>
       </p:sp>
     </p:spTree>
     <p:extLst>
       <p:ext uri="{BB962C8B-B14F-4D97-AF65-F5344CB8AC3E}">
-        <p14:creationId xmlns:p14="http://schemas.microsoft.com/office/powerpoint/2010/main" val="3132652974"/>
+        <p14:creationId xmlns:p14="http://schemas.microsoft.com/office/powerpoint/2010/main" val="2233413174"/>
       </p:ext>
     </p:extLst>
   </p:cSld>
@@ -8981,22 +9565,22 @@
       </p:grpSpPr>
       <p:sp>
         <p:nvSpPr>
-          <p:cNvPr id="5" name="Title 4"/>
-          <p:cNvSpPr>
-            <a:spLocks noGrp="1"/>
-          </p:cNvSpPr>
-          <p:nvPr>
-            <p:ph type="title"/>
-          </p:nvPr>
-        </p:nvSpPr>
-        <p:spPr/>
-        <p:txBody>
-          <a:bodyPr/>
-          <a:lstStyle/>
-          <a:p>
-            <a:r>
-              <a:rPr lang="en-US" dirty="0" smtClean="0"/>
-              <a:t>Control</a:t>
+          <p:cNvPr id="2" name="Title 1"/>
+          <p:cNvSpPr>
+            <a:spLocks noGrp="1"/>
+          </p:cNvSpPr>
+          <p:nvPr>
+            <p:ph type="ctrTitle"/>
+          </p:nvPr>
+        </p:nvSpPr>
+        <p:spPr/>
+        <p:txBody>
+          <a:bodyPr/>
+          <a:lstStyle/>
+          <a:p>
+            <a:r>
+              <a:rPr lang="en-US" dirty="0" smtClean="0"/>
+              <a:t>Demo 02</a:t>
             </a:r>
             <a:endParaRPr lang="en-US" dirty="0"/>
           </a:p>
@@ -9004,173 +9588,39 @@
       </p:sp>
       <p:sp>
         <p:nvSpPr>
-          <p:cNvPr id="6" name="Content Placeholder 5"/>
-          <p:cNvSpPr>
-            <a:spLocks noGrp="1"/>
-          </p:cNvSpPr>
-          <p:nvPr>
-            <p:ph idx="1"/>
-          </p:nvPr>
-        </p:nvSpPr>
-        <p:spPr/>
-        <p:txBody>
-          <a:bodyPr>
-            <a:normAutofit fontScale="92500" lnSpcReduction="10000"/>
-          </a:bodyPr>
-          <a:lstStyle/>
-          <a:p>
-            <a:r>
-              <a:rPr lang="en-US" dirty="0" smtClean="0"/>
-              <a:t>&lt;</a:t>
-            </a:r>
-            <a:r>
-              <a:rPr lang="en-US" dirty="0" err="1" smtClean="0"/>
-              <a:t>cfif</a:t>
-            </a:r>
-            <a:r>
-              <a:rPr lang="en-US" dirty="0" smtClean="0"/>
-              <a:t>&gt;</a:t>
-            </a:r>
-          </a:p>
-          <a:p>
-            <a:pPr lvl="1"/>
-            <a:r>
-              <a:rPr lang="en-US" dirty="0" smtClean="0"/>
-              <a:t>&lt;</a:t>
-            </a:r>
-            <a:r>
-              <a:rPr lang="en-US" dirty="0" err="1" smtClean="0"/>
-              <a:t>cfelseif</a:t>
-            </a:r>
-            <a:r>
-              <a:rPr lang="en-US" dirty="0" smtClean="0"/>
-              <a:t>&gt;</a:t>
-            </a:r>
-          </a:p>
-          <a:p>
-            <a:pPr lvl="1"/>
-            <a:r>
-              <a:rPr lang="en-US" dirty="0" smtClean="0"/>
-              <a:t>&lt;</a:t>
-            </a:r>
-            <a:r>
-              <a:rPr lang="en-US" dirty="0" err="1" smtClean="0"/>
-              <a:t>cfelse</a:t>
-            </a:r>
-            <a:r>
-              <a:rPr lang="en-US" dirty="0" smtClean="0"/>
-              <a:t>&gt;</a:t>
-            </a:r>
-          </a:p>
-          <a:p>
-            <a:r>
-              <a:rPr lang="en-US" dirty="0" smtClean="0"/>
-              <a:t>&lt;</a:t>
-            </a:r>
-            <a:r>
-              <a:rPr lang="en-US" dirty="0" err="1" smtClean="0"/>
-              <a:t>cfswitch</a:t>
-            </a:r>
-            <a:r>
-              <a:rPr lang="en-US" dirty="0" smtClean="0"/>
-              <a:t>&gt;</a:t>
-            </a:r>
-          </a:p>
-          <a:p>
-            <a:pPr lvl="1"/>
-            <a:r>
-              <a:rPr lang="en-US" dirty="0" smtClean="0"/>
-              <a:t>&lt;</a:t>
-            </a:r>
-            <a:r>
-              <a:rPr lang="en-US" dirty="0" err="1" smtClean="0"/>
-              <a:t>cfcase</a:t>
-            </a:r>
-            <a:r>
-              <a:rPr lang="en-US" dirty="0" smtClean="0"/>
-              <a:t>&gt;</a:t>
-            </a:r>
-          </a:p>
-          <a:p>
-            <a:pPr lvl="1"/>
-            <a:r>
-              <a:rPr lang="en-US" dirty="0" smtClean="0"/>
-              <a:t>&lt;</a:t>
-            </a:r>
-            <a:r>
-              <a:rPr lang="en-US" dirty="0" err="1" smtClean="0"/>
-              <a:t>cfdefaultcase</a:t>
-            </a:r>
-            <a:r>
-              <a:rPr lang="en-US" dirty="0" smtClean="0"/>
-              <a:t>&gt;</a:t>
-            </a:r>
-          </a:p>
-          <a:p>
-            <a:r>
-              <a:rPr lang="en-US" dirty="0" smtClean="0"/>
-              <a:t>&lt;</a:t>
-            </a:r>
-            <a:r>
-              <a:rPr lang="en-US" dirty="0" err="1" smtClean="0"/>
-              <a:t>cftry</a:t>
-            </a:r>
-            <a:r>
-              <a:rPr lang="en-US" dirty="0" smtClean="0"/>
-              <a:t>&gt;</a:t>
-            </a:r>
-          </a:p>
-          <a:p>
-            <a:pPr lvl="1"/>
-            <a:r>
-              <a:rPr lang="en-US" dirty="0" smtClean="0"/>
-              <a:t>&lt;</a:t>
-            </a:r>
-            <a:r>
-              <a:rPr lang="en-US" dirty="0" err="1" smtClean="0"/>
-              <a:t>cfcatch</a:t>
-            </a:r>
-            <a:r>
-              <a:rPr lang="en-US" dirty="0" smtClean="0"/>
-              <a:t>&gt;</a:t>
-            </a:r>
-          </a:p>
-          <a:p>
-            <a:pPr lvl="1"/>
-            <a:r>
-              <a:rPr lang="en-US" dirty="0" smtClean="0"/>
-              <a:t>&lt;</a:t>
-            </a:r>
-            <a:r>
-              <a:rPr lang="en-US" dirty="0" err="1" smtClean="0"/>
-              <a:t>cffinally</a:t>
-            </a:r>
-            <a:r>
-              <a:rPr lang="en-US" dirty="0" smtClean="0"/>
-              <a:t>&gt;</a:t>
-            </a:r>
-          </a:p>
-          <a:p>
-            <a:r>
-              <a:rPr lang="en-US" dirty="0" smtClean="0"/>
-              <a:t>&lt;</a:t>
-            </a:r>
-            <a:r>
-              <a:rPr lang="en-US" dirty="0" err="1" smtClean="0"/>
-              <a:t>cflocation</a:t>
-            </a:r>
-            <a:r>
-              <a:rPr lang="en-US" dirty="0" smtClean="0"/>
-              <a:t>&gt;</a:t>
-            </a:r>
-            <a:endParaRPr lang="en-US" dirty="0"/>
-          </a:p>
-        </p:txBody>
+          <p:cNvPr id="4" name="Subtitle 3"/>
+          <p:cNvSpPr>
+            <a:spLocks noGrp="1"/>
+          </p:cNvSpPr>
+          <p:nvPr>
+            <p:ph type="subTitle" idx="1"/>
+          </p:nvPr>
+        </p:nvSpPr>
+        <p:spPr/>
+        <p:txBody>
+          <a:bodyPr/>
+          <a:lstStyle/>
+          <a:p>
+            <a:endParaRPr lang="en-US"/>
+          </a:p>
+        </p:txBody>
+      </p:sp>
+      <p:sp>
+        <p:nvSpPr>
+          <p:cNvPr id="5" name="Picture Placeholder 4"/>
+          <p:cNvSpPr>
+            <a:spLocks noGrp="1"/>
+          </p:cNvSpPr>
+          <p:nvPr>
+            <p:ph type="pic" idx="13"/>
+          </p:nvPr>
+        </p:nvSpPr>
+        <p:spPr/>
       </p:sp>
     </p:spTree>
     <p:extLst>
       <p:ext uri="{BB962C8B-B14F-4D97-AF65-F5344CB8AC3E}">
-        <p14:creationId xmlns:p14="http://schemas.microsoft.com/office/powerpoint/2010/main" val="2696741995"/>
+        <p14:creationId xmlns:p14="http://schemas.microsoft.com/office/powerpoint/2010/main" val="3132652974"/>
       </p:ext>
     </p:extLst>
   </p:cSld>
@@ -9199,7 +9649,7 @@
       </p:grpSpPr>
       <p:sp>
         <p:nvSpPr>
-          <p:cNvPr id="2" name="Title 1"/>
+          <p:cNvPr id="5" name="Title 4"/>
           <p:cNvSpPr>
             <a:spLocks noGrp="1"/>
           </p:cNvSpPr>
@@ -9214,7 +9664,7 @@
           <a:p>
             <a:r>
               <a:rPr lang="en-US" dirty="0" smtClean="0"/>
-              <a:t>Iterations</a:t>
+              <a:t>Control</a:t>
             </a:r>
             <a:endParaRPr lang="en-US" dirty="0"/>
           </a:p>
@@ -9222,7 +9672,7 @@
       </p:sp>
       <p:sp>
         <p:nvSpPr>
-          <p:cNvPr id="3" name="Content Placeholder 2"/>
+          <p:cNvPr id="6" name="Content Placeholder 5"/>
           <p:cNvSpPr>
             <a:spLocks noGrp="1"/>
           </p:cNvSpPr>
@@ -9233,120 +9683,332 @@
         <p:spPr/>
         <p:txBody>
           <a:bodyPr>
-            <a:normAutofit lnSpcReduction="10000"/>
+            <a:normAutofit/>
           </a:bodyPr>
           <a:lstStyle/>
           <a:p>
             <a:r>
-              <a:rPr lang="en-US" dirty="0" smtClean="0"/>
+              <a:rPr lang="en-US" sz="2000" dirty="0" smtClean="0">
+                <a:latin typeface="Courier New"/>
+                <a:cs typeface="Courier New"/>
+              </a:rPr>
               <a:t>&lt;</a:t>
             </a:r>
             <a:r>
+              <a:rPr lang="en-US" sz="2000" dirty="0" err="1" smtClean="0">
+                <a:latin typeface="Courier New"/>
+                <a:cs typeface="Courier New"/>
+                <a:hlinkClick r:id="rId3"/>
+              </a:rPr>
+              <a:t>cfif</a:t>
+            </a:r>
+            <a:r>
+              <a:rPr lang="en-US" sz="2000" dirty="0" smtClean="0">
+                <a:latin typeface="Courier New"/>
+                <a:cs typeface="Courier New"/>
+              </a:rPr>
+              <a:t> CONDITION&gt;, &lt;</a:t>
+            </a:r>
+            <a:r>
+              <a:rPr lang="en-US" sz="2000" dirty="0" err="1" smtClean="0">
+                <a:latin typeface="Courier New"/>
+                <a:cs typeface="Courier New"/>
+                <a:hlinkClick r:id="rId4"/>
+              </a:rPr>
+              <a:t>cfelseif</a:t>
+            </a:r>
+            <a:r>
+              <a:rPr lang="en-US" sz="2000" dirty="0" smtClean="0">
+                <a:latin typeface="Courier New"/>
+                <a:cs typeface="Courier New"/>
+              </a:rPr>
+              <a:t> CONDITION&gt;, &lt;</a:t>
+            </a:r>
+            <a:r>
+              <a:rPr lang="en-US" sz="2000" dirty="0" err="1" smtClean="0">
+                <a:latin typeface="Courier New"/>
+                <a:cs typeface="Courier New"/>
+                <a:hlinkClick r:id="rId5"/>
+              </a:rPr>
+              <a:t>cfelse</a:t>
+            </a:r>
+            <a:r>
+              <a:rPr lang="en-US" sz="2000" dirty="0" smtClean="0">
+                <a:latin typeface="Courier New"/>
+                <a:cs typeface="Courier New"/>
+              </a:rPr>
+              <a:t>&gt;</a:t>
+            </a:r>
+          </a:p>
+          <a:p>
+            <a:r>
+              <a:rPr lang="en-US" sz="2000" dirty="0" smtClean="0">
+                <a:latin typeface="Courier New"/>
+                <a:cs typeface="Courier New"/>
+              </a:rPr>
+              <a:t>&lt;</a:t>
+            </a:r>
+            <a:r>
+              <a:rPr lang="en-US" sz="2000" dirty="0" err="1" smtClean="0">
+                <a:latin typeface="Courier New"/>
+                <a:cs typeface="Courier New"/>
+                <a:hlinkClick r:id="rId6"/>
+              </a:rPr>
+              <a:t>cfswitch</a:t>
+            </a:r>
+            <a:r>
+              <a:rPr lang="en-US" sz="2000" dirty="0" smtClean="0">
+                <a:latin typeface="Courier New"/>
+                <a:cs typeface="Courier New"/>
+              </a:rPr>
+              <a:t> expression=“VALUE”&gt;</a:t>
+            </a:r>
+            <a:r>
+              <a:rPr lang="en-US" sz="2000" dirty="0" smtClean="0">
+                <a:latin typeface="Courier New"/>
+                <a:cs typeface="Courier New"/>
+              </a:rPr>
+              <a:t>, </a:t>
+            </a:r>
+            <a:r>
+              <a:rPr lang="en-US" sz="2000" dirty="0" smtClean="0">
+                <a:latin typeface="Courier New"/>
+                <a:cs typeface="Courier New"/>
+              </a:rPr>
+              <a:t>&lt;</a:t>
+            </a:r>
+            <a:r>
+              <a:rPr lang="en-US" sz="2000" dirty="0" err="1" smtClean="0">
+                <a:latin typeface="Courier New"/>
+                <a:cs typeface="Courier New"/>
+                <a:hlinkClick r:id="rId7"/>
+              </a:rPr>
+              <a:t>cfcase</a:t>
+            </a:r>
+            <a:r>
+              <a:rPr lang="en-US" sz="2000" dirty="0" smtClean="0">
+                <a:latin typeface="Courier New"/>
+                <a:cs typeface="Courier New"/>
+              </a:rPr>
+              <a:t> value=“VALUE</a:t>
+            </a:r>
+            <a:r>
+              <a:rPr lang="en-US" sz="2000" dirty="0">
+                <a:latin typeface="Courier New"/>
+                <a:cs typeface="Courier New"/>
+              </a:rPr>
+              <a:t>”&gt;, &lt;</a:t>
+            </a:r>
+            <a:r>
+              <a:rPr lang="en-US" sz="2000" dirty="0" err="1">
+                <a:latin typeface="Courier New"/>
+                <a:cs typeface="Courier New"/>
+              </a:rPr>
+              <a:t>cfcase</a:t>
+            </a:r>
+            <a:r>
+              <a:rPr lang="en-US" sz="2000" dirty="0">
+                <a:latin typeface="Courier New"/>
+                <a:cs typeface="Courier New"/>
+              </a:rPr>
+              <a:t> value=“</a:t>
+            </a:r>
+            <a:r>
+              <a:rPr lang="en-US" sz="2000" dirty="0" smtClean="0">
+                <a:latin typeface="Courier New"/>
+                <a:cs typeface="Courier New"/>
+              </a:rPr>
+              <a:t>VALUE1,VALUE2”</a:t>
+            </a:r>
+            <a:r>
+              <a:rPr lang="en-US" sz="2000" dirty="0">
+                <a:latin typeface="Courier New"/>
+                <a:cs typeface="Courier New"/>
+              </a:rPr>
+              <a:t>&gt;</a:t>
+            </a:r>
+            <a:r>
+              <a:rPr lang="en-US" sz="2000" dirty="0" smtClean="0">
+                <a:latin typeface="Courier New"/>
+                <a:cs typeface="Courier New"/>
+              </a:rPr>
+              <a:t>, </a:t>
+            </a:r>
+            <a:r>
+              <a:rPr lang="en-US" sz="2000" dirty="0" smtClean="0">
+                <a:latin typeface="Courier New"/>
+                <a:cs typeface="Courier New"/>
+              </a:rPr>
+              <a:t>&lt;</a:t>
+            </a:r>
+            <a:r>
+              <a:rPr lang="en-US" sz="2000" dirty="0" err="1" smtClean="0">
+                <a:latin typeface="Courier New"/>
+                <a:cs typeface="Courier New"/>
+                <a:hlinkClick r:id="rId8"/>
+              </a:rPr>
+              <a:t>cfdefaultcase</a:t>
+            </a:r>
+            <a:r>
+              <a:rPr lang="en-US" sz="2000" dirty="0" smtClean="0">
+                <a:latin typeface="Courier New"/>
+                <a:cs typeface="Courier New"/>
+              </a:rPr>
+              <a:t>&gt;</a:t>
+            </a:r>
+          </a:p>
+          <a:p>
+            <a:r>
+              <a:rPr lang="en-US" sz="2000" dirty="0" smtClean="0">
+                <a:latin typeface="Courier New"/>
+                <a:cs typeface="Courier New"/>
+              </a:rPr>
+              <a:t>&lt;</a:t>
+            </a:r>
+            <a:r>
+              <a:rPr lang="en-US" sz="2000" dirty="0" err="1" smtClean="0">
+                <a:latin typeface="Courier New"/>
+                <a:cs typeface="Courier New"/>
+                <a:hlinkClick r:id="rId9"/>
+              </a:rPr>
+              <a:t>cftry</a:t>
+            </a:r>
+            <a:r>
+              <a:rPr lang="en-US" sz="2000" dirty="0" smtClean="0">
+                <a:latin typeface="Courier New"/>
+                <a:cs typeface="Courier New"/>
+              </a:rPr>
+              <a:t>&gt;, &lt;</a:t>
+            </a:r>
+            <a:r>
+              <a:rPr lang="en-US" sz="2000" dirty="0" err="1" smtClean="0">
+                <a:latin typeface="Courier New"/>
+                <a:cs typeface="Courier New"/>
+                <a:hlinkClick r:id="rId10"/>
+              </a:rPr>
+              <a:t>cfcatch</a:t>
+            </a:r>
+            <a:r>
+              <a:rPr lang="en-US" sz="2000" dirty="0" smtClean="0">
+                <a:latin typeface="Courier New"/>
+                <a:cs typeface="Courier New"/>
+              </a:rPr>
+              <a:t> type=“TYPE”&gt;, &lt;</a:t>
+            </a:r>
+            <a:r>
+              <a:rPr lang="en-US" sz="2000" dirty="0" err="1" smtClean="0">
+                <a:latin typeface="Courier New"/>
+                <a:cs typeface="Courier New"/>
+                <a:hlinkClick r:id="rId11"/>
+              </a:rPr>
+              <a:t>cffinally</a:t>
+            </a:r>
+            <a:r>
+              <a:rPr lang="en-US" sz="2000" dirty="0" smtClean="0">
+                <a:latin typeface="Courier New"/>
+                <a:cs typeface="Courier New"/>
+              </a:rPr>
+              <a:t>&gt;</a:t>
+            </a:r>
+          </a:p>
+          <a:p>
+            <a:pPr lvl="1"/>
+            <a:r>
+              <a:rPr lang="en-US" sz="2000" dirty="0" smtClean="0">
+                <a:latin typeface="Courier New"/>
+                <a:cs typeface="Courier New"/>
+              </a:rPr>
+              <a:t>&lt;</a:t>
+            </a:r>
+            <a:r>
+              <a:rPr lang="en-US" sz="2000" dirty="0" err="1" smtClean="0">
+                <a:latin typeface="Courier New"/>
+                <a:cs typeface="Courier New"/>
+              </a:rPr>
+              <a:t>cfcatch</a:t>
+            </a:r>
+            <a:r>
+              <a:rPr lang="en-US" sz="2000" dirty="0" smtClean="0">
+                <a:latin typeface="Courier New"/>
+                <a:cs typeface="Courier New"/>
+              </a:rPr>
+              <a:t>&gt;</a:t>
+            </a:r>
+            <a:r>
+              <a:rPr lang="en-US" dirty="0" smtClean="0"/>
+              <a:t> exposes a special </a:t>
+            </a:r>
+            <a:r>
               <a:rPr lang="en-US" dirty="0" err="1" smtClean="0"/>
-              <a:t>cfloop</a:t>
-            </a:r>
-            <a:r>
-              <a:rPr lang="en-US" dirty="0" smtClean="0"/>
-              <a:t>&gt;</a:t>
+              <a:t>cfcatch</a:t>
+            </a:r>
+            <a:r>
+              <a:rPr lang="en-US" dirty="0" smtClean="0"/>
+              <a:t> scope</a:t>
+            </a:r>
+            <a:endParaRPr lang="en-US" dirty="0" smtClean="0"/>
+          </a:p>
+          <a:p>
+            <a:r>
+              <a:rPr lang="en-US" sz="2000" dirty="0" smtClean="0">
+                <a:latin typeface="Courier New"/>
+                <a:cs typeface="Courier New"/>
+              </a:rPr>
+              <a:t>&lt;</a:t>
+            </a:r>
+            <a:r>
+              <a:rPr lang="en-US" sz="2000" dirty="0" err="1" smtClean="0">
+                <a:latin typeface="Courier New"/>
+                <a:cs typeface="Courier New"/>
+                <a:hlinkClick r:id="rId12"/>
+              </a:rPr>
+              <a:t>cflocation</a:t>
+            </a:r>
+            <a:r>
+              <a:rPr lang="en-US" sz="2000" dirty="0" smtClean="0">
+                <a:latin typeface="Courier New"/>
+                <a:cs typeface="Courier New"/>
+              </a:rPr>
+              <a:t> </a:t>
+            </a:r>
+            <a:r>
+              <a:rPr lang="en-US" sz="2000" dirty="0" err="1" smtClean="0">
+                <a:latin typeface="Courier New"/>
+                <a:cs typeface="Courier New"/>
+              </a:rPr>
+              <a:t>url</a:t>
+            </a:r>
+            <a:r>
+              <a:rPr lang="en-US" sz="2000" dirty="0" smtClean="0">
+                <a:latin typeface="Courier New"/>
+                <a:cs typeface="Courier New"/>
+              </a:rPr>
+              <a:t>=“URL” </a:t>
+            </a:r>
+            <a:r>
+              <a:rPr lang="en-US" sz="2000" dirty="0" err="1" smtClean="0">
+                <a:latin typeface="Courier New"/>
+                <a:cs typeface="Courier New"/>
+              </a:rPr>
+              <a:t>addtoken</a:t>
+            </a:r>
+            <a:r>
+              <a:rPr lang="en-US" sz="2000" dirty="0" smtClean="0">
+                <a:latin typeface="Courier New"/>
+                <a:cs typeface="Courier New"/>
+              </a:rPr>
+              <a:t>=“BOOLEAN”&gt;</a:t>
             </a:r>
           </a:p>
           <a:p>
             <a:pPr lvl="1"/>
             <a:r>
-              <a:rPr lang="en-US" dirty="0" smtClean="0"/>
-              <a:t>Types of loops</a:t>
-            </a:r>
-          </a:p>
-          <a:p>
-            <a:pPr lvl="2"/>
-            <a:r>
-              <a:rPr lang="en-US" dirty="0" smtClean="0"/>
-              <a:t>Numeric: from, to, index, step</a:t>
-            </a:r>
-          </a:p>
-          <a:p>
-            <a:pPr lvl="2"/>
-            <a:r>
-              <a:rPr lang="en-US" dirty="0" smtClean="0"/>
-              <a:t>Condition: condition</a:t>
-            </a:r>
-          </a:p>
-          <a:p>
-            <a:pPr lvl="2"/>
-            <a:r>
-              <a:rPr lang="en-US" dirty="0" smtClean="0"/>
-              <a:t>Query: query, </a:t>
-            </a:r>
-            <a:r>
               <a:rPr lang="en-US" dirty="0" err="1" smtClean="0"/>
-              <a:t>startrow</a:t>
-            </a:r>
-            <a:r>
-              <a:rPr lang="en-US" dirty="0" smtClean="0"/>
-              <a:t>, </a:t>
-            </a:r>
-            <a:r>
-              <a:rPr lang="en-US" dirty="0" err="1" smtClean="0"/>
-              <a:t>endrow</a:t>
-            </a:r>
-            <a:endParaRPr lang="en-US" dirty="0" smtClean="0"/>
-          </a:p>
-          <a:p>
-            <a:pPr lvl="2"/>
-            <a:r>
-              <a:rPr lang="en-US" dirty="0" smtClean="0"/>
-              <a:t>Array: array, index</a:t>
-            </a:r>
-          </a:p>
-          <a:p>
-            <a:pPr lvl="2"/>
-            <a:r>
-              <a:rPr lang="en-US" dirty="0" smtClean="0"/>
-              <a:t>List: list, index, delimiters</a:t>
-            </a:r>
-          </a:p>
-          <a:p>
-            <a:pPr lvl="2"/>
-            <a:r>
-              <a:rPr lang="en-US" dirty="0" smtClean="0"/>
-              <a:t>File: file, index, characters</a:t>
-            </a:r>
-          </a:p>
-          <a:p>
-            <a:pPr lvl="2"/>
-            <a:r>
-              <a:rPr lang="en-US" dirty="0" smtClean="0"/>
-              <a:t>Collection: collection, item</a:t>
-            </a:r>
-          </a:p>
-          <a:p>
-            <a:pPr lvl="1"/>
-            <a:r>
-              <a:rPr lang="en-US" dirty="0" smtClean="0"/>
-              <a:t>&lt;</a:t>
-            </a:r>
-            <a:r>
-              <a:rPr lang="en-US" dirty="0" err="1" smtClean="0"/>
-              <a:t>cfbreak</a:t>
-            </a:r>
-            <a:r>
-              <a:rPr lang="en-US" dirty="0" smtClean="0"/>
-              <a:t>&gt;</a:t>
-            </a:r>
-          </a:p>
-          <a:p>
-            <a:pPr lvl="1"/>
-            <a:r>
-              <a:rPr lang="en-US" dirty="0" smtClean="0"/>
-              <a:t>&lt;</a:t>
-            </a:r>
-            <a:r>
-              <a:rPr lang="en-US" dirty="0" err="1" smtClean="0"/>
-              <a:t>cfcontinue</a:t>
-            </a:r>
-            <a:r>
-              <a:rPr lang="en-US" dirty="0" smtClean="0"/>
-              <a:t>&gt;</a:t>
+              <a:t>addtoken</a:t>
+            </a:r>
+            <a:r>
+              <a:rPr lang="en-US" dirty="0" smtClean="0"/>
+              <a:t> = “true” adds session tokens to URL</a:t>
             </a:r>
             <a:endParaRPr lang="en-US" dirty="0"/>
           </a:p>
@@ -9355,7 +10017,7 @@
     </p:spTree>
     <p:extLst>
       <p:ext uri="{BB962C8B-B14F-4D97-AF65-F5344CB8AC3E}">
-        <p14:creationId xmlns:p14="http://schemas.microsoft.com/office/powerpoint/2010/main" val="3196592386"/>
+        <p14:creationId xmlns:p14="http://schemas.microsoft.com/office/powerpoint/2010/main" val="2696741995"/>
       </p:ext>
     </p:extLst>
   </p:cSld>
@@ -9399,7 +10061,7 @@
           <a:p>
             <a:r>
               <a:rPr lang="en-US" dirty="0" smtClean="0"/>
-              <a:t>Content</a:t>
+              <a:t>Iterations</a:t>
             </a:r>
             <a:endParaRPr lang="en-US" dirty="0"/>
           </a:p>
@@ -9423,126 +10085,184 @@
           <a:lstStyle/>
           <a:p>
             <a:r>
-              <a:rPr lang="en-US" dirty="0" smtClean="0"/>
+              <a:rPr lang="en-US" sz="2000" dirty="0" smtClean="0">
+                <a:latin typeface="Courier New"/>
+                <a:cs typeface="Courier New"/>
+              </a:rPr>
               <a:t>&lt;</a:t>
             </a:r>
             <a:r>
+              <a:rPr lang="en-US" sz="2000" dirty="0" err="1" smtClean="0">
+                <a:latin typeface="Courier New"/>
+                <a:cs typeface="Courier New"/>
+                <a:hlinkClick r:id="rId3"/>
+              </a:rPr>
+              <a:t>cfloop</a:t>
+            </a:r>
+            <a:r>
+              <a:rPr lang="en-US" sz="2000" dirty="0" smtClean="0">
+                <a:latin typeface="Courier New"/>
+                <a:cs typeface="Courier New"/>
+              </a:rPr>
+              <a:t>&gt;</a:t>
+            </a:r>
+          </a:p>
+          <a:p>
+            <a:pPr lvl="1"/>
+            <a:r>
+              <a:rPr lang="en-US" dirty="0" smtClean="0"/>
+              <a:t>Types of loops</a:t>
+            </a:r>
+          </a:p>
+          <a:p>
+            <a:pPr lvl="2"/>
+            <a:r>
+              <a:rPr lang="en-US" dirty="0" smtClean="0"/>
+              <a:t>Numeric: from, </a:t>
+            </a:r>
+            <a:r>
+              <a:rPr lang="en-US" dirty="0"/>
+              <a:t>to, step, index</a:t>
+            </a:r>
+            <a:endParaRPr lang="en-US" dirty="0" smtClean="0"/>
+          </a:p>
+          <a:p>
+            <a:pPr lvl="2"/>
+            <a:r>
+              <a:rPr lang="en-US" dirty="0" smtClean="0"/>
+              <a:t>Condition: </a:t>
+            </a:r>
+            <a:r>
+              <a:rPr lang="en-US" dirty="0" smtClean="0"/>
+              <a:t>condition</a:t>
+            </a:r>
+            <a:endParaRPr lang="en-US" dirty="0" smtClean="0"/>
+          </a:p>
+          <a:p>
+            <a:pPr lvl="2"/>
+            <a:r>
+              <a:rPr lang="en-US" dirty="0" smtClean="0"/>
+              <a:t>Array</a:t>
+            </a:r>
+            <a:r>
+              <a:rPr lang="en-US" dirty="0" smtClean="0"/>
+              <a:t>: array, index</a:t>
+            </a:r>
+          </a:p>
+          <a:p>
+            <a:pPr lvl="2"/>
+            <a:r>
+              <a:rPr lang="en-US" dirty="0" smtClean="0"/>
+              <a:t>List: list, index, delimiters</a:t>
+            </a:r>
+          </a:p>
+          <a:p>
+            <a:pPr lvl="2"/>
+            <a:r>
+              <a:rPr lang="en-US" dirty="0" smtClean="0"/>
+              <a:t>Collection</a:t>
+            </a:r>
+            <a:r>
+              <a:rPr lang="en-US" dirty="0" smtClean="0"/>
+              <a:t>: collection, </a:t>
+            </a:r>
+            <a:r>
+              <a:rPr lang="en-US" dirty="0" smtClean="0"/>
+              <a:t>item</a:t>
+            </a:r>
+          </a:p>
+          <a:p>
+            <a:pPr lvl="2"/>
+            <a:r>
+              <a:rPr lang="en-US" dirty="0" smtClean="0"/>
+              <a:t>Query: query, </a:t>
+            </a:r>
+            <a:r>
               <a:rPr lang="en-US" dirty="0" err="1" smtClean="0"/>
-              <a:t>cfquery</a:t>
-            </a:r>
-            <a:r>
-              <a:rPr lang="en-US" dirty="0" smtClean="0"/>
+              <a:t>startrow</a:t>
+            </a:r>
+            <a:r>
+              <a:rPr lang="en-US" dirty="0" smtClean="0"/>
+              <a:t>, </a:t>
+            </a:r>
+            <a:r>
+              <a:rPr lang="en-US" dirty="0" err="1" smtClean="0"/>
+              <a:t>endrow</a:t>
+            </a:r>
+            <a:endParaRPr lang="en-US" dirty="0" smtClean="0"/>
+          </a:p>
+          <a:p>
+            <a:pPr lvl="2"/>
+            <a:r>
+              <a:rPr lang="en-US" dirty="0"/>
+              <a:t>File: file, index, </a:t>
+            </a:r>
+            <a:r>
+              <a:rPr lang="en-US" dirty="0" smtClean="0"/>
+              <a:t>characters</a:t>
+            </a:r>
+            <a:endParaRPr lang="en-US" dirty="0" smtClean="0"/>
+          </a:p>
+          <a:p>
+            <a:pPr lvl="1"/>
+            <a:r>
+              <a:rPr lang="en-US" sz="2000" dirty="0" smtClean="0">
+                <a:latin typeface="Courier New"/>
+                <a:cs typeface="Courier New"/>
+              </a:rPr>
+              <a:t>&lt;</a:t>
+            </a:r>
+            <a:r>
+              <a:rPr lang="en-US" sz="2000" dirty="0" err="1" smtClean="0">
+                <a:latin typeface="Courier New"/>
+                <a:cs typeface="Courier New"/>
+                <a:hlinkClick r:id="rId4"/>
+              </a:rPr>
+              <a:t>cfbreak</a:t>
+            </a:r>
+            <a:r>
+              <a:rPr lang="en-US" sz="2000" dirty="0" smtClean="0">
+                <a:latin typeface="Courier New"/>
+                <a:cs typeface="Courier New"/>
+              </a:rPr>
               <a:t>&gt;</a:t>
             </a:r>
           </a:p>
           <a:p>
             <a:pPr lvl="1"/>
             <a:r>
-              <a:rPr lang="en-US" dirty="0" smtClean="0"/>
+              <a:rPr lang="en-US" sz="2000" dirty="0" smtClean="0">
+                <a:latin typeface="Courier New"/>
+                <a:cs typeface="Courier New"/>
+              </a:rPr>
               <a:t>&lt;</a:t>
             </a:r>
             <a:r>
-              <a:rPr lang="en-US" dirty="0" err="1" smtClean="0"/>
-              <a:t>cfqueryparam</a:t>
-            </a:r>
-            <a:r>
-              <a:rPr lang="en-US" dirty="0" smtClean="0"/>
+              <a:rPr lang="en-US" sz="2000" dirty="0" err="1" smtClean="0">
+                <a:latin typeface="Courier New"/>
+                <a:cs typeface="Courier New"/>
+                <a:hlinkClick r:id="rId5"/>
+              </a:rPr>
+              <a:t>cfcontinue</a:t>
+            </a:r>
+            <a:r>
+              <a:rPr lang="en-US" sz="2000" dirty="0" smtClean="0">
+                <a:latin typeface="Courier New"/>
+                <a:cs typeface="Courier New"/>
+              </a:rPr>
               <a:t>&gt;</a:t>
             </a:r>
-          </a:p>
-          <a:p>
-            <a:pPr lvl="1"/>
-            <a:r>
-              <a:rPr lang="en-US" dirty="0" smtClean="0"/>
-              <a:t>&lt;</a:t>
-            </a:r>
-            <a:r>
-              <a:rPr lang="en-US" dirty="0" err="1" smtClean="0"/>
-              <a:t>cftransaction</a:t>
-            </a:r>
-            <a:r>
-              <a:rPr lang="en-US" dirty="0" smtClean="0"/>
-              <a:t>&gt;</a:t>
-            </a:r>
-          </a:p>
-          <a:p>
-            <a:r>
-              <a:rPr lang="en-US" dirty="0" smtClean="0"/>
-              <a:t>&lt;</a:t>
-            </a:r>
-            <a:r>
-              <a:rPr lang="en-US" dirty="0" err="1" smtClean="0"/>
-              <a:t>cffile</a:t>
-            </a:r>
-            <a:r>
-              <a:rPr lang="en-US" dirty="0" smtClean="0"/>
-              <a:t>&gt;</a:t>
-            </a:r>
-          </a:p>
-          <a:p>
-            <a:r>
-              <a:rPr lang="en-US" dirty="0" smtClean="0"/>
-              <a:t>&lt;</a:t>
-            </a:r>
-            <a:r>
-              <a:rPr lang="en-US" dirty="0" err="1" smtClean="0"/>
-              <a:t>cfdirectory</a:t>
-            </a:r>
-            <a:r>
-              <a:rPr lang="en-US" dirty="0" smtClean="0"/>
-              <a:t>&gt;</a:t>
-            </a:r>
-          </a:p>
-          <a:p>
-            <a:r>
-              <a:rPr lang="en-US" dirty="0" smtClean="0"/>
-              <a:t>&lt;</a:t>
-            </a:r>
-            <a:r>
-              <a:rPr lang="en-US" dirty="0" err="1" smtClean="0"/>
-              <a:t>cfhttp</a:t>
-            </a:r>
-            <a:r>
-              <a:rPr lang="en-US" dirty="0" smtClean="0"/>
-              <a:t>&gt;</a:t>
-            </a:r>
-          </a:p>
-          <a:p>
-            <a:pPr lvl="1"/>
-            <a:r>
-              <a:rPr lang="en-US" dirty="0" smtClean="0"/>
-              <a:t>&lt;</a:t>
-            </a:r>
-            <a:r>
-              <a:rPr lang="en-US" dirty="0" err="1" smtClean="0"/>
-              <a:t>cfhttpparam</a:t>
-            </a:r>
-            <a:r>
-              <a:rPr lang="en-US" dirty="0" smtClean="0"/>
-              <a:t>&gt;</a:t>
-            </a:r>
-          </a:p>
-          <a:p>
-            <a:r>
-              <a:rPr lang="en-US" dirty="0" smtClean="0"/>
-              <a:t>&lt;</a:t>
-            </a:r>
-            <a:r>
-              <a:rPr lang="en-US" dirty="0" err="1" smtClean="0"/>
-              <a:t>cffeed</a:t>
-            </a:r>
-            <a:r>
-              <a:rPr lang="en-US" dirty="0" smtClean="0"/>
-              <a:t>&gt;</a:t>
-            </a:r>
-            <a:endParaRPr lang="en-US" dirty="0"/>
+            <a:endParaRPr lang="en-US" sz="2000" dirty="0">
+              <a:latin typeface="Courier New"/>
+              <a:cs typeface="Courier New"/>
+            </a:endParaRPr>
           </a:p>
         </p:txBody>
       </p:sp>
     </p:spTree>
     <p:extLst>
       <p:ext uri="{BB962C8B-B14F-4D97-AF65-F5344CB8AC3E}">
-        <p14:creationId xmlns:p14="http://schemas.microsoft.com/office/powerpoint/2010/main" val="2652134881"/>
+        <p14:creationId xmlns:p14="http://schemas.microsoft.com/office/powerpoint/2010/main" val="3196592386"/>
       </p:ext>
     </p:extLst>
   </p:cSld>
@@ -9586,7 +10306,7 @@
           <a:p>
             <a:r>
               <a:rPr lang="en-US" dirty="0" smtClean="0"/>
-              <a:t>Manipulation</a:t>
+              <a:t>Content</a:t>
             </a:r>
             <a:endParaRPr lang="en-US" dirty="0"/>
           </a:p>
@@ -9605,153 +10325,232 @@
         <p:spPr/>
         <p:txBody>
           <a:bodyPr>
-            <a:normAutofit fontScale="92500" lnSpcReduction="10000"/>
+            <a:normAutofit fontScale="92500" lnSpcReduction="20000"/>
           </a:bodyPr>
           <a:lstStyle/>
           <a:p>
             <a:r>
+              <a:rPr lang="en-US" sz="2000" dirty="0" smtClean="0">
+                <a:latin typeface="Courier New"/>
+                <a:cs typeface="Courier New"/>
+              </a:rPr>
+              <a:t>&lt;</a:t>
+            </a:r>
+            <a:r>
+              <a:rPr lang="en-US" sz="2000" dirty="0" smtClean="0">
+                <a:latin typeface="Courier New"/>
+                <a:cs typeface="Courier New"/>
+                <a:hlinkClick r:id="rId3"/>
+              </a:rPr>
+              <a:t>cfdirectory</a:t>
+            </a:r>
+            <a:r>
+              <a:rPr lang="en-US" sz="2000" dirty="0" smtClean="0">
+                <a:latin typeface="Courier New"/>
+                <a:cs typeface="Courier New"/>
+              </a:rPr>
+              <a:t> action=“ACTION” directory=“REAL PATH” name=“NAME”&gt;</a:t>
+            </a:r>
+          </a:p>
+          <a:p>
+            <a:pPr lvl="1"/>
+            <a:r>
+              <a:rPr lang="en-US" dirty="0" smtClean="0"/>
+              <a:t>Actions: list, create, rename, delete</a:t>
+            </a:r>
+            <a:endParaRPr lang="en-US" dirty="0" smtClean="0"/>
+          </a:p>
+          <a:p>
+            <a:r>
+              <a:rPr lang="en-US" sz="2200" dirty="0" smtClean="0">
+                <a:latin typeface="Courier New"/>
+                <a:cs typeface="Courier New"/>
+              </a:rPr>
+              <a:t>&lt;</a:t>
+            </a:r>
+            <a:r>
+              <a:rPr lang="en-US" sz="2200" dirty="0" smtClean="0">
+                <a:latin typeface="Courier New"/>
+                <a:cs typeface="Courier New"/>
+                <a:hlinkClick r:id="rId4"/>
+              </a:rPr>
+              <a:t>cfhttp</a:t>
+            </a:r>
+            <a:r>
+              <a:rPr lang="en-US" sz="2200" dirty="0" smtClean="0">
+                <a:latin typeface="Courier New"/>
+                <a:cs typeface="Courier New"/>
+              </a:rPr>
+              <a:t> </a:t>
+            </a:r>
+            <a:r>
+              <a:rPr lang="en-US" sz="2200" dirty="0" err="1" smtClean="0">
+                <a:latin typeface="Courier New"/>
+                <a:cs typeface="Courier New"/>
+              </a:rPr>
+              <a:t>url</a:t>
+            </a:r>
+            <a:r>
+              <a:rPr lang="en-US" sz="2200" dirty="0" smtClean="0">
+                <a:latin typeface="Courier New"/>
+                <a:cs typeface="Courier New"/>
+              </a:rPr>
+              <a:t>=“URL”&gt;, &lt;</a:t>
+            </a:r>
+            <a:r>
+              <a:rPr lang="en-US" sz="2200" dirty="0" smtClean="0">
+                <a:latin typeface="Courier New"/>
+                <a:cs typeface="Courier New"/>
+                <a:hlinkClick r:id="rId5"/>
+              </a:rPr>
+              <a:t>cfhttpparam</a:t>
+            </a:r>
+            <a:r>
+              <a:rPr lang="en-US" sz="2200" dirty="0" smtClean="0">
+                <a:latin typeface="Courier New"/>
+                <a:cs typeface="Courier New"/>
+              </a:rPr>
+              <a:t> type=“TYPE” value=“VALUE” nam</a:t>
+            </a:r>
+            <a:r>
+              <a:rPr lang="en-US" sz="2200" dirty="0" smtClean="0">
+                <a:latin typeface="Courier New"/>
+                <a:cs typeface="Courier New"/>
+              </a:rPr>
+              <a:t>e=“NAME”</a:t>
+            </a:r>
+            <a:r>
+              <a:rPr lang="en-US" sz="2200" dirty="0" smtClean="0">
+                <a:latin typeface="Courier New"/>
+                <a:cs typeface="Courier New"/>
+              </a:rPr>
+              <a:t>&gt;</a:t>
+            </a:r>
+          </a:p>
+          <a:p>
+            <a:pPr lvl="1"/>
+            <a:r>
+              <a:rPr lang="en-US" dirty="0" smtClean="0"/>
+              <a:t>Exposes a special </a:t>
+            </a:r>
+            <a:r>
+              <a:rPr lang="en-US" dirty="0" err="1" smtClean="0"/>
+              <a:t>cfhttp</a:t>
+            </a:r>
+            <a:r>
+              <a:rPr lang="en-US" dirty="0" smtClean="0"/>
+              <a:t> scope</a:t>
+            </a:r>
+          </a:p>
+          <a:p>
+            <a:pPr lvl="1"/>
+            <a:r>
+              <a:rPr lang="en-US" sz="1900" dirty="0" smtClean="0">
+                <a:latin typeface="Courier New"/>
+                <a:cs typeface="Courier New"/>
+              </a:rPr>
+              <a:t>&lt;</a:t>
+            </a:r>
+            <a:r>
+              <a:rPr lang="en-US" sz="1900" dirty="0" err="1" smtClean="0">
+                <a:latin typeface="Courier New"/>
+                <a:cs typeface="Courier New"/>
+              </a:rPr>
+              <a:t>cfhttpparam</a:t>
+            </a:r>
+            <a:r>
+              <a:rPr lang="en-US" sz="1900" dirty="0" smtClean="0">
+                <a:latin typeface="Courier New"/>
+                <a:cs typeface="Courier New"/>
+              </a:rPr>
+              <a:t>&gt;</a:t>
+            </a:r>
+            <a:r>
+              <a:rPr lang="en-US" dirty="0" smtClean="0"/>
+              <a:t> types are</a:t>
+            </a:r>
+            <a:r>
               <a:rPr lang="en-US" dirty="0"/>
+              <a:t>: </a:t>
+            </a:r>
+            <a:r>
+              <a:rPr lang="en-US" dirty="0" err="1"/>
+              <a:t>url</a:t>
+            </a:r>
+            <a:r>
+              <a:rPr lang="en-US" dirty="0"/>
+              <a:t>, </a:t>
+            </a:r>
+            <a:r>
+              <a:rPr lang="en-US" dirty="0" err="1"/>
+              <a:t>formfield</a:t>
+            </a:r>
+            <a:r>
+              <a:rPr lang="en-US" dirty="0"/>
+              <a:t>, </a:t>
+            </a:r>
+            <a:r>
+              <a:rPr lang="en-US" dirty="0" err="1"/>
+              <a:t>cgi</a:t>
+            </a:r>
+            <a:r>
+              <a:rPr lang="en-US" dirty="0"/>
+              <a:t>, body, xml, header, cookie, file</a:t>
+            </a:r>
+            <a:endParaRPr lang="en-US" dirty="0" smtClean="0"/>
+          </a:p>
+          <a:p>
+            <a:r>
+              <a:rPr lang="en-US" sz="2100" dirty="0">
+                <a:latin typeface="Courier New"/>
+                <a:cs typeface="Courier New"/>
+              </a:rPr>
               <a:t>&lt;</a:t>
             </a:r>
             <a:r>
-              <a:rPr lang="en-US" dirty="0" err="1"/>
-              <a:t>cfimage</a:t>
-            </a:r>
-            <a:r>
-              <a:rPr lang="en-US" dirty="0"/>
-              <a:t>&gt;</a:t>
-            </a:r>
-          </a:p>
-          <a:p>
-            <a:r>
-              <a:rPr lang="en-US" dirty="0"/>
-              <a:t>&lt;</a:t>
-            </a:r>
-            <a:r>
-              <a:rPr lang="en-US" dirty="0" err="1"/>
-              <a:t>cfmail</a:t>
-            </a:r>
-            <a:r>
-              <a:rPr lang="en-US" dirty="0"/>
-              <a:t>&gt;</a:t>
+              <a:rPr lang="en-US" sz="2100" dirty="0" smtClean="0">
+                <a:latin typeface="Courier New"/>
+                <a:cs typeface="Courier New"/>
+                <a:hlinkClick r:id="rId6"/>
+              </a:rPr>
+              <a:t>cffile</a:t>
+            </a:r>
+            <a:r>
+              <a:rPr lang="en-US" sz="2100" dirty="0" smtClean="0">
+                <a:latin typeface="Courier New"/>
+                <a:cs typeface="Courier New"/>
+              </a:rPr>
+              <a:t> action=“ACTION” file=“REAL PATH” variable=“NAME”&gt;</a:t>
             </a:r>
           </a:p>
           <a:p>
             <a:pPr lvl="1"/>
             <a:r>
-              <a:rPr lang="en-US" dirty="0"/>
-              <a:t>&lt;</a:t>
-            </a:r>
-            <a:r>
-              <a:rPr lang="en-US" dirty="0" err="1"/>
-              <a:t>cfmailparam</a:t>
-            </a:r>
-            <a:r>
-              <a:rPr lang="en-US" dirty="0"/>
-              <a:t>&gt;</a:t>
+              <a:rPr lang="en-US" dirty="0" smtClean="0"/>
+              <a:t>Actions: read, </a:t>
+            </a:r>
+            <a:r>
+              <a:rPr lang="en-US" dirty="0" err="1" smtClean="0"/>
+              <a:t>readbinary</a:t>
+            </a:r>
+            <a:r>
+              <a:rPr lang="en-US" dirty="0" smtClean="0"/>
+              <a:t>, write, append, delete, rename, upload, copy, move</a:t>
             </a:r>
           </a:p>
           <a:p>
             <a:pPr lvl="1"/>
             <a:r>
-              <a:rPr lang="en-US" dirty="0"/>
-              <a:t>&lt;</a:t>
-            </a:r>
-            <a:r>
-              <a:rPr lang="en-US" dirty="0" err="1"/>
-              <a:t>cfmailpart</a:t>
-            </a:r>
-            <a:r>
-              <a:rPr lang="en-US" dirty="0" smtClean="0"/>
-              <a:t>&gt;</a:t>
-            </a:r>
-          </a:p>
-          <a:p>
-            <a:r>
-              <a:rPr lang="en-US" dirty="0" smtClean="0"/>
-              <a:t>&lt;</a:t>
+              <a:rPr lang="en-US" dirty="0" smtClean="0"/>
+              <a:t>Exposes a special </a:t>
             </a:r>
             <a:r>
               <a:rPr lang="en-US" dirty="0" err="1" smtClean="0"/>
-              <a:t>cfdocument</a:t>
-            </a:r>
-            <a:r>
-              <a:rPr lang="en-US" dirty="0" smtClean="0"/>
-              <a:t>&gt;</a:t>
-            </a:r>
-          </a:p>
-          <a:p>
-            <a:pPr lvl="1"/>
-            <a:r>
-              <a:rPr lang="en-US" dirty="0" smtClean="0"/>
-              <a:t>&lt;</a:t>
-            </a:r>
-            <a:r>
-              <a:rPr lang="en-US" dirty="0" err="1" smtClean="0"/>
-              <a:t>cfdocumentsection</a:t>
-            </a:r>
-            <a:r>
-              <a:rPr lang="en-US" dirty="0" smtClean="0"/>
-              <a:t>&gt;</a:t>
-            </a:r>
-          </a:p>
-          <a:p>
-            <a:pPr lvl="1"/>
-            <a:r>
-              <a:rPr lang="en-US" dirty="0" smtClean="0"/>
-              <a:t>&lt;</a:t>
-            </a:r>
-            <a:r>
-              <a:rPr lang="en-US" dirty="0" err="1" smtClean="0"/>
-              <a:t>cfdocumentitem</a:t>
-            </a:r>
-            <a:r>
-              <a:rPr lang="en-US" dirty="0" smtClean="0"/>
-              <a:t>&gt;</a:t>
-            </a:r>
-          </a:p>
-          <a:p>
-            <a:r>
-              <a:rPr lang="en-US" dirty="0" smtClean="0"/>
-              <a:t>&lt;</a:t>
-            </a:r>
-            <a:r>
-              <a:rPr lang="en-US" dirty="0" err="1" smtClean="0"/>
-              <a:t>cfform</a:t>
-            </a:r>
-            <a:r>
-              <a:rPr lang="en-US" dirty="0" smtClean="0"/>
-              <a:t>&gt;</a:t>
-            </a:r>
-          </a:p>
-          <a:p>
-            <a:pPr lvl="1"/>
-            <a:r>
-              <a:rPr lang="en-US" dirty="0" smtClean="0"/>
-              <a:t>&lt;</a:t>
-            </a:r>
-            <a:r>
-              <a:rPr lang="en-US" dirty="0" err="1" smtClean="0"/>
-              <a:t>cfinput</a:t>
-            </a:r>
-            <a:r>
-              <a:rPr lang="en-US" dirty="0" smtClean="0"/>
-              <a:t>&gt;</a:t>
-            </a:r>
-          </a:p>
-          <a:p>
-            <a:pPr lvl="1"/>
-            <a:r>
-              <a:rPr lang="en-US" dirty="0" smtClean="0"/>
-              <a:t>&lt;</a:t>
-            </a:r>
-            <a:r>
-              <a:rPr lang="en-US" dirty="0" err="1" smtClean="0"/>
-              <a:t>cftextarea</a:t>
-            </a:r>
-            <a:r>
-              <a:rPr lang="en-US" dirty="0" smtClean="0"/>
-              <a:t>&gt;</a:t>
+              <a:t>cffile</a:t>
+            </a:r>
+            <a:r>
+              <a:rPr lang="en-US" dirty="0" smtClean="0"/>
+              <a:t> scope (sometimes)</a:t>
             </a:r>
           </a:p>
         </p:txBody>
@@ -9759,7 +10558,7 @@
     </p:spTree>
     <p:extLst>
       <p:ext uri="{BB962C8B-B14F-4D97-AF65-F5344CB8AC3E}">
-        <p14:creationId xmlns:p14="http://schemas.microsoft.com/office/powerpoint/2010/main" val="1012331123"/>
+        <p14:creationId xmlns:p14="http://schemas.microsoft.com/office/powerpoint/2010/main" val="2652134881"/>
       </p:ext>
     </p:extLst>
   </p:cSld>
@@ -9788,22 +10587,22 @@
       </p:grpSpPr>
       <p:sp>
         <p:nvSpPr>
-          <p:cNvPr id="4" name="Title 3"/>
-          <p:cNvSpPr>
-            <a:spLocks noGrp="1"/>
-          </p:cNvSpPr>
-          <p:nvPr>
-            <p:ph type="ctrTitle"/>
-          </p:nvPr>
-        </p:nvSpPr>
-        <p:spPr/>
-        <p:txBody>
-          <a:bodyPr/>
-          <a:lstStyle/>
-          <a:p>
-            <a:r>
-              <a:rPr lang="en-US" dirty="0" smtClean="0"/>
-              <a:t>Demo 03</a:t>
+          <p:cNvPr id="2" name="Title 1"/>
+          <p:cNvSpPr>
+            <a:spLocks noGrp="1"/>
+          </p:cNvSpPr>
+          <p:nvPr>
+            <p:ph type="title"/>
+          </p:nvPr>
+        </p:nvSpPr>
+        <p:spPr/>
+        <p:txBody>
+          <a:bodyPr/>
+          <a:lstStyle/>
+          <a:p>
+            <a:r>
+              <a:rPr lang="en-US" dirty="0" smtClean="0"/>
+              <a:t>Database Content</a:t>
             </a:r>
             <a:endParaRPr lang="en-US" dirty="0"/>
           </a:p>
@@ -9811,39 +10610,57 @@
       </p:sp>
       <p:sp>
         <p:nvSpPr>
-          <p:cNvPr id="5" name="Subtitle 4"/>
-          <p:cNvSpPr>
-            <a:spLocks noGrp="1"/>
-          </p:cNvSpPr>
-          <p:nvPr>
-            <p:ph type="subTitle" idx="1"/>
-          </p:nvPr>
-        </p:nvSpPr>
-        <p:spPr/>
-        <p:txBody>
-          <a:bodyPr/>
-          <a:lstStyle/>
-          <a:p>
-            <a:endParaRPr lang="en-US"/>
-          </a:p>
-        </p:txBody>
-      </p:sp>
-      <p:sp>
-        <p:nvSpPr>
-          <p:cNvPr id="6" name="Picture Placeholder 5"/>
-          <p:cNvSpPr>
-            <a:spLocks noGrp="1"/>
-          </p:cNvSpPr>
-          <p:nvPr>
-            <p:ph type="pic" idx="13"/>
-          </p:nvPr>
-        </p:nvSpPr>
-        <p:spPr/>
+          <p:cNvPr id="3" name="Content Placeholder 2"/>
+          <p:cNvSpPr>
+            <a:spLocks noGrp="1"/>
+          </p:cNvSpPr>
+          <p:nvPr>
+            <p:ph idx="1"/>
+          </p:nvPr>
+        </p:nvSpPr>
+        <p:spPr/>
+        <p:txBody>
+          <a:bodyPr/>
+          <a:lstStyle/>
+          <a:p>
+            <a:r>
+              <a:rPr lang="en-US" dirty="0"/>
+              <a:t>&lt;</a:t>
+            </a:r>
+            <a:r>
+              <a:rPr lang="en-US" dirty="0" err="1"/>
+              <a:t>cfquery</a:t>
+            </a:r>
+            <a:r>
+              <a:rPr lang="en-US" dirty="0"/>
+              <a:t>&gt;, &lt;</a:t>
+            </a:r>
+            <a:r>
+              <a:rPr lang="en-US" dirty="0" err="1"/>
+              <a:t>cfqueryparam</a:t>
+            </a:r>
+            <a:r>
+              <a:rPr lang="en-US" dirty="0"/>
+              <a:t>&gt;, &lt;</a:t>
+            </a:r>
+            <a:r>
+              <a:rPr lang="en-US" dirty="0" err="1"/>
+              <a:t>cftransaction</a:t>
+            </a:r>
+            <a:r>
+              <a:rPr lang="en-US" dirty="0"/>
+              <a:t>&gt;</a:t>
+            </a:r>
+          </a:p>
+          <a:p>
+            <a:endParaRPr lang="en-US" dirty="0"/>
+          </a:p>
+        </p:txBody>
       </p:sp>
     </p:spTree>
     <p:extLst>
       <p:ext uri="{BB962C8B-B14F-4D97-AF65-F5344CB8AC3E}">
-        <p14:creationId xmlns:p14="http://schemas.microsoft.com/office/powerpoint/2010/main" val="2368212209"/>
+        <p14:creationId xmlns:p14="http://schemas.microsoft.com/office/powerpoint/2010/main" val="3347231083"/>
       </p:ext>
     </p:extLst>
   </p:cSld>
@@ -9872,22 +10689,22 @@
       </p:grpSpPr>
       <p:sp>
         <p:nvSpPr>
-          <p:cNvPr id="5" name="Title 4"/>
-          <p:cNvSpPr>
-            <a:spLocks noGrp="1"/>
-          </p:cNvSpPr>
-          <p:nvPr>
-            <p:ph type="title"/>
-          </p:nvPr>
-        </p:nvSpPr>
-        <p:spPr/>
-        <p:txBody>
-          <a:bodyPr/>
-          <a:lstStyle/>
-          <a:p>
-            <a:r>
-              <a:rPr lang="en-US" dirty="0" smtClean="0"/>
-              <a:t>CFCs</a:t>
+          <p:cNvPr id="4" name="Title 3"/>
+          <p:cNvSpPr>
+            <a:spLocks noGrp="1"/>
+          </p:cNvSpPr>
+          <p:nvPr>
+            <p:ph type="ctrTitle"/>
+          </p:nvPr>
+        </p:nvSpPr>
+        <p:spPr/>
+        <p:txBody>
+          <a:bodyPr/>
+          <a:lstStyle/>
+          <a:p>
+            <a:r>
+              <a:rPr lang="en-US" dirty="0" smtClean="0"/>
+              <a:t>Demo 03</a:t>
             </a:r>
             <a:endParaRPr lang="en-US" dirty="0"/>
           </a:p>
@@ -9895,12 +10712,12 @@
       </p:sp>
       <p:sp>
         <p:nvSpPr>
-          <p:cNvPr id="6" name="Content Placeholder 5"/>
-          <p:cNvSpPr>
-            <a:spLocks noGrp="1"/>
-          </p:cNvSpPr>
-          <p:nvPr>
-            <p:ph idx="1"/>
+          <p:cNvPr id="5" name="Subtitle 4"/>
+          <p:cNvSpPr>
+            <a:spLocks noGrp="1"/>
+          </p:cNvSpPr>
+          <p:nvPr>
+            <p:ph type="subTitle" idx="1"/>
           </p:nvPr>
         </p:nvSpPr>
         <p:spPr/>
@@ -9911,11 +10728,369 @@
             <a:endParaRPr lang="en-US"/>
           </a:p>
         </p:txBody>
+      </p:sp>
+      <p:sp>
+        <p:nvSpPr>
+          <p:cNvPr id="6" name="Picture Placeholder 5"/>
+          <p:cNvSpPr>
+            <a:spLocks noGrp="1"/>
+          </p:cNvSpPr>
+          <p:nvPr>
+            <p:ph type="pic" idx="13"/>
+          </p:nvPr>
+        </p:nvSpPr>
+        <p:spPr/>
       </p:sp>
     </p:spTree>
     <p:extLst>
       <p:ext uri="{BB962C8B-B14F-4D97-AF65-F5344CB8AC3E}">
-        <p14:creationId xmlns:p14="http://schemas.microsoft.com/office/powerpoint/2010/main" val="2014084714"/>
+        <p14:creationId xmlns:p14="http://schemas.microsoft.com/office/powerpoint/2010/main" val="2368212209"/>
+      </p:ext>
+    </p:extLst>
+  </p:cSld>
+  <p:clrMapOvr>
+    <a:masterClrMapping/>
+  </p:clrMapOvr>
+</p:sld>
+</file>
+
+<file path=ppt/slides/slide28.xml><?xml version="1.0" encoding="utf-8"?>
+<p:sld xmlns:a="http://schemas.openxmlformats.org/drawingml/2006/main" xmlns:r="http://schemas.openxmlformats.org/officeDocument/2006/relationships" xmlns:p="http://schemas.openxmlformats.org/presentationml/2006/main">
+  <p:cSld>
+    <p:spTree>
+      <p:nvGrpSpPr>
+        <p:cNvPr id="1" name=""/>
+        <p:cNvGrpSpPr/>
+        <p:nvPr/>
+      </p:nvGrpSpPr>
+      <p:grpSpPr>
+        <a:xfrm>
+          <a:off x="0" y="0"/>
+          <a:ext cx="0" cy="0"/>
+          <a:chOff x="0" y="0"/>
+          <a:chExt cx="0" cy="0"/>
+        </a:xfrm>
+      </p:grpSpPr>
+      <p:sp>
+        <p:nvSpPr>
+          <p:cNvPr id="5" name="Title 4"/>
+          <p:cNvSpPr>
+            <a:spLocks noGrp="1"/>
+          </p:cNvSpPr>
+          <p:nvPr>
+            <p:ph type="title"/>
+          </p:nvPr>
+        </p:nvSpPr>
+        <p:spPr/>
+        <p:txBody>
+          <a:bodyPr/>
+          <a:lstStyle/>
+          <a:p>
+            <a:r>
+              <a:rPr lang="en-US" sz="4400" dirty="0" smtClean="0">
+                <a:latin typeface="Courier New"/>
+                <a:cs typeface="Courier New"/>
+              </a:rPr>
+              <a:t>&lt;</a:t>
+            </a:r>
+            <a:r>
+              <a:rPr lang="en-US" sz="4400" dirty="0" err="1" smtClean="0">
+                <a:latin typeface="Courier New"/>
+                <a:cs typeface="Courier New"/>
+                <a:hlinkClick r:id="rId2"/>
+              </a:rPr>
+              <a:t>cfscript</a:t>
+            </a:r>
+            <a:r>
+              <a:rPr lang="en-US" sz="4400" dirty="0" smtClean="0">
+                <a:latin typeface="Courier New"/>
+                <a:cs typeface="Courier New"/>
+              </a:rPr>
+              <a:t>&gt;</a:t>
+            </a:r>
+            <a:endParaRPr lang="en-US" sz="4400" dirty="0">
+              <a:latin typeface="Courier New"/>
+              <a:cs typeface="Courier New"/>
+            </a:endParaRPr>
+          </a:p>
+        </p:txBody>
+      </p:sp>
+      <p:sp>
+        <p:nvSpPr>
+          <p:cNvPr id="6" name="Content Placeholder 5"/>
+          <p:cNvSpPr>
+            <a:spLocks noGrp="1"/>
+          </p:cNvSpPr>
+          <p:nvPr>
+            <p:ph idx="1"/>
+          </p:nvPr>
+        </p:nvSpPr>
+        <p:spPr/>
+        <p:txBody>
+          <a:bodyPr/>
+          <a:lstStyle/>
+          <a:p>
+            <a:r>
+              <a:rPr lang="en-US" dirty="0" smtClean="0"/>
+              <a:t>An entire ECMA-style scripting language</a:t>
+            </a:r>
+          </a:p>
+          <a:p>
+            <a:r>
+              <a:rPr lang="en-US" dirty="0" smtClean="0"/>
+              <a:t>Removes dependency on tag-based markup</a:t>
+            </a:r>
+          </a:p>
+          <a:p>
+            <a:r>
+              <a:rPr lang="en-US" dirty="0" smtClean="0"/>
+              <a:t>Feels “more at home” or “cleaner” for some developers</a:t>
+            </a:r>
+          </a:p>
+          <a:p>
+            <a:r>
+              <a:rPr lang="en-US" dirty="0" smtClean="0"/>
+              <a:t>Can be used amongst tag-based CFML</a:t>
+            </a:r>
+          </a:p>
+          <a:p>
+            <a:r>
+              <a:rPr lang="en-US" dirty="0" smtClean="0">
+                <a:hlinkClick r:id="rId3"/>
+              </a:rPr>
+              <a:t>Learn more</a:t>
+            </a:r>
+            <a:r>
+              <a:rPr lang="en-US" dirty="0" smtClean="0"/>
+              <a:t>.</a:t>
+            </a:r>
+            <a:endParaRPr lang="en-US" dirty="0"/>
+          </a:p>
+        </p:txBody>
+      </p:sp>
+    </p:spTree>
+    <p:extLst>
+      <p:ext uri="{BB962C8B-B14F-4D97-AF65-F5344CB8AC3E}">
+        <p14:creationId xmlns:p14="http://schemas.microsoft.com/office/powerpoint/2010/main" val="815495905"/>
+      </p:ext>
+    </p:extLst>
+  </p:cSld>
+  <p:clrMapOvr>
+    <a:masterClrMapping/>
+  </p:clrMapOvr>
+</p:sld>
+</file>
+
+<file path=ppt/slides/slide29.xml><?xml version="1.0" encoding="utf-8"?>
+<p:sld xmlns:a="http://schemas.openxmlformats.org/drawingml/2006/main" xmlns:r="http://schemas.openxmlformats.org/officeDocument/2006/relationships" xmlns:p="http://schemas.openxmlformats.org/presentationml/2006/main">
+  <p:cSld>
+    <p:spTree>
+      <p:nvGrpSpPr>
+        <p:cNvPr id="1" name=""/>
+        <p:cNvGrpSpPr/>
+        <p:nvPr/>
+      </p:nvGrpSpPr>
+      <p:grpSpPr>
+        <a:xfrm>
+          <a:off x="0" y="0"/>
+          <a:ext cx="0" cy="0"/>
+          <a:chOff x="0" y="0"/>
+          <a:chExt cx="0" cy="0"/>
+        </a:xfrm>
+      </p:grpSpPr>
+      <p:sp>
+        <p:nvSpPr>
+          <p:cNvPr id="2" name="Title 1"/>
+          <p:cNvSpPr>
+            <a:spLocks noGrp="1"/>
+          </p:cNvSpPr>
+          <p:nvPr>
+            <p:ph type="title"/>
+          </p:nvPr>
+        </p:nvSpPr>
+        <p:spPr/>
+        <p:txBody>
+          <a:bodyPr/>
+          <a:lstStyle/>
+          <a:p>
+            <a:r>
+              <a:rPr lang="en-US" dirty="0" smtClean="0"/>
+              <a:t>Functions</a:t>
+            </a:r>
+            <a:endParaRPr lang="en-US" dirty="0"/>
+          </a:p>
+        </p:txBody>
+      </p:sp>
+      <p:sp>
+        <p:nvSpPr>
+          <p:cNvPr id="3" name="Content Placeholder 2"/>
+          <p:cNvSpPr>
+            <a:spLocks noGrp="1"/>
+          </p:cNvSpPr>
+          <p:nvPr>
+            <p:ph idx="1"/>
+          </p:nvPr>
+        </p:nvSpPr>
+        <p:spPr/>
+        <p:txBody>
+          <a:bodyPr/>
+          <a:lstStyle/>
+          <a:p>
+            <a:r>
+              <a:rPr lang="en-US" dirty="0" smtClean="0"/>
+              <a:t>2 basic types: </a:t>
+            </a:r>
+            <a:r>
+              <a:rPr lang="en-US" dirty="0" smtClean="0">
+                <a:hlinkClick r:id="rId3"/>
+              </a:rPr>
+              <a:t>core</a:t>
+            </a:r>
+            <a:r>
+              <a:rPr lang="en-US" dirty="0" smtClean="0"/>
+              <a:t> (built-in) and user-defined (UDF)</a:t>
+            </a:r>
+          </a:p>
+          <a:p>
+            <a:r>
+              <a:rPr lang="en-US" dirty="0" smtClean="0"/>
+              <a:t>Can </a:t>
+            </a:r>
+            <a:r>
+              <a:rPr lang="en-US" dirty="0" smtClean="0"/>
+              <a:t>define custom </a:t>
+            </a:r>
+            <a:r>
+              <a:rPr lang="en-US" dirty="0" smtClean="0"/>
+              <a:t>using </a:t>
+            </a:r>
+            <a:r>
+              <a:rPr lang="en-US" sz="2000" dirty="0" smtClean="0">
+                <a:latin typeface="Courier New"/>
+                <a:cs typeface="Courier New"/>
+              </a:rPr>
+              <a:t>&lt;</a:t>
+            </a:r>
+            <a:r>
+              <a:rPr lang="en-US" sz="2000" dirty="0" err="1" smtClean="0">
+                <a:latin typeface="Courier New"/>
+                <a:cs typeface="Courier New"/>
+              </a:rPr>
+              <a:t>cffunction</a:t>
+            </a:r>
+            <a:r>
+              <a:rPr lang="en-US" sz="2000" dirty="0" smtClean="0">
+                <a:latin typeface="Courier New"/>
+                <a:cs typeface="Courier New"/>
+              </a:rPr>
+              <a:t> …&gt; </a:t>
+            </a:r>
+            <a:r>
+              <a:rPr lang="en-US" dirty="0" smtClean="0"/>
+              <a:t>or CFCs</a:t>
+            </a:r>
+          </a:p>
+          <a:p>
+            <a:r>
+              <a:rPr lang="en-US" dirty="0" smtClean="0"/>
+              <a:t>Might return a value, output something, or both</a:t>
+            </a:r>
+          </a:p>
+          <a:p>
+            <a:r>
+              <a:rPr lang="en-US" dirty="0" smtClean="0"/>
+              <a:t>Syntax</a:t>
+            </a:r>
+          </a:p>
+          <a:p>
+            <a:pPr lvl="1"/>
+            <a:r>
+              <a:rPr lang="en-US" sz="2000" dirty="0" err="1" smtClean="0">
+                <a:latin typeface="Courier New"/>
+                <a:cs typeface="Courier New"/>
+              </a:rPr>
+              <a:t>FunctionName</a:t>
+            </a:r>
+            <a:r>
+              <a:rPr lang="en-US" sz="2000" dirty="0" smtClean="0">
+                <a:latin typeface="Courier New"/>
+                <a:cs typeface="Courier New"/>
+              </a:rPr>
+              <a:t>(“Miles”, 28)</a:t>
+            </a:r>
+          </a:p>
+          <a:p>
+            <a:pPr lvl="1"/>
+            <a:r>
+              <a:rPr lang="en-US" sz="2000" dirty="0" err="1" smtClean="0">
+                <a:latin typeface="Courier New"/>
+                <a:cs typeface="Courier New"/>
+              </a:rPr>
+              <a:t>FunctionName</a:t>
+            </a:r>
+            <a:r>
+              <a:rPr lang="en-US" sz="2000" dirty="0" smtClean="0">
+                <a:latin typeface="Courier New"/>
+                <a:cs typeface="Courier New"/>
+              </a:rPr>
+              <a:t>(name = “Miles”, age = 28)</a:t>
+            </a:r>
+          </a:p>
+          <a:p>
+            <a:pPr lvl="1"/>
+            <a:r>
+              <a:rPr lang="en-US" sz="2000" dirty="0" err="1" smtClean="0">
+                <a:latin typeface="Courier New"/>
+                <a:cs typeface="Courier New"/>
+              </a:rPr>
+              <a:t>FunctionName</a:t>
+            </a:r>
+            <a:r>
+              <a:rPr lang="en-US" sz="2000" dirty="0" smtClean="0">
+                <a:latin typeface="Courier New"/>
+                <a:cs typeface="Courier New"/>
+              </a:rPr>
+              <a:t>(</a:t>
+            </a:r>
+            <a:r>
+              <a:rPr lang="en-US" sz="2000" dirty="0" err="1" smtClean="0">
+                <a:latin typeface="Courier New"/>
+                <a:cs typeface="Courier New"/>
+              </a:rPr>
+              <a:t>argumentcollection</a:t>
+            </a:r>
+            <a:r>
+              <a:rPr lang="en-US" sz="2000" dirty="0" smtClean="0">
+                <a:latin typeface="Courier New"/>
+                <a:cs typeface="Courier New"/>
+              </a:rPr>
+              <a:t> = </a:t>
+            </a:r>
+            <a:r>
+              <a:rPr lang="en-US" sz="2000" dirty="0" err="1" smtClean="0">
+                <a:latin typeface="Courier New"/>
+                <a:cs typeface="Courier New"/>
+              </a:rPr>
+              <a:t>argsStruct</a:t>
+            </a:r>
+            <a:r>
+              <a:rPr lang="en-US" sz="2000" dirty="0" smtClean="0">
+                <a:latin typeface="Courier New"/>
+                <a:cs typeface="Courier New"/>
+              </a:rPr>
+              <a:t>)</a:t>
+            </a:r>
+            <a:endParaRPr lang="en-US" sz="2000" dirty="0">
+              <a:latin typeface="Courier New"/>
+              <a:cs typeface="Courier New"/>
+            </a:endParaRPr>
+          </a:p>
+        </p:txBody>
+      </p:sp>
+    </p:spTree>
+    <p:extLst>
+      <p:ext uri="{BB962C8B-B14F-4D97-AF65-F5344CB8AC3E}">
+        <p14:creationId xmlns:p14="http://schemas.microsoft.com/office/powerpoint/2010/main" val="1785793510"/>
       </p:ext>
     </p:extLst>
   </p:cSld>
@@ -10048,6 +11223,344 @@
       <p:transition xmlns:p14="http://schemas.microsoft.com/office/powerpoint/2010/main" spd="slow"/>
     </mc:Fallback>
   </mc:AlternateContent>
+</p:sld>
+</file>
+
+<file path=ppt/slides/slide30.xml><?xml version="1.0" encoding="utf-8"?>
+<p:sld xmlns:a="http://schemas.openxmlformats.org/drawingml/2006/main" xmlns:r="http://schemas.openxmlformats.org/officeDocument/2006/relationships" xmlns:p="http://schemas.openxmlformats.org/presentationml/2006/main">
+  <p:cSld>
+    <p:spTree>
+      <p:nvGrpSpPr>
+        <p:cNvPr id="1" name=""/>
+        <p:cNvGrpSpPr/>
+        <p:nvPr/>
+      </p:nvGrpSpPr>
+      <p:grpSpPr>
+        <a:xfrm>
+          <a:off x="0" y="0"/>
+          <a:ext cx="0" cy="0"/>
+          <a:chOff x="0" y="0"/>
+          <a:chExt cx="0" cy="0"/>
+        </a:xfrm>
+      </p:grpSpPr>
+      <p:sp>
+        <p:nvSpPr>
+          <p:cNvPr id="2" name="Title 1"/>
+          <p:cNvSpPr>
+            <a:spLocks noGrp="1"/>
+          </p:cNvSpPr>
+          <p:nvPr>
+            <p:ph type="title"/>
+          </p:nvPr>
+        </p:nvSpPr>
+        <p:spPr/>
+        <p:txBody>
+          <a:bodyPr/>
+          <a:lstStyle/>
+          <a:p>
+            <a:r>
+              <a:rPr lang="en-US" dirty="0" smtClean="0"/>
+              <a:t>UDFs</a:t>
+            </a:r>
+            <a:endParaRPr lang="en-US" dirty="0"/>
+          </a:p>
+        </p:txBody>
+      </p:sp>
+      <p:sp>
+        <p:nvSpPr>
+          <p:cNvPr id="3" name="Content Placeholder 2"/>
+          <p:cNvSpPr>
+            <a:spLocks noGrp="1"/>
+          </p:cNvSpPr>
+          <p:nvPr>
+            <p:ph idx="1"/>
+          </p:nvPr>
+        </p:nvSpPr>
+        <p:spPr/>
+        <p:txBody>
+          <a:bodyPr/>
+          <a:lstStyle/>
+          <a:p>
+            <a:r>
+              <a:rPr lang="en-US" sz="2000" dirty="0" smtClean="0">
+                <a:latin typeface="Courier New"/>
+                <a:cs typeface="Courier New"/>
+              </a:rPr>
+              <a:t>&lt;</a:t>
+            </a:r>
+            <a:r>
+              <a:rPr lang="en-US" sz="2000" dirty="0" smtClean="0">
+                <a:latin typeface="Courier New"/>
+                <a:cs typeface="Courier New"/>
+                <a:hlinkClick r:id="rId2"/>
+              </a:rPr>
+              <a:t>cffunction</a:t>
+            </a:r>
+            <a:r>
+              <a:rPr lang="en-US" sz="2000" dirty="0" smtClean="0">
+                <a:latin typeface="Courier New"/>
+                <a:cs typeface="Courier New"/>
+              </a:rPr>
+              <a:t> name=“NAME” access=“ACCESS” </a:t>
+            </a:r>
+            <a:r>
+              <a:rPr lang="en-US" sz="2000" dirty="0" err="1" smtClean="0">
+                <a:latin typeface="Courier New"/>
+                <a:cs typeface="Courier New"/>
+              </a:rPr>
+              <a:t>returntype</a:t>
+            </a:r>
+            <a:r>
+              <a:rPr lang="en-US" sz="2000" dirty="0" smtClean="0">
+                <a:latin typeface="Courier New"/>
+                <a:cs typeface="Courier New"/>
+              </a:rPr>
+              <a:t>=“VARIABLE TYPE”&gt;,</a:t>
+            </a:r>
+            <a:br>
+              <a:rPr lang="en-US" sz="2000" dirty="0" smtClean="0">
+                <a:latin typeface="Courier New"/>
+                <a:cs typeface="Courier New"/>
+              </a:rPr>
+            </a:br>
+            <a:r>
+              <a:rPr lang="en-US" sz="2000" dirty="0" smtClean="0">
+                <a:latin typeface="Courier New"/>
+                <a:cs typeface="Courier New"/>
+              </a:rPr>
+              <a:t>&lt;</a:t>
+            </a:r>
+            <a:r>
+              <a:rPr lang="en-US" sz="2000" dirty="0" smtClean="0">
+                <a:latin typeface="Courier New"/>
+                <a:cs typeface="Courier New"/>
+                <a:hlinkClick r:id="rId3"/>
+              </a:rPr>
+              <a:t>cfargument</a:t>
+            </a:r>
+            <a:r>
+              <a:rPr lang="en-US" sz="2000" dirty="0" smtClean="0">
+                <a:latin typeface="Courier New"/>
+                <a:cs typeface="Courier New"/>
+              </a:rPr>
+              <a:t> name=“NAME” required=“BOOLEAN” type=“VARIABLE TYPE” default=“VALUE”&gt;,</a:t>
+            </a:r>
+            <a:br>
+              <a:rPr lang="en-US" sz="2000" dirty="0" smtClean="0">
+                <a:latin typeface="Courier New"/>
+                <a:cs typeface="Courier New"/>
+              </a:rPr>
+            </a:br>
+            <a:r>
+              <a:rPr lang="en-US" sz="2000" dirty="0" smtClean="0">
+                <a:latin typeface="Courier New"/>
+                <a:cs typeface="Courier New"/>
+              </a:rPr>
+              <a:t>&lt;</a:t>
+            </a:r>
+            <a:r>
+              <a:rPr lang="en-US" sz="2000" dirty="0" smtClean="0">
+                <a:latin typeface="Courier New"/>
+                <a:cs typeface="Courier New"/>
+                <a:hlinkClick r:id="rId4"/>
+              </a:rPr>
+              <a:t>cfreturn</a:t>
+            </a:r>
+            <a:r>
+              <a:rPr lang="en-US" sz="2000" dirty="0" smtClean="0">
+                <a:latin typeface="Courier New"/>
+                <a:cs typeface="Courier New"/>
+              </a:rPr>
+              <a:t> VAL&gt;</a:t>
+            </a:r>
+          </a:p>
+          <a:p>
+            <a:pPr lvl="1"/>
+            <a:r>
+              <a:rPr lang="en-US" dirty="0" smtClean="0"/>
+              <a:t>Accesses: public, private, package, remote</a:t>
+            </a:r>
+          </a:p>
+          <a:p>
+            <a:pPr lvl="1"/>
+            <a:r>
+              <a:rPr lang="en-US" dirty="0" smtClean="0"/>
+              <a:t>Exposes a special arguments scope</a:t>
+            </a:r>
+            <a:endParaRPr lang="en-US" dirty="0"/>
+          </a:p>
+        </p:txBody>
+      </p:sp>
+    </p:spTree>
+    <p:extLst>
+      <p:ext uri="{BB962C8B-B14F-4D97-AF65-F5344CB8AC3E}">
+        <p14:creationId xmlns:p14="http://schemas.microsoft.com/office/powerpoint/2010/main" val="344482261"/>
+      </p:ext>
+    </p:extLst>
+  </p:cSld>
+  <p:clrMapOvr>
+    <a:masterClrMapping/>
+  </p:clrMapOvr>
+</p:sld>
+</file>
+
+<file path=ppt/slides/slide31.xml><?xml version="1.0" encoding="utf-8"?>
+<p:sld xmlns:a="http://schemas.openxmlformats.org/drawingml/2006/main" xmlns:r="http://schemas.openxmlformats.org/officeDocument/2006/relationships" xmlns:p="http://schemas.openxmlformats.org/presentationml/2006/main">
+  <p:cSld>
+    <p:spTree>
+      <p:nvGrpSpPr>
+        <p:cNvPr id="1" name=""/>
+        <p:cNvGrpSpPr/>
+        <p:nvPr/>
+      </p:nvGrpSpPr>
+      <p:grpSpPr>
+        <a:xfrm>
+          <a:off x="0" y="0"/>
+          <a:ext cx="0" cy="0"/>
+          <a:chOff x="0" y="0"/>
+          <a:chExt cx="0" cy="0"/>
+        </a:xfrm>
+      </p:grpSpPr>
+      <p:sp>
+        <p:nvSpPr>
+          <p:cNvPr id="4" name="Title 3"/>
+          <p:cNvSpPr>
+            <a:spLocks noGrp="1"/>
+          </p:cNvSpPr>
+          <p:nvPr>
+            <p:ph type="ctrTitle"/>
+          </p:nvPr>
+        </p:nvSpPr>
+        <p:spPr/>
+        <p:txBody>
+          <a:bodyPr/>
+          <a:lstStyle/>
+          <a:p>
+            <a:r>
+              <a:rPr lang="en-US" dirty="0" smtClean="0"/>
+              <a:t>Demo </a:t>
+            </a:r>
+            <a:r>
+              <a:rPr lang="en-US" dirty="0" smtClean="0"/>
+              <a:t>04</a:t>
+            </a:r>
+            <a:endParaRPr lang="en-US" dirty="0"/>
+          </a:p>
+        </p:txBody>
+      </p:sp>
+      <p:sp>
+        <p:nvSpPr>
+          <p:cNvPr id="5" name="Subtitle 4"/>
+          <p:cNvSpPr>
+            <a:spLocks noGrp="1"/>
+          </p:cNvSpPr>
+          <p:nvPr>
+            <p:ph type="subTitle" idx="1"/>
+          </p:nvPr>
+        </p:nvSpPr>
+        <p:spPr/>
+        <p:txBody>
+          <a:bodyPr/>
+          <a:lstStyle/>
+          <a:p>
+            <a:endParaRPr lang="en-US"/>
+          </a:p>
+        </p:txBody>
+      </p:sp>
+      <p:sp>
+        <p:nvSpPr>
+          <p:cNvPr id="6" name="Picture Placeholder 5"/>
+          <p:cNvSpPr>
+            <a:spLocks noGrp="1"/>
+          </p:cNvSpPr>
+          <p:nvPr>
+            <p:ph type="pic" idx="13"/>
+          </p:nvPr>
+        </p:nvSpPr>
+        <p:spPr/>
+      </p:sp>
+    </p:spTree>
+    <p:extLst>
+      <p:ext uri="{BB962C8B-B14F-4D97-AF65-F5344CB8AC3E}">
+        <p14:creationId xmlns:p14="http://schemas.microsoft.com/office/powerpoint/2010/main" val="4245153542"/>
+      </p:ext>
+    </p:extLst>
+  </p:cSld>
+  <p:clrMapOvr>
+    <a:masterClrMapping/>
+  </p:clrMapOvr>
+</p:sld>
+</file>
+
+<file path=ppt/slides/slide32.xml><?xml version="1.0" encoding="utf-8"?>
+<p:sld xmlns:a="http://schemas.openxmlformats.org/drawingml/2006/main" xmlns:r="http://schemas.openxmlformats.org/officeDocument/2006/relationships" xmlns:p="http://schemas.openxmlformats.org/presentationml/2006/main">
+  <p:cSld>
+    <p:spTree>
+      <p:nvGrpSpPr>
+        <p:cNvPr id="1" name=""/>
+        <p:cNvGrpSpPr/>
+        <p:nvPr/>
+      </p:nvGrpSpPr>
+      <p:grpSpPr>
+        <a:xfrm>
+          <a:off x="0" y="0"/>
+          <a:ext cx="0" cy="0"/>
+          <a:chOff x="0" y="0"/>
+          <a:chExt cx="0" cy="0"/>
+        </a:xfrm>
+      </p:grpSpPr>
+      <p:sp>
+        <p:nvSpPr>
+          <p:cNvPr id="5" name="Title 4"/>
+          <p:cNvSpPr>
+            <a:spLocks noGrp="1"/>
+          </p:cNvSpPr>
+          <p:nvPr>
+            <p:ph type="title"/>
+          </p:nvPr>
+        </p:nvSpPr>
+        <p:spPr/>
+        <p:txBody>
+          <a:bodyPr/>
+          <a:lstStyle/>
+          <a:p>
+            <a:r>
+              <a:rPr lang="en-US" dirty="0" smtClean="0"/>
+              <a:t>CFCs</a:t>
+            </a:r>
+            <a:endParaRPr lang="en-US" dirty="0"/>
+          </a:p>
+        </p:txBody>
+      </p:sp>
+      <p:sp>
+        <p:nvSpPr>
+          <p:cNvPr id="6" name="Content Placeholder 5"/>
+          <p:cNvSpPr>
+            <a:spLocks noGrp="1"/>
+          </p:cNvSpPr>
+          <p:nvPr>
+            <p:ph idx="1"/>
+          </p:nvPr>
+        </p:nvSpPr>
+        <p:spPr/>
+        <p:txBody>
+          <a:bodyPr/>
+          <a:lstStyle/>
+          <a:p>
+            <a:endParaRPr lang="en-US"/>
+          </a:p>
+        </p:txBody>
+      </p:sp>
+    </p:spTree>
+    <p:extLst>
+      <p:ext uri="{BB962C8B-B14F-4D97-AF65-F5344CB8AC3E}">
+        <p14:creationId xmlns:p14="http://schemas.microsoft.com/office/powerpoint/2010/main" val="2014084714"/>
+      </p:ext>
+    </p:extLst>
+  </p:cSld>
+  <p:clrMapOvr>
+    <a:masterClrMapping/>
+  </p:clrMapOvr>
 </p:sld>
 </file>
 
@@ -10517,25 +12030,31 @@
           </a:p>
         </p:txBody>
       </p:sp>
-      <p:sp>
-        <p:nvSpPr>
-          <p:cNvPr id="3" name="Content Placeholder 2"/>
-          <p:cNvSpPr>
-            <a:spLocks noGrp="1"/>
-          </p:cNvSpPr>
+      <p:pic>
+        <p:nvPicPr>
+          <p:cNvPr id="4" name="Content Placeholder 3" descr="tag-index.inc.jpg"/>
+          <p:cNvPicPr>
+            <a:picLocks noGrp="1" noChangeAspect="1"/>
+          </p:cNvPicPr>
           <p:nvPr>
             <p:ph idx="1"/>
           </p:nvPr>
-        </p:nvSpPr>
-        <p:spPr/>
-        <p:txBody>
-          <a:bodyPr/>
-          <a:lstStyle/>
-          <a:p>
-            <a:endParaRPr lang="en-US"/>
-          </a:p>
-        </p:txBody>
-      </p:sp>
+        </p:nvPicPr>
+        <p:blipFill>
+          <a:blip r:embed="rId3">
+            <a:extLst>
+              <a:ext uri="{28A0092B-C50C-407E-A947-70E740481C1C}">
+                <a14:useLocalDpi xmlns:a14="http://schemas.microsoft.com/office/drawing/2010/main" val="0"/>
+              </a:ext>
+            </a:extLst>
+          </a:blip>
+          <a:srcRect t="8777" b="8777"/>
+          <a:stretch>
+            <a:fillRect/>
+          </a:stretch>
+        </p:blipFill>
+        <p:spPr/>
+      </p:pic>
     </p:spTree>
     <p:extLst>
       <p:ext uri="{BB962C8B-B14F-4D97-AF65-F5344CB8AC3E}">

--- a/presentation.pptx
+++ b/presentation.pptx
@@ -223,7 +223,7 @@
           <a:p>
             <a:fld id="{7AEE52E7-1768-1242-A166-3ECCD64BD606}" type="datetimeFigureOut">
               <a:rPr lang="en-US" smtClean="0"/>
-              <a:t>11/3/11</a:t>
+              <a:t>11/4/11</a:t>
             </a:fld>
             <a:endParaRPr lang="en-US"/>
           </a:p>
@@ -1797,11 +1797,7 @@
           <a:p>
             <a:r>
               <a:rPr lang="en-US" dirty="0" smtClean="0"/>
-              <a:t>http</a:t>
-            </a:r>
-            <a:r>
-              <a:rPr lang="en-US" dirty="0" smtClean="0"/>
-              <a:t>://</a:t>
+              <a:t>http://</a:t>
             </a:r>
             <a:r>
               <a:rPr lang="en-US" dirty="0" err="1" smtClean="0"/>
@@ -3239,11 +3235,7 @@
           <a:p>
             <a:r>
               <a:rPr lang="en-US" dirty="0" smtClean="0"/>
-              <a:t>Create </a:t>
-            </a:r>
-            <a:r>
-              <a:rPr lang="en-US" dirty="0" smtClean="0"/>
-              <a:t>the Mr. Octopus</a:t>
+              <a:t>Create the Mr. Octopus</a:t>
             </a:r>
             <a:r>
               <a:rPr lang="en-US" baseline="0" dirty="0" smtClean="0"/>
@@ -3599,7 +3591,7 @@
             <a:fld id="{8ACDB3CC-F982-40F9-8DD6-BCC9AFBF44BD}" type="datetime1">
               <a:rPr lang="en-US" smtClean="0"/>
               <a:pPr/>
-              <a:t>11/3/11</a:t>
+              <a:t>11/4/11</a:t>
             </a:fld>
             <a:endParaRPr lang="en-US" dirty="0"/>
           </a:p>
@@ -3792,7 +3784,7 @@
           <a:p>
             <a:fld id="{8604C85F-9729-E84D-AABC-8B386584B07D}" type="datetimeFigureOut">
               <a:rPr lang="en-US" smtClean="0"/>
-              <a:t>11/3/11</a:t>
+              <a:t>11/4/11</a:t>
             </a:fld>
             <a:endParaRPr lang="en-US"/>
           </a:p>
@@ -4061,7 +4053,7 @@
           <a:p>
             <a:fld id="{8604C85F-9729-E84D-AABC-8B386584B07D}" type="datetimeFigureOut">
               <a:rPr lang="en-US" smtClean="0"/>
-              <a:t>11/3/11</a:t>
+              <a:t>11/4/11</a:t>
             </a:fld>
             <a:endParaRPr lang="en-US"/>
           </a:p>
@@ -4240,7 +4232,7 @@
           <a:p>
             <a:fld id="{8604C85F-9729-E84D-AABC-8B386584B07D}" type="datetimeFigureOut">
               <a:rPr lang="en-US" smtClean="0"/>
-              <a:t>11/3/11</a:t>
+              <a:t>11/4/11</a:t>
             </a:fld>
             <a:endParaRPr lang="en-US"/>
           </a:p>
@@ -4409,7 +4401,7 @@
           <a:p>
             <a:fld id="{8604C85F-9729-E84D-AABC-8B386584B07D}" type="datetimeFigureOut">
               <a:rPr lang="en-US" smtClean="0"/>
-              <a:t>11/3/11</a:t>
+              <a:t>11/4/11</a:t>
             </a:fld>
             <a:endParaRPr lang="en-US"/>
           </a:p>
@@ -4651,7 +4643,7 @@
           <a:p>
             <a:fld id="{8604C85F-9729-E84D-AABC-8B386584B07D}" type="datetimeFigureOut">
               <a:rPr lang="en-US" smtClean="0"/>
-              <a:t>11/3/11</a:t>
+              <a:t>11/4/11</a:t>
             </a:fld>
             <a:endParaRPr lang="en-US"/>
           </a:p>
@@ -4975,7 +4967,7 @@
             <a:fld id="{64DDAE5B-B07C-441A-8026-C23A427A74DC}" type="datetime1">
               <a:rPr lang="en-US" smtClean="0"/>
               <a:pPr/>
-              <a:t>11/3/11</a:t>
+              <a:t>11/4/11</a:t>
             </a:fld>
             <a:endParaRPr lang="en-US"/>
           </a:p>
@@ -5274,7 +5266,7 @@
           <a:p>
             <a:fld id="{8604C85F-9729-E84D-AABC-8B386584B07D}" type="datetimeFigureOut">
               <a:rPr lang="en-US" smtClean="0"/>
-              <a:t>11/3/11</a:t>
+              <a:t>11/4/11</a:t>
             </a:fld>
             <a:endParaRPr lang="en-US"/>
           </a:p>
@@ -5730,7 +5722,7 @@
           <a:p>
             <a:fld id="{8604C85F-9729-E84D-AABC-8B386584B07D}" type="datetimeFigureOut">
               <a:rPr lang="en-US" smtClean="0"/>
-              <a:t>11/3/11</a:t>
+              <a:t>11/4/11</a:t>
             </a:fld>
             <a:endParaRPr lang="en-US"/>
           </a:p>
@@ -5843,7 +5835,7 @@
           <a:p>
             <a:fld id="{8604C85F-9729-E84D-AABC-8B386584B07D}" type="datetimeFigureOut">
               <a:rPr lang="en-US" smtClean="0"/>
-              <a:t>11/3/11</a:t>
+              <a:t>11/4/11</a:t>
             </a:fld>
             <a:endParaRPr lang="en-US"/>
           </a:p>
@@ -5933,7 +5925,7 @@
           <a:p>
             <a:fld id="{8604C85F-9729-E84D-AABC-8B386584B07D}" type="datetimeFigureOut">
               <a:rPr lang="en-US" smtClean="0"/>
-              <a:t>11/3/11</a:t>
+              <a:t>11/4/11</a:t>
             </a:fld>
             <a:endParaRPr lang="en-US"/>
           </a:p>
@@ -6215,7 +6207,7 @@
           <a:p>
             <a:fld id="{8604C85F-9729-E84D-AABC-8B386584B07D}" type="datetimeFigureOut">
               <a:rPr lang="en-US" smtClean="0"/>
-              <a:t>11/3/11</a:t>
+              <a:t>11/4/11</a:t>
             </a:fld>
             <a:endParaRPr lang="en-US"/>
           </a:p>
@@ -6422,7 +6414,7 @@
           <a:p>
             <a:fld id="{8604C85F-9729-E84D-AABC-8B386584B07D}" type="datetimeFigureOut">
               <a:rPr lang="en-US" smtClean="0"/>
-              <a:t>11/3/11</a:t>
+              <a:t>11/4/11</a:t>
             </a:fld>
             <a:endParaRPr lang="en-US"/>
           </a:p>
@@ -7048,7 +7040,6 @@
               <a:rPr lang="en-US" dirty="0" smtClean="0"/>
               <a:t>Unzip</a:t>
             </a:r>
-            <a:endParaRPr lang="en-US" dirty="0" smtClean="0"/>
           </a:p>
         </p:txBody>
       </p:sp>
@@ -7201,14 +7192,12 @@
               <a:rPr lang="en-US" dirty="0" smtClean="0"/>
               <a:t>`</a:t>
             </a:r>
-            <a:endParaRPr lang="en-US" dirty="0" smtClean="0"/>
           </a:p>
           <a:p>
             <a:r>
               <a:rPr lang="en-US" dirty="0" smtClean="0"/>
               <a:t>Web App tab</a:t>
             </a:r>
-            <a:endParaRPr lang="en-US" dirty="0" smtClean="0"/>
           </a:p>
           <a:p>
             <a:pPr lvl="1"/>
@@ -7221,13 +7210,8 @@
             <a:pPr lvl="1"/>
             <a:r>
               <a:rPr lang="en-US" dirty="0" smtClean="0"/>
-              <a:t>Web </a:t>
-            </a:r>
-            <a:r>
-              <a:rPr lang="en-US" dirty="0" smtClean="0"/>
-              <a:t>Port: 80</a:t>
-            </a:r>
-            <a:endParaRPr lang="en-US" dirty="0" smtClean="0"/>
+              <a:t>Web Port: 80</a:t>
+            </a:r>
           </a:p>
           <a:p>
             <a:pPr lvl="1"/>
@@ -7245,15 +7229,7 @@
             <a:pPr lvl="1"/>
             <a:r>
               <a:rPr lang="en-US" dirty="0" smtClean="0"/>
-              <a:t>Options: </a:t>
-            </a:r>
-            <a:r>
-              <a:rPr lang="en-US" dirty="0" smtClean="0"/>
-              <a:t>enable Manual </a:t>
-            </a:r>
-            <a:r>
-              <a:rPr lang="en-US" dirty="0" smtClean="0"/>
-              <a:t>and Admin Console</a:t>
+              <a:t>Options: enable Manual and Admin Console</a:t>
             </a:r>
           </a:p>
           <a:p>
@@ -7381,11 +7357,7 @@
           <a:p>
             <a:r>
               <a:rPr lang="en-US" dirty="0" smtClean="0"/>
-              <a:t>Go </a:t>
-            </a:r>
-            <a:r>
-              <a:rPr lang="en-US" dirty="0" smtClean="0"/>
-              <a:t>to </a:t>
+              <a:t>Go to </a:t>
             </a:r>
             <a:r>
               <a:rPr lang="en-US" dirty="0" err="1" smtClean="0">
@@ -7414,14 +7386,12 @@
               <a:rPr lang="en-US" dirty="0" smtClean="0"/>
               <a:t> Express for your OS and architecture</a:t>
             </a:r>
-            <a:endParaRPr lang="en-US" dirty="0" smtClean="0"/>
           </a:p>
           <a:p>
             <a:r>
               <a:rPr lang="en-US" dirty="0" smtClean="0"/>
               <a:t>Unzip</a:t>
             </a:r>
-            <a:endParaRPr lang="en-US" dirty="0" smtClean="0"/>
           </a:p>
         </p:txBody>
       </p:sp>
@@ -9761,85 +9731,64 @@
                 <a:latin typeface="Courier New"/>
                 <a:cs typeface="Courier New"/>
               </a:rPr>
-              <a:t> expression=“VALUE”&gt;</a:t>
+              <a:t> expression=“VALUE”&gt;, &lt;</a:t>
+            </a:r>
+            <a:r>
+              <a:rPr lang="en-US" sz="2000" dirty="0" err="1" smtClean="0">
+                <a:latin typeface="Courier New"/>
+                <a:cs typeface="Courier New"/>
+                <a:hlinkClick r:id="rId7"/>
+              </a:rPr>
+              <a:t>cfcase</a:t>
             </a:r>
             <a:r>
               <a:rPr lang="en-US" sz="2000" dirty="0" smtClean="0">
                 <a:latin typeface="Courier New"/>
                 <a:cs typeface="Courier New"/>
               </a:rPr>
-              <a:t>, </a:t>
+              <a:t> value=“VALUE</a:t>
+            </a:r>
+            <a:r>
+              <a:rPr lang="en-US" sz="2000" dirty="0">
+                <a:latin typeface="Courier New"/>
+                <a:cs typeface="Courier New"/>
+              </a:rPr>
+              <a:t>”&gt;, &lt;</a:t>
+            </a:r>
+            <a:r>
+              <a:rPr lang="en-US" sz="2000" dirty="0" err="1">
+                <a:latin typeface="Courier New"/>
+                <a:cs typeface="Courier New"/>
+              </a:rPr>
+              <a:t>cfcase</a:t>
+            </a:r>
+            <a:r>
+              <a:rPr lang="en-US" sz="2000" dirty="0">
+                <a:latin typeface="Courier New"/>
+                <a:cs typeface="Courier New"/>
+              </a:rPr>
+              <a:t> value=“</a:t>
             </a:r>
             <a:r>
               <a:rPr lang="en-US" sz="2000" dirty="0" smtClean="0">
                 <a:latin typeface="Courier New"/>
                 <a:cs typeface="Courier New"/>
               </a:rPr>
-              <a:t>&lt;</a:t>
-            </a:r>
-            <a:r>
-              <a:rPr lang="en-US" sz="2000" dirty="0" err="1" smtClean="0">
-                <a:latin typeface="Courier New"/>
-                <a:cs typeface="Courier New"/>
-                <a:hlinkClick r:id="rId7"/>
-              </a:rPr>
-              <a:t>cfcase</a:t>
+              <a:t>VALUE1,VALUE2”</a:t>
+            </a:r>
+            <a:r>
+              <a:rPr lang="en-US" sz="2000" dirty="0">
+                <a:latin typeface="Courier New"/>
+                <a:cs typeface="Courier New"/>
+              </a:rPr>
+              <a:t>&gt;</a:t>
             </a:r>
             <a:r>
               <a:rPr lang="en-US" sz="2000" dirty="0" smtClean="0">
                 <a:latin typeface="Courier New"/>
                 <a:cs typeface="Courier New"/>
               </a:rPr>
-              <a:t> value=“VALUE</a:t>
-            </a:r>
-            <a:r>
-              <a:rPr lang="en-US" sz="2000" dirty="0">
-                <a:latin typeface="Courier New"/>
-                <a:cs typeface="Courier New"/>
-              </a:rPr>
-              <a:t>”&gt;, &lt;</a:t>
-            </a:r>
-            <a:r>
-              <a:rPr lang="en-US" sz="2000" dirty="0" err="1">
-                <a:latin typeface="Courier New"/>
-                <a:cs typeface="Courier New"/>
-              </a:rPr>
-              <a:t>cfcase</a:t>
-            </a:r>
-            <a:r>
-              <a:rPr lang="en-US" sz="2000" dirty="0">
-                <a:latin typeface="Courier New"/>
-                <a:cs typeface="Courier New"/>
-              </a:rPr>
-              <a:t> value=“</a:t>
-            </a:r>
-            <a:r>
-              <a:rPr lang="en-US" sz="2000" dirty="0" smtClean="0">
-                <a:latin typeface="Courier New"/>
-                <a:cs typeface="Courier New"/>
-              </a:rPr>
-              <a:t>VALUE1,VALUE2”</a:t>
-            </a:r>
-            <a:r>
-              <a:rPr lang="en-US" sz="2000" dirty="0">
-                <a:latin typeface="Courier New"/>
-                <a:cs typeface="Courier New"/>
-              </a:rPr>
-              <a:t>&gt;</a:t>
-            </a:r>
-            <a:r>
-              <a:rPr lang="en-US" sz="2000" dirty="0" smtClean="0">
-                <a:latin typeface="Courier New"/>
-                <a:cs typeface="Courier New"/>
-              </a:rPr>
-              <a:t>, </a:t>
-            </a:r>
-            <a:r>
-              <a:rPr lang="en-US" sz="2000" dirty="0" smtClean="0">
-                <a:latin typeface="Courier New"/>
-                <a:cs typeface="Courier New"/>
-              </a:rPr>
-              <a:t>&lt;</a:t>
+              <a:t>, &lt;</a:t>
             </a:r>
             <a:r>
               <a:rPr lang="en-US" sz="2000" dirty="0" err="1" smtClean="0">
@@ -9946,7 +9895,6 @@
               <a:rPr lang="en-US" dirty="0" smtClean="0"/>
               <a:t> scope</a:t>
             </a:r>
-            <a:endParaRPr lang="en-US" dirty="0" smtClean="0"/>
           </a:p>
           <a:p>
             <a:r>
@@ -10130,23 +10078,14 @@
             <a:pPr lvl="2"/>
             <a:r>
               <a:rPr lang="en-US" dirty="0" smtClean="0"/>
-              <a:t>Condition: </a:t>
-            </a:r>
-            <a:r>
-              <a:rPr lang="en-US" dirty="0" smtClean="0"/>
-              <a:t>condition</a:t>
-            </a:r>
-            <a:endParaRPr lang="en-US" dirty="0" smtClean="0"/>
+              <a:t>Condition: condition</a:t>
+            </a:r>
           </a:p>
           <a:p>
             <a:pPr lvl="2"/>
             <a:r>
               <a:rPr lang="en-US" dirty="0" smtClean="0"/>
-              <a:t>Array</a:t>
-            </a:r>
-            <a:r>
-              <a:rPr lang="en-US" dirty="0" smtClean="0"/>
-              <a:t>: array, index</a:t>
+              <a:t>Array: array, index</a:t>
             </a:r>
           </a:p>
           <a:p>
@@ -10160,15 +10099,7 @@
             <a:pPr lvl="2"/>
             <a:r>
               <a:rPr lang="en-US" dirty="0" smtClean="0"/>
-              <a:t>Collection</a:t>
-            </a:r>
-            <a:r>
-              <a:rPr lang="en-US" dirty="0" smtClean="0"/>
-              <a:t>: collection, </a:t>
-            </a:r>
-            <a:r>
-              <a:rPr lang="en-US" dirty="0" smtClean="0"/>
-              <a:t>item</a:t>
+              <a:t>Collection: collection, item</a:t>
             </a:r>
           </a:p>
           <a:p>
@@ -10201,7 +10132,6 @@
               <a:rPr lang="en-US" dirty="0" smtClean="0"/>
               <a:t>characters</a:t>
             </a:r>
-            <a:endParaRPr lang="en-US" dirty="0" smtClean="0"/>
           </a:p>
           <a:p>
             <a:pPr lvl="1"/>
@@ -10358,7 +10288,6 @@
               <a:rPr lang="en-US" dirty="0" smtClean="0"/>
               <a:t>Actions: list, create, rename, delete</a:t>
             </a:r>
-            <a:endParaRPr lang="en-US" dirty="0" smtClean="0"/>
           </a:p>
           <a:p>
             <a:r>
@@ -10410,21 +10339,7 @@
                 <a:latin typeface="Courier New"/>
                 <a:cs typeface="Courier New"/>
               </a:rPr>
-              <a:t> type=“TYPE” value=“VALUE” nam</a:t>
-            </a:r>
-            <a:r>
-              <a:rPr lang="en-US" sz="2200" dirty="0" smtClean="0">
-                <a:latin typeface="Courier New"/>
-                <a:cs typeface="Courier New"/>
-              </a:rPr>
-              <a:t>e=“NAME”</a:t>
-            </a:r>
-            <a:r>
-              <a:rPr lang="en-US" sz="2200" dirty="0" smtClean="0">
-                <a:latin typeface="Courier New"/>
-                <a:cs typeface="Courier New"/>
-              </a:rPr>
-              <a:t>&gt;</a:t>
+              <a:t> type=“TYPE” value=“VALUE” name=“NAME”&gt;</a:t>
             </a:r>
           </a:p>
           <a:p>
@@ -10620,37 +10535,240 @@
         </p:nvSpPr>
         <p:spPr/>
         <p:txBody>
-          <a:bodyPr/>
-          <a:lstStyle/>
-          <a:p>
-            <a:r>
-              <a:rPr lang="en-US" dirty="0"/>
+          <a:bodyPr>
+            <a:normAutofit fontScale="70000" lnSpcReduction="20000"/>
+          </a:bodyPr>
+          <a:lstStyle/>
+          <a:p>
+            <a:r>
+              <a:rPr lang="en-US" dirty="0" err="1" smtClean="0"/>
+              <a:t>Datasources</a:t>
+            </a:r>
+            <a:r>
+              <a:rPr lang="en-US" dirty="0" smtClean="0"/>
+              <a:t> are setup in administrator (no </a:t>
+            </a:r>
+            <a:r>
+              <a:rPr lang="en-US" dirty="0" smtClean="0"/>
+              <a:t>connection strings)</a:t>
+            </a:r>
+            <a:endParaRPr lang="en-US" dirty="0" smtClean="0"/>
+          </a:p>
+          <a:p>
+            <a:r>
+              <a:rPr lang="en-US" sz="2300" dirty="0" smtClean="0">
+                <a:latin typeface="Courier New"/>
+                <a:cs typeface="Courier New"/>
+              </a:rPr>
               <a:t>&lt;</a:t>
             </a:r>
             <a:r>
-              <a:rPr lang="en-US" dirty="0" err="1"/>
+              <a:rPr lang="en-US" sz="2300" dirty="0" smtClean="0">
+                <a:latin typeface="Courier New"/>
+                <a:cs typeface="Courier New"/>
+                <a:hlinkClick r:id="rId3"/>
+              </a:rPr>
               <a:t>cfquery</a:t>
             </a:r>
             <a:r>
-              <a:rPr lang="en-US" dirty="0"/>
-              <a:t>&gt;, &lt;</a:t>
-            </a:r>
-            <a:r>
-              <a:rPr lang="en-US" dirty="0" err="1"/>
+              <a:rPr lang="en-US" sz="2300" dirty="0" smtClean="0">
+                <a:latin typeface="Courier New"/>
+                <a:cs typeface="Courier New"/>
+              </a:rPr>
+              <a:t> </a:t>
+            </a:r>
+            <a:r>
+              <a:rPr lang="en-US" sz="2300" dirty="0" err="1" smtClean="0">
+                <a:latin typeface="Courier New"/>
+                <a:cs typeface="Courier New"/>
+              </a:rPr>
+              <a:t>datasource</a:t>
+            </a:r>
+            <a:r>
+              <a:rPr lang="en-US" sz="2300" dirty="0" smtClean="0">
+                <a:latin typeface="Courier New"/>
+                <a:cs typeface="Courier New"/>
+              </a:rPr>
+              <a:t>=“DSN” name=“NAME” </a:t>
+            </a:r>
+            <a:r>
+              <a:rPr lang="en-US" sz="2300" dirty="0" err="1" smtClean="0">
+                <a:latin typeface="Courier New"/>
+                <a:cs typeface="Courier New"/>
+              </a:rPr>
+              <a:t>cachedwithin</a:t>
+            </a:r>
+            <a:r>
+              <a:rPr lang="en-US" sz="2300" dirty="0" smtClean="0">
+                <a:latin typeface="Courier New"/>
+                <a:cs typeface="Courier New"/>
+              </a:rPr>
+              <a:t>=“TIME SPAN”&gt;</a:t>
+            </a:r>
+          </a:p>
+          <a:p>
+            <a:pPr lvl="1"/>
+            <a:r>
+              <a:rPr lang="en-US" dirty="0" smtClean="0"/>
+              <a:t>Create a timespan using </a:t>
+            </a:r>
+            <a:r>
+              <a:rPr lang="en-US" dirty="0" err="1" smtClean="0"/>
+              <a:t>CreateTimespan</a:t>
+            </a:r>
+            <a:r>
+              <a:rPr lang="en-US" dirty="0" smtClean="0"/>
+              <a:t>()</a:t>
+            </a:r>
+          </a:p>
+          <a:p>
+            <a:pPr lvl="1"/>
+            <a:r>
+              <a:rPr lang="en-US" dirty="0" smtClean="0"/>
+              <a:t>Returns special query object called NAME</a:t>
+            </a:r>
+          </a:p>
+          <a:p>
+            <a:pPr lvl="1"/>
+            <a:r>
+              <a:rPr lang="en-US" dirty="0" smtClean="0"/>
+              <a:t>Query has records, but also properties: </a:t>
+            </a:r>
+            <a:r>
+              <a:rPr lang="en-US" dirty="0" err="1" smtClean="0"/>
+              <a:t>RecordCount</a:t>
+            </a:r>
+            <a:r>
+              <a:rPr lang="en-US" dirty="0" smtClean="0"/>
+              <a:t>, </a:t>
+            </a:r>
+            <a:r>
+              <a:rPr lang="en-US" dirty="0" err="1" smtClean="0"/>
+              <a:t>CurrentRow</a:t>
+            </a:r>
+            <a:r>
+              <a:rPr lang="en-US" dirty="0" smtClean="0"/>
+              <a:t>, </a:t>
+            </a:r>
+            <a:r>
+              <a:rPr lang="en-US" dirty="0" err="1" smtClean="0"/>
+              <a:t>ColumnList</a:t>
+            </a:r>
+            <a:endParaRPr lang="en-US" dirty="0" smtClean="0"/>
+          </a:p>
+          <a:p>
+            <a:r>
+              <a:rPr lang="en-US" sz="2300" dirty="0" smtClean="0">
+                <a:latin typeface="Courier New"/>
+                <a:cs typeface="Courier New"/>
+              </a:rPr>
+              <a:t>&lt;</a:t>
+            </a:r>
+            <a:r>
+              <a:rPr lang="en-US" sz="2300" dirty="0" smtClean="0">
+                <a:latin typeface="Courier New"/>
+                <a:cs typeface="Courier New"/>
+                <a:hlinkClick r:id="rId4"/>
+              </a:rPr>
               <a:t>cfqueryparam</a:t>
             </a:r>
             <a:r>
-              <a:rPr lang="en-US" dirty="0"/>
-              <a:t>&gt;, &lt;</a:t>
-            </a:r>
-            <a:r>
-              <a:rPr lang="en-US" dirty="0" err="1"/>
+              <a:rPr lang="en-US" sz="2300" dirty="0" smtClean="0">
+                <a:latin typeface="Courier New"/>
+                <a:cs typeface="Courier New"/>
+              </a:rPr>
+              <a:t> </a:t>
+            </a:r>
+            <a:r>
+              <a:rPr lang="en-US" sz="2300" dirty="0" err="1" smtClean="0">
+                <a:latin typeface="Courier New"/>
+                <a:cs typeface="Courier New"/>
+              </a:rPr>
+              <a:t>cfsqltype</a:t>
+            </a:r>
+            <a:r>
+              <a:rPr lang="en-US" sz="2300" dirty="0" smtClean="0">
+                <a:latin typeface="Courier New"/>
+                <a:cs typeface="Courier New"/>
+              </a:rPr>
+              <a:t>=“SQL Type” value=“VAL”&gt;</a:t>
+            </a:r>
+          </a:p>
+          <a:p>
+            <a:pPr lvl="1"/>
+            <a:r>
+              <a:rPr lang="en-US" dirty="0" smtClean="0"/>
+              <a:t>SQL Types are </a:t>
+            </a:r>
+            <a:r>
+              <a:rPr lang="en-US" dirty="0" err="1" smtClean="0"/>
+              <a:t>cf_sql</a:t>
+            </a:r>
+            <a:r>
+              <a:rPr lang="en-US" dirty="0" smtClean="0"/>
+              <a:t>_[Type] (e.g. </a:t>
+            </a:r>
+            <a:r>
+              <a:rPr lang="en-US" dirty="0" err="1" smtClean="0"/>
+              <a:t>cf_sql_varchar</a:t>
+            </a:r>
+            <a:r>
+              <a:rPr lang="en-US" dirty="0" smtClean="0"/>
+              <a:t>)</a:t>
+            </a:r>
+          </a:p>
+          <a:p>
+            <a:pPr lvl="1"/>
+            <a:r>
+              <a:rPr lang="en-US" dirty="0" smtClean="0"/>
+              <a:t>Provide a number of security and performance benefits</a:t>
+            </a:r>
+          </a:p>
+          <a:p>
+            <a:pPr lvl="1"/>
+            <a:r>
+              <a:rPr lang="en-US" dirty="0" smtClean="0"/>
+              <a:t>#1 way to protect against SQL injections</a:t>
+            </a:r>
+          </a:p>
+          <a:p>
+            <a:r>
+              <a:rPr lang="en-US" sz="2300" dirty="0" smtClean="0">
+                <a:latin typeface="Courier New"/>
+                <a:cs typeface="Courier New"/>
+              </a:rPr>
+              <a:t>&lt;</a:t>
+            </a:r>
+            <a:r>
+              <a:rPr lang="en-US" sz="2300" dirty="0" err="1" smtClean="0">
+                <a:latin typeface="Courier New"/>
+                <a:cs typeface="Courier New"/>
+                <a:hlinkClick r:id="rId5"/>
+              </a:rPr>
               <a:t>cftransaction</a:t>
             </a:r>
             <a:r>
-              <a:rPr lang="en-US" dirty="0"/>
-              <a:t>&gt;</a:t>
-            </a:r>
+              <a:rPr lang="en-US" sz="2300" dirty="0" smtClean="0">
+                <a:latin typeface="Courier New"/>
+                <a:cs typeface="Courier New"/>
+              </a:rPr>
+              <a:t> action=“ACTION”&gt;</a:t>
+            </a:r>
+          </a:p>
+          <a:p>
+            <a:pPr lvl="1"/>
+            <a:r>
+              <a:rPr lang="en-US" dirty="0" smtClean="0"/>
+              <a:t>Action can be: begin, commit, and rollback</a:t>
+            </a:r>
+          </a:p>
+          <a:p>
+            <a:pPr lvl="1"/>
+            <a:r>
+              <a:rPr lang="en-US" dirty="0" smtClean="0"/>
+              <a:t>Allows SQL transactions</a:t>
+            </a:r>
+            <a:endParaRPr lang="en-US" dirty="0"/>
           </a:p>
           <a:p>
             <a:endParaRPr lang="en-US" dirty="0"/>
@@ -10954,15 +11072,7 @@
           <a:p>
             <a:r>
               <a:rPr lang="en-US" dirty="0" smtClean="0"/>
-              <a:t>Can </a:t>
-            </a:r>
-            <a:r>
-              <a:rPr lang="en-US" dirty="0" smtClean="0"/>
-              <a:t>define custom </a:t>
-            </a:r>
-            <a:r>
-              <a:rPr lang="en-US" dirty="0" smtClean="0"/>
-              <a:t>using </a:t>
+              <a:t>Can define custom using </a:t>
             </a:r>
             <a:r>
               <a:rPr lang="en-US" sz="2000" dirty="0" smtClean="0">
@@ -11173,35 +11283,58 @@
               <a:rPr lang="en-US" dirty="0" smtClean="0">
                 <a:hlinkClick r:id="rId4"/>
               </a:rPr>
-              <a:t>Miles Rausch</a:t>
-            </a:r>
-            <a:endParaRPr lang="en-US" dirty="0" smtClean="0">
-              <a:hlinkClick r:id="rId5"/>
-            </a:endParaRPr>
-          </a:p>
-          <a:p>
+              <a:t>Miles </a:t>
+            </a:r>
+            <a:r>
+              <a:rPr lang="en-US" dirty="0" smtClean="0">
+                <a:hlinkClick r:id="rId4"/>
+              </a:rPr>
+              <a:t>Rausch</a:t>
+            </a:r>
+            <a:endParaRPr lang="en-US" dirty="0" smtClean="0"/>
+          </a:p>
+          <a:p>
+            <a:r>
+              <a:rPr lang="en-US" dirty="0" smtClean="0"/>
+              <a:t>Of Miles Rausch: </a:t>
+            </a:r>
             <a:r>
               <a:rPr lang="en-US" dirty="0" smtClean="0">
                 <a:hlinkClick r:id="rId5"/>
               </a:rPr>
-              <a:t>https://github.com/awayken</a:t>
+              <a:t>http://milesrausch.com</a:t>
             </a:r>
             <a:endParaRPr lang="en-US" dirty="0" smtClean="0"/>
           </a:p>
           <a:p>
             <a:r>
-              <a:rPr lang="en-US" dirty="0" smtClean="0"/>
-              <a:t>This presentation: </a:t>
+              <a:rPr lang="en-US" dirty="0" err="1" smtClean="0"/>
+              <a:t>Awayken.com</a:t>
+            </a:r>
+            <a:r>
+              <a:rPr lang="en-US" dirty="0" smtClean="0"/>
+              <a:t>; </a:t>
             </a:r>
             <a:r>
               <a:rPr lang="en-US" dirty="0" smtClean="0">
                 <a:hlinkClick r:id="rId6"/>
               </a:rPr>
-              <a:t>http://milesrausch.com/presentations/2011sdcodecamp</a:t>
-            </a:r>
-            <a:endParaRPr lang="en-US" dirty="0">
-              <a:hlinkClick r:id="rId7"/>
-            </a:endParaRPr>
+              <a:t>http://awayken.com/</a:t>
+            </a:r>
+            <a:endParaRPr lang="en-US" dirty="0" smtClean="0"/>
+          </a:p>
+          <a:p>
+            <a:r>
+              <a:rPr lang="en-US" dirty="0" smtClean="0"/>
+              <a:t>This presentation: </a:t>
+            </a:r>
+            <a:r>
+              <a:rPr lang="en-US" dirty="0" smtClean="0">
+                <a:hlinkClick r:id="rId7"/>
+              </a:rPr>
+              <a:t>https://github.com/awayken/2011sdcodecamp</a:t>
+            </a:r>
+            <a:endParaRPr lang="en-US" dirty="0" smtClean="0"/>
           </a:p>
         </p:txBody>
       </p:sp>
@@ -11315,14 +11448,32 @@
                 <a:latin typeface="Courier New"/>
                 <a:cs typeface="Courier New"/>
               </a:rPr>
-              <a:t>=“VARIABLE TYPE”&gt;,</a:t>
-            </a:r>
-            <a:br>
+              <a:t>=“VARIABLE TYPE”</a:t>
+            </a:r>
+            <a:r>
               <a:rPr lang="en-US" sz="2000" dirty="0" smtClean="0">
                 <a:latin typeface="Courier New"/>
                 <a:cs typeface="Courier New"/>
               </a:rPr>
-            </a:br>
+              <a:t>&gt;</a:t>
+            </a:r>
+            <a:endParaRPr lang="en-US" sz="2000" dirty="0" smtClean="0">
+              <a:latin typeface="Courier New"/>
+              <a:cs typeface="Courier New"/>
+            </a:endParaRPr>
+          </a:p>
+          <a:p>
+            <a:pPr lvl="1"/>
+            <a:r>
+              <a:rPr lang="en-US" sz="2000" dirty="0" smtClean="0"/>
+              <a:t>Access: </a:t>
+            </a:r>
+            <a:r>
+              <a:rPr lang="en-US" sz="2000" dirty="0" smtClean="0"/>
+              <a:t>public, private, package, remote</a:t>
+            </a:r>
+          </a:p>
+          <a:p>
             <a:r>
               <a:rPr lang="en-US" sz="2000" dirty="0" smtClean="0">
                 <a:latin typeface="Courier New"/>
@@ -11331,63 +11482,95 @@
               <a:t>&lt;</a:t>
             </a:r>
             <a:r>
+              <a:rPr lang="en-US" sz="2000" dirty="0">
+                <a:latin typeface="Courier New"/>
+                <a:cs typeface="Courier New"/>
+                <a:hlinkClick r:id="rId3"/>
+              </a:rPr>
+              <a:t>cfargument</a:t>
+            </a:r>
+            <a:r>
+              <a:rPr lang="en-US" sz="2000" dirty="0">
+                <a:latin typeface="Courier New"/>
+                <a:cs typeface="Courier New"/>
+              </a:rPr>
+              <a:t> name=“NAME” required=“BOOLEAN” type=“VARIABLE TYPE” default=“VALUE”</a:t>
+            </a:r>
+            <a:r>
               <a:rPr lang="en-US" sz="2000" dirty="0" smtClean="0">
                 <a:latin typeface="Courier New"/>
                 <a:cs typeface="Courier New"/>
-                <a:hlinkClick r:id="rId3"/>
-              </a:rPr>
-              <a:t>cfargument</a:t>
+              </a:rPr>
+              <a:t>&gt;</a:t>
+            </a:r>
+          </a:p>
+          <a:p>
+            <a:pPr lvl="1"/>
+            <a:r>
+              <a:rPr lang="en-US" sz="2000" dirty="0"/>
+              <a:t>Exposes a special arguments </a:t>
+            </a:r>
+            <a:r>
+              <a:rPr lang="en-US" sz="2000" dirty="0" smtClean="0"/>
+              <a:t>scope</a:t>
+            </a:r>
+            <a:endParaRPr lang="en-US" sz="2000" dirty="0" smtClean="0">
+              <a:latin typeface="Courier New"/>
+              <a:cs typeface="Courier New"/>
+            </a:endParaRPr>
+          </a:p>
+          <a:p>
+            <a:r>
+              <a:rPr lang="en-US" sz="2000" dirty="0">
+                <a:latin typeface="Courier New"/>
+                <a:cs typeface="Courier New"/>
+              </a:rPr>
+              <a:t>&lt;</a:t>
+            </a:r>
+            <a:r>
+              <a:rPr lang="en-US" sz="2000" dirty="0">
+                <a:latin typeface="Courier New"/>
+                <a:cs typeface="Courier New"/>
+                <a:hlinkClick r:id="rId4"/>
+              </a:rPr>
+              <a:t>cfreturn</a:t>
+            </a:r>
+            <a:r>
+              <a:rPr lang="en-US" sz="2000" dirty="0">
+                <a:latin typeface="Courier New"/>
+                <a:cs typeface="Courier New"/>
+              </a:rPr>
+              <a:t> VAL</a:t>
             </a:r>
             <a:r>
               <a:rPr lang="en-US" sz="2000" dirty="0" smtClean="0">
                 <a:latin typeface="Courier New"/>
                 <a:cs typeface="Courier New"/>
               </a:rPr>
-              <a:t> name=“NAME” required=“BOOLEAN” type=“VARIABLE TYPE” default=“VALUE”&gt;,</a:t>
-            </a:r>
-            <a:br>
+              <a:t>&gt;</a:t>
+            </a:r>
+          </a:p>
+          <a:p>
+            <a:pPr lvl="1"/>
+            <a:r>
               <a:rPr lang="en-US" sz="2000" dirty="0" smtClean="0">
-                <a:latin typeface="Courier New"/>
-                <a:cs typeface="Courier New"/>
-              </a:rPr>
-            </a:br>
+                <a:cs typeface="Courier New"/>
+              </a:rPr>
+              <a:t>VAL should match “</a:t>
+            </a:r>
+            <a:r>
+              <a:rPr lang="en-US" sz="2000" dirty="0" err="1" smtClean="0">
+                <a:cs typeface="Courier New"/>
+              </a:rPr>
+              <a:t>returntype</a:t>
+            </a:r>
             <a:r>
               <a:rPr lang="en-US" sz="2000" dirty="0" smtClean="0">
-                <a:latin typeface="Courier New"/>
-                <a:cs typeface="Courier New"/>
-              </a:rPr>
-              <a:t>&lt;</a:t>
-            </a:r>
-            <a:r>
-              <a:rPr lang="en-US" sz="2000" dirty="0" smtClean="0">
-                <a:latin typeface="Courier New"/>
-                <a:cs typeface="Courier New"/>
-                <a:hlinkClick r:id="rId4"/>
-              </a:rPr>
-              <a:t>cfreturn</a:t>
-            </a:r>
-            <a:r>
-              <a:rPr lang="en-US" sz="2000" dirty="0" smtClean="0">
-                <a:latin typeface="Courier New"/>
-                <a:cs typeface="Courier New"/>
-              </a:rPr>
-              <a:t> VAL&gt;</a:t>
-            </a:r>
-          </a:p>
-          <a:p>
-            <a:pPr lvl="1"/>
-            <a:r>
-              <a:rPr lang="en-US" dirty="0" smtClean="0"/>
-              <a:t>Accesses: public, private, package, remote</a:t>
-            </a:r>
-          </a:p>
-          <a:p>
-            <a:pPr lvl="1"/>
-            <a:r>
-              <a:rPr lang="en-US" dirty="0" smtClean="0"/>
-              <a:t>Exposes a special arguments scope</a:t>
-            </a:r>
-            <a:endParaRPr lang="en-US" dirty="0"/>
+                <a:cs typeface="Courier New"/>
+              </a:rPr>
+              <a:t>” above</a:t>
+            </a:r>
+            <a:endParaRPr lang="en-US" sz="2000" dirty="0"/>
           </a:p>
         </p:txBody>
       </p:sp>
@@ -11438,11 +11621,7 @@
           <a:p>
             <a:r>
               <a:rPr lang="en-US" dirty="0" smtClean="0"/>
-              <a:t>Demo </a:t>
-            </a:r>
-            <a:r>
-              <a:rPr lang="en-US" dirty="0" smtClean="0"/>
-              <a:t>04</a:t>
+              <a:t>Demo 04</a:t>
             </a:r>
             <a:endParaRPr lang="en-US" dirty="0"/>
           </a:p>

--- a/presentation.pptx
+++ b/presentation.pptx
@@ -5,7 +5,7 @@
     <p:sldMasterId id="2147484490" r:id="rId1"/>
   </p:sldMasterIdLst>
   <p:notesMasterIdLst>
-    <p:notesMasterId r:id="rId34"/>
+    <p:notesMasterId r:id="rId36"/>
   </p:notesMasterIdLst>
   <p:sldIdLst>
     <p:sldId id="256" r:id="rId2"/>
@@ -21,25 +21,27 @@
     <p:sldId id="266" r:id="rId12"/>
     <p:sldId id="283" r:id="rId13"/>
     <p:sldId id="284" r:id="rId14"/>
-    <p:sldId id="276" r:id="rId15"/>
-    <p:sldId id="269" r:id="rId16"/>
-    <p:sldId id="267" r:id="rId17"/>
-    <p:sldId id="268" r:id="rId18"/>
-    <p:sldId id="271" r:id="rId19"/>
-    <p:sldId id="272" r:id="rId20"/>
-    <p:sldId id="273" r:id="rId21"/>
-    <p:sldId id="274" r:id="rId22"/>
-    <p:sldId id="275" r:id="rId23"/>
-    <p:sldId id="278" r:id="rId24"/>
-    <p:sldId id="279" r:id="rId25"/>
-    <p:sldId id="280" r:id="rId26"/>
-    <p:sldId id="285" r:id="rId27"/>
-    <p:sldId id="282" r:id="rId28"/>
-    <p:sldId id="286" r:id="rId29"/>
-    <p:sldId id="270" r:id="rId30"/>
-    <p:sldId id="288" r:id="rId31"/>
-    <p:sldId id="287" r:id="rId32"/>
-    <p:sldId id="277" r:id="rId33"/>
+    <p:sldId id="289" r:id="rId15"/>
+    <p:sldId id="276" r:id="rId16"/>
+    <p:sldId id="269" r:id="rId17"/>
+    <p:sldId id="267" r:id="rId18"/>
+    <p:sldId id="268" r:id="rId19"/>
+    <p:sldId id="271" r:id="rId20"/>
+    <p:sldId id="272" r:id="rId21"/>
+    <p:sldId id="273" r:id="rId22"/>
+    <p:sldId id="274" r:id="rId23"/>
+    <p:sldId id="275" r:id="rId24"/>
+    <p:sldId id="278" r:id="rId25"/>
+    <p:sldId id="279" r:id="rId26"/>
+    <p:sldId id="280" r:id="rId27"/>
+    <p:sldId id="285" r:id="rId28"/>
+    <p:sldId id="282" r:id="rId29"/>
+    <p:sldId id="286" r:id="rId30"/>
+    <p:sldId id="270" r:id="rId31"/>
+    <p:sldId id="290" r:id="rId32"/>
+    <p:sldId id="288" r:id="rId33"/>
+    <p:sldId id="287" r:id="rId34"/>
+    <p:sldId id="277" r:id="rId35"/>
   </p:sldIdLst>
   <p:sldSz cx="9144000" cy="6858000" type="screen4x3"/>
   <p:notesSz cx="6858000" cy="9144000"/>
@@ -223,7 +225,7 @@
           <a:p>
             <a:fld id="{7AEE52E7-1768-1242-A166-3ECCD64BD606}" type="datetimeFigureOut">
               <a:rPr lang="en-US" smtClean="0"/>
-              <a:t>11/4/11</a:t>
+              <a:t>11/5/11</a:t>
             </a:fld>
             <a:endParaRPr lang="en-US"/>
           </a:p>
@@ -647,42 +649,40 @@
           <a:bodyPr/>
           <a:lstStyle/>
           <a:p>
-            <a:pPr marL="0" marR="0" indent="0" algn="l" defTabSz="457200" rtl="0" eaLnBrk="1" fontAlgn="auto" latinLnBrk="0" hangingPunct="1">
-              <a:lnSpc>
-                <a:spcPct val="100000"/>
-              </a:lnSpc>
-              <a:spcBef>
-                <a:spcPts val="0"/>
-              </a:spcBef>
-              <a:spcAft>
-                <a:spcPts val="0"/>
-              </a:spcAft>
-              <a:buClrTx/>
-              <a:buSzTx/>
-              <a:buFontTx/>
-              <a:buNone/>
-              <a:tabLst/>
-              <a:defRPr/>
-            </a:pPr>
-            <a:r>
-              <a:rPr lang="en-US" dirty="0" smtClean="0"/>
-              <a:t>http://</a:t>
+            <a:r>
+              <a:rPr lang="en-US" dirty="0" smtClean="0"/>
+              <a:t>Create the Mr. Octopus</a:t>
+            </a:r>
+            <a:r>
+              <a:rPr lang="en-US" baseline="0" dirty="0" smtClean="0"/>
+              <a:t> </a:t>
+            </a:r>
+            <a:r>
+              <a:rPr lang="en-US" dirty="0" smtClean="0"/>
+              <a:t>website.</a:t>
+            </a:r>
+          </a:p>
+          <a:p>
+            <a:r>
+              <a:rPr lang="en-US" dirty="0" smtClean="0"/>
+              <a:t>Show http://</a:t>
             </a:r>
             <a:r>
               <a:rPr lang="en-US" dirty="0" err="1" smtClean="0"/>
-              <a:t>openbd.org</a:t>
-            </a:r>
-            <a:r>
-              <a:rPr lang="en-US" dirty="0" smtClean="0"/>
-              <a:t>/manual/?/</a:t>
+              <a:t>localhost</a:t>
+            </a:r>
+            <a:r>
+              <a:rPr lang="en-US" dirty="0" smtClean="0"/>
+              <a:t>/</a:t>
             </a:r>
             <a:r>
               <a:rPr lang="en-US" dirty="0" err="1" smtClean="0"/>
-              <a:t>basic_cfml</a:t>
-            </a:r>
-            <a:endParaRPr lang="en-US" dirty="0" smtClean="0"/>
-          </a:p>
-          <a:p>
+              <a:t>bluedragon</a:t>
+            </a:r>
+            <a:r>
+              <a:rPr lang="en-US" dirty="0" smtClean="0"/>
+              <a:t>/administrator</a:t>
+            </a:r>
             <a:endParaRPr lang="en-US" dirty="0"/>
           </a:p>
         </p:txBody>
@@ -713,7 +713,7 @@
     </p:spTree>
     <p:extLst>
       <p:ext uri="{BB962C8B-B14F-4D97-AF65-F5344CB8AC3E}">
-        <p14:creationId xmlns:p14="http://schemas.microsoft.com/office/powerpoint/2010/main" val="4110009042"/>
+        <p14:creationId xmlns:p14="http://schemas.microsoft.com/office/powerpoint/2010/main" val="4066927578"/>
       </p:ext>
     </p:extLst>
   </p:cSld>
@@ -767,6 +767,23 @@
           <a:bodyPr/>
           <a:lstStyle/>
           <a:p>
+            <a:pPr marL="0" marR="0" indent="0" algn="l" defTabSz="457200" rtl="0" eaLnBrk="1" fontAlgn="auto" latinLnBrk="0" hangingPunct="1">
+              <a:lnSpc>
+                <a:spcPct val="100000"/>
+              </a:lnSpc>
+              <a:spcBef>
+                <a:spcPts val="0"/>
+              </a:spcBef>
+              <a:spcAft>
+                <a:spcPts val="0"/>
+              </a:spcAft>
+              <a:buClrTx/>
+              <a:buSzTx/>
+              <a:buFontTx/>
+              <a:buNone/>
+              <a:tabLst/>
+              <a:defRPr/>
+            </a:pPr>
             <a:r>
               <a:rPr lang="en-US" dirty="0" smtClean="0"/>
               <a:t>http://</a:t>
@@ -786,22 +803,6 @@
             <a:endParaRPr lang="en-US" dirty="0" smtClean="0"/>
           </a:p>
           <a:p>
-            <a:r>
-              <a:rPr lang="en-US" dirty="0" smtClean="0"/>
-              <a:t>http://</a:t>
-            </a:r>
-            <a:r>
-              <a:rPr lang="en-US" dirty="0" err="1" smtClean="0"/>
-              <a:t>openbd.org</a:t>
-            </a:r>
-            <a:r>
-              <a:rPr lang="en-US" dirty="0" smtClean="0"/>
-              <a:t>/manual/?/</a:t>
-            </a:r>
-            <a:r>
-              <a:rPr lang="en-US" dirty="0" err="1" smtClean="0"/>
-              <a:t>language_scopes</a:t>
-            </a:r>
             <a:endParaRPr lang="en-US" dirty="0"/>
           </a:p>
         </p:txBody>
@@ -832,7 +833,7 @@
     </p:spTree>
     <p:extLst>
       <p:ext uri="{BB962C8B-B14F-4D97-AF65-F5344CB8AC3E}">
-        <p14:creationId xmlns:p14="http://schemas.microsoft.com/office/powerpoint/2010/main" val="1640793204"/>
+        <p14:creationId xmlns:p14="http://schemas.microsoft.com/office/powerpoint/2010/main" val="4110009042"/>
       </p:ext>
     </p:extLst>
   </p:cSld>
@@ -886,23 +887,6 @@
           <a:bodyPr/>
           <a:lstStyle/>
           <a:p>
-            <a:pPr marL="0" marR="0" indent="0" algn="l" defTabSz="457200" rtl="0" eaLnBrk="1" fontAlgn="auto" latinLnBrk="0" hangingPunct="1">
-              <a:lnSpc>
-                <a:spcPct val="100000"/>
-              </a:lnSpc>
-              <a:spcBef>
-                <a:spcPts val="0"/>
-              </a:spcBef>
-              <a:spcAft>
-                <a:spcPts val="0"/>
-              </a:spcAft>
-              <a:buClrTx/>
-              <a:buSzTx/>
-              <a:buFontTx/>
-              <a:buNone/>
-              <a:tabLst/>
-              <a:defRPr/>
-            </a:pPr>
             <a:r>
               <a:rPr lang="en-US" dirty="0" smtClean="0"/>
               <a:t>http://</a:t>
@@ -922,6 +906,22 @@
             <a:endParaRPr lang="en-US" dirty="0" smtClean="0"/>
           </a:p>
           <a:p>
+            <a:r>
+              <a:rPr lang="en-US" dirty="0" smtClean="0"/>
+              <a:t>http://</a:t>
+            </a:r>
+            <a:r>
+              <a:rPr lang="en-US" dirty="0" err="1" smtClean="0"/>
+              <a:t>openbd.org</a:t>
+            </a:r>
+            <a:r>
+              <a:rPr lang="en-US" dirty="0" smtClean="0"/>
+              <a:t>/manual/?/</a:t>
+            </a:r>
+            <a:r>
+              <a:rPr lang="en-US" dirty="0" err="1" smtClean="0"/>
+              <a:t>language_scopes</a:t>
+            </a:r>
             <a:endParaRPr lang="en-US" dirty="0"/>
           </a:p>
         </p:txBody>
@@ -952,7 +952,7 @@
     </p:spTree>
     <p:extLst>
       <p:ext uri="{BB962C8B-B14F-4D97-AF65-F5344CB8AC3E}">
-        <p14:creationId xmlns:p14="http://schemas.microsoft.com/office/powerpoint/2010/main" val="4023371768"/>
+        <p14:creationId xmlns:p14="http://schemas.microsoft.com/office/powerpoint/2010/main" val="1640793204"/>
       </p:ext>
     </p:extLst>
   </p:cSld>
@@ -1006,6 +1006,23 @@
           <a:bodyPr/>
           <a:lstStyle/>
           <a:p>
+            <a:pPr marL="0" marR="0" indent="0" algn="l" defTabSz="457200" rtl="0" eaLnBrk="1" fontAlgn="auto" latinLnBrk="0" hangingPunct="1">
+              <a:lnSpc>
+                <a:spcPct val="100000"/>
+              </a:lnSpc>
+              <a:spcBef>
+                <a:spcPts val="0"/>
+              </a:spcBef>
+              <a:spcAft>
+                <a:spcPts val="0"/>
+              </a:spcAft>
+              <a:buClrTx/>
+              <a:buSzTx/>
+              <a:buFontTx/>
+              <a:buNone/>
+              <a:tabLst/>
+              <a:defRPr/>
+            </a:pPr>
             <a:r>
               <a:rPr lang="en-US" dirty="0" smtClean="0"/>
               <a:t>http://</a:t>
@@ -1020,23 +1037,11 @@
             </a:r>
             <a:r>
               <a:rPr lang="en-US" dirty="0" err="1" smtClean="0"/>
-              <a:t>language_creation</a:t>
+              <a:t>basic_cfml</a:t>
             </a:r>
             <a:endParaRPr lang="en-US" dirty="0" smtClean="0"/>
           </a:p>
           <a:p>
-            <a:r>
-              <a:rPr lang="en-US" dirty="0" smtClean="0"/>
-              <a:t>http://</a:t>
-            </a:r>
-            <a:r>
-              <a:rPr lang="en-US" dirty="0" err="1" smtClean="0"/>
-              <a:t>openbd.org</a:t>
-            </a:r>
-            <a:r>
-              <a:rPr lang="en-US" dirty="0" smtClean="0"/>
-              <a:t>/manual/?/tag/CFPARAM</a:t>
-            </a:r>
             <a:endParaRPr lang="en-US" dirty="0"/>
           </a:p>
         </p:txBody>
@@ -1067,7 +1072,7 @@
     </p:spTree>
     <p:extLst>
       <p:ext uri="{BB962C8B-B14F-4D97-AF65-F5344CB8AC3E}">
-        <p14:creationId xmlns:p14="http://schemas.microsoft.com/office/powerpoint/2010/main" val="3323382600"/>
+        <p14:creationId xmlns:p14="http://schemas.microsoft.com/office/powerpoint/2010/main" val="4023371768"/>
       </p:ext>
     </p:extLst>
   </p:cSld>
@@ -1137,6 +1142,21 @@
               <a:rPr lang="en-US" dirty="0" err="1" smtClean="0"/>
               <a:t>language_creation</a:t>
             </a:r>
+            <a:endParaRPr lang="en-US" dirty="0" smtClean="0"/>
+          </a:p>
+          <a:p>
+            <a:r>
+              <a:rPr lang="en-US" dirty="0" smtClean="0"/>
+              <a:t>http://</a:t>
+            </a:r>
+            <a:r>
+              <a:rPr lang="en-US" dirty="0" err="1" smtClean="0"/>
+              <a:t>openbd.org</a:t>
+            </a:r>
+            <a:r>
+              <a:rPr lang="en-US" dirty="0" smtClean="0"/>
+              <a:t>/manual/?/tag/CFPARAM</a:t>
+            </a:r>
             <a:endParaRPr lang="en-US" dirty="0"/>
           </a:p>
         </p:txBody>
@@ -1167,7 +1187,7 @@
     </p:spTree>
     <p:extLst>
       <p:ext uri="{BB962C8B-B14F-4D97-AF65-F5344CB8AC3E}">
-        <p14:creationId xmlns:p14="http://schemas.microsoft.com/office/powerpoint/2010/main" val="1115322018"/>
+        <p14:creationId xmlns:p14="http://schemas.microsoft.com/office/powerpoint/2010/main" val="3323382600"/>
       </p:ext>
     </p:extLst>
   </p:cSld>
@@ -1267,7 +1287,7 @@
     </p:spTree>
     <p:extLst>
       <p:ext uri="{BB962C8B-B14F-4D97-AF65-F5344CB8AC3E}">
-        <p14:creationId xmlns:p14="http://schemas.microsoft.com/office/powerpoint/2010/main" val="846956662"/>
+        <p14:creationId xmlns:p14="http://schemas.microsoft.com/office/powerpoint/2010/main" val="1115322018"/>
       </p:ext>
     </p:extLst>
   </p:cSld>
@@ -1335,7 +1355,7 @@
             </a:r>
             <a:r>
               <a:rPr lang="en-US" dirty="0" err="1" smtClean="0"/>
-              <a:t>language_operators</a:t>
+              <a:t>language_creation</a:t>
             </a:r>
             <a:endParaRPr lang="en-US" dirty="0"/>
           </a:p>
@@ -1367,7 +1387,7 @@
     </p:spTree>
     <p:extLst>
       <p:ext uri="{BB962C8B-B14F-4D97-AF65-F5344CB8AC3E}">
-        <p14:creationId xmlns:p14="http://schemas.microsoft.com/office/powerpoint/2010/main" val="3159642190"/>
+        <p14:creationId xmlns:p14="http://schemas.microsoft.com/office/powerpoint/2010/main" val="846956662"/>
       </p:ext>
     </p:extLst>
   </p:cSld>
@@ -1421,6 +1441,22 @@
           <a:bodyPr/>
           <a:lstStyle/>
           <a:p>
+            <a:r>
+              <a:rPr lang="en-US" dirty="0" smtClean="0"/>
+              <a:t>http://</a:t>
+            </a:r>
+            <a:r>
+              <a:rPr lang="en-US" dirty="0" err="1" smtClean="0"/>
+              <a:t>openbd.org</a:t>
+            </a:r>
+            <a:r>
+              <a:rPr lang="en-US" dirty="0" smtClean="0"/>
+              <a:t>/manual/?/</a:t>
+            </a:r>
+            <a:r>
+              <a:rPr lang="en-US" dirty="0" err="1" smtClean="0"/>
+              <a:t>language_operators</a:t>
+            </a:r>
             <a:endParaRPr lang="en-US" dirty="0"/>
           </a:p>
         </p:txBody>
@@ -1451,7 +1487,7 @@
     </p:spTree>
     <p:extLst>
       <p:ext uri="{BB962C8B-B14F-4D97-AF65-F5344CB8AC3E}">
-        <p14:creationId xmlns:p14="http://schemas.microsoft.com/office/powerpoint/2010/main" val="1972797592"/>
+        <p14:creationId xmlns:p14="http://schemas.microsoft.com/office/powerpoint/2010/main" val="3159642190"/>
       </p:ext>
     </p:extLst>
   </p:cSld>
@@ -1505,32 +1541,6 @@
           <a:bodyPr/>
           <a:lstStyle/>
           <a:p>
-            <a:r>
-              <a:rPr lang="en-US" dirty="0" smtClean="0"/>
-              <a:t>http://</a:t>
-            </a:r>
-            <a:r>
-              <a:rPr lang="en-US" dirty="0" err="1" smtClean="0"/>
-              <a:t>openbd.org</a:t>
-            </a:r>
-            <a:r>
-              <a:rPr lang="en-US" dirty="0" smtClean="0"/>
-              <a:t>/manual/?/tag/category/control</a:t>
-            </a:r>
-          </a:p>
-          <a:p>
-            <a:r>
-              <a:rPr lang="en-US" dirty="0" smtClean="0"/>
-              <a:t>http://</a:t>
-            </a:r>
-            <a:r>
-              <a:rPr lang="en-US" dirty="0" err="1" smtClean="0"/>
-              <a:t>openbd.org</a:t>
-            </a:r>
-            <a:r>
-              <a:rPr lang="en-US" dirty="0" smtClean="0"/>
-              <a:t>/manual/?/tag/category/network</a:t>
-            </a:r>
             <a:endParaRPr lang="en-US" dirty="0"/>
           </a:p>
         </p:txBody>
@@ -1561,7 +1571,7 @@
     </p:spTree>
     <p:extLst>
       <p:ext uri="{BB962C8B-B14F-4D97-AF65-F5344CB8AC3E}">
-        <p14:creationId xmlns:p14="http://schemas.microsoft.com/office/powerpoint/2010/main" val="42394760"/>
+        <p14:creationId xmlns:p14="http://schemas.microsoft.com/office/powerpoint/2010/main" val="1972797592"/>
       </p:ext>
     </p:extLst>
   </p:cSld>
@@ -1627,6 +1637,20 @@
               <a:rPr lang="en-US" dirty="0" smtClean="0"/>
               <a:t>/manual/?/tag/category/control</a:t>
             </a:r>
+          </a:p>
+          <a:p>
+            <a:r>
+              <a:rPr lang="en-US" dirty="0" smtClean="0"/>
+              <a:t>http://</a:t>
+            </a:r>
+            <a:r>
+              <a:rPr lang="en-US" dirty="0" err="1" smtClean="0"/>
+              <a:t>openbd.org</a:t>
+            </a:r>
+            <a:r>
+              <a:rPr lang="en-US" dirty="0" smtClean="0"/>
+              <a:t>/manual/?/tag/category/network</a:t>
+            </a:r>
             <a:endParaRPr lang="en-US" dirty="0"/>
           </a:p>
         </p:txBody>
@@ -1657,7 +1681,7 @@
     </p:spTree>
     <p:extLst>
       <p:ext uri="{BB962C8B-B14F-4D97-AF65-F5344CB8AC3E}">
-        <p14:creationId xmlns:p14="http://schemas.microsoft.com/office/powerpoint/2010/main" val="107169159"/>
+        <p14:creationId xmlns:p14="http://schemas.microsoft.com/office/powerpoint/2010/main" val="42394760"/>
       </p:ext>
     </p:extLst>
   </p:cSld>
@@ -1805,21 +1829,7 @@
             </a:r>
             <a:r>
               <a:rPr lang="en-US" dirty="0" smtClean="0"/>
-              <a:t>/manual/?/tag/category/file</a:t>
-            </a:r>
-          </a:p>
-          <a:p>
-            <a:r>
-              <a:rPr lang="en-US" dirty="0" smtClean="0"/>
-              <a:t>http://</a:t>
-            </a:r>
-            <a:r>
-              <a:rPr lang="en-US" dirty="0" err="1" smtClean="0"/>
-              <a:t>openbd.org</a:t>
-            </a:r>
-            <a:r>
-              <a:rPr lang="en-US" dirty="0" smtClean="0"/>
-              <a:t>/manual/?/tag/category/remote</a:t>
+              <a:t>/manual/?/tag/category/control</a:t>
             </a:r>
             <a:endParaRPr lang="en-US" dirty="0"/>
           </a:p>
@@ -1851,7 +1861,7 @@
     </p:spTree>
     <p:extLst>
       <p:ext uri="{BB962C8B-B14F-4D97-AF65-F5344CB8AC3E}">
-        <p14:creationId xmlns:p14="http://schemas.microsoft.com/office/powerpoint/2010/main" val="3064070676"/>
+        <p14:creationId xmlns:p14="http://schemas.microsoft.com/office/powerpoint/2010/main" val="107169159"/>
       </p:ext>
     </p:extLst>
   </p:cSld>
@@ -1905,23 +1915,6 @@
           <a:bodyPr/>
           <a:lstStyle/>
           <a:p>
-            <a:pPr marL="0" marR="0" indent="0" algn="l" defTabSz="457200" rtl="0" eaLnBrk="1" fontAlgn="auto" latinLnBrk="0" hangingPunct="1">
-              <a:lnSpc>
-                <a:spcPct val="100000"/>
-              </a:lnSpc>
-              <a:spcBef>
-                <a:spcPts val="0"/>
-              </a:spcBef>
-              <a:spcAft>
-                <a:spcPts val="0"/>
-              </a:spcAft>
-              <a:buClrTx/>
-              <a:buSzTx/>
-              <a:buFontTx/>
-              <a:buNone/>
-              <a:tabLst/>
-              <a:defRPr/>
-            </a:pPr>
             <a:r>
               <a:rPr lang="en-US" dirty="0" smtClean="0"/>
               <a:t>http://</a:t>
@@ -1932,10 +1925,22 @@
             </a:r>
             <a:r>
               <a:rPr lang="en-US" dirty="0" smtClean="0"/>
-              <a:t>/manual/?/tag/category/database</a:t>
-            </a:r>
-          </a:p>
-          <a:p>
+              <a:t>/manual/?/tag/category/file</a:t>
+            </a:r>
+          </a:p>
+          <a:p>
+            <a:r>
+              <a:rPr lang="en-US" dirty="0" smtClean="0"/>
+              <a:t>http://</a:t>
+            </a:r>
+            <a:r>
+              <a:rPr lang="en-US" dirty="0" err="1" smtClean="0"/>
+              <a:t>openbd.org</a:t>
+            </a:r>
+            <a:r>
+              <a:rPr lang="en-US" dirty="0" smtClean="0"/>
+              <a:t>/manual/?/tag/category/remote</a:t>
+            </a:r>
             <a:endParaRPr lang="en-US" dirty="0"/>
           </a:p>
         </p:txBody>
@@ -1966,7 +1971,7 @@
     </p:spTree>
     <p:extLst>
       <p:ext uri="{BB962C8B-B14F-4D97-AF65-F5344CB8AC3E}">
-        <p14:creationId xmlns:p14="http://schemas.microsoft.com/office/powerpoint/2010/main" val="2620958923"/>
+        <p14:creationId xmlns:p14="http://schemas.microsoft.com/office/powerpoint/2010/main" val="3064070676"/>
       </p:ext>
     </p:extLst>
   </p:cSld>
@@ -2047,13 +2052,8 @@
             </a:r>
             <a:r>
               <a:rPr lang="en-US" dirty="0" smtClean="0"/>
-              <a:t>/manual/?/</a:t>
-            </a:r>
-            <a:r>
-              <a:rPr lang="en-US" dirty="0" err="1" smtClean="0"/>
-              <a:t>basic_cfml</a:t>
-            </a:r>
-            <a:endParaRPr lang="en-US" dirty="0" smtClean="0"/>
+              <a:t>/manual/?/tag/category/database</a:t>
+            </a:r>
           </a:p>
           <a:p>
             <a:endParaRPr lang="en-US" dirty="0"/>
@@ -2077,7 +2077,7 @@
           <a:p>
             <a:fld id="{433137AF-EBFE-664E-840A-10B3290003D1}" type="slidenum">
               <a:rPr lang="en-US" smtClean="0"/>
-              <a:t>29</a:t>
+              <a:t>27</a:t>
             </a:fld>
             <a:endParaRPr lang="en-US"/>
           </a:p>
@@ -2086,7 +2086,7 @@
     </p:spTree>
     <p:extLst>
       <p:ext uri="{BB962C8B-B14F-4D97-AF65-F5344CB8AC3E}">
-        <p14:creationId xmlns:p14="http://schemas.microsoft.com/office/powerpoint/2010/main" val="582364797"/>
+        <p14:creationId xmlns:p14="http://schemas.microsoft.com/office/powerpoint/2010/main" val="2620958923"/>
       </p:ext>
     </p:extLst>
   </p:cSld>
@@ -2140,6 +2140,23 @@
           <a:bodyPr/>
           <a:lstStyle/>
           <a:p>
+            <a:pPr marL="0" marR="0" indent="0" algn="l" defTabSz="457200" rtl="0" eaLnBrk="1" fontAlgn="auto" latinLnBrk="0" hangingPunct="1">
+              <a:lnSpc>
+                <a:spcPct val="100000"/>
+              </a:lnSpc>
+              <a:spcBef>
+                <a:spcPts val="0"/>
+              </a:spcBef>
+              <a:spcAft>
+                <a:spcPts val="0"/>
+              </a:spcAft>
+              <a:buClrTx/>
+              <a:buSzTx/>
+              <a:buFontTx/>
+              <a:buNone/>
+              <a:tabLst/>
+              <a:defRPr/>
+            </a:pPr>
             <a:r>
               <a:rPr lang="en-US" dirty="0" smtClean="0"/>
               <a:t>http://</a:t>
@@ -2154,8 +2171,11 @@
             </a:r>
             <a:r>
               <a:rPr lang="en-US" dirty="0" err="1" smtClean="0"/>
-              <a:t>cfc_introduction</a:t>
-            </a:r>
+              <a:t>basic_cfml</a:t>
+            </a:r>
+            <a:endParaRPr lang="en-US" dirty="0" smtClean="0"/>
+          </a:p>
+          <a:p>
             <a:endParaRPr lang="en-US" dirty="0"/>
           </a:p>
         </p:txBody>
@@ -2177,7 +2197,107 @@
           <a:p>
             <a:fld id="{433137AF-EBFE-664E-840A-10B3290003D1}" type="slidenum">
               <a:rPr lang="en-US" smtClean="0"/>
-              <a:t>32</a:t>
+              <a:t>30</a:t>
+            </a:fld>
+            <a:endParaRPr lang="en-US"/>
+          </a:p>
+        </p:txBody>
+      </p:sp>
+    </p:spTree>
+    <p:extLst>
+      <p:ext uri="{BB962C8B-B14F-4D97-AF65-F5344CB8AC3E}">
+        <p14:creationId xmlns:p14="http://schemas.microsoft.com/office/powerpoint/2010/main" val="582364797"/>
+      </p:ext>
+    </p:extLst>
+  </p:cSld>
+  <p:clrMapOvr>
+    <a:masterClrMapping/>
+  </p:clrMapOvr>
+</p:notes>
+</file>
+
+<file path=ppt/notesSlides/notesSlide24.xml><?xml version="1.0" encoding="utf-8"?>
+<p:notes xmlns:a="http://schemas.openxmlformats.org/drawingml/2006/main" xmlns:r="http://schemas.openxmlformats.org/officeDocument/2006/relationships" xmlns:p="http://schemas.openxmlformats.org/presentationml/2006/main">
+  <p:cSld>
+    <p:spTree>
+      <p:nvGrpSpPr>
+        <p:cNvPr id="1" name=""/>
+        <p:cNvGrpSpPr/>
+        <p:nvPr/>
+      </p:nvGrpSpPr>
+      <p:grpSpPr>
+        <a:xfrm>
+          <a:off x="0" y="0"/>
+          <a:ext cx="0" cy="0"/>
+          <a:chOff x="0" y="0"/>
+          <a:chExt cx="0" cy="0"/>
+        </a:xfrm>
+      </p:grpSpPr>
+      <p:sp>
+        <p:nvSpPr>
+          <p:cNvPr id="2" name="Slide Image Placeholder 1"/>
+          <p:cNvSpPr>
+            <a:spLocks noGrp="1" noRot="1" noChangeAspect="1"/>
+          </p:cNvSpPr>
+          <p:nvPr>
+            <p:ph type="sldImg"/>
+          </p:nvPr>
+        </p:nvSpPr>
+        <p:spPr/>
+      </p:sp>
+      <p:sp>
+        <p:nvSpPr>
+          <p:cNvPr id="3" name="Notes Placeholder 2"/>
+          <p:cNvSpPr>
+            <a:spLocks noGrp="1"/>
+          </p:cNvSpPr>
+          <p:nvPr>
+            <p:ph type="body" idx="1"/>
+          </p:nvPr>
+        </p:nvSpPr>
+        <p:spPr/>
+        <p:txBody>
+          <a:bodyPr/>
+          <a:lstStyle/>
+          <a:p>
+            <a:r>
+              <a:rPr lang="en-US" dirty="0" smtClean="0"/>
+              <a:t>http://</a:t>
+            </a:r>
+            <a:r>
+              <a:rPr lang="en-US" dirty="0" err="1" smtClean="0"/>
+              <a:t>openbd.org</a:t>
+            </a:r>
+            <a:r>
+              <a:rPr lang="en-US" dirty="0" smtClean="0"/>
+              <a:t>/manual/?/</a:t>
+            </a:r>
+            <a:r>
+              <a:rPr lang="en-US" dirty="0" err="1" smtClean="0"/>
+              <a:t>cfc_introduction</a:t>
+            </a:r>
+            <a:endParaRPr lang="en-US" dirty="0"/>
+          </a:p>
+        </p:txBody>
+      </p:sp>
+      <p:sp>
+        <p:nvSpPr>
+          <p:cNvPr id="4" name="Slide Number Placeholder 3"/>
+          <p:cNvSpPr>
+            <a:spLocks noGrp="1"/>
+          </p:cNvSpPr>
+          <p:nvPr>
+            <p:ph type="sldNum" sz="quarter" idx="10"/>
+          </p:nvPr>
+        </p:nvSpPr>
+        <p:spPr/>
+        <p:txBody>
+          <a:bodyPr/>
+          <a:lstStyle/>
+          <a:p>
+            <a:fld id="{433137AF-EBFE-664E-840A-10B3290003D1}" type="slidenum">
+              <a:rPr lang="en-US" smtClean="0"/>
+              <a:t>34</a:t>
             </a:fld>
             <a:endParaRPr lang="en-US"/>
           </a:p>
@@ -3235,21 +3355,7 @@
           <a:p>
             <a:r>
               <a:rPr lang="en-US" dirty="0" smtClean="0"/>
-              <a:t>Create the Mr. Octopus</a:t>
-            </a:r>
-            <a:r>
-              <a:rPr lang="en-US" baseline="0" dirty="0" smtClean="0"/>
-              <a:t> </a:t>
-            </a:r>
-            <a:r>
-              <a:rPr lang="en-US" dirty="0" smtClean="0"/>
-              <a:t>website.</a:t>
-            </a:r>
-          </a:p>
-          <a:p>
-            <a:r>
-              <a:rPr lang="en-US" dirty="0" smtClean="0"/>
-              <a:t>Show http://</a:t>
+              <a:t>http://</a:t>
             </a:r>
             <a:r>
               <a:rPr lang="en-US" dirty="0" err="1" smtClean="0"/>
@@ -3265,7 +3371,7 @@
             </a:r>
             <a:r>
               <a:rPr lang="en-US" dirty="0" smtClean="0"/>
-              <a:t>/administrator</a:t>
+              <a:t>/administrator/ </a:t>
             </a:r>
             <a:endParaRPr lang="en-US" dirty="0"/>
           </a:p>
@@ -3297,7 +3403,7 @@
     </p:spTree>
     <p:extLst>
       <p:ext uri="{BB962C8B-B14F-4D97-AF65-F5344CB8AC3E}">
-        <p14:creationId xmlns:p14="http://schemas.microsoft.com/office/powerpoint/2010/main" val="4066927578"/>
+        <p14:creationId xmlns:p14="http://schemas.microsoft.com/office/powerpoint/2010/main" val="1140585285"/>
       </p:ext>
     </p:extLst>
   </p:cSld>
@@ -3591,7 +3697,7 @@
             <a:fld id="{8ACDB3CC-F982-40F9-8DD6-BCC9AFBF44BD}" type="datetime1">
               <a:rPr lang="en-US" smtClean="0"/>
               <a:pPr/>
-              <a:t>11/4/11</a:t>
+              <a:t>11/5/11</a:t>
             </a:fld>
             <a:endParaRPr lang="en-US" dirty="0"/>
           </a:p>
@@ -3784,7 +3890,7 @@
           <a:p>
             <a:fld id="{8604C85F-9729-E84D-AABC-8B386584B07D}" type="datetimeFigureOut">
               <a:rPr lang="en-US" smtClean="0"/>
-              <a:t>11/4/11</a:t>
+              <a:t>11/5/11</a:t>
             </a:fld>
             <a:endParaRPr lang="en-US"/>
           </a:p>
@@ -4053,7 +4159,7 @@
           <a:p>
             <a:fld id="{8604C85F-9729-E84D-AABC-8B386584B07D}" type="datetimeFigureOut">
               <a:rPr lang="en-US" smtClean="0"/>
-              <a:t>11/4/11</a:t>
+              <a:t>11/5/11</a:t>
             </a:fld>
             <a:endParaRPr lang="en-US"/>
           </a:p>
@@ -4232,7 +4338,7 @@
           <a:p>
             <a:fld id="{8604C85F-9729-E84D-AABC-8B386584B07D}" type="datetimeFigureOut">
               <a:rPr lang="en-US" smtClean="0"/>
-              <a:t>11/4/11</a:t>
+              <a:t>11/5/11</a:t>
             </a:fld>
             <a:endParaRPr lang="en-US"/>
           </a:p>
@@ -4401,7 +4507,7 @@
           <a:p>
             <a:fld id="{8604C85F-9729-E84D-AABC-8B386584B07D}" type="datetimeFigureOut">
               <a:rPr lang="en-US" smtClean="0"/>
-              <a:t>11/4/11</a:t>
+              <a:t>11/5/11</a:t>
             </a:fld>
             <a:endParaRPr lang="en-US"/>
           </a:p>
@@ -4643,7 +4749,7 @@
           <a:p>
             <a:fld id="{8604C85F-9729-E84D-AABC-8B386584B07D}" type="datetimeFigureOut">
               <a:rPr lang="en-US" smtClean="0"/>
-              <a:t>11/4/11</a:t>
+              <a:t>11/5/11</a:t>
             </a:fld>
             <a:endParaRPr lang="en-US"/>
           </a:p>
@@ -4967,7 +5073,7 @@
             <a:fld id="{64DDAE5B-B07C-441A-8026-C23A427A74DC}" type="datetime1">
               <a:rPr lang="en-US" smtClean="0"/>
               <a:pPr/>
-              <a:t>11/4/11</a:t>
+              <a:t>11/5/11</a:t>
             </a:fld>
             <a:endParaRPr lang="en-US"/>
           </a:p>
@@ -5266,7 +5372,7 @@
           <a:p>
             <a:fld id="{8604C85F-9729-E84D-AABC-8B386584B07D}" type="datetimeFigureOut">
               <a:rPr lang="en-US" smtClean="0"/>
-              <a:t>11/4/11</a:t>
+              <a:t>11/5/11</a:t>
             </a:fld>
             <a:endParaRPr lang="en-US"/>
           </a:p>
@@ -5722,7 +5828,7 @@
           <a:p>
             <a:fld id="{8604C85F-9729-E84D-AABC-8B386584B07D}" type="datetimeFigureOut">
               <a:rPr lang="en-US" smtClean="0"/>
-              <a:t>11/4/11</a:t>
+              <a:t>11/5/11</a:t>
             </a:fld>
             <a:endParaRPr lang="en-US"/>
           </a:p>
@@ -5835,7 +5941,7 @@
           <a:p>
             <a:fld id="{8604C85F-9729-E84D-AABC-8B386584B07D}" type="datetimeFigureOut">
               <a:rPr lang="en-US" smtClean="0"/>
-              <a:t>11/4/11</a:t>
+              <a:t>11/5/11</a:t>
             </a:fld>
             <a:endParaRPr lang="en-US"/>
           </a:p>
@@ -5925,7 +6031,7 @@
           <a:p>
             <a:fld id="{8604C85F-9729-E84D-AABC-8B386584B07D}" type="datetimeFigureOut">
               <a:rPr lang="en-US" smtClean="0"/>
-              <a:t>11/4/11</a:t>
+              <a:t>11/5/11</a:t>
             </a:fld>
             <a:endParaRPr lang="en-US"/>
           </a:p>
@@ -6207,7 +6313,7 @@
           <a:p>
             <a:fld id="{8604C85F-9729-E84D-AABC-8B386584B07D}" type="datetimeFigureOut">
               <a:rPr lang="en-US" smtClean="0"/>
-              <a:t>11/4/11</a:t>
+              <a:t>11/5/11</a:t>
             </a:fld>
             <a:endParaRPr lang="en-US"/>
           </a:p>
@@ -6414,7 +6520,7 @@
           <a:p>
             <a:fld id="{8604C85F-9729-E84D-AABC-8B386584B07D}" type="datetimeFigureOut">
               <a:rPr lang="en-US" smtClean="0"/>
-              <a:t>11/4/11</a:t>
+              <a:t>11/5/11</a:t>
             </a:fld>
             <a:endParaRPr lang="en-US"/>
           </a:p>
@@ -7545,22 +7651,22 @@
       </p:grpSpPr>
       <p:sp>
         <p:nvSpPr>
-          <p:cNvPr id="4" name="Title 3"/>
-          <p:cNvSpPr>
-            <a:spLocks noGrp="1"/>
-          </p:cNvSpPr>
-          <p:nvPr>
-            <p:ph type="ctrTitle"/>
-          </p:nvPr>
-        </p:nvSpPr>
-        <p:spPr/>
-        <p:txBody>
-          <a:bodyPr/>
-          <a:lstStyle/>
-          <a:p>
-            <a:r>
-              <a:rPr lang="en-US" dirty="0" smtClean="0"/>
-              <a:t>Demo 01</a:t>
+          <p:cNvPr id="2" name="Title 1"/>
+          <p:cNvSpPr>
+            <a:spLocks noGrp="1"/>
+          </p:cNvSpPr>
+          <p:nvPr>
+            <p:ph type="title"/>
+          </p:nvPr>
+        </p:nvSpPr>
+        <p:spPr/>
+        <p:txBody>
+          <a:bodyPr/>
+          <a:lstStyle/>
+          <a:p>
+            <a:r>
+              <a:rPr lang="en-US" dirty="0" smtClean="0"/>
+              <a:t>Administrator</a:t>
             </a:r>
             <a:endParaRPr lang="en-US" dirty="0"/>
           </a:p>
@@ -7568,39 +7674,103 @@
       </p:sp>
       <p:sp>
         <p:nvSpPr>
-          <p:cNvPr id="5" name="Subtitle 4"/>
-          <p:cNvSpPr>
-            <a:spLocks noGrp="1"/>
-          </p:cNvSpPr>
-          <p:nvPr>
-            <p:ph type="subTitle" idx="1"/>
-          </p:nvPr>
-        </p:nvSpPr>
-        <p:spPr/>
-        <p:txBody>
-          <a:bodyPr/>
-          <a:lstStyle/>
-          <a:p>
-            <a:endParaRPr lang="en-US" dirty="0"/>
-          </a:p>
-        </p:txBody>
-      </p:sp>
-      <p:sp>
-        <p:nvSpPr>
-          <p:cNvPr id="6" name="Picture Placeholder 5"/>
-          <p:cNvSpPr>
-            <a:spLocks noGrp="1"/>
-          </p:cNvSpPr>
-          <p:nvPr>
-            <p:ph type="pic" idx="13"/>
-          </p:nvPr>
-        </p:nvSpPr>
-        <p:spPr/>
+          <p:cNvPr id="3" name="Content Placeholder 2"/>
+          <p:cNvSpPr>
+            <a:spLocks noGrp="1"/>
+          </p:cNvSpPr>
+          <p:nvPr>
+            <p:ph idx="1"/>
+          </p:nvPr>
+        </p:nvSpPr>
+        <p:spPr/>
+        <p:txBody>
+          <a:bodyPr>
+            <a:normAutofit lnSpcReduction="10000"/>
+          </a:bodyPr>
+          <a:lstStyle/>
+          <a:p>
+            <a:r>
+              <a:rPr lang="en-US" dirty="0" smtClean="0"/>
+              <a:t>Differs by engine</a:t>
+            </a:r>
+          </a:p>
+          <a:p>
+            <a:r>
+              <a:rPr lang="en-US" dirty="0" smtClean="0"/>
+              <a:t>Usually, lets you manage (at least):</a:t>
+            </a:r>
+          </a:p>
+          <a:p>
+            <a:pPr lvl="1"/>
+            <a:r>
+              <a:rPr lang="en-US" dirty="0" smtClean="0"/>
+              <a:t>General Settings (security, caching, default values…)</a:t>
+            </a:r>
+          </a:p>
+          <a:p>
+            <a:pPr lvl="1"/>
+            <a:r>
+              <a:rPr lang="en-US" dirty="0" err="1" smtClean="0"/>
+              <a:t>Datasources</a:t>
+            </a:r>
+            <a:endParaRPr lang="en-US" dirty="0" smtClean="0"/>
+          </a:p>
+          <a:p>
+            <a:pPr lvl="1"/>
+            <a:r>
+              <a:rPr lang="en-US" dirty="0" smtClean="0"/>
+              <a:t>Mappings</a:t>
+            </a:r>
+          </a:p>
+          <a:p>
+            <a:pPr lvl="1"/>
+            <a:r>
+              <a:rPr lang="en-US" dirty="0" smtClean="0"/>
+              <a:t>Debugging, </a:t>
+            </a:r>
+            <a:r>
+              <a:rPr lang="en-US" dirty="0"/>
+              <a:t>Logs</a:t>
+            </a:r>
+          </a:p>
+          <a:p>
+            <a:pPr lvl="1"/>
+            <a:r>
+              <a:rPr lang="en-US" dirty="0"/>
+              <a:t>Scheduled </a:t>
+            </a:r>
+            <a:r>
+              <a:rPr lang="en-US" dirty="0" smtClean="0"/>
+              <a:t>Tasks</a:t>
+            </a:r>
+          </a:p>
+          <a:p>
+            <a:pPr lvl="1"/>
+            <a:r>
+              <a:rPr lang="en-US" dirty="0" smtClean="0"/>
+              <a:t>Custom tags, CFX tags</a:t>
+            </a:r>
+          </a:p>
+          <a:p>
+            <a:pPr lvl="1"/>
+            <a:r>
+              <a:rPr lang="en-US" dirty="0" smtClean="0"/>
+              <a:t>E-mail, Fonts</a:t>
+            </a:r>
+          </a:p>
+          <a:p>
+            <a:pPr lvl="1"/>
+            <a:r>
+              <a:rPr lang="en-US" dirty="0" smtClean="0"/>
+              <a:t>Web services</a:t>
+            </a:r>
+          </a:p>
+        </p:txBody>
       </p:sp>
     </p:spTree>
     <p:extLst>
       <p:ext uri="{BB962C8B-B14F-4D97-AF65-F5344CB8AC3E}">
-        <p14:creationId xmlns:p14="http://schemas.microsoft.com/office/powerpoint/2010/main" val="711675040"/>
+        <p14:creationId xmlns:p14="http://schemas.microsoft.com/office/powerpoint/2010/main" val="2379480268"/>
       </p:ext>
     </p:extLst>
   </p:cSld>
@@ -7629,22 +7799,22 @@
       </p:grpSpPr>
       <p:sp>
         <p:nvSpPr>
-          <p:cNvPr id="2" name="Title 1"/>
-          <p:cNvSpPr>
-            <a:spLocks noGrp="1"/>
-          </p:cNvSpPr>
-          <p:nvPr>
-            <p:ph type="title"/>
-          </p:nvPr>
-        </p:nvSpPr>
-        <p:spPr/>
-        <p:txBody>
-          <a:bodyPr/>
-          <a:lstStyle/>
-          <a:p>
-            <a:r>
-              <a:rPr lang="en-US" dirty="0" smtClean="0"/>
-              <a:t>Basic CFML - syntax</a:t>
+          <p:cNvPr id="4" name="Title 3"/>
+          <p:cNvSpPr>
+            <a:spLocks noGrp="1"/>
+          </p:cNvSpPr>
+          <p:nvPr>
+            <p:ph type="ctrTitle"/>
+          </p:nvPr>
+        </p:nvSpPr>
+        <p:spPr/>
+        <p:txBody>
+          <a:bodyPr/>
+          <a:lstStyle/>
+          <a:p>
+            <a:r>
+              <a:rPr lang="en-US" dirty="0" smtClean="0"/>
+              <a:t>Demo 01</a:t>
             </a:r>
             <a:endParaRPr lang="en-US" dirty="0"/>
           </a:p>
@@ -7652,112 +7822,39 @@
       </p:sp>
       <p:sp>
         <p:nvSpPr>
-          <p:cNvPr id="3" name="Content Placeholder 2"/>
-          <p:cNvSpPr>
-            <a:spLocks noGrp="1"/>
-          </p:cNvSpPr>
-          <p:nvPr>
-            <p:ph idx="1"/>
-          </p:nvPr>
-        </p:nvSpPr>
-        <p:spPr/>
-        <p:txBody>
-          <a:bodyPr/>
-          <a:lstStyle/>
-          <a:p>
-            <a:r>
-              <a:rPr lang="en-US" dirty="0" smtClean="0"/>
-              <a:t>Code lives in CFM or CFC files</a:t>
-            </a:r>
-          </a:p>
-          <a:p>
-            <a:r>
-              <a:rPr lang="en-US" dirty="0"/>
-              <a:t>Designed to live amongst </a:t>
-            </a:r>
-            <a:r>
-              <a:rPr lang="en-US" dirty="0" smtClean="0"/>
-              <a:t>HTML</a:t>
-            </a:r>
-          </a:p>
-          <a:p>
-            <a:r>
-              <a:rPr lang="en-US" dirty="0" smtClean="0"/>
-              <a:t>Tag</a:t>
-            </a:r>
-            <a:r>
-              <a:rPr lang="en-US" dirty="0"/>
-              <a:t>-based, starting with “</a:t>
-            </a:r>
-            <a:r>
-              <a:rPr lang="en-US" dirty="0" err="1"/>
-              <a:t>cf</a:t>
-            </a:r>
-            <a:r>
-              <a:rPr lang="en-US" dirty="0"/>
-              <a:t>” (for example, </a:t>
-            </a:r>
-            <a:r>
-              <a:rPr lang="en-US" sz="2000" dirty="0">
-                <a:latin typeface="Courier New"/>
-                <a:cs typeface="Courier New"/>
-              </a:rPr>
-              <a:t>&lt;</a:t>
-            </a:r>
-            <a:r>
-              <a:rPr lang="en-US" sz="2000" dirty="0" err="1" smtClean="0">
-                <a:latin typeface="Courier New"/>
-                <a:cs typeface="Courier New"/>
-              </a:rPr>
-              <a:t>cfset</a:t>
-            </a:r>
-            <a:r>
-              <a:rPr lang="en-US" sz="2000" dirty="0" smtClean="0">
-                <a:latin typeface="Courier New"/>
-                <a:cs typeface="Courier New"/>
-              </a:rPr>
-              <a:t>&gt;</a:t>
-            </a:r>
-            <a:r>
-              <a:rPr lang="en-US" dirty="0" smtClean="0"/>
-              <a:t>)</a:t>
-            </a:r>
-          </a:p>
-          <a:p>
-            <a:r>
-              <a:rPr lang="en-US" dirty="0" smtClean="0"/>
-              <a:t>Some tags are self-closing, many have attributes, some perform processing within the tag</a:t>
-            </a:r>
-          </a:p>
-          <a:p>
-            <a:r>
-              <a:rPr lang="en-US" dirty="0" smtClean="0"/>
-              <a:t>Can create custom tags</a:t>
-            </a:r>
-          </a:p>
-          <a:p>
-            <a:r>
-              <a:rPr lang="en-US" dirty="0" smtClean="0"/>
-              <a:t>Comments: </a:t>
-            </a:r>
-            <a:r>
-              <a:rPr lang="en-US" sz="2000" i="1" dirty="0" smtClean="0">
-                <a:latin typeface="Courier New"/>
-                <a:cs typeface="Courier New"/>
-              </a:rPr>
-              <a:t>&lt;!--- comment ---&gt;</a:t>
-            </a:r>
-            <a:endParaRPr lang="en-US" i="1" dirty="0" smtClean="0">
-              <a:latin typeface="Courier New"/>
-              <a:cs typeface="Courier New"/>
-            </a:endParaRPr>
-          </a:p>
-        </p:txBody>
+          <p:cNvPr id="5" name="Subtitle 4"/>
+          <p:cNvSpPr>
+            <a:spLocks noGrp="1"/>
+          </p:cNvSpPr>
+          <p:nvPr>
+            <p:ph type="subTitle" idx="1"/>
+          </p:nvPr>
+        </p:nvSpPr>
+        <p:spPr/>
+        <p:txBody>
+          <a:bodyPr/>
+          <a:lstStyle/>
+          <a:p>
+            <a:endParaRPr lang="en-US" dirty="0"/>
+          </a:p>
+        </p:txBody>
+      </p:sp>
+      <p:sp>
+        <p:nvSpPr>
+          <p:cNvPr id="6" name="Picture Placeholder 5"/>
+          <p:cNvSpPr>
+            <a:spLocks noGrp="1"/>
+          </p:cNvSpPr>
+          <p:nvPr>
+            <p:ph type="pic" idx="13"/>
+          </p:nvPr>
+        </p:nvSpPr>
+        <p:spPr/>
       </p:sp>
     </p:spTree>
     <p:extLst>
       <p:ext uri="{BB962C8B-B14F-4D97-AF65-F5344CB8AC3E}">
-        <p14:creationId xmlns:p14="http://schemas.microsoft.com/office/powerpoint/2010/main" val="1399933645"/>
+        <p14:creationId xmlns:p14="http://schemas.microsoft.com/office/powerpoint/2010/main" val="711675040"/>
       </p:ext>
     </p:extLst>
   </p:cSld>
@@ -7801,7 +7898,7 @@
           <a:p>
             <a:r>
               <a:rPr lang="en-US" dirty="0" smtClean="0"/>
-              <a:t>Basic CFML - variables</a:t>
+              <a:t>Basic CFML - syntax</a:t>
             </a:r>
             <a:endParaRPr lang="en-US" dirty="0"/>
           </a:p>
@@ -7819,132 +7916,102 @@
         </p:nvSpPr>
         <p:spPr/>
         <p:txBody>
-          <a:bodyPr>
-            <a:normAutofit/>
-          </a:bodyPr>
-          <a:lstStyle/>
-          <a:p>
-            <a:r>
-              <a:rPr lang="en-US" dirty="0" smtClean="0"/>
-              <a:t>Variables </a:t>
-            </a:r>
+          <a:bodyPr/>
+          <a:lstStyle/>
+          <a:p>
+            <a:r>
+              <a:rPr lang="en-US" dirty="0" smtClean="0"/>
+              <a:t>Code lives in CFM or CFC files</a:t>
+            </a:r>
+          </a:p>
+          <a:p>
             <a:r>
               <a:rPr lang="en-US" dirty="0"/>
-              <a:t>are </a:t>
-            </a:r>
-            <a:r>
-              <a:rPr lang="en-US" dirty="0" smtClean="0"/>
-              <a:t>type-less</a:t>
-            </a:r>
-          </a:p>
-          <a:p>
-            <a:pPr lvl="1"/>
-            <a:r>
-              <a:rPr lang="en-US" dirty="0" smtClean="0"/>
-              <a:t> </a:t>
+              <a:t>Designed to live amongst </a:t>
+            </a:r>
+            <a:r>
+              <a:rPr lang="en-US" dirty="0" smtClean="0"/>
+              <a:t>HTML</a:t>
+            </a:r>
+          </a:p>
+          <a:p>
+            <a:r>
+              <a:rPr lang="en-US" dirty="0" smtClean="0"/>
+              <a:t>Tag</a:t>
             </a:r>
             <a:r>
               <a:rPr lang="en-US" dirty="0"/>
-              <a:t>String, number, date, </a:t>
+              <a:t>-based, starting with “</a:t>
             </a:r>
             <a:r>
               <a:rPr lang="en-US" dirty="0" err="1"/>
-              <a:t>boolean</a:t>
+              <a:t>cf</a:t>
             </a:r>
             <a:r>
               <a:rPr lang="en-US" dirty="0"/>
-              <a:t>, structures, </a:t>
-            </a:r>
-            <a:r>
-              <a:rPr lang="en-US" dirty="0" smtClean="0"/>
-              <a:t>arrays</a:t>
-            </a:r>
-          </a:p>
-          <a:p>
-            <a:r>
-              <a:rPr lang="en-US" dirty="0" smtClean="0"/>
-              <a:t>Variables have scope</a:t>
-            </a:r>
-          </a:p>
-          <a:p>
-            <a:pPr lvl="1"/>
-            <a:r>
-              <a:rPr lang="en-US" dirty="0" smtClean="0"/>
-              <a:t>Server, </a:t>
-            </a:r>
-            <a:r>
-              <a:rPr lang="en-US" dirty="0" err="1" smtClean="0"/>
-              <a:t>cgi</a:t>
-            </a:r>
-            <a:r>
-              <a:rPr lang="en-US" dirty="0" smtClean="0"/>
-              <a:t>, cookie, request, form, </a:t>
-            </a:r>
-            <a:r>
-              <a:rPr lang="en-US" dirty="0" err="1" smtClean="0"/>
-              <a:t>url</a:t>
-            </a:r>
-            <a:r>
-              <a:rPr lang="en-US" dirty="0" smtClean="0"/>
-              <a:t>, variables, local, arguments, attributes, application, client, session, </a:t>
-            </a:r>
-            <a:r>
-              <a:rPr lang="en-US" dirty="0" err="1" smtClean="0"/>
-              <a:t>cfthread</a:t>
-            </a:r>
-            <a:r>
-              <a:rPr lang="en-US" dirty="0" smtClean="0"/>
-              <a:t>, </a:t>
-            </a:r>
-            <a:r>
-              <a:rPr lang="en-US" dirty="0" err="1" smtClean="0"/>
-              <a:t>cffile</a:t>
-            </a:r>
-            <a:r>
-              <a:rPr lang="en-US" dirty="0" smtClean="0"/>
-              <a:t>, this, super, </a:t>
-            </a:r>
-            <a:r>
-              <a:rPr lang="en-US" dirty="0" err="1" smtClean="0"/>
-              <a:t>cfcatch</a:t>
-            </a:r>
-            <a:endParaRPr lang="en-US" dirty="0" smtClean="0"/>
-          </a:p>
-          <a:p>
-            <a:r>
-              <a:rPr lang="en-US" dirty="0" smtClean="0"/>
-              <a:t>Reference variables [scope].[variable’s name] or [scope][‘variable’s name’]</a:t>
-            </a:r>
-          </a:p>
-          <a:p>
+              <a:t>” (for example, </a:t>
+            </a:r>
+            <a:r>
+              <a:rPr lang="en-US" sz="2000" dirty="0">
+                <a:latin typeface="Courier New"/>
+                <a:cs typeface="Courier New"/>
+              </a:rPr>
+              <a:t>&lt;</a:t>
+            </a:r>
+            <a:r>
+              <a:rPr lang="en-US" sz="2000" dirty="0" err="1" smtClean="0">
+                <a:latin typeface="Courier New"/>
+                <a:cs typeface="Courier New"/>
+              </a:rPr>
+              <a:t>cfset</a:t>
+            </a:r>
             <a:r>
               <a:rPr lang="en-US" sz="2000" dirty="0" smtClean="0">
                 <a:latin typeface="Courier New"/>
                 <a:cs typeface="Courier New"/>
               </a:rPr>
-              <a:t>&lt;</a:t>
-            </a:r>
-            <a:r>
-              <a:rPr lang="en-US" sz="2000" dirty="0" err="1" smtClean="0">
-                <a:latin typeface="Courier New"/>
-                <a:cs typeface="Courier New"/>
-              </a:rPr>
-              <a:t>cfset</a:t>
-            </a:r>
-            <a:r>
-              <a:rPr lang="en-US" sz="2000" dirty="0" smtClean="0">
-                <a:latin typeface="Courier New"/>
-                <a:cs typeface="Courier New"/>
-              </a:rPr>
-              <a:t> message = “Hello, World!”&gt;</a:t>
-            </a:r>
+              <a:t>&gt;</a:t>
+            </a:r>
+            <a:r>
+              <a:rPr lang="en-US" dirty="0" smtClean="0"/>
+              <a:t>)</a:t>
+            </a:r>
+          </a:p>
+          <a:p>
+            <a:r>
+              <a:rPr lang="en-US" dirty="0" smtClean="0"/>
+              <a:t>Some tags are self-closing, many have attributes, some perform processing within the tag</a:t>
+            </a:r>
+          </a:p>
+          <a:p>
+            <a:r>
+              <a:rPr lang="en-US" dirty="0" smtClean="0"/>
+              <a:t>Can create custom tags</a:t>
+            </a:r>
+          </a:p>
+          <a:p>
+            <a:r>
+              <a:rPr lang="en-US" dirty="0" smtClean="0"/>
+              <a:t>Comments: </a:t>
+            </a:r>
+            <a:r>
+              <a:rPr lang="en-US" sz="2000" i="1" dirty="0" smtClean="0">
+                <a:latin typeface="Courier New"/>
+                <a:cs typeface="Courier New"/>
+              </a:rPr>
+              <a:t>&lt;!--- comment ---&gt;</a:t>
+            </a:r>
+            <a:endParaRPr lang="en-US" i="1" dirty="0" smtClean="0">
+              <a:latin typeface="Courier New"/>
+              <a:cs typeface="Courier New"/>
+            </a:endParaRPr>
           </a:p>
         </p:txBody>
       </p:sp>
     </p:spTree>
     <p:extLst>
       <p:ext uri="{BB962C8B-B14F-4D97-AF65-F5344CB8AC3E}">
-        <p14:creationId xmlns:p14="http://schemas.microsoft.com/office/powerpoint/2010/main" val="2772679587"/>
+        <p14:creationId xmlns:p14="http://schemas.microsoft.com/office/powerpoint/2010/main" val="1399933645"/>
       </p:ext>
     </p:extLst>
   </p:cSld>
@@ -7988,7 +8055,7 @@
           <a:p>
             <a:r>
               <a:rPr lang="en-US" dirty="0" smtClean="0"/>
-              <a:t>Basic CFML - output</a:t>
+              <a:t>Basic CFML - variables</a:t>
             </a:r>
             <a:endParaRPr lang="en-US" dirty="0"/>
           </a:p>
@@ -8007,153 +8074,131 @@
         <p:spPr/>
         <p:txBody>
           <a:bodyPr>
-            <a:normAutofit fontScale="92500"/>
+            <a:normAutofit/>
           </a:bodyPr>
           <a:lstStyle/>
           <a:p>
             <a:r>
               <a:rPr lang="en-US" dirty="0" smtClean="0"/>
-              <a:t>CFML lives amongst HTML, so you tell it when to output</a:t>
-            </a:r>
-          </a:p>
-          <a:p>
-            <a:r>
-              <a:rPr lang="en-US" dirty="0" smtClean="0"/>
-              <a:t>Use #s to process CFML, with </a:t>
-            </a:r>
-            <a:r>
-              <a:rPr lang="en-US" sz="2200" dirty="0" smtClean="0">
+              <a:t>Variables </a:t>
+            </a:r>
+            <a:r>
+              <a:rPr lang="en-US" dirty="0"/>
+              <a:t>are </a:t>
+            </a:r>
+            <a:r>
+              <a:rPr lang="en-US" dirty="0" smtClean="0"/>
+              <a:t>type-less</a:t>
+            </a:r>
+          </a:p>
+          <a:p>
+            <a:pPr lvl="1"/>
+            <a:r>
+              <a:rPr lang="en-US" dirty="0" smtClean="0"/>
+              <a:t> </a:t>
+            </a:r>
+            <a:r>
+              <a:rPr lang="en-US" dirty="0"/>
+              <a:t>String, number, date, </a:t>
+            </a:r>
+            <a:r>
+              <a:rPr lang="en-US" dirty="0" err="1"/>
+              <a:t>boolean</a:t>
+            </a:r>
+            <a:r>
+              <a:rPr lang="en-US" dirty="0"/>
+              <a:t>, structures, </a:t>
+            </a:r>
+            <a:r>
+              <a:rPr lang="en-US" dirty="0" smtClean="0"/>
+              <a:t>arrays</a:t>
+            </a:r>
+          </a:p>
+          <a:p>
+            <a:r>
+              <a:rPr lang="en-US" dirty="0" smtClean="0"/>
+              <a:t>Variables have scope</a:t>
+            </a:r>
+          </a:p>
+          <a:p>
+            <a:pPr lvl="1"/>
+            <a:r>
+              <a:rPr lang="en-US" dirty="0" smtClean="0"/>
+              <a:t>Server, </a:t>
+            </a:r>
+            <a:r>
+              <a:rPr lang="en-US" dirty="0" err="1" smtClean="0"/>
+              <a:t>cgi</a:t>
+            </a:r>
+            <a:r>
+              <a:rPr lang="en-US" dirty="0" smtClean="0"/>
+              <a:t>, cookie, request, form, </a:t>
+            </a:r>
+            <a:r>
+              <a:rPr lang="en-US" dirty="0" err="1" smtClean="0"/>
+              <a:t>url</a:t>
+            </a:r>
+            <a:r>
+              <a:rPr lang="en-US" dirty="0" smtClean="0"/>
+              <a:t>, variables, local, arguments, attributes, application, client, session, </a:t>
+            </a:r>
+            <a:r>
+              <a:rPr lang="en-US" dirty="0" err="1" smtClean="0"/>
+              <a:t>cfthread</a:t>
+            </a:r>
+            <a:r>
+              <a:rPr lang="en-US" dirty="0" smtClean="0"/>
+              <a:t>, </a:t>
+            </a:r>
+            <a:r>
+              <a:rPr lang="en-US" dirty="0" err="1" smtClean="0"/>
+              <a:t>cffile</a:t>
+            </a:r>
+            <a:r>
+              <a:rPr lang="en-US" dirty="0" smtClean="0"/>
+              <a:t>, this, super, </a:t>
+            </a:r>
+            <a:r>
+              <a:rPr lang="en-US" dirty="0" err="1" smtClean="0"/>
+              <a:t>cfcatch</a:t>
+            </a:r>
+            <a:endParaRPr lang="en-US" dirty="0" smtClean="0"/>
+          </a:p>
+          <a:p>
+            <a:r>
+              <a:rPr lang="en-US" dirty="0" smtClean="0"/>
+              <a:t>Reference variables [scope].[variable’s name] or [scope][‘variable’s name’]</a:t>
+            </a:r>
+          </a:p>
+          <a:p>
+            <a:r>
+              <a:rPr lang="en-US" sz="2000" dirty="0" smtClean="0">
                 <a:latin typeface="Courier New"/>
                 <a:cs typeface="Courier New"/>
               </a:rPr>
               <a:t>&lt;</a:t>
             </a:r>
             <a:r>
-              <a:rPr lang="en-US" sz="2200" dirty="0" err="1" smtClean="0">
-                <a:latin typeface="Courier New"/>
-                <a:cs typeface="Courier New"/>
-              </a:rPr>
-              <a:t>cfoutput</a:t>
-            </a:r>
-            <a:r>
-              <a:rPr lang="en-US" sz="2200" dirty="0" smtClean="0">
-                <a:latin typeface="Courier New"/>
-                <a:cs typeface="Courier New"/>
-              </a:rPr>
-              <a:t>&gt;</a:t>
-            </a:r>
-          </a:p>
-          <a:p>
-            <a:r>
-              <a:rPr lang="en-US" dirty="0" smtClean="0"/>
-              <a:t>Can put variables or function calls within #s</a:t>
-            </a:r>
-          </a:p>
-          <a:p>
-            <a:pPr lvl="1"/>
-            <a:r>
-              <a:rPr lang="en-US" sz="1900" dirty="0" smtClean="0">
-                <a:latin typeface="Courier New"/>
-                <a:cs typeface="Courier New"/>
-              </a:rPr>
-              <a:t>#</a:t>
-            </a:r>
-            <a:r>
-              <a:rPr lang="en-US" sz="1900" dirty="0" err="1" smtClean="0">
-                <a:latin typeface="Courier New"/>
-                <a:cs typeface="Courier New"/>
-              </a:rPr>
-              <a:t>uCase</a:t>
-            </a:r>
-            <a:r>
-              <a:rPr lang="en-US" sz="1900" dirty="0" smtClean="0">
-                <a:latin typeface="Courier New"/>
-                <a:cs typeface="Courier New"/>
-              </a:rPr>
-              <a:t>(message)# </a:t>
-            </a:r>
-            <a:r>
-              <a:rPr lang="en-US" dirty="0" smtClean="0"/>
-              <a:t>outputs the upper case of message</a:t>
-            </a:r>
-          </a:p>
-          <a:p>
-            <a:r>
-              <a:rPr lang="en-US" dirty="0" smtClean="0"/>
-              <a:t>Cannot put tags within #s</a:t>
-            </a:r>
-          </a:p>
-          <a:p>
-            <a:r>
-              <a:rPr lang="en-US" dirty="0" smtClean="0"/>
-              <a:t>Escape # with another #: </a:t>
-            </a:r>
-            <a:r>
-              <a:rPr lang="en-US" sz="2200" dirty="0" smtClean="0">
-                <a:latin typeface="Courier New"/>
-                <a:cs typeface="Courier New"/>
-              </a:rPr>
-              <a:t>##</a:t>
-            </a:r>
-            <a:endParaRPr lang="en-US" dirty="0" smtClean="0">
-              <a:latin typeface="Courier New"/>
-              <a:cs typeface="Courier New"/>
-            </a:endParaRPr>
-          </a:p>
-          <a:p>
-            <a:r>
-              <a:rPr lang="en-US" dirty="0" smtClean="0"/>
-              <a:t>Need #s in attributes for tags</a:t>
-            </a:r>
-          </a:p>
-          <a:p>
-            <a:pPr lvl="1"/>
-            <a:r>
-              <a:rPr lang="en-US" sz="1900" dirty="0" smtClean="0">
-                <a:latin typeface="Courier New"/>
-                <a:cs typeface="Courier New"/>
-              </a:rPr>
-              <a:t>&lt;</a:t>
-            </a:r>
-            <a:r>
-              <a:rPr lang="en-US" sz="1900" dirty="0" err="1" smtClean="0">
-                <a:latin typeface="Courier New"/>
-                <a:cs typeface="Courier New"/>
-              </a:rPr>
-              <a:t>cfdump</a:t>
-            </a:r>
-            <a:r>
-              <a:rPr lang="en-US" sz="1900" dirty="0" smtClean="0">
-                <a:latin typeface="Courier New"/>
-                <a:cs typeface="Courier New"/>
-              </a:rPr>
-              <a:t> </a:t>
-            </a:r>
-            <a:r>
-              <a:rPr lang="en-US" sz="1900" dirty="0" err="1" smtClean="0">
-                <a:latin typeface="Courier New"/>
-                <a:cs typeface="Courier New"/>
-              </a:rPr>
-              <a:t>var</a:t>
-            </a:r>
-            <a:r>
-              <a:rPr lang="en-US" sz="1900" dirty="0" smtClean="0">
-                <a:latin typeface="Courier New"/>
-                <a:cs typeface="Courier New"/>
-              </a:rPr>
-              <a:t>=“#message#”&gt;</a:t>
-            </a:r>
-            <a:endParaRPr lang="en-US" sz="1900" dirty="0">
-              <a:latin typeface="Courier New"/>
-              <a:cs typeface="Courier New"/>
-            </a:endParaRPr>
+              <a:rPr lang="en-US" sz="2000" dirty="0" err="1" smtClean="0">
+                <a:latin typeface="Courier New"/>
+                <a:cs typeface="Courier New"/>
+              </a:rPr>
+              <a:t>cfset</a:t>
+            </a:r>
+            <a:r>
+              <a:rPr lang="en-US" sz="2000" dirty="0" smtClean="0">
+                <a:latin typeface="Courier New"/>
+                <a:cs typeface="Courier New"/>
+              </a:rPr>
+              <a:t> message = “Hello, World!”&gt;</a:t>
+            </a:r>
           </a:p>
         </p:txBody>
       </p:sp>
     </p:spTree>
     <p:extLst>
       <p:ext uri="{BB962C8B-B14F-4D97-AF65-F5344CB8AC3E}">
-        <p14:creationId xmlns:p14="http://schemas.microsoft.com/office/powerpoint/2010/main" val="3765747897"/>
+        <p14:creationId xmlns:p14="http://schemas.microsoft.com/office/powerpoint/2010/main" val="2772679587"/>
       </p:ext>
     </p:extLst>
   </p:cSld>
@@ -8197,7 +8242,7 @@
           <a:p>
             <a:r>
               <a:rPr lang="en-US" dirty="0" smtClean="0"/>
-              <a:t>Using Variables</a:t>
+              <a:t>Basic CFML - output</a:t>
             </a:r>
             <a:endParaRPr lang="en-US" dirty="0"/>
           </a:p>
@@ -8216,40 +8261,95 @@
         <p:spPr/>
         <p:txBody>
           <a:bodyPr>
-            <a:normAutofit/>
+            <a:normAutofit fontScale="92500"/>
           </a:bodyPr>
           <a:lstStyle/>
           <a:p>
             <a:r>
               <a:rPr lang="en-US" dirty="0" smtClean="0"/>
-              <a:t>String</a:t>
-            </a:r>
-            <a:r>
-              <a:rPr lang="en-US" dirty="0"/>
-              <a:t>: </a:t>
-            </a:r>
-            <a:r>
-              <a:rPr lang="en-US" sz="2000" dirty="0">
+              <a:t>CFML lives amongst HTML, so you tell it when to output</a:t>
+            </a:r>
+          </a:p>
+          <a:p>
+            <a:r>
+              <a:rPr lang="en-US" dirty="0" smtClean="0"/>
+              <a:t>Use #s to process CFML, with </a:t>
+            </a:r>
+            <a:r>
+              <a:rPr lang="en-US" sz="2200" dirty="0" smtClean="0">
                 <a:latin typeface="Courier New"/>
                 <a:cs typeface="Courier New"/>
               </a:rPr>
               <a:t>&lt;</a:t>
             </a:r>
             <a:r>
-              <a:rPr lang="en-US" sz="2000" dirty="0" err="1">
-                <a:latin typeface="Courier New"/>
-                <a:cs typeface="Courier New"/>
-              </a:rPr>
-              <a:t>cfset</a:t>
-            </a:r>
-            <a:r>
-              <a:rPr lang="en-US" sz="2000" dirty="0">
-                <a:latin typeface="Courier New"/>
-                <a:cs typeface="Courier New"/>
-              </a:rPr>
-              <a:t> name=“Miles”&gt;</a:t>
-            </a:r>
-            <a:endParaRPr lang="en-US" dirty="0">
+              <a:rPr lang="en-US" sz="2200" dirty="0" err="1" smtClean="0">
+                <a:latin typeface="Courier New"/>
+                <a:cs typeface="Courier New"/>
+              </a:rPr>
+              <a:t>cfoutput</a:t>
+            </a:r>
+            <a:r>
+              <a:rPr lang="en-US" sz="2200" dirty="0" smtClean="0">
+                <a:latin typeface="Courier New"/>
+                <a:cs typeface="Courier New"/>
+              </a:rPr>
+              <a:t>&gt;</a:t>
+            </a:r>
+          </a:p>
+          <a:p>
+            <a:r>
+              <a:rPr lang="en-US" dirty="0" smtClean="0"/>
+              <a:t>Can put variables or function calls within #s</a:t>
+            </a:r>
+          </a:p>
+          <a:p>
+            <a:pPr lvl="1"/>
+            <a:r>
+              <a:rPr lang="en-US" sz="1900" dirty="0" smtClean="0">
+                <a:latin typeface="Courier New"/>
+                <a:cs typeface="Courier New"/>
+              </a:rPr>
+              <a:t>#</a:t>
+            </a:r>
+            <a:r>
+              <a:rPr lang="en-US" sz="1900" dirty="0" err="1" smtClean="0">
+                <a:latin typeface="Courier New"/>
+                <a:cs typeface="Courier New"/>
+              </a:rPr>
+              <a:t>uCase</a:t>
+            </a:r>
+            <a:r>
+              <a:rPr lang="en-US" sz="1900" dirty="0" smtClean="0">
+                <a:latin typeface="Courier New"/>
+                <a:cs typeface="Courier New"/>
+              </a:rPr>
+              <a:t>(message)# </a:t>
+            </a:r>
+            <a:r>
+              <a:rPr lang="en-US" dirty="0" smtClean="0"/>
+              <a:t>outputs the upper case of message</a:t>
+            </a:r>
+          </a:p>
+          <a:p>
+            <a:r>
+              <a:rPr lang="en-US" dirty="0" smtClean="0"/>
+              <a:t>Cannot put tags within #s</a:t>
+            </a:r>
+          </a:p>
+          <a:p>
+            <a:r>
+              <a:rPr lang="en-US" dirty="0" smtClean="0"/>
+              <a:t>Escape # with another #: </a:t>
+            </a:r>
+            <a:r>
+              <a:rPr lang="en-US" sz="2200" dirty="0" smtClean="0">
+                <a:latin typeface="Courier New"/>
+                <a:cs typeface="Courier New"/>
+              </a:rPr>
+              <a:t>##</a:t>
+            </a:r>
+            <a:endParaRPr lang="en-US" dirty="0" smtClean="0">
               <a:latin typeface="Courier New"/>
               <a:cs typeface="Courier New"/>
             </a:endParaRPr>
@@ -8257,192 +8357,57 @@
           <a:p>
             <a:r>
               <a:rPr lang="en-US" dirty="0" smtClean="0"/>
-              <a:t>Number: </a:t>
-            </a:r>
-            <a:r>
-              <a:rPr lang="en-US" sz="2000" dirty="0" smtClean="0">
+              <a:t>Need #s in attributes for tags</a:t>
+            </a:r>
+          </a:p>
+          <a:p>
+            <a:pPr lvl="1"/>
+            <a:r>
+              <a:rPr lang="en-US" sz="1900" dirty="0" smtClean="0">
                 <a:latin typeface="Courier New"/>
                 <a:cs typeface="Courier New"/>
               </a:rPr>
               <a:t>&lt;</a:t>
             </a:r>
             <a:r>
-              <a:rPr lang="en-US" sz="2000" dirty="0" err="1" smtClean="0">
-                <a:latin typeface="Courier New"/>
-                <a:cs typeface="Courier New"/>
-              </a:rPr>
-              <a:t>cfset</a:t>
-            </a:r>
-            <a:r>
-              <a:rPr lang="en-US" sz="2000" dirty="0" smtClean="0">
-                <a:latin typeface="Courier New"/>
-                <a:cs typeface="Courier New"/>
-              </a:rPr>
-              <a:t> age = 28&gt;</a:t>
-            </a:r>
-          </a:p>
-          <a:p>
-            <a:r>
-              <a:rPr lang="en-US" dirty="0" smtClean="0"/>
-              <a:t>Boolean: </a:t>
-            </a:r>
-            <a:r>
-              <a:rPr lang="en-US" sz="2000" dirty="0" smtClean="0">
-                <a:latin typeface="Courier New"/>
-                <a:cs typeface="Courier New"/>
-              </a:rPr>
-              <a:t>&lt;</a:t>
-            </a:r>
-            <a:r>
-              <a:rPr lang="en-US" sz="2000" dirty="0" err="1" smtClean="0">
-                <a:latin typeface="Courier New"/>
-                <a:cs typeface="Courier New"/>
-              </a:rPr>
-              <a:t>cfset</a:t>
-            </a:r>
-            <a:r>
-              <a:rPr lang="en-US" sz="2000" dirty="0" smtClean="0">
+              <a:rPr lang="en-US" sz="1900" dirty="0" err="1" smtClean="0">
+                <a:latin typeface="Courier New"/>
+                <a:cs typeface="Courier New"/>
+              </a:rPr>
+              <a:t>cfdump</a:t>
+            </a:r>
+            <a:r>
+              <a:rPr lang="en-US" sz="1900" dirty="0" smtClean="0">
                 <a:latin typeface="Courier New"/>
                 <a:cs typeface="Courier New"/>
               </a:rPr>
               <a:t> </a:t>
             </a:r>
             <a:r>
-              <a:rPr lang="en-US" sz="2000" dirty="0" err="1" smtClean="0">
-                <a:latin typeface="Courier New"/>
-                <a:cs typeface="Courier New"/>
-              </a:rPr>
-              <a:t>isPresenting</a:t>
-            </a:r>
-            <a:r>
-              <a:rPr lang="en-US" sz="2000" dirty="0" smtClean="0">
-                <a:latin typeface="Courier New"/>
-                <a:cs typeface="Courier New"/>
-              </a:rPr>
-              <a:t> = true&gt;</a:t>
-            </a:r>
-          </a:p>
-          <a:p>
-            <a:r>
-              <a:rPr lang="en-US" dirty="0" smtClean="0"/>
-              <a:t>Date: </a:t>
-            </a:r>
-            <a:r>
-              <a:rPr lang="en-US" sz="2000" dirty="0" smtClean="0">
-                <a:latin typeface="Courier New"/>
-                <a:cs typeface="Courier New"/>
-              </a:rPr>
-              <a:t>&lt;</a:t>
-            </a:r>
-            <a:r>
-              <a:rPr lang="en-US" sz="2000" dirty="0" err="1" smtClean="0">
-                <a:latin typeface="Courier New"/>
-                <a:cs typeface="Courier New"/>
-              </a:rPr>
-              <a:t>cfset</a:t>
-            </a:r>
-            <a:r>
-              <a:rPr lang="en-US" sz="2000" dirty="0" smtClean="0">
-                <a:latin typeface="Courier New"/>
-                <a:cs typeface="Courier New"/>
-              </a:rPr>
-              <a:t> </a:t>
-            </a:r>
-            <a:r>
-              <a:rPr lang="en-US" sz="2000" dirty="0" err="1" smtClean="0">
-                <a:latin typeface="Courier New"/>
-                <a:cs typeface="Courier New"/>
-              </a:rPr>
-              <a:t>datePresenting</a:t>
-            </a:r>
-            <a:r>
-              <a:rPr lang="en-US" sz="2000" dirty="0" smtClean="0">
-                <a:latin typeface="Courier New"/>
-                <a:cs typeface="Courier New"/>
-              </a:rPr>
-              <a:t> = Now()&gt;</a:t>
-            </a:r>
-          </a:p>
-          <a:p>
-            <a:r>
-              <a:rPr lang="en-US" sz="2000" dirty="0" smtClean="0">
-                <a:latin typeface="Courier New"/>
-                <a:cs typeface="Courier New"/>
-              </a:rPr>
-              <a:t>&lt;</a:t>
-            </a:r>
-            <a:r>
-              <a:rPr lang="en-US" sz="2000" dirty="0" err="1" smtClean="0">
-                <a:latin typeface="Courier New"/>
-                <a:cs typeface="Courier New"/>
-              </a:rPr>
-              <a:t>cfparam</a:t>
-            </a:r>
-            <a:r>
-              <a:rPr lang="en-US" sz="2000" dirty="0" smtClean="0">
-                <a:latin typeface="Courier New"/>
-                <a:cs typeface="Courier New"/>
-              </a:rPr>
-              <a:t> name=“name” default=“No Name”&gt;</a:t>
-            </a:r>
-          </a:p>
-          <a:p>
-            <a:r>
-              <a:rPr lang="en-US" sz="2000" dirty="0" smtClean="0">
-                <a:latin typeface="Courier New"/>
-                <a:cs typeface="Courier New"/>
-              </a:rPr>
-              <a:t>&lt;</a:t>
-            </a:r>
-            <a:r>
-              <a:rPr lang="en-US" sz="2000" dirty="0" err="1" smtClean="0">
-                <a:latin typeface="Courier New"/>
-                <a:cs typeface="Courier New"/>
-              </a:rPr>
-              <a:t>cfoutput</a:t>
-            </a:r>
-            <a:r>
-              <a:rPr lang="en-US" sz="2000" dirty="0" smtClean="0">
-                <a:latin typeface="Courier New"/>
-                <a:cs typeface="Courier New"/>
-              </a:rPr>
-              <a:t>&gt;#</a:t>
-            </a:r>
-            <a:r>
-              <a:rPr lang="en-US" sz="2000" dirty="0" err="1" smtClean="0">
-                <a:latin typeface="Courier New"/>
-                <a:cs typeface="Courier New"/>
-              </a:rPr>
-              <a:t>simpleVariable</a:t>
-            </a:r>
-            <a:r>
-              <a:rPr lang="en-US" sz="2000" dirty="0" smtClean="0">
-                <a:latin typeface="Courier New"/>
-                <a:cs typeface="Courier New"/>
-              </a:rPr>
-              <a:t>#&lt;/</a:t>
-            </a:r>
-            <a:r>
-              <a:rPr lang="en-US" sz="2000" dirty="0" err="1" smtClean="0">
-                <a:latin typeface="Courier New"/>
-                <a:cs typeface="Courier New"/>
-              </a:rPr>
-              <a:t>cfoutput</a:t>
-            </a:r>
-            <a:r>
-              <a:rPr lang="en-US" sz="2000" dirty="0" smtClean="0">
-                <a:latin typeface="Courier New"/>
-                <a:cs typeface="Courier New"/>
-              </a:rPr>
-              <a:t>&gt;</a:t>
-            </a:r>
+              <a:rPr lang="en-US" sz="1900" dirty="0" err="1" smtClean="0">
+                <a:latin typeface="Courier New"/>
+                <a:cs typeface="Courier New"/>
+              </a:rPr>
+              <a:t>var</a:t>
+            </a:r>
+            <a:r>
+              <a:rPr lang="en-US" sz="1900" dirty="0" smtClean="0">
+                <a:latin typeface="Courier New"/>
+                <a:cs typeface="Courier New"/>
+              </a:rPr>
+              <a:t>=“#message#”&gt;</a:t>
+            </a:r>
+            <a:endParaRPr lang="en-US" sz="1900" dirty="0">
+              <a:latin typeface="Courier New"/>
+              <a:cs typeface="Courier New"/>
+            </a:endParaRPr>
           </a:p>
         </p:txBody>
       </p:sp>
     </p:spTree>
     <p:extLst>
       <p:ext uri="{BB962C8B-B14F-4D97-AF65-F5344CB8AC3E}">
-        <p14:creationId xmlns:p14="http://schemas.microsoft.com/office/powerpoint/2010/main" val="1432780703"/>
+        <p14:creationId xmlns:p14="http://schemas.microsoft.com/office/powerpoint/2010/main" val="3765747897"/>
       </p:ext>
     </p:extLst>
   </p:cSld>
@@ -8486,7 +8451,7 @@
           <a:p>
             <a:r>
               <a:rPr lang="en-US" dirty="0" smtClean="0"/>
-              <a:t>Using Variables - Arrays</a:t>
+              <a:t>Using Variables</a:t>
             </a:r>
             <a:endParaRPr lang="en-US" dirty="0"/>
           </a:p>
@@ -8511,25 +8476,12 @@
           <a:p>
             <a:r>
               <a:rPr lang="en-US" dirty="0" smtClean="0"/>
-              <a:t>1</a:t>
+              <a:t>String</a:t>
             </a:r>
             <a:r>
               <a:rPr lang="en-US" dirty="0"/>
-              <a:t>-based, not 0-</a:t>
-            </a:r>
-            <a:r>
-              <a:rPr lang="en-US" dirty="0" smtClean="0"/>
-              <a:t>based</a:t>
-            </a:r>
-          </a:p>
-          <a:p>
-            <a:r>
-              <a:rPr lang="en-US" dirty="0" smtClean="0"/>
-              <a:t>Not typed</a:t>
-            </a:r>
-            <a:endParaRPr lang="en-US" dirty="0"/>
-          </a:p>
-          <a:p>
+              <a:t>: </a:t>
+            </a:r>
             <a:r>
               <a:rPr lang="en-US" sz="2000" dirty="0">
                 <a:latin typeface="Courier New"/>
@@ -8549,203 +8501,202 @@
                 <a:latin typeface="Courier New"/>
                 <a:cs typeface="Courier New"/>
               </a:rPr>
-              <a:t> links = </a:t>
-            </a:r>
-            <a:r>
-              <a:rPr lang="en-US" sz="2000" dirty="0" err="1">
-                <a:latin typeface="Courier New"/>
-                <a:cs typeface="Courier New"/>
-              </a:rPr>
-              <a:t>ArrayNew</a:t>
-            </a:r>
-            <a:r>
-              <a:rPr lang="en-US" sz="2000" dirty="0">
-                <a:latin typeface="Courier New"/>
-                <a:cs typeface="Courier New"/>
-              </a:rPr>
-              <a:t>(1)&gt;</a:t>
-            </a:r>
-            <a:br>
-              <a:rPr lang="en-US" sz="2000" dirty="0">
-                <a:latin typeface="Courier New"/>
-                <a:cs typeface="Courier New"/>
-              </a:rPr>
-            </a:br>
-            <a:r>
-              <a:rPr lang="en-US" sz="2000" dirty="0">
-                <a:latin typeface="Courier New"/>
-                <a:cs typeface="Courier New"/>
-              </a:rPr>
-              <a:t>&lt;</a:t>
-            </a:r>
-            <a:r>
-              <a:rPr lang="en-US" sz="2000" dirty="0" err="1">
-                <a:latin typeface="Courier New"/>
-                <a:cs typeface="Courier New"/>
-              </a:rPr>
-              <a:t>cfset</a:t>
-            </a:r>
-            <a:r>
-              <a:rPr lang="en-US" sz="2000" dirty="0">
-                <a:latin typeface="Courier New"/>
-                <a:cs typeface="Courier New"/>
-              </a:rPr>
-              <a:t> links[1] = “http://</a:t>
-            </a:r>
-            <a:r>
-              <a:rPr lang="en-US" sz="2000" dirty="0" err="1">
-                <a:latin typeface="Courier New"/>
-                <a:cs typeface="Courier New"/>
-              </a:rPr>
-              <a:t>milesrausch.com</a:t>
-            </a:r>
-            <a:r>
-              <a:rPr lang="en-US" sz="2000" dirty="0">
-                <a:latin typeface="Courier New"/>
-                <a:cs typeface="Courier New"/>
-              </a:rPr>
-              <a:t>”&gt;</a:t>
-            </a:r>
-            <a:br>
-              <a:rPr lang="en-US" sz="2000" dirty="0">
-                <a:latin typeface="Courier New"/>
-                <a:cs typeface="Courier New"/>
-              </a:rPr>
-            </a:br>
-            <a:r>
-              <a:rPr lang="en-US" sz="2000" dirty="0">
-                <a:latin typeface="Courier New"/>
-                <a:cs typeface="Courier New"/>
-              </a:rPr>
-              <a:t>&lt;</a:t>
-            </a:r>
-            <a:r>
-              <a:rPr lang="en-US" sz="2000" dirty="0" err="1">
-                <a:latin typeface="Courier New"/>
-                <a:cs typeface="Courier New"/>
-              </a:rPr>
-              <a:t>cfset</a:t>
-            </a:r>
-            <a:r>
-              <a:rPr lang="en-US" sz="2000" dirty="0">
-                <a:latin typeface="Courier New"/>
-                <a:cs typeface="Courier New"/>
-              </a:rPr>
-              <a:t> links[2] = “http://</a:t>
-            </a:r>
-            <a:r>
-              <a:rPr lang="en-US" sz="2000" dirty="0" err="1">
-                <a:latin typeface="Courier New"/>
-                <a:cs typeface="Courier New"/>
-              </a:rPr>
-              <a:t>awayken.com</a:t>
-            </a:r>
-            <a:r>
-              <a:rPr lang="en-US" sz="2000" dirty="0">
-                <a:latin typeface="Courier New"/>
-                <a:cs typeface="Courier New"/>
-              </a:rPr>
-              <a:t>”&gt;</a:t>
-            </a:r>
-          </a:p>
-          <a:p>
-            <a:r>
-              <a:rPr lang="en-US" sz="2000" dirty="0">
-                <a:latin typeface="Courier New"/>
-                <a:cs typeface="Courier New"/>
-              </a:rPr>
-              <a:t>&lt;</a:t>
-            </a:r>
-            <a:r>
-              <a:rPr lang="en-US" sz="2000" dirty="0" err="1">
-                <a:latin typeface="Courier New"/>
-                <a:cs typeface="Courier New"/>
-              </a:rPr>
-              <a:t>cfset</a:t>
-            </a:r>
-            <a:r>
-              <a:rPr lang="en-US" sz="2000" dirty="0">
-                <a:latin typeface="Courier New"/>
-                <a:cs typeface="Courier New"/>
-              </a:rPr>
-              <a:t> links = [ “http://</a:t>
-            </a:r>
-            <a:r>
-              <a:rPr lang="en-US" sz="2000" dirty="0" err="1">
-                <a:latin typeface="Courier New"/>
-                <a:cs typeface="Courier New"/>
-              </a:rPr>
-              <a:t>milesrausch.com</a:t>
-            </a:r>
-            <a:r>
-              <a:rPr lang="en-US" sz="2000" dirty="0">
-                <a:latin typeface="Courier New"/>
-                <a:cs typeface="Courier New"/>
-              </a:rPr>
-              <a:t>”, “http://</a:t>
-            </a:r>
-            <a:r>
-              <a:rPr lang="en-US" sz="2000" dirty="0" err="1">
-                <a:latin typeface="Courier New"/>
-                <a:cs typeface="Courier New"/>
-              </a:rPr>
-              <a:t>awaken.com</a:t>
-            </a:r>
-            <a:r>
-              <a:rPr lang="en-US" sz="2000" dirty="0">
-                <a:latin typeface="Courier New"/>
-                <a:cs typeface="Courier New"/>
-              </a:rPr>
-              <a:t>” ]&gt;</a:t>
-            </a:r>
-          </a:p>
-          <a:p>
-            <a:r>
-              <a:rPr lang="en-US" sz="2000" dirty="0">
-                <a:latin typeface="Courier New"/>
-                <a:cs typeface="Courier New"/>
-              </a:rPr>
-              <a:t>&lt;</a:t>
-            </a:r>
-            <a:r>
-              <a:rPr lang="en-US" sz="2000" dirty="0" err="1">
-                <a:latin typeface="Courier New"/>
-                <a:cs typeface="Courier New"/>
-              </a:rPr>
-              <a:t>cfoutput</a:t>
-            </a:r>
-            <a:r>
-              <a:rPr lang="en-US" sz="2000" dirty="0">
-                <a:latin typeface="Courier New"/>
-                <a:cs typeface="Courier New"/>
-              </a:rPr>
-              <a:t>&gt;#links[1]#&lt;/</a:t>
-            </a:r>
-            <a:r>
-              <a:rPr lang="en-US" sz="2000" dirty="0" err="1">
-                <a:latin typeface="Courier New"/>
-                <a:cs typeface="Courier New"/>
-              </a:rPr>
-              <a:t>cfoutput</a:t>
-            </a:r>
-            <a:r>
-              <a:rPr lang="en-US" sz="2000" dirty="0" smtClean="0">
-                <a:latin typeface="Courier New"/>
-                <a:cs typeface="Courier New"/>
-              </a:rPr>
-              <a:t>&gt;</a:t>
-            </a:r>
-            <a:endParaRPr lang="en-US" sz="2000" dirty="0">
+              <a:t> name=“Miles”&gt;</a:t>
+            </a:r>
+            <a:endParaRPr lang="en-US" dirty="0">
               <a:latin typeface="Courier New"/>
               <a:cs typeface="Courier New"/>
             </a:endParaRPr>
           </a:p>
+          <a:p>
+            <a:r>
+              <a:rPr lang="en-US" dirty="0" smtClean="0"/>
+              <a:t>Number: </a:t>
+            </a:r>
+            <a:r>
+              <a:rPr lang="en-US" sz="2000" dirty="0" smtClean="0">
+                <a:latin typeface="Courier New"/>
+                <a:cs typeface="Courier New"/>
+              </a:rPr>
+              <a:t>&lt;</a:t>
+            </a:r>
+            <a:r>
+              <a:rPr lang="en-US" sz="2000" dirty="0" err="1" smtClean="0">
+                <a:latin typeface="Courier New"/>
+                <a:cs typeface="Courier New"/>
+              </a:rPr>
+              <a:t>cfset</a:t>
+            </a:r>
+            <a:r>
+              <a:rPr lang="en-US" sz="2000" dirty="0" smtClean="0">
+                <a:latin typeface="Courier New"/>
+                <a:cs typeface="Courier New"/>
+              </a:rPr>
+              <a:t> age = 28&gt;</a:t>
+            </a:r>
+          </a:p>
+          <a:p>
+            <a:r>
+              <a:rPr lang="en-US" dirty="0" smtClean="0"/>
+              <a:t>Boolean: </a:t>
+            </a:r>
+            <a:r>
+              <a:rPr lang="en-US" sz="2000" dirty="0" smtClean="0">
+                <a:latin typeface="Courier New"/>
+                <a:cs typeface="Courier New"/>
+              </a:rPr>
+              <a:t>&lt;</a:t>
+            </a:r>
+            <a:r>
+              <a:rPr lang="en-US" sz="2000" dirty="0" err="1" smtClean="0">
+                <a:latin typeface="Courier New"/>
+                <a:cs typeface="Courier New"/>
+              </a:rPr>
+              <a:t>cfset</a:t>
+            </a:r>
+            <a:r>
+              <a:rPr lang="en-US" sz="2000" dirty="0" smtClean="0">
+                <a:latin typeface="Courier New"/>
+                <a:cs typeface="Courier New"/>
+              </a:rPr>
+              <a:t> </a:t>
+            </a:r>
+            <a:r>
+              <a:rPr lang="en-US" sz="2000" dirty="0" err="1" smtClean="0">
+                <a:latin typeface="Courier New"/>
+                <a:cs typeface="Courier New"/>
+              </a:rPr>
+              <a:t>isPresenting</a:t>
+            </a:r>
+            <a:r>
+              <a:rPr lang="en-US" sz="2000" dirty="0" smtClean="0">
+                <a:latin typeface="Courier New"/>
+                <a:cs typeface="Courier New"/>
+              </a:rPr>
+              <a:t> = true&gt;</a:t>
+            </a:r>
+          </a:p>
+          <a:p>
+            <a:r>
+              <a:rPr lang="en-US" dirty="0" smtClean="0"/>
+              <a:t>Date: </a:t>
+            </a:r>
+            <a:r>
+              <a:rPr lang="en-US" sz="2000" dirty="0" smtClean="0">
+                <a:latin typeface="Courier New"/>
+                <a:cs typeface="Courier New"/>
+              </a:rPr>
+              <a:t>&lt;</a:t>
+            </a:r>
+            <a:r>
+              <a:rPr lang="en-US" sz="2000" dirty="0" err="1" smtClean="0">
+                <a:latin typeface="Courier New"/>
+                <a:cs typeface="Courier New"/>
+              </a:rPr>
+              <a:t>cfset</a:t>
+            </a:r>
+            <a:r>
+              <a:rPr lang="en-US" sz="2000" dirty="0" smtClean="0">
+                <a:latin typeface="Courier New"/>
+                <a:cs typeface="Courier New"/>
+              </a:rPr>
+              <a:t> </a:t>
+            </a:r>
+            <a:r>
+              <a:rPr lang="en-US" sz="2000" dirty="0" err="1" smtClean="0">
+                <a:latin typeface="Courier New"/>
+                <a:cs typeface="Courier New"/>
+              </a:rPr>
+              <a:t>datePresenting</a:t>
+            </a:r>
+            <a:r>
+              <a:rPr lang="en-US" sz="2000" dirty="0" smtClean="0">
+                <a:latin typeface="Courier New"/>
+                <a:cs typeface="Courier New"/>
+              </a:rPr>
+              <a:t> = Now()&gt;</a:t>
+            </a:r>
+          </a:p>
+          <a:p>
+            <a:r>
+              <a:rPr lang="en-US" sz="2000" dirty="0" smtClean="0">
+                <a:latin typeface="Courier New"/>
+                <a:cs typeface="Courier New"/>
+              </a:rPr>
+              <a:t>&lt;</a:t>
+            </a:r>
+            <a:r>
+              <a:rPr lang="en-US" sz="2000" dirty="0" err="1" smtClean="0">
+                <a:latin typeface="Courier New"/>
+                <a:cs typeface="Courier New"/>
+              </a:rPr>
+              <a:t>cfparam</a:t>
+            </a:r>
+            <a:r>
+              <a:rPr lang="en-US" sz="2000" dirty="0" smtClean="0">
+                <a:latin typeface="Courier New"/>
+                <a:cs typeface="Courier New"/>
+              </a:rPr>
+              <a:t> name=“name” default=“No Name”&gt;</a:t>
+            </a:r>
+          </a:p>
+          <a:p>
+            <a:r>
+              <a:rPr lang="en-US" sz="2000" dirty="0" smtClean="0">
+                <a:latin typeface="Courier New"/>
+                <a:cs typeface="Courier New"/>
+              </a:rPr>
+              <a:t>&lt;</a:t>
+            </a:r>
+            <a:r>
+              <a:rPr lang="en-US" sz="2000" dirty="0" err="1" smtClean="0">
+                <a:latin typeface="Courier New"/>
+                <a:cs typeface="Courier New"/>
+              </a:rPr>
+              <a:t>cfoutput</a:t>
+            </a:r>
+            <a:r>
+              <a:rPr lang="en-US" sz="2000" dirty="0" smtClean="0">
+                <a:latin typeface="Courier New"/>
+                <a:cs typeface="Courier New"/>
+              </a:rPr>
+              <a:t>&gt;#</a:t>
+            </a:r>
+            <a:r>
+              <a:rPr lang="en-US" sz="2000" dirty="0" err="1" smtClean="0">
+                <a:latin typeface="Courier New"/>
+                <a:cs typeface="Courier New"/>
+              </a:rPr>
+              <a:t>simpleVariable</a:t>
+            </a:r>
+            <a:r>
+              <a:rPr lang="en-US" sz="2000" dirty="0" smtClean="0">
+                <a:latin typeface="Courier New"/>
+                <a:cs typeface="Courier New"/>
+              </a:rPr>
+              <a:t>#&lt;/</a:t>
+            </a:r>
+            <a:r>
+              <a:rPr lang="en-US" sz="2000" dirty="0" err="1" smtClean="0">
+                <a:latin typeface="Courier New"/>
+                <a:cs typeface="Courier New"/>
+              </a:rPr>
+              <a:t>cfoutput</a:t>
+            </a:r>
+            <a:r>
+              <a:rPr lang="en-US" sz="2000" dirty="0" smtClean="0">
+                <a:latin typeface="Courier New"/>
+                <a:cs typeface="Courier New"/>
+              </a:rPr>
+              <a:t>&gt;</a:t>
+            </a:r>
+          </a:p>
         </p:txBody>
       </p:sp>
     </p:spTree>
     <p:extLst>
       <p:ext uri="{BB962C8B-B14F-4D97-AF65-F5344CB8AC3E}">
-        <p14:creationId xmlns:p14="http://schemas.microsoft.com/office/powerpoint/2010/main" val="696998618"/>
+        <p14:creationId xmlns:p14="http://schemas.microsoft.com/office/powerpoint/2010/main" val="1432780703"/>
       </p:ext>
     </p:extLst>
   </p:cSld>
@@ -8873,7 +8824,7 @@
           <a:p>
             <a:r>
               <a:rPr lang="en-US" dirty="0" smtClean="0"/>
-              <a:t>Using Variables - Structures</a:t>
+              <a:t>Using Variables - Arrays</a:t>
             </a:r>
             <a:endParaRPr lang="en-US" dirty="0"/>
           </a:p>
@@ -8892,479 +8843,247 @@
         <p:spPr/>
         <p:txBody>
           <a:bodyPr>
-            <a:normAutofit fontScale="92500" lnSpcReduction="20000"/>
+            <a:normAutofit/>
           </a:bodyPr>
           <a:lstStyle/>
           <a:p>
             <a:r>
               <a:rPr lang="en-US" dirty="0" smtClean="0"/>
-              <a:t>Key / value data (map, collection, etc.)</a:t>
-            </a:r>
-          </a:p>
-          <a:p>
-            <a:r>
-              <a:rPr lang="en-US" dirty="0" smtClean="0"/>
-              <a:t>Can reference with dot or bracket notation</a:t>
-            </a:r>
-          </a:p>
-          <a:p>
-            <a:r>
-              <a:rPr lang="en-US" sz="2100" dirty="0" smtClean="0">
+              <a:t>1</a:t>
+            </a:r>
+            <a:r>
+              <a:rPr lang="en-US" dirty="0"/>
+              <a:t>-based, not 0-</a:t>
+            </a:r>
+            <a:r>
+              <a:rPr lang="en-US" dirty="0" smtClean="0"/>
+              <a:t>based</a:t>
+            </a:r>
+          </a:p>
+          <a:p>
+            <a:r>
+              <a:rPr lang="en-US" dirty="0" smtClean="0"/>
+              <a:t>Not typed</a:t>
+            </a:r>
+            <a:endParaRPr lang="en-US" dirty="0"/>
+          </a:p>
+          <a:p>
+            <a:r>
+              <a:rPr lang="en-US" sz="2000" dirty="0">
                 <a:latin typeface="Courier New"/>
                 <a:cs typeface="Courier New"/>
               </a:rPr>
               <a:t>&lt;</a:t>
             </a:r>
             <a:r>
-              <a:rPr lang="en-US" sz="2100" dirty="0" err="1">
+              <a:rPr lang="en-US" sz="2000" dirty="0" err="1">
                 <a:latin typeface="Courier New"/>
                 <a:cs typeface="Courier New"/>
               </a:rPr>
               <a:t>cfset</a:t>
             </a:r>
             <a:r>
-              <a:rPr lang="en-US" sz="2100" dirty="0">
-                <a:latin typeface="Courier New"/>
-                <a:cs typeface="Courier New"/>
-              </a:rPr>
-              <a:t> </a:t>
-            </a:r>
-            <a:r>
-              <a:rPr lang="en-US" sz="2100" dirty="0" smtClean="0">
-                <a:latin typeface="Courier New"/>
-                <a:cs typeface="Courier New"/>
-              </a:rPr>
-              <a:t>meta = </a:t>
-            </a:r>
-            <a:r>
-              <a:rPr lang="en-US" sz="2100" dirty="0" err="1" smtClean="0">
-                <a:latin typeface="Courier New"/>
-                <a:cs typeface="Courier New"/>
-              </a:rPr>
-              <a:t>StructNew</a:t>
-            </a:r>
-            <a:r>
-              <a:rPr lang="en-US" sz="2100" dirty="0" smtClean="0">
-                <a:latin typeface="Courier New"/>
-                <a:cs typeface="Courier New"/>
-              </a:rPr>
-              <a:t>()</a:t>
-            </a:r>
-            <a:r>
-              <a:rPr lang="en-US" sz="2100" dirty="0">
+              <a:rPr lang="en-US" sz="2000" dirty="0">
+                <a:latin typeface="Courier New"/>
+                <a:cs typeface="Courier New"/>
+              </a:rPr>
+              <a:t> links = </a:t>
+            </a:r>
+            <a:r>
+              <a:rPr lang="en-US" sz="2000" dirty="0" err="1">
+                <a:latin typeface="Courier New"/>
+                <a:cs typeface="Courier New"/>
+              </a:rPr>
+              <a:t>ArrayNew</a:t>
+            </a:r>
+            <a:r>
+              <a:rPr lang="en-US" sz="2000" dirty="0">
+                <a:latin typeface="Courier New"/>
+                <a:cs typeface="Courier New"/>
+              </a:rPr>
+              <a:t>(1)&gt;</a:t>
+            </a:r>
+            <a:br>
+              <a:rPr lang="en-US" sz="2000" dirty="0">
+                <a:latin typeface="Courier New"/>
+                <a:cs typeface="Courier New"/>
+              </a:rPr>
+            </a:br>
+            <a:r>
+              <a:rPr lang="en-US" sz="2000" dirty="0">
+                <a:latin typeface="Courier New"/>
+                <a:cs typeface="Courier New"/>
+              </a:rPr>
+              <a:t>&lt;</a:t>
+            </a:r>
+            <a:r>
+              <a:rPr lang="en-US" sz="2000" dirty="0" err="1">
+                <a:latin typeface="Courier New"/>
+                <a:cs typeface="Courier New"/>
+              </a:rPr>
+              <a:t>cfset</a:t>
+            </a:r>
+            <a:r>
+              <a:rPr lang="en-US" sz="2000" dirty="0">
+                <a:latin typeface="Courier New"/>
+                <a:cs typeface="Courier New"/>
+              </a:rPr>
+              <a:t> links[1] = “http://</a:t>
+            </a:r>
+            <a:r>
+              <a:rPr lang="en-US" sz="2000" dirty="0" err="1">
+                <a:latin typeface="Courier New"/>
+                <a:cs typeface="Courier New"/>
+              </a:rPr>
+              <a:t>milesrausch.com</a:t>
+            </a:r>
+            <a:r>
+              <a:rPr lang="en-US" sz="2000" dirty="0">
+                <a:latin typeface="Courier New"/>
+                <a:cs typeface="Courier New"/>
+              </a:rPr>
+              <a:t>”&gt;</a:t>
+            </a:r>
+            <a:br>
+              <a:rPr lang="en-US" sz="2000" dirty="0">
+                <a:latin typeface="Courier New"/>
+                <a:cs typeface="Courier New"/>
+              </a:rPr>
+            </a:br>
+            <a:r>
+              <a:rPr lang="en-US" sz="2000" dirty="0">
+                <a:latin typeface="Courier New"/>
+                <a:cs typeface="Courier New"/>
+              </a:rPr>
+              <a:t>&lt;</a:t>
+            </a:r>
+            <a:r>
+              <a:rPr lang="en-US" sz="2000" dirty="0" err="1">
+                <a:latin typeface="Courier New"/>
+                <a:cs typeface="Courier New"/>
+              </a:rPr>
+              <a:t>cfset</a:t>
+            </a:r>
+            <a:r>
+              <a:rPr lang="en-US" sz="2000" dirty="0">
+                <a:latin typeface="Courier New"/>
+                <a:cs typeface="Courier New"/>
+              </a:rPr>
+              <a:t> links[2] = “http://</a:t>
+            </a:r>
+            <a:r>
+              <a:rPr lang="en-US" sz="2000" dirty="0" err="1">
+                <a:latin typeface="Courier New"/>
+                <a:cs typeface="Courier New"/>
+              </a:rPr>
+              <a:t>awayken.com</a:t>
+            </a:r>
+            <a:r>
+              <a:rPr lang="en-US" sz="2000" dirty="0">
+                <a:latin typeface="Courier New"/>
+                <a:cs typeface="Courier New"/>
+              </a:rPr>
+              <a:t>”&gt;</a:t>
+            </a:r>
+          </a:p>
+          <a:p>
+            <a:r>
+              <a:rPr lang="en-US" sz="2000" dirty="0">
+                <a:latin typeface="Courier New"/>
+                <a:cs typeface="Courier New"/>
+              </a:rPr>
+              <a:t>&lt;</a:t>
+            </a:r>
+            <a:r>
+              <a:rPr lang="en-US" sz="2000" dirty="0" err="1">
+                <a:latin typeface="Courier New"/>
+                <a:cs typeface="Courier New"/>
+              </a:rPr>
+              <a:t>cfset</a:t>
+            </a:r>
+            <a:r>
+              <a:rPr lang="en-US" sz="2000" dirty="0">
+                <a:latin typeface="Courier New"/>
+                <a:cs typeface="Courier New"/>
+              </a:rPr>
+              <a:t> links = [ “http://</a:t>
+            </a:r>
+            <a:r>
+              <a:rPr lang="en-US" sz="2000" dirty="0" err="1">
+                <a:latin typeface="Courier New"/>
+                <a:cs typeface="Courier New"/>
+              </a:rPr>
+              <a:t>milesrausch.com</a:t>
+            </a:r>
+            <a:r>
+              <a:rPr lang="en-US" sz="2000" dirty="0">
+                <a:latin typeface="Courier New"/>
+                <a:cs typeface="Courier New"/>
+              </a:rPr>
+              <a:t>”, “http://</a:t>
+            </a:r>
+            <a:r>
+              <a:rPr lang="en-US" sz="2000" dirty="0" err="1">
+                <a:latin typeface="Courier New"/>
+                <a:cs typeface="Courier New"/>
+              </a:rPr>
+              <a:t>awaken.com</a:t>
+            </a:r>
+            <a:r>
+              <a:rPr lang="en-US" sz="2000" dirty="0">
+                <a:latin typeface="Courier New"/>
+                <a:cs typeface="Courier New"/>
+              </a:rPr>
+              <a:t>” ]&gt;</a:t>
+            </a:r>
+          </a:p>
+          <a:p>
+            <a:r>
+              <a:rPr lang="en-US" sz="2000" dirty="0">
+                <a:latin typeface="Courier New"/>
+                <a:cs typeface="Courier New"/>
+              </a:rPr>
+              <a:t>&lt;</a:t>
+            </a:r>
+            <a:r>
+              <a:rPr lang="en-US" sz="2000" dirty="0" err="1">
+                <a:latin typeface="Courier New"/>
+                <a:cs typeface="Courier New"/>
+              </a:rPr>
+              <a:t>cfoutput</a:t>
+            </a:r>
+            <a:r>
+              <a:rPr lang="en-US" sz="2000" dirty="0">
+                <a:latin typeface="Courier New"/>
+                <a:cs typeface="Courier New"/>
+              </a:rPr>
+              <a:t>&gt;#links[1]#&lt;/</a:t>
+            </a:r>
+            <a:r>
+              <a:rPr lang="en-US" sz="2000" dirty="0" err="1">
+                <a:latin typeface="Courier New"/>
+                <a:cs typeface="Courier New"/>
+              </a:rPr>
+              <a:t>cfoutput</a:t>
+            </a:r>
+            <a:r>
+              <a:rPr lang="en-US" sz="2000" dirty="0" smtClean="0">
                 <a:latin typeface="Courier New"/>
                 <a:cs typeface="Courier New"/>
               </a:rPr>
               <a:t>&gt;</a:t>
             </a:r>
-            <a:br>
-              <a:rPr lang="en-US" sz="2100" dirty="0">
-                <a:latin typeface="Courier New"/>
-                <a:cs typeface="Courier New"/>
-              </a:rPr>
-            </a:br>
-            <a:r>
-              <a:rPr lang="en-US" sz="2100" dirty="0">
-                <a:latin typeface="Courier New"/>
-                <a:cs typeface="Courier New"/>
-              </a:rPr>
-              <a:t>&lt;</a:t>
-            </a:r>
-            <a:r>
-              <a:rPr lang="en-US" sz="2100" dirty="0" err="1">
-                <a:latin typeface="Courier New"/>
-                <a:cs typeface="Courier New"/>
-              </a:rPr>
-              <a:t>cfset</a:t>
-            </a:r>
-            <a:r>
-              <a:rPr lang="en-US" sz="2100" dirty="0">
-                <a:latin typeface="Courier New"/>
-                <a:cs typeface="Courier New"/>
-              </a:rPr>
-              <a:t> </a:t>
-            </a:r>
-            <a:r>
-              <a:rPr lang="en-US" sz="2100" dirty="0" err="1" smtClean="0">
-                <a:latin typeface="Courier New"/>
-                <a:cs typeface="Courier New"/>
-              </a:rPr>
-              <a:t>meta.engine</a:t>
-            </a:r>
-            <a:r>
-              <a:rPr lang="en-US" sz="2100" dirty="0" smtClean="0">
-                <a:latin typeface="Courier New"/>
-                <a:cs typeface="Courier New"/>
-              </a:rPr>
-              <a:t> </a:t>
-            </a:r>
-            <a:r>
-              <a:rPr lang="en-US" sz="2100" dirty="0">
-                <a:latin typeface="Courier New"/>
-                <a:cs typeface="Courier New"/>
-              </a:rPr>
-              <a:t>= </a:t>
-            </a:r>
-            <a:r>
-              <a:rPr lang="en-US" sz="2100" dirty="0" smtClean="0">
-                <a:latin typeface="Courier New"/>
-                <a:cs typeface="Courier New"/>
-              </a:rPr>
-              <a:t>“</a:t>
-            </a:r>
-            <a:r>
-              <a:rPr lang="en-US" sz="2100" dirty="0" err="1" smtClean="0">
-                <a:latin typeface="Courier New"/>
-                <a:cs typeface="Courier New"/>
-              </a:rPr>
-              <a:t>OpenBD</a:t>
-            </a:r>
-            <a:r>
-              <a:rPr lang="en-US" sz="2100" dirty="0" smtClean="0">
-                <a:latin typeface="Courier New"/>
-                <a:cs typeface="Courier New"/>
-              </a:rPr>
-              <a:t>”</a:t>
-            </a:r>
-            <a:r>
-              <a:rPr lang="en-US" sz="2100" dirty="0">
-                <a:latin typeface="Courier New"/>
-                <a:cs typeface="Courier New"/>
-              </a:rPr>
-              <a:t>&gt;</a:t>
-            </a:r>
-            <a:br>
-              <a:rPr lang="en-US" sz="2100" dirty="0">
-                <a:latin typeface="Courier New"/>
-                <a:cs typeface="Courier New"/>
-              </a:rPr>
-            </a:br>
-            <a:r>
-              <a:rPr lang="en-US" sz="2100" dirty="0">
-                <a:latin typeface="Courier New"/>
-                <a:cs typeface="Courier New"/>
-              </a:rPr>
-              <a:t>&lt;</a:t>
-            </a:r>
-            <a:r>
-              <a:rPr lang="en-US" sz="2100" dirty="0" err="1">
-                <a:latin typeface="Courier New"/>
-                <a:cs typeface="Courier New"/>
-              </a:rPr>
-              <a:t>cfset</a:t>
-            </a:r>
-            <a:r>
-              <a:rPr lang="en-US" sz="2100" dirty="0">
-                <a:latin typeface="Courier New"/>
-                <a:cs typeface="Courier New"/>
-              </a:rPr>
-              <a:t> </a:t>
-            </a:r>
-            <a:r>
-              <a:rPr lang="en-US" sz="2100" dirty="0" smtClean="0">
-                <a:latin typeface="Courier New"/>
-                <a:cs typeface="Courier New"/>
-              </a:rPr>
-              <a:t>meta[“version”] </a:t>
-            </a:r>
-            <a:r>
-              <a:rPr lang="en-US" sz="2100" dirty="0">
-                <a:latin typeface="Courier New"/>
-                <a:cs typeface="Courier New"/>
-              </a:rPr>
-              <a:t>= </a:t>
-            </a:r>
-            <a:r>
-              <a:rPr lang="en-US" sz="2100" dirty="0" smtClean="0">
-                <a:latin typeface="Courier New"/>
-                <a:cs typeface="Courier New"/>
-              </a:rPr>
-              <a:t>“1.5”</a:t>
-            </a:r>
-            <a:r>
-              <a:rPr lang="en-US" sz="2100" dirty="0">
-                <a:latin typeface="Courier New"/>
-                <a:cs typeface="Courier New"/>
-              </a:rPr>
-              <a:t>&gt;</a:t>
-            </a:r>
-          </a:p>
-          <a:p>
-            <a:r>
-              <a:rPr lang="en-US" sz="2100" dirty="0">
-                <a:latin typeface="Courier New"/>
-                <a:cs typeface="Courier New"/>
-              </a:rPr>
-              <a:t>&lt;</a:t>
-            </a:r>
-            <a:r>
-              <a:rPr lang="en-US" sz="2100" dirty="0" err="1">
-                <a:latin typeface="Courier New"/>
-                <a:cs typeface="Courier New"/>
-              </a:rPr>
-              <a:t>cfset</a:t>
-            </a:r>
-            <a:r>
-              <a:rPr lang="en-US" sz="2100" dirty="0">
-                <a:latin typeface="Courier New"/>
-                <a:cs typeface="Courier New"/>
-              </a:rPr>
-              <a:t> </a:t>
-            </a:r>
-            <a:r>
-              <a:rPr lang="en-US" sz="2100" dirty="0" smtClean="0">
-                <a:latin typeface="Courier New"/>
-                <a:cs typeface="Courier New"/>
-              </a:rPr>
-              <a:t>meta = { engine = “</a:t>
-            </a:r>
-            <a:r>
-              <a:rPr lang="en-US" sz="2100" dirty="0" err="1" smtClean="0">
-                <a:latin typeface="Courier New"/>
-                <a:cs typeface="Courier New"/>
-              </a:rPr>
-              <a:t>OpenBD</a:t>
-            </a:r>
-            <a:r>
-              <a:rPr lang="en-US" sz="2100" dirty="0" smtClean="0">
-                <a:latin typeface="Courier New"/>
-                <a:cs typeface="Courier New"/>
-              </a:rPr>
-              <a:t>”, version = “1.5” }&gt;</a:t>
-            </a:r>
-            <a:endParaRPr lang="en-US" sz="2100" dirty="0">
+            <a:endParaRPr lang="en-US" sz="2000" dirty="0">
               <a:latin typeface="Courier New"/>
               <a:cs typeface="Courier New"/>
             </a:endParaRPr>
           </a:p>
-          <a:p>
-            <a:r>
-              <a:rPr lang="en-US" sz="2100" dirty="0">
-                <a:latin typeface="Courier New"/>
-                <a:cs typeface="Courier New"/>
-              </a:rPr>
-              <a:t>&lt;</a:t>
-            </a:r>
-            <a:r>
-              <a:rPr lang="en-US" sz="2100" dirty="0" err="1">
-                <a:latin typeface="Courier New"/>
-                <a:cs typeface="Courier New"/>
-              </a:rPr>
-              <a:t>cfoutput</a:t>
-            </a:r>
-            <a:r>
-              <a:rPr lang="en-US" sz="2100" dirty="0">
-                <a:latin typeface="Courier New"/>
-                <a:cs typeface="Courier New"/>
-              </a:rPr>
-              <a:t>&gt;</a:t>
-            </a:r>
-            <a:r>
-              <a:rPr lang="en-US" sz="2100" dirty="0" smtClean="0">
-                <a:latin typeface="Courier New"/>
-                <a:cs typeface="Courier New"/>
-              </a:rPr>
-              <a:t>#</a:t>
-            </a:r>
-            <a:r>
-              <a:rPr lang="en-US" sz="2100" dirty="0" err="1" smtClean="0">
-                <a:latin typeface="Courier New"/>
-                <a:cs typeface="Courier New"/>
-              </a:rPr>
-              <a:t>meta.engine</a:t>
-            </a:r>
-            <a:r>
-              <a:rPr lang="en-US" sz="2100" dirty="0" smtClean="0">
-                <a:latin typeface="Courier New"/>
-                <a:cs typeface="Courier New"/>
-              </a:rPr>
-              <a:t>#</a:t>
-            </a:r>
-            <a:r>
-              <a:rPr lang="en-US" sz="2100" dirty="0">
-                <a:latin typeface="Courier New"/>
-                <a:cs typeface="Courier New"/>
-              </a:rPr>
-              <a:t>&lt;/</a:t>
-            </a:r>
-            <a:r>
-              <a:rPr lang="en-US" sz="2100" dirty="0" err="1">
-                <a:latin typeface="Courier New"/>
-                <a:cs typeface="Courier New"/>
-              </a:rPr>
-              <a:t>cfoutput</a:t>
-            </a:r>
-            <a:r>
-              <a:rPr lang="en-US" sz="2100" dirty="0" smtClean="0">
-                <a:latin typeface="Courier New"/>
-                <a:cs typeface="Courier New"/>
-              </a:rPr>
-              <a:t>&gt;</a:t>
-            </a:r>
-            <a:br>
-              <a:rPr lang="en-US" sz="2100" dirty="0" smtClean="0">
-                <a:latin typeface="Courier New"/>
-                <a:cs typeface="Courier New"/>
-              </a:rPr>
-            </a:br>
-            <a:r>
-              <a:rPr lang="en-US" sz="2100" dirty="0" smtClean="0">
-                <a:latin typeface="Courier New"/>
-                <a:cs typeface="Courier New"/>
-              </a:rPr>
-              <a:t>&lt;</a:t>
-            </a:r>
-            <a:r>
-              <a:rPr lang="en-US" sz="2100" dirty="0" err="1" smtClean="0">
-                <a:latin typeface="Courier New"/>
-                <a:cs typeface="Courier New"/>
-              </a:rPr>
-              <a:t>cfoutput</a:t>
-            </a:r>
-            <a:r>
-              <a:rPr lang="en-US" sz="2100" dirty="0" smtClean="0">
-                <a:latin typeface="Courier New"/>
-                <a:cs typeface="Courier New"/>
-              </a:rPr>
-              <a:t>&gt;#meta[“version”]#&lt;/</a:t>
-            </a:r>
-            <a:r>
-              <a:rPr lang="en-US" sz="2100" dirty="0" err="1" smtClean="0">
-                <a:latin typeface="Courier New"/>
-                <a:cs typeface="Courier New"/>
-              </a:rPr>
-              <a:t>cfoutput</a:t>
-            </a:r>
-            <a:r>
-              <a:rPr lang="en-US" sz="2100" dirty="0" smtClean="0">
-                <a:latin typeface="Courier New"/>
-                <a:cs typeface="Courier New"/>
-              </a:rPr>
-              <a:t>&gt;</a:t>
-            </a:r>
-          </a:p>
-          <a:p>
-            <a:r>
-              <a:rPr lang="en-US" sz="2100" dirty="0">
-                <a:latin typeface="Courier New"/>
-                <a:cs typeface="Courier New"/>
-              </a:rPr>
-              <a:t>Check for existence before </a:t>
-            </a:r>
-            <a:r>
-              <a:rPr lang="en-US" sz="2100" dirty="0" smtClean="0">
-                <a:latin typeface="Courier New"/>
-                <a:cs typeface="Courier New"/>
-              </a:rPr>
-              <a:t>using:</a:t>
-            </a:r>
-            <a:br>
-              <a:rPr lang="en-US" sz="2100" dirty="0" smtClean="0">
-                <a:latin typeface="Courier New"/>
-                <a:cs typeface="Courier New"/>
-              </a:rPr>
-            </a:br>
-            <a:r>
-              <a:rPr lang="en-US" sz="2100" dirty="0" smtClean="0">
-                <a:latin typeface="Courier New"/>
-                <a:cs typeface="Courier New"/>
-              </a:rPr>
-              <a:t>&lt;</a:t>
-            </a:r>
-            <a:r>
-              <a:rPr lang="en-US" sz="2100" dirty="0" err="1" smtClean="0">
-                <a:latin typeface="Courier New"/>
-                <a:cs typeface="Courier New"/>
-              </a:rPr>
-              <a:t>cfif</a:t>
-            </a:r>
-            <a:r>
-              <a:rPr lang="en-US" sz="2100" dirty="0" smtClean="0">
-                <a:latin typeface="Courier New"/>
-                <a:cs typeface="Courier New"/>
-              </a:rPr>
-              <a:t> </a:t>
-            </a:r>
-            <a:r>
-              <a:rPr lang="en-US" sz="2100" dirty="0" err="1" smtClean="0">
-                <a:latin typeface="Courier New"/>
-                <a:cs typeface="Courier New"/>
-              </a:rPr>
-              <a:t>isDefined</a:t>
-            </a:r>
-            <a:r>
-              <a:rPr lang="en-US" sz="2100" dirty="0" smtClean="0">
-                <a:latin typeface="Courier New"/>
-                <a:cs typeface="Courier New"/>
-              </a:rPr>
-              <a:t>(“</a:t>
-            </a:r>
-            <a:r>
-              <a:rPr lang="en-US" sz="2100" dirty="0" err="1" smtClean="0">
-                <a:latin typeface="Courier New"/>
-                <a:cs typeface="Courier New"/>
-              </a:rPr>
-              <a:t>meta.engine</a:t>
-            </a:r>
-            <a:r>
-              <a:rPr lang="en-US" sz="2100" dirty="0" smtClean="0">
-                <a:latin typeface="Courier New"/>
-                <a:cs typeface="Courier New"/>
-              </a:rPr>
-              <a:t>”)&gt;</a:t>
-            </a:r>
-            <a:br>
-              <a:rPr lang="en-US" sz="2100" dirty="0" smtClean="0">
-                <a:latin typeface="Courier New"/>
-                <a:cs typeface="Courier New"/>
-              </a:rPr>
-            </a:br>
-            <a:r>
-              <a:rPr lang="en-US" sz="2100" dirty="0" smtClean="0">
-                <a:latin typeface="Courier New"/>
-                <a:cs typeface="Courier New"/>
-              </a:rPr>
-              <a:t>&lt;</a:t>
-            </a:r>
-            <a:r>
-              <a:rPr lang="en-US" sz="2100" dirty="0" err="1" smtClean="0">
-                <a:latin typeface="Courier New"/>
-                <a:cs typeface="Courier New"/>
-              </a:rPr>
-              <a:t>cfif</a:t>
-            </a:r>
-            <a:r>
-              <a:rPr lang="en-US" sz="2100" dirty="0" smtClean="0">
-                <a:latin typeface="Courier New"/>
-                <a:cs typeface="Courier New"/>
-              </a:rPr>
-              <a:t> </a:t>
-            </a:r>
-            <a:r>
-              <a:rPr lang="en-US" sz="2100" dirty="0" err="1" smtClean="0">
-                <a:latin typeface="Courier New"/>
-                <a:cs typeface="Courier New"/>
-              </a:rPr>
-              <a:t>StructKeyExists</a:t>
-            </a:r>
-            <a:r>
-              <a:rPr lang="en-US" sz="2100" dirty="0" smtClean="0">
-                <a:latin typeface="Courier New"/>
-                <a:cs typeface="Courier New"/>
-              </a:rPr>
-              <a:t>(meta, “engine”)&gt;</a:t>
-            </a:r>
-            <a:endParaRPr lang="en-US" sz="2100" dirty="0">
-              <a:latin typeface="Courier New"/>
-              <a:cs typeface="Courier New"/>
-            </a:endParaRPr>
-          </a:p>
         </p:txBody>
       </p:sp>
     </p:spTree>
     <p:extLst>
       <p:ext uri="{BB962C8B-B14F-4D97-AF65-F5344CB8AC3E}">
-        <p14:creationId xmlns:p14="http://schemas.microsoft.com/office/powerpoint/2010/main" val="2389885091"/>
+        <p14:creationId xmlns:p14="http://schemas.microsoft.com/office/powerpoint/2010/main" val="696998618"/>
       </p:ext>
     </p:extLst>
   </p:cSld>
@@ -9408,7 +9127,7 @@
           <a:p>
             <a:r>
               <a:rPr lang="en-US" dirty="0" smtClean="0"/>
-              <a:t>Operators</a:t>
+              <a:t>Using Variables - Structures</a:t>
             </a:r>
             <a:endParaRPr lang="en-US" dirty="0"/>
           </a:p>
@@ -9427,86 +9146,479 @@
         <p:spPr/>
         <p:txBody>
           <a:bodyPr>
-            <a:normAutofit fontScale="77500" lnSpcReduction="20000"/>
+            <a:normAutofit fontScale="92500" lnSpcReduction="20000"/>
           </a:bodyPr>
           <a:lstStyle/>
           <a:p>
             <a:r>
               <a:rPr lang="en-US" dirty="0" smtClean="0"/>
-              <a:t>Assignment</a:t>
-            </a:r>
-          </a:p>
-          <a:p>
-            <a:pPr lvl="1"/>
-            <a:r>
-              <a:rPr lang="en-US" dirty="0" smtClean="0"/>
-              <a:t>=, +=, -=, &amp;=, /=, *=, %=</a:t>
-            </a:r>
-          </a:p>
-          <a:p>
-            <a:r>
-              <a:rPr lang="en-US" dirty="0" smtClean="0"/>
-              <a:t>Unary</a:t>
-            </a:r>
-          </a:p>
-          <a:p>
-            <a:pPr lvl="1"/>
-            <a:r>
-              <a:rPr lang="en-US" dirty="0" smtClean="0"/>
-              <a:t>++, --, +, -, /, *</a:t>
-            </a:r>
-          </a:p>
-          <a:p>
-            <a:r>
-              <a:rPr lang="en-US" dirty="0" smtClean="0"/>
-              <a:t>Binary</a:t>
-            </a:r>
-          </a:p>
-          <a:p>
-            <a:pPr lvl="1"/>
-            <a:r>
-              <a:rPr lang="en-US" dirty="0" smtClean="0"/>
-              <a:t>% or MOD</a:t>
-            </a:r>
-          </a:p>
-          <a:p>
-            <a:r>
-              <a:rPr lang="en-US" dirty="0" smtClean="0"/>
-              <a:t>Logical</a:t>
-            </a:r>
-          </a:p>
-          <a:p>
-            <a:pPr lvl="1"/>
-            <a:r>
-              <a:rPr lang="en-US" dirty="0" smtClean="0"/>
-              <a:t>! or NOT, OR, AND, XOR</a:t>
-            </a:r>
-          </a:p>
-          <a:p>
-            <a:r>
-              <a:rPr lang="en-US" dirty="0" smtClean="0"/>
-              <a:t>Comparators</a:t>
-            </a:r>
-          </a:p>
-          <a:p>
-            <a:pPr lvl="1"/>
-            <a:r>
-              <a:rPr lang="en-US" dirty="0" smtClean="0"/>
-              <a:t>EQ, NEQ, LT, LTE, GT, GTE, IS, IS NOT, CONTAINS</a:t>
-            </a:r>
-          </a:p>
-          <a:p>
-            <a:r>
-              <a:rPr lang="en-US" dirty="0" smtClean="0"/>
-              <a:t>This is not a complete list.</a:t>
-            </a:r>
+              <a:t>Key / value data (map, collection, etc.)</a:t>
+            </a:r>
+          </a:p>
+          <a:p>
+            <a:r>
+              <a:rPr lang="en-US" dirty="0" smtClean="0"/>
+              <a:t>Can reference with dot or bracket notation</a:t>
+            </a:r>
+          </a:p>
+          <a:p>
+            <a:r>
+              <a:rPr lang="en-US" sz="2100" dirty="0" smtClean="0">
+                <a:latin typeface="Courier New"/>
+                <a:cs typeface="Courier New"/>
+              </a:rPr>
+              <a:t>&lt;</a:t>
+            </a:r>
+            <a:r>
+              <a:rPr lang="en-US" sz="2100" dirty="0" err="1">
+                <a:latin typeface="Courier New"/>
+                <a:cs typeface="Courier New"/>
+              </a:rPr>
+              <a:t>cfset</a:t>
+            </a:r>
+            <a:r>
+              <a:rPr lang="en-US" sz="2100" dirty="0">
+                <a:latin typeface="Courier New"/>
+                <a:cs typeface="Courier New"/>
+              </a:rPr>
+              <a:t> </a:t>
+            </a:r>
+            <a:r>
+              <a:rPr lang="en-US" sz="2100" dirty="0" smtClean="0">
+                <a:latin typeface="Courier New"/>
+                <a:cs typeface="Courier New"/>
+              </a:rPr>
+              <a:t>meta = </a:t>
+            </a:r>
+            <a:r>
+              <a:rPr lang="en-US" sz="2100" dirty="0" err="1" smtClean="0">
+                <a:latin typeface="Courier New"/>
+                <a:cs typeface="Courier New"/>
+              </a:rPr>
+              <a:t>StructNew</a:t>
+            </a:r>
+            <a:r>
+              <a:rPr lang="en-US" sz="2100" dirty="0" smtClean="0">
+                <a:latin typeface="Courier New"/>
+                <a:cs typeface="Courier New"/>
+              </a:rPr>
+              <a:t>()</a:t>
+            </a:r>
+            <a:r>
+              <a:rPr lang="en-US" sz="2100" dirty="0">
+                <a:latin typeface="Courier New"/>
+                <a:cs typeface="Courier New"/>
+              </a:rPr>
+              <a:t>&gt;</a:t>
+            </a:r>
+            <a:br>
+              <a:rPr lang="en-US" sz="2100" dirty="0">
+                <a:latin typeface="Courier New"/>
+                <a:cs typeface="Courier New"/>
+              </a:rPr>
+            </a:br>
+            <a:r>
+              <a:rPr lang="en-US" sz="2100" dirty="0">
+                <a:latin typeface="Courier New"/>
+                <a:cs typeface="Courier New"/>
+              </a:rPr>
+              <a:t>&lt;</a:t>
+            </a:r>
+            <a:r>
+              <a:rPr lang="en-US" sz="2100" dirty="0" err="1">
+                <a:latin typeface="Courier New"/>
+                <a:cs typeface="Courier New"/>
+              </a:rPr>
+              <a:t>cfset</a:t>
+            </a:r>
+            <a:r>
+              <a:rPr lang="en-US" sz="2100" dirty="0">
+                <a:latin typeface="Courier New"/>
+                <a:cs typeface="Courier New"/>
+              </a:rPr>
+              <a:t> </a:t>
+            </a:r>
+            <a:r>
+              <a:rPr lang="en-US" sz="2100" dirty="0" err="1" smtClean="0">
+                <a:latin typeface="Courier New"/>
+                <a:cs typeface="Courier New"/>
+              </a:rPr>
+              <a:t>meta.engine</a:t>
+            </a:r>
+            <a:r>
+              <a:rPr lang="en-US" sz="2100" dirty="0" smtClean="0">
+                <a:latin typeface="Courier New"/>
+                <a:cs typeface="Courier New"/>
+              </a:rPr>
+              <a:t> </a:t>
+            </a:r>
+            <a:r>
+              <a:rPr lang="en-US" sz="2100" dirty="0">
+                <a:latin typeface="Courier New"/>
+                <a:cs typeface="Courier New"/>
+              </a:rPr>
+              <a:t>= </a:t>
+            </a:r>
+            <a:r>
+              <a:rPr lang="en-US" sz="2100" dirty="0" smtClean="0">
+                <a:latin typeface="Courier New"/>
+                <a:cs typeface="Courier New"/>
+              </a:rPr>
+              <a:t>“</a:t>
+            </a:r>
+            <a:r>
+              <a:rPr lang="en-US" sz="2100" dirty="0" err="1" smtClean="0">
+                <a:latin typeface="Courier New"/>
+                <a:cs typeface="Courier New"/>
+              </a:rPr>
+              <a:t>OpenBD</a:t>
+            </a:r>
+            <a:r>
+              <a:rPr lang="en-US" sz="2100" dirty="0" smtClean="0">
+                <a:latin typeface="Courier New"/>
+                <a:cs typeface="Courier New"/>
+              </a:rPr>
+              <a:t>”</a:t>
+            </a:r>
+            <a:r>
+              <a:rPr lang="en-US" sz="2100" dirty="0">
+                <a:latin typeface="Courier New"/>
+                <a:cs typeface="Courier New"/>
+              </a:rPr>
+              <a:t>&gt;</a:t>
+            </a:r>
+            <a:br>
+              <a:rPr lang="en-US" sz="2100" dirty="0">
+                <a:latin typeface="Courier New"/>
+                <a:cs typeface="Courier New"/>
+              </a:rPr>
+            </a:br>
+            <a:r>
+              <a:rPr lang="en-US" sz="2100" dirty="0">
+                <a:latin typeface="Courier New"/>
+                <a:cs typeface="Courier New"/>
+              </a:rPr>
+              <a:t>&lt;</a:t>
+            </a:r>
+            <a:r>
+              <a:rPr lang="en-US" sz="2100" dirty="0" err="1">
+                <a:latin typeface="Courier New"/>
+                <a:cs typeface="Courier New"/>
+              </a:rPr>
+              <a:t>cfset</a:t>
+            </a:r>
+            <a:r>
+              <a:rPr lang="en-US" sz="2100" dirty="0">
+                <a:latin typeface="Courier New"/>
+                <a:cs typeface="Courier New"/>
+              </a:rPr>
+              <a:t> </a:t>
+            </a:r>
+            <a:r>
+              <a:rPr lang="en-US" sz="2100" dirty="0" smtClean="0">
+                <a:latin typeface="Courier New"/>
+                <a:cs typeface="Courier New"/>
+              </a:rPr>
+              <a:t>meta[“version”] </a:t>
+            </a:r>
+            <a:r>
+              <a:rPr lang="en-US" sz="2100" dirty="0">
+                <a:latin typeface="Courier New"/>
+                <a:cs typeface="Courier New"/>
+              </a:rPr>
+              <a:t>= </a:t>
+            </a:r>
+            <a:r>
+              <a:rPr lang="en-US" sz="2100" dirty="0" smtClean="0">
+                <a:latin typeface="Courier New"/>
+                <a:cs typeface="Courier New"/>
+              </a:rPr>
+              <a:t>“1.5”</a:t>
+            </a:r>
+            <a:r>
+              <a:rPr lang="en-US" sz="2100" dirty="0">
+                <a:latin typeface="Courier New"/>
+                <a:cs typeface="Courier New"/>
+              </a:rPr>
+              <a:t>&gt;</a:t>
+            </a:r>
+          </a:p>
+          <a:p>
+            <a:r>
+              <a:rPr lang="en-US" sz="2100" dirty="0">
+                <a:latin typeface="Courier New"/>
+                <a:cs typeface="Courier New"/>
+              </a:rPr>
+              <a:t>&lt;</a:t>
+            </a:r>
+            <a:r>
+              <a:rPr lang="en-US" sz="2100" dirty="0" err="1">
+                <a:latin typeface="Courier New"/>
+                <a:cs typeface="Courier New"/>
+              </a:rPr>
+              <a:t>cfset</a:t>
+            </a:r>
+            <a:r>
+              <a:rPr lang="en-US" sz="2100" dirty="0">
+                <a:latin typeface="Courier New"/>
+                <a:cs typeface="Courier New"/>
+              </a:rPr>
+              <a:t> </a:t>
+            </a:r>
+            <a:r>
+              <a:rPr lang="en-US" sz="2100" dirty="0" smtClean="0">
+                <a:latin typeface="Courier New"/>
+                <a:cs typeface="Courier New"/>
+              </a:rPr>
+              <a:t>meta = { engine = “</a:t>
+            </a:r>
+            <a:r>
+              <a:rPr lang="en-US" sz="2100" dirty="0" err="1" smtClean="0">
+                <a:latin typeface="Courier New"/>
+                <a:cs typeface="Courier New"/>
+              </a:rPr>
+              <a:t>OpenBD</a:t>
+            </a:r>
+            <a:r>
+              <a:rPr lang="en-US" sz="2100" dirty="0" smtClean="0">
+                <a:latin typeface="Courier New"/>
+                <a:cs typeface="Courier New"/>
+              </a:rPr>
+              <a:t>”, version = “1.5” }&gt;</a:t>
+            </a:r>
+            <a:endParaRPr lang="en-US" sz="2100" dirty="0">
+              <a:latin typeface="Courier New"/>
+              <a:cs typeface="Courier New"/>
+            </a:endParaRPr>
+          </a:p>
+          <a:p>
+            <a:r>
+              <a:rPr lang="en-US" sz="2100" dirty="0">
+                <a:latin typeface="Courier New"/>
+                <a:cs typeface="Courier New"/>
+              </a:rPr>
+              <a:t>&lt;</a:t>
+            </a:r>
+            <a:r>
+              <a:rPr lang="en-US" sz="2100" dirty="0" err="1">
+                <a:latin typeface="Courier New"/>
+                <a:cs typeface="Courier New"/>
+              </a:rPr>
+              <a:t>cfoutput</a:t>
+            </a:r>
+            <a:r>
+              <a:rPr lang="en-US" sz="2100" dirty="0">
+                <a:latin typeface="Courier New"/>
+                <a:cs typeface="Courier New"/>
+              </a:rPr>
+              <a:t>&gt;</a:t>
+            </a:r>
+            <a:r>
+              <a:rPr lang="en-US" sz="2100" dirty="0" smtClean="0">
+                <a:latin typeface="Courier New"/>
+                <a:cs typeface="Courier New"/>
+              </a:rPr>
+              <a:t>#</a:t>
+            </a:r>
+            <a:r>
+              <a:rPr lang="en-US" sz="2100" dirty="0" err="1" smtClean="0">
+                <a:latin typeface="Courier New"/>
+                <a:cs typeface="Courier New"/>
+              </a:rPr>
+              <a:t>meta.engine</a:t>
+            </a:r>
+            <a:r>
+              <a:rPr lang="en-US" sz="2100" dirty="0" smtClean="0">
+                <a:latin typeface="Courier New"/>
+                <a:cs typeface="Courier New"/>
+              </a:rPr>
+              <a:t>#</a:t>
+            </a:r>
+            <a:r>
+              <a:rPr lang="en-US" sz="2100" dirty="0">
+                <a:latin typeface="Courier New"/>
+                <a:cs typeface="Courier New"/>
+              </a:rPr>
+              <a:t>&lt;/</a:t>
+            </a:r>
+            <a:r>
+              <a:rPr lang="en-US" sz="2100" dirty="0" err="1">
+                <a:latin typeface="Courier New"/>
+                <a:cs typeface="Courier New"/>
+              </a:rPr>
+              <a:t>cfoutput</a:t>
+            </a:r>
+            <a:r>
+              <a:rPr lang="en-US" sz="2100" dirty="0" smtClean="0">
+                <a:latin typeface="Courier New"/>
+                <a:cs typeface="Courier New"/>
+              </a:rPr>
+              <a:t>&gt;</a:t>
+            </a:r>
+            <a:br>
+              <a:rPr lang="en-US" sz="2100" dirty="0" smtClean="0">
+                <a:latin typeface="Courier New"/>
+                <a:cs typeface="Courier New"/>
+              </a:rPr>
+            </a:br>
+            <a:r>
+              <a:rPr lang="en-US" sz="2100" dirty="0" smtClean="0">
+                <a:latin typeface="Courier New"/>
+                <a:cs typeface="Courier New"/>
+              </a:rPr>
+              <a:t>&lt;</a:t>
+            </a:r>
+            <a:r>
+              <a:rPr lang="en-US" sz="2100" dirty="0" err="1" smtClean="0">
+                <a:latin typeface="Courier New"/>
+                <a:cs typeface="Courier New"/>
+              </a:rPr>
+              <a:t>cfoutput</a:t>
+            </a:r>
+            <a:r>
+              <a:rPr lang="en-US" sz="2100" dirty="0" smtClean="0">
+                <a:latin typeface="Courier New"/>
+                <a:cs typeface="Courier New"/>
+              </a:rPr>
+              <a:t>&gt;#meta[“version”]#&lt;/</a:t>
+            </a:r>
+            <a:r>
+              <a:rPr lang="en-US" sz="2100" dirty="0" err="1" smtClean="0">
+                <a:latin typeface="Courier New"/>
+                <a:cs typeface="Courier New"/>
+              </a:rPr>
+              <a:t>cfoutput</a:t>
+            </a:r>
+            <a:r>
+              <a:rPr lang="en-US" sz="2100" dirty="0" smtClean="0">
+                <a:latin typeface="Courier New"/>
+                <a:cs typeface="Courier New"/>
+              </a:rPr>
+              <a:t>&gt;</a:t>
+            </a:r>
+          </a:p>
+          <a:p>
+            <a:r>
+              <a:rPr lang="en-US" sz="2100" dirty="0">
+                <a:latin typeface="Courier New"/>
+                <a:cs typeface="Courier New"/>
+              </a:rPr>
+              <a:t>Check for existence before </a:t>
+            </a:r>
+            <a:r>
+              <a:rPr lang="en-US" sz="2100" dirty="0" smtClean="0">
+                <a:latin typeface="Courier New"/>
+                <a:cs typeface="Courier New"/>
+              </a:rPr>
+              <a:t>using:</a:t>
+            </a:r>
+            <a:br>
+              <a:rPr lang="en-US" sz="2100" dirty="0" smtClean="0">
+                <a:latin typeface="Courier New"/>
+                <a:cs typeface="Courier New"/>
+              </a:rPr>
+            </a:br>
+            <a:r>
+              <a:rPr lang="en-US" sz="2100" dirty="0" smtClean="0">
+                <a:latin typeface="Courier New"/>
+                <a:cs typeface="Courier New"/>
+              </a:rPr>
+              <a:t>&lt;</a:t>
+            </a:r>
+            <a:r>
+              <a:rPr lang="en-US" sz="2100" dirty="0" err="1" smtClean="0">
+                <a:latin typeface="Courier New"/>
+                <a:cs typeface="Courier New"/>
+              </a:rPr>
+              <a:t>cfif</a:t>
+            </a:r>
+            <a:r>
+              <a:rPr lang="en-US" sz="2100" dirty="0" smtClean="0">
+                <a:latin typeface="Courier New"/>
+                <a:cs typeface="Courier New"/>
+              </a:rPr>
+              <a:t> </a:t>
+            </a:r>
+            <a:r>
+              <a:rPr lang="en-US" sz="2100" dirty="0" err="1" smtClean="0">
+                <a:latin typeface="Courier New"/>
+                <a:cs typeface="Courier New"/>
+              </a:rPr>
+              <a:t>isDefined</a:t>
+            </a:r>
+            <a:r>
+              <a:rPr lang="en-US" sz="2100" dirty="0" smtClean="0">
+                <a:latin typeface="Courier New"/>
+                <a:cs typeface="Courier New"/>
+              </a:rPr>
+              <a:t>(“</a:t>
+            </a:r>
+            <a:r>
+              <a:rPr lang="en-US" sz="2100" dirty="0" err="1" smtClean="0">
+                <a:latin typeface="Courier New"/>
+                <a:cs typeface="Courier New"/>
+              </a:rPr>
+              <a:t>meta.engine</a:t>
+            </a:r>
+            <a:r>
+              <a:rPr lang="en-US" sz="2100" dirty="0" smtClean="0">
+                <a:latin typeface="Courier New"/>
+                <a:cs typeface="Courier New"/>
+              </a:rPr>
+              <a:t>”)&gt;</a:t>
+            </a:r>
+            <a:br>
+              <a:rPr lang="en-US" sz="2100" dirty="0" smtClean="0">
+                <a:latin typeface="Courier New"/>
+                <a:cs typeface="Courier New"/>
+              </a:rPr>
+            </a:br>
+            <a:r>
+              <a:rPr lang="en-US" sz="2100" dirty="0" smtClean="0">
+                <a:latin typeface="Courier New"/>
+                <a:cs typeface="Courier New"/>
+              </a:rPr>
+              <a:t>&lt;</a:t>
+            </a:r>
+            <a:r>
+              <a:rPr lang="en-US" sz="2100" dirty="0" err="1" smtClean="0">
+                <a:latin typeface="Courier New"/>
+                <a:cs typeface="Courier New"/>
+              </a:rPr>
+              <a:t>cfif</a:t>
+            </a:r>
+            <a:r>
+              <a:rPr lang="en-US" sz="2100" dirty="0" smtClean="0">
+                <a:latin typeface="Courier New"/>
+                <a:cs typeface="Courier New"/>
+              </a:rPr>
+              <a:t> </a:t>
+            </a:r>
+            <a:r>
+              <a:rPr lang="en-US" sz="2100" dirty="0" err="1" smtClean="0">
+                <a:latin typeface="Courier New"/>
+                <a:cs typeface="Courier New"/>
+              </a:rPr>
+              <a:t>StructKeyExists</a:t>
+            </a:r>
+            <a:r>
+              <a:rPr lang="en-US" sz="2100" dirty="0" smtClean="0">
+                <a:latin typeface="Courier New"/>
+                <a:cs typeface="Courier New"/>
+              </a:rPr>
+              <a:t>(meta, “engine”)&gt;</a:t>
+            </a:r>
+            <a:endParaRPr lang="en-US" sz="2100" dirty="0">
+              <a:latin typeface="Courier New"/>
+              <a:cs typeface="Courier New"/>
+            </a:endParaRPr>
           </a:p>
         </p:txBody>
       </p:sp>
     </p:spTree>
     <p:extLst>
       <p:ext uri="{BB962C8B-B14F-4D97-AF65-F5344CB8AC3E}">
-        <p14:creationId xmlns:p14="http://schemas.microsoft.com/office/powerpoint/2010/main" val="2233413174"/>
+        <p14:creationId xmlns:p14="http://schemas.microsoft.com/office/powerpoint/2010/main" val="2389885091"/>
       </p:ext>
     </p:extLst>
   </p:cSld>
@@ -9540,17 +9652,17 @@
             <a:spLocks noGrp="1"/>
           </p:cNvSpPr>
           <p:nvPr>
-            <p:ph type="ctrTitle"/>
-          </p:nvPr>
-        </p:nvSpPr>
-        <p:spPr/>
-        <p:txBody>
-          <a:bodyPr/>
-          <a:lstStyle/>
-          <a:p>
-            <a:r>
-              <a:rPr lang="en-US" dirty="0" smtClean="0"/>
-              <a:t>Demo 02</a:t>
+            <p:ph type="title"/>
+          </p:nvPr>
+        </p:nvSpPr>
+        <p:spPr/>
+        <p:txBody>
+          <a:bodyPr/>
+          <a:lstStyle/>
+          <a:p>
+            <a:r>
+              <a:rPr lang="en-US" dirty="0" smtClean="0"/>
+              <a:t>Operators</a:t>
             </a:r>
             <a:endParaRPr lang="en-US" dirty="0"/>
           </a:p>
@@ -9558,39 +9670,97 @@
       </p:sp>
       <p:sp>
         <p:nvSpPr>
-          <p:cNvPr id="4" name="Subtitle 3"/>
-          <p:cNvSpPr>
-            <a:spLocks noGrp="1"/>
-          </p:cNvSpPr>
-          <p:nvPr>
-            <p:ph type="subTitle" idx="1"/>
-          </p:nvPr>
-        </p:nvSpPr>
-        <p:spPr/>
-        <p:txBody>
-          <a:bodyPr/>
-          <a:lstStyle/>
-          <a:p>
-            <a:endParaRPr lang="en-US"/>
-          </a:p>
-        </p:txBody>
-      </p:sp>
-      <p:sp>
-        <p:nvSpPr>
-          <p:cNvPr id="5" name="Picture Placeholder 4"/>
-          <p:cNvSpPr>
-            <a:spLocks noGrp="1"/>
-          </p:cNvSpPr>
-          <p:nvPr>
-            <p:ph type="pic" idx="13"/>
-          </p:nvPr>
-        </p:nvSpPr>
-        <p:spPr/>
+          <p:cNvPr id="3" name="Content Placeholder 2"/>
+          <p:cNvSpPr>
+            <a:spLocks noGrp="1"/>
+          </p:cNvSpPr>
+          <p:nvPr>
+            <p:ph idx="1"/>
+          </p:nvPr>
+        </p:nvSpPr>
+        <p:spPr/>
+        <p:txBody>
+          <a:bodyPr>
+            <a:normAutofit fontScale="77500" lnSpcReduction="20000"/>
+          </a:bodyPr>
+          <a:lstStyle/>
+          <a:p>
+            <a:r>
+              <a:rPr lang="en-US" dirty="0" smtClean="0"/>
+              <a:t>Assignment</a:t>
+            </a:r>
+          </a:p>
+          <a:p>
+            <a:pPr lvl="1"/>
+            <a:r>
+              <a:rPr lang="en-US" dirty="0" smtClean="0"/>
+              <a:t>=, +=, -=, &amp;=, /=, *=, %=</a:t>
+            </a:r>
+          </a:p>
+          <a:p>
+            <a:r>
+              <a:rPr lang="en-US" dirty="0" smtClean="0"/>
+              <a:t>Unary</a:t>
+            </a:r>
+          </a:p>
+          <a:p>
+            <a:pPr lvl="1"/>
+            <a:r>
+              <a:rPr lang="en-US" dirty="0" smtClean="0"/>
+              <a:t>++, --, +, -, /, *</a:t>
+            </a:r>
+          </a:p>
+          <a:p>
+            <a:r>
+              <a:rPr lang="en-US" dirty="0" smtClean="0"/>
+              <a:t>Binary</a:t>
+            </a:r>
+          </a:p>
+          <a:p>
+            <a:pPr lvl="1"/>
+            <a:r>
+              <a:rPr lang="en-US" dirty="0" smtClean="0"/>
+              <a:t>% or MOD</a:t>
+            </a:r>
+          </a:p>
+          <a:p>
+            <a:r>
+              <a:rPr lang="en-US" dirty="0" smtClean="0"/>
+              <a:t>Logical</a:t>
+            </a:r>
+          </a:p>
+          <a:p>
+            <a:pPr lvl="1"/>
+            <a:r>
+              <a:rPr lang="en-US" dirty="0" smtClean="0"/>
+              <a:t>! or NOT, OR, AND, XOR</a:t>
+            </a:r>
+          </a:p>
+          <a:p>
+            <a:r>
+              <a:rPr lang="en-US" dirty="0" smtClean="0"/>
+              <a:t>Comparators</a:t>
+            </a:r>
+          </a:p>
+          <a:p>
+            <a:pPr lvl="1"/>
+            <a:r>
+              <a:rPr lang="en-US" dirty="0" smtClean="0"/>
+              <a:t>EQ, NEQ, LT, LTE, GT, GTE, IS, IS NOT, CONTAINS</a:t>
+            </a:r>
+          </a:p>
+          <a:p>
+            <a:r>
+              <a:rPr lang="en-US" dirty="0" smtClean="0"/>
+              <a:t>This is not a complete list.</a:t>
+            </a:r>
+          </a:p>
+        </p:txBody>
       </p:sp>
     </p:spTree>
     <p:extLst>
       <p:ext uri="{BB962C8B-B14F-4D97-AF65-F5344CB8AC3E}">
-        <p14:creationId xmlns:p14="http://schemas.microsoft.com/office/powerpoint/2010/main" val="3132652974"/>
+        <p14:creationId xmlns:p14="http://schemas.microsoft.com/office/powerpoint/2010/main" val="2233413174"/>
       </p:ext>
     </p:extLst>
   </p:cSld>
@@ -9619,22 +9789,22 @@
       </p:grpSpPr>
       <p:sp>
         <p:nvSpPr>
-          <p:cNvPr id="5" name="Title 4"/>
-          <p:cNvSpPr>
-            <a:spLocks noGrp="1"/>
-          </p:cNvSpPr>
-          <p:nvPr>
-            <p:ph type="title"/>
-          </p:nvPr>
-        </p:nvSpPr>
-        <p:spPr/>
-        <p:txBody>
-          <a:bodyPr/>
-          <a:lstStyle/>
-          <a:p>
-            <a:r>
-              <a:rPr lang="en-US" dirty="0" smtClean="0"/>
-              <a:t>Control</a:t>
+          <p:cNvPr id="2" name="Title 1"/>
+          <p:cNvSpPr>
+            <a:spLocks noGrp="1"/>
+          </p:cNvSpPr>
+          <p:nvPr>
+            <p:ph type="ctrTitle"/>
+          </p:nvPr>
+        </p:nvSpPr>
+        <p:spPr/>
+        <p:txBody>
+          <a:bodyPr/>
+          <a:lstStyle/>
+          <a:p>
+            <a:r>
+              <a:rPr lang="en-US" dirty="0" smtClean="0"/>
+              <a:t>Demo 02</a:t>
             </a:r>
             <a:endParaRPr lang="en-US" dirty="0"/>
           </a:p>
@@ -9642,330 +9812,39 @@
       </p:sp>
       <p:sp>
         <p:nvSpPr>
-          <p:cNvPr id="6" name="Content Placeholder 5"/>
-          <p:cNvSpPr>
-            <a:spLocks noGrp="1"/>
-          </p:cNvSpPr>
-          <p:nvPr>
-            <p:ph idx="1"/>
-          </p:nvPr>
-        </p:nvSpPr>
-        <p:spPr/>
-        <p:txBody>
-          <a:bodyPr>
-            <a:normAutofit/>
-          </a:bodyPr>
-          <a:lstStyle/>
-          <a:p>
-            <a:r>
-              <a:rPr lang="en-US" sz="2000" dirty="0" smtClean="0">
-                <a:latin typeface="Courier New"/>
-                <a:cs typeface="Courier New"/>
-              </a:rPr>
-              <a:t>&lt;</a:t>
-            </a:r>
-            <a:r>
-              <a:rPr lang="en-US" sz="2000" dirty="0" err="1" smtClean="0">
-                <a:latin typeface="Courier New"/>
-                <a:cs typeface="Courier New"/>
-                <a:hlinkClick r:id="rId3"/>
-              </a:rPr>
-              <a:t>cfif</a:t>
-            </a:r>
-            <a:r>
-              <a:rPr lang="en-US" sz="2000" dirty="0" smtClean="0">
-                <a:latin typeface="Courier New"/>
-                <a:cs typeface="Courier New"/>
-              </a:rPr>
-              <a:t> CONDITION&gt;, &lt;</a:t>
-            </a:r>
-            <a:r>
-              <a:rPr lang="en-US" sz="2000" dirty="0" err="1" smtClean="0">
-                <a:latin typeface="Courier New"/>
-                <a:cs typeface="Courier New"/>
-                <a:hlinkClick r:id="rId4"/>
-              </a:rPr>
-              <a:t>cfelseif</a:t>
-            </a:r>
-            <a:r>
-              <a:rPr lang="en-US" sz="2000" dirty="0" smtClean="0">
-                <a:latin typeface="Courier New"/>
-                <a:cs typeface="Courier New"/>
-              </a:rPr>
-              <a:t> CONDITION&gt;, &lt;</a:t>
-            </a:r>
-            <a:r>
-              <a:rPr lang="en-US" sz="2000" dirty="0" err="1" smtClean="0">
-                <a:latin typeface="Courier New"/>
-                <a:cs typeface="Courier New"/>
-                <a:hlinkClick r:id="rId5"/>
-              </a:rPr>
-              <a:t>cfelse</a:t>
-            </a:r>
-            <a:r>
-              <a:rPr lang="en-US" sz="2000" dirty="0" smtClean="0">
-                <a:latin typeface="Courier New"/>
-                <a:cs typeface="Courier New"/>
-              </a:rPr>
-              <a:t>&gt;</a:t>
-            </a:r>
-          </a:p>
-          <a:p>
-            <a:r>
-              <a:rPr lang="en-US" sz="2000" dirty="0" smtClean="0">
-                <a:latin typeface="Courier New"/>
-                <a:cs typeface="Courier New"/>
-              </a:rPr>
-              <a:t>&lt;</a:t>
-            </a:r>
-            <a:r>
-              <a:rPr lang="en-US" sz="2000" dirty="0" err="1" smtClean="0">
-                <a:latin typeface="Courier New"/>
-                <a:cs typeface="Courier New"/>
-                <a:hlinkClick r:id="rId6"/>
-              </a:rPr>
-              <a:t>cfswitch</a:t>
-            </a:r>
-            <a:r>
-              <a:rPr lang="en-US" sz="2000" dirty="0" smtClean="0">
-                <a:latin typeface="Courier New"/>
-                <a:cs typeface="Courier New"/>
-              </a:rPr>
-              <a:t> expression=“VALUE”&gt;, &lt;</a:t>
-            </a:r>
-            <a:r>
-              <a:rPr lang="en-US" sz="2000" dirty="0" err="1" smtClean="0">
-                <a:latin typeface="Courier New"/>
-                <a:cs typeface="Courier New"/>
-                <a:hlinkClick r:id="rId7"/>
-              </a:rPr>
-              <a:t>cfcase</a:t>
-            </a:r>
-            <a:r>
-              <a:rPr lang="en-US" sz="2000" dirty="0" smtClean="0">
-                <a:latin typeface="Courier New"/>
-                <a:cs typeface="Courier New"/>
-              </a:rPr>
-              <a:t> value=“VALUE</a:t>
-            </a:r>
-            <a:r>
-              <a:rPr lang="en-US" sz="2000" dirty="0">
-                <a:latin typeface="Courier New"/>
-                <a:cs typeface="Courier New"/>
-              </a:rPr>
-              <a:t>”&gt;, &lt;</a:t>
-            </a:r>
-            <a:r>
-              <a:rPr lang="en-US" sz="2000" dirty="0" err="1">
-                <a:latin typeface="Courier New"/>
-                <a:cs typeface="Courier New"/>
-              </a:rPr>
-              <a:t>cfcase</a:t>
-            </a:r>
-            <a:r>
-              <a:rPr lang="en-US" sz="2000" dirty="0">
-                <a:latin typeface="Courier New"/>
-                <a:cs typeface="Courier New"/>
-              </a:rPr>
-              <a:t> value=“</a:t>
-            </a:r>
-            <a:r>
-              <a:rPr lang="en-US" sz="2000" dirty="0" smtClean="0">
-                <a:latin typeface="Courier New"/>
-                <a:cs typeface="Courier New"/>
-              </a:rPr>
-              <a:t>VALUE1,VALUE2”</a:t>
-            </a:r>
-            <a:r>
-              <a:rPr lang="en-US" sz="2000" dirty="0">
-                <a:latin typeface="Courier New"/>
-                <a:cs typeface="Courier New"/>
-              </a:rPr>
-              <a:t>&gt;</a:t>
-            </a:r>
-            <a:r>
-              <a:rPr lang="en-US" sz="2000" dirty="0" smtClean="0">
-                <a:latin typeface="Courier New"/>
-                <a:cs typeface="Courier New"/>
-              </a:rPr>
-              <a:t>, &lt;</a:t>
-            </a:r>
-            <a:r>
-              <a:rPr lang="en-US" sz="2000" dirty="0" err="1" smtClean="0">
-                <a:latin typeface="Courier New"/>
-                <a:cs typeface="Courier New"/>
-                <a:hlinkClick r:id="rId8"/>
-              </a:rPr>
-              <a:t>cfdefaultcase</a:t>
-            </a:r>
-            <a:r>
-              <a:rPr lang="en-US" sz="2000" dirty="0" smtClean="0">
-                <a:latin typeface="Courier New"/>
-                <a:cs typeface="Courier New"/>
-              </a:rPr>
-              <a:t>&gt;</a:t>
-            </a:r>
-          </a:p>
-          <a:p>
-            <a:r>
-              <a:rPr lang="en-US" sz="2000" dirty="0" smtClean="0">
-                <a:latin typeface="Courier New"/>
-                <a:cs typeface="Courier New"/>
-              </a:rPr>
-              <a:t>&lt;</a:t>
-            </a:r>
-            <a:r>
-              <a:rPr lang="en-US" sz="2000" dirty="0" err="1" smtClean="0">
-                <a:latin typeface="Courier New"/>
-                <a:cs typeface="Courier New"/>
-                <a:hlinkClick r:id="rId9"/>
-              </a:rPr>
-              <a:t>cftry</a:t>
-            </a:r>
-            <a:r>
-              <a:rPr lang="en-US" sz="2000" dirty="0" smtClean="0">
-                <a:latin typeface="Courier New"/>
-                <a:cs typeface="Courier New"/>
-              </a:rPr>
-              <a:t>&gt;, &lt;</a:t>
-            </a:r>
-            <a:r>
-              <a:rPr lang="en-US" sz="2000" dirty="0" err="1" smtClean="0">
-                <a:latin typeface="Courier New"/>
-                <a:cs typeface="Courier New"/>
-                <a:hlinkClick r:id="rId10"/>
-              </a:rPr>
-              <a:t>cfcatch</a:t>
-            </a:r>
-            <a:r>
-              <a:rPr lang="en-US" sz="2000" dirty="0" smtClean="0">
-                <a:latin typeface="Courier New"/>
-                <a:cs typeface="Courier New"/>
-              </a:rPr>
-              <a:t> type=“TYPE”&gt;, &lt;</a:t>
-            </a:r>
-            <a:r>
-              <a:rPr lang="en-US" sz="2000" dirty="0" err="1" smtClean="0">
-                <a:latin typeface="Courier New"/>
-                <a:cs typeface="Courier New"/>
-                <a:hlinkClick r:id="rId11"/>
-              </a:rPr>
-              <a:t>cffinally</a:t>
-            </a:r>
-            <a:r>
-              <a:rPr lang="en-US" sz="2000" dirty="0" smtClean="0">
-                <a:latin typeface="Courier New"/>
-                <a:cs typeface="Courier New"/>
-              </a:rPr>
-              <a:t>&gt;</a:t>
-            </a:r>
-          </a:p>
-          <a:p>
-            <a:pPr lvl="1"/>
-            <a:r>
-              <a:rPr lang="en-US" sz="2000" dirty="0" smtClean="0">
-                <a:latin typeface="Courier New"/>
-                <a:cs typeface="Courier New"/>
-              </a:rPr>
-              <a:t>&lt;</a:t>
-            </a:r>
-            <a:r>
-              <a:rPr lang="en-US" sz="2000" dirty="0" err="1" smtClean="0">
-                <a:latin typeface="Courier New"/>
-                <a:cs typeface="Courier New"/>
-              </a:rPr>
-              <a:t>cfcatch</a:t>
-            </a:r>
-            <a:r>
-              <a:rPr lang="en-US" sz="2000" dirty="0" smtClean="0">
-                <a:latin typeface="Courier New"/>
-                <a:cs typeface="Courier New"/>
-              </a:rPr>
-              <a:t>&gt;</a:t>
-            </a:r>
-            <a:r>
-              <a:rPr lang="en-US" dirty="0" smtClean="0"/>
-              <a:t> exposes a special </a:t>
-            </a:r>
-            <a:r>
-              <a:rPr lang="en-US" dirty="0" err="1" smtClean="0"/>
-              <a:t>cfcatch</a:t>
-            </a:r>
-            <a:r>
-              <a:rPr lang="en-US" dirty="0" smtClean="0"/>
-              <a:t> scope</a:t>
-            </a:r>
-          </a:p>
-          <a:p>
-            <a:r>
-              <a:rPr lang="en-US" sz="2000" dirty="0" smtClean="0">
-                <a:latin typeface="Courier New"/>
-                <a:cs typeface="Courier New"/>
-              </a:rPr>
-              <a:t>&lt;</a:t>
-            </a:r>
-            <a:r>
-              <a:rPr lang="en-US" sz="2000" dirty="0" err="1" smtClean="0">
-                <a:latin typeface="Courier New"/>
-                <a:cs typeface="Courier New"/>
-                <a:hlinkClick r:id="rId12"/>
-              </a:rPr>
-              <a:t>cflocation</a:t>
-            </a:r>
-            <a:r>
-              <a:rPr lang="en-US" sz="2000" dirty="0" smtClean="0">
-                <a:latin typeface="Courier New"/>
-                <a:cs typeface="Courier New"/>
-              </a:rPr>
-              <a:t> </a:t>
-            </a:r>
-            <a:r>
-              <a:rPr lang="en-US" sz="2000" dirty="0" err="1" smtClean="0">
-                <a:latin typeface="Courier New"/>
-                <a:cs typeface="Courier New"/>
-              </a:rPr>
-              <a:t>url</a:t>
-            </a:r>
-            <a:r>
-              <a:rPr lang="en-US" sz="2000" dirty="0" smtClean="0">
-                <a:latin typeface="Courier New"/>
-                <a:cs typeface="Courier New"/>
-              </a:rPr>
-              <a:t>=“URL” </a:t>
-            </a:r>
-            <a:r>
-              <a:rPr lang="en-US" sz="2000" dirty="0" err="1" smtClean="0">
-                <a:latin typeface="Courier New"/>
-                <a:cs typeface="Courier New"/>
-              </a:rPr>
-              <a:t>addtoken</a:t>
-            </a:r>
-            <a:r>
-              <a:rPr lang="en-US" sz="2000" dirty="0" smtClean="0">
-                <a:latin typeface="Courier New"/>
-                <a:cs typeface="Courier New"/>
-              </a:rPr>
-              <a:t>=“BOOLEAN”&gt;</a:t>
-            </a:r>
-          </a:p>
-          <a:p>
-            <a:pPr lvl="1"/>
-            <a:r>
-              <a:rPr lang="en-US" dirty="0" err="1" smtClean="0"/>
-              <a:t>addtoken</a:t>
-            </a:r>
-            <a:r>
-              <a:rPr lang="en-US" dirty="0" smtClean="0"/>
-              <a:t> = “true” adds session tokens to URL</a:t>
-            </a:r>
-            <a:endParaRPr lang="en-US" dirty="0"/>
-          </a:p>
-        </p:txBody>
+          <p:cNvPr id="4" name="Subtitle 3"/>
+          <p:cNvSpPr>
+            <a:spLocks noGrp="1"/>
+          </p:cNvSpPr>
+          <p:nvPr>
+            <p:ph type="subTitle" idx="1"/>
+          </p:nvPr>
+        </p:nvSpPr>
+        <p:spPr/>
+        <p:txBody>
+          <a:bodyPr/>
+          <a:lstStyle/>
+          <a:p>
+            <a:endParaRPr lang="en-US"/>
+          </a:p>
+        </p:txBody>
+      </p:sp>
+      <p:sp>
+        <p:nvSpPr>
+          <p:cNvPr id="5" name="Picture Placeholder 4"/>
+          <p:cNvSpPr>
+            <a:spLocks noGrp="1"/>
+          </p:cNvSpPr>
+          <p:nvPr>
+            <p:ph type="pic" idx="13"/>
+          </p:nvPr>
+        </p:nvSpPr>
+        <p:spPr/>
       </p:sp>
     </p:spTree>
     <p:extLst>
       <p:ext uri="{BB962C8B-B14F-4D97-AF65-F5344CB8AC3E}">
-        <p14:creationId xmlns:p14="http://schemas.microsoft.com/office/powerpoint/2010/main" val="2696741995"/>
+        <p14:creationId xmlns:p14="http://schemas.microsoft.com/office/powerpoint/2010/main" val="3132652974"/>
       </p:ext>
     </p:extLst>
   </p:cSld>
@@ -9994,7 +9873,7 @@
       </p:grpSpPr>
       <p:sp>
         <p:nvSpPr>
-          <p:cNvPr id="2" name="Title 1"/>
+          <p:cNvPr id="5" name="Title 4"/>
           <p:cNvSpPr>
             <a:spLocks noGrp="1"/>
           </p:cNvSpPr>
@@ -10009,7 +9888,7 @@
           <a:p>
             <a:r>
               <a:rPr lang="en-US" dirty="0" smtClean="0"/>
-              <a:t>Iterations</a:t>
+              <a:t>Control</a:t>
             </a:r>
             <a:endParaRPr lang="en-US" dirty="0"/>
           </a:p>
@@ -10017,7 +9896,7 @@
       </p:sp>
       <p:sp>
         <p:nvSpPr>
-          <p:cNvPr id="3" name="Content Placeholder 2"/>
+          <p:cNvPr id="6" name="Content Placeholder 5"/>
           <p:cNvSpPr>
             <a:spLocks noGrp="1"/>
           </p:cNvSpPr>
@@ -10045,154 +9924,302 @@
                 <a:cs typeface="Courier New"/>
                 <a:hlinkClick r:id="rId3"/>
               </a:rPr>
-              <a:t>cfloop</a:t>
+              <a:t>cfif</a:t>
             </a:r>
             <a:r>
               <a:rPr lang="en-US" sz="2000" dirty="0" smtClean="0">
                 <a:latin typeface="Courier New"/>
                 <a:cs typeface="Courier New"/>
               </a:rPr>
+              <a:t> CONDITION&gt;, &lt;</a:t>
+            </a:r>
+            <a:r>
+              <a:rPr lang="en-US" sz="2000" dirty="0" err="1" smtClean="0">
+                <a:latin typeface="Courier New"/>
+                <a:cs typeface="Courier New"/>
+                <a:hlinkClick r:id="rId4"/>
+              </a:rPr>
+              <a:t>cfelseif</a:t>
+            </a:r>
+            <a:r>
+              <a:rPr lang="en-US" sz="2000" dirty="0" smtClean="0">
+                <a:latin typeface="Courier New"/>
+                <a:cs typeface="Courier New"/>
+              </a:rPr>
+              <a:t> CONDITION&gt;, &lt;</a:t>
+            </a:r>
+            <a:r>
+              <a:rPr lang="en-US" sz="2000" dirty="0" err="1" smtClean="0">
+                <a:latin typeface="Courier New"/>
+                <a:cs typeface="Courier New"/>
+                <a:hlinkClick r:id="rId5"/>
+              </a:rPr>
+              <a:t>cfelse</a:t>
+            </a:r>
+            <a:r>
+              <a:rPr lang="en-US" sz="2000" dirty="0" smtClean="0">
+                <a:latin typeface="Courier New"/>
+                <a:cs typeface="Courier New"/>
+              </a:rPr>
               <a:t>&gt;</a:t>
             </a:r>
           </a:p>
           <a:p>
+            <a:r>
+              <a:rPr lang="en-US" sz="2000" dirty="0" smtClean="0">
+                <a:latin typeface="Courier New"/>
+                <a:cs typeface="Courier New"/>
+              </a:rPr>
+              <a:t>&lt;</a:t>
+            </a:r>
+            <a:r>
+              <a:rPr lang="en-US" sz="2000" dirty="0" err="1" smtClean="0">
+                <a:latin typeface="Courier New"/>
+                <a:cs typeface="Courier New"/>
+                <a:hlinkClick r:id="rId6"/>
+              </a:rPr>
+              <a:t>cfswitch</a:t>
+            </a:r>
+            <a:r>
+              <a:rPr lang="en-US" sz="2000" dirty="0" smtClean="0">
+                <a:latin typeface="Courier New"/>
+                <a:cs typeface="Courier New"/>
+              </a:rPr>
+              <a:t> expression=“VALUE”&gt;, &lt;</a:t>
+            </a:r>
+            <a:r>
+              <a:rPr lang="en-US" sz="2000" dirty="0" err="1" smtClean="0">
+                <a:latin typeface="Courier New"/>
+                <a:cs typeface="Courier New"/>
+                <a:hlinkClick r:id="rId7"/>
+              </a:rPr>
+              <a:t>cfcase</a:t>
+            </a:r>
+            <a:r>
+              <a:rPr lang="en-US" sz="2000" dirty="0" smtClean="0">
+                <a:latin typeface="Courier New"/>
+                <a:cs typeface="Courier New"/>
+              </a:rPr>
+              <a:t> value=“VALUE</a:t>
+            </a:r>
+            <a:r>
+              <a:rPr lang="en-US" sz="2000" dirty="0">
+                <a:latin typeface="Courier New"/>
+                <a:cs typeface="Courier New"/>
+              </a:rPr>
+              <a:t>”&gt;, &lt;</a:t>
+            </a:r>
+            <a:r>
+              <a:rPr lang="en-US" sz="2000" dirty="0" err="1">
+                <a:latin typeface="Courier New"/>
+                <a:cs typeface="Courier New"/>
+              </a:rPr>
+              <a:t>cfcase</a:t>
+            </a:r>
+            <a:r>
+              <a:rPr lang="en-US" sz="2000" dirty="0">
+                <a:latin typeface="Courier New"/>
+                <a:cs typeface="Courier New"/>
+              </a:rPr>
+              <a:t> value=“</a:t>
+            </a:r>
+            <a:r>
+              <a:rPr lang="en-US" sz="2000" dirty="0" smtClean="0">
+                <a:latin typeface="Courier New"/>
+                <a:cs typeface="Courier New"/>
+              </a:rPr>
+              <a:t>VALUE1,VALUE2”</a:t>
+            </a:r>
+            <a:r>
+              <a:rPr lang="en-US" sz="2000" dirty="0">
+                <a:latin typeface="Courier New"/>
+                <a:cs typeface="Courier New"/>
+              </a:rPr>
+              <a:t>&gt;</a:t>
+            </a:r>
+            <a:r>
+              <a:rPr lang="en-US" sz="2000" dirty="0" smtClean="0">
+                <a:latin typeface="Courier New"/>
+                <a:cs typeface="Courier New"/>
+              </a:rPr>
+              <a:t>, &lt;</a:t>
+            </a:r>
+            <a:r>
+              <a:rPr lang="en-US" sz="2000" dirty="0" err="1" smtClean="0">
+                <a:latin typeface="Courier New"/>
+                <a:cs typeface="Courier New"/>
+                <a:hlinkClick r:id="rId8"/>
+              </a:rPr>
+              <a:t>cfdefaultcase</a:t>
+            </a:r>
+            <a:r>
+              <a:rPr lang="en-US" sz="2000" dirty="0" smtClean="0">
+                <a:latin typeface="Courier New"/>
+                <a:cs typeface="Courier New"/>
+              </a:rPr>
+              <a:t>&gt;</a:t>
+            </a:r>
+          </a:p>
+          <a:p>
+            <a:r>
+              <a:rPr lang="en-US" sz="2000" dirty="0" smtClean="0">
+                <a:latin typeface="Courier New"/>
+                <a:cs typeface="Courier New"/>
+              </a:rPr>
+              <a:t>&lt;</a:t>
+            </a:r>
+            <a:r>
+              <a:rPr lang="en-US" sz="2000" dirty="0" err="1" smtClean="0">
+                <a:latin typeface="Courier New"/>
+                <a:cs typeface="Courier New"/>
+                <a:hlinkClick r:id="rId9"/>
+              </a:rPr>
+              <a:t>cftry</a:t>
+            </a:r>
+            <a:r>
+              <a:rPr lang="en-US" sz="2000" dirty="0" smtClean="0">
+                <a:latin typeface="Courier New"/>
+                <a:cs typeface="Courier New"/>
+              </a:rPr>
+              <a:t>&gt;, &lt;</a:t>
+            </a:r>
+            <a:r>
+              <a:rPr lang="en-US" sz="2000" dirty="0" err="1" smtClean="0">
+                <a:latin typeface="Courier New"/>
+                <a:cs typeface="Courier New"/>
+                <a:hlinkClick r:id="rId10"/>
+              </a:rPr>
+              <a:t>cfcatch</a:t>
+            </a:r>
+            <a:r>
+              <a:rPr lang="en-US" sz="2000" dirty="0" smtClean="0">
+                <a:latin typeface="Courier New"/>
+                <a:cs typeface="Courier New"/>
+              </a:rPr>
+              <a:t> type=“TYPE”&gt;, &lt;</a:t>
+            </a:r>
+            <a:r>
+              <a:rPr lang="en-US" sz="2000" dirty="0" err="1" smtClean="0">
+                <a:latin typeface="Courier New"/>
+                <a:cs typeface="Courier New"/>
+                <a:hlinkClick r:id="rId11"/>
+              </a:rPr>
+              <a:t>cffinally</a:t>
+            </a:r>
+            <a:r>
+              <a:rPr lang="en-US" sz="2000" dirty="0" smtClean="0">
+                <a:latin typeface="Courier New"/>
+                <a:cs typeface="Courier New"/>
+              </a:rPr>
+              <a:t>&gt;</a:t>
+            </a:r>
+          </a:p>
+          <a:p>
             <a:pPr lvl="1"/>
             <a:r>
-              <a:rPr lang="en-US" dirty="0" smtClean="0"/>
-              <a:t>Types of loops</a:t>
-            </a:r>
-          </a:p>
-          <a:p>
-            <a:pPr lvl="2"/>
-            <a:r>
-              <a:rPr lang="en-US" dirty="0" smtClean="0"/>
-              <a:t>Numeric: from, </a:t>
-            </a:r>
-            <a:r>
-              <a:rPr lang="en-US" dirty="0"/>
-              <a:t>to, step, index</a:t>
-            </a:r>
-            <a:endParaRPr lang="en-US" dirty="0" smtClean="0"/>
-          </a:p>
-          <a:p>
-            <a:pPr lvl="2"/>
-            <a:r>
-              <a:rPr lang="en-US" dirty="0" smtClean="0"/>
-              <a:t>Condition: condition</a:t>
-            </a:r>
-          </a:p>
-          <a:p>
-            <a:pPr lvl="2"/>
-            <a:r>
-              <a:rPr lang="en-US" dirty="0" smtClean="0"/>
-              <a:t>Array: array, index</a:t>
-            </a:r>
-          </a:p>
-          <a:p>
-            <a:pPr lvl="2"/>
-            <a:r>
-              <a:rPr lang="en-US" dirty="0" smtClean="0"/>
-              <a:t>List: list, index, delimiters</a:t>
-            </a:r>
-          </a:p>
-          <a:p>
-            <a:pPr lvl="2"/>
-            <a:r>
-              <a:rPr lang="en-US" dirty="0" smtClean="0"/>
-              <a:t>Collection: collection, item</a:t>
-            </a:r>
-          </a:p>
-          <a:p>
-            <a:pPr lvl="2"/>
-            <a:r>
-              <a:rPr lang="en-US" dirty="0" smtClean="0"/>
-              <a:t>Query: query, </a:t>
+              <a:rPr lang="en-US" sz="2000" dirty="0" smtClean="0">
+                <a:latin typeface="Courier New"/>
+                <a:cs typeface="Courier New"/>
+              </a:rPr>
+              <a:t>&lt;</a:t>
+            </a:r>
+            <a:r>
+              <a:rPr lang="en-US" sz="2000" dirty="0" err="1" smtClean="0">
+                <a:latin typeface="Courier New"/>
+                <a:cs typeface="Courier New"/>
+              </a:rPr>
+              <a:t>cfcatch</a:t>
+            </a:r>
+            <a:r>
+              <a:rPr lang="en-US" sz="2000" dirty="0" smtClean="0">
+                <a:latin typeface="Courier New"/>
+                <a:cs typeface="Courier New"/>
+              </a:rPr>
+              <a:t>&gt;</a:t>
+            </a:r>
+            <a:r>
+              <a:rPr lang="en-US" dirty="0" smtClean="0"/>
+              <a:t> exposes a special </a:t>
             </a:r>
             <a:r>
               <a:rPr lang="en-US" dirty="0" err="1" smtClean="0"/>
-              <a:t>startrow</a:t>
-            </a:r>
-            <a:r>
-              <a:rPr lang="en-US" dirty="0" smtClean="0"/>
-              <a:t>, </a:t>
-            </a:r>
+              <a:t>cfcatch</a:t>
+            </a:r>
+            <a:r>
+              <a:rPr lang="en-US" dirty="0" smtClean="0"/>
+              <a:t> scope</a:t>
+            </a:r>
+          </a:p>
+          <a:p>
+            <a:r>
+              <a:rPr lang="en-US" sz="2000" dirty="0" smtClean="0">
+                <a:latin typeface="Courier New"/>
+                <a:cs typeface="Courier New"/>
+              </a:rPr>
+              <a:t>&lt;</a:t>
+            </a:r>
+            <a:r>
+              <a:rPr lang="en-US" sz="2000" dirty="0" err="1" smtClean="0">
+                <a:latin typeface="Courier New"/>
+                <a:cs typeface="Courier New"/>
+                <a:hlinkClick r:id="rId12"/>
+              </a:rPr>
+              <a:t>cflocation</a:t>
+            </a:r>
+            <a:r>
+              <a:rPr lang="en-US" sz="2000" dirty="0" smtClean="0">
+                <a:latin typeface="Courier New"/>
+                <a:cs typeface="Courier New"/>
+              </a:rPr>
+              <a:t> </a:t>
+            </a:r>
+            <a:r>
+              <a:rPr lang="en-US" sz="2000" dirty="0" err="1" smtClean="0">
+                <a:latin typeface="Courier New"/>
+                <a:cs typeface="Courier New"/>
+              </a:rPr>
+              <a:t>url</a:t>
+            </a:r>
+            <a:r>
+              <a:rPr lang="en-US" sz="2000" dirty="0" smtClean="0">
+                <a:latin typeface="Courier New"/>
+                <a:cs typeface="Courier New"/>
+              </a:rPr>
+              <a:t>=“URL” </a:t>
+            </a:r>
+            <a:r>
+              <a:rPr lang="en-US" sz="2000" dirty="0" err="1" smtClean="0">
+                <a:latin typeface="Courier New"/>
+                <a:cs typeface="Courier New"/>
+              </a:rPr>
+              <a:t>addtoken</a:t>
+            </a:r>
+            <a:r>
+              <a:rPr lang="en-US" sz="2000" dirty="0" smtClean="0">
+                <a:latin typeface="Courier New"/>
+                <a:cs typeface="Courier New"/>
+              </a:rPr>
+              <a:t>=“BOOLEAN”&gt;</a:t>
+            </a:r>
+          </a:p>
+          <a:p>
+            <a:pPr lvl="1"/>
             <a:r>
               <a:rPr lang="en-US" dirty="0" err="1" smtClean="0"/>
-              <a:t>endrow</a:t>
-            </a:r>
-            <a:endParaRPr lang="en-US" dirty="0" smtClean="0"/>
-          </a:p>
-          <a:p>
-            <a:pPr lvl="2"/>
-            <a:r>
-              <a:rPr lang="en-US" dirty="0"/>
-              <a:t>File: file, index, </a:t>
-            </a:r>
-            <a:r>
-              <a:rPr lang="en-US" dirty="0" smtClean="0"/>
-              <a:t>characters</a:t>
-            </a:r>
-          </a:p>
-          <a:p>
-            <a:pPr lvl="1"/>
-            <a:r>
-              <a:rPr lang="en-US" sz="2000" dirty="0" smtClean="0">
-                <a:latin typeface="Courier New"/>
-                <a:cs typeface="Courier New"/>
-              </a:rPr>
-              <a:t>&lt;</a:t>
-            </a:r>
-            <a:r>
-              <a:rPr lang="en-US" sz="2000" dirty="0" err="1" smtClean="0">
-                <a:latin typeface="Courier New"/>
-                <a:cs typeface="Courier New"/>
-                <a:hlinkClick r:id="rId4"/>
-              </a:rPr>
-              <a:t>cfbreak</a:t>
-            </a:r>
-            <a:r>
-              <a:rPr lang="en-US" sz="2000" dirty="0" smtClean="0">
-                <a:latin typeface="Courier New"/>
-                <a:cs typeface="Courier New"/>
-              </a:rPr>
-              <a:t>&gt;</a:t>
-            </a:r>
-          </a:p>
-          <a:p>
-            <a:pPr lvl="1"/>
-            <a:r>
-              <a:rPr lang="en-US" sz="2000" dirty="0" smtClean="0">
-                <a:latin typeface="Courier New"/>
-                <a:cs typeface="Courier New"/>
-              </a:rPr>
-              <a:t>&lt;</a:t>
-            </a:r>
-            <a:r>
-              <a:rPr lang="en-US" sz="2000" dirty="0" err="1" smtClean="0">
-                <a:latin typeface="Courier New"/>
-                <a:cs typeface="Courier New"/>
-                <a:hlinkClick r:id="rId5"/>
-              </a:rPr>
-              <a:t>cfcontinue</a:t>
-            </a:r>
-            <a:r>
-              <a:rPr lang="en-US" sz="2000" dirty="0" smtClean="0">
-                <a:latin typeface="Courier New"/>
-                <a:cs typeface="Courier New"/>
-              </a:rPr>
-              <a:t>&gt;</a:t>
-            </a:r>
-            <a:endParaRPr lang="en-US" sz="2000" dirty="0">
-              <a:latin typeface="Courier New"/>
-              <a:cs typeface="Courier New"/>
-            </a:endParaRPr>
+              <a:t>addtoken</a:t>
+            </a:r>
+            <a:r>
+              <a:rPr lang="en-US" dirty="0" smtClean="0"/>
+              <a:t> = “true” adds session tokens to URL</a:t>
+            </a:r>
+            <a:endParaRPr lang="en-US" dirty="0"/>
           </a:p>
         </p:txBody>
       </p:sp>
     </p:spTree>
     <p:extLst>
       <p:ext uri="{BB962C8B-B14F-4D97-AF65-F5344CB8AC3E}">
-        <p14:creationId xmlns:p14="http://schemas.microsoft.com/office/powerpoint/2010/main" val="3196592386"/>
+        <p14:creationId xmlns:p14="http://schemas.microsoft.com/office/powerpoint/2010/main" val="2696741995"/>
       </p:ext>
     </p:extLst>
   </p:cSld>
@@ -10236,7 +10263,7 @@
           <a:p>
             <a:r>
               <a:rPr lang="en-US" dirty="0" smtClean="0"/>
-              <a:t>Content</a:t>
+              <a:t>Iterations</a:t>
             </a:r>
             <a:endParaRPr lang="en-US" dirty="0"/>
           </a:p>
@@ -10255,7 +10282,7 @@
         <p:spPr/>
         <p:txBody>
           <a:bodyPr>
-            <a:normAutofit fontScale="92500" lnSpcReduction="20000"/>
+            <a:normAutofit/>
           </a:bodyPr>
           <a:lstStyle/>
           <a:p>
@@ -10267,213 +10294,159 @@
               <a:t>&lt;</a:t>
             </a:r>
             <a:r>
+              <a:rPr lang="en-US" sz="2000" dirty="0" err="1" smtClean="0">
+                <a:latin typeface="Courier New"/>
+                <a:cs typeface="Courier New"/>
+                <a:hlinkClick r:id="rId3"/>
+              </a:rPr>
+              <a:t>cfloop</a:t>
+            </a:r>
+            <a:r>
               <a:rPr lang="en-US" sz="2000" dirty="0" smtClean="0">
                 <a:latin typeface="Courier New"/>
                 <a:cs typeface="Courier New"/>
-                <a:hlinkClick r:id="rId3"/>
-              </a:rPr>
-              <a:t>cfdirectory</a:t>
-            </a:r>
+              </a:rPr>
+              <a:t>&gt;</a:t>
+            </a:r>
+          </a:p>
+          <a:p>
+            <a:pPr lvl="1"/>
+            <a:r>
+              <a:rPr lang="en-US" dirty="0" smtClean="0"/>
+              <a:t>Types of loops</a:t>
+            </a:r>
+          </a:p>
+          <a:p>
+            <a:pPr lvl="2"/>
+            <a:r>
+              <a:rPr lang="en-US" dirty="0" smtClean="0"/>
+              <a:t>Numeric: from, </a:t>
+            </a:r>
+            <a:r>
+              <a:rPr lang="en-US" dirty="0"/>
+              <a:t>to, step, index</a:t>
+            </a:r>
+            <a:endParaRPr lang="en-US" dirty="0" smtClean="0"/>
+          </a:p>
+          <a:p>
+            <a:pPr lvl="2"/>
+            <a:r>
+              <a:rPr lang="en-US" dirty="0" smtClean="0"/>
+              <a:t>Condition: condition</a:t>
+            </a:r>
+          </a:p>
+          <a:p>
+            <a:pPr lvl="2"/>
+            <a:r>
+              <a:rPr lang="en-US" dirty="0" smtClean="0"/>
+              <a:t>Array: array, index</a:t>
+            </a:r>
+          </a:p>
+          <a:p>
+            <a:pPr lvl="2"/>
+            <a:r>
+              <a:rPr lang="en-US" dirty="0" smtClean="0"/>
+              <a:t>List: list, index, delimiters</a:t>
+            </a:r>
+          </a:p>
+          <a:p>
+            <a:pPr lvl="2"/>
+            <a:r>
+              <a:rPr lang="en-US" dirty="0" smtClean="0"/>
+              <a:t>Collection: collection, item</a:t>
+            </a:r>
+          </a:p>
+          <a:p>
+            <a:pPr lvl="2"/>
+            <a:r>
+              <a:rPr lang="en-US" dirty="0" smtClean="0"/>
+              <a:t>Query: query, </a:t>
+            </a:r>
+            <a:r>
+              <a:rPr lang="en-US" dirty="0" err="1" smtClean="0"/>
+              <a:t>startrow</a:t>
+            </a:r>
+            <a:r>
+              <a:rPr lang="en-US" dirty="0" smtClean="0"/>
+              <a:t>, </a:t>
+            </a:r>
+            <a:r>
+              <a:rPr lang="en-US" dirty="0" err="1" smtClean="0"/>
+              <a:t>endrow</a:t>
+            </a:r>
+            <a:endParaRPr lang="en-US" dirty="0" smtClean="0"/>
+          </a:p>
+          <a:p>
+            <a:pPr lvl="2"/>
+            <a:r>
+              <a:rPr lang="en-US" dirty="0"/>
+              <a:t>File: file, index, </a:t>
+            </a:r>
+            <a:r>
+              <a:rPr lang="en-US" dirty="0" smtClean="0"/>
+              <a:t>characters</a:t>
+            </a:r>
+          </a:p>
+          <a:p>
+            <a:pPr lvl="1"/>
             <a:r>
               <a:rPr lang="en-US" sz="2000" dirty="0" smtClean="0">
                 <a:latin typeface="Courier New"/>
                 <a:cs typeface="Courier New"/>
               </a:rPr>
-              <a:t> action=“ACTION” directory=“REAL PATH” name=“NAME”&gt;</a:t>
+              <a:t>&lt;</a:t>
+            </a:r>
+            <a:r>
+              <a:rPr lang="en-US" sz="2000" dirty="0" err="1" smtClean="0">
+                <a:latin typeface="Courier New"/>
+                <a:cs typeface="Courier New"/>
+                <a:hlinkClick r:id="rId4"/>
+              </a:rPr>
+              <a:t>cfbreak</a:t>
+            </a:r>
+            <a:r>
+              <a:rPr lang="en-US" sz="2000" dirty="0" smtClean="0">
+                <a:latin typeface="Courier New"/>
+                <a:cs typeface="Courier New"/>
+              </a:rPr>
+              <a:t>&gt;</a:t>
             </a:r>
           </a:p>
           <a:p>
             <a:pPr lvl="1"/>
             <a:r>
-              <a:rPr lang="en-US" dirty="0" smtClean="0"/>
-              <a:t>Actions: list, create, rename, delete</a:t>
-            </a:r>
-          </a:p>
-          <a:p>
-            <a:r>
-              <a:rPr lang="en-US" sz="2200" dirty="0" smtClean="0">
+              <a:rPr lang="en-US" sz="2000" dirty="0" smtClean="0">
                 <a:latin typeface="Courier New"/>
                 <a:cs typeface="Courier New"/>
               </a:rPr>
               <a:t>&lt;</a:t>
             </a:r>
             <a:r>
-              <a:rPr lang="en-US" sz="2200" dirty="0" smtClean="0">
-                <a:latin typeface="Courier New"/>
-                <a:cs typeface="Courier New"/>
-                <a:hlinkClick r:id="rId4"/>
-              </a:rPr>
-              <a:t>cfhttp</a:t>
-            </a:r>
-            <a:r>
-              <a:rPr lang="en-US" sz="2200" dirty="0" smtClean="0">
-                <a:latin typeface="Courier New"/>
-                <a:cs typeface="Courier New"/>
-              </a:rPr>
-              <a:t> </a:t>
-            </a:r>
-            <a:r>
-              <a:rPr lang="en-US" sz="2200" dirty="0" err="1" smtClean="0">
-                <a:latin typeface="Courier New"/>
-                <a:cs typeface="Courier New"/>
-              </a:rPr>
-              <a:t>url</a:t>
-            </a:r>
-            <a:r>
-              <a:rPr lang="en-US" sz="2200" dirty="0" smtClean="0">
-                <a:latin typeface="Courier New"/>
-                <a:cs typeface="Courier New"/>
-              </a:rPr>
-              <a:t>=“URL”&gt;, &lt;</a:t>
-            </a:r>
-            <a:r>
-              <a:rPr lang="en-US" sz="2200" dirty="0" smtClean="0">
+              <a:rPr lang="en-US" sz="2000" dirty="0" err="1" smtClean="0">
                 <a:latin typeface="Courier New"/>
                 <a:cs typeface="Courier New"/>
                 <a:hlinkClick r:id="rId5"/>
               </a:rPr>
-              <a:t>cfhttpparam</a:t>
-            </a:r>
-            <a:r>
-              <a:rPr lang="en-US" sz="2200" dirty="0" smtClean="0">
-                <a:latin typeface="Courier New"/>
-                <a:cs typeface="Courier New"/>
-              </a:rPr>
-              <a:t> type=“TYPE” value=“VALUE” name=“NAME”&gt;</a:t>
-            </a:r>
-          </a:p>
-          <a:p>
-            <a:pPr lvl="1"/>
-            <a:r>
-              <a:rPr lang="en-US" dirty="0" smtClean="0"/>
-              <a:t>Exposes a special </a:t>
-            </a:r>
-            <a:r>
-              <a:rPr lang="en-US" dirty="0" err="1" smtClean="0"/>
-              <a:t>cfhttp</a:t>
-            </a:r>
-            <a:r>
-              <a:rPr lang="en-US" dirty="0" smtClean="0"/>
-              <a:t> scope</a:t>
-            </a:r>
-          </a:p>
-          <a:p>
-            <a:pPr lvl="1"/>
-            <a:r>
-              <a:rPr lang="en-US" sz="1900" dirty="0" smtClean="0">
-                <a:latin typeface="Courier New"/>
-                <a:cs typeface="Courier New"/>
-              </a:rPr>
-              <a:t>&lt;</a:t>
-            </a:r>
-            <a:r>
-              <a:rPr lang="en-US" sz="1900" dirty="0" err="1" smtClean="0">
-                <a:latin typeface="Courier New"/>
-                <a:cs typeface="Courier New"/>
-              </a:rPr>
-              <a:t>cfhttpparam</a:t>
-            </a:r>
-            <a:r>
-              <a:rPr lang="en-US" sz="1900" dirty="0" smtClean="0">
+              <a:t>cfcontinue</a:t>
+            </a:r>
+            <a:r>
+              <a:rPr lang="en-US" sz="2000" dirty="0" smtClean="0">
                 <a:latin typeface="Courier New"/>
                 <a:cs typeface="Courier New"/>
               </a:rPr>
               <a:t>&gt;</a:t>
             </a:r>
-            <a:r>
-              <a:rPr lang="en-US" dirty="0" smtClean="0"/>
-              <a:t> types are</a:t>
-            </a:r>
-            <a:r>
-              <a:rPr lang="en-US" dirty="0"/>
-              <a:t>: </a:t>
-            </a:r>
-            <a:r>
-              <a:rPr lang="en-US" dirty="0" err="1"/>
-              <a:t>url</a:t>
-            </a:r>
-            <a:r>
-              <a:rPr lang="en-US" dirty="0"/>
-              <a:t>, </a:t>
-            </a:r>
-            <a:r>
-              <a:rPr lang="en-US" dirty="0" err="1"/>
-              <a:t>formfield</a:t>
-            </a:r>
-            <a:r>
-              <a:rPr lang="en-US" dirty="0"/>
-              <a:t>, </a:t>
-            </a:r>
-            <a:r>
-              <a:rPr lang="en-US" dirty="0" err="1"/>
-              <a:t>cgi</a:t>
-            </a:r>
-            <a:r>
-              <a:rPr lang="en-US" dirty="0"/>
-              <a:t>, body, xml, header, cookie, file</a:t>
-            </a:r>
-            <a:endParaRPr lang="en-US" dirty="0" smtClean="0"/>
-          </a:p>
-          <a:p>
-            <a:r>
-              <a:rPr lang="en-US" sz="2100" dirty="0">
-                <a:latin typeface="Courier New"/>
-                <a:cs typeface="Courier New"/>
-              </a:rPr>
-              <a:t>&lt;</a:t>
-            </a:r>
-            <a:r>
-              <a:rPr lang="en-US" sz="2100" dirty="0" smtClean="0">
-                <a:latin typeface="Courier New"/>
-                <a:cs typeface="Courier New"/>
-                <a:hlinkClick r:id="rId6"/>
-              </a:rPr>
-              <a:t>cffile</a:t>
-            </a:r>
-            <a:r>
-              <a:rPr lang="en-US" sz="2100" dirty="0" smtClean="0">
-                <a:latin typeface="Courier New"/>
-                <a:cs typeface="Courier New"/>
-              </a:rPr>
-              <a:t> action=“ACTION” file=“REAL PATH” variable=“NAME”&gt;</a:t>
-            </a:r>
-          </a:p>
-          <a:p>
-            <a:pPr lvl="1"/>
-            <a:r>
-              <a:rPr lang="en-US" dirty="0" smtClean="0"/>
-              <a:t>Actions: read, </a:t>
-            </a:r>
-            <a:r>
-              <a:rPr lang="en-US" dirty="0" err="1" smtClean="0"/>
-              <a:t>readbinary</a:t>
-            </a:r>
-            <a:r>
-              <a:rPr lang="en-US" dirty="0" smtClean="0"/>
-              <a:t>, write, append, delete, rename, upload, copy, move</a:t>
-            </a:r>
-          </a:p>
-          <a:p>
-            <a:pPr lvl="1"/>
-            <a:r>
-              <a:rPr lang="en-US" dirty="0" smtClean="0"/>
-              <a:t>Exposes a special </a:t>
-            </a:r>
-            <a:r>
-              <a:rPr lang="en-US" dirty="0" err="1" smtClean="0"/>
-              <a:t>cffile</a:t>
-            </a:r>
-            <a:r>
-              <a:rPr lang="en-US" dirty="0" smtClean="0"/>
-              <a:t> scope (sometimes)</a:t>
-            </a:r>
+            <a:endParaRPr lang="en-US" sz="2000" dirty="0">
+              <a:latin typeface="Courier New"/>
+              <a:cs typeface="Courier New"/>
+            </a:endParaRPr>
           </a:p>
         </p:txBody>
       </p:sp>
     </p:spTree>
     <p:extLst>
       <p:ext uri="{BB962C8B-B14F-4D97-AF65-F5344CB8AC3E}">
-        <p14:creationId xmlns:p14="http://schemas.microsoft.com/office/powerpoint/2010/main" val="2652134881"/>
+        <p14:creationId xmlns:p14="http://schemas.microsoft.com/office/powerpoint/2010/main" val="3196592386"/>
       </p:ext>
     </p:extLst>
   </p:cSld>
@@ -10517,7 +10490,7 @@
           <a:p>
             <a:r>
               <a:rPr lang="en-US" dirty="0" smtClean="0"/>
-              <a:t>Database Content</a:t>
+              <a:t>Content</a:t>
             </a:r>
             <a:endParaRPr lang="en-US" dirty="0"/>
           </a:p>
@@ -10536,249 +10509,225 @@
         <p:spPr/>
         <p:txBody>
           <a:bodyPr>
-            <a:normAutofit fontScale="70000" lnSpcReduction="20000"/>
+            <a:normAutofit fontScale="92500" lnSpcReduction="20000"/>
           </a:bodyPr>
           <a:lstStyle/>
           <a:p>
             <a:r>
+              <a:rPr lang="en-US" sz="2000" dirty="0" smtClean="0">
+                <a:latin typeface="Courier New"/>
+                <a:cs typeface="Courier New"/>
+              </a:rPr>
+              <a:t>&lt;</a:t>
+            </a:r>
+            <a:r>
+              <a:rPr lang="en-US" sz="2000" dirty="0" smtClean="0">
+                <a:latin typeface="Courier New"/>
+                <a:cs typeface="Courier New"/>
+                <a:hlinkClick r:id="rId3"/>
+              </a:rPr>
+              <a:t>cfdirectory</a:t>
+            </a:r>
+            <a:r>
+              <a:rPr lang="en-US" sz="2000" dirty="0" smtClean="0">
+                <a:latin typeface="Courier New"/>
+                <a:cs typeface="Courier New"/>
+              </a:rPr>
+              <a:t> action=“ACTION” directory=“REAL PATH” name=“NAME”&gt;</a:t>
+            </a:r>
+          </a:p>
+          <a:p>
+            <a:pPr lvl="1"/>
+            <a:r>
+              <a:rPr lang="en-US" dirty="0" smtClean="0"/>
+              <a:t>Actions: list, create, rename, delete</a:t>
+            </a:r>
+          </a:p>
+          <a:p>
+            <a:r>
+              <a:rPr lang="en-US" sz="2200" dirty="0" smtClean="0">
+                <a:latin typeface="Courier New"/>
+                <a:cs typeface="Courier New"/>
+              </a:rPr>
+              <a:t>&lt;</a:t>
+            </a:r>
+            <a:r>
+              <a:rPr lang="en-US" sz="2200" dirty="0" smtClean="0">
+                <a:latin typeface="Courier New"/>
+                <a:cs typeface="Courier New"/>
+                <a:hlinkClick r:id="rId4"/>
+              </a:rPr>
+              <a:t>cfhttp</a:t>
+            </a:r>
+            <a:r>
+              <a:rPr lang="en-US" sz="2200" dirty="0" smtClean="0">
+                <a:latin typeface="Courier New"/>
+                <a:cs typeface="Courier New"/>
+              </a:rPr>
+              <a:t> </a:t>
+            </a:r>
+            <a:r>
+              <a:rPr lang="en-US" sz="2200" dirty="0" err="1" smtClean="0">
+                <a:latin typeface="Courier New"/>
+                <a:cs typeface="Courier New"/>
+              </a:rPr>
+              <a:t>url</a:t>
+            </a:r>
+            <a:r>
+              <a:rPr lang="en-US" sz="2200" dirty="0" smtClean="0">
+                <a:latin typeface="Courier New"/>
+                <a:cs typeface="Courier New"/>
+              </a:rPr>
+              <a:t>=“URL”&gt;, &lt;</a:t>
+            </a:r>
+            <a:r>
+              <a:rPr lang="en-US" sz="2200" dirty="0" smtClean="0">
+                <a:latin typeface="Courier New"/>
+                <a:cs typeface="Courier New"/>
+                <a:hlinkClick r:id="rId5"/>
+              </a:rPr>
+              <a:t>cfhttpparam</a:t>
+            </a:r>
+            <a:r>
+              <a:rPr lang="en-US" sz="2200" dirty="0" smtClean="0">
+                <a:latin typeface="Courier New"/>
+                <a:cs typeface="Courier New"/>
+              </a:rPr>
+              <a:t> type=“TYPE” value=“VALUE” name=“NAME”&gt;</a:t>
+            </a:r>
+          </a:p>
+          <a:p>
+            <a:pPr lvl="1"/>
+            <a:r>
+              <a:rPr lang="en-US" dirty="0" smtClean="0"/>
+              <a:t>Exposes a special </a:t>
+            </a:r>
+            <a:r>
               <a:rPr lang="en-US" dirty="0" err="1" smtClean="0"/>
-              <a:t>Datasources</a:t>
-            </a:r>
-            <a:r>
-              <a:rPr lang="en-US" dirty="0" smtClean="0"/>
-              <a:t> are setup in administrator (no </a:t>
-            </a:r>
-            <a:r>
-              <a:rPr lang="en-US" dirty="0" smtClean="0"/>
-              <a:t>connection strings)</a:t>
+              <a:t>cfhttp</a:t>
+            </a:r>
+            <a:r>
+              <a:rPr lang="en-US" dirty="0" smtClean="0"/>
+              <a:t> scope</a:t>
+            </a:r>
+          </a:p>
+          <a:p>
+            <a:pPr lvl="1"/>
+            <a:r>
+              <a:rPr lang="en-US" sz="1900" dirty="0" smtClean="0">
+                <a:latin typeface="Courier New"/>
+                <a:cs typeface="Courier New"/>
+              </a:rPr>
+              <a:t>&lt;</a:t>
+            </a:r>
+            <a:r>
+              <a:rPr lang="en-US" sz="1900" dirty="0" err="1" smtClean="0">
+                <a:latin typeface="Courier New"/>
+                <a:cs typeface="Courier New"/>
+              </a:rPr>
+              <a:t>cfhttpparam</a:t>
+            </a:r>
+            <a:r>
+              <a:rPr lang="en-US" sz="1900" dirty="0" smtClean="0">
+                <a:latin typeface="Courier New"/>
+                <a:cs typeface="Courier New"/>
+              </a:rPr>
+              <a:t>&gt;</a:t>
+            </a:r>
+            <a:r>
+              <a:rPr lang="en-US" dirty="0" smtClean="0"/>
+              <a:t> types are</a:t>
+            </a:r>
+            <a:r>
+              <a:rPr lang="en-US" dirty="0"/>
+              <a:t>: </a:t>
+            </a:r>
+            <a:r>
+              <a:rPr lang="en-US" dirty="0" err="1"/>
+              <a:t>url</a:t>
+            </a:r>
+            <a:r>
+              <a:rPr lang="en-US" dirty="0"/>
+              <a:t>, </a:t>
+            </a:r>
+            <a:r>
+              <a:rPr lang="en-US" dirty="0" err="1"/>
+              <a:t>formfield</a:t>
+            </a:r>
+            <a:r>
+              <a:rPr lang="en-US" dirty="0"/>
+              <a:t>, </a:t>
+            </a:r>
+            <a:r>
+              <a:rPr lang="en-US" dirty="0" err="1"/>
+              <a:t>cgi</a:t>
+            </a:r>
+            <a:r>
+              <a:rPr lang="en-US" dirty="0"/>
+              <a:t>, body, xml, header, cookie, file</a:t>
             </a:r>
             <a:endParaRPr lang="en-US" dirty="0" smtClean="0"/>
           </a:p>
           <a:p>
             <a:r>
-              <a:rPr lang="en-US" sz="2300" dirty="0" smtClean="0">
+              <a:rPr lang="en-US" sz="2100" dirty="0">
                 <a:latin typeface="Courier New"/>
                 <a:cs typeface="Courier New"/>
               </a:rPr>
               <a:t>&lt;</a:t>
             </a:r>
             <a:r>
-              <a:rPr lang="en-US" sz="2300" dirty="0" smtClean="0">
-                <a:latin typeface="Courier New"/>
-                <a:cs typeface="Courier New"/>
-                <a:hlinkClick r:id="rId3"/>
-              </a:rPr>
-              <a:t>cfquery</a:t>
-            </a:r>
-            <a:r>
-              <a:rPr lang="en-US" sz="2300" dirty="0" smtClean="0">
-                <a:latin typeface="Courier New"/>
-                <a:cs typeface="Courier New"/>
-              </a:rPr>
-              <a:t> </a:t>
-            </a:r>
-            <a:r>
-              <a:rPr lang="en-US" sz="2300" dirty="0" err="1" smtClean="0">
-                <a:latin typeface="Courier New"/>
-                <a:cs typeface="Courier New"/>
-              </a:rPr>
-              <a:t>datasource</a:t>
-            </a:r>
-            <a:r>
-              <a:rPr lang="en-US" sz="2300" dirty="0" smtClean="0">
-                <a:latin typeface="Courier New"/>
-                <a:cs typeface="Courier New"/>
-              </a:rPr>
-              <a:t>=“DSN” name=“NAME” </a:t>
-            </a:r>
-            <a:r>
-              <a:rPr lang="en-US" sz="2300" dirty="0" err="1" smtClean="0">
-                <a:latin typeface="Courier New"/>
-                <a:cs typeface="Courier New"/>
-              </a:rPr>
-              <a:t>cachedwithin</a:t>
-            </a:r>
-            <a:r>
-              <a:rPr lang="en-US" sz="2300" dirty="0" smtClean="0">
-                <a:latin typeface="Courier New"/>
-                <a:cs typeface="Courier New"/>
-              </a:rPr>
-              <a:t>=“TIME SPAN”&gt;</a:t>
+              <a:rPr lang="en-US" sz="2100" dirty="0" smtClean="0">
+                <a:latin typeface="Courier New"/>
+                <a:cs typeface="Courier New"/>
+                <a:hlinkClick r:id="rId6"/>
+              </a:rPr>
+              <a:t>cffile</a:t>
+            </a:r>
+            <a:r>
+              <a:rPr lang="en-US" sz="2100" dirty="0" smtClean="0">
+                <a:latin typeface="Courier New"/>
+                <a:cs typeface="Courier New"/>
+              </a:rPr>
+              <a:t> action=“ACTION” file=“REAL PATH” variable=“NAME”&gt;</a:t>
             </a:r>
           </a:p>
           <a:p>
             <a:pPr lvl="1"/>
             <a:r>
               <a:rPr lang="en-US" dirty="0" smtClean="0"/>
-              <a:t>Create a timespan using </a:t>
+              <a:t>Actions: read, </a:t>
             </a:r>
             <a:r>
               <a:rPr lang="en-US" dirty="0" err="1" smtClean="0"/>
-              <a:t>CreateTimespan</a:t>
-            </a:r>
-            <a:r>
-              <a:rPr lang="en-US" dirty="0" smtClean="0"/>
-              <a:t>()</a:t>
+              <a:t>readbinary</a:t>
+            </a:r>
+            <a:r>
+              <a:rPr lang="en-US" dirty="0" smtClean="0"/>
+              <a:t>, write, append, delete, rename, upload, copy, move</a:t>
             </a:r>
           </a:p>
           <a:p>
             <a:pPr lvl="1"/>
             <a:r>
               <a:rPr lang="en-US" dirty="0" smtClean="0"/>
-              <a:t>Returns special query object called NAME</a:t>
-            </a:r>
-          </a:p>
-          <a:p>
-            <a:pPr lvl="1"/>
-            <a:r>
-              <a:rPr lang="en-US" dirty="0" smtClean="0"/>
-              <a:t>Query has records, but also properties: </a:t>
+              <a:t>Exposes a special </a:t>
             </a:r>
             <a:r>
               <a:rPr lang="en-US" dirty="0" err="1" smtClean="0"/>
-              <a:t>RecordCount</a:t>
-            </a:r>
-            <a:r>
-              <a:rPr lang="en-US" dirty="0" smtClean="0"/>
-              <a:t>, </a:t>
-            </a:r>
-            <a:r>
-              <a:rPr lang="en-US" dirty="0" err="1" smtClean="0"/>
-              <a:t>CurrentRow</a:t>
-            </a:r>
-            <a:r>
-              <a:rPr lang="en-US" dirty="0" smtClean="0"/>
-              <a:t>, </a:t>
-            </a:r>
-            <a:r>
-              <a:rPr lang="en-US" dirty="0" err="1" smtClean="0"/>
-              <a:t>ColumnList</a:t>
-            </a:r>
-            <a:endParaRPr lang="en-US" dirty="0" smtClean="0"/>
-          </a:p>
-          <a:p>
-            <a:r>
-              <a:rPr lang="en-US" sz="2300" dirty="0" smtClean="0">
-                <a:latin typeface="Courier New"/>
-                <a:cs typeface="Courier New"/>
-              </a:rPr>
-              <a:t>&lt;</a:t>
-            </a:r>
-            <a:r>
-              <a:rPr lang="en-US" sz="2300" dirty="0" smtClean="0">
-                <a:latin typeface="Courier New"/>
-                <a:cs typeface="Courier New"/>
-                <a:hlinkClick r:id="rId4"/>
-              </a:rPr>
-              <a:t>cfqueryparam</a:t>
-            </a:r>
-            <a:r>
-              <a:rPr lang="en-US" sz="2300" dirty="0" smtClean="0">
-                <a:latin typeface="Courier New"/>
-                <a:cs typeface="Courier New"/>
-              </a:rPr>
-              <a:t> </a:t>
-            </a:r>
-            <a:r>
-              <a:rPr lang="en-US" sz="2300" dirty="0" err="1" smtClean="0">
-                <a:latin typeface="Courier New"/>
-                <a:cs typeface="Courier New"/>
-              </a:rPr>
-              <a:t>cfsqltype</a:t>
-            </a:r>
-            <a:r>
-              <a:rPr lang="en-US" sz="2300" dirty="0" smtClean="0">
-                <a:latin typeface="Courier New"/>
-                <a:cs typeface="Courier New"/>
-              </a:rPr>
-              <a:t>=“SQL Type” value=“VAL”&gt;</a:t>
-            </a:r>
-          </a:p>
-          <a:p>
-            <a:pPr lvl="1"/>
-            <a:r>
-              <a:rPr lang="en-US" dirty="0" smtClean="0"/>
-              <a:t>SQL Types are </a:t>
-            </a:r>
-            <a:r>
-              <a:rPr lang="en-US" dirty="0" err="1" smtClean="0"/>
-              <a:t>cf_sql</a:t>
-            </a:r>
-            <a:r>
-              <a:rPr lang="en-US" dirty="0" smtClean="0"/>
-              <a:t>_[Type] (e.g. </a:t>
-            </a:r>
-            <a:r>
-              <a:rPr lang="en-US" dirty="0" err="1" smtClean="0"/>
-              <a:t>cf_sql_varchar</a:t>
-            </a:r>
-            <a:r>
-              <a:rPr lang="en-US" dirty="0" smtClean="0"/>
-              <a:t>)</a:t>
-            </a:r>
-          </a:p>
-          <a:p>
-            <a:pPr lvl="1"/>
-            <a:r>
-              <a:rPr lang="en-US" dirty="0" smtClean="0"/>
-              <a:t>Provide a number of security and performance benefits</a:t>
-            </a:r>
-          </a:p>
-          <a:p>
-            <a:pPr lvl="1"/>
-            <a:r>
-              <a:rPr lang="en-US" dirty="0" smtClean="0"/>
-              <a:t>#1 way to protect against SQL injections</a:t>
-            </a:r>
-          </a:p>
-          <a:p>
-            <a:r>
-              <a:rPr lang="en-US" sz="2300" dirty="0" smtClean="0">
-                <a:latin typeface="Courier New"/>
-                <a:cs typeface="Courier New"/>
-              </a:rPr>
-              <a:t>&lt;</a:t>
-            </a:r>
-            <a:r>
-              <a:rPr lang="en-US" sz="2300" dirty="0" err="1" smtClean="0">
-                <a:latin typeface="Courier New"/>
-                <a:cs typeface="Courier New"/>
-                <a:hlinkClick r:id="rId5"/>
-              </a:rPr>
-              <a:t>cftransaction</a:t>
-            </a:r>
-            <a:r>
-              <a:rPr lang="en-US" sz="2300" dirty="0" smtClean="0">
-                <a:latin typeface="Courier New"/>
-                <a:cs typeface="Courier New"/>
-              </a:rPr>
-              <a:t> action=“ACTION”&gt;</a:t>
-            </a:r>
-          </a:p>
-          <a:p>
-            <a:pPr lvl="1"/>
-            <a:r>
-              <a:rPr lang="en-US" dirty="0" smtClean="0"/>
-              <a:t>Action can be: begin, commit, and rollback</a:t>
-            </a:r>
-          </a:p>
-          <a:p>
-            <a:pPr lvl="1"/>
-            <a:r>
-              <a:rPr lang="en-US" dirty="0" smtClean="0"/>
-              <a:t>Allows SQL transactions</a:t>
-            </a:r>
-            <a:endParaRPr lang="en-US" dirty="0"/>
-          </a:p>
-          <a:p>
-            <a:endParaRPr lang="en-US" dirty="0"/>
+              <a:t>cffile</a:t>
+            </a:r>
+            <a:r>
+              <a:rPr lang="en-US" dirty="0" smtClean="0"/>
+              <a:t> scope (sometimes)</a:t>
+            </a:r>
           </a:p>
         </p:txBody>
       </p:sp>
     </p:spTree>
     <p:extLst>
       <p:ext uri="{BB962C8B-B14F-4D97-AF65-F5344CB8AC3E}">
-        <p14:creationId xmlns:p14="http://schemas.microsoft.com/office/powerpoint/2010/main" val="3347231083"/>
+        <p14:creationId xmlns:p14="http://schemas.microsoft.com/office/powerpoint/2010/main" val="2652134881"/>
       </p:ext>
     </p:extLst>
   </p:cSld>
@@ -10807,22 +10756,22 @@
       </p:grpSpPr>
       <p:sp>
         <p:nvSpPr>
-          <p:cNvPr id="4" name="Title 3"/>
-          <p:cNvSpPr>
-            <a:spLocks noGrp="1"/>
-          </p:cNvSpPr>
-          <p:nvPr>
-            <p:ph type="ctrTitle"/>
-          </p:nvPr>
-        </p:nvSpPr>
-        <p:spPr/>
-        <p:txBody>
-          <a:bodyPr/>
-          <a:lstStyle/>
-          <a:p>
-            <a:r>
-              <a:rPr lang="en-US" dirty="0" smtClean="0"/>
-              <a:t>Demo 03</a:t>
+          <p:cNvPr id="2" name="Title 1"/>
+          <p:cNvSpPr>
+            <a:spLocks noGrp="1"/>
+          </p:cNvSpPr>
+          <p:nvPr>
+            <p:ph type="title"/>
+          </p:nvPr>
+        </p:nvSpPr>
+        <p:spPr/>
+        <p:txBody>
+          <a:bodyPr/>
+          <a:lstStyle/>
+          <a:p>
+            <a:r>
+              <a:rPr lang="en-US" dirty="0" smtClean="0"/>
+              <a:t>Database Content</a:t>
             </a:r>
             <a:endParaRPr lang="en-US" dirty="0"/>
           </a:p>
@@ -10830,39 +10779,255 @@
       </p:sp>
       <p:sp>
         <p:nvSpPr>
-          <p:cNvPr id="5" name="Subtitle 4"/>
-          <p:cNvSpPr>
-            <a:spLocks noGrp="1"/>
-          </p:cNvSpPr>
-          <p:nvPr>
-            <p:ph type="subTitle" idx="1"/>
-          </p:nvPr>
-        </p:nvSpPr>
-        <p:spPr/>
-        <p:txBody>
-          <a:bodyPr/>
-          <a:lstStyle/>
-          <a:p>
-            <a:endParaRPr lang="en-US"/>
-          </a:p>
-        </p:txBody>
-      </p:sp>
-      <p:sp>
-        <p:nvSpPr>
-          <p:cNvPr id="6" name="Picture Placeholder 5"/>
-          <p:cNvSpPr>
-            <a:spLocks noGrp="1"/>
-          </p:cNvSpPr>
-          <p:nvPr>
-            <p:ph type="pic" idx="13"/>
-          </p:nvPr>
-        </p:nvSpPr>
-        <p:spPr/>
+          <p:cNvPr id="3" name="Content Placeholder 2"/>
+          <p:cNvSpPr>
+            <a:spLocks noGrp="1"/>
+          </p:cNvSpPr>
+          <p:nvPr>
+            <p:ph idx="1"/>
+          </p:nvPr>
+        </p:nvSpPr>
+        <p:spPr/>
+        <p:txBody>
+          <a:bodyPr>
+            <a:normAutofit fontScale="70000" lnSpcReduction="20000"/>
+          </a:bodyPr>
+          <a:lstStyle/>
+          <a:p>
+            <a:r>
+              <a:rPr lang="en-US" dirty="0" err="1" smtClean="0"/>
+              <a:t>Datasources</a:t>
+            </a:r>
+            <a:r>
+              <a:rPr lang="en-US" dirty="0" smtClean="0"/>
+              <a:t> are setup in administrator (no connection strings)</a:t>
+            </a:r>
+          </a:p>
+          <a:p>
+            <a:r>
+              <a:rPr lang="en-US" sz="2300" dirty="0" smtClean="0">
+                <a:latin typeface="Courier New"/>
+                <a:cs typeface="Courier New"/>
+              </a:rPr>
+              <a:t>&lt;</a:t>
+            </a:r>
+            <a:r>
+              <a:rPr lang="en-US" sz="2300" dirty="0" smtClean="0">
+                <a:latin typeface="Courier New"/>
+                <a:cs typeface="Courier New"/>
+                <a:hlinkClick r:id="rId3"/>
+              </a:rPr>
+              <a:t>cfquery</a:t>
+            </a:r>
+            <a:r>
+              <a:rPr lang="en-US" sz="2300" dirty="0" smtClean="0">
+                <a:latin typeface="Courier New"/>
+                <a:cs typeface="Courier New"/>
+              </a:rPr>
+              <a:t> </a:t>
+            </a:r>
+            <a:r>
+              <a:rPr lang="en-US" sz="2300" dirty="0" err="1" smtClean="0">
+                <a:latin typeface="Courier New"/>
+                <a:cs typeface="Courier New"/>
+              </a:rPr>
+              <a:t>datasource</a:t>
+            </a:r>
+            <a:r>
+              <a:rPr lang="en-US" sz="2300" dirty="0" smtClean="0">
+                <a:latin typeface="Courier New"/>
+                <a:cs typeface="Courier New"/>
+              </a:rPr>
+              <a:t>=“DSN” name=“NAME” </a:t>
+            </a:r>
+            <a:r>
+              <a:rPr lang="en-US" sz="2300" dirty="0" err="1" smtClean="0">
+                <a:latin typeface="Courier New"/>
+                <a:cs typeface="Courier New"/>
+              </a:rPr>
+              <a:t>cachedwithin</a:t>
+            </a:r>
+            <a:r>
+              <a:rPr lang="en-US" sz="2300" dirty="0" smtClean="0">
+                <a:latin typeface="Courier New"/>
+                <a:cs typeface="Courier New"/>
+              </a:rPr>
+              <a:t>=“TIME SPAN”&gt;</a:t>
+            </a:r>
+          </a:p>
+          <a:p>
+            <a:pPr lvl="1"/>
+            <a:r>
+              <a:rPr lang="en-US" dirty="0" smtClean="0"/>
+              <a:t>Create a timespan using </a:t>
+            </a:r>
+            <a:r>
+              <a:rPr lang="en-US" dirty="0" err="1" smtClean="0"/>
+              <a:t>CreateTimespan</a:t>
+            </a:r>
+            <a:r>
+              <a:rPr lang="en-US" dirty="0" smtClean="0"/>
+              <a:t>()</a:t>
+            </a:r>
+          </a:p>
+          <a:p>
+            <a:pPr lvl="1"/>
+            <a:r>
+              <a:rPr lang="en-US" dirty="0" smtClean="0"/>
+              <a:t>Returns special query object called NAME</a:t>
+            </a:r>
+          </a:p>
+          <a:p>
+            <a:pPr lvl="1"/>
+            <a:r>
+              <a:rPr lang="en-US" dirty="0" smtClean="0"/>
+              <a:t>Query has records, but also properties: </a:t>
+            </a:r>
+            <a:r>
+              <a:rPr lang="en-US" dirty="0" err="1" smtClean="0"/>
+              <a:t>RecordCount</a:t>
+            </a:r>
+            <a:r>
+              <a:rPr lang="en-US" dirty="0" smtClean="0"/>
+              <a:t>, </a:t>
+            </a:r>
+            <a:r>
+              <a:rPr lang="en-US" dirty="0" err="1" smtClean="0"/>
+              <a:t>CurrentRow</a:t>
+            </a:r>
+            <a:r>
+              <a:rPr lang="en-US" dirty="0" smtClean="0"/>
+              <a:t>, </a:t>
+            </a:r>
+            <a:r>
+              <a:rPr lang="en-US" dirty="0" err="1" smtClean="0"/>
+              <a:t>ColumnList</a:t>
+            </a:r>
+            <a:endParaRPr lang="en-US" dirty="0" smtClean="0"/>
+          </a:p>
+          <a:p>
+            <a:r>
+              <a:rPr lang="en-US" sz="2300" dirty="0" smtClean="0">
+                <a:latin typeface="Courier New"/>
+                <a:cs typeface="Courier New"/>
+              </a:rPr>
+              <a:t>&lt;</a:t>
+            </a:r>
+            <a:r>
+              <a:rPr lang="en-US" sz="2300" dirty="0" smtClean="0">
+                <a:latin typeface="Courier New"/>
+                <a:cs typeface="Courier New"/>
+                <a:hlinkClick r:id="rId4"/>
+              </a:rPr>
+              <a:t>cfqueryparam</a:t>
+            </a:r>
+            <a:r>
+              <a:rPr lang="en-US" sz="2300" dirty="0" smtClean="0">
+                <a:latin typeface="Courier New"/>
+                <a:cs typeface="Courier New"/>
+              </a:rPr>
+              <a:t> </a:t>
+            </a:r>
+            <a:r>
+              <a:rPr lang="en-US" sz="2300" dirty="0" err="1" smtClean="0">
+                <a:latin typeface="Courier New"/>
+                <a:cs typeface="Courier New"/>
+              </a:rPr>
+              <a:t>cfsqltype</a:t>
+            </a:r>
+            <a:r>
+              <a:rPr lang="en-US" sz="2300" dirty="0" smtClean="0">
+                <a:latin typeface="Courier New"/>
+                <a:cs typeface="Courier New"/>
+              </a:rPr>
+              <a:t>=“SQL Type” value=“VAL”&gt;</a:t>
+            </a:r>
+          </a:p>
+          <a:p>
+            <a:pPr lvl="1"/>
+            <a:r>
+              <a:rPr lang="en-US" dirty="0" smtClean="0"/>
+              <a:t>SQL Types are </a:t>
+            </a:r>
+            <a:r>
+              <a:rPr lang="en-US" dirty="0" err="1" smtClean="0"/>
+              <a:t>cf_sql</a:t>
+            </a:r>
+            <a:r>
+              <a:rPr lang="en-US" dirty="0" smtClean="0"/>
+              <a:t>_[Type] (e.g. </a:t>
+            </a:r>
+            <a:r>
+              <a:rPr lang="en-US" dirty="0" err="1" smtClean="0"/>
+              <a:t>cf_sql_varchar</a:t>
+            </a:r>
+            <a:r>
+              <a:rPr lang="en-US" dirty="0" smtClean="0"/>
+              <a:t>)</a:t>
+            </a:r>
+          </a:p>
+          <a:p>
+            <a:pPr lvl="1"/>
+            <a:r>
+              <a:rPr lang="en-US" dirty="0" smtClean="0"/>
+              <a:t>Provide a number of security and performance benefits</a:t>
+            </a:r>
+          </a:p>
+          <a:p>
+            <a:pPr lvl="1"/>
+            <a:r>
+              <a:rPr lang="en-US" dirty="0" smtClean="0"/>
+              <a:t>#1 way to protect against SQL injections</a:t>
+            </a:r>
+          </a:p>
+          <a:p>
+            <a:r>
+              <a:rPr lang="en-US" sz="2300" dirty="0" smtClean="0">
+                <a:latin typeface="Courier New"/>
+                <a:cs typeface="Courier New"/>
+              </a:rPr>
+              <a:t>&lt;</a:t>
+            </a:r>
+            <a:r>
+              <a:rPr lang="en-US" sz="2300" dirty="0" err="1" smtClean="0">
+                <a:latin typeface="Courier New"/>
+                <a:cs typeface="Courier New"/>
+                <a:hlinkClick r:id="rId5"/>
+              </a:rPr>
+              <a:t>cftransaction</a:t>
+            </a:r>
+            <a:r>
+              <a:rPr lang="en-US" sz="2300" dirty="0" smtClean="0">
+                <a:latin typeface="Courier New"/>
+                <a:cs typeface="Courier New"/>
+              </a:rPr>
+              <a:t> action=“ACTION”&gt;</a:t>
+            </a:r>
+          </a:p>
+          <a:p>
+            <a:pPr lvl="1"/>
+            <a:r>
+              <a:rPr lang="en-US" dirty="0" smtClean="0"/>
+              <a:t>Action can be: begin, commit, and rollback</a:t>
+            </a:r>
+          </a:p>
+          <a:p>
+            <a:pPr lvl="1"/>
+            <a:r>
+              <a:rPr lang="en-US" dirty="0" smtClean="0"/>
+              <a:t>Allows SQL transactions</a:t>
+            </a:r>
+            <a:endParaRPr lang="en-US" dirty="0"/>
+          </a:p>
+          <a:p>
+            <a:endParaRPr lang="en-US" dirty="0"/>
+          </a:p>
+        </p:txBody>
       </p:sp>
     </p:spTree>
     <p:extLst>
       <p:ext uri="{BB962C8B-B14F-4D97-AF65-F5344CB8AC3E}">
-        <p14:creationId xmlns:p14="http://schemas.microsoft.com/office/powerpoint/2010/main" val="2368212209"/>
+        <p14:creationId xmlns:p14="http://schemas.microsoft.com/office/powerpoint/2010/main" val="3347231083"/>
       </p:ext>
     </p:extLst>
   </p:cSld>
@@ -10891,105 +11056,62 @@
       </p:grpSpPr>
       <p:sp>
         <p:nvSpPr>
-          <p:cNvPr id="5" name="Title 4"/>
-          <p:cNvSpPr>
-            <a:spLocks noGrp="1"/>
-          </p:cNvSpPr>
-          <p:nvPr>
-            <p:ph type="title"/>
-          </p:nvPr>
-        </p:nvSpPr>
-        <p:spPr/>
-        <p:txBody>
-          <a:bodyPr/>
-          <a:lstStyle/>
-          <a:p>
-            <a:r>
-              <a:rPr lang="en-US" sz="4400" dirty="0" smtClean="0">
-                <a:latin typeface="Courier New"/>
-                <a:cs typeface="Courier New"/>
-              </a:rPr>
-              <a:t>&lt;</a:t>
-            </a:r>
-            <a:r>
-              <a:rPr lang="en-US" sz="4400" dirty="0" err="1" smtClean="0">
-                <a:latin typeface="Courier New"/>
-                <a:cs typeface="Courier New"/>
-                <a:hlinkClick r:id="rId2"/>
-              </a:rPr>
-              <a:t>cfscript</a:t>
-            </a:r>
-            <a:r>
-              <a:rPr lang="en-US" sz="4400" dirty="0" smtClean="0">
-                <a:latin typeface="Courier New"/>
-                <a:cs typeface="Courier New"/>
-              </a:rPr>
-              <a:t>&gt;</a:t>
-            </a:r>
-            <a:endParaRPr lang="en-US" sz="4400" dirty="0">
-              <a:latin typeface="Courier New"/>
-              <a:cs typeface="Courier New"/>
-            </a:endParaRPr>
-          </a:p>
-        </p:txBody>
-      </p:sp>
-      <p:sp>
-        <p:nvSpPr>
-          <p:cNvPr id="6" name="Content Placeholder 5"/>
-          <p:cNvSpPr>
-            <a:spLocks noGrp="1"/>
-          </p:cNvSpPr>
-          <p:nvPr>
-            <p:ph idx="1"/>
-          </p:nvPr>
-        </p:nvSpPr>
-        <p:spPr/>
-        <p:txBody>
-          <a:bodyPr/>
-          <a:lstStyle/>
-          <a:p>
-            <a:r>
-              <a:rPr lang="en-US" dirty="0" smtClean="0"/>
-              <a:t>An entire ECMA-style scripting language</a:t>
-            </a:r>
-          </a:p>
-          <a:p>
-            <a:r>
-              <a:rPr lang="en-US" dirty="0" smtClean="0"/>
-              <a:t>Removes dependency on tag-based markup</a:t>
-            </a:r>
-          </a:p>
-          <a:p>
-            <a:r>
-              <a:rPr lang="en-US" dirty="0" smtClean="0"/>
-              <a:t>Feels “more at home” or “cleaner” for some developers</a:t>
-            </a:r>
-          </a:p>
-          <a:p>
-            <a:r>
-              <a:rPr lang="en-US" dirty="0" smtClean="0"/>
-              <a:t>Can be used amongst tag-based CFML</a:t>
-            </a:r>
-          </a:p>
-          <a:p>
-            <a:r>
-              <a:rPr lang="en-US" dirty="0" smtClean="0">
-                <a:hlinkClick r:id="rId3"/>
-              </a:rPr>
-              <a:t>Learn more</a:t>
-            </a:r>
-            <a:r>
-              <a:rPr lang="en-US" dirty="0" smtClean="0"/>
-              <a:t>.</a:t>
+          <p:cNvPr id="4" name="Title 3"/>
+          <p:cNvSpPr>
+            <a:spLocks noGrp="1"/>
+          </p:cNvSpPr>
+          <p:nvPr>
+            <p:ph type="ctrTitle"/>
+          </p:nvPr>
+        </p:nvSpPr>
+        <p:spPr/>
+        <p:txBody>
+          <a:bodyPr/>
+          <a:lstStyle/>
+          <a:p>
+            <a:r>
+              <a:rPr lang="en-US" dirty="0" smtClean="0"/>
+              <a:t>Demo 03</a:t>
             </a:r>
             <a:endParaRPr lang="en-US" dirty="0"/>
           </a:p>
         </p:txBody>
+      </p:sp>
+      <p:sp>
+        <p:nvSpPr>
+          <p:cNvPr id="5" name="Subtitle 4"/>
+          <p:cNvSpPr>
+            <a:spLocks noGrp="1"/>
+          </p:cNvSpPr>
+          <p:nvPr>
+            <p:ph type="subTitle" idx="1"/>
+          </p:nvPr>
+        </p:nvSpPr>
+        <p:spPr/>
+        <p:txBody>
+          <a:bodyPr/>
+          <a:lstStyle/>
+          <a:p>
+            <a:endParaRPr lang="en-US"/>
+          </a:p>
+        </p:txBody>
+      </p:sp>
+      <p:sp>
+        <p:nvSpPr>
+          <p:cNvPr id="6" name="Picture Placeholder 5"/>
+          <p:cNvSpPr>
+            <a:spLocks noGrp="1"/>
+          </p:cNvSpPr>
+          <p:nvPr>
+            <p:ph type="pic" idx="13"/>
+          </p:nvPr>
+        </p:nvSpPr>
+        <p:spPr/>
       </p:sp>
     </p:spTree>
     <p:extLst>
       <p:ext uri="{BB962C8B-B14F-4D97-AF65-F5344CB8AC3E}">
-        <p14:creationId xmlns:p14="http://schemas.microsoft.com/office/powerpoint/2010/main" val="815495905"/>
+        <p14:creationId xmlns:p14="http://schemas.microsoft.com/office/powerpoint/2010/main" val="2368212209"/>
       </p:ext>
     </p:extLst>
   </p:cSld>
@@ -11018,7 +11140,7 @@
       </p:grpSpPr>
       <p:sp>
         <p:nvSpPr>
-          <p:cNvPr id="2" name="Title 1"/>
+          <p:cNvPr id="5" name="Title 4"/>
           <p:cNvSpPr>
             <a:spLocks noGrp="1"/>
           </p:cNvSpPr>
@@ -11032,175 +11154,91 @@
           <a:lstStyle/>
           <a:p>
             <a:r>
-              <a:rPr lang="en-US" dirty="0" smtClean="0"/>
-              <a:t>Functions</a:t>
-            </a:r>
-            <a:endParaRPr lang="en-US" dirty="0"/>
-          </a:p>
-        </p:txBody>
-      </p:sp>
-      <p:sp>
-        <p:nvSpPr>
-          <p:cNvPr id="3" name="Content Placeholder 2"/>
-          <p:cNvSpPr>
-            <a:spLocks noGrp="1"/>
-          </p:cNvSpPr>
-          <p:nvPr>
-            <p:ph idx="1"/>
-          </p:nvPr>
-        </p:nvSpPr>
-        <p:spPr/>
-        <p:txBody>
-          <a:bodyPr/>
-          <a:lstStyle/>
-          <a:p>
-            <a:r>
-              <a:rPr lang="en-US" dirty="0" smtClean="0"/>
-              <a:t>2 basic types: </a:t>
-            </a:r>
-            <a:r>
-              <a:rPr lang="en-US" dirty="0" smtClean="0">
-                <a:hlinkClick r:id="rId3"/>
-              </a:rPr>
-              <a:t>core</a:t>
-            </a:r>
-            <a:r>
-              <a:rPr lang="en-US" dirty="0" smtClean="0"/>
-              <a:t> (built-in) and user-defined (UDF)</a:t>
-            </a:r>
-          </a:p>
-          <a:p>
-            <a:r>
-              <a:rPr lang="en-US" dirty="0" smtClean="0"/>
-              <a:t>Can define custom using </a:t>
-            </a:r>
-            <a:r>
-              <a:rPr lang="en-US" sz="2000" dirty="0" smtClean="0">
+              <a:rPr lang="en-US" sz="4400" dirty="0" smtClean="0">
                 <a:latin typeface="Courier New"/>
                 <a:cs typeface="Courier New"/>
               </a:rPr>
               <a:t>&lt;</a:t>
             </a:r>
             <a:r>
-              <a:rPr lang="en-US" sz="2000" dirty="0" err="1" smtClean="0">
-                <a:latin typeface="Courier New"/>
-                <a:cs typeface="Courier New"/>
-              </a:rPr>
-              <a:t>cffunction</a:t>
-            </a:r>
-            <a:r>
-              <a:rPr lang="en-US" sz="2000" dirty="0" smtClean="0">
-                <a:latin typeface="Courier New"/>
-                <a:cs typeface="Courier New"/>
-              </a:rPr>
-              <a:t> …&gt; </a:t>
-            </a:r>
-            <a:r>
-              <a:rPr lang="en-US" dirty="0" smtClean="0"/>
-              <a:t>or CFCs</a:t>
-            </a:r>
-          </a:p>
-          <a:p>
-            <a:r>
-              <a:rPr lang="en-US" dirty="0" smtClean="0"/>
-              <a:t>Might return a value, output something, or both</a:t>
-            </a:r>
-          </a:p>
-          <a:p>
-            <a:r>
-              <a:rPr lang="en-US" dirty="0" smtClean="0"/>
-              <a:t>Syntax</a:t>
-            </a:r>
-          </a:p>
-          <a:p>
-            <a:pPr lvl="1"/>
-            <a:r>
-              <a:rPr lang="en-US" sz="2000" dirty="0" err="1" smtClean="0">
-                <a:latin typeface="Courier New"/>
-                <a:cs typeface="Courier New"/>
-              </a:rPr>
-              <a:t>FunctionName</a:t>
-            </a:r>
-            <a:r>
-              <a:rPr lang="en-US" sz="2000" dirty="0" smtClean="0">
-                <a:latin typeface="Courier New"/>
-                <a:cs typeface="Courier New"/>
-              </a:rPr>
-              <a:t>(“Miles”, 28)</a:t>
-            </a:r>
-          </a:p>
-          <a:p>
-            <a:pPr lvl="1"/>
-            <a:r>
-              <a:rPr lang="en-US" sz="2000" dirty="0" err="1" smtClean="0">
-                <a:latin typeface="Courier New"/>
-                <a:cs typeface="Courier New"/>
-              </a:rPr>
-              <a:t>FunctionName</a:t>
-            </a:r>
-            <a:r>
-              <a:rPr lang="en-US" sz="2000" dirty="0" smtClean="0">
-                <a:latin typeface="Courier New"/>
-                <a:cs typeface="Courier New"/>
-              </a:rPr>
-              <a:t>(name = “Miles”, age = 28)</a:t>
-            </a:r>
-          </a:p>
-          <a:p>
-            <a:pPr lvl="1"/>
-            <a:r>
-              <a:rPr lang="en-US" sz="2000" dirty="0" err="1" smtClean="0">
-                <a:latin typeface="Courier New"/>
-                <a:cs typeface="Courier New"/>
-              </a:rPr>
-              <a:t>FunctionName</a:t>
-            </a:r>
-            <a:r>
-              <a:rPr lang="en-US" sz="2000" dirty="0" smtClean="0">
-                <a:latin typeface="Courier New"/>
-                <a:cs typeface="Courier New"/>
-              </a:rPr>
-              <a:t>(</a:t>
-            </a:r>
-            <a:r>
-              <a:rPr lang="en-US" sz="2000" dirty="0" err="1" smtClean="0">
-                <a:latin typeface="Courier New"/>
-                <a:cs typeface="Courier New"/>
-              </a:rPr>
-              <a:t>argumentcollection</a:t>
-            </a:r>
-            <a:r>
-              <a:rPr lang="en-US" sz="2000" dirty="0" smtClean="0">
-                <a:latin typeface="Courier New"/>
-                <a:cs typeface="Courier New"/>
-              </a:rPr>
-              <a:t> = </a:t>
-            </a:r>
-            <a:r>
-              <a:rPr lang="en-US" sz="2000" dirty="0" err="1" smtClean="0">
-                <a:latin typeface="Courier New"/>
-                <a:cs typeface="Courier New"/>
-              </a:rPr>
-              <a:t>argsStruct</a:t>
-            </a:r>
-            <a:r>
-              <a:rPr lang="en-US" sz="2000" dirty="0" smtClean="0">
-                <a:latin typeface="Courier New"/>
-                <a:cs typeface="Courier New"/>
-              </a:rPr>
-              <a:t>)</a:t>
-            </a:r>
-            <a:endParaRPr lang="en-US" sz="2000" dirty="0">
+              <a:rPr lang="en-US" sz="4400" dirty="0" err="1" smtClean="0">
+                <a:latin typeface="Courier New"/>
+                <a:cs typeface="Courier New"/>
+                <a:hlinkClick r:id="rId2"/>
+              </a:rPr>
+              <a:t>cfscript</a:t>
+            </a:r>
+            <a:r>
+              <a:rPr lang="en-US" sz="4400" dirty="0" smtClean="0">
+                <a:latin typeface="Courier New"/>
+                <a:cs typeface="Courier New"/>
+              </a:rPr>
+              <a:t>&gt;</a:t>
+            </a:r>
+            <a:endParaRPr lang="en-US" sz="4400" dirty="0">
               <a:latin typeface="Courier New"/>
               <a:cs typeface="Courier New"/>
             </a:endParaRPr>
           </a:p>
         </p:txBody>
       </p:sp>
+      <p:sp>
+        <p:nvSpPr>
+          <p:cNvPr id="6" name="Content Placeholder 5"/>
+          <p:cNvSpPr>
+            <a:spLocks noGrp="1"/>
+          </p:cNvSpPr>
+          <p:nvPr>
+            <p:ph idx="1"/>
+          </p:nvPr>
+        </p:nvSpPr>
+        <p:spPr/>
+        <p:txBody>
+          <a:bodyPr/>
+          <a:lstStyle/>
+          <a:p>
+            <a:r>
+              <a:rPr lang="en-US" dirty="0" smtClean="0"/>
+              <a:t>An entire ECMA-style scripting language</a:t>
+            </a:r>
+          </a:p>
+          <a:p>
+            <a:r>
+              <a:rPr lang="en-US" dirty="0" smtClean="0"/>
+              <a:t>Removes dependency on tag-based markup</a:t>
+            </a:r>
+          </a:p>
+          <a:p>
+            <a:r>
+              <a:rPr lang="en-US" dirty="0" smtClean="0"/>
+              <a:t>Feels “more at home” or “cleaner” for some developers</a:t>
+            </a:r>
+          </a:p>
+          <a:p>
+            <a:r>
+              <a:rPr lang="en-US" dirty="0" smtClean="0"/>
+              <a:t>Can be used amongst tag-based CFML</a:t>
+            </a:r>
+          </a:p>
+          <a:p>
+            <a:r>
+              <a:rPr lang="en-US" dirty="0" smtClean="0">
+                <a:hlinkClick r:id="rId3"/>
+              </a:rPr>
+              <a:t>Learn more</a:t>
+            </a:r>
+            <a:r>
+              <a:rPr lang="en-US" dirty="0" smtClean="0"/>
+              <a:t>.</a:t>
+            </a:r>
+            <a:endParaRPr lang="en-US" dirty="0"/>
+          </a:p>
+        </p:txBody>
+      </p:sp>
     </p:spTree>
     <p:extLst>
       <p:ext uri="{BB962C8B-B14F-4D97-AF65-F5344CB8AC3E}">
-        <p14:creationId xmlns:p14="http://schemas.microsoft.com/office/powerpoint/2010/main" val="1785793510"/>
+        <p14:creationId xmlns:p14="http://schemas.microsoft.com/office/powerpoint/2010/main" val="815495905"/>
       </p:ext>
     </p:extLst>
   </p:cSld>
@@ -11283,13 +11321,7 @@
               <a:rPr lang="en-US" dirty="0" smtClean="0">
                 <a:hlinkClick r:id="rId4"/>
               </a:rPr>
-              <a:t>Miles </a:t>
-            </a:r>
-            <a:r>
-              <a:rPr lang="en-US" dirty="0" smtClean="0">
-                <a:hlinkClick r:id="rId4"/>
-              </a:rPr>
-              <a:t>Rausch</a:t>
+              <a:t>Miles Rausch</a:t>
             </a:r>
             <a:endParaRPr lang="en-US" dirty="0" smtClean="0"/>
           </a:p>
@@ -11393,7 +11425,7 @@
           <a:p>
             <a:r>
               <a:rPr lang="en-US" dirty="0" smtClean="0"/>
-              <a:t>UDFs</a:t>
+              <a:t>Functions</a:t>
             </a:r>
             <a:endParaRPr lang="en-US" dirty="0"/>
           </a:p>
@@ -11415,6 +11447,26 @@
           <a:lstStyle/>
           <a:p>
             <a:r>
+              <a:rPr lang="en-US" dirty="0" smtClean="0"/>
+              <a:t>2 basic types: </a:t>
+            </a:r>
+            <a:r>
+              <a:rPr lang="en-US" dirty="0" smtClean="0">
+                <a:hlinkClick r:id="rId3"/>
+              </a:rPr>
+              <a:t>core</a:t>
+            </a:r>
+            <a:r>
+              <a:rPr lang="en-US" dirty="0" smtClean="0"/>
+              <a:t> (built-in) and user-defined (UDF)</a:t>
+            </a:r>
+          </a:p>
+          <a:p>
+            <a:r>
+              <a:rPr lang="en-US" dirty="0" smtClean="0"/>
+              <a:t>Can define custom using </a:t>
+            </a:r>
+            <a:r>
               <a:rPr lang="en-US" sz="2000" dirty="0" smtClean="0">
                 <a:latin typeface="Courier New"/>
                 <a:cs typeface="Courier New"/>
@@ -11422,162 +11474,125 @@
               <a:t>&lt;</a:t>
             </a:r>
             <a:r>
+              <a:rPr lang="en-US" sz="2000" dirty="0" err="1" smtClean="0">
+                <a:latin typeface="Courier New"/>
+                <a:cs typeface="Courier New"/>
+              </a:rPr>
+              <a:t>cffunction</a:t>
+            </a:r>
+            <a:r>
               <a:rPr lang="en-US" sz="2000" dirty="0" smtClean="0">
                 <a:latin typeface="Courier New"/>
                 <a:cs typeface="Courier New"/>
-                <a:hlinkClick r:id="rId2"/>
-              </a:rPr>
-              <a:t>cffunction</a:t>
+              </a:rPr>
+              <a:t> …&gt; </a:t>
+            </a:r>
+            <a:r>
+              <a:rPr lang="en-US" dirty="0" smtClean="0"/>
+              <a:t>or CFCs</a:t>
+            </a:r>
+          </a:p>
+          <a:p>
+            <a:r>
+              <a:rPr lang="en-US" dirty="0" smtClean="0"/>
+              <a:t>Might return a value, output something, or both</a:t>
+            </a:r>
+          </a:p>
+          <a:p>
+            <a:r>
+              <a:rPr lang="en-US" dirty="0" smtClean="0"/>
+              <a:t>Syntax</a:t>
+            </a:r>
+          </a:p>
+          <a:p>
+            <a:pPr lvl="1"/>
+            <a:r>
+              <a:rPr lang="en-US" sz="2000" dirty="0" err="1" smtClean="0">
+                <a:latin typeface="Courier New"/>
+                <a:cs typeface="Courier New"/>
+              </a:rPr>
+              <a:t>FunctionName</a:t>
             </a:r>
             <a:r>
               <a:rPr lang="en-US" sz="2000" dirty="0" smtClean="0">
                 <a:latin typeface="Courier New"/>
                 <a:cs typeface="Courier New"/>
               </a:rPr>
-              <a:t> name=“NAME” access=“ACCESS” </a:t>
-            </a:r>
+              <a:t>(“Miles”, 28)</a:t>
+            </a:r>
+          </a:p>
+          <a:p>
+            <a:pPr lvl="1"/>
             <a:r>
               <a:rPr lang="en-US" sz="2000" dirty="0" err="1" smtClean="0">
                 <a:latin typeface="Courier New"/>
                 <a:cs typeface="Courier New"/>
               </a:rPr>
-              <a:t>returntype</a:t>
+              <a:t>FunctionName</a:t>
             </a:r>
             <a:r>
               <a:rPr lang="en-US" sz="2000" dirty="0" smtClean="0">
                 <a:latin typeface="Courier New"/>
                 <a:cs typeface="Courier New"/>
               </a:rPr>
-              <a:t>=“VARIABLE TYPE”</a:t>
+              <a:t>(name = “Miles”, age = 28)</a:t>
+            </a:r>
+          </a:p>
+          <a:p>
+            <a:pPr lvl="1"/>
+            <a:r>
+              <a:rPr lang="en-US" sz="2000" dirty="0" err="1" smtClean="0">
+                <a:latin typeface="Courier New"/>
+                <a:cs typeface="Courier New"/>
+              </a:rPr>
+              <a:t>FunctionName</a:t>
             </a:r>
             <a:r>
               <a:rPr lang="en-US" sz="2000" dirty="0" smtClean="0">
                 <a:latin typeface="Courier New"/>
                 <a:cs typeface="Courier New"/>
               </a:rPr>
-              <a:t>&gt;</a:t>
-            </a:r>
-            <a:endParaRPr lang="en-US" sz="2000" dirty="0" smtClean="0">
+              <a:t>(</a:t>
+            </a:r>
+            <a:r>
+              <a:rPr lang="en-US" sz="2000" dirty="0" err="1" smtClean="0">
+                <a:latin typeface="Courier New"/>
+                <a:cs typeface="Courier New"/>
+              </a:rPr>
+              <a:t>argumentcollection</a:t>
+            </a:r>
+            <a:r>
+              <a:rPr lang="en-US" sz="2000" dirty="0" smtClean="0">
+                <a:latin typeface="Courier New"/>
+                <a:cs typeface="Courier New"/>
+              </a:rPr>
+              <a:t> = </a:t>
+            </a:r>
+            <a:r>
+              <a:rPr lang="en-US" sz="2000" dirty="0" err="1" smtClean="0">
+                <a:latin typeface="Courier New"/>
+                <a:cs typeface="Courier New"/>
+              </a:rPr>
+              <a:t>argsStruct</a:t>
+            </a:r>
+            <a:r>
+              <a:rPr lang="en-US" sz="2000" dirty="0" smtClean="0">
+                <a:latin typeface="Courier New"/>
+                <a:cs typeface="Courier New"/>
+              </a:rPr>
+              <a:t>)</a:t>
+            </a:r>
+            <a:endParaRPr lang="en-US" sz="2000" dirty="0">
               <a:latin typeface="Courier New"/>
               <a:cs typeface="Courier New"/>
             </a:endParaRPr>
           </a:p>
-          <a:p>
-            <a:pPr lvl="1"/>
-            <a:r>
-              <a:rPr lang="en-US" sz="2000" dirty="0" smtClean="0"/>
-              <a:t>Access: </a:t>
-            </a:r>
-            <a:r>
-              <a:rPr lang="en-US" sz="2000" dirty="0" smtClean="0"/>
-              <a:t>public, private, package, remote</a:t>
-            </a:r>
-          </a:p>
-          <a:p>
-            <a:r>
-              <a:rPr lang="en-US" sz="2000" dirty="0" smtClean="0">
-                <a:latin typeface="Courier New"/>
-                <a:cs typeface="Courier New"/>
-              </a:rPr>
-              <a:t>&lt;</a:t>
-            </a:r>
-            <a:r>
-              <a:rPr lang="en-US" sz="2000" dirty="0">
-                <a:latin typeface="Courier New"/>
-                <a:cs typeface="Courier New"/>
-                <a:hlinkClick r:id="rId3"/>
-              </a:rPr>
-              <a:t>cfargument</a:t>
-            </a:r>
-            <a:r>
-              <a:rPr lang="en-US" sz="2000" dirty="0">
-                <a:latin typeface="Courier New"/>
-                <a:cs typeface="Courier New"/>
-              </a:rPr>
-              <a:t> name=“NAME” required=“BOOLEAN” type=“VARIABLE TYPE” default=“VALUE”</a:t>
-            </a:r>
-            <a:r>
-              <a:rPr lang="en-US" sz="2000" dirty="0" smtClean="0">
-                <a:latin typeface="Courier New"/>
-                <a:cs typeface="Courier New"/>
-              </a:rPr>
-              <a:t>&gt;</a:t>
-            </a:r>
-          </a:p>
-          <a:p>
-            <a:pPr lvl="1"/>
-            <a:r>
-              <a:rPr lang="en-US" sz="2000" dirty="0"/>
-              <a:t>Exposes a special arguments </a:t>
-            </a:r>
-            <a:r>
-              <a:rPr lang="en-US" sz="2000" dirty="0" smtClean="0"/>
-              <a:t>scope</a:t>
-            </a:r>
-            <a:endParaRPr lang="en-US" sz="2000" dirty="0" smtClean="0">
-              <a:latin typeface="Courier New"/>
-              <a:cs typeface="Courier New"/>
-            </a:endParaRPr>
-          </a:p>
-          <a:p>
-            <a:r>
-              <a:rPr lang="en-US" sz="2000" dirty="0">
-                <a:latin typeface="Courier New"/>
-                <a:cs typeface="Courier New"/>
-              </a:rPr>
-              <a:t>&lt;</a:t>
-            </a:r>
-            <a:r>
-              <a:rPr lang="en-US" sz="2000" dirty="0">
-                <a:latin typeface="Courier New"/>
-                <a:cs typeface="Courier New"/>
-                <a:hlinkClick r:id="rId4"/>
-              </a:rPr>
-              <a:t>cfreturn</a:t>
-            </a:r>
-            <a:r>
-              <a:rPr lang="en-US" sz="2000" dirty="0">
-                <a:latin typeface="Courier New"/>
-                <a:cs typeface="Courier New"/>
-              </a:rPr>
-              <a:t> VAL</a:t>
-            </a:r>
-            <a:r>
-              <a:rPr lang="en-US" sz="2000" dirty="0" smtClean="0">
-                <a:latin typeface="Courier New"/>
-                <a:cs typeface="Courier New"/>
-              </a:rPr>
-              <a:t>&gt;</a:t>
-            </a:r>
-          </a:p>
-          <a:p>
-            <a:pPr lvl="1"/>
-            <a:r>
-              <a:rPr lang="en-US" sz="2000" dirty="0" smtClean="0">
-                <a:cs typeface="Courier New"/>
-              </a:rPr>
-              <a:t>VAL should match “</a:t>
-            </a:r>
-            <a:r>
-              <a:rPr lang="en-US" sz="2000" dirty="0" err="1" smtClean="0">
-                <a:cs typeface="Courier New"/>
-              </a:rPr>
-              <a:t>returntype</a:t>
-            </a:r>
-            <a:r>
-              <a:rPr lang="en-US" sz="2000" dirty="0" smtClean="0">
-                <a:cs typeface="Courier New"/>
-              </a:rPr>
-              <a:t>” above</a:t>
-            </a:r>
-            <a:endParaRPr lang="en-US" sz="2000" dirty="0"/>
-          </a:p>
         </p:txBody>
       </p:sp>
     </p:spTree>
     <p:extLst>
       <p:ext uri="{BB962C8B-B14F-4D97-AF65-F5344CB8AC3E}">
-        <p14:creationId xmlns:p14="http://schemas.microsoft.com/office/powerpoint/2010/main" val="344482261"/>
+        <p14:creationId xmlns:p14="http://schemas.microsoft.com/office/powerpoint/2010/main" val="1785793510"/>
       </p:ext>
     </p:extLst>
   </p:cSld>
@@ -11606,6 +11621,380 @@
       </p:grpSpPr>
       <p:sp>
         <p:nvSpPr>
+          <p:cNvPr id="2" name="Title 1"/>
+          <p:cNvSpPr>
+            <a:spLocks noGrp="1"/>
+          </p:cNvSpPr>
+          <p:nvPr>
+            <p:ph type="title"/>
+          </p:nvPr>
+        </p:nvSpPr>
+        <p:spPr/>
+        <p:txBody>
+          <a:bodyPr/>
+          <a:lstStyle/>
+          <a:p>
+            <a:r>
+              <a:rPr lang="en-US" dirty="0" smtClean="0"/>
+              <a:t>Core Functions</a:t>
+            </a:r>
+            <a:endParaRPr lang="en-US" dirty="0"/>
+          </a:p>
+        </p:txBody>
+      </p:sp>
+      <p:sp>
+        <p:nvSpPr>
+          <p:cNvPr id="3" name="Content Placeholder 2"/>
+          <p:cNvSpPr>
+            <a:spLocks noGrp="1"/>
+          </p:cNvSpPr>
+          <p:nvPr>
+            <p:ph idx="1"/>
+          </p:nvPr>
+        </p:nvSpPr>
+        <p:spPr/>
+        <p:txBody>
+          <a:bodyPr/>
+          <a:lstStyle/>
+          <a:p>
+            <a:r>
+              <a:rPr lang="en-US" dirty="0" smtClean="0"/>
+              <a:t>There are </a:t>
+            </a:r>
+            <a:r>
+              <a:rPr lang="en-US" dirty="0" smtClean="0">
+                <a:hlinkClick r:id="rId2"/>
+              </a:rPr>
+              <a:t>a ton</a:t>
+            </a:r>
+            <a:endParaRPr lang="en-US" dirty="0" smtClean="0"/>
+          </a:p>
+          <a:p>
+            <a:r>
+              <a:rPr lang="en-US" dirty="0" smtClean="0"/>
+              <a:t>Some replicate tag functionality</a:t>
+            </a:r>
+          </a:p>
+          <a:p>
+            <a:pPr lvl="1"/>
+            <a:r>
+              <a:rPr lang="en-US" dirty="0" err="1" smtClean="0">
+                <a:hlinkClick r:id="rId3"/>
+              </a:rPr>
+              <a:t>WriteOutput</a:t>
+            </a:r>
+            <a:r>
+              <a:rPr lang="en-US" dirty="0" smtClean="0"/>
+              <a:t>(), </a:t>
+            </a:r>
+            <a:r>
+              <a:rPr lang="en-US" dirty="0" err="1" smtClean="0">
+                <a:hlinkClick r:id="rId4"/>
+              </a:rPr>
+              <a:t>WriteDump</a:t>
+            </a:r>
+            <a:r>
+              <a:rPr lang="en-US" dirty="0" smtClean="0"/>
+              <a:t>()</a:t>
+            </a:r>
+          </a:p>
+          <a:p>
+            <a:r>
+              <a:rPr lang="en-US" dirty="0" smtClean="0"/>
+              <a:t>Some stand alone</a:t>
+            </a:r>
+          </a:p>
+          <a:p>
+            <a:pPr lvl="1"/>
+            <a:r>
+              <a:rPr lang="en-US" dirty="0" smtClean="0">
+                <a:hlinkClick r:id="rId5"/>
+              </a:rPr>
+              <a:t>URLEncodedFormat</a:t>
+            </a:r>
+            <a:r>
+              <a:rPr lang="en-US" dirty="0" smtClean="0"/>
+              <a:t>(), </a:t>
+            </a:r>
+            <a:r>
+              <a:rPr lang="en-US" dirty="0" smtClean="0">
+                <a:hlinkClick r:id="rId6"/>
+              </a:rPr>
+              <a:t>Hash</a:t>
+            </a:r>
+            <a:r>
+              <a:rPr lang="en-US" dirty="0" smtClean="0"/>
+              <a:t>(), </a:t>
+            </a:r>
+            <a:r>
+              <a:rPr lang="en-US" dirty="0" smtClean="0">
+                <a:hlinkClick r:id="rId7"/>
+              </a:rPr>
+              <a:t>CreateTimespan</a:t>
+            </a:r>
+            <a:r>
+              <a:rPr lang="en-US" dirty="0" smtClean="0"/>
+              <a:t>()</a:t>
+            </a:r>
+          </a:p>
+          <a:p>
+            <a:r>
+              <a:rPr lang="en-US" dirty="0" smtClean="0"/>
+              <a:t>Usually return value </a:t>
+            </a:r>
+            <a:r>
+              <a:rPr lang="en-US" smtClean="0"/>
+              <a:t>and doesn’t output</a:t>
+            </a:r>
+            <a:endParaRPr lang="en-US" dirty="0"/>
+          </a:p>
+        </p:txBody>
+      </p:sp>
+    </p:spTree>
+    <p:extLst>
+      <p:ext uri="{BB962C8B-B14F-4D97-AF65-F5344CB8AC3E}">
+        <p14:creationId xmlns:p14="http://schemas.microsoft.com/office/powerpoint/2010/main" val="1392956625"/>
+      </p:ext>
+    </p:extLst>
+  </p:cSld>
+  <p:clrMapOvr>
+    <a:masterClrMapping/>
+  </p:clrMapOvr>
+</p:sld>
+</file>
+
+<file path=ppt/slides/slide32.xml><?xml version="1.0" encoding="utf-8"?>
+<p:sld xmlns:a="http://schemas.openxmlformats.org/drawingml/2006/main" xmlns:r="http://schemas.openxmlformats.org/officeDocument/2006/relationships" xmlns:p="http://schemas.openxmlformats.org/presentationml/2006/main">
+  <p:cSld>
+    <p:spTree>
+      <p:nvGrpSpPr>
+        <p:cNvPr id="1" name=""/>
+        <p:cNvGrpSpPr/>
+        <p:nvPr/>
+      </p:nvGrpSpPr>
+      <p:grpSpPr>
+        <a:xfrm>
+          <a:off x="0" y="0"/>
+          <a:ext cx="0" cy="0"/>
+          <a:chOff x="0" y="0"/>
+          <a:chExt cx="0" cy="0"/>
+        </a:xfrm>
+      </p:grpSpPr>
+      <p:sp>
+        <p:nvSpPr>
+          <p:cNvPr id="2" name="Title 1"/>
+          <p:cNvSpPr>
+            <a:spLocks noGrp="1"/>
+          </p:cNvSpPr>
+          <p:nvPr>
+            <p:ph type="title"/>
+          </p:nvPr>
+        </p:nvSpPr>
+        <p:spPr/>
+        <p:txBody>
+          <a:bodyPr/>
+          <a:lstStyle/>
+          <a:p>
+            <a:r>
+              <a:rPr lang="en-US" dirty="0" smtClean="0"/>
+              <a:t>UDFs</a:t>
+            </a:r>
+            <a:endParaRPr lang="en-US" dirty="0"/>
+          </a:p>
+        </p:txBody>
+      </p:sp>
+      <p:sp>
+        <p:nvSpPr>
+          <p:cNvPr id="3" name="Content Placeholder 2"/>
+          <p:cNvSpPr>
+            <a:spLocks noGrp="1"/>
+          </p:cNvSpPr>
+          <p:nvPr>
+            <p:ph idx="1"/>
+          </p:nvPr>
+        </p:nvSpPr>
+        <p:spPr/>
+        <p:txBody>
+          <a:bodyPr/>
+          <a:lstStyle/>
+          <a:p>
+            <a:r>
+              <a:rPr lang="en-US" sz="2000" dirty="0" smtClean="0">
+                <a:latin typeface="Courier New"/>
+                <a:cs typeface="Courier New"/>
+              </a:rPr>
+              <a:t>&lt;</a:t>
+            </a:r>
+            <a:r>
+              <a:rPr lang="en-US" sz="2000" dirty="0" smtClean="0">
+                <a:latin typeface="Courier New"/>
+                <a:cs typeface="Courier New"/>
+                <a:hlinkClick r:id="rId2"/>
+              </a:rPr>
+              <a:t>cffunction</a:t>
+            </a:r>
+            <a:r>
+              <a:rPr lang="en-US" sz="2000" dirty="0" smtClean="0">
+                <a:latin typeface="Courier New"/>
+                <a:cs typeface="Courier New"/>
+              </a:rPr>
+              <a:t> name=“NAME” access=“ACCESS” </a:t>
+            </a:r>
+            <a:r>
+              <a:rPr lang="en-US" sz="2000" dirty="0" err="1" smtClean="0">
+                <a:latin typeface="Courier New"/>
+                <a:cs typeface="Courier New"/>
+              </a:rPr>
+              <a:t>returntype</a:t>
+            </a:r>
+            <a:r>
+              <a:rPr lang="en-US" sz="2000" dirty="0" smtClean="0">
+                <a:latin typeface="Courier New"/>
+                <a:cs typeface="Courier New"/>
+              </a:rPr>
+              <a:t>=“VARIABLE TYPE”&gt;</a:t>
+            </a:r>
+          </a:p>
+          <a:p>
+            <a:pPr lvl="1"/>
+            <a:r>
+              <a:rPr lang="en-US" sz="2000" dirty="0" smtClean="0"/>
+              <a:t>Access: public, private, package, remote</a:t>
+            </a:r>
+          </a:p>
+          <a:p>
+            <a:r>
+              <a:rPr lang="en-US" sz="2000" dirty="0" smtClean="0">
+                <a:latin typeface="Courier New"/>
+                <a:cs typeface="Courier New"/>
+              </a:rPr>
+              <a:t>&lt;</a:t>
+            </a:r>
+            <a:r>
+              <a:rPr lang="en-US" sz="2000" dirty="0">
+                <a:latin typeface="Courier New"/>
+                <a:cs typeface="Courier New"/>
+                <a:hlinkClick r:id="rId3"/>
+              </a:rPr>
+              <a:t>cfargument</a:t>
+            </a:r>
+            <a:r>
+              <a:rPr lang="en-US" sz="2000" dirty="0">
+                <a:latin typeface="Courier New"/>
+                <a:cs typeface="Courier New"/>
+              </a:rPr>
+              <a:t> name=“NAME” required=“BOOLEAN” type=“VARIABLE TYPE” default=“VALUE”</a:t>
+            </a:r>
+            <a:r>
+              <a:rPr lang="en-US" sz="2000" dirty="0" smtClean="0">
+                <a:latin typeface="Courier New"/>
+                <a:cs typeface="Courier New"/>
+              </a:rPr>
+              <a:t>&gt;</a:t>
+            </a:r>
+          </a:p>
+          <a:p>
+            <a:pPr lvl="1"/>
+            <a:r>
+              <a:rPr lang="en-US" sz="2000" dirty="0"/>
+              <a:t>Exposes a special arguments </a:t>
+            </a:r>
+            <a:r>
+              <a:rPr lang="en-US" sz="2000" dirty="0" smtClean="0"/>
+              <a:t>scope</a:t>
+            </a:r>
+            <a:endParaRPr lang="en-US" sz="2000" dirty="0" smtClean="0">
+              <a:latin typeface="Courier New"/>
+              <a:cs typeface="Courier New"/>
+            </a:endParaRPr>
+          </a:p>
+          <a:p>
+            <a:r>
+              <a:rPr lang="en-US" sz="2000" dirty="0">
+                <a:latin typeface="Courier New"/>
+                <a:cs typeface="Courier New"/>
+              </a:rPr>
+              <a:t>&lt;</a:t>
+            </a:r>
+            <a:r>
+              <a:rPr lang="en-US" sz="2000" dirty="0">
+                <a:latin typeface="Courier New"/>
+                <a:cs typeface="Courier New"/>
+                <a:hlinkClick r:id="rId4"/>
+              </a:rPr>
+              <a:t>cfreturn</a:t>
+            </a:r>
+            <a:r>
+              <a:rPr lang="en-US" sz="2000" dirty="0">
+                <a:latin typeface="Courier New"/>
+                <a:cs typeface="Courier New"/>
+              </a:rPr>
+              <a:t> VAL</a:t>
+            </a:r>
+            <a:r>
+              <a:rPr lang="en-US" sz="2000" dirty="0" smtClean="0">
+                <a:latin typeface="Courier New"/>
+                <a:cs typeface="Courier New"/>
+              </a:rPr>
+              <a:t>&gt;</a:t>
+            </a:r>
+          </a:p>
+          <a:p>
+            <a:pPr lvl="1"/>
+            <a:r>
+              <a:rPr lang="en-US" sz="2000" dirty="0" smtClean="0">
+                <a:cs typeface="Courier New"/>
+              </a:rPr>
+              <a:t>VAL should match “</a:t>
+            </a:r>
+            <a:r>
+              <a:rPr lang="en-US" sz="2000" dirty="0" err="1" smtClean="0">
+                <a:cs typeface="Courier New"/>
+              </a:rPr>
+              <a:t>returntype</a:t>
+            </a:r>
+            <a:r>
+              <a:rPr lang="en-US" sz="2000" dirty="0" smtClean="0">
+                <a:cs typeface="Courier New"/>
+              </a:rPr>
+              <a:t>” above</a:t>
+            </a:r>
+            <a:endParaRPr lang="en-US" sz="2000" dirty="0"/>
+          </a:p>
+        </p:txBody>
+      </p:sp>
+    </p:spTree>
+    <p:extLst>
+      <p:ext uri="{BB962C8B-B14F-4D97-AF65-F5344CB8AC3E}">
+        <p14:creationId xmlns:p14="http://schemas.microsoft.com/office/powerpoint/2010/main" val="344482261"/>
+      </p:ext>
+    </p:extLst>
+  </p:cSld>
+  <p:clrMapOvr>
+    <a:masterClrMapping/>
+  </p:clrMapOvr>
+</p:sld>
+</file>
+
+<file path=ppt/slides/slide33.xml><?xml version="1.0" encoding="utf-8"?>
+<p:sld xmlns:a="http://schemas.openxmlformats.org/drawingml/2006/main" xmlns:r="http://schemas.openxmlformats.org/officeDocument/2006/relationships" xmlns:p="http://schemas.openxmlformats.org/presentationml/2006/main">
+  <p:cSld>
+    <p:spTree>
+      <p:nvGrpSpPr>
+        <p:cNvPr id="1" name=""/>
+        <p:cNvGrpSpPr/>
+        <p:nvPr/>
+      </p:nvGrpSpPr>
+      <p:grpSpPr>
+        <a:xfrm>
+          <a:off x="0" y="0"/>
+          <a:ext cx="0" cy="0"/>
+          <a:chOff x="0" y="0"/>
+          <a:chExt cx="0" cy="0"/>
+        </a:xfrm>
+      </p:grpSpPr>
+      <p:sp>
+        <p:nvSpPr>
           <p:cNvPr id="4" name="Title 3"/>
           <p:cNvSpPr>
             <a:spLocks noGrp="1"/>
@@ -11671,7 +12060,7 @@
 </p:sld>
 </file>
 
-<file path=ppt/slides/slide32.xml><?xml version="1.0" encoding="utf-8"?>
+<file path=ppt/slides/slide34.xml><?xml version="1.0" encoding="utf-8"?>
 <p:sld xmlns:a="http://schemas.openxmlformats.org/drawingml/2006/main" xmlns:r="http://schemas.openxmlformats.org/officeDocument/2006/relationships" xmlns:p="http://schemas.openxmlformats.org/presentationml/2006/main">
   <p:cSld>
     <p:spTree>

--- a/presentation.pptx
+++ b/presentation.pptx
@@ -5,7 +5,7 @@
     <p:sldMasterId id="2147484490" r:id="rId1"/>
   </p:sldMasterIdLst>
   <p:notesMasterIdLst>
-    <p:notesMasterId r:id="rId36"/>
+    <p:notesMasterId r:id="rId41"/>
   </p:notesMasterIdLst>
   <p:sldIdLst>
     <p:sldId id="256" r:id="rId2"/>
@@ -42,6 +42,11 @@
     <p:sldId id="288" r:id="rId33"/>
     <p:sldId id="287" r:id="rId34"/>
     <p:sldId id="277" r:id="rId35"/>
+    <p:sldId id="291" r:id="rId36"/>
+    <p:sldId id="292" r:id="rId37"/>
+    <p:sldId id="293" r:id="rId38"/>
+    <p:sldId id="294" r:id="rId39"/>
+    <p:sldId id="295" r:id="rId40"/>
   </p:sldIdLst>
   <p:sldSz cx="9144000" cy="6858000" type="screen4x3"/>
   <p:notesSz cx="6858000" cy="9144000"/>
@@ -2307,6 +2312,344 @@
     <p:extLst>
       <p:ext uri="{BB962C8B-B14F-4D97-AF65-F5344CB8AC3E}">
         <p14:creationId xmlns:p14="http://schemas.microsoft.com/office/powerpoint/2010/main" val="882511047"/>
+      </p:ext>
+    </p:extLst>
+  </p:cSld>
+  <p:clrMapOvr>
+    <a:masterClrMapping/>
+  </p:clrMapOvr>
+</p:notes>
+</file>
+
+<file path=ppt/notesSlides/notesSlide25.xml><?xml version="1.0" encoding="utf-8"?>
+<p:notes xmlns:a="http://schemas.openxmlformats.org/drawingml/2006/main" xmlns:r="http://schemas.openxmlformats.org/officeDocument/2006/relationships" xmlns:p="http://schemas.openxmlformats.org/presentationml/2006/main">
+  <p:cSld>
+    <p:spTree>
+      <p:nvGrpSpPr>
+        <p:cNvPr id="1" name=""/>
+        <p:cNvGrpSpPr/>
+        <p:nvPr/>
+      </p:nvGrpSpPr>
+      <p:grpSpPr>
+        <a:xfrm>
+          <a:off x="0" y="0"/>
+          <a:ext cx="0" cy="0"/>
+          <a:chOff x="0" y="0"/>
+          <a:chExt cx="0" cy="0"/>
+        </a:xfrm>
+      </p:grpSpPr>
+      <p:sp>
+        <p:nvSpPr>
+          <p:cNvPr id="2" name="Slide Image Placeholder 1"/>
+          <p:cNvSpPr>
+            <a:spLocks noGrp="1" noRot="1" noChangeAspect="1"/>
+          </p:cNvSpPr>
+          <p:nvPr>
+            <p:ph type="sldImg"/>
+          </p:nvPr>
+        </p:nvSpPr>
+        <p:spPr/>
+      </p:sp>
+      <p:sp>
+        <p:nvSpPr>
+          <p:cNvPr id="3" name="Notes Placeholder 2"/>
+          <p:cNvSpPr>
+            <a:spLocks noGrp="1"/>
+          </p:cNvSpPr>
+          <p:nvPr>
+            <p:ph type="body" idx="1"/>
+          </p:nvPr>
+        </p:nvSpPr>
+        <p:spPr/>
+        <p:txBody>
+          <a:bodyPr/>
+          <a:lstStyle/>
+          <a:p>
+            <a:r>
+              <a:rPr lang="en-US" dirty="0" smtClean="0"/>
+              <a:t>http://</a:t>
+            </a:r>
+            <a:r>
+              <a:rPr lang="en-US" dirty="0" err="1" smtClean="0"/>
+              <a:t>openbd.org</a:t>
+            </a:r>
+            <a:r>
+              <a:rPr lang="en-US" dirty="0" smtClean="0"/>
+              <a:t>/manual/?/</a:t>
+            </a:r>
+            <a:r>
+              <a:rPr lang="en-US" dirty="0" err="1" smtClean="0"/>
+              <a:t>cfc_structure</a:t>
+            </a:r>
+            <a:endParaRPr lang="en-US" dirty="0" smtClean="0"/>
+          </a:p>
+          <a:p>
+            <a:r>
+              <a:rPr lang="en-US" dirty="0" smtClean="0"/>
+              <a:t>http://</a:t>
+            </a:r>
+            <a:r>
+              <a:rPr lang="en-US" dirty="0" err="1" smtClean="0"/>
+              <a:t>openbd.org</a:t>
+            </a:r>
+            <a:r>
+              <a:rPr lang="en-US" dirty="0" smtClean="0"/>
+              <a:t>/manual/?/</a:t>
+            </a:r>
+            <a:r>
+              <a:rPr lang="en-US" dirty="0" err="1" smtClean="0"/>
+              <a:t>cfc_encapsulation</a:t>
+            </a:r>
+            <a:endParaRPr lang="en-US" dirty="0"/>
+          </a:p>
+        </p:txBody>
+      </p:sp>
+      <p:sp>
+        <p:nvSpPr>
+          <p:cNvPr id="4" name="Slide Number Placeholder 3"/>
+          <p:cNvSpPr>
+            <a:spLocks noGrp="1"/>
+          </p:cNvSpPr>
+          <p:nvPr>
+            <p:ph type="sldNum" sz="quarter" idx="10"/>
+          </p:nvPr>
+        </p:nvSpPr>
+        <p:spPr/>
+        <p:txBody>
+          <a:bodyPr/>
+          <a:lstStyle/>
+          <a:p>
+            <a:fld id="{433137AF-EBFE-664E-840A-10B3290003D1}" type="slidenum">
+              <a:rPr lang="en-US" smtClean="0"/>
+              <a:t>35</a:t>
+            </a:fld>
+            <a:endParaRPr lang="en-US"/>
+          </a:p>
+        </p:txBody>
+      </p:sp>
+    </p:spTree>
+    <p:extLst>
+      <p:ext uri="{BB962C8B-B14F-4D97-AF65-F5344CB8AC3E}">
+        <p14:creationId xmlns:p14="http://schemas.microsoft.com/office/powerpoint/2010/main" val="444516683"/>
+      </p:ext>
+    </p:extLst>
+  </p:cSld>
+  <p:clrMapOvr>
+    <a:masterClrMapping/>
+  </p:clrMapOvr>
+</p:notes>
+</file>
+
+<file path=ppt/notesSlides/notesSlide26.xml><?xml version="1.0" encoding="utf-8"?>
+<p:notes xmlns:a="http://schemas.openxmlformats.org/drawingml/2006/main" xmlns:r="http://schemas.openxmlformats.org/officeDocument/2006/relationships" xmlns:p="http://schemas.openxmlformats.org/presentationml/2006/main">
+  <p:cSld>
+    <p:spTree>
+      <p:nvGrpSpPr>
+        <p:cNvPr id="1" name=""/>
+        <p:cNvGrpSpPr/>
+        <p:nvPr/>
+      </p:nvGrpSpPr>
+      <p:grpSpPr>
+        <a:xfrm>
+          <a:off x="0" y="0"/>
+          <a:ext cx="0" cy="0"/>
+          <a:chOff x="0" y="0"/>
+          <a:chExt cx="0" cy="0"/>
+        </a:xfrm>
+      </p:grpSpPr>
+      <p:sp>
+        <p:nvSpPr>
+          <p:cNvPr id="2" name="Slide Image Placeholder 1"/>
+          <p:cNvSpPr>
+            <a:spLocks noGrp="1" noRot="1" noChangeAspect="1"/>
+          </p:cNvSpPr>
+          <p:nvPr>
+            <p:ph type="sldImg"/>
+          </p:nvPr>
+        </p:nvSpPr>
+        <p:spPr/>
+      </p:sp>
+      <p:sp>
+        <p:nvSpPr>
+          <p:cNvPr id="3" name="Notes Placeholder 2"/>
+          <p:cNvSpPr>
+            <a:spLocks noGrp="1"/>
+          </p:cNvSpPr>
+          <p:nvPr>
+            <p:ph type="body" idx="1"/>
+          </p:nvPr>
+        </p:nvSpPr>
+        <p:spPr/>
+        <p:txBody>
+          <a:bodyPr/>
+          <a:lstStyle/>
+          <a:p>
+            <a:r>
+              <a:rPr lang="en-US" dirty="0" smtClean="0"/>
+              <a:t>http://</a:t>
+            </a:r>
+            <a:r>
+              <a:rPr lang="en-US" dirty="0" err="1" smtClean="0"/>
+              <a:t>openbd.org</a:t>
+            </a:r>
+            <a:r>
+              <a:rPr lang="en-US" dirty="0" smtClean="0"/>
+              <a:t>/manual/?/</a:t>
+            </a:r>
+            <a:r>
+              <a:rPr lang="en-US" dirty="0" err="1" smtClean="0"/>
+              <a:t>cfc_variables</a:t>
+            </a:r>
+            <a:endParaRPr lang="en-US" dirty="0"/>
+          </a:p>
+        </p:txBody>
+      </p:sp>
+      <p:sp>
+        <p:nvSpPr>
+          <p:cNvPr id="4" name="Slide Number Placeholder 3"/>
+          <p:cNvSpPr>
+            <a:spLocks noGrp="1"/>
+          </p:cNvSpPr>
+          <p:nvPr>
+            <p:ph type="sldNum" sz="quarter" idx="10"/>
+          </p:nvPr>
+        </p:nvSpPr>
+        <p:spPr/>
+        <p:txBody>
+          <a:bodyPr/>
+          <a:lstStyle/>
+          <a:p>
+            <a:fld id="{433137AF-EBFE-664E-840A-10B3290003D1}" type="slidenum">
+              <a:rPr lang="en-US" smtClean="0"/>
+              <a:t>36</a:t>
+            </a:fld>
+            <a:endParaRPr lang="en-US"/>
+          </a:p>
+        </p:txBody>
+      </p:sp>
+    </p:spTree>
+    <p:extLst>
+      <p:ext uri="{BB962C8B-B14F-4D97-AF65-F5344CB8AC3E}">
+        <p14:creationId xmlns:p14="http://schemas.microsoft.com/office/powerpoint/2010/main" val="1896287146"/>
+      </p:ext>
+    </p:extLst>
+  </p:cSld>
+  <p:clrMapOvr>
+    <a:masterClrMapping/>
+  </p:clrMapOvr>
+</p:notes>
+</file>
+
+<file path=ppt/notesSlides/notesSlide27.xml><?xml version="1.0" encoding="utf-8"?>
+<p:notes xmlns:a="http://schemas.openxmlformats.org/drawingml/2006/main" xmlns:r="http://schemas.openxmlformats.org/officeDocument/2006/relationships" xmlns:p="http://schemas.openxmlformats.org/presentationml/2006/main">
+  <p:cSld>
+    <p:spTree>
+      <p:nvGrpSpPr>
+        <p:cNvPr id="1" name=""/>
+        <p:cNvGrpSpPr/>
+        <p:nvPr/>
+      </p:nvGrpSpPr>
+      <p:grpSpPr>
+        <a:xfrm>
+          <a:off x="0" y="0"/>
+          <a:ext cx="0" cy="0"/>
+          <a:chOff x="0" y="0"/>
+          <a:chExt cx="0" cy="0"/>
+        </a:xfrm>
+      </p:grpSpPr>
+      <p:sp>
+        <p:nvSpPr>
+          <p:cNvPr id="2" name="Slide Image Placeholder 1"/>
+          <p:cNvSpPr>
+            <a:spLocks noGrp="1" noRot="1" noChangeAspect="1"/>
+          </p:cNvSpPr>
+          <p:nvPr>
+            <p:ph type="sldImg"/>
+          </p:nvPr>
+        </p:nvSpPr>
+        <p:spPr/>
+      </p:sp>
+      <p:sp>
+        <p:nvSpPr>
+          <p:cNvPr id="3" name="Notes Placeholder 2"/>
+          <p:cNvSpPr>
+            <a:spLocks noGrp="1"/>
+          </p:cNvSpPr>
+          <p:nvPr>
+            <p:ph type="body" idx="1"/>
+          </p:nvPr>
+        </p:nvSpPr>
+        <p:spPr/>
+        <p:txBody>
+          <a:bodyPr/>
+          <a:lstStyle/>
+          <a:p>
+            <a:r>
+              <a:rPr lang="en-US" dirty="0" smtClean="0"/>
+              <a:t>http://</a:t>
+            </a:r>
+            <a:r>
+              <a:rPr lang="en-US" dirty="0" err="1" smtClean="0"/>
+              <a:t>openbd.org</a:t>
+            </a:r>
+            <a:r>
+              <a:rPr lang="en-US" dirty="0" smtClean="0"/>
+              <a:t>/manual/?/</a:t>
+            </a:r>
+            <a:r>
+              <a:rPr lang="en-US" dirty="0" err="1" smtClean="0"/>
+              <a:t>app_application</a:t>
+            </a:r>
+            <a:endParaRPr lang="en-US" dirty="0" smtClean="0"/>
+          </a:p>
+          <a:p>
+            <a:r>
+              <a:rPr lang="en-US" dirty="0" smtClean="0"/>
+              <a:t>http://</a:t>
+            </a:r>
+            <a:r>
+              <a:rPr lang="en-US" dirty="0" err="1" smtClean="0"/>
+              <a:t>openbd.org</a:t>
+            </a:r>
+            <a:r>
+              <a:rPr lang="en-US" dirty="0" smtClean="0"/>
+              <a:t>/manual/?/</a:t>
+            </a:r>
+            <a:r>
+              <a:rPr lang="en-US" dirty="0" err="1" smtClean="0"/>
+              <a:t>app_application_cfc</a:t>
+            </a:r>
+            <a:endParaRPr lang="en-US" dirty="0"/>
+          </a:p>
+        </p:txBody>
+      </p:sp>
+      <p:sp>
+        <p:nvSpPr>
+          <p:cNvPr id="4" name="Slide Number Placeholder 3"/>
+          <p:cNvSpPr>
+            <a:spLocks noGrp="1"/>
+          </p:cNvSpPr>
+          <p:nvPr>
+            <p:ph type="sldNum" sz="quarter" idx="10"/>
+          </p:nvPr>
+        </p:nvSpPr>
+        <p:spPr/>
+        <p:txBody>
+          <a:bodyPr/>
+          <a:lstStyle/>
+          <a:p>
+            <a:fld id="{433137AF-EBFE-664E-840A-10B3290003D1}" type="slidenum">
+              <a:rPr lang="en-US" smtClean="0"/>
+              <a:t>38</a:t>
+            </a:fld>
+            <a:endParaRPr lang="en-US"/>
+          </a:p>
+        </p:txBody>
+      </p:sp>
+    </p:spTree>
+    <p:extLst>
+      <p:ext uri="{BB962C8B-B14F-4D97-AF65-F5344CB8AC3E}">
+        <p14:creationId xmlns:p14="http://schemas.microsoft.com/office/powerpoint/2010/main" val="1218584212"/>
       </p:ext>
     </p:extLst>
   </p:cSld>
@@ -10509,7 +10852,7 @@
         <p:spPr/>
         <p:txBody>
           <a:bodyPr>
-            <a:normAutofit fontScale="92500" lnSpcReduction="20000"/>
+            <a:normAutofit fontScale="77500" lnSpcReduction="20000"/>
           </a:bodyPr>
           <a:lstStyle/>
           <a:p>
@@ -10719,8 +11062,54 @@
             </a:r>
             <a:r>
               <a:rPr lang="en-US" dirty="0" smtClean="0"/>
-              <a:t> scope (sometimes)</a:t>
-            </a:r>
+              <a:t> scope (sometimes</a:t>
+            </a:r>
+            <a:r>
+              <a:rPr lang="en-US" dirty="0" smtClean="0"/>
+              <a:t>)</a:t>
+            </a:r>
+          </a:p>
+          <a:p>
+            <a:r>
+              <a:rPr lang="en-US" sz="2300" dirty="0" smtClean="0">
+                <a:latin typeface="Courier New"/>
+                <a:cs typeface="Courier New"/>
+              </a:rPr>
+              <a:t>&lt;</a:t>
+            </a:r>
+            <a:r>
+              <a:rPr lang="en-US" sz="2300" dirty="0" smtClean="0">
+                <a:latin typeface="Courier New"/>
+                <a:cs typeface="Courier New"/>
+                <a:hlinkClick r:id="rId7"/>
+              </a:rPr>
+              <a:t>cfhtmlhead</a:t>
+            </a:r>
+            <a:r>
+              <a:rPr lang="en-US" sz="2300" dirty="0" smtClean="0">
+                <a:latin typeface="Courier New"/>
+                <a:cs typeface="Courier New"/>
+              </a:rPr>
+              <a:t> text=“TEXT”&gt;</a:t>
+            </a:r>
+          </a:p>
+          <a:p>
+            <a:pPr lvl="1"/>
+            <a:r>
+              <a:rPr lang="en-US" dirty="0" smtClean="0"/>
+              <a:t>Text is any HTML you want inserted right before </a:t>
+            </a:r>
+            <a:r>
+              <a:rPr lang="en-US" sz="2100" dirty="0" smtClean="0">
+                <a:latin typeface="Courier New"/>
+                <a:cs typeface="Courier New"/>
+              </a:rPr>
+              <a:t>&lt;/head&gt;</a:t>
+            </a:r>
+            <a:endParaRPr lang="en-US" dirty="0" smtClean="0">
+              <a:latin typeface="Courier New"/>
+              <a:cs typeface="Courier New"/>
+            </a:endParaRPr>
           </a:p>
         </p:txBody>
       </p:sp>
@@ -11740,11 +12129,7 @@
           <a:p>
             <a:r>
               <a:rPr lang="en-US" dirty="0" smtClean="0"/>
-              <a:t>Usually return value </a:t>
-            </a:r>
-            <a:r>
-              <a:rPr lang="en-US" smtClean="0"/>
-              <a:t>and doesn’t output</a:t>
+              <a:t>Usually return value and doesn’t output</a:t>
             </a:r>
             <a:endParaRPr lang="en-US" dirty="0"/>
           </a:p>
@@ -12094,7 +12479,7 @@
           <a:p>
             <a:r>
               <a:rPr lang="en-US" dirty="0" smtClean="0"/>
-              <a:t>CFCs</a:t>
+              <a:t>Modularity</a:t>
             </a:r>
             <a:endParaRPr lang="en-US" dirty="0"/>
           </a:p>
@@ -12115,7 +12500,75 @@
           <a:bodyPr/>
           <a:lstStyle/>
           <a:p>
-            <a:endParaRPr lang="en-US"/>
+            <a:r>
+              <a:rPr lang="en-US" dirty="0" smtClean="0"/>
+              <a:t>&lt;</a:t>
+            </a:r>
+            <a:r>
+              <a:rPr lang="en-US" dirty="0" smtClean="0">
+                <a:hlinkClick r:id="rId3"/>
+              </a:rPr>
+              <a:t>cfinclude</a:t>
+            </a:r>
+            <a:r>
+              <a:rPr lang="en-US" dirty="0" smtClean="0"/>
+              <a:t> template=“REAL PATH”&gt;</a:t>
+            </a:r>
+          </a:p>
+          <a:p>
+            <a:pPr lvl="1"/>
+            <a:r>
+              <a:rPr lang="en-US" dirty="0" smtClean="0"/>
+              <a:t>Executes the template into your page</a:t>
+            </a:r>
+          </a:p>
+          <a:p>
+            <a:r>
+              <a:rPr lang="en-US" dirty="0" smtClean="0"/>
+              <a:t>Custom Tags</a:t>
+            </a:r>
+          </a:p>
+          <a:p>
+            <a:pPr lvl="1"/>
+            <a:r>
+              <a:rPr lang="en-US" dirty="0" smtClean="0"/>
+              <a:t>&lt;</a:t>
+            </a:r>
+            <a:r>
+              <a:rPr lang="en-US" dirty="0" err="1" smtClean="0"/>
+              <a:t>cf_mycustomtag</a:t>
+            </a:r>
+            <a:r>
+              <a:rPr lang="en-US" dirty="0" smtClean="0"/>
+              <a:t> ...&gt;</a:t>
+            </a:r>
+          </a:p>
+          <a:p>
+            <a:pPr lvl="1"/>
+            <a:r>
+              <a:rPr lang="en-US" dirty="0" smtClean="0"/>
+              <a:t>Must drop custom tag into custom tags folder</a:t>
+            </a:r>
+          </a:p>
+          <a:p>
+            <a:r>
+              <a:rPr lang="en-US" dirty="0" smtClean="0"/>
+              <a:t>UDFs</a:t>
+            </a:r>
+          </a:p>
+          <a:p>
+            <a:r>
+              <a:rPr lang="en-US" dirty="0" smtClean="0"/>
+              <a:t>ColdFusion Components (CFCs)</a:t>
+            </a:r>
+          </a:p>
+          <a:p>
+            <a:pPr lvl="1"/>
+            <a:r>
+              <a:rPr lang="en-US" dirty="0" smtClean="0"/>
+              <a:t>Can be collection of UDFs or an object</a:t>
+            </a:r>
+            <a:endParaRPr lang="en-US" dirty="0"/>
           </a:p>
         </p:txBody>
       </p:sp>
@@ -12123,6 +12576,799 @@
     <p:extLst>
       <p:ext uri="{BB962C8B-B14F-4D97-AF65-F5344CB8AC3E}">
         <p14:creationId xmlns:p14="http://schemas.microsoft.com/office/powerpoint/2010/main" val="2014084714"/>
+      </p:ext>
+    </p:extLst>
+  </p:cSld>
+  <p:clrMapOvr>
+    <a:masterClrMapping/>
+  </p:clrMapOvr>
+</p:sld>
+</file>
+
+<file path=ppt/slides/slide35.xml><?xml version="1.0" encoding="utf-8"?>
+<p:sld xmlns:a="http://schemas.openxmlformats.org/drawingml/2006/main" xmlns:r="http://schemas.openxmlformats.org/officeDocument/2006/relationships" xmlns:p="http://schemas.openxmlformats.org/presentationml/2006/main">
+  <p:cSld>
+    <p:spTree>
+      <p:nvGrpSpPr>
+        <p:cNvPr id="1" name=""/>
+        <p:cNvGrpSpPr/>
+        <p:nvPr/>
+      </p:nvGrpSpPr>
+      <p:grpSpPr>
+        <a:xfrm>
+          <a:off x="0" y="0"/>
+          <a:ext cx="0" cy="0"/>
+          <a:chOff x="0" y="0"/>
+          <a:chExt cx="0" cy="0"/>
+        </a:xfrm>
+      </p:grpSpPr>
+      <p:sp>
+        <p:nvSpPr>
+          <p:cNvPr id="2" name="Title 1"/>
+          <p:cNvSpPr>
+            <a:spLocks noGrp="1"/>
+          </p:cNvSpPr>
+          <p:nvPr>
+            <p:ph type="title"/>
+          </p:nvPr>
+        </p:nvSpPr>
+        <p:spPr/>
+        <p:txBody>
+          <a:bodyPr/>
+          <a:lstStyle/>
+          <a:p>
+            <a:r>
+              <a:rPr lang="en-US" dirty="0" smtClean="0"/>
+              <a:t>CFC Syntax</a:t>
+            </a:r>
+            <a:endParaRPr lang="en-US" dirty="0"/>
+          </a:p>
+        </p:txBody>
+      </p:sp>
+      <p:sp>
+        <p:nvSpPr>
+          <p:cNvPr id="3" name="Content Placeholder 2"/>
+          <p:cNvSpPr>
+            <a:spLocks noGrp="1"/>
+          </p:cNvSpPr>
+          <p:nvPr>
+            <p:ph idx="1"/>
+          </p:nvPr>
+        </p:nvSpPr>
+        <p:spPr/>
+        <p:txBody>
+          <a:bodyPr>
+            <a:normAutofit lnSpcReduction="10000"/>
+          </a:bodyPr>
+          <a:lstStyle/>
+          <a:p>
+            <a:r>
+              <a:rPr lang="en-US" sz="2000" dirty="0" smtClean="0">
+                <a:latin typeface="Courier New"/>
+                <a:cs typeface="Courier New"/>
+              </a:rPr>
+              <a:t>&lt;</a:t>
+            </a:r>
+            <a:r>
+              <a:rPr lang="en-US" sz="2000" dirty="0" smtClean="0">
+                <a:latin typeface="Courier New"/>
+                <a:cs typeface="Courier New"/>
+                <a:hlinkClick r:id="rId3"/>
+              </a:rPr>
+              <a:t>cfcomponent</a:t>
+            </a:r>
+            <a:r>
+              <a:rPr lang="en-US" sz="2000" dirty="0" smtClean="0">
+                <a:latin typeface="Courier New"/>
+                <a:cs typeface="Courier New"/>
+              </a:rPr>
+              <a:t> output=“BOOLEAN” </a:t>
+            </a:r>
+            <a:r>
+              <a:rPr lang="en-US" sz="2000" dirty="0" err="1" smtClean="0">
+                <a:latin typeface="Courier New"/>
+                <a:cs typeface="Courier New"/>
+              </a:rPr>
+              <a:t>displayname</a:t>
+            </a:r>
+            <a:r>
+              <a:rPr lang="en-US" sz="2000" dirty="0" smtClean="0">
+                <a:latin typeface="Courier New"/>
+                <a:cs typeface="Courier New"/>
+              </a:rPr>
+              <a:t>=“NAME” hint=“STRING” extends=“COMPONENT”&gt;</a:t>
+            </a:r>
+          </a:p>
+          <a:p>
+            <a:pPr lvl="1"/>
+            <a:r>
+              <a:rPr lang="en-US" dirty="0" smtClean="0"/>
+              <a:t>Wraps your CFC</a:t>
+            </a:r>
+          </a:p>
+          <a:p>
+            <a:pPr lvl="1"/>
+            <a:r>
+              <a:rPr lang="en-US" dirty="0"/>
+              <a:t>T</a:t>
+            </a:r>
+            <a:r>
+              <a:rPr lang="en-US" dirty="0" smtClean="0"/>
+              <a:t>ags are optional, most for documentation</a:t>
+            </a:r>
+          </a:p>
+          <a:p>
+            <a:r>
+              <a:rPr lang="en-US" dirty="0" smtClean="0"/>
+              <a:t>Define functions with </a:t>
+            </a:r>
+            <a:r>
+              <a:rPr lang="en-US" sz="2000" dirty="0" smtClean="0">
+                <a:latin typeface="Courier New"/>
+                <a:cs typeface="Courier New"/>
+              </a:rPr>
+              <a:t>&lt;</a:t>
+            </a:r>
+            <a:r>
+              <a:rPr lang="en-US" sz="2000" dirty="0" err="1" smtClean="0">
+                <a:latin typeface="Courier New"/>
+                <a:cs typeface="Courier New"/>
+              </a:rPr>
+              <a:t>cffunction</a:t>
+            </a:r>
+            <a:r>
+              <a:rPr lang="en-US" sz="2000" dirty="0" smtClean="0">
+                <a:latin typeface="Courier New"/>
+                <a:cs typeface="Courier New"/>
+              </a:rPr>
+              <a:t>&gt;</a:t>
+            </a:r>
+            <a:endParaRPr lang="en-US" dirty="0" smtClean="0">
+              <a:latin typeface="Courier New"/>
+              <a:cs typeface="Courier New"/>
+            </a:endParaRPr>
+          </a:p>
+          <a:p>
+            <a:r>
+              <a:rPr lang="en-US" dirty="0" smtClean="0"/>
+              <a:t>Code between </a:t>
+            </a:r>
+            <a:r>
+              <a:rPr lang="en-US" sz="2000" dirty="0" smtClean="0">
+                <a:latin typeface="Courier New"/>
+                <a:cs typeface="Courier New"/>
+              </a:rPr>
+              <a:t>&lt;</a:t>
+            </a:r>
+            <a:r>
+              <a:rPr lang="en-US" sz="2000" dirty="0" err="1" smtClean="0">
+                <a:latin typeface="Courier New"/>
+                <a:cs typeface="Courier New"/>
+              </a:rPr>
+              <a:t>cfcomponent</a:t>
+            </a:r>
+            <a:r>
+              <a:rPr lang="en-US" sz="2000" dirty="0" smtClean="0">
+                <a:latin typeface="Courier New"/>
+                <a:cs typeface="Courier New"/>
+              </a:rPr>
+              <a:t>&gt;</a:t>
+            </a:r>
+            <a:r>
+              <a:rPr lang="en-US" dirty="0" smtClean="0"/>
+              <a:t> and first </a:t>
+            </a:r>
+            <a:r>
+              <a:rPr lang="en-US" sz="2000" dirty="0" smtClean="0">
+                <a:latin typeface="Courier New"/>
+                <a:cs typeface="Courier New"/>
+              </a:rPr>
+              <a:t>&lt;</a:t>
+            </a:r>
+            <a:r>
+              <a:rPr lang="en-US" sz="2000" dirty="0" err="1" smtClean="0">
+                <a:latin typeface="Courier New"/>
+                <a:cs typeface="Courier New"/>
+              </a:rPr>
+              <a:t>cffunction</a:t>
+            </a:r>
+            <a:r>
+              <a:rPr lang="en-US" sz="2000" dirty="0" smtClean="0">
+                <a:latin typeface="Courier New"/>
+                <a:cs typeface="Courier New"/>
+              </a:rPr>
+              <a:t>&gt;</a:t>
+            </a:r>
+            <a:r>
+              <a:rPr lang="en-US" dirty="0" smtClean="0"/>
+              <a:t> acts as “</a:t>
+            </a:r>
+            <a:r>
+              <a:rPr lang="en-US" dirty="0" err="1" smtClean="0"/>
+              <a:t>init</a:t>
+            </a:r>
+            <a:r>
+              <a:rPr lang="en-US" dirty="0" smtClean="0"/>
+              <a:t>()”</a:t>
+            </a:r>
+          </a:p>
+          <a:p>
+            <a:r>
+              <a:rPr lang="en-US" dirty="0" smtClean="0"/>
+              <a:t>Getters / Setters not automatically created</a:t>
+            </a:r>
+          </a:p>
+          <a:p>
+            <a:r>
+              <a:rPr lang="en-US" dirty="0" smtClean="0"/>
+              <a:t>Instantiated using </a:t>
+            </a:r>
+            <a:r>
+              <a:rPr lang="en-US" dirty="0" err="1" smtClean="0">
+                <a:hlinkClick r:id="rId4"/>
+              </a:rPr>
+              <a:t>CreateObject</a:t>
+            </a:r>
+            <a:r>
+              <a:rPr lang="en-US" dirty="0" smtClean="0"/>
+              <a:t>()</a:t>
+            </a:r>
+            <a:endParaRPr lang="en-US" dirty="0"/>
+          </a:p>
+        </p:txBody>
+      </p:sp>
+    </p:spTree>
+    <p:extLst>
+      <p:ext uri="{BB962C8B-B14F-4D97-AF65-F5344CB8AC3E}">
+        <p14:creationId xmlns:p14="http://schemas.microsoft.com/office/powerpoint/2010/main" val="1769265055"/>
+      </p:ext>
+    </p:extLst>
+  </p:cSld>
+  <p:clrMapOvr>
+    <a:masterClrMapping/>
+  </p:clrMapOvr>
+</p:sld>
+</file>
+
+<file path=ppt/slides/slide36.xml><?xml version="1.0" encoding="utf-8"?>
+<p:sld xmlns:a="http://schemas.openxmlformats.org/drawingml/2006/main" xmlns:r="http://schemas.openxmlformats.org/officeDocument/2006/relationships" xmlns:p="http://schemas.openxmlformats.org/presentationml/2006/main">
+  <p:cSld>
+    <p:spTree>
+      <p:nvGrpSpPr>
+        <p:cNvPr id="1" name=""/>
+        <p:cNvGrpSpPr/>
+        <p:nvPr/>
+      </p:nvGrpSpPr>
+      <p:grpSpPr>
+        <a:xfrm>
+          <a:off x="0" y="0"/>
+          <a:ext cx="0" cy="0"/>
+          <a:chOff x="0" y="0"/>
+          <a:chExt cx="0" cy="0"/>
+        </a:xfrm>
+      </p:grpSpPr>
+      <p:sp>
+        <p:nvSpPr>
+          <p:cNvPr id="2" name="Title 1"/>
+          <p:cNvSpPr>
+            <a:spLocks noGrp="1"/>
+          </p:cNvSpPr>
+          <p:nvPr>
+            <p:ph type="title"/>
+          </p:nvPr>
+        </p:nvSpPr>
+        <p:spPr/>
+        <p:txBody>
+          <a:bodyPr/>
+          <a:lstStyle/>
+          <a:p>
+            <a:r>
+              <a:rPr lang="en-US" dirty="0" smtClean="0"/>
+              <a:t>CFC Variable Scope</a:t>
+            </a:r>
+            <a:endParaRPr lang="en-US" dirty="0"/>
+          </a:p>
+        </p:txBody>
+      </p:sp>
+      <p:sp>
+        <p:nvSpPr>
+          <p:cNvPr id="3" name="Content Placeholder 2"/>
+          <p:cNvSpPr>
+            <a:spLocks noGrp="1"/>
+          </p:cNvSpPr>
+          <p:nvPr>
+            <p:ph idx="1"/>
+          </p:nvPr>
+        </p:nvSpPr>
+        <p:spPr/>
+        <p:txBody>
+          <a:bodyPr/>
+          <a:lstStyle/>
+          <a:p>
+            <a:r>
+              <a:rPr lang="en-US" dirty="0" smtClean="0"/>
+              <a:t>this</a:t>
+            </a:r>
+          </a:p>
+          <a:p>
+            <a:pPr lvl="1"/>
+            <a:r>
+              <a:rPr lang="en-US" dirty="0" smtClean="0"/>
+              <a:t>CFC’s global scope</a:t>
+            </a:r>
+          </a:p>
+          <a:p>
+            <a:pPr lvl="1"/>
+            <a:r>
+              <a:rPr lang="en-US" dirty="0" smtClean="0"/>
+              <a:t>Public when added as </a:t>
+            </a:r>
+            <a:r>
+              <a:rPr lang="en-US" dirty="0" err="1" smtClean="0"/>
+              <a:t>this.VARIABLE</a:t>
+            </a:r>
+            <a:endParaRPr lang="en-US" dirty="0" smtClean="0"/>
+          </a:p>
+          <a:p>
+            <a:r>
+              <a:rPr lang="en-US" dirty="0" smtClean="0"/>
+              <a:t>variables</a:t>
+            </a:r>
+          </a:p>
+          <a:p>
+            <a:pPr lvl="1"/>
+            <a:r>
+              <a:rPr lang="en-US" dirty="0" smtClean="0"/>
+              <a:t>CFC’s private scope</a:t>
+            </a:r>
+          </a:p>
+          <a:p>
+            <a:r>
+              <a:rPr lang="en-US" dirty="0" err="1" smtClean="0"/>
+              <a:t>var’d</a:t>
+            </a:r>
+            <a:r>
+              <a:rPr lang="en-US" dirty="0" smtClean="0"/>
+              <a:t> variables</a:t>
+            </a:r>
+          </a:p>
+          <a:p>
+            <a:pPr lvl="1"/>
+            <a:r>
+              <a:rPr lang="en-US" dirty="0" smtClean="0"/>
+              <a:t>Function’s local scope	</a:t>
+            </a:r>
+          </a:p>
+        </p:txBody>
+      </p:sp>
+    </p:spTree>
+    <p:extLst>
+      <p:ext uri="{BB962C8B-B14F-4D97-AF65-F5344CB8AC3E}">
+        <p14:creationId xmlns:p14="http://schemas.microsoft.com/office/powerpoint/2010/main" val="741162050"/>
+      </p:ext>
+    </p:extLst>
+  </p:cSld>
+  <p:clrMapOvr>
+    <a:masterClrMapping/>
+  </p:clrMapOvr>
+</p:sld>
+</file>
+
+<file path=ppt/slides/slide37.xml><?xml version="1.0" encoding="utf-8"?>
+<p:sld xmlns:a="http://schemas.openxmlformats.org/drawingml/2006/main" xmlns:r="http://schemas.openxmlformats.org/officeDocument/2006/relationships" xmlns:p="http://schemas.openxmlformats.org/presentationml/2006/main">
+  <p:cSld>
+    <p:spTree>
+      <p:nvGrpSpPr>
+        <p:cNvPr id="1" name=""/>
+        <p:cNvGrpSpPr/>
+        <p:nvPr/>
+      </p:nvGrpSpPr>
+      <p:grpSpPr>
+        <a:xfrm>
+          <a:off x="0" y="0"/>
+          <a:ext cx="0" cy="0"/>
+          <a:chOff x="0" y="0"/>
+          <a:chExt cx="0" cy="0"/>
+        </a:xfrm>
+      </p:grpSpPr>
+      <p:sp>
+        <p:nvSpPr>
+          <p:cNvPr id="4" name="Title 3"/>
+          <p:cNvSpPr>
+            <a:spLocks noGrp="1"/>
+          </p:cNvSpPr>
+          <p:nvPr>
+            <p:ph type="ctrTitle"/>
+          </p:nvPr>
+        </p:nvSpPr>
+        <p:spPr/>
+        <p:txBody>
+          <a:bodyPr/>
+          <a:lstStyle/>
+          <a:p>
+            <a:r>
+              <a:rPr lang="en-US" dirty="0" smtClean="0"/>
+              <a:t>Demo </a:t>
+            </a:r>
+            <a:r>
+              <a:rPr lang="en-US" dirty="0" smtClean="0"/>
+              <a:t>05</a:t>
+            </a:r>
+            <a:endParaRPr lang="en-US" dirty="0"/>
+          </a:p>
+        </p:txBody>
+      </p:sp>
+      <p:sp>
+        <p:nvSpPr>
+          <p:cNvPr id="5" name="Subtitle 4"/>
+          <p:cNvSpPr>
+            <a:spLocks noGrp="1"/>
+          </p:cNvSpPr>
+          <p:nvPr>
+            <p:ph type="subTitle" idx="1"/>
+          </p:nvPr>
+        </p:nvSpPr>
+        <p:spPr/>
+        <p:txBody>
+          <a:bodyPr/>
+          <a:lstStyle/>
+          <a:p>
+            <a:endParaRPr lang="en-US"/>
+          </a:p>
+        </p:txBody>
+      </p:sp>
+      <p:sp>
+        <p:nvSpPr>
+          <p:cNvPr id="6" name="Picture Placeholder 5"/>
+          <p:cNvSpPr>
+            <a:spLocks noGrp="1"/>
+          </p:cNvSpPr>
+          <p:nvPr>
+            <p:ph type="pic" idx="13"/>
+          </p:nvPr>
+        </p:nvSpPr>
+        <p:spPr/>
+      </p:sp>
+    </p:spTree>
+    <p:extLst>
+      <p:ext uri="{BB962C8B-B14F-4D97-AF65-F5344CB8AC3E}">
+        <p14:creationId xmlns:p14="http://schemas.microsoft.com/office/powerpoint/2010/main" val="4199451968"/>
+      </p:ext>
+    </p:extLst>
+  </p:cSld>
+  <p:clrMapOvr>
+    <a:masterClrMapping/>
+  </p:clrMapOvr>
+</p:sld>
+</file>
+
+<file path=ppt/slides/slide38.xml><?xml version="1.0" encoding="utf-8"?>
+<p:sld xmlns:a="http://schemas.openxmlformats.org/drawingml/2006/main" xmlns:r="http://schemas.openxmlformats.org/officeDocument/2006/relationships" xmlns:p="http://schemas.openxmlformats.org/presentationml/2006/main">
+  <p:cSld>
+    <p:spTree>
+      <p:nvGrpSpPr>
+        <p:cNvPr id="1" name=""/>
+        <p:cNvGrpSpPr/>
+        <p:nvPr/>
+      </p:nvGrpSpPr>
+      <p:grpSpPr>
+        <a:xfrm>
+          <a:off x="0" y="0"/>
+          <a:ext cx="0" cy="0"/>
+          <a:chOff x="0" y="0"/>
+          <a:chExt cx="0" cy="0"/>
+        </a:xfrm>
+      </p:grpSpPr>
+      <p:sp>
+        <p:nvSpPr>
+          <p:cNvPr id="5" name="Title 4"/>
+          <p:cNvSpPr>
+            <a:spLocks noGrp="1"/>
+          </p:cNvSpPr>
+          <p:nvPr>
+            <p:ph type="title"/>
+          </p:nvPr>
+        </p:nvSpPr>
+        <p:spPr/>
+        <p:txBody>
+          <a:bodyPr/>
+          <a:lstStyle/>
+          <a:p>
+            <a:r>
+              <a:rPr lang="en-US" dirty="0" smtClean="0"/>
+              <a:t>Applications</a:t>
+            </a:r>
+            <a:endParaRPr lang="en-US" dirty="0"/>
+          </a:p>
+        </p:txBody>
+      </p:sp>
+      <p:sp>
+        <p:nvSpPr>
+          <p:cNvPr id="6" name="Content Placeholder 5"/>
+          <p:cNvSpPr>
+            <a:spLocks noGrp="1"/>
+          </p:cNvSpPr>
+          <p:nvPr>
+            <p:ph idx="1"/>
+          </p:nvPr>
+        </p:nvSpPr>
+        <p:spPr/>
+        <p:txBody>
+          <a:bodyPr>
+            <a:normAutofit fontScale="92500" lnSpcReduction="20000"/>
+          </a:bodyPr>
+          <a:lstStyle/>
+          <a:p>
+            <a:r>
+              <a:rPr lang="en-US" dirty="0" err="1" smtClean="0"/>
+              <a:t>Application.cfc</a:t>
+            </a:r>
+            <a:r>
+              <a:rPr lang="en-US" dirty="0" smtClean="0"/>
+              <a:t> or </a:t>
+            </a:r>
+            <a:r>
+              <a:rPr lang="en-US" dirty="0" err="1" smtClean="0"/>
+              <a:t>Application.cfm</a:t>
+            </a:r>
+            <a:r>
+              <a:rPr lang="en-US" dirty="0" smtClean="0"/>
+              <a:t> creates an application</a:t>
+            </a:r>
+          </a:p>
+          <a:p>
+            <a:r>
+              <a:rPr lang="en-US" dirty="0" smtClean="0"/>
+              <a:t>Has special properties</a:t>
+            </a:r>
+          </a:p>
+          <a:p>
+            <a:pPr lvl="1"/>
+            <a:r>
+              <a:rPr lang="en-US" dirty="0" err="1" smtClean="0"/>
+              <a:t>this.name</a:t>
+            </a:r>
+            <a:r>
+              <a:rPr lang="en-US" dirty="0" smtClean="0"/>
+              <a:t>, </a:t>
+            </a:r>
+            <a:r>
+              <a:rPr lang="en-US" dirty="0" err="1" smtClean="0"/>
+              <a:t>this.scriptprotect</a:t>
+            </a:r>
+            <a:r>
+              <a:rPr lang="en-US" dirty="0" smtClean="0"/>
+              <a:t>, </a:t>
+            </a:r>
+            <a:r>
+              <a:rPr lang="en-US" dirty="0" err="1" smtClean="0"/>
+              <a:t>this.applicationtimeout</a:t>
+            </a:r>
+            <a:r>
+              <a:rPr lang="en-US" dirty="0" smtClean="0"/>
+              <a:t>, </a:t>
+            </a:r>
+            <a:r>
+              <a:rPr lang="en-US" dirty="0" err="1" smtClean="0"/>
+              <a:t>this.sessionmanagement</a:t>
+            </a:r>
+            <a:r>
+              <a:rPr lang="en-US" dirty="0" smtClean="0"/>
+              <a:t>, </a:t>
+            </a:r>
+            <a:r>
+              <a:rPr lang="en-US" dirty="0" err="1" smtClean="0"/>
+              <a:t>this.sessiontimeout</a:t>
+            </a:r>
+            <a:endParaRPr lang="en-US" dirty="0" smtClean="0"/>
+          </a:p>
+          <a:p>
+            <a:r>
+              <a:rPr lang="en-US" dirty="0" smtClean="0"/>
+              <a:t>Has normal properties: </a:t>
+            </a:r>
+            <a:r>
+              <a:rPr lang="en-US" dirty="0" err="1" smtClean="0"/>
+              <a:t>application.NAME</a:t>
+            </a:r>
+            <a:endParaRPr lang="en-US" dirty="0" smtClean="0"/>
+          </a:p>
+          <a:p>
+            <a:r>
+              <a:rPr lang="en-US" dirty="0" smtClean="0"/>
+              <a:t>Has special methods</a:t>
+            </a:r>
+          </a:p>
+          <a:p>
+            <a:pPr lvl="1"/>
+            <a:r>
+              <a:rPr lang="en-US" dirty="0" err="1" smtClean="0"/>
+              <a:t>onApplicationStart</a:t>
+            </a:r>
+            <a:r>
+              <a:rPr lang="en-US" dirty="0" smtClean="0"/>
+              <a:t>() / </a:t>
+            </a:r>
+            <a:r>
+              <a:rPr lang="en-US" dirty="0" err="1" smtClean="0"/>
+              <a:t>onApplicationEnd</a:t>
+            </a:r>
+            <a:r>
+              <a:rPr lang="en-US" dirty="0" smtClean="0"/>
+              <a:t>()</a:t>
+            </a:r>
+          </a:p>
+          <a:p>
+            <a:pPr lvl="1"/>
+            <a:r>
+              <a:rPr lang="en-US" dirty="0" err="1" smtClean="0"/>
+              <a:t>onSessionStart</a:t>
+            </a:r>
+            <a:r>
+              <a:rPr lang="en-US" dirty="0" smtClean="0"/>
+              <a:t>() / </a:t>
+            </a:r>
+            <a:r>
+              <a:rPr lang="en-US" dirty="0" err="1" smtClean="0"/>
+              <a:t>onSessionEnd</a:t>
+            </a:r>
+            <a:r>
+              <a:rPr lang="en-US" dirty="0" smtClean="0"/>
+              <a:t>()</a:t>
+            </a:r>
+          </a:p>
+          <a:p>
+            <a:pPr lvl="1"/>
+            <a:r>
+              <a:rPr lang="en-US" dirty="0" err="1" smtClean="0"/>
+              <a:t>onRequest</a:t>
+            </a:r>
+            <a:r>
+              <a:rPr lang="en-US" dirty="0" smtClean="0"/>
+              <a:t>() / </a:t>
+            </a:r>
+            <a:r>
+              <a:rPr lang="en-US" dirty="0" err="1" smtClean="0"/>
+              <a:t>onRequestStart</a:t>
+            </a:r>
+            <a:r>
+              <a:rPr lang="en-US" dirty="0" smtClean="0"/>
+              <a:t>() / </a:t>
+            </a:r>
+            <a:r>
+              <a:rPr lang="en-US" dirty="0" err="1" smtClean="0"/>
+              <a:t>onRequestEnd</a:t>
+            </a:r>
+            <a:r>
+              <a:rPr lang="en-US" dirty="0" smtClean="0"/>
+              <a:t>()</a:t>
+            </a:r>
+          </a:p>
+          <a:p>
+            <a:pPr lvl="1"/>
+            <a:r>
+              <a:rPr lang="en-US" dirty="0" err="1" smtClean="0"/>
+              <a:t>onError</a:t>
+            </a:r>
+            <a:r>
+              <a:rPr lang="en-US" dirty="0" smtClean="0"/>
+              <a:t>()</a:t>
+            </a:r>
+          </a:p>
+          <a:p>
+            <a:pPr lvl="1"/>
+            <a:r>
+              <a:rPr lang="en-US" dirty="0" err="1" smtClean="0"/>
+              <a:t>onMissingTemplate</a:t>
+            </a:r>
+            <a:r>
+              <a:rPr lang="en-US" dirty="0" smtClean="0"/>
+              <a:t>() / </a:t>
+            </a:r>
+            <a:r>
+              <a:rPr lang="en-US" dirty="0" err="1" smtClean="0"/>
+              <a:t>onMissingMethod</a:t>
+            </a:r>
+            <a:r>
+              <a:rPr lang="en-US" dirty="0" smtClean="0"/>
+              <a:t>()</a:t>
+            </a:r>
+            <a:endParaRPr lang="en-US" dirty="0"/>
+          </a:p>
+        </p:txBody>
+      </p:sp>
+    </p:spTree>
+    <p:extLst>
+      <p:ext uri="{BB962C8B-B14F-4D97-AF65-F5344CB8AC3E}">
+        <p14:creationId xmlns:p14="http://schemas.microsoft.com/office/powerpoint/2010/main" val="2873994102"/>
+      </p:ext>
+    </p:extLst>
+  </p:cSld>
+  <p:clrMapOvr>
+    <a:masterClrMapping/>
+  </p:clrMapOvr>
+</p:sld>
+</file>
+
+<file path=ppt/slides/slide39.xml><?xml version="1.0" encoding="utf-8"?>
+<p:sld xmlns:a="http://schemas.openxmlformats.org/drawingml/2006/main" xmlns:r="http://schemas.openxmlformats.org/officeDocument/2006/relationships" xmlns:p="http://schemas.openxmlformats.org/presentationml/2006/main">
+  <p:cSld>
+    <p:spTree>
+      <p:nvGrpSpPr>
+        <p:cNvPr id="1" name=""/>
+        <p:cNvGrpSpPr/>
+        <p:nvPr/>
+      </p:nvGrpSpPr>
+      <p:grpSpPr>
+        <a:xfrm>
+          <a:off x="0" y="0"/>
+          <a:ext cx="0" cy="0"/>
+          <a:chOff x="0" y="0"/>
+          <a:chExt cx="0" cy="0"/>
+        </a:xfrm>
+      </p:grpSpPr>
+      <p:sp>
+        <p:nvSpPr>
+          <p:cNvPr id="4" name="Title 3"/>
+          <p:cNvSpPr>
+            <a:spLocks noGrp="1"/>
+          </p:cNvSpPr>
+          <p:nvPr>
+            <p:ph type="ctrTitle"/>
+          </p:nvPr>
+        </p:nvSpPr>
+        <p:spPr/>
+        <p:txBody>
+          <a:bodyPr/>
+          <a:lstStyle/>
+          <a:p>
+            <a:r>
+              <a:rPr lang="en-US" dirty="0" smtClean="0"/>
+              <a:t>Demo </a:t>
+            </a:r>
+            <a:r>
+              <a:rPr lang="en-US" dirty="0" smtClean="0"/>
+              <a:t>06</a:t>
+            </a:r>
+            <a:endParaRPr lang="en-US" dirty="0"/>
+          </a:p>
+        </p:txBody>
+      </p:sp>
+      <p:sp>
+        <p:nvSpPr>
+          <p:cNvPr id="5" name="Subtitle 4"/>
+          <p:cNvSpPr>
+            <a:spLocks noGrp="1"/>
+          </p:cNvSpPr>
+          <p:nvPr>
+            <p:ph type="subTitle" idx="1"/>
+          </p:nvPr>
+        </p:nvSpPr>
+        <p:spPr/>
+        <p:txBody>
+          <a:bodyPr/>
+          <a:lstStyle/>
+          <a:p>
+            <a:endParaRPr lang="en-US"/>
+          </a:p>
+        </p:txBody>
+      </p:sp>
+      <p:sp>
+        <p:nvSpPr>
+          <p:cNvPr id="6" name="Picture Placeholder 5"/>
+          <p:cNvSpPr>
+            <a:spLocks noGrp="1"/>
+          </p:cNvSpPr>
+          <p:nvPr>
+            <p:ph type="pic" idx="13"/>
+          </p:nvPr>
+        </p:nvSpPr>
+        <p:spPr/>
+      </p:sp>
+    </p:spTree>
+    <p:extLst>
+      <p:ext uri="{BB962C8B-B14F-4D97-AF65-F5344CB8AC3E}">
+        <p14:creationId xmlns:p14="http://schemas.microsoft.com/office/powerpoint/2010/main" val="2724574937"/>
       </p:ext>
     </p:extLst>
   </p:cSld>

--- a/presentation.pptx
+++ b/presentation.pptx
@@ -7331,7 +7331,11 @@
           <a:p>
             <a:r>
               <a:rPr lang="en-US" dirty="0" smtClean="0"/>
-              <a:t>Open Source ColdFusion</a:t>
+              <a:t>Open Source </a:t>
+            </a:r>
+            <a:r>
+              <a:rPr lang="en-US" dirty="0" smtClean="0"/>
+              <a:t>CFML</a:t>
             </a:r>
             <a:endParaRPr lang="en-US" dirty="0"/>
           </a:p>
@@ -11062,11 +11066,7 @@
             </a:r>
             <a:r>
               <a:rPr lang="en-US" dirty="0" smtClean="0"/>
-              <a:t> scope (sometimes</a:t>
-            </a:r>
-            <a:r>
-              <a:rPr lang="en-US" dirty="0" smtClean="0"/>
-              <a:t>)</a:t>
+              <a:t> scope (sometimes)</a:t>
             </a:r>
           </a:p>
           <a:p>
@@ -12988,11 +12988,7 @@
           <a:p>
             <a:r>
               <a:rPr lang="en-US" dirty="0" smtClean="0"/>
-              <a:t>Demo </a:t>
-            </a:r>
-            <a:r>
-              <a:rPr lang="en-US" dirty="0" smtClean="0"/>
-              <a:t>05</a:t>
+              <a:t>Demo 05</a:t>
             </a:r>
             <a:endParaRPr lang="en-US" dirty="0"/>
           </a:p>
@@ -13324,11 +13320,7 @@
           <a:p>
             <a:r>
               <a:rPr lang="en-US" dirty="0" smtClean="0"/>
-              <a:t>Demo </a:t>
-            </a:r>
-            <a:r>
-              <a:rPr lang="en-US" dirty="0" smtClean="0"/>
-              <a:t>06</a:t>
+              <a:t>Demo 06</a:t>
             </a:r>
             <a:endParaRPr lang="en-US" dirty="0"/>
           </a:p>

--- a/presentation.pptx
+++ b/presentation.pptx
@@ -5,7 +5,7 @@
     <p:sldMasterId id="2147484490" r:id="rId1"/>
   </p:sldMasterIdLst>
   <p:notesMasterIdLst>
-    <p:notesMasterId r:id="rId41"/>
+    <p:notesMasterId r:id="rId45"/>
   </p:notesMasterIdLst>
   <p:sldIdLst>
     <p:sldId id="256" r:id="rId2"/>
@@ -47,6 +47,10 @@
     <p:sldId id="293" r:id="rId38"/>
     <p:sldId id="294" r:id="rId39"/>
     <p:sldId id="295" r:id="rId40"/>
+    <p:sldId id="296" r:id="rId41"/>
+    <p:sldId id="297" r:id="rId42"/>
+    <p:sldId id="298" r:id="rId43"/>
+    <p:sldId id="299" r:id="rId44"/>
   </p:sldIdLst>
   <p:sldSz cx="9144000" cy="6858000" type="screen4x3"/>
   <p:notesSz cx="6858000" cy="9144000"/>
@@ -7331,11 +7335,7 @@
           <a:p>
             <a:r>
               <a:rPr lang="en-US" dirty="0" smtClean="0"/>
-              <a:t>Open Source </a:t>
-            </a:r>
-            <a:r>
-              <a:rPr lang="en-US" dirty="0" smtClean="0"/>
-              <a:t>CFML</a:t>
+              <a:t>Open Source CFML</a:t>
             </a:r>
             <a:endParaRPr lang="en-US" dirty="0"/>
           </a:p>
@@ -13453,6 +13453,452 @@
       <p:transition xmlns:p14="http://schemas.microsoft.com/office/powerpoint/2010/main" spd="slow"/>
     </mc:Fallback>
   </mc:AlternateContent>
+</p:sld>
+</file>
+
+<file path=ppt/slides/slide40.xml><?xml version="1.0" encoding="utf-8"?>
+<p:sld xmlns:a="http://schemas.openxmlformats.org/drawingml/2006/main" xmlns:r="http://schemas.openxmlformats.org/officeDocument/2006/relationships" xmlns:p="http://schemas.openxmlformats.org/presentationml/2006/main">
+  <p:cSld>
+    <p:spTree>
+      <p:nvGrpSpPr>
+        <p:cNvPr id="1" name=""/>
+        <p:cNvGrpSpPr/>
+        <p:nvPr/>
+      </p:nvGrpSpPr>
+      <p:grpSpPr>
+        <a:xfrm>
+          <a:off x="0" y="0"/>
+          <a:ext cx="0" cy="0"/>
+          <a:chOff x="0" y="0"/>
+          <a:chExt cx="0" cy="0"/>
+        </a:xfrm>
+      </p:grpSpPr>
+      <p:sp>
+        <p:nvSpPr>
+          <p:cNvPr id="5" name="Title 4"/>
+          <p:cNvSpPr>
+            <a:spLocks noGrp="1"/>
+          </p:cNvSpPr>
+          <p:nvPr>
+            <p:ph type="title"/>
+          </p:nvPr>
+        </p:nvSpPr>
+        <p:spPr/>
+        <p:txBody>
+          <a:bodyPr/>
+          <a:lstStyle/>
+          <a:p>
+            <a:r>
+              <a:rPr lang="en-US" dirty="0" smtClean="0"/>
+              <a:t>Problems with</a:t>
+            </a:r>
+            <a:br>
+              <a:rPr lang="en-US" dirty="0" smtClean="0"/>
+            </a:br>
+            <a:r>
+              <a:rPr lang="en-US" dirty="0" smtClean="0"/>
+              <a:t>Open Source CFML</a:t>
+            </a:r>
+            <a:endParaRPr lang="en-US" dirty="0"/>
+          </a:p>
+        </p:txBody>
+      </p:sp>
+      <p:sp>
+        <p:nvSpPr>
+          <p:cNvPr id="6" name="Content Placeholder 5"/>
+          <p:cNvSpPr>
+            <a:spLocks noGrp="1"/>
+          </p:cNvSpPr>
+          <p:nvPr>
+            <p:ph idx="1"/>
+          </p:nvPr>
+        </p:nvSpPr>
+        <p:spPr/>
+        <p:txBody>
+          <a:bodyPr/>
+          <a:lstStyle/>
+          <a:p>
+            <a:r>
+              <a:rPr lang="en-US" dirty="0" smtClean="0"/>
+              <a:t>Adobe is big and closed (like Mono and Microsoft)</a:t>
+            </a:r>
+          </a:p>
+          <a:p>
+            <a:r>
+              <a:rPr lang="en-US" dirty="0" smtClean="0"/>
+              <a:t>Community isn’t vibrant</a:t>
+            </a:r>
+          </a:p>
+          <a:p>
+            <a:r>
+              <a:rPr lang="en-US" dirty="0" smtClean="0"/>
+              <a:t>Few high-profile projects that reach beyond CFML</a:t>
+            </a:r>
+          </a:p>
+          <a:p>
+            <a:r>
+              <a:rPr lang="en-US" dirty="0" smtClean="0"/>
+              <a:t>Hosting costs high and capabilities limited</a:t>
+            </a:r>
+          </a:p>
+          <a:p>
+            <a:r>
+              <a:rPr lang="en-US" dirty="0" smtClean="0"/>
+              <a:t>Perception against CFML</a:t>
+            </a:r>
+          </a:p>
+          <a:p>
+            <a:r>
+              <a:rPr lang="en-US" dirty="0" smtClean="0"/>
+              <a:t>Depends on Java / JVM</a:t>
+            </a:r>
+            <a:endParaRPr lang="en-US" dirty="0"/>
+          </a:p>
+        </p:txBody>
+      </p:sp>
+    </p:spTree>
+    <p:extLst>
+      <p:ext uri="{BB962C8B-B14F-4D97-AF65-F5344CB8AC3E}">
+        <p14:creationId xmlns:p14="http://schemas.microsoft.com/office/powerpoint/2010/main" val="1944215748"/>
+      </p:ext>
+    </p:extLst>
+  </p:cSld>
+  <p:clrMapOvr>
+    <a:masterClrMapping/>
+  </p:clrMapOvr>
+</p:sld>
+</file>
+
+<file path=ppt/slides/slide41.xml><?xml version="1.0" encoding="utf-8"?>
+<p:sld xmlns:a="http://schemas.openxmlformats.org/drawingml/2006/main" xmlns:r="http://schemas.openxmlformats.org/officeDocument/2006/relationships" xmlns:p="http://schemas.openxmlformats.org/presentationml/2006/main">
+  <p:cSld>
+    <p:spTree>
+      <p:nvGrpSpPr>
+        <p:cNvPr id="1" name=""/>
+        <p:cNvGrpSpPr/>
+        <p:nvPr/>
+      </p:nvGrpSpPr>
+      <p:grpSpPr>
+        <a:xfrm>
+          <a:off x="0" y="0"/>
+          <a:ext cx="0" cy="0"/>
+          <a:chOff x="0" y="0"/>
+          <a:chExt cx="0" cy="0"/>
+        </a:xfrm>
+      </p:grpSpPr>
+      <p:sp>
+        <p:nvSpPr>
+          <p:cNvPr id="2" name="Title 1"/>
+          <p:cNvSpPr>
+            <a:spLocks noGrp="1"/>
+          </p:cNvSpPr>
+          <p:nvPr>
+            <p:ph type="title"/>
+          </p:nvPr>
+        </p:nvSpPr>
+        <p:spPr/>
+        <p:txBody>
+          <a:bodyPr/>
+          <a:lstStyle/>
+          <a:p>
+            <a:r>
+              <a:rPr lang="en-US" dirty="0" smtClean="0"/>
+              <a:t>Benefits of</a:t>
+            </a:r>
+            <a:br>
+              <a:rPr lang="en-US" dirty="0" smtClean="0"/>
+            </a:br>
+            <a:r>
+              <a:rPr lang="en-US" dirty="0" smtClean="0"/>
+              <a:t>Open Source CFML</a:t>
+            </a:r>
+            <a:endParaRPr lang="en-US" dirty="0"/>
+          </a:p>
+        </p:txBody>
+      </p:sp>
+      <p:sp>
+        <p:nvSpPr>
+          <p:cNvPr id="3" name="Content Placeholder 2"/>
+          <p:cNvSpPr>
+            <a:spLocks noGrp="1"/>
+          </p:cNvSpPr>
+          <p:nvPr>
+            <p:ph idx="1"/>
+          </p:nvPr>
+        </p:nvSpPr>
+        <p:spPr/>
+        <p:txBody>
+          <a:bodyPr/>
+          <a:lstStyle/>
+          <a:p>
+            <a:r>
+              <a:rPr lang="en-US" dirty="0" smtClean="0"/>
+              <a:t>Easy to learn</a:t>
+            </a:r>
+          </a:p>
+          <a:p>
+            <a:r>
+              <a:rPr lang="en-US" dirty="0" smtClean="0"/>
+              <a:t>Adobe is a big player</a:t>
+            </a:r>
+          </a:p>
+          <a:p>
+            <a:r>
+              <a:rPr lang="en-US" dirty="0" smtClean="0"/>
+              <a:t>(Slowly) Growing community</a:t>
+            </a:r>
+          </a:p>
+          <a:p>
+            <a:r>
+              <a:rPr lang="en-US" dirty="0" smtClean="0"/>
+              <a:t>Respectable number of “also” projects</a:t>
+            </a:r>
+          </a:p>
+          <a:p>
+            <a:r>
+              <a:rPr lang="en-US" dirty="0" smtClean="0"/>
+              <a:t>Builds on Java</a:t>
+            </a:r>
+          </a:p>
+          <a:p>
+            <a:r>
+              <a:rPr lang="en-US" dirty="0" smtClean="0"/>
+              <a:t>Can (theoretically) be hosted on JVM-supported hosting</a:t>
+            </a:r>
+          </a:p>
+        </p:txBody>
+      </p:sp>
+    </p:spTree>
+    <p:extLst>
+      <p:ext uri="{BB962C8B-B14F-4D97-AF65-F5344CB8AC3E}">
+        <p14:creationId xmlns:p14="http://schemas.microsoft.com/office/powerpoint/2010/main" val="3288685297"/>
+      </p:ext>
+    </p:extLst>
+  </p:cSld>
+  <p:clrMapOvr>
+    <a:masterClrMapping/>
+  </p:clrMapOvr>
+</p:sld>
+</file>
+
+<file path=ppt/slides/slide42.xml><?xml version="1.0" encoding="utf-8"?>
+<p:sld xmlns:a="http://schemas.openxmlformats.org/drawingml/2006/main" xmlns:r="http://schemas.openxmlformats.org/officeDocument/2006/relationships" xmlns:p="http://schemas.openxmlformats.org/presentationml/2006/main">
+  <p:cSld>
+    <p:spTree>
+      <p:nvGrpSpPr>
+        <p:cNvPr id="1" name=""/>
+        <p:cNvGrpSpPr/>
+        <p:nvPr/>
+      </p:nvGrpSpPr>
+      <p:grpSpPr>
+        <a:xfrm>
+          <a:off x="0" y="0"/>
+          <a:ext cx="0" cy="0"/>
+          <a:chOff x="0" y="0"/>
+          <a:chExt cx="0" cy="0"/>
+        </a:xfrm>
+      </p:grpSpPr>
+      <p:sp>
+        <p:nvSpPr>
+          <p:cNvPr id="2" name="Title 1"/>
+          <p:cNvSpPr>
+            <a:spLocks noGrp="1"/>
+          </p:cNvSpPr>
+          <p:nvPr>
+            <p:ph type="title"/>
+          </p:nvPr>
+        </p:nvSpPr>
+        <p:spPr/>
+        <p:txBody>
+          <a:bodyPr/>
+          <a:lstStyle/>
+          <a:p>
+            <a:r>
+              <a:rPr lang="en-US" dirty="0" smtClean="0"/>
+              <a:t>Want More Info?</a:t>
+            </a:r>
+            <a:endParaRPr lang="en-US" dirty="0"/>
+          </a:p>
+        </p:txBody>
+      </p:sp>
+      <p:sp>
+        <p:nvSpPr>
+          <p:cNvPr id="3" name="Content Placeholder 2"/>
+          <p:cNvSpPr>
+            <a:spLocks noGrp="1"/>
+          </p:cNvSpPr>
+          <p:nvPr>
+            <p:ph idx="1"/>
+          </p:nvPr>
+        </p:nvSpPr>
+        <p:spPr/>
+        <p:txBody>
+          <a:bodyPr/>
+          <a:lstStyle/>
+          <a:p>
+            <a:r>
+              <a:rPr lang="en-US" dirty="0" smtClean="0"/>
+              <a:t>Open </a:t>
+            </a:r>
+            <a:r>
+              <a:rPr lang="en-US" dirty="0" err="1" smtClean="0"/>
+              <a:t>BlueDragon</a:t>
+            </a:r>
+            <a:r>
+              <a:rPr lang="en-US" dirty="0" smtClean="0"/>
+              <a:t>: </a:t>
+            </a:r>
+            <a:r>
+              <a:rPr lang="en-US" dirty="0" smtClean="0">
+                <a:hlinkClick r:id="rId2"/>
+              </a:rPr>
+              <a:t>http://openbd.org/</a:t>
+            </a:r>
+            <a:endParaRPr lang="en-US" dirty="0" smtClean="0"/>
+          </a:p>
+          <a:p>
+            <a:r>
+              <a:rPr lang="en-US" dirty="0" err="1" smtClean="0"/>
+              <a:t>Railo</a:t>
+            </a:r>
+            <a:r>
+              <a:rPr lang="en-US" dirty="0" smtClean="0"/>
+              <a:t>: </a:t>
+            </a:r>
+            <a:r>
+              <a:rPr lang="en-US" dirty="0" smtClean="0">
+                <a:hlinkClick r:id="rId3"/>
+              </a:rPr>
+              <a:t>http://www.getrailo.org/</a:t>
+            </a:r>
+            <a:endParaRPr lang="en-US" dirty="0" smtClean="0"/>
+          </a:p>
+          <a:p>
+            <a:r>
+              <a:rPr lang="en-US" dirty="0" err="1" smtClean="0"/>
+              <a:t>RIAForge</a:t>
+            </a:r>
+            <a:r>
+              <a:rPr lang="en-US" dirty="0" smtClean="0"/>
+              <a:t>: </a:t>
+            </a:r>
+            <a:r>
+              <a:rPr lang="en-US" dirty="0" smtClean="0">
+                <a:hlinkClick r:id="rId4"/>
+              </a:rPr>
+              <a:t>http://www.riaforge.org/</a:t>
+            </a:r>
+            <a:endParaRPr lang="en-US" dirty="0" smtClean="0"/>
+          </a:p>
+          <a:p>
+            <a:r>
+              <a:rPr lang="en-US" dirty="0" smtClean="0"/>
+              <a:t>L&amp;S’s Open Source: </a:t>
+            </a:r>
+            <a:r>
+              <a:rPr lang="en-US" dirty="0" smtClean="0">
+                <a:hlinkClick r:id="rId5"/>
+              </a:rPr>
+              <a:t>http://www.l-s.com/aboutus/OpenSource/</a:t>
+            </a:r>
+            <a:endParaRPr lang="en-US" dirty="0"/>
+          </a:p>
+        </p:txBody>
+      </p:sp>
+    </p:spTree>
+    <p:extLst>
+      <p:ext uri="{BB962C8B-B14F-4D97-AF65-F5344CB8AC3E}">
+        <p14:creationId xmlns:p14="http://schemas.microsoft.com/office/powerpoint/2010/main" val="941637440"/>
+      </p:ext>
+    </p:extLst>
+  </p:cSld>
+  <p:clrMapOvr>
+    <a:masterClrMapping/>
+  </p:clrMapOvr>
+</p:sld>
+</file>
+
+<file path=ppt/slides/slide43.xml><?xml version="1.0" encoding="utf-8"?>
+<p:sld xmlns:a="http://schemas.openxmlformats.org/drawingml/2006/main" xmlns:r="http://schemas.openxmlformats.org/officeDocument/2006/relationships" xmlns:p="http://schemas.openxmlformats.org/presentationml/2006/main">
+  <p:cSld>
+    <p:spTree>
+      <p:nvGrpSpPr>
+        <p:cNvPr id="1" name=""/>
+        <p:cNvGrpSpPr/>
+        <p:nvPr/>
+      </p:nvGrpSpPr>
+      <p:grpSpPr>
+        <a:xfrm>
+          <a:off x="0" y="0"/>
+          <a:ext cx="0" cy="0"/>
+          <a:chOff x="0" y="0"/>
+          <a:chExt cx="0" cy="0"/>
+        </a:xfrm>
+      </p:grpSpPr>
+      <p:sp>
+        <p:nvSpPr>
+          <p:cNvPr id="4" name="Title 3"/>
+          <p:cNvSpPr>
+            <a:spLocks noGrp="1"/>
+          </p:cNvSpPr>
+          <p:nvPr>
+            <p:ph type="ctrTitle"/>
+          </p:nvPr>
+        </p:nvSpPr>
+        <p:spPr/>
+        <p:txBody>
+          <a:bodyPr/>
+          <a:lstStyle/>
+          <a:p>
+            <a:r>
+              <a:rPr lang="en-US" dirty="0" smtClean="0"/>
+              <a:t>Questions?</a:t>
+            </a:r>
+            <a:endParaRPr lang="en-US" dirty="0"/>
+          </a:p>
+        </p:txBody>
+      </p:sp>
+      <p:sp>
+        <p:nvSpPr>
+          <p:cNvPr id="5" name="Subtitle 4"/>
+          <p:cNvSpPr>
+            <a:spLocks noGrp="1"/>
+          </p:cNvSpPr>
+          <p:nvPr>
+            <p:ph type="subTitle" idx="1"/>
+          </p:nvPr>
+        </p:nvSpPr>
+        <p:spPr/>
+        <p:txBody>
+          <a:bodyPr/>
+          <a:lstStyle/>
+          <a:p>
+            <a:endParaRPr lang="en-US"/>
+          </a:p>
+        </p:txBody>
+      </p:sp>
+      <p:sp>
+        <p:nvSpPr>
+          <p:cNvPr id="6" name="Picture Placeholder 5"/>
+          <p:cNvSpPr>
+            <a:spLocks noGrp="1"/>
+          </p:cNvSpPr>
+          <p:nvPr>
+            <p:ph type="pic" idx="13"/>
+          </p:nvPr>
+        </p:nvSpPr>
+        <p:spPr/>
+      </p:sp>
+    </p:spTree>
+    <p:extLst>
+      <p:ext uri="{BB962C8B-B14F-4D97-AF65-F5344CB8AC3E}">
+        <p14:creationId xmlns:p14="http://schemas.microsoft.com/office/powerpoint/2010/main" val="1532278310"/>
+      </p:ext>
+    </p:extLst>
+  </p:cSld>
+  <p:clrMapOvr>
+    <a:masterClrMapping/>
+  </p:clrMapOvr>
 </p:sld>
 </file>
 

--- a/presentation.pptx
+++ b/presentation.pptx
@@ -5,7 +5,7 @@
     <p:sldMasterId id="2147484490" r:id="rId1"/>
   </p:sldMasterIdLst>
   <p:notesMasterIdLst>
-    <p:notesMasterId r:id="rId45"/>
+    <p:notesMasterId r:id="rId43"/>
   </p:notesMasterIdLst>
   <p:sldIdLst>
     <p:sldId id="256" r:id="rId2"/>
@@ -17,40 +17,38 @@
     <p:sldId id="262" r:id="rId8"/>
     <p:sldId id="263" r:id="rId9"/>
     <p:sldId id="264" r:id="rId10"/>
-    <p:sldId id="265" r:id="rId11"/>
-    <p:sldId id="266" r:id="rId12"/>
-    <p:sldId id="283" r:id="rId13"/>
-    <p:sldId id="284" r:id="rId14"/>
-    <p:sldId id="289" r:id="rId15"/>
-    <p:sldId id="276" r:id="rId16"/>
-    <p:sldId id="269" r:id="rId17"/>
-    <p:sldId id="267" r:id="rId18"/>
-    <p:sldId id="268" r:id="rId19"/>
-    <p:sldId id="271" r:id="rId20"/>
-    <p:sldId id="272" r:id="rId21"/>
-    <p:sldId id="273" r:id="rId22"/>
-    <p:sldId id="274" r:id="rId23"/>
-    <p:sldId id="275" r:id="rId24"/>
-    <p:sldId id="278" r:id="rId25"/>
-    <p:sldId id="279" r:id="rId26"/>
-    <p:sldId id="280" r:id="rId27"/>
-    <p:sldId id="285" r:id="rId28"/>
-    <p:sldId id="282" r:id="rId29"/>
-    <p:sldId id="286" r:id="rId30"/>
-    <p:sldId id="270" r:id="rId31"/>
-    <p:sldId id="290" r:id="rId32"/>
-    <p:sldId id="288" r:id="rId33"/>
-    <p:sldId id="287" r:id="rId34"/>
-    <p:sldId id="277" r:id="rId35"/>
-    <p:sldId id="291" r:id="rId36"/>
-    <p:sldId id="292" r:id="rId37"/>
-    <p:sldId id="293" r:id="rId38"/>
-    <p:sldId id="294" r:id="rId39"/>
-    <p:sldId id="295" r:id="rId40"/>
-    <p:sldId id="296" r:id="rId41"/>
-    <p:sldId id="297" r:id="rId42"/>
-    <p:sldId id="298" r:id="rId43"/>
-    <p:sldId id="299" r:id="rId44"/>
+    <p:sldId id="266" r:id="rId11"/>
+    <p:sldId id="284" r:id="rId12"/>
+    <p:sldId id="289" r:id="rId13"/>
+    <p:sldId id="276" r:id="rId14"/>
+    <p:sldId id="269" r:id="rId15"/>
+    <p:sldId id="267" r:id="rId16"/>
+    <p:sldId id="268" r:id="rId17"/>
+    <p:sldId id="271" r:id="rId18"/>
+    <p:sldId id="272" r:id="rId19"/>
+    <p:sldId id="273" r:id="rId20"/>
+    <p:sldId id="274" r:id="rId21"/>
+    <p:sldId id="275" r:id="rId22"/>
+    <p:sldId id="278" r:id="rId23"/>
+    <p:sldId id="279" r:id="rId24"/>
+    <p:sldId id="280" r:id="rId25"/>
+    <p:sldId id="285" r:id="rId26"/>
+    <p:sldId id="282" r:id="rId27"/>
+    <p:sldId id="286" r:id="rId28"/>
+    <p:sldId id="270" r:id="rId29"/>
+    <p:sldId id="290" r:id="rId30"/>
+    <p:sldId id="288" r:id="rId31"/>
+    <p:sldId id="287" r:id="rId32"/>
+    <p:sldId id="277" r:id="rId33"/>
+    <p:sldId id="291" r:id="rId34"/>
+    <p:sldId id="292" r:id="rId35"/>
+    <p:sldId id="293" r:id="rId36"/>
+    <p:sldId id="294" r:id="rId37"/>
+    <p:sldId id="295" r:id="rId38"/>
+    <p:sldId id="296" r:id="rId39"/>
+    <p:sldId id="297" r:id="rId40"/>
+    <p:sldId id="298" r:id="rId41"/>
+    <p:sldId id="299" r:id="rId42"/>
   </p:sldIdLst>
   <p:sldSz cx="9144000" cy="6858000" type="screen4x3"/>
   <p:notesSz cx="6858000" cy="9144000"/>
@@ -713,7 +711,7 @@
           <a:p>
             <a:fld id="{433137AF-EBFE-664E-840A-10B3290003D1}" type="slidenum">
               <a:rPr lang="en-US" smtClean="0"/>
-              <a:t>15</a:t>
+              <a:t>13</a:t>
             </a:fld>
             <a:endParaRPr lang="en-US"/>
           </a:p>
@@ -833,7 +831,7 @@
           <a:p>
             <a:fld id="{433137AF-EBFE-664E-840A-10B3290003D1}" type="slidenum">
               <a:rPr lang="en-US" smtClean="0"/>
-              <a:t>16</a:t>
+              <a:t>14</a:t>
             </a:fld>
             <a:endParaRPr lang="en-US"/>
           </a:p>
@@ -952,7 +950,7 @@
           <a:p>
             <a:fld id="{433137AF-EBFE-664E-840A-10B3290003D1}" type="slidenum">
               <a:rPr lang="en-US" smtClean="0"/>
-              <a:t>17</a:t>
+              <a:t>15</a:t>
             </a:fld>
             <a:endParaRPr lang="en-US"/>
           </a:p>
@@ -1072,7 +1070,7 @@
           <a:p>
             <a:fld id="{433137AF-EBFE-664E-840A-10B3290003D1}" type="slidenum">
               <a:rPr lang="en-US" smtClean="0"/>
-              <a:t>18</a:t>
+              <a:t>16</a:t>
             </a:fld>
             <a:endParaRPr lang="en-US"/>
           </a:p>
@@ -1187,7 +1185,7 @@
           <a:p>
             <a:fld id="{433137AF-EBFE-664E-840A-10B3290003D1}" type="slidenum">
               <a:rPr lang="en-US" smtClean="0"/>
-              <a:t>19</a:t>
+              <a:t>17</a:t>
             </a:fld>
             <a:endParaRPr lang="en-US"/>
           </a:p>
@@ -1287,7 +1285,7 @@
           <a:p>
             <a:fld id="{433137AF-EBFE-664E-840A-10B3290003D1}" type="slidenum">
               <a:rPr lang="en-US" smtClean="0"/>
-              <a:t>20</a:t>
+              <a:t>18</a:t>
             </a:fld>
             <a:endParaRPr lang="en-US"/>
           </a:p>
@@ -1387,7 +1385,7 @@
           <a:p>
             <a:fld id="{433137AF-EBFE-664E-840A-10B3290003D1}" type="slidenum">
               <a:rPr lang="en-US" smtClean="0"/>
-              <a:t>21</a:t>
+              <a:t>19</a:t>
             </a:fld>
             <a:endParaRPr lang="en-US"/>
           </a:p>
@@ -1487,7 +1485,7 @@
           <a:p>
             <a:fld id="{433137AF-EBFE-664E-840A-10B3290003D1}" type="slidenum">
               <a:rPr lang="en-US" smtClean="0"/>
-              <a:t>22</a:t>
+              <a:t>20</a:t>
             </a:fld>
             <a:endParaRPr lang="en-US"/>
           </a:p>
@@ -1571,7 +1569,7 @@
           <a:p>
             <a:fld id="{433137AF-EBFE-664E-840A-10B3290003D1}" type="slidenum">
               <a:rPr lang="en-US" smtClean="0"/>
-              <a:t>23</a:t>
+              <a:t>21</a:t>
             </a:fld>
             <a:endParaRPr lang="en-US"/>
           </a:p>
@@ -1681,7 +1679,7 @@
           <a:p>
             <a:fld id="{433137AF-EBFE-664E-840A-10B3290003D1}" type="slidenum">
               <a:rPr lang="en-US" smtClean="0"/>
-              <a:t>24</a:t>
+              <a:t>22</a:t>
             </a:fld>
             <a:endParaRPr lang="en-US"/>
           </a:p>
@@ -1861,7 +1859,7 @@
           <a:p>
             <a:fld id="{433137AF-EBFE-664E-840A-10B3290003D1}" type="slidenum">
               <a:rPr lang="en-US" smtClean="0"/>
-              <a:t>25</a:t>
+              <a:t>23</a:t>
             </a:fld>
             <a:endParaRPr lang="en-US"/>
           </a:p>
@@ -1971,7 +1969,7 @@
           <a:p>
             <a:fld id="{433137AF-EBFE-664E-840A-10B3290003D1}" type="slidenum">
               <a:rPr lang="en-US" smtClean="0"/>
-              <a:t>26</a:t>
+              <a:t>24</a:t>
             </a:fld>
             <a:endParaRPr lang="en-US"/>
           </a:p>
@@ -2086,7 +2084,7 @@
           <a:p>
             <a:fld id="{433137AF-EBFE-664E-840A-10B3290003D1}" type="slidenum">
               <a:rPr lang="en-US" smtClean="0"/>
-              <a:t>27</a:t>
+              <a:t>25</a:t>
             </a:fld>
             <a:endParaRPr lang="en-US"/>
           </a:p>
@@ -2206,7 +2204,7 @@
           <a:p>
             <a:fld id="{433137AF-EBFE-664E-840A-10B3290003D1}" type="slidenum">
               <a:rPr lang="en-US" smtClean="0"/>
-              <a:t>30</a:t>
+              <a:t>28</a:t>
             </a:fld>
             <a:endParaRPr lang="en-US"/>
           </a:p>
@@ -2306,7 +2304,7 @@
           <a:p>
             <a:fld id="{433137AF-EBFE-664E-840A-10B3290003D1}" type="slidenum">
               <a:rPr lang="en-US" smtClean="0"/>
-              <a:t>34</a:t>
+              <a:t>32</a:t>
             </a:fld>
             <a:endParaRPr lang="en-US"/>
           </a:p>
@@ -2425,7 +2423,7 @@
           <a:p>
             <a:fld id="{433137AF-EBFE-664E-840A-10B3290003D1}" type="slidenum">
               <a:rPr lang="en-US" smtClean="0"/>
-              <a:t>35</a:t>
+              <a:t>33</a:t>
             </a:fld>
             <a:endParaRPr lang="en-US"/>
           </a:p>
@@ -2525,7 +2523,7 @@
           <a:p>
             <a:fld id="{433137AF-EBFE-664E-840A-10B3290003D1}" type="slidenum">
               <a:rPr lang="en-US" smtClean="0"/>
-              <a:t>36</a:t>
+              <a:t>34</a:t>
             </a:fld>
             <a:endParaRPr lang="en-US"/>
           </a:p>
@@ -2644,7 +2642,7 @@
           <a:p>
             <a:fld id="{433137AF-EBFE-664E-840A-10B3290003D1}" type="slidenum">
               <a:rPr lang="en-US" smtClean="0"/>
-              <a:t>38</a:t>
+              <a:t>36</a:t>
             </a:fld>
             <a:endParaRPr lang="en-US"/>
           </a:p>
@@ -3741,7 +3739,7 @@
           <a:p>
             <a:fld id="{433137AF-EBFE-664E-840A-10B3290003D1}" type="slidenum">
               <a:rPr lang="en-US" smtClean="0"/>
-              <a:t>14</a:t>
+              <a:t>12</a:t>
             </a:fld>
             <a:endParaRPr lang="en-US"/>
           </a:p>
@@ -7418,16 +7416,16 @@
           <a:lstStyle/>
           <a:p>
             <a:r>
-              <a:rPr lang="en-US" dirty="0" smtClean="0"/>
-              <a:t>Install </a:t>
-            </a:r>
-            <a:r>
               <a:rPr lang="en-US" dirty="0" err="1" smtClean="0"/>
               <a:t>OpenBD</a:t>
             </a:r>
             <a:r>
               <a:rPr lang="en-US" dirty="0" smtClean="0"/>
-              <a:t> Desktop</a:t>
+              <a:t> </a:t>
+            </a:r>
+            <a:r>
+              <a:rPr lang="en-US" dirty="0" smtClean="0"/>
+              <a:t>Desktop</a:t>
             </a:r>
             <a:endParaRPr lang="en-US" dirty="0"/>
           </a:p>
@@ -7446,32 +7444,27 @@
         <p:spPr/>
         <p:txBody>
           <a:bodyPr>
-            <a:normAutofit/>
+            <a:normAutofit fontScale="77500" lnSpcReduction="20000"/>
           </a:bodyPr>
           <a:lstStyle/>
           <a:p>
             <a:r>
-              <a:rPr lang="en-US" dirty="0" smtClean="0"/>
+              <a:rPr lang="en-US" dirty="0"/>
               <a:t>Go to </a:t>
             </a:r>
             <a:r>
-              <a:rPr lang="en-US" dirty="0" err="1" smtClean="0">
+              <a:rPr lang="en-US" dirty="0">
                 <a:hlinkClick r:id="rId2"/>
               </a:rPr>
-              <a:t>openbd.org</a:t>
-            </a:r>
-            <a:r>
-              <a:rPr lang="en-US" dirty="0" smtClean="0">
-                <a:hlinkClick r:id="rId2"/>
-              </a:rPr>
-              <a:t>/download</a:t>
-            </a:r>
-            <a:endParaRPr lang="en-US" dirty="0" smtClean="0"/>
-          </a:p>
-          <a:p>
-            <a:r>
-              <a:rPr lang="en-US" dirty="0" smtClean="0"/>
-              <a:t>Click </a:t>
+              <a:t>openbd.org/download</a:t>
+            </a:r>
+            <a:r>
+              <a:rPr lang="en-US" dirty="0"/>
+              <a:t>, and </a:t>
+            </a:r>
+            <a:r>
+              <a:rPr lang="en-US" dirty="0" smtClean="0"/>
+              <a:t>download “</a:t>
             </a:r>
             <a:r>
               <a:rPr lang="en-US" dirty="0" err="1" smtClean="0"/>
@@ -7479,27 +7472,175 @@
             </a:r>
             <a:r>
               <a:rPr lang="en-US" dirty="0" smtClean="0"/>
-              <a:t> Desktop</a:t>
-            </a:r>
-          </a:p>
-          <a:p>
-            <a:r>
-              <a:rPr lang="en-US" dirty="0" smtClean="0"/>
-              <a:t>Click Download</a:t>
-            </a:r>
-          </a:p>
-          <a:p>
-            <a:r>
-              <a:rPr lang="en-US" dirty="0" smtClean="0"/>
-              <a:t>Unzip</a:t>
-            </a:r>
+              <a:t> Desktop”</a:t>
+            </a:r>
+            <a:endParaRPr lang="en-US" dirty="0" smtClean="0"/>
+          </a:p>
+          <a:p>
+            <a:r>
+              <a:rPr lang="en-US" dirty="0" smtClean="0"/>
+              <a:t>Execute </a:t>
+            </a:r>
+            <a:r>
+              <a:rPr lang="en-US" dirty="0"/>
+              <a:t>the .exe or .</a:t>
+            </a:r>
+            <a:r>
+              <a:rPr lang="en-US" dirty="0" err="1"/>
+              <a:t>sh</a:t>
+            </a:r>
+            <a:endParaRPr lang="en-US" dirty="0"/>
+          </a:p>
+          <a:p>
+            <a:pPr lvl="1"/>
+            <a:r>
+              <a:rPr lang="en-US" dirty="0"/>
+              <a:t>.</a:t>
+            </a:r>
+            <a:r>
+              <a:rPr lang="en-US" dirty="0" err="1"/>
+              <a:t>sh</a:t>
+            </a:r>
+            <a:r>
+              <a:rPr lang="en-US" dirty="0"/>
+              <a:t> might need to get </a:t>
+            </a:r>
+            <a:r>
+              <a:rPr lang="en-US" dirty="0" err="1"/>
+              <a:t>chmod</a:t>
+            </a:r>
+            <a:r>
+              <a:rPr lang="en-US" dirty="0"/>
+              <a:t> +x</a:t>
+            </a:r>
+          </a:p>
+          <a:p>
+            <a:pPr lvl="1"/>
+            <a:r>
+              <a:rPr lang="en-US" dirty="0"/>
+              <a:t>Execute .</a:t>
+            </a:r>
+            <a:r>
+              <a:rPr lang="en-US" dirty="0" err="1"/>
+              <a:t>sh</a:t>
+            </a:r>
+            <a:r>
+              <a:rPr lang="en-US" dirty="0"/>
+              <a:t> as `</a:t>
+            </a:r>
+            <a:r>
+              <a:rPr lang="en-US" dirty="0" err="1"/>
+              <a:t>sudo</a:t>
+            </a:r>
+            <a:r>
+              <a:rPr lang="en-US" dirty="0"/>
+              <a:t> </a:t>
+            </a:r>
+            <a:r>
+              <a:rPr lang="en-US" dirty="0" err="1"/>
+              <a:t>sh</a:t>
+            </a:r>
+            <a:r>
+              <a:rPr lang="en-US" dirty="0"/>
+              <a:t> </a:t>
+            </a:r>
+            <a:r>
+              <a:rPr lang="en-US" dirty="0" err="1"/>
+              <a:t>OpenBlueDragonDesktop.sh</a:t>
+            </a:r>
+            <a:r>
+              <a:rPr lang="en-US" dirty="0" smtClean="0"/>
+              <a:t>`</a:t>
+            </a:r>
+          </a:p>
+          <a:p>
+            <a:r>
+              <a:rPr lang="en-US" dirty="0" smtClean="0"/>
+              <a:t>Web App tab</a:t>
+            </a:r>
+          </a:p>
+          <a:p>
+            <a:pPr lvl="1"/>
+            <a:r>
+              <a:rPr lang="en-US" dirty="0" smtClean="0"/>
+              <a:t>Choose Web App Folder (will add necessary files)</a:t>
+            </a:r>
+          </a:p>
+          <a:p>
+            <a:pPr lvl="1"/>
+            <a:r>
+              <a:rPr lang="en-US" dirty="0" smtClean="0"/>
+              <a:t>Web Port: 80</a:t>
+            </a:r>
+          </a:p>
+          <a:p>
+            <a:pPr lvl="1"/>
+            <a:r>
+              <a:rPr lang="en-US" dirty="0" smtClean="0"/>
+              <a:t>Extensions to execute through </a:t>
+            </a:r>
+            <a:r>
+              <a:rPr lang="en-US" dirty="0" err="1" smtClean="0"/>
+              <a:t>OpenBD</a:t>
+            </a:r>
+            <a:endParaRPr lang="en-US" dirty="0" smtClean="0"/>
+          </a:p>
+          <a:p>
+            <a:pPr lvl="1"/>
+            <a:r>
+              <a:rPr lang="en-US" dirty="0" smtClean="0"/>
+              <a:t>Options: enable Manual and Admin Console</a:t>
+            </a:r>
+          </a:p>
+          <a:p>
+            <a:pPr lvl="1"/>
+            <a:r>
+              <a:rPr lang="en-US" dirty="0" smtClean="0"/>
+              <a:t>Standard Engine</a:t>
+            </a:r>
+          </a:p>
+          <a:p>
+            <a:r>
+              <a:rPr lang="en-US" dirty="0" smtClean="0"/>
+              <a:t>Click Start </a:t>
+            </a:r>
+            <a:r>
+              <a:rPr lang="en-US" dirty="0" err="1" smtClean="0"/>
+              <a:t>OpenBD</a:t>
+            </a:r>
+            <a:endParaRPr lang="en-US" dirty="0" smtClean="0"/>
+          </a:p>
+          <a:p>
+            <a:r>
+              <a:rPr lang="en-US" dirty="0" smtClean="0"/>
+              <a:t>Browse to </a:t>
+            </a:r>
+            <a:r>
+              <a:rPr lang="en-US" dirty="0" smtClean="0">
+                <a:hlinkClick r:id="rId3"/>
+              </a:rPr>
+              <a:t>http://</a:t>
+            </a:r>
+            <a:r>
+              <a:rPr lang="en-US" dirty="0" err="1" smtClean="0">
+                <a:hlinkClick r:id="rId3"/>
+              </a:rPr>
+              <a:t>localhost</a:t>
+            </a:r>
+            <a:r>
+              <a:rPr lang="en-US" dirty="0" smtClean="0">
+                <a:hlinkClick r:id="rId3"/>
+              </a:rPr>
+              <a:t>/</a:t>
+            </a:r>
+            <a:endParaRPr lang="en-US" dirty="0"/>
           </a:p>
         </p:txBody>
       </p:sp>
     </p:spTree>
     <p:extLst>
       <p:ext uri="{BB962C8B-B14F-4D97-AF65-F5344CB8AC3E}">
-        <p14:creationId xmlns:p14="http://schemas.microsoft.com/office/powerpoint/2010/main" val="507268359"/>
+        <p14:creationId xmlns:p14="http://schemas.microsoft.com/office/powerpoint/2010/main" val="1145352571"/>
       </p:ext>
     </p:extLst>
   </p:cSld>
@@ -7542,16 +7683,16 @@
           <a:lstStyle/>
           <a:p>
             <a:r>
-              <a:rPr lang="en-US" dirty="0" smtClean="0"/>
-              <a:t>Run </a:t>
-            </a:r>
-            <a:r>
               <a:rPr lang="en-US" dirty="0" err="1" smtClean="0"/>
-              <a:t>OpenBD</a:t>
-            </a:r>
-            <a:r>
-              <a:rPr lang="en-US" dirty="0" smtClean="0"/>
-              <a:t> Desktop</a:t>
+              <a:t>Railo</a:t>
+            </a:r>
+            <a:r>
+              <a:rPr lang="en-US" dirty="0" smtClean="0"/>
+              <a:t> </a:t>
+            </a:r>
+            <a:r>
+              <a:rPr lang="en-US" dirty="0" smtClean="0"/>
+              <a:t>Express</a:t>
             </a:r>
             <a:endParaRPr lang="en-US" dirty="0"/>
           </a:p>
@@ -7569,163 +7710,80 @@
         </p:nvSpPr>
         <p:spPr/>
         <p:txBody>
-          <a:bodyPr>
-            <a:normAutofit fontScale="92500" lnSpcReduction="20000"/>
-          </a:bodyPr>
+          <a:bodyPr/>
           <a:lstStyle/>
           <a:p>
             <a:r>
               <a:rPr lang="en-US" dirty="0"/>
-              <a:t>Execute the .exe or .</a:t>
+              <a:t>Go to </a:t>
+            </a:r>
+            <a:r>
+              <a:rPr lang="en-US" dirty="0">
+                <a:hlinkClick r:id="rId2"/>
+              </a:rPr>
+              <a:t>getrailo.org/download</a:t>
+            </a:r>
+            <a:r>
+              <a:rPr lang="en-US" dirty="0"/>
+              <a:t>, and download “</a:t>
             </a:r>
             <a:r>
               <a:rPr lang="en-US" dirty="0" err="1"/>
-              <a:t>sh</a:t>
+              <a:t>Railo</a:t>
+            </a:r>
+            <a:r>
+              <a:rPr lang="en-US" dirty="0"/>
+              <a:t> Express” for your OS / </a:t>
+            </a:r>
+            <a:r>
+              <a:rPr lang="en-US" dirty="0" smtClean="0"/>
+              <a:t>architecture</a:t>
+            </a:r>
+            <a:endParaRPr lang="en-US" dirty="0" smtClean="0"/>
+          </a:p>
+          <a:p>
+            <a:r>
+              <a:rPr lang="en-US" dirty="0" smtClean="0"/>
+              <a:t>Execute </a:t>
+            </a:r>
+            <a:r>
+              <a:rPr lang="en-US" dirty="0"/>
+              <a:t>`start</a:t>
+            </a:r>
+            <a:r>
+              <a:rPr lang="en-US" dirty="0" smtClean="0"/>
+              <a:t>`</a:t>
+            </a:r>
+          </a:p>
+          <a:p>
+            <a:r>
+              <a:rPr lang="en-US" dirty="0" smtClean="0"/>
+              <a:t>Browse to </a:t>
+            </a:r>
+            <a:r>
+              <a:rPr lang="en-US" dirty="0" smtClean="0">
+                <a:hlinkClick r:id="rId3"/>
+              </a:rPr>
+              <a:t>http://localhost:8888/</a:t>
             </a:r>
             <a:endParaRPr lang="en-US" dirty="0"/>
           </a:p>
           <a:p>
-            <a:pPr lvl="1"/>
-            <a:r>
-              <a:rPr lang="en-US" dirty="0"/>
-              <a:t>.</a:t>
-            </a:r>
-            <a:r>
-              <a:rPr lang="en-US" dirty="0" err="1"/>
-              <a:t>sh</a:t>
-            </a:r>
-            <a:r>
-              <a:rPr lang="en-US" dirty="0"/>
-              <a:t> might need to get </a:t>
-            </a:r>
-            <a:r>
-              <a:rPr lang="en-US" dirty="0" err="1"/>
-              <a:t>chmod</a:t>
-            </a:r>
-            <a:r>
-              <a:rPr lang="en-US" dirty="0"/>
-              <a:t> +x</a:t>
-            </a:r>
-          </a:p>
-          <a:p>
-            <a:pPr lvl="1"/>
-            <a:r>
-              <a:rPr lang="en-US" dirty="0"/>
-              <a:t>Execute .</a:t>
-            </a:r>
-            <a:r>
-              <a:rPr lang="en-US" dirty="0" err="1"/>
-              <a:t>sh</a:t>
-            </a:r>
-            <a:r>
-              <a:rPr lang="en-US" dirty="0"/>
-              <a:t> as `</a:t>
-            </a:r>
-            <a:r>
-              <a:rPr lang="en-US" dirty="0" err="1"/>
-              <a:t>sudo</a:t>
-            </a:r>
-            <a:r>
-              <a:rPr lang="en-US" dirty="0"/>
-              <a:t> </a:t>
-            </a:r>
-            <a:r>
-              <a:rPr lang="en-US" dirty="0" err="1"/>
-              <a:t>sh</a:t>
-            </a:r>
-            <a:r>
-              <a:rPr lang="en-US" dirty="0"/>
-              <a:t> </a:t>
-            </a:r>
-            <a:r>
-              <a:rPr lang="en-US" dirty="0" err="1"/>
-              <a:t>OpenBlueDragonDesktop.sh</a:t>
-            </a:r>
-            <a:r>
-              <a:rPr lang="en-US" dirty="0" smtClean="0"/>
-              <a:t>`</a:t>
-            </a:r>
-          </a:p>
-          <a:p>
-            <a:r>
-              <a:rPr lang="en-US" dirty="0" smtClean="0"/>
-              <a:t>Web App tab</a:t>
-            </a:r>
-          </a:p>
-          <a:p>
-            <a:pPr lvl="1"/>
-            <a:r>
-              <a:rPr lang="en-US" dirty="0" smtClean="0"/>
-              <a:t>Choose Web App Folder (will add necessary files)</a:t>
-            </a:r>
-          </a:p>
-          <a:p>
-            <a:pPr lvl="1"/>
-            <a:r>
-              <a:rPr lang="en-US" dirty="0" smtClean="0"/>
-              <a:t>Web Port: 80</a:t>
-            </a:r>
-          </a:p>
-          <a:p>
-            <a:pPr lvl="1"/>
-            <a:r>
-              <a:rPr lang="en-US" dirty="0" smtClean="0"/>
-              <a:t>Extensions to execute through </a:t>
+            <a:r>
+              <a:rPr lang="en-US" dirty="0" smtClean="0"/>
+              <a:t>Modify files in </a:t>
             </a:r>
             <a:r>
               <a:rPr lang="en-US" dirty="0" err="1" smtClean="0"/>
-              <a:t>OpenBD</a:t>
-            </a:r>
-            <a:endParaRPr lang="en-US" dirty="0" smtClean="0"/>
-          </a:p>
-          <a:p>
-            <a:pPr lvl="1"/>
-            <a:r>
-              <a:rPr lang="en-US" dirty="0" smtClean="0"/>
-              <a:t>Options: enable Manual and Admin Console</a:t>
-            </a:r>
-          </a:p>
-          <a:p>
-            <a:pPr lvl="1"/>
-            <a:r>
-              <a:rPr lang="en-US" dirty="0" smtClean="0"/>
-              <a:t>Standard Engine</a:t>
-            </a:r>
-          </a:p>
-          <a:p>
-            <a:r>
-              <a:rPr lang="en-US" dirty="0" smtClean="0"/>
-              <a:t>Click Start </a:t>
-            </a:r>
-            <a:r>
-              <a:rPr lang="en-US" dirty="0" err="1" smtClean="0"/>
-              <a:t>OpenBD</a:t>
-            </a:r>
-            <a:endParaRPr lang="en-US" dirty="0" smtClean="0"/>
-          </a:p>
-          <a:p>
-            <a:r>
-              <a:rPr lang="en-US" dirty="0" smtClean="0"/>
-              <a:t>Browse to </a:t>
-            </a:r>
-            <a:r>
-              <a:rPr lang="en-US" dirty="0" smtClean="0">
-                <a:hlinkClick r:id="rId2"/>
-              </a:rPr>
-              <a:t>http://</a:t>
-            </a:r>
-            <a:r>
-              <a:rPr lang="en-US" dirty="0" err="1" smtClean="0">
-                <a:hlinkClick r:id="rId2"/>
-              </a:rPr>
-              <a:t>localhost</a:t>
-            </a:r>
-            <a:r>
-              <a:rPr lang="en-US" dirty="0" smtClean="0">
-                <a:hlinkClick r:id="rId2"/>
-              </a:rPr>
-              <a:t>/</a:t>
-            </a:r>
+              <a:t>webroot</a:t>
+            </a:r>
+            <a:r>
+              <a:rPr lang="en-US" dirty="0" smtClean="0"/>
+              <a:t>/ instead of pointing to your own folder</a:t>
+            </a:r>
+            <a:endParaRPr lang="en-US" dirty="0"/>
+          </a:p>
+          <a:p>
             <a:endParaRPr lang="en-US" dirty="0"/>
           </a:p>
         </p:txBody>
@@ -7733,7 +7791,7 @@
     </p:spTree>
     <p:extLst>
       <p:ext uri="{BB962C8B-B14F-4D97-AF65-F5344CB8AC3E}">
-        <p14:creationId xmlns:p14="http://schemas.microsoft.com/office/powerpoint/2010/main" val="1145352571"/>
+        <p14:creationId xmlns:p14="http://schemas.microsoft.com/office/powerpoint/2010/main" val="1373496393"/>
       </p:ext>
     </p:extLst>
   </p:cSld>
@@ -7777,73 +7835,103 @@
           <a:p>
             <a:r>
               <a:rPr lang="en-US" dirty="0" smtClean="0"/>
-              <a:t>Install </a:t>
-            </a:r>
+              <a:t>Administrator</a:t>
+            </a:r>
+            <a:endParaRPr lang="en-US" dirty="0"/>
+          </a:p>
+        </p:txBody>
+      </p:sp>
+      <p:sp>
+        <p:nvSpPr>
+          <p:cNvPr id="3" name="Content Placeholder 2"/>
+          <p:cNvSpPr>
+            <a:spLocks noGrp="1"/>
+          </p:cNvSpPr>
+          <p:nvPr>
+            <p:ph idx="1"/>
+          </p:nvPr>
+        </p:nvSpPr>
+        <p:spPr/>
+        <p:txBody>
+          <a:bodyPr>
+            <a:normAutofit lnSpcReduction="10000"/>
+          </a:bodyPr>
+          <a:lstStyle/>
+          <a:p>
+            <a:r>
+              <a:rPr lang="en-US" dirty="0" smtClean="0"/>
+              <a:t>Differs by engine</a:t>
+            </a:r>
+          </a:p>
+          <a:p>
+            <a:r>
+              <a:rPr lang="en-US" dirty="0" smtClean="0"/>
+              <a:t>Usually, lets you manage (at least):</a:t>
+            </a:r>
+          </a:p>
+          <a:p>
+            <a:pPr lvl="1"/>
+            <a:r>
+              <a:rPr lang="en-US" dirty="0" smtClean="0"/>
+              <a:t>General Settings (security, caching, default values…)</a:t>
+            </a:r>
+          </a:p>
+          <a:p>
+            <a:pPr lvl="1"/>
             <a:r>
               <a:rPr lang="en-US" dirty="0" err="1" smtClean="0"/>
-              <a:t>Railo</a:t>
-            </a:r>
-            <a:r>
-              <a:rPr lang="en-US" dirty="0" smtClean="0"/>
-              <a:t> Express</a:t>
-            </a:r>
-            <a:endParaRPr lang="en-US" dirty="0"/>
-          </a:p>
-        </p:txBody>
-      </p:sp>
-      <p:sp>
-        <p:nvSpPr>
-          <p:cNvPr id="3" name="Content Placeholder 2"/>
-          <p:cNvSpPr>
-            <a:spLocks noGrp="1"/>
-          </p:cNvSpPr>
-          <p:nvPr>
-            <p:ph idx="1"/>
-          </p:nvPr>
-        </p:nvSpPr>
-        <p:spPr/>
-        <p:txBody>
-          <a:bodyPr>
-            <a:normAutofit/>
-          </a:bodyPr>
-          <a:lstStyle/>
-          <a:p>
-            <a:r>
-              <a:rPr lang="en-US" dirty="0" smtClean="0"/>
-              <a:t>Go to </a:t>
-            </a:r>
-            <a:r>
-              <a:rPr lang="en-US" dirty="0" err="1" smtClean="0">
-                <a:hlinkClick r:id="rId2"/>
-              </a:rPr>
-              <a:t>getrailo.org</a:t>
-            </a:r>
-            <a:r>
-              <a:rPr lang="en-US" dirty="0" smtClean="0">
-                <a:hlinkClick r:id="rId2"/>
-              </a:rPr>
-              <a:t>/download</a:t>
+              <a:t>Datasources</a:t>
             </a:r>
             <a:endParaRPr lang="en-US" dirty="0" smtClean="0"/>
           </a:p>
           <a:p>
-            <a:r>
-              <a:rPr lang="en-US" dirty="0" smtClean="0"/>
-              <a:t>Choose </a:t>
-            </a:r>
-            <a:r>
-              <a:rPr lang="en-US" dirty="0" err="1" smtClean="0"/>
-              <a:t>Railo</a:t>
-            </a:r>
-            <a:r>
-              <a:rPr lang="en-US" dirty="0" smtClean="0"/>
-              <a:t> Express for your OS and architecture</a:t>
-            </a:r>
-          </a:p>
-          <a:p>
-            <a:r>
-              <a:rPr lang="en-US" dirty="0" smtClean="0"/>
-              <a:t>Unzip</a:t>
+            <a:pPr lvl="1"/>
+            <a:r>
+              <a:rPr lang="en-US" dirty="0" smtClean="0"/>
+              <a:t>Mappings</a:t>
+            </a:r>
+          </a:p>
+          <a:p>
+            <a:pPr lvl="1"/>
+            <a:r>
+              <a:rPr lang="en-US" dirty="0" smtClean="0"/>
+              <a:t>Debugging, </a:t>
+            </a:r>
+            <a:r>
+              <a:rPr lang="en-US" dirty="0"/>
+              <a:t>Logs</a:t>
+            </a:r>
+          </a:p>
+          <a:p>
+            <a:pPr lvl="1"/>
+            <a:r>
+              <a:rPr lang="en-US" dirty="0"/>
+              <a:t>Scheduled </a:t>
+            </a:r>
+            <a:r>
+              <a:rPr lang="en-US" dirty="0" smtClean="0"/>
+              <a:t>Tasks</a:t>
+            </a:r>
+          </a:p>
+          <a:p>
+            <a:pPr lvl="1"/>
+            <a:r>
+              <a:rPr lang="en-US" dirty="0" smtClean="0"/>
+              <a:t>Custom tags, CFX tags</a:t>
+            </a:r>
+          </a:p>
+          <a:p>
+            <a:pPr lvl="1"/>
+            <a:r>
+              <a:rPr lang="en-US" dirty="0" smtClean="0"/>
+              <a:t>E-mail, Fonts</a:t>
+            </a:r>
+          </a:p>
+          <a:p>
+            <a:pPr lvl="1"/>
+            <a:r>
+              <a:rPr lang="en-US" dirty="0" smtClean="0"/>
+              <a:t>Web services</a:t>
             </a:r>
           </a:p>
         </p:txBody>
@@ -7851,7 +7939,7 @@
     </p:spTree>
     <p:extLst>
       <p:ext uri="{BB962C8B-B14F-4D97-AF65-F5344CB8AC3E}">
-        <p14:creationId xmlns:p14="http://schemas.microsoft.com/office/powerpoint/2010/main" val="2366691621"/>
+        <p14:creationId xmlns:p14="http://schemas.microsoft.com/office/powerpoint/2010/main" val="2379480268"/>
       </p:ext>
     </p:extLst>
   </p:cSld>
@@ -7880,30 +7968,22 @@
       </p:grpSpPr>
       <p:sp>
         <p:nvSpPr>
-          <p:cNvPr id="2" name="Title 1"/>
-          <p:cNvSpPr>
-            <a:spLocks noGrp="1"/>
-          </p:cNvSpPr>
-          <p:nvPr>
-            <p:ph type="title"/>
-          </p:nvPr>
-        </p:nvSpPr>
-        <p:spPr/>
-        <p:txBody>
-          <a:bodyPr/>
-          <a:lstStyle/>
-          <a:p>
-            <a:r>
-              <a:rPr lang="en-US" dirty="0" smtClean="0"/>
-              <a:t>Run </a:t>
-            </a:r>
-            <a:r>
-              <a:rPr lang="en-US" dirty="0" err="1" smtClean="0"/>
-              <a:t>Railo</a:t>
-            </a:r>
-            <a:r>
-              <a:rPr lang="en-US" dirty="0" smtClean="0"/>
-              <a:t> Express</a:t>
+          <p:cNvPr id="4" name="Title 3"/>
+          <p:cNvSpPr>
+            <a:spLocks noGrp="1"/>
+          </p:cNvSpPr>
+          <p:nvPr>
+            <p:ph type="ctrTitle"/>
+          </p:nvPr>
+        </p:nvSpPr>
+        <p:spPr/>
+        <p:txBody>
+          <a:bodyPr/>
+          <a:lstStyle/>
+          <a:p>
+            <a:r>
+              <a:rPr lang="en-US" dirty="0" smtClean="0"/>
+              <a:t>Demo 01</a:t>
             </a:r>
             <a:endParaRPr lang="en-US" dirty="0"/>
           </a:p>
@@ -7911,65 +7991,39 @@
       </p:sp>
       <p:sp>
         <p:nvSpPr>
-          <p:cNvPr id="3" name="Content Placeholder 2"/>
-          <p:cNvSpPr>
-            <a:spLocks noGrp="1"/>
-          </p:cNvSpPr>
-          <p:nvPr>
-            <p:ph idx="1"/>
-          </p:nvPr>
-        </p:nvSpPr>
-        <p:spPr/>
-        <p:txBody>
-          <a:bodyPr/>
-          <a:lstStyle/>
-          <a:p>
-            <a:r>
-              <a:rPr lang="en-US" dirty="0"/>
-              <a:t>Execute `start</a:t>
-            </a:r>
-            <a:r>
-              <a:rPr lang="en-US" dirty="0" smtClean="0"/>
-              <a:t>`</a:t>
-            </a:r>
-          </a:p>
-          <a:p>
-            <a:r>
-              <a:rPr lang="en-US" dirty="0" smtClean="0"/>
-              <a:t>Browse to </a:t>
-            </a:r>
-            <a:r>
-              <a:rPr lang="en-US" dirty="0" smtClean="0">
-                <a:hlinkClick r:id="rId2"/>
-              </a:rPr>
-              <a:t>http://localhost:8888/</a:t>
-            </a:r>
+          <p:cNvPr id="5" name="Subtitle 4"/>
+          <p:cNvSpPr>
+            <a:spLocks noGrp="1"/>
+          </p:cNvSpPr>
+          <p:nvPr>
+            <p:ph type="subTitle" idx="1"/>
+          </p:nvPr>
+        </p:nvSpPr>
+        <p:spPr/>
+        <p:txBody>
+          <a:bodyPr/>
+          <a:lstStyle/>
+          <a:p>
             <a:endParaRPr lang="en-US" dirty="0"/>
           </a:p>
-          <a:p>
-            <a:r>
-              <a:rPr lang="en-US" dirty="0" smtClean="0"/>
-              <a:t>Modify files in </a:t>
-            </a:r>
-            <a:r>
-              <a:rPr lang="en-US" dirty="0" err="1" smtClean="0"/>
-              <a:t>webroot</a:t>
-            </a:r>
-            <a:r>
-              <a:rPr lang="en-US" dirty="0" smtClean="0"/>
-              <a:t>/ instead of pointing to your own folder</a:t>
-            </a:r>
-            <a:endParaRPr lang="en-US" dirty="0"/>
-          </a:p>
-          <a:p>
-            <a:endParaRPr lang="en-US" dirty="0"/>
-          </a:p>
-        </p:txBody>
+        </p:txBody>
+      </p:sp>
+      <p:sp>
+        <p:nvSpPr>
+          <p:cNvPr id="6" name="Picture Placeholder 5"/>
+          <p:cNvSpPr>
+            <a:spLocks noGrp="1"/>
+          </p:cNvSpPr>
+          <p:nvPr>
+            <p:ph type="pic" idx="13"/>
+          </p:nvPr>
+        </p:nvSpPr>
+        <p:spPr/>
       </p:sp>
     </p:spTree>
     <p:extLst>
       <p:ext uri="{BB962C8B-B14F-4D97-AF65-F5344CB8AC3E}">
-        <p14:creationId xmlns:p14="http://schemas.microsoft.com/office/powerpoint/2010/main" val="1373496393"/>
+        <p14:creationId xmlns:p14="http://schemas.microsoft.com/office/powerpoint/2010/main" val="711675040"/>
       </p:ext>
     </p:extLst>
   </p:cSld>
@@ -8013,7 +8067,7 @@
           <a:p>
             <a:r>
               <a:rPr lang="en-US" dirty="0" smtClean="0"/>
-              <a:t>Administrator</a:t>
+              <a:t>Basic CFML - syntax</a:t>
             </a:r>
             <a:endParaRPr lang="en-US" dirty="0"/>
           </a:p>
@@ -8031,93 +8085,102 @@
         </p:nvSpPr>
         <p:spPr/>
         <p:txBody>
-          <a:bodyPr>
-            <a:normAutofit lnSpcReduction="10000"/>
-          </a:bodyPr>
-          <a:lstStyle/>
-          <a:p>
-            <a:r>
-              <a:rPr lang="en-US" dirty="0" smtClean="0"/>
-              <a:t>Differs by engine</a:t>
-            </a:r>
-          </a:p>
-          <a:p>
-            <a:r>
-              <a:rPr lang="en-US" dirty="0" smtClean="0"/>
-              <a:t>Usually, lets you manage (at least):</a:t>
-            </a:r>
-          </a:p>
-          <a:p>
-            <a:pPr lvl="1"/>
-            <a:r>
-              <a:rPr lang="en-US" dirty="0" smtClean="0"/>
-              <a:t>General Settings (security, caching, default values…)</a:t>
-            </a:r>
-          </a:p>
-          <a:p>
-            <a:pPr lvl="1"/>
-            <a:r>
-              <a:rPr lang="en-US" dirty="0" err="1" smtClean="0"/>
-              <a:t>Datasources</a:t>
-            </a:r>
-            <a:endParaRPr lang="en-US" dirty="0" smtClean="0"/>
-          </a:p>
-          <a:p>
-            <a:pPr lvl="1"/>
-            <a:r>
-              <a:rPr lang="en-US" dirty="0" smtClean="0"/>
-              <a:t>Mappings</a:t>
-            </a:r>
-          </a:p>
-          <a:p>
-            <a:pPr lvl="1"/>
-            <a:r>
-              <a:rPr lang="en-US" dirty="0" smtClean="0"/>
-              <a:t>Debugging, </a:t>
-            </a:r>
+          <a:bodyPr/>
+          <a:lstStyle/>
+          <a:p>
+            <a:r>
+              <a:rPr lang="en-US" dirty="0" smtClean="0"/>
+              <a:t>Code lives in CFM or CFC files</a:t>
+            </a:r>
+          </a:p>
+          <a:p>
             <a:r>
               <a:rPr lang="en-US" dirty="0"/>
-              <a:t>Logs</a:t>
-            </a:r>
-          </a:p>
-          <a:p>
-            <a:pPr lvl="1"/>
+              <a:t>Designed to live amongst </a:t>
+            </a:r>
+            <a:r>
+              <a:rPr lang="en-US" dirty="0" smtClean="0"/>
+              <a:t>HTML</a:t>
+            </a:r>
+          </a:p>
+          <a:p>
+            <a:r>
+              <a:rPr lang="en-US" dirty="0" smtClean="0"/>
+              <a:t>Tag</a:t>
+            </a:r>
             <a:r>
               <a:rPr lang="en-US" dirty="0"/>
-              <a:t>Scheduled </a:t>
-            </a:r>
-            <a:r>
-              <a:rPr lang="en-US" dirty="0" smtClean="0"/>
-              <a:t>Tasks</a:t>
-            </a:r>
-          </a:p>
-          <a:p>
-            <a:pPr lvl="1"/>
-            <a:r>
-              <a:rPr lang="en-US" dirty="0" smtClean="0"/>
-              <a:t>Custom tags, CFX tags</a:t>
-            </a:r>
-          </a:p>
-          <a:p>
-            <a:pPr lvl="1"/>
-            <a:r>
-              <a:rPr lang="en-US" dirty="0" smtClean="0"/>
-              <a:t>E-mail, Fonts</a:t>
-            </a:r>
-          </a:p>
-          <a:p>
-            <a:pPr lvl="1"/>
-            <a:r>
-              <a:rPr lang="en-US" dirty="0" smtClean="0"/>
-              <a:t>Web services</a:t>
-            </a:r>
+              <a:t>-based, starting with “</a:t>
+            </a:r>
+            <a:r>
+              <a:rPr lang="en-US" dirty="0" err="1"/>
+              <a:t>cf</a:t>
+            </a:r>
+            <a:r>
+              <a:rPr lang="en-US" dirty="0"/>
+              <a:t>” (for example, </a:t>
+            </a:r>
+            <a:r>
+              <a:rPr lang="en-US" sz="2000" dirty="0">
+                <a:latin typeface="Courier New"/>
+                <a:cs typeface="Courier New"/>
+              </a:rPr>
+              <a:t>&lt;</a:t>
+            </a:r>
+            <a:r>
+              <a:rPr lang="en-US" sz="2000" dirty="0" err="1" smtClean="0">
+                <a:latin typeface="Courier New"/>
+                <a:cs typeface="Courier New"/>
+              </a:rPr>
+              <a:t>cfset</a:t>
+            </a:r>
+            <a:r>
+              <a:rPr lang="en-US" sz="2000" dirty="0" smtClean="0">
+                <a:latin typeface="Courier New"/>
+                <a:cs typeface="Courier New"/>
+              </a:rPr>
+              <a:t>&gt;</a:t>
+            </a:r>
+            <a:r>
+              <a:rPr lang="en-US" dirty="0" smtClean="0"/>
+              <a:t>)</a:t>
+            </a:r>
+          </a:p>
+          <a:p>
+            <a:r>
+              <a:rPr lang="en-US" dirty="0" smtClean="0"/>
+              <a:t>Some tags are self-closing, many have attributes, some perform processing within the tag</a:t>
+            </a:r>
+          </a:p>
+          <a:p>
+            <a:r>
+              <a:rPr lang="en-US" dirty="0" smtClean="0"/>
+              <a:t>Can create custom tags</a:t>
+            </a:r>
+          </a:p>
+          <a:p>
+            <a:r>
+              <a:rPr lang="en-US" dirty="0" smtClean="0"/>
+              <a:t>Comments: </a:t>
+            </a:r>
+            <a:r>
+              <a:rPr lang="en-US" sz="2000" i="1" dirty="0" smtClean="0">
+                <a:latin typeface="Courier New"/>
+                <a:cs typeface="Courier New"/>
+              </a:rPr>
+              <a:t>&lt;!--- comment ---&gt;</a:t>
+            </a:r>
+            <a:endParaRPr lang="en-US" i="1" dirty="0" smtClean="0">
+              <a:latin typeface="Courier New"/>
+              <a:cs typeface="Courier New"/>
+            </a:endParaRPr>
           </a:p>
         </p:txBody>
       </p:sp>
     </p:spTree>
     <p:extLst>
       <p:ext uri="{BB962C8B-B14F-4D97-AF65-F5344CB8AC3E}">
-        <p14:creationId xmlns:p14="http://schemas.microsoft.com/office/powerpoint/2010/main" val="2379480268"/>
+        <p14:creationId xmlns:p14="http://schemas.microsoft.com/office/powerpoint/2010/main" val="1399933645"/>
       </p:ext>
     </p:extLst>
   </p:cSld>
@@ -8146,22 +8209,22 @@
       </p:grpSpPr>
       <p:sp>
         <p:nvSpPr>
-          <p:cNvPr id="4" name="Title 3"/>
-          <p:cNvSpPr>
-            <a:spLocks noGrp="1"/>
-          </p:cNvSpPr>
-          <p:nvPr>
-            <p:ph type="ctrTitle"/>
-          </p:nvPr>
-        </p:nvSpPr>
-        <p:spPr/>
-        <p:txBody>
-          <a:bodyPr/>
-          <a:lstStyle/>
-          <a:p>
-            <a:r>
-              <a:rPr lang="en-US" dirty="0" smtClean="0"/>
-              <a:t>Demo 01</a:t>
+          <p:cNvPr id="2" name="Title 1"/>
+          <p:cNvSpPr>
+            <a:spLocks noGrp="1"/>
+          </p:cNvSpPr>
+          <p:nvPr>
+            <p:ph type="title"/>
+          </p:nvPr>
+        </p:nvSpPr>
+        <p:spPr/>
+        <p:txBody>
+          <a:bodyPr/>
+          <a:lstStyle/>
+          <a:p>
+            <a:r>
+              <a:rPr lang="en-US" dirty="0" smtClean="0"/>
+              <a:t>Basic CFML - variables</a:t>
             </a:r>
             <a:endParaRPr lang="en-US" dirty="0"/>
           </a:p>
@@ -8169,39 +8232,142 @@
       </p:sp>
       <p:sp>
         <p:nvSpPr>
-          <p:cNvPr id="5" name="Subtitle 4"/>
-          <p:cNvSpPr>
-            <a:spLocks noGrp="1"/>
-          </p:cNvSpPr>
-          <p:nvPr>
-            <p:ph type="subTitle" idx="1"/>
-          </p:nvPr>
-        </p:nvSpPr>
-        <p:spPr/>
-        <p:txBody>
-          <a:bodyPr/>
-          <a:lstStyle/>
-          <a:p>
-            <a:endParaRPr lang="en-US" dirty="0"/>
-          </a:p>
-        </p:txBody>
-      </p:sp>
-      <p:sp>
-        <p:nvSpPr>
-          <p:cNvPr id="6" name="Picture Placeholder 5"/>
-          <p:cNvSpPr>
-            <a:spLocks noGrp="1"/>
-          </p:cNvSpPr>
-          <p:nvPr>
-            <p:ph type="pic" idx="13"/>
-          </p:nvPr>
-        </p:nvSpPr>
-        <p:spPr/>
+          <p:cNvPr id="3" name="Content Placeholder 2"/>
+          <p:cNvSpPr>
+            <a:spLocks noGrp="1"/>
+          </p:cNvSpPr>
+          <p:nvPr>
+            <p:ph idx="1"/>
+          </p:nvPr>
+        </p:nvSpPr>
+        <p:spPr/>
+        <p:txBody>
+          <a:bodyPr>
+            <a:normAutofit/>
+          </a:bodyPr>
+          <a:lstStyle/>
+          <a:p>
+            <a:r>
+              <a:rPr lang="en-US" dirty="0" smtClean="0"/>
+              <a:t>Variables </a:t>
+            </a:r>
+            <a:r>
+              <a:rPr lang="en-US" dirty="0"/>
+              <a:t>are </a:t>
+            </a:r>
+            <a:r>
+              <a:rPr lang="en-US" dirty="0" smtClean="0"/>
+              <a:t>type-less</a:t>
+            </a:r>
+          </a:p>
+          <a:p>
+            <a:pPr lvl="1"/>
+            <a:r>
+              <a:rPr lang="en-US" dirty="0" smtClean="0"/>
+              <a:t> </a:t>
+            </a:r>
+            <a:r>
+              <a:rPr lang="en-US" dirty="0"/>
+              <a:t>String, number, date, </a:t>
+            </a:r>
+            <a:r>
+              <a:rPr lang="en-US" dirty="0" err="1"/>
+              <a:t>boolean</a:t>
+            </a:r>
+            <a:r>
+              <a:rPr lang="en-US" dirty="0"/>
+              <a:t>, structures, </a:t>
+            </a:r>
+            <a:r>
+              <a:rPr lang="en-US" dirty="0" smtClean="0"/>
+              <a:t>arrays</a:t>
+            </a:r>
+          </a:p>
+          <a:p>
+            <a:r>
+              <a:rPr lang="en-US" dirty="0" smtClean="0"/>
+              <a:t>Variables have scope</a:t>
+            </a:r>
+          </a:p>
+          <a:p>
+            <a:pPr lvl="1"/>
+            <a:r>
+              <a:rPr lang="en-US" dirty="0" smtClean="0"/>
+              <a:t>Server, </a:t>
+            </a:r>
+            <a:r>
+              <a:rPr lang="en-US" dirty="0" err="1" smtClean="0"/>
+              <a:t>cgi</a:t>
+            </a:r>
+            <a:r>
+              <a:rPr lang="en-US" dirty="0" smtClean="0"/>
+              <a:t>, cookie, request, form, </a:t>
+            </a:r>
+            <a:r>
+              <a:rPr lang="en-US" dirty="0" err="1" smtClean="0"/>
+              <a:t>url</a:t>
+            </a:r>
+            <a:r>
+              <a:rPr lang="en-US" dirty="0" smtClean="0"/>
+              <a:t>, variables, local, arguments, attributes, application, client, session, </a:t>
+            </a:r>
+            <a:r>
+              <a:rPr lang="en-US" dirty="0" err="1" smtClean="0"/>
+              <a:t>cfthread</a:t>
+            </a:r>
+            <a:r>
+              <a:rPr lang="en-US" dirty="0" smtClean="0"/>
+              <a:t>, </a:t>
+            </a:r>
+            <a:r>
+              <a:rPr lang="en-US" dirty="0" err="1" smtClean="0"/>
+              <a:t>cffile</a:t>
+            </a:r>
+            <a:r>
+              <a:rPr lang="en-US" dirty="0" smtClean="0"/>
+              <a:t>, this, super, </a:t>
+            </a:r>
+            <a:r>
+              <a:rPr lang="en-US" dirty="0" err="1" smtClean="0"/>
+              <a:t>cfcatch</a:t>
+            </a:r>
+            <a:endParaRPr lang="en-US" dirty="0" smtClean="0"/>
+          </a:p>
+          <a:p>
+            <a:r>
+              <a:rPr lang="en-US" dirty="0" smtClean="0"/>
+              <a:t>Reference variables [scope].[variable’s name] or [scope][‘variable’s name’]</a:t>
+            </a:r>
+          </a:p>
+          <a:p>
+            <a:r>
+              <a:rPr lang="en-US" sz="2000" dirty="0" smtClean="0">
+                <a:latin typeface="Courier New"/>
+                <a:cs typeface="Courier New"/>
+              </a:rPr>
+              <a:t>&lt;</a:t>
+            </a:r>
+            <a:r>
+              <a:rPr lang="en-US" sz="2000" dirty="0" err="1" smtClean="0">
+                <a:latin typeface="Courier New"/>
+                <a:cs typeface="Courier New"/>
+              </a:rPr>
+              <a:t>cfset</a:t>
+            </a:r>
+            <a:r>
+              <a:rPr lang="en-US" sz="2000" dirty="0" smtClean="0">
+                <a:latin typeface="Courier New"/>
+                <a:cs typeface="Courier New"/>
+              </a:rPr>
+              <a:t> message = “Hello, World!”&gt;</a:t>
+            </a:r>
+          </a:p>
+        </p:txBody>
       </p:sp>
     </p:spTree>
     <p:extLst>
       <p:ext uri="{BB962C8B-B14F-4D97-AF65-F5344CB8AC3E}">
-        <p14:creationId xmlns:p14="http://schemas.microsoft.com/office/powerpoint/2010/main" val="711675040"/>
+        <p14:creationId xmlns:p14="http://schemas.microsoft.com/office/powerpoint/2010/main" val="2772679587"/>
       </p:ext>
     </p:extLst>
   </p:cSld>
@@ -8245,7 +8411,7 @@
           <a:p>
             <a:r>
               <a:rPr lang="en-US" dirty="0" smtClean="0"/>
-              <a:t>Basic CFML - syntax</a:t>
+              <a:t>Basic CFML - output</a:t>
             </a:r>
             <a:endParaRPr lang="en-US" dirty="0"/>
           </a:p>
@@ -8263,102 +8429,154 @@
         </p:nvSpPr>
         <p:spPr/>
         <p:txBody>
-          <a:bodyPr/>
-          <a:lstStyle/>
-          <a:p>
-            <a:r>
-              <a:rPr lang="en-US" dirty="0" smtClean="0"/>
-              <a:t>Code lives in CFM or CFC files</a:t>
-            </a:r>
-          </a:p>
-          <a:p>
-            <a:r>
-              <a:rPr lang="en-US" dirty="0"/>
-              <a:t>Designed to live amongst </a:t>
-            </a:r>
-            <a:r>
-              <a:rPr lang="en-US" dirty="0" smtClean="0"/>
-              <a:t>HTML</a:t>
-            </a:r>
-          </a:p>
-          <a:p>
-            <a:r>
-              <a:rPr lang="en-US" dirty="0" smtClean="0"/>
-              <a:t>Tag</a:t>
-            </a:r>
-            <a:r>
-              <a:rPr lang="en-US" dirty="0"/>
-              <a:t>-based, starting with “</a:t>
-            </a:r>
-            <a:r>
-              <a:rPr lang="en-US" dirty="0" err="1"/>
-              <a:t>cf</a:t>
-            </a:r>
-            <a:r>
-              <a:rPr lang="en-US" dirty="0"/>
-              <a:t>” (for example, </a:t>
-            </a:r>
-            <a:r>
-              <a:rPr lang="en-US" sz="2000" dirty="0">
+          <a:bodyPr>
+            <a:normAutofit fontScale="92500"/>
+          </a:bodyPr>
+          <a:lstStyle/>
+          <a:p>
+            <a:r>
+              <a:rPr lang="en-US" dirty="0" smtClean="0"/>
+              <a:t>CFML lives amongst HTML, so you tell it when to output</a:t>
+            </a:r>
+          </a:p>
+          <a:p>
+            <a:r>
+              <a:rPr lang="en-US" dirty="0" smtClean="0"/>
+              <a:t>Use #s to process CFML, with </a:t>
+            </a:r>
+            <a:r>
+              <a:rPr lang="en-US" sz="2200" dirty="0" smtClean="0">
                 <a:latin typeface="Courier New"/>
                 <a:cs typeface="Courier New"/>
               </a:rPr>
               <a:t>&lt;</a:t>
             </a:r>
             <a:r>
-              <a:rPr lang="en-US" sz="2000" dirty="0" err="1" smtClean="0">
-                <a:latin typeface="Courier New"/>
-                <a:cs typeface="Courier New"/>
-              </a:rPr>
-              <a:t>cfset</a:t>
-            </a:r>
-            <a:r>
-              <a:rPr lang="en-US" sz="2000" dirty="0" smtClean="0">
+              <a:rPr lang="en-US" sz="2200" dirty="0" err="1" smtClean="0">
+                <a:latin typeface="Courier New"/>
+                <a:cs typeface="Courier New"/>
+              </a:rPr>
+              <a:t>cfoutput</a:t>
+            </a:r>
+            <a:r>
+              <a:rPr lang="en-US" sz="2200" dirty="0" smtClean="0">
                 <a:latin typeface="Courier New"/>
                 <a:cs typeface="Courier New"/>
               </a:rPr>
               <a:t>&gt;</a:t>
             </a:r>
-            <a:r>
-              <a:rPr lang="en-US" dirty="0" smtClean="0"/>
-              <a:t>)</a:t>
-            </a:r>
-          </a:p>
-          <a:p>
-            <a:r>
-              <a:rPr lang="en-US" dirty="0" smtClean="0"/>
-              <a:t>Some tags are self-closing, many have attributes, some perform processing within the tag</a:t>
-            </a:r>
-          </a:p>
-          <a:p>
-            <a:r>
-              <a:rPr lang="en-US" dirty="0" smtClean="0"/>
-              <a:t>Can create custom tags</a:t>
-            </a:r>
-          </a:p>
-          <a:p>
-            <a:r>
-              <a:rPr lang="en-US" dirty="0" smtClean="0"/>
-              <a:t>Comments: </a:t>
-            </a:r>
-            <a:r>
-              <a:rPr lang="en-US" sz="2000" i="1" dirty="0" smtClean="0">
-                <a:latin typeface="Courier New"/>
-                <a:cs typeface="Courier New"/>
-              </a:rPr>
-              <a:t>&lt;!--- comment ---&gt;</a:t>
-            </a:r>
-            <a:endParaRPr lang="en-US" i="1" dirty="0" smtClean="0">
+          </a:p>
+          <a:p>
+            <a:r>
+              <a:rPr lang="en-US" dirty="0" smtClean="0"/>
+              <a:t>Can put variables or function calls within #s</a:t>
+            </a:r>
+          </a:p>
+          <a:p>
+            <a:pPr lvl="1"/>
+            <a:r>
+              <a:rPr lang="en-US" sz="1900" dirty="0" smtClean="0">
+                <a:latin typeface="Courier New"/>
+                <a:cs typeface="Courier New"/>
+              </a:rPr>
+              <a:t>#</a:t>
+            </a:r>
+            <a:r>
+              <a:rPr lang="en-US" sz="1900" dirty="0" err="1" smtClean="0">
+                <a:latin typeface="Courier New"/>
+                <a:cs typeface="Courier New"/>
+              </a:rPr>
+              <a:t>uCase</a:t>
+            </a:r>
+            <a:r>
+              <a:rPr lang="en-US" sz="1900" dirty="0" smtClean="0">
+                <a:latin typeface="Courier New"/>
+                <a:cs typeface="Courier New"/>
+              </a:rPr>
+              <a:t>(message)# </a:t>
+            </a:r>
+            <a:r>
+              <a:rPr lang="en-US" dirty="0" smtClean="0"/>
+              <a:t>outputs the upper case of message</a:t>
+            </a:r>
+          </a:p>
+          <a:p>
+            <a:r>
+              <a:rPr lang="en-US" dirty="0" smtClean="0"/>
+              <a:t>Cannot put tags within #s</a:t>
+            </a:r>
+          </a:p>
+          <a:p>
+            <a:r>
+              <a:rPr lang="en-US" dirty="0" smtClean="0"/>
+              <a:t>Escape # with another #: </a:t>
+            </a:r>
+            <a:r>
+              <a:rPr lang="en-US" sz="2200" dirty="0" smtClean="0">
+                <a:latin typeface="Courier New"/>
+                <a:cs typeface="Courier New"/>
+              </a:rPr>
+              <a:t>##</a:t>
+            </a:r>
+            <a:endParaRPr lang="en-US" dirty="0" smtClean="0">
               <a:latin typeface="Courier New"/>
               <a:cs typeface="Courier New"/>
             </a:endParaRPr>
           </a:p>
+          <a:p>
+            <a:r>
+              <a:rPr lang="en-US" dirty="0" smtClean="0"/>
+              <a:t>Need #s in attributes for tags</a:t>
+            </a:r>
+          </a:p>
+          <a:p>
+            <a:pPr lvl="1"/>
+            <a:r>
+              <a:rPr lang="en-US" sz="1900" dirty="0" smtClean="0">
+                <a:latin typeface="Courier New"/>
+                <a:cs typeface="Courier New"/>
+              </a:rPr>
+              <a:t>&lt;</a:t>
+            </a:r>
+            <a:r>
+              <a:rPr lang="en-US" sz="1900" dirty="0" err="1" smtClean="0">
+                <a:latin typeface="Courier New"/>
+                <a:cs typeface="Courier New"/>
+              </a:rPr>
+              <a:t>cfdump</a:t>
+            </a:r>
+            <a:r>
+              <a:rPr lang="en-US" sz="1900" dirty="0" smtClean="0">
+                <a:latin typeface="Courier New"/>
+                <a:cs typeface="Courier New"/>
+              </a:rPr>
+              <a:t> </a:t>
+            </a:r>
+            <a:r>
+              <a:rPr lang="en-US" sz="1900" dirty="0" err="1" smtClean="0">
+                <a:latin typeface="Courier New"/>
+                <a:cs typeface="Courier New"/>
+              </a:rPr>
+              <a:t>var</a:t>
+            </a:r>
+            <a:r>
+              <a:rPr lang="en-US" sz="1900" dirty="0" smtClean="0">
+                <a:latin typeface="Courier New"/>
+                <a:cs typeface="Courier New"/>
+              </a:rPr>
+              <a:t>=“#message#”&gt;</a:t>
+            </a:r>
+            <a:endParaRPr lang="en-US" sz="1900" dirty="0">
+              <a:latin typeface="Courier New"/>
+              <a:cs typeface="Courier New"/>
+            </a:endParaRPr>
+          </a:p>
         </p:txBody>
       </p:sp>
     </p:spTree>
     <p:extLst>
       <p:ext uri="{BB962C8B-B14F-4D97-AF65-F5344CB8AC3E}">
-        <p14:creationId xmlns:p14="http://schemas.microsoft.com/office/powerpoint/2010/main" val="1399933645"/>
+        <p14:creationId xmlns:p14="http://schemas.microsoft.com/office/powerpoint/2010/main" val="3765747897"/>
       </p:ext>
     </p:extLst>
   </p:cSld>
@@ -8402,7 +8620,7 @@
           <a:p>
             <a:r>
               <a:rPr lang="en-US" dirty="0" smtClean="0"/>
-              <a:t>Basic CFML - variables</a:t>
+              <a:t>Using Variables</a:t>
             </a:r>
             <a:endParaRPr lang="en-US" dirty="0"/>
           </a:p>
@@ -8427,102 +8645,116 @@
           <a:p>
             <a:r>
               <a:rPr lang="en-US" dirty="0" smtClean="0"/>
-              <a:t>Variables </a:t>
+              <a:t>String</a:t>
             </a:r>
             <a:r>
               <a:rPr lang="en-US" dirty="0"/>
-              <a:t>are </a:t>
-            </a:r>
-            <a:r>
-              <a:rPr lang="en-US" dirty="0" smtClean="0"/>
-              <a:t>type-less</a:t>
-            </a:r>
-          </a:p>
-          <a:p>
-            <a:pPr lvl="1"/>
-            <a:r>
-              <a:rPr lang="en-US" dirty="0" smtClean="0"/>
+              <a:t>: </a:t>
+            </a:r>
+            <a:r>
+              <a:rPr lang="en-US" sz="2000" dirty="0">
+                <a:latin typeface="Courier New"/>
+                <a:cs typeface="Courier New"/>
+              </a:rPr>
+              <a:t>&lt;</a:t>
+            </a:r>
+            <a:r>
+              <a:rPr lang="en-US" sz="2000" dirty="0" err="1">
+                <a:latin typeface="Courier New"/>
+                <a:cs typeface="Courier New"/>
+              </a:rPr>
+              <a:t>cfset</a:t>
+            </a:r>
+            <a:r>
+              <a:rPr lang="en-US" sz="2000" dirty="0">
+                <a:latin typeface="Courier New"/>
+                <a:cs typeface="Courier New"/>
+              </a:rPr>
+              <a:t> name=“Miles”&gt;</a:t>
+            </a:r>
+            <a:endParaRPr lang="en-US" dirty="0">
+              <a:latin typeface="Courier New"/>
+              <a:cs typeface="Courier New"/>
+            </a:endParaRPr>
+          </a:p>
+          <a:p>
+            <a:r>
+              <a:rPr lang="en-US" dirty="0" smtClean="0"/>
+              <a:t>Number: </a:t>
+            </a:r>
+            <a:r>
+              <a:rPr lang="en-US" sz="2000" dirty="0" smtClean="0">
+                <a:latin typeface="Courier New"/>
+                <a:cs typeface="Courier New"/>
+              </a:rPr>
+              <a:t>&lt;</a:t>
+            </a:r>
+            <a:r>
+              <a:rPr lang="en-US" sz="2000" dirty="0" err="1" smtClean="0">
+                <a:latin typeface="Courier New"/>
+                <a:cs typeface="Courier New"/>
+              </a:rPr>
+              <a:t>cfset</a:t>
+            </a:r>
+            <a:r>
+              <a:rPr lang="en-US" sz="2000" dirty="0" smtClean="0">
+                <a:latin typeface="Courier New"/>
+                <a:cs typeface="Courier New"/>
+              </a:rPr>
+              <a:t> age = 28&gt;</a:t>
+            </a:r>
+          </a:p>
+          <a:p>
+            <a:r>
+              <a:rPr lang="en-US" dirty="0" smtClean="0"/>
+              <a:t>Boolean: </a:t>
+            </a:r>
+            <a:r>
+              <a:rPr lang="en-US" sz="2000" dirty="0" smtClean="0">
+                <a:latin typeface="Courier New"/>
+                <a:cs typeface="Courier New"/>
+              </a:rPr>
+              <a:t>&lt;</a:t>
+            </a:r>
+            <a:r>
+              <a:rPr lang="en-US" sz="2000" dirty="0" err="1" smtClean="0">
+                <a:latin typeface="Courier New"/>
+                <a:cs typeface="Courier New"/>
+              </a:rPr>
+              <a:t>cfset</a:t>
+            </a:r>
+            <a:r>
+              <a:rPr lang="en-US" sz="2000" dirty="0" smtClean="0">
+                <a:latin typeface="Courier New"/>
+                <a:cs typeface="Courier New"/>
+              </a:rPr>
               <a:t> </a:t>
             </a:r>
             <a:r>
-              <a:rPr lang="en-US" dirty="0"/>
-              <a:t>String, number, date, </a:t>
-            </a:r>
-            <a:r>
-              <a:rPr lang="en-US" dirty="0" err="1"/>
-              <a:t>boolean</a:t>
-            </a:r>
-            <a:r>
-              <a:rPr lang="en-US" dirty="0"/>
-              <a:t>, structures, </a:t>
-            </a:r>
-            <a:r>
-              <a:rPr lang="en-US" dirty="0" smtClean="0"/>
-              <a:t>arrays</a:t>
-            </a:r>
-          </a:p>
-          <a:p>
-            <a:r>
-              <a:rPr lang="en-US" dirty="0" smtClean="0"/>
-              <a:t>Variables have scope</a:t>
-            </a:r>
-          </a:p>
-          <a:p>
-            <a:pPr lvl="1"/>
-            <a:r>
-              <a:rPr lang="en-US" dirty="0" smtClean="0"/>
-              <a:t>Server, </a:t>
-            </a:r>
-            <a:r>
-              <a:rPr lang="en-US" dirty="0" err="1" smtClean="0"/>
-              <a:t>cgi</a:t>
-            </a:r>
-            <a:r>
-              <a:rPr lang="en-US" dirty="0" smtClean="0"/>
-              <a:t>, cookie, request, form, </a:t>
-            </a:r>
-            <a:r>
-              <a:rPr lang="en-US" dirty="0" err="1" smtClean="0"/>
-              <a:t>url</a:t>
-            </a:r>
-            <a:r>
-              <a:rPr lang="en-US" dirty="0" smtClean="0"/>
-              <a:t>, variables, local, arguments, attributes, application, client, session, </a:t>
-            </a:r>
-            <a:r>
-              <a:rPr lang="en-US" dirty="0" err="1" smtClean="0"/>
-              <a:t>cfthread</a:t>
-            </a:r>
-            <a:r>
-              <a:rPr lang="en-US" dirty="0" smtClean="0"/>
-              <a:t>, </a:t>
-            </a:r>
-            <a:r>
-              <a:rPr lang="en-US" dirty="0" err="1" smtClean="0"/>
-              <a:t>cffile</a:t>
-            </a:r>
-            <a:r>
-              <a:rPr lang="en-US" dirty="0" smtClean="0"/>
-              <a:t>, this, super, </a:t>
-            </a:r>
-            <a:r>
-              <a:rPr lang="en-US" dirty="0" err="1" smtClean="0"/>
-              <a:t>cfcatch</a:t>
-            </a:r>
-            <a:endParaRPr lang="en-US" dirty="0" smtClean="0"/>
-          </a:p>
-          <a:p>
-            <a:r>
-              <a:rPr lang="en-US" dirty="0" smtClean="0"/>
-              <a:t>Reference variables [scope].[variable’s name] or [scope][‘variable’s name’]</a:t>
-            </a:r>
-          </a:p>
-          <a:p>
+              <a:rPr lang="en-US" sz="2000" dirty="0" err="1" smtClean="0">
+                <a:latin typeface="Courier New"/>
+                <a:cs typeface="Courier New"/>
+              </a:rPr>
+              <a:t>isPresenting</a:t>
+            </a:r>
             <a:r>
               <a:rPr lang="en-US" sz="2000" dirty="0" smtClean="0">
                 <a:latin typeface="Courier New"/>
                 <a:cs typeface="Courier New"/>
               </a:rPr>
+              <a:t> = true&gt;</a:t>
+            </a:r>
+          </a:p>
+          <a:p>
+            <a:r>
+              <a:rPr lang="en-US" dirty="0" smtClean="0"/>
+              <a:t>Date: </a:t>
+            </a:r>
+            <a:r>
+              <a:rPr lang="en-US" sz="2000" dirty="0" smtClean="0">
+                <a:latin typeface="Courier New"/>
+                <a:cs typeface="Courier New"/>
+              </a:rPr>
               <a:t>&lt;</a:t>
             </a:r>
             <a:r>
@@ -8537,7 +8769,95 @@
                 <a:latin typeface="Courier New"/>
                 <a:cs typeface="Courier New"/>
               </a:rPr>
-              <a:t> message = “Hello, World!”&gt;</a:t>
+              <a:t> </a:t>
+            </a:r>
+            <a:r>
+              <a:rPr lang="en-US" sz="2000" dirty="0" err="1" smtClean="0">
+                <a:latin typeface="Courier New"/>
+                <a:cs typeface="Courier New"/>
+              </a:rPr>
+              <a:t>datePresenting</a:t>
+            </a:r>
+            <a:r>
+              <a:rPr lang="en-US" sz="2000" dirty="0" smtClean="0">
+                <a:latin typeface="Courier New"/>
+                <a:cs typeface="Courier New"/>
+              </a:rPr>
+              <a:t> = Now()&gt;</a:t>
+            </a:r>
+          </a:p>
+          <a:p>
+            <a:r>
+              <a:rPr lang="en-US" sz="2000" dirty="0" smtClean="0">
+                <a:latin typeface="Courier New"/>
+                <a:cs typeface="Courier New"/>
+              </a:rPr>
+              <a:t>&lt;</a:t>
+            </a:r>
+            <a:r>
+              <a:rPr lang="en-US" sz="2000" dirty="0" err="1" smtClean="0">
+                <a:latin typeface="Courier New"/>
+                <a:cs typeface="Courier New"/>
+              </a:rPr>
+              <a:t>cfparam</a:t>
+            </a:r>
+            <a:r>
+              <a:rPr lang="en-US" sz="2000" dirty="0" smtClean="0">
+                <a:latin typeface="Courier New"/>
+                <a:cs typeface="Courier New"/>
+              </a:rPr>
+              <a:t> name=“name” default=“No Name”&gt;</a:t>
+            </a:r>
+          </a:p>
+          <a:p>
+            <a:r>
+              <a:rPr lang="en-US" sz="2000" dirty="0" smtClean="0">
+                <a:latin typeface="Courier New"/>
+                <a:cs typeface="Courier New"/>
+              </a:rPr>
+              <a:t>&lt;</a:t>
+            </a:r>
+            <a:r>
+              <a:rPr lang="en-US" sz="2000" dirty="0" err="1" smtClean="0">
+                <a:latin typeface="Courier New"/>
+                <a:cs typeface="Courier New"/>
+              </a:rPr>
+              <a:t>cfoutput</a:t>
+            </a:r>
+            <a:r>
+              <a:rPr lang="en-US" sz="2000" dirty="0" smtClean="0">
+                <a:latin typeface="Courier New"/>
+                <a:cs typeface="Courier New"/>
+              </a:rPr>
+              <a:t>&gt;#</a:t>
+            </a:r>
+            <a:r>
+              <a:rPr lang="en-US" sz="2000" dirty="0" err="1" smtClean="0">
+                <a:latin typeface="Courier New"/>
+                <a:cs typeface="Courier New"/>
+              </a:rPr>
+              <a:t>simpleVariable</a:t>
+            </a:r>
+            <a:r>
+              <a:rPr lang="en-US" sz="2000" dirty="0" smtClean="0">
+                <a:latin typeface="Courier New"/>
+                <a:cs typeface="Courier New"/>
+              </a:rPr>
+              <a:t>#&lt;/</a:t>
+            </a:r>
+            <a:r>
+              <a:rPr lang="en-US" sz="2000" dirty="0" err="1" smtClean="0">
+                <a:latin typeface="Courier New"/>
+                <a:cs typeface="Courier New"/>
+              </a:rPr>
+              <a:t>cfoutput</a:t>
+            </a:r>
+            <a:r>
+              <a:rPr lang="en-US" sz="2000" dirty="0" smtClean="0">
+                <a:latin typeface="Courier New"/>
+                <a:cs typeface="Courier New"/>
+              </a:rPr>
+              <a:t>&gt;</a:t>
             </a:r>
           </a:p>
         </p:txBody>
@@ -8545,7 +8865,7 @@
     </p:spTree>
     <p:extLst>
       <p:ext uri="{BB962C8B-B14F-4D97-AF65-F5344CB8AC3E}">
-        <p14:creationId xmlns:p14="http://schemas.microsoft.com/office/powerpoint/2010/main" val="2772679587"/>
+        <p14:creationId xmlns:p14="http://schemas.microsoft.com/office/powerpoint/2010/main" val="1432780703"/>
       </p:ext>
     </p:extLst>
   </p:cSld>
@@ -8589,7 +8909,7 @@
           <a:p>
             <a:r>
               <a:rPr lang="en-US" dirty="0" smtClean="0"/>
-              <a:t>Basic CFML - output</a:t>
+              <a:t>Using Variables - Arrays</a:t>
             </a:r>
             <a:endParaRPr lang="en-US" dirty="0"/>
           </a:p>
@@ -8608,153 +8928,247 @@
         <p:spPr/>
         <p:txBody>
           <a:bodyPr>
-            <a:normAutofit fontScale="92500"/>
+            <a:normAutofit/>
           </a:bodyPr>
           <a:lstStyle/>
           <a:p>
             <a:r>
               <a:rPr lang="en-US" dirty="0" smtClean="0"/>
-              <a:t>CFML lives amongst HTML, so you tell it when to output</a:t>
-            </a:r>
-          </a:p>
-          <a:p>
-            <a:r>
-              <a:rPr lang="en-US" dirty="0" smtClean="0"/>
-              <a:t>Use #s to process CFML, with </a:t>
-            </a:r>
-            <a:r>
-              <a:rPr lang="en-US" sz="2200" dirty="0" smtClean="0">
+              <a:t>1</a:t>
+            </a:r>
+            <a:r>
+              <a:rPr lang="en-US" dirty="0"/>
+              <a:t>-based, not 0-</a:t>
+            </a:r>
+            <a:r>
+              <a:rPr lang="en-US" dirty="0" smtClean="0"/>
+              <a:t>based</a:t>
+            </a:r>
+          </a:p>
+          <a:p>
+            <a:r>
+              <a:rPr lang="en-US" dirty="0" smtClean="0"/>
+              <a:t>Not typed</a:t>
+            </a:r>
+            <a:endParaRPr lang="en-US" dirty="0"/>
+          </a:p>
+          <a:p>
+            <a:r>
+              <a:rPr lang="en-US" sz="2000" dirty="0">
                 <a:latin typeface="Courier New"/>
                 <a:cs typeface="Courier New"/>
               </a:rPr>
               <a:t>&lt;</a:t>
             </a:r>
             <a:r>
-              <a:rPr lang="en-US" sz="2200" dirty="0" err="1" smtClean="0">
+              <a:rPr lang="en-US" sz="2000" dirty="0" err="1">
+                <a:latin typeface="Courier New"/>
+                <a:cs typeface="Courier New"/>
+              </a:rPr>
+              <a:t>cfset</a:t>
+            </a:r>
+            <a:r>
+              <a:rPr lang="en-US" sz="2000" dirty="0">
+                <a:latin typeface="Courier New"/>
+                <a:cs typeface="Courier New"/>
+              </a:rPr>
+              <a:t> links = </a:t>
+            </a:r>
+            <a:r>
+              <a:rPr lang="en-US" sz="2000" dirty="0" err="1">
+                <a:latin typeface="Courier New"/>
+                <a:cs typeface="Courier New"/>
+              </a:rPr>
+              <a:t>ArrayNew</a:t>
+            </a:r>
+            <a:r>
+              <a:rPr lang="en-US" sz="2000" dirty="0">
+                <a:latin typeface="Courier New"/>
+                <a:cs typeface="Courier New"/>
+              </a:rPr>
+              <a:t>(1)&gt;</a:t>
+            </a:r>
+            <a:br>
+              <a:rPr lang="en-US" sz="2000" dirty="0">
+                <a:latin typeface="Courier New"/>
+                <a:cs typeface="Courier New"/>
+              </a:rPr>
+            </a:br>
+            <a:r>
+              <a:rPr lang="en-US" sz="2000" dirty="0">
+                <a:latin typeface="Courier New"/>
+                <a:cs typeface="Courier New"/>
+              </a:rPr>
+              <a:t>&lt;</a:t>
+            </a:r>
+            <a:r>
+              <a:rPr lang="en-US" sz="2000" dirty="0" err="1">
+                <a:latin typeface="Courier New"/>
+                <a:cs typeface="Courier New"/>
+              </a:rPr>
+              <a:t>cfset</a:t>
+            </a:r>
+            <a:r>
+              <a:rPr lang="en-US" sz="2000" dirty="0">
+                <a:latin typeface="Courier New"/>
+                <a:cs typeface="Courier New"/>
+              </a:rPr>
+              <a:t> links[1] = “http://</a:t>
+            </a:r>
+            <a:r>
+              <a:rPr lang="en-US" sz="2000" dirty="0" err="1">
+                <a:latin typeface="Courier New"/>
+                <a:cs typeface="Courier New"/>
+              </a:rPr>
+              <a:t>milesrausch.com</a:t>
+            </a:r>
+            <a:r>
+              <a:rPr lang="en-US" sz="2000" dirty="0">
+                <a:latin typeface="Courier New"/>
+                <a:cs typeface="Courier New"/>
+              </a:rPr>
+              <a:t>”&gt;</a:t>
+            </a:r>
+            <a:br>
+              <a:rPr lang="en-US" sz="2000" dirty="0">
+                <a:latin typeface="Courier New"/>
+                <a:cs typeface="Courier New"/>
+              </a:rPr>
+            </a:br>
+            <a:r>
+              <a:rPr lang="en-US" sz="2000" dirty="0">
+                <a:latin typeface="Courier New"/>
+                <a:cs typeface="Courier New"/>
+              </a:rPr>
+              <a:t>&lt;</a:t>
+            </a:r>
+            <a:r>
+              <a:rPr lang="en-US" sz="2000" dirty="0" err="1">
+                <a:latin typeface="Courier New"/>
+                <a:cs typeface="Courier New"/>
+              </a:rPr>
+              <a:t>cfset</a:t>
+            </a:r>
+            <a:r>
+              <a:rPr lang="en-US" sz="2000" dirty="0">
+                <a:latin typeface="Courier New"/>
+                <a:cs typeface="Courier New"/>
+              </a:rPr>
+              <a:t> links[2] = “http://</a:t>
+            </a:r>
+            <a:r>
+              <a:rPr lang="en-US" sz="2000" dirty="0" err="1">
+                <a:latin typeface="Courier New"/>
+                <a:cs typeface="Courier New"/>
+              </a:rPr>
+              <a:t>awayken.com</a:t>
+            </a:r>
+            <a:r>
+              <a:rPr lang="en-US" sz="2000" dirty="0">
+                <a:latin typeface="Courier New"/>
+                <a:cs typeface="Courier New"/>
+              </a:rPr>
+              <a:t>”&gt;</a:t>
+            </a:r>
+          </a:p>
+          <a:p>
+            <a:r>
+              <a:rPr lang="en-US" sz="2000" dirty="0">
+                <a:latin typeface="Courier New"/>
+                <a:cs typeface="Courier New"/>
+              </a:rPr>
+              <a:t>&lt;</a:t>
+            </a:r>
+            <a:r>
+              <a:rPr lang="en-US" sz="2000" dirty="0" err="1">
+                <a:latin typeface="Courier New"/>
+                <a:cs typeface="Courier New"/>
+              </a:rPr>
+              <a:t>cfset</a:t>
+            </a:r>
+            <a:r>
+              <a:rPr lang="en-US" sz="2000" dirty="0">
+                <a:latin typeface="Courier New"/>
+                <a:cs typeface="Courier New"/>
+              </a:rPr>
+              <a:t> links = [ “http://</a:t>
+            </a:r>
+            <a:r>
+              <a:rPr lang="en-US" sz="2000" dirty="0" err="1">
+                <a:latin typeface="Courier New"/>
+                <a:cs typeface="Courier New"/>
+              </a:rPr>
+              <a:t>milesrausch.com</a:t>
+            </a:r>
+            <a:r>
+              <a:rPr lang="en-US" sz="2000" dirty="0">
+                <a:latin typeface="Courier New"/>
+                <a:cs typeface="Courier New"/>
+              </a:rPr>
+              <a:t>”, “http://</a:t>
+            </a:r>
+            <a:r>
+              <a:rPr lang="en-US" sz="2000" dirty="0" err="1">
+                <a:latin typeface="Courier New"/>
+                <a:cs typeface="Courier New"/>
+              </a:rPr>
+              <a:t>awaken.com</a:t>
+            </a:r>
+            <a:r>
+              <a:rPr lang="en-US" sz="2000" dirty="0">
+                <a:latin typeface="Courier New"/>
+                <a:cs typeface="Courier New"/>
+              </a:rPr>
+              <a:t>” ]&gt;</a:t>
+            </a:r>
+          </a:p>
+          <a:p>
+            <a:r>
+              <a:rPr lang="en-US" sz="2000" dirty="0">
+                <a:latin typeface="Courier New"/>
+                <a:cs typeface="Courier New"/>
+              </a:rPr>
+              <a:t>&lt;</a:t>
+            </a:r>
+            <a:r>
+              <a:rPr lang="en-US" sz="2000" dirty="0" err="1">
                 <a:latin typeface="Courier New"/>
                 <a:cs typeface="Courier New"/>
               </a:rPr>
               <a:t>cfoutput</a:t>
             </a:r>
             <a:r>
-              <a:rPr lang="en-US" sz="2200" dirty="0" smtClean="0">
+              <a:rPr lang="en-US" sz="2000" dirty="0">
+                <a:latin typeface="Courier New"/>
+                <a:cs typeface="Courier New"/>
+              </a:rPr>
+              <a:t>&gt;#links[1]#&lt;/</a:t>
+            </a:r>
+            <a:r>
+              <a:rPr lang="en-US" sz="2000" dirty="0" err="1">
+                <a:latin typeface="Courier New"/>
+                <a:cs typeface="Courier New"/>
+              </a:rPr>
+              <a:t>cfoutput</a:t>
+            </a:r>
+            <a:r>
+              <a:rPr lang="en-US" sz="2000" dirty="0" smtClean="0">
                 <a:latin typeface="Courier New"/>
                 <a:cs typeface="Courier New"/>
               </a:rPr>
               <a:t>&gt;</a:t>
             </a:r>
-          </a:p>
-          <a:p>
-            <a:r>
-              <a:rPr lang="en-US" dirty="0" smtClean="0"/>
-              <a:t>Can put variables or function calls within #s</a:t>
-            </a:r>
-          </a:p>
-          <a:p>
-            <a:pPr lvl="1"/>
-            <a:r>
-              <a:rPr lang="en-US" sz="1900" dirty="0" smtClean="0">
-                <a:latin typeface="Courier New"/>
-                <a:cs typeface="Courier New"/>
-              </a:rPr>
-              <a:t>#</a:t>
-            </a:r>
-            <a:r>
-              <a:rPr lang="en-US" sz="1900" dirty="0" err="1" smtClean="0">
-                <a:latin typeface="Courier New"/>
-                <a:cs typeface="Courier New"/>
-              </a:rPr>
-              <a:t>uCase</a:t>
-            </a:r>
-            <a:r>
-              <a:rPr lang="en-US" sz="1900" dirty="0" smtClean="0">
-                <a:latin typeface="Courier New"/>
-                <a:cs typeface="Courier New"/>
-              </a:rPr>
-              <a:t>(message)# </a:t>
-            </a:r>
-            <a:r>
-              <a:rPr lang="en-US" dirty="0" smtClean="0"/>
-              <a:t>outputs the upper case of message</a:t>
-            </a:r>
-          </a:p>
-          <a:p>
-            <a:r>
-              <a:rPr lang="en-US" dirty="0" smtClean="0"/>
-              <a:t>Cannot put tags within #s</a:t>
-            </a:r>
-          </a:p>
-          <a:p>
-            <a:r>
-              <a:rPr lang="en-US" dirty="0" smtClean="0"/>
-              <a:t>Escape # with another #: </a:t>
-            </a:r>
-            <a:r>
-              <a:rPr lang="en-US" sz="2200" dirty="0" smtClean="0">
-                <a:latin typeface="Courier New"/>
-                <a:cs typeface="Courier New"/>
-              </a:rPr>
-              <a:t>##</a:t>
-            </a:r>
-            <a:endParaRPr lang="en-US" dirty="0" smtClean="0">
+            <a:endParaRPr lang="en-US" sz="2000" dirty="0">
               <a:latin typeface="Courier New"/>
               <a:cs typeface="Courier New"/>
             </a:endParaRPr>
           </a:p>
-          <a:p>
-            <a:r>
-              <a:rPr lang="en-US" dirty="0" smtClean="0"/>
-              <a:t>Need #s in attributes for tags</a:t>
-            </a:r>
-          </a:p>
-          <a:p>
-            <a:pPr lvl="1"/>
-            <a:r>
-              <a:rPr lang="en-US" sz="1900" dirty="0" smtClean="0">
-                <a:latin typeface="Courier New"/>
-                <a:cs typeface="Courier New"/>
-              </a:rPr>
-              <a:t>&lt;</a:t>
-            </a:r>
-            <a:r>
-              <a:rPr lang="en-US" sz="1900" dirty="0" err="1" smtClean="0">
-                <a:latin typeface="Courier New"/>
-                <a:cs typeface="Courier New"/>
-              </a:rPr>
-              <a:t>cfdump</a:t>
-            </a:r>
-            <a:r>
-              <a:rPr lang="en-US" sz="1900" dirty="0" smtClean="0">
-                <a:latin typeface="Courier New"/>
-                <a:cs typeface="Courier New"/>
-              </a:rPr>
-              <a:t> </a:t>
-            </a:r>
-            <a:r>
-              <a:rPr lang="en-US" sz="1900" dirty="0" err="1" smtClean="0">
-                <a:latin typeface="Courier New"/>
-                <a:cs typeface="Courier New"/>
-              </a:rPr>
-              <a:t>var</a:t>
-            </a:r>
-            <a:r>
-              <a:rPr lang="en-US" sz="1900" dirty="0" smtClean="0">
-                <a:latin typeface="Courier New"/>
-                <a:cs typeface="Courier New"/>
-              </a:rPr>
-              <a:t>=“#message#”&gt;</a:t>
-            </a:r>
-            <a:endParaRPr lang="en-US" sz="1900" dirty="0">
-              <a:latin typeface="Courier New"/>
-              <a:cs typeface="Courier New"/>
-            </a:endParaRPr>
-          </a:p>
         </p:txBody>
       </p:sp>
     </p:spTree>
     <p:extLst>
       <p:ext uri="{BB962C8B-B14F-4D97-AF65-F5344CB8AC3E}">
-        <p14:creationId xmlns:p14="http://schemas.microsoft.com/office/powerpoint/2010/main" val="3765747897"/>
+        <p14:creationId xmlns:p14="http://schemas.microsoft.com/office/powerpoint/2010/main" val="696998618"/>
       </p:ext>
     </p:extLst>
   </p:cSld>
@@ -8798,7 +9212,7 @@
           <a:p>
             <a:r>
               <a:rPr lang="en-US" dirty="0" smtClean="0"/>
-              <a:t>Using Variables</a:t>
+              <a:t>Using Variables - Structures</a:t>
             </a:r>
             <a:endParaRPr lang="en-US" dirty="0"/>
           </a:p>
@@ -8817,233 +9231,479 @@
         <p:spPr/>
         <p:txBody>
           <a:bodyPr>
-            <a:normAutofit/>
+            <a:normAutofit fontScale="92500" lnSpcReduction="20000"/>
           </a:bodyPr>
           <a:lstStyle/>
           <a:p>
             <a:r>
               <a:rPr lang="en-US" dirty="0" smtClean="0"/>
-              <a:t>String</a:t>
-            </a:r>
-            <a:r>
-              <a:rPr lang="en-US" dirty="0"/>
-              <a:t>: </a:t>
-            </a:r>
-            <a:r>
-              <a:rPr lang="en-US" sz="2000" dirty="0">
+              <a:t>Key / value data (map, collection, etc.)</a:t>
+            </a:r>
+          </a:p>
+          <a:p>
+            <a:r>
+              <a:rPr lang="en-US" dirty="0" smtClean="0"/>
+              <a:t>Can reference with dot or bracket notation</a:t>
+            </a:r>
+          </a:p>
+          <a:p>
+            <a:r>
+              <a:rPr lang="en-US" sz="2100" dirty="0" smtClean="0">
                 <a:latin typeface="Courier New"/>
                 <a:cs typeface="Courier New"/>
               </a:rPr>
               <a:t>&lt;</a:t>
             </a:r>
             <a:r>
-              <a:rPr lang="en-US" sz="2000" dirty="0" err="1">
+              <a:rPr lang="en-US" sz="2100" dirty="0" err="1">
                 <a:latin typeface="Courier New"/>
                 <a:cs typeface="Courier New"/>
               </a:rPr>
               <a:t>cfset</a:t>
             </a:r>
             <a:r>
-              <a:rPr lang="en-US" sz="2000" dirty="0">
-                <a:latin typeface="Courier New"/>
-                <a:cs typeface="Courier New"/>
-              </a:rPr>
-              <a:t> name=“Miles”&gt;</a:t>
-            </a:r>
-            <a:endParaRPr lang="en-US" dirty="0">
+              <a:rPr lang="en-US" sz="2100" dirty="0">
+                <a:latin typeface="Courier New"/>
+                <a:cs typeface="Courier New"/>
+              </a:rPr>
+              <a:t> </a:t>
+            </a:r>
+            <a:r>
+              <a:rPr lang="en-US" sz="2100" dirty="0" smtClean="0">
+                <a:latin typeface="Courier New"/>
+                <a:cs typeface="Courier New"/>
+              </a:rPr>
+              <a:t>meta = </a:t>
+            </a:r>
+            <a:r>
+              <a:rPr lang="en-US" sz="2100" dirty="0" err="1" smtClean="0">
+                <a:latin typeface="Courier New"/>
+                <a:cs typeface="Courier New"/>
+              </a:rPr>
+              <a:t>StructNew</a:t>
+            </a:r>
+            <a:r>
+              <a:rPr lang="en-US" sz="2100" dirty="0" smtClean="0">
+                <a:latin typeface="Courier New"/>
+                <a:cs typeface="Courier New"/>
+              </a:rPr>
+              <a:t>()</a:t>
+            </a:r>
+            <a:r>
+              <a:rPr lang="en-US" sz="2100" dirty="0">
+                <a:latin typeface="Courier New"/>
+                <a:cs typeface="Courier New"/>
+              </a:rPr>
+              <a:t>&gt;</a:t>
+            </a:r>
+            <a:br>
+              <a:rPr lang="en-US" sz="2100" dirty="0">
+                <a:latin typeface="Courier New"/>
+                <a:cs typeface="Courier New"/>
+              </a:rPr>
+            </a:br>
+            <a:r>
+              <a:rPr lang="en-US" sz="2100" dirty="0">
+                <a:latin typeface="Courier New"/>
+                <a:cs typeface="Courier New"/>
+              </a:rPr>
+              <a:t>&lt;</a:t>
+            </a:r>
+            <a:r>
+              <a:rPr lang="en-US" sz="2100" dirty="0" err="1">
+                <a:latin typeface="Courier New"/>
+                <a:cs typeface="Courier New"/>
+              </a:rPr>
+              <a:t>cfset</a:t>
+            </a:r>
+            <a:r>
+              <a:rPr lang="en-US" sz="2100" dirty="0">
+                <a:latin typeface="Courier New"/>
+                <a:cs typeface="Courier New"/>
+              </a:rPr>
+              <a:t> </a:t>
+            </a:r>
+            <a:r>
+              <a:rPr lang="en-US" sz="2100" dirty="0" err="1" smtClean="0">
+                <a:latin typeface="Courier New"/>
+                <a:cs typeface="Courier New"/>
+              </a:rPr>
+              <a:t>meta.engine</a:t>
+            </a:r>
+            <a:r>
+              <a:rPr lang="en-US" sz="2100" dirty="0" smtClean="0">
+                <a:latin typeface="Courier New"/>
+                <a:cs typeface="Courier New"/>
+              </a:rPr>
+              <a:t> </a:t>
+            </a:r>
+            <a:r>
+              <a:rPr lang="en-US" sz="2100" dirty="0">
+                <a:latin typeface="Courier New"/>
+                <a:cs typeface="Courier New"/>
+              </a:rPr>
+              <a:t>= </a:t>
+            </a:r>
+            <a:r>
+              <a:rPr lang="en-US" sz="2100" dirty="0" smtClean="0">
+                <a:latin typeface="Courier New"/>
+                <a:cs typeface="Courier New"/>
+              </a:rPr>
+              <a:t>“</a:t>
+            </a:r>
+            <a:r>
+              <a:rPr lang="en-US" sz="2100" dirty="0" err="1" smtClean="0">
+                <a:latin typeface="Courier New"/>
+                <a:cs typeface="Courier New"/>
+              </a:rPr>
+              <a:t>OpenBD</a:t>
+            </a:r>
+            <a:r>
+              <a:rPr lang="en-US" sz="2100" dirty="0" smtClean="0">
+                <a:latin typeface="Courier New"/>
+                <a:cs typeface="Courier New"/>
+              </a:rPr>
+              <a:t>”</a:t>
+            </a:r>
+            <a:r>
+              <a:rPr lang="en-US" sz="2100" dirty="0">
+                <a:latin typeface="Courier New"/>
+                <a:cs typeface="Courier New"/>
+              </a:rPr>
+              <a:t>&gt;</a:t>
+            </a:r>
+            <a:br>
+              <a:rPr lang="en-US" sz="2100" dirty="0">
+                <a:latin typeface="Courier New"/>
+                <a:cs typeface="Courier New"/>
+              </a:rPr>
+            </a:br>
+            <a:r>
+              <a:rPr lang="en-US" sz="2100" dirty="0">
+                <a:latin typeface="Courier New"/>
+                <a:cs typeface="Courier New"/>
+              </a:rPr>
+              <a:t>&lt;</a:t>
+            </a:r>
+            <a:r>
+              <a:rPr lang="en-US" sz="2100" dirty="0" err="1">
+                <a:latin typeface="Courier New"/>
+                <a:cs typeface="Courier New"/>
+              </a:rPr>
+              <a:t>cfset</a:t>
+            </a:r>
+            <a:r>
+              <a:rPr lang="en-US" sz="2100" dirty="0">
+                <a:latin typeface="Courier New"/>
+                <a:cs typeface="Courier New"/>
+              </a:rPr>
+              <a:t> </a:t>
+            </a:r>
+            <a:r>
+              <a:rPr lang="en-US" sz="2100" dirty="0" smtClean="0">
+                <a:latin typeface="Courier New"/>
+                <a:cs typeface="Courier New"/>
+              </a:rPr>
+              <a:t>meta[“version”] </a:t>
+            </a:r>
+            <a:r>
+              <a:rPr lang="en-US" sz="2100" dirty="0">
+                <a:latin typeface="Courier New"/>
+                <a:cs typeface="Courier New"/>
+              </a:rPr>
+              <a:t>= </a:t>
+            </a:r>
+            <a:r>
+              <a:rPr lang="en-US" sz="2100" dirty="0" smtClean="0">
+                <a:latin typeface="Courier New"/>
+                <a:cs typeface="Courier New"/>
+              </a:rPr>
+              <a:t>“1.5”</a:t>
+            </a:r>
+            <a:r>
+              <a:rPr lang="en-US" sz="2100" dirty="0">
+                <a:latin typeface="Courier New"/>
+                <a:cs typeface="Courier New"/>
+              </a:rPr>
+              <a:t>&gt;</a:t>
+            </a:r>
+          </a:p>
+          <a:p>
+            <a:r>
+              <a:rPr lang="en-US" sz="2100" dirty="0">
+                <a:latin typeface="Courier New"/>
+                <a:cs typeface="Courier New"/>
+              </a:rPr>
+              <a:t>&lt;</a:t>
+            </a:r>
+            <a:r>
+              <a:rPr lang="en-US" sz="2100" dirty="0" err="1">
+                <a:latin typeface="Courier New"/>
+                <a:cs typeface="Courier New"/>
+              </a:rPr>
+              <a:t>cfset</a:t>
+            </a:r>
+            <a:r>
+              <a:rPr lang="en-US" sz="2100" dirty="0">
+                <a:latin typeface="Courier New"/>
+                <a:cs typeface="Courier New"/>
+              </a:rPr>
+              <a:t> </a:t>
+            </a:r>
+            <a:r>
+              <a:rPr lang="en-US" sz="2100" dirty="0" smtClean="0">
+                <a:latin typeface="Courier New"/>
+                <a:cs typeface="Courier New"/>
+              </a:rPr>
+              <a:t>meta = { engine = “</a:t>
+            </a:r>
+            <a:r>
+              <a:rPr lang="en-US" sz="2100" dirty="0" err="1" smtClean="0">
+                <a:latin typeface="Courier New"/>
+                <a:cs typeface="Courier New"/>
+              </a:rPr>
+              <a:t>OpenBD</a:t>
+            </a:r>
+            <a:r>
+              <a:rPr lang="en-US" sz="2100" dirty="0" smtClean="0">
+                <a:latin typeface="Courier New"/>
+                <a:cs typeface="Courier New"/>
+              </a:rPr>
+              <a:t>”, version = “1.5” }&gt;</a:t>
+            </a:r>
+            <a:endParaRPr lang="en-US" sz="2100" dirty="0">
               <a:latin typeface="Courier New"/>
               <a:cs typeface="Courier New"/>
             </a:endParaRPr>
           </a:p>
           <a:p>
             <a:r>
-              <a:rPr lang="en-US" dirty="0" smtClean="0"/>
-              <a:t>Number: </a:t>
-            </a:r>
-            <a:r>
-              <a:rPr lang="en-US" sz="2000" dirty="0" smtClean="0">
+              <a:rPr lang="en-US" sz="2100" dirty="0">
                 <a:latin typeface="Courier New"/>
                 <a:cs typeface="Courier New"/>
               </a:rPr>
               <a:t>&lt;</a:t>
             </a:r>
             <a:r>
-              <a:rPr lang="en-US" sz="2000" dirty="0" err="1" smtClean="0">
-                <a:latin typeface="Courier New"/>
-                <a:cs typeface="Courier New"/>
-              </a:rPr>
-              <a:t>cfset</a:t>
-            </a:r>
-            <a:r>
-              <a:rPr lang="en-US" sz="2000" dirty="0" smtClean="0">
-                <a:latin typeface="Courier New"/>
-                <a:cs typeface="Courier New"/>
-              </a:rPr>
-              <a:t> age = 28&gt;</a:t>
-            </a:r>
-          </a:p>
-          <a:p>
-            <a:r>
-              <a:rPr lang="en-US" dirty="0" smtClean="0"/>
-              <a:t>Boolean: </a:t>
-            </a:r>
-            <a:r>
-              <a:rPr lang="en-US" sz="2000" dirty="0" smtClean="0">
+              <a:rPr lang="en-US" sz="2100" dirty="0" err="1">
+                <a:latin typeface="Courier New"/>
+                <a:cs typeface="Courier New"/>
+              </a:rPr>
+              <a:t>cfoutput</a:t>
+            </a:r>
+            <a:r>
+              <a:rPr lang="en-US" sz="2100" dirty="0">
+                <a:latin typeface="Courier New"/>
+                <a:cs typeface="Courier New"/>
+              </a:rPr>
+              <a:t>&gt;</a:t>
+            </a:r>
+            <a:r>
+              <a:rPr lang="en-US" sz="2100" dirty="0" smtClean="0">
+                <a:latin typeface="Courier New"/>
+                <a:cs typeface="Courier New"/>
+              </a:rPr>
+              <a:t>#</a:t>
+            </a:r>
+            <a:r>
+              <a:rPr lang="en-US" sz="2100" dirty="0" err="1" smtClean="0">
+                <a:latin typeface="Courier New"/>
+                <a:cs typeface="Courier New"/>
+              </a:rPr>
+              <a:t>meta.engine</a:t>
+            </a:r>
+            <a:r>
+              <a:rPr lang="en-US" sz="2100" dirty="0" smtClean="0">
+                <a:latin typeface="Courier New"/>
+                <a:cs typeface="Courier New"/>
+              </a:rPr>
+              <a:t>#</a:t>
+            </a:r>
+            <a:r>
+              <a:rPr lang="en-US" sz="2100" dirty="0">
+                <a:latin typeface="Courier New"/>
+                <a:cs typeface="Courier New"/>
+              </a:rPr>
+              <a:t>&lt;/</a:t>
+            </a:r>
+            <a:r>
+              <a:rPr lang="en-US" sz="2100" dirty="0" err="1">
+                <a:latin typeface="Courier New"/>
+                <a:cs typeface="Courier New"/>
+              </a:rPr>
+              <a:t>cfoutput</a:t>
+            </a:r>
+            <a:r>
+              <a:rPr lang="en-US" sz="2100" dirty="0" smtClean="0">
+                <a:latin typeface="Courier New"/>
+                <a:cs typeface="Courier New"/>
+              </a:rPr>
+              <a:t>&gt;</a:t>
+            </a:r>
+            <a:br>
+              <a:rPr lang="en-US" sz="2100" dirty="0" smtClean="0">
+                <a:latin typeface="Courier New"/>
+                <a:cs typeface="Courier New"/>
+              </a:rPr>
+            </a:br>
+            <a:r>
+              <a:rPr lang="en-US" sz="2100" dirty="0" smtClean="0">
                 <a:latin typeface="Courier New"/>
                 <a:cs typeface="Courier New"/>
               </a:rPr>
               <a:t>&lt;</a:t>
             </a:r>
             <a:r>
-              <a:rPr lang="en-US" sz="2000" dirty="0" err="1" smtClean="0">
-                <a:latin typeface="Courier New"/>
-                <a:cs typeface="Courier New"/>
-              </a:rPr>
-              <a:t>cfset</a:t>
-            </a:r>
-            <a:r>
-              <a:rPr lang="en-US" sz="2000" dirty="0" smtClean="0">
+              <a:rPr lang="en-US" sz="2100" dirty="0" err="1" smtClean="0">
+                <a:latin typeface="Courier New"/>
+                <a:cs typeface="Courier New"/>
+              </a:rPr>
+              <a:t>cfoutput</a:t>
+            </a:r>
+            <a:r>
+              <a:rPr lang="en-US" sz="2100" dirty="0" smtClean="0">
+                <a:latin typeface="Courier New"/>
+                <a:cs typeface="Courier New"/>
+              </a:rPr>
+              <a:t>&gt;#meta[“version”]#&lt;/</a:t>
+            </a:r>
+            <a:r>
+              <a:rPr lang="en-US" sz="2100" dirty="0" err="1" smtClean="0">
+                <a:latin typeface="Courier New"/>
+                <a:cs typeface="Courier New"/>
+              </a:rPr>
+              <a:t>cfoutput</a:t>
+            </a:r>
+            <a:r>
+              <a:rPr lang="en-US" sz="2100" dirty="0" smtClean="0">
+                <a:latin typeface="Courier New"/>
+                <a:cs typeface="Courier New"/>
+              </a:rPr>
+              <a:t>&gt;</a:t>
+            </a:r>
+          </a:p>
+          <a:p>
+            <a:r>
+              <a:rPr lang="en-US" sz="2100" dirty="0">
+                <a:latin typeface="Courier New"/>
+                <a:cs typeface="Courier New"/>
+              </a:rPr>
+              <a:t>Check for existence before </a:t>
+            </a:r>
+            <a:r>
+              <a:rPr lang="en-US" sz="2100" dirty="0" smtClean="0">
+                <a:latin typeface="Courier New"/>
+                <a:cs typeface="Courier New"/>
+              </a:rPr>
+              <a:t>using:</a:t>
+            </a:r>
+            <a:br>
+              <a:rPr lang="en-US" sz="2100" dirty="0" smtClean="0">
+                <a:latin typeface="Courier New"/>
+                <a:cs typeface="Courier New"/>
+              </a:rPr>
+            </a:br>
+            <a:r>
+              <a:rPr lang="en-US" sz="2100" dirty="0" smtClean="0">
+                <a:latin typeface="Courier New"/>
+                <a:cs typeface="Courier New"/>
+              </a:rPr>
+              <a:t>&lt;</a:t>
+            </a:r>
+            <a:r>
+              <a:rPr lang="en-US" sz="2100" dirty="0" err="1" smtClean="0">
+                <a:latin typeface="Courier New"/>
+                <a:cs typeface="Courier New"/>
+              </a:rPr>
+              <a:t>cfif</a:t>
+            </a:r>
+            <a:r>
+              <a:rPr lang="en-US" sz="2100" dirty="0" smtClean="0">
                 <a:latin typeface="Courier New"/>
                 <a:cs typeface="Courier New"/>
               </a:rPr>
               <a:t> </a:t>
             </a:r>
             <a:r>
-              <a:rPr lang="en-US" sz="2000" dirty="0" err="1" smtClean="0">
-                <a:latin typeface="Courier New"/>
-                <a:cs typeface="Courier New"/>
-              </a:rPr>
-              <a:t>isPresenting</a:t>
-            </a:r>
-            <a:r>
-              <a:rPr lang="en-US" sz="2000" dirty="0" smtClean="0">
-                <a:latin typeface="Courier New"/>
-                <a:cs typeface="Courier New"/>
-              </a:rPr>
-              <a:t> = true&gt;</a:t>
-            </a:r>
-          </a:p>
-          <a:p>
-            <a:r>
-              <a:rPr lang="en-US" dirty="0" smtClean="0"/>
-              <a:t>Date: </a:t>
-            </a:r>
-            <a:r>
-              <a:rPr lang="en-US" sz="2000" dirty="0" smtClean="0">
+              <a:rPr lang="en-US" sz="2100" dirty="0" err="1" smtClean="0">
+                <a:latin typeface="Courier New"/>
+                <a:cs typeface="Courier New"/>
+              </a:rPr>
+              <a:t>isDefined</a:t>
+            </a:r>
+            <a:r>
+              <a:rPr lang="en-US" sz="2100" dirty="0" smtClean="0">
+                <a:latin typeface="Courier New"/>
+                <a:cs typeface="Courier New"/>
+              </a:rPr>
+              <a:t>(“</a:t>
+            </a:r>
+            <a:r>
+              <a:rPr lang="en-US" sz="2100" dirty="0" err="1" smtClean="0">
+                <a:latin typeface="Courier New"/>
+                <a:cs typeface="Courier New"/>
+              </a:rPr>
+              <a:t>meta.engine</a:t>
+            </a:r>
+            <a:r>
+              <a:rPr lang="en-US" sz="2100" dirty="0" smtClean="0">
+                <a:latin typeface="Courier New"/>
+                <a:cs typeface="Courier New"/>
+              </a:rPr>
+              <a:t>”)&gt;</a:t>
+            </a:r>
+            <a:br>
+              <a:rPr lang="en-US" sz="2100" dirty="0" smtClean="0">
+                <a:latin typeface="Courier New"/>
+                <a:cs typeface="Courier New"/>
+              </a:rPr>
+            </a:br>
+            <a:r>
+              <a:rPr lang="en-US" sz="2100" dirty="0" smtClean="0">
                 <a:latin typeface="Courier New"/>
                 <a:cs typeface="Courier New"/>
               </a:rPr>
               <a:t>&lt;</a:t>
             </a:r>
             <a:r>
-              <a:rPr lang="en-US" sz="2000" dirty="0" err="1" smtClean="0">
-                <a:latin typeface="Courier New"/>
-                <a:cs typeface="Courier New"/>
-              </a:rPr>
-              <a:t>cfset</a:t>
-            </a:r>
-            <a:r>
-              <a:rPr lang="en-US" sz="2000" dirty="0" smtClean="0">
+              <a:rPr lang="en-US" sz="2100" dirty="0" err="1" smtClean="0">
+                <a:latin typeface="Courier New"/>
+                <a:cs typeface="Courier New"/>
+              </a:rPr>
+              <a:t>cfif</a:t>
+            </a:r>
+            <a:r>
+              <a:rPr lang="en-US" sz="2100" dirty="0" smtClean="0">
                 <a:latin typeface="Courier New"/>
                 <a:cs typeface="Courier New"/>
               </a:rPr>
               <a:t> </a:t>
             </a:r>
             <a:r>
-              <a:rPr lang="en-US" sz="2000" dirty="0" err="1" smtClean="0">
-                <a:latin typeface="Courier New"/>
-                <a:cs typeface="Courier New"/>
-              </a:rPr>
-              <a:t>datePresenting</a:t>
-            </a:r>
-            <a:r>
-              <a:rPr lang="en-US" sz="2000" dirty="0" smtClean="0">
-                <a:latin typeface="Courier New"/>
-                <a:cs typeface="Courier New"/>
-              </a:rPr>
-              <a:t> = Now()&gt;</a:t>
-            </a:r>
-          </a:p>
-          <a:p>
-            <a:r>
-              <a:rPr lang="en-US" sz="2000" dirty="0" smtClean="0">
-                <a:latin typeface="Courier New"/>
-                <a:cs typeface="Courier New"/>
-              </a:rPr>
-              <a:t>&lt;</a:t>
-            </a:r>
-            <a:r>
-              <a:rPr lang="en-US" sz="2000" dirty="0" err="1" smtClean="0">
-                <a:latin typeface="Courier New"/>
-                <a:cs typeface="Courier New"/>
-              </a:rPr>
-              <a:t>cfparam</a:t>
-            </a:r>
-            <a:r>
-              <a:rPr lang="en-US" sz="2000" dirty="0" smtClean="0">
-                <a:latin typeface="Courier New"/>
-                <a:cs typeface="Courier New"/>
-              </a:rPr>
-              <a:t> name=“name” default=“No Name”&gt;</a:t>
-            </a:r>
-          </a:p>
-          <a:p>
-            <a:r>
-              <a:rPr lang="en-US" sz="2000" dirty="0" smtClean="0">
-                <a:latin typeface="Courier New"/>
-                <a:cs typeface="Courier New"/>
-              </a:rPr>
-              <a:t>&lt;</a:t>
-            </a:r>
-            <a:r>
-              <a:rPr lang="en-US" sz="2000" dirty="0" err="1" smtClean="0">
-                <a:latin typeface="Courier New"/>
-                <a:cs typeface="Courier New"/>
-              </a:rPr>
-              <a:t>cfoutput</a:t>
-            </a:r>
-            <a:r>
-              <a:rPr lang="en-US" sz="2000" dirty="0" smtClean="0">
-                <a:latin typeface="Courier New"/>
-                <a:cs typeface="Courier New"/>
-              </a:rPr>
-              <a:t>&gt;#</a:t>
-            </a:r>
-            <a:r>
-              <a:rPr lang="en-US" sz="2000" dirty="0" err="1" smtClean="0">
-                <a:latin typeface="Courier New"/>
-                <a:cs typeface="Courier New"/>
-              </a:rPr>
-              <a:t>simpleVariable</a:t>
-            </a:r>
-            <a:r>
-              <a:rPr lang="en-US" sz="2000" dirty="0" smtClean="0">
-                <a:latin typeface="Courier New"/>
-                <a:cs typeface="Courier New"/>
-              </a:rPr>
-              <a:t>#&lt;/</a:t>
-            </a:r>
-            <a:r>
-              <a:rPr lang="en-US" sz="2000" dirty="0" err="1" smtClean="0">
-                <a:latin typeface="Courier New"/>
-                <a:cs typeface="Courier New"/>
-              </a:rPr>
-              <a:t>cfoutput</a:t>
-            </a:r>
-            <a:r>
-              <a:rPr lang="en-US" sz="2000" dirty="0" smtClean="0">
-                <a:latin typeface="Courier New"/>
-                <a:cs typeface="Courier New"/>
-              </a:rPr>
-              <a:t>&gt;</a:t>
-            </a:r>
+              <a:rPr lang="en-US" sz="2100" dirty="0" err="1" smtClean="0">
+                <a:latin typeface="Courier New"/>
+                <a:cs typeface="Courier New"/>
+              </a:rPr>
+              <a:t>StructKeyExists</a:t>
+            </a:r>
+            <a:r>
+              <a:rPr lang="en-US" sz="2100" dirty="0" smtClean="0">
+                <a:latin typeface="Courier New"/>
+                <a:cs typeface="Courier New"/>
+              </a:rPr>
+              <a:t>(meta, “engine”)&gt;</a:t>
+            </a:r>
+            <a:endParaRPr lang="en-US" sz="2100" dirty="0">
+              <a:latin typeface="Courier New"/>
+              <a:cs typeface="Courier New"/>
+            </a:endParaRPr>
           </a:p>
         </p:txBody>
       </p:sp>
     </p:spTree>
     <p:extLst>
       <p:ext uri="{BB962C8B-B14F-4D97-AF65-F5344CB8AC3E}">
-        <p14:creationId xmlns:p14="http://schemas.microsoft.com/office/powerpoint/2010/main" val="1432780703"/>
+        <p14:creationId xmlns:p14="http://schemas.microsoft.com/office/powerpoint/2010/main" val="2389885091"/>
       </p:ext>
     </p:extLst>
   </p:cSld>
@@ -9171,7 +9831,7 @@
           <a:p>
             <a:r>
               <a:rPr lang="en-US" dirty="0" smtClean="0"/>
-              <a:t>Using Variables - Arrays</a:t>
+              <a:t>Operators</a:t>
             </a:r>
             <a:endParaRPr lang="en-US" dirty="0"/>
           </a:p>
@@ -9190,247 +9850,86 @@
         <p:spPr/>
         <p:txBody>
           <a:bodyPr>
-            <a:normAutofit/>
+            <a:normAutofit fontScale="77500" lnSpcReduction="20000"/>
           </a:bodyPr>
           <a:lstStyle/>
           <a:p>
             <a:r>
               <a:rPr lang="en-US" dirty="0" smtClean="0"/>
-              <a:t>1</a:t>
-            </a:r>
-            <a:r>
-              <a:rPr lang="en-US" dirty="0"/>
-              <a:t>-based, not 0-</a:t>
-            </a:r>
-            <a:r>
-              <a:rPr lang="en-US" dirty="0" smtClean="0"/>
-              <a:t>based</a:t>
-            </a:r>
-          </a:p>
-          <a:p>
-            <a:r>
-              <a:rPr lang="en-US" dirty="0" smtClean="0"/>
-              <a:t>Not typed</a:t>
-            </a:r>
-            <a:endParaRPr lang="en-US" dirty="0"/>
-          </a:p>
-          <a:p>
-            <a:r>
-              <a:rPr lang="en-US" sz="2000" dirty="0">
-                <a:latin typeface="Courier New"/>
-                <a:cs typeface="Courier New"/>
-              </a:rPr>
-              <a:t>&lt;</a:t>
-            </a:r>
-            <a:r>
-              <a:rPr lang="en-US" sz="2000" dirty="0" err="1">
-                <a:latin typeface="Courier New"/>
-                <a:cs typeface="Courier New"/>
-              </a:rPr>
-              <a:t>cfset</a:t>
-            </a:r>
-            <a:r>
-              <a:rPr lang="en-US" sz="2000" dirty="0">
-                <a:latin typeface="Courier New"/>
-                <a:cs typeface="Courier New"/>
-              </a:rPr>
-              <a:t> links = </a:t>
-            </a:r>
-            <a:r>
-              <a:rPr lang="en-US" sz="2000" dirty="0" err="1">
-                <a:latin typeface="Courier New"/>
-                <a:cs typeface="Courier New"/>
-              </a:rPr>
-              <a:t>ArrayNew</a:t>
-            </a:r>
-            <a:r>
-              <a:rPr lang="en-US" sz="2000" dirty="0">
-                <a:latin typeface="Courier New"/>
-                <a:cs typeface="Courier New"/>
-              </a:rPr>
-              <a:t>(1)&gt;</a:t>
-            </a:r>
-            <a:br>
-              <a:rPr lang="en-US" sz="2000" dirty="0">
-                <a:latin typeface="Courier New"/>
-                <a:cs typeface="Courier New"/>
-              </a:rPr>
-            </a:br>
-            <a:r>
-              <a:rPr lang="en-US" sz="2000" dirty="0">
-                <a:latin typeface="Courier New"/>
-                <a:cs typeface="Courier New"/>
-              </a:rPr>
-              <a:t>&lt;</a:t>
-            </a:r>
-            <a:r>
-              <a:rPr lang="en-US" sz="2000" dirty="0" err="1">
-                <a:latin typeface="Courier New"/>
-                <a:cs typeface="Courier New"/>
-              </a:rPr>
-              <a:t>cfset</a:t>
-            </a:r>
-            <a:r>
-              <a:rPr lang="en-US" sz="2000" dirty="0">
-                <a:latin typeface="Courier New"/>
-                <a:cs typeface="Courier New"/>
-              </a:rPr>
-              <a:t> links[1] = “http://</a:t>
-            </a:r>
-            <a:r>
-              <a:rPr lang="en-US" sz="2000" dirty="0" err="1">
-                <a:latin typeface="Courier New"/>
-                <a:cs typeface="Courier New"/>
-              </a:rPr>
-              <a:t>milesrausch.com</a:t>
-            </a:r>
-            <a:r>
-              <a:rPr lang="en-US" sz="2000" dirty="0">
-                <a:latin typeface="Courier New"/>
-                <a:cs typeface="Courier New"/>
-              </a:rPr>
-              <a:t>”&gt;</a:t>
-            </a:r>
-            <a:br>
-              <a:rPr lang="en-US" sz="2000" dirty="0">
-                <a:latin typeface="Courier New"/>
-                <a:cs typeface="Courier New"/>
-              </a:rPr>
-            </a:br>
-            <a:r>
-              <a:rPr lang="en-US" sz="2000" dirty="0">
-                <a:latin typeface="Courier New"/>
-                <a:cs typeface="Courier New"/>
-              </a:rPr>
-              <a:t>&lt;</a:t>
-            </a:r>
-            <a:r>
-              <a:rPr lang="en-US" sz="2000" dirty="0" err="1">
-                <a:latin typeface="Courier New"/>
-                <a:cs typeface="Courier New"/>
-              </a:rPr>
-              <a:t>cfset</a:t>
-            </a:r>
-            <a:r>
-              <a:rPr lang="en-US" sz="2000" dirty="0">
-                <a:latin typeface="Courier New"/>
-                <a:cs typeface="Courier New"/>
-              </a:rPr>
-              <a:t> links[2] = “http://</a:t>
-            </a:r>
-            <a:r>
-              <a:rPr lang="en-US" sz="2000" dirty="0" err="1">
-                <a:latin typeface="Courier New"/>
-                <a:cs typeface="Courier New"/>
-              </a:rPr>
-              <a:t>awayken.com</a:t>
-            </a:r>
-            <a:r>
-              <a:rPr lang="en-US" sz="2000" dirty="0">
-                <a:latin typeface="Courier New"/>
-                <a:cs typeface="Courier New"/>
-              </a:rPr>
-              <a:t>”&gt;</a:t>
-            </a:r>
-          </a:p>
-          <a:p>
-            <a:r>
-              <a:rPr lang="en-US" sz="2000" dirty="0">
-                <a:latin typeface="Courier New"/>
-                <a:cs typeface="Courier New"/>
-              </a:rPr>
-              <a:t>&lt;</a:t>
-            </a:r>
-            <a:r>
-              <a:rPr lang="en-US" sz="2000" dirty="0" err="1">
-                <a:latin typeface="Courier New"/>
-                <a:cs typeface="Courier New"/>
-              </a:rPr>
-              <a:t>cfset</a:t>
-            </a:r>
-            <a:r>
-              <a:rPr lang="en-US" sz="2000" dirty="0">
-                <a:latin typeface="Courier New"/>
-                <a:cs typeface="Courier New"/>
-              </a:rPr>
-              <a:t> links = [ “http://</a:t>
-            </a:r>
-            <a:r>
-              <a:rPr lang="en-US" sz="2000" dirty="0" err="1">
-                <a:latin typeface="Courier New"/>
-                <a:cs typeface="Courier New"/>
-              </a:rPr>
-              <a:t>milesrausch.com</a:t>
-            </a:r>
-            <a:r>
-              <a:rPr lang="en-US" sz="2000" dirty="0">
-                <a:latin typeface="Courier New"/>
-                <a:cs typeface="Courier New"/>
-              </a:rPr>
-              <a:t>”, “http://</a:t>
-            </a:r>
-            <a:r>
-              <a:rPr lang="en-US" sz="2000" dirty="0" err="1">
-                <a:latin typeface="Courier New"/>
-                <a:cs typeface="Courier New"/>
-              </a:rPr>
-              <a:t>awaken.com</a:t>
-            </a:r>
-            <a:r>
-              <a:rPr lang="en-US" sz="2000" dirty="0">
-                <a:latin typeface="Courier New"/>
-                <a:cs typeface="Courier New"/>
-              </a:rPr>
-              <a:t>” ]&gt;</a:t>
-            </a:r>
-          </a:p>
-          <a:p>
-            <a:r>
-              <a:rPr lang="en-US" sz="2000" dirty="0">
-                <a:latin typeface="Courier New"/>
-                <a:cs typeface="Courier New"/>
-              </a:rPr>
-              <a:t>&lt;</a:t>
-            </a:r>
-            <a:r>
-              <a:rPr lang="en-US" sz="2000" dirty="0" err="1">
-                <a:latin typeface="Courier New"/>
-                <a:cs typeface="Courier New"/>
-              </a:rPr>
-              <a:t>cfoutput</a:t>
-            </a:r>
-            <a:r>
-              <a:rPr lang="en-US" sz="2000" dirty="0">
-                <a:latin typeface="Courier New"/>
-                <a:cs typeface="Courier New"/>
-              </a:rPr>
-              <a:t>&gt;#links[1]#&lt;/</a:t>
-            </a:r>
-            <a:r>
-              <a:rPr lang="en-US" sz="2000" dirty="0" err="1">
-                <a:latin typeface="Courier New"/>
-                <a:cs typeface="Courier New"/>
-              </a:rPr>
-              <a:t>cfoutput</a:t>
-            </a:r>
-            <a:r>
-              <a:rPr lang="en-US" sz="2000" dirty="0" smtClean="0">
-                <a:latin typeface="Courier New"/>
-                <a:cs typeface="Courier New"/>
-              </a:rPr>
-              <a:t>&gt;</a:t>
-            </a:r>
-            <a:endParaRPr lang="en-US" sz="2000" dirty="0">
-              <a:latin typeface="Courier New"/>
-              <a:cs typeface="Courier New"/>
-            </a:endParaRPr>
+              <a:t>Assignment</a:t>
+            </a:r>
+          </a:p>
+          <a:p>
+            <a:pPr lvl="1"/>
+            <a:r>
+              <a:rPr lang="en-US" dirty="0" smtClean="0"/>
+              <a:t>=, +=, -=, &amp;=, /=, *=, %=</a:t>
+            </a:r>
+          </a:p>
+          <a:p>
+            <a:r>
+              <a:rPr lang="en-US" dirty="0" smtClean="0"/>
+              <a:t>Unary</a:t>
+            </a:r>
+          </a:p>
+          <a:p>
+            <a:pPr lvl="1"/>
+            <a:r>
+              <a:rPr lang="en-US" dirty="0" smtClean="0"/>
+              <a:t>++, --, +, -, /, *</a:t>
+            </a:r>
+          </a:p>
+          <a:p>
+            <a:r>
+              <a:rPr lang="en-US" dirty="0" smtClean="0"/>
+              <a:t>Binary</a:t>
+            </a:r>
+          </a:p>
+          <a:p>
+            <a:pPr lvl="1"/>
+            <a:r>
+              <a:rPr lang="en-US" dirty="0" smtClean="0"/>
+              <a:t>% or MOD</a:t>
+            </a:r>
+          </a:p>
+          <a:p>
+            <a:r>
+              <a:rPr lang="en-US" dirty="0" smtClean="0"/>
+              <a:t>Logical</a:t>
+            </a:r>
+          </a:p>
+          <a:p>
+            <a:pPr lvl="1"/>
+            <a:r>
+              <a:rPr lang="en-US" dirty="0" smtClean="0"/>
+              <a:t>! or NOT, OR, AND, XOR</a:t>
+            </a:r>
+          </a:p>
+          <a:p>
+            <a:r>
+              <a:rPr lang="en-US" dirty="0" smtClean="0"/>
+              <a:t>Comparators</a:t>
+            </a:r>
+          </a:p>
+          <a:p>
+            <a:pPr lvl="1"/>
+            <a:r>
+              <a:rPr lang="en-US" dirty="0" smtClean="0"/>
+              <a:t>EQ, NEQ, LT, LTE, GT, GTE, IS, IS NOT, CONTAINS</a:t>
+            </a:r>
+          </a:p>
+          <a:p>
+            <a:r>
+              <a:rPr lang="en-US" dirty="0" smtClean="0"/>
+              <a:t>This is not a complete list.</a:t>
+            </a:r>
           </a:p>
         </p:txBody>
       </p:sp>
     </p:spTree>
     <p:extLst>
       <p:ext uri="{BB962C8B-B14F-4D97-AF65-F5344CB8AC3E}">
-        <p14:creationId xmlns:p14="http://schemas.microsoft.com/office/powerpoint/2010/main" val="696998618"/>
+        <p14:creationId xmlns:p14="http://schemas.microsoft.com/office/powerpoint/2010/main" val="2233413174"/>
       </p:ext>
     </p:extLst>
   </p:cSld>
@@ -9464,17 +9963,17 @@
             <a:spLocks noGrp="1"/>
           </p:cNvSpPr>
           <p:nvPr>
-            <p:ph type="title"/>
-          </p:nvPr>
-        </p:nvSpPr>
-        <p:spPr/>
-        <p:txBody>
-          <a:bodyPr/>
-          <a:lstStyle/>
-          <a:p>
-            <a:r>
-              <a:rPr lang="en-US" dirty="0" smtClean="0"/>
-              <a:t>Using Variables - Structures</a:t>
+            <p:ph type="ctrTitle"/>
+          </p:nvPr>
+        </p:nvSpPr>
+        <p:spPr/>
+        <p:txBody>
+          <a:bodyPr/>
+          <a:lstStyle/>
+          <a:p>
+            <a:r>
+              <a:rPr lang="en-US" dirty="0" smtClean="0"/>
+              <a:t>Demo 02</a:t>
             </a:r>
             <a:endParaRPr lang="en-US" dirty="0"/>
           </a:p>
@@ -9482,490 +9981,39 @@
       </p:sp>
       <p:sp>
         <p:nvSpPr>
-          <p:cNvPr id="3" name="Content Placeholder 2"/>
-          <p:cNvSpPr>
-            <a:spLocks noGrp="1"/>
-          </p:cNvSpPr>
-          <p:nvPr>
-            <p:ph idx="1"/>
-          </p:nvPr>
-        </p:nvSpPr>
-        <p:spPr/>
-        <p:txBody>
-          <a:bodyPr>
-            <a:normAutofit fontScale="92500" lnSpcReduction="20000"/>
-          </a:bodyPr>
-          <a:lstStyle/>
-          <a:p>
-            <a:r>
-              <a:rPr lang="en-US" dirty="0" smtClean="0"/>
-              <a:t>Key / value data (map, collection, etc.)</a:t>
-            </a:r>
-          </a:p>
-          <a:p>
-            <a:r>
-              <a:rPr lang="en-US" dirty="0" smtClean="0"/>
-              <a:t>Can reference with dot or bracket notation</a:t>
-            </a:r>
-          </a:p>
-          <a:p>
-            <a:r>
-              <a:rPr lang="en-US" sz="2100" dirty="0" smtClean="0">
-                <a:latin typeface="Courier New"/>
-                <a:cs typeface="Courier New"/>
-              </a:rPr>
-              <a:t>&lt;</a:t>
-            </a:r>
-            <a:r>
-              <a:rPr lang="en-US" sz="2100" dirty="0" err="1">
-                <a:latin typeface="Courier New"/>
-                <a:cs typeface="Courier New"/>
-              </a:rPr>
-              <a:t>cfset</a:t>
-            </a:r>
-            <a:r>
-              <a:rPr lang="en-US" sz="2100" dirty="0">
-                <a:latin typeface="Courier New"/>
-                <a:cs typeface="Courier New"/>
-              </a:rPr>
-              <a:t> </a:t>
-            </a:r>
-            <a:r>
-              <a:rPr lang="en-US" sz="2100" dirty="0" smtClean="0">
-                <a:latin typeface="Courier New"/>
-                <a:cs typeface="Courier New"/>
-              </a:rPr>
-              <a:t>meta = </a:t>
-            </a:r>
-            <a:r>
-              <a:rPr lang="en-US" sz="2100" dirty="0" err="1" smtClean="0">
-                <a:latin typeface="Courier New"/>
-                <a:cs typeface="Courier New"/>
-              </a:rPr>
-              <a:t>StructNew</a:t>
-            </a:r>
-            <a:r>
-              <a:rPr lang="en-US" sz="2100" dirty="0" smtClean="0">
-                <a:latin typeface="Courier New"/>
-                <a:cs typeface="Courier New"/>
-              </a:rPr>
-              <a:t>()</a:t>
-            </a:r>
-            <a:r>
-              <a:rPr lang="en-US" sz="2100" dirty="0">
-                <a:latin typeface="Courier New"/>
-                <a:cs typeface="Courier New"/>
-              </a:rPr>
-              <a:t>&gt;</a:t>
-            </a:r>
-            <a:br>
-              <a:rPr lang="en-US" sz="2100" dirty="0">
-                <a:latin typeface="Courier New"/>
-                <a:cs typeface="Courier New"/>
-              </a:rPr>
-            </a:br>
-            <a:r>
-              <a:rPr lang="en-US" sz="2100" dirty="0">
-                <a:latin typeface="Courier New"/>
-                <a:cs typeface="Courier New"/>
-              </a:rPr>
-              <a:t>&lt;</a:t>
-            </a:r>
-            <a:r>
-              <a:rPr lang="en-US" sz="2100" dirty="0" err="1">
-                <a:latin typeface="Courier New"/>
-                <a:cs typeface="Courier New"/>
-              </a:rPr>
-              <a:t>cfset</a:t>
-            </a:r>
-            <a:r>
-              <a:rPr lang="en-US" sz="2100" dirty="0">
-                <a:latin typeface="Courier New"/>
-                <a:cs typeface="Courier New"/>
-              </a:rPr>
-              <a:t> </a:t>
-            </a:r>
-            <a:r>
-              <a:rPr lang="en-US" sz="2100" dirty="0" err="1" smtClean="0">
-                <a:latin typeface="Courier New"/>
-                <a:cs typeface="Courier New"/>
-              </a:rPr>
-              <a:t>meta.engine</a:t>
-            </a:r>
-            <a:r>
-              <a:rPr lang="en-US" sz="2100" dirty="0" smtClean="0">
-                <a:latin typeface="Courier New"/>
-                <a:cs typeface="Courier New"/>
-              </a:rPr>
-              <a:t> </a:t>
-            </a:r>
-            <a:r>
-              <a:rPr lang="en-US" sz="2100" dirty="0">
-                <a:latin typeface="Courier New"/>
-                <a:cs typeface="Courier New"/>
-              </a:rPr>
-              <a:t>= </a:t>
-            </a:r>
-            <a:r>
-              <a:rPr lang="en-US" sz="2100" dirty="0" smtClean="0">
-                <a:latin typeface="Courier New"/>
-                <a:cs typeface="Courier New"/>
-              </a:rPr>
-              <a:t>“</a:t>
-            </a:r>
-            <a:r>
-              <a:rPr lang="en-US" sz="2100" dirty="0" err="1" smtClean="0">
-                <a:latin typeface="Courier New"/>
-                <a:cs typeface="Courier New"/>
-              </a:rPr>
-              <a:t>OpenBD</a:t>
-            </a:r>
-            <a:r>
-              <a:rPr lang="en-US" sz="2100" dirty="0" smtClean="0">
-                <a:latin typeface="Courier New"/>
-                <a:cs typeface="Courier New"/>
-              </a:rPr>
-              <a:t>”</a:t>
-            </a:r>
-            <a:r>
-              <a:rPr lang="en-US" sz="2100" dirty="0">
-                <a:latin typeface="Courier New"/>
-                <a:cs typeface="Courier New"/>
-              </a:rPr>
-              <a:t>&gt;</a:t>
-            </a:r>
-            <a:br>
-              <a:rPr lang="en-US" sz="2100" dirty="0">
-                <a:latin typeface="Courier New"/>
-                <a:cs typeface="Courier New"/>
-              </a:rPr>
-            </a:br>
-            <a:r>
-              <a:rPr lang="en-US" sz="2100" dirty="0">
-                <a:latin typeface="Courier New"/>
-                <a:cs typeface="Courier New"/>
-              </a:rPr>
-              <a:t>&lt;</a:t>
-            </a:r>
-            <a:r>
-              <a:rPr lang="en-US" sz="2100" dirty="0" err="1">
-                <a:latin typeface="Courier New"/>
-                <a:cs typeface="Courier New"/>
-              </a:rPr>
-              <a:t>cfset</a:t>
-            </a:r>
-            <a:r>
-              <a:rPr lang="en-US" sz="2100" dirty="0">
-                <a:latin typeface="Courier New"/>
-                <a:cs typeface="Courier New"/>
-              </a:rPr>
-              <a:t> </a:t>
-            </a:r>
-            <a:r>
-              <a:rPr lang="en-US" sz="2100" dirty="0" smtClean="0">
-                <a:latin typeface="Courier New"/>
-                <a:cs typeface="Courier New"/>
-              </a:rPr>
-              <a:t>meta[“version”] </a:t>
-            </a:r>
-            <a:r>
-              <a:rPr lang="en-US" sz="2100" dirty="0">
-                <a:latin typeface="Courier New"/>
-                <a:cs typeface="Courier New"/>
-              </a:rPr>
-              <a:t>= </a:t>
-            </a:r>
-            <a:r>
-              <a:rPr lang="en-US" sz="2100" dirty="0" smtClean="0">
-                <a:latin typeface="Courier New"/>
-                <a:cs typeface="Courier New"/>
-              </a:rPr>
-              <a:t>“1.5”</a:t>
-            </a:r>
-            <a:r>
-              <a:rPr lang="en-US" sz="2100" dirty="0">
-                <a:latin typeface="Courier New"/>
-                <a:cs typeface="Courier New"/>
-              </a:rPr>
-              <a:t>&gt;</a:t>
-            </a:r>
-          </a:p>
-          <a:p>
-            <a:r>
-              <a:rPr lang="en-US" sz="2100" dirty="0">
-                <a:latin typeface="Courier New"/>
-                <a:cs typeface="Courier New"/>
-              </a:rPr>
-              <a:t>&lt;</a:t>
-            </a:r>
-            <a:r>
-              <a:rPr lang="en-US" sz="2100" dirty="0" err="1">
-                <a:latin typeface="Courier New"/>
-                <a:cs typeface="Courier New"/>
-              </a:rPr>
-              <a:t>cfset</a:t>
-            </a:r>
-            <a:r>
-              <a:rPr lang="en-US" sz="2100" dirty="0">
-                <a:latin typeface="Courier New"/>
-                <a:cs typeface="Courier New"/>
-              </a:rPr>
-              <a:t> </a:t>
-            </a:r>
-            <a:r>
-              <a:rPr lang="en-US" sz="2100" dirty="0" smtClean="0">
-                <a:latin typeface="Courier New"/>
-                <a:cs typeface="Courier New"/>
-              </a:rPr>
-              <a:t>meta = { engine = “</a:t>
-            </a:r>
-            <a:r>
-              <a:rPr lang="en-US" sz="2100" dirty="0" err="1" smtClean="0">
-                <a:latin typeface="Courier New"/>
-                <a:cs typeface="Courier New"/>
-              </a:rPr>
-              <a:t>OpenBD</a:t>
-            </a:r>
-            <a:r>
-              <a:rPr lang="en-US" sz="2100" dirty="0" smtClean="0">
-                <a:latin typeface="Courier New"/>
-                <a:cs typeface="Courier New"/>
-              </a:rPr>
-              <a:t>”, version = “1.5” }&gt;</a:t>
-            </a:r>
-            <a:endParaRPr lang="en-US" sz="2100" dirty="0">
-              <a:latin typeface="Courier New"/>
-              <a:cs typeface="Courier New"/>
-            </a:endParaRPr>
-          </a:p>
-          <a:p>
-            <a:r>
-              <a:rPr lang="en-US" sz="2100" dirty="0">
-                <a:latin typeface="Courier New"/>
-                <a:cs typeface="Courier New"/>
-              </a:rPr>
-              <a:t>&lt;</a:t>
-            </a:r>
-            <a:r>
-              <a:rPr lang="en-US" sz="2100" dirty="0" err="1">
-                <a:latin typeface="Courier New"/>
-                <a:cs typeface="Courier New"/>
-              </a:rPr>
-              <a:t>cfoutput</a:t>
-            </a:r>
-            <a:r>
-              <a:rPr lang="en-US" sz="2100" dirty="0">
-                <a:latin typeface="Courier New"/>
-                <a:cs typeface="Courier New"/>
-              </a:rPr>
-              <a:t>&gt;</a:t>
-            </a:r>
-            <a:r>
-              <a:rPr lang="en-US" sz="2100" dirty="0" smtClean="0">
-                <a:latin typeface="Courier New"/>
-                <a:cs typeface="Courier New"/>
-              </a:rPr>
-              <a:t>#</a:t>
-            </a:r>
-            <a:r>
-              <a:rPr lang="en-US" sz="2100" dirty="0" err="1" smtClean="0">
-                <a:latin typeface="Courier New"/>
-                <a:cs typeface="Courier New"/>
-              </a:rPr>
-              <a:t>meta.engine</a:t>
-            </a:r>
-            <a:r>
-              <a:rPr lang="en-US" sz="2100" dirty="0" smtClean="0">
-                <a:latin typeface="Courier New"/>
-                <a:cs typeface="Courier New"/>
-              </a:rPr>
-              <a:t>#</a:t>
-            </a:r>
-            <a:r>
-              <a:rPr lang="en-US" sz="2100" dirty="0">
-                <a:latin typeface="Courier New"/>
-                <a:cs typeface="Courier New"/>
-              </a:rPr>
-              <a:t>&lt;/</a:t>
-            </a:r>
-            <a:r>
-              <a:rPr lang="en-US" sz="2100" dirty="0" err="1">
-                <a:latin typeface="Courier New"/>
-                <a:cs typeface="Courier New"/>
-              </a:rPr>
-              <a:t>cfoutput</a:t>
-            </a:r>
-            <a:r>
-              <a:rPr lang="en-US" sz="2100" dirty="0" smtClean="0">
-                <a:latin typeface="Courier New"/>
-                <a:cs typeface="Courier New"/>
-              </a:rPr>
-              <a:t>&gt;</a:t>
-            </a:r>
-            <a:br>
-              <a:rPr lang="en-US" sz="2100" dirty="0" smtClean="0">
-                <a:latin typeface="Courier New"/>
-                <a:cs typeface="Courier New"/>
-              </a:rPr>
-            </a:br>
-            <a:r>
-              <a:rPr lang="en-US" sz="2100" dirty="0" smtClean="0">
-                <a:latin typeface="Courier New"/>
-                <a:cs typeface="Courier New"/>
-              </a:rPr>
-              <a:t>&lt;</a:t>
-            </a:r>
-            <a:r>
-              <a:rPr lang="en-US" sz="2100" dirty="0" err="1" smtClean="0">
-                <a:latin typeface="Courier New"/>
-                <a:cs typeface="Courier New"/>
-              </a:rPr>
-              <a:t>cfoutput</a:t>
-            </a:r>
-            <a:r>
-              <a:rPr lang="en-US" sz="2100" dirty="0" smtClean="0">
-                <a:latin typeface="Courier New"/>
-                <a:cs typeface="Courier New"/>
-              </a:rPr>
-              <a:t>&gt;#meta[“version”]#&lt;/</a:t>
-            </a:r>
-            <a:r>
-              <a:rPr lang="en-US" sz="2100" dirty="0" err="1" smtClean="0">
-                <a:latin typeface="Courier New"/>
-                <a:cs typeface="Courier New"/>
-              </a:rPr>
-              <a:t>cfoutput</a:t>
-            </a:r>
-            <a:r>
-              <a:rPr lang="en-US" sz="2100" dirty="0" smtClean="0">
-                <a:latin typeface="Courier New"/>
-                <a:cs typeface="Courier New"/>
-              </a:rPr>
-              <a:t>&gt;</a:t>
-            </a:r>
-          </a:p>
-          <a:p>
-            <a:r>
-              <a:rPr lang="en-US" sz="2100" dirty="0">
-                <a:latin typeface="Courier New"/>
-                <a:cs typeface="Courier New"/>
-              </a:rPr>
-              <a:t>Check for existence before </a:t>
-            </a:r>
-            <a:r>
-              <a:rPr lang="en-US" sz="2100" dirty="0" smtClean="0">
-                <a:latin typeface="Courier New"/>
-                <a:cs typeface="Courier New"/>
-              </a:rPr>
-              <a:t>using:</a:t>
-            </a:r>
-            <a:br>
-              <a:rPr lang="en-US" sz="2100" dirty="0" smtClean="0">
-                <a:latin typeface="Courier New"/>
-                <a:cs typeface="Courier New"/>
-              </a:rPr>
-            </a:br>
-            <a:r>
-              <a:rPr lang="en-US" sz="2100" dirty="0" smtClean="0">
-                <a:latin typeface="Courier New"/>
-                <a:cs typeface="Courier New"/>
-              </a:rPr>
-              <a:t>&lt;</a:t>
-            </a:r>
-            <a:r>
-              <a:rPr lang="en-US" sz="2100" dirty="0" err="1" smtClean="0">
-                <a:latin typeface="Courier New"/>
-                <a:cs typeface="Courier New"/>
-              </a:rPr>
-              <a:t>cfif</a:t>
-            </a:r>
-            <a:r>
-              <a:rPr lang="en-US" sz="2100" dirty="0" smtClean="0">
-                <a:latin typeface="Courier New"/>
-                <a:cs typeface="Courier New"/>
-              </a:rPr>
-              <a:t> </a:t>
-            </a:r>
-            <a:r>
-              <a:rPr lang="en-US" sz="2100" dirty="0" err="1" smtClean="0">
-                <a:latin typeface="Courier New"/>
-                <a:cs typeface="Courier New"/>
-              </a:rPr>
-              <a:t>isDefined</a:t>
-            </a:r>
-            <a:r>
-              <a:rPr lang="en-US" sz="2100" dirty="0" smtClean="0">
-                <a:latin typeface="Courier New"/>
-                <a:cs typeface="Courier New"/>
-              </a:rPr>
-              <a:t>(“</a:t>
-            </a:r>
-            <a:r>
-              <a:rPr lang="en-US" sz="2100" dirty="0" err="1" smtClean="0">
-                <a:latin typeface="Courier New"/>
-                <a:cs typeface="Courier New"/>
-              </a:rPr>
-              <a:t>meta.engine</a:t>
-            </a:r>
-            <a:r>
-              <a:rPr lang="en-US" sz="2100" dirty="0" smtClean="0">
-                <a:latin typeface="Courier New"/>
-                <a:cs typeface="Courier New"/>
-              </a:rPr>
-              <a:t>”)&gt;</a:t>
-            </a:r>
-            <a:br>
-              <a:rPr lang="en-US" sz="2100" dirty="0" smtClean="0">
-                <a:latin typeface="Courier New"/>
-                <a:cs typeface="Courier New"/>
-              </a:rPr>
-            </a:br>
-            <a:r>
-              <a:rPr lang="en-US" sz="2100" dirty="0" smtClean="0">
-                <a:latin typeface="Courier New"/>
-                <a:cs typeface="Courier New"/>
-              </a:rPr>
-              <a:t>&lt;</a:t>
-            </a:r>
-            <a:r>
-              <a:rPr lang="en-US" sz="2100" dirty="0" err="1" smtClean="0">
-                <a:latin typeface="Courier New"/>
-                <a:cs typeface="Courier New"/>
-              </a:rPr>
-              <a:t>cfif</a:t>
-            </a:r>
-            <a:r>
-              <a:rPr lang="en-US" sz="2100" dirty="0" smtClean="0">
-                <a:latin typeface="Courier New"/>
-                <a:cs typeface="Courier New"/>
-              </a:rPr>
-              <a:t> </a:t>
-            </a:r>
-            <a:r>
-              <a:rPr lang="en-US" sz="2100" dirty="0" err="1" smtClean="0">
-                <a:latin typeface="Courier New"/>
-                <a:cs typeface="Courier New"/>
-              </a:rPr>
-              <a:t>StructKeyExists</a:t>
-            </a:r>
-            <a:r>
-              <a:rPr lang="en-US" sz="2100" dirty="0" smtClean="0">
-                <a:latin typeface="Courier New"/>
-                <a:cs typeface="Courier New"/>
-              </a:rPr>
-              <a:t>(meta, “engine”)&gt;</a:t>
-            </a:r>
-            <a:endParaRPr lang="en-US" sz="2100" dirty="0">
-              <a:latin typeface="Courier New"/>
-              <a:cs typeface="Courier New"/>
-            </a:endParaRPr>
-          </a:p>
-        </p:txBody>
+          <p:cNvPr id="4" name="Subtitle 3"/>
+          <p:cNvSpPr>
+            <a:spLocks noGrp="1"/>
+          </p:cNvSpPr>
+          <p:nvPr>
+            <p:ph type="subTitle" idx="1"/>
+          </p:nvPr>
+        </p:nvSpPr>
+        <p:spPr/>
+        <p:txBody>
+          <a:bodyPr/>
+          <a:lstStyle/>
+          <a:p>
+            <a:endParaRPr lang="en-US"/>
+          </a:p>
+        </p:txBody>
+      </p:sp>
+      <p:sp>
+        <p:nvSpPr>
+          <p:cNvPr id="5" name="Picture Placeholder 4"/>
+          <p:cNvSpPr>
+            <a:spLocks noGrp="1"/>
+          </p:cNvSpPr>
+          <p:nvPr>
+            <p:ph type="pic" idx="13"/>
+          </p:nvPr>
+        </p:nvSpPr>
+        <p:spPr/>
       </p:sp>
     </p:spTree>
     <p:extLst>
       <p:ext uri="{BB962C8B-B14F-4D97-AF65-F5344CB8AC3E}">
-        <p14:creationId xmlns:p14="http://schemas.microsoft.com/office/powerpoint/2010/main" val="2389885091"/>
+        <p14:creationId xmlns:p14="http://schemas.microsoft.com/office/powerpoint/2010/main" val="3132652974"/>
       </p:ext>
     </p:extLst>
   </p:cSld>
@@ -9994,7 +10042,7 @@
       </p:grpSpPr>
       <p:sp>
         <p:nvSpPr>
-          <p:cNvPr id="2" name="Title 1"/>
+          <p:cNvPr id="5" name="Title 4"/>
           <p:cNvSpPr>
             <a:spLocks noGrp="1"/>
           </p:cNvSpPr>
@@ -10009,7 +10057,7 @@
           <a:p>
             <a:r>
               <a:rPr lang="en-US" dirty="0" smtClean="0"/>
-              <a:t>Operators</a:t>
+              <a:t>Control</a:t>
             </a:r>
             <a:endParaRPr lang="en-US" dirty="0"/>
           </a:p>
@@ -10017,7 +10065,7 @@
       </p:sp>
       <p:sp>
         <p:nvSpPr>
-          <p:cNvPr id="3" name="Content Placeholder 2"/>
+          <p:cNvPr id="6" name="Content Placeholder 5"/>
           <p:cNvSpPr>
             <a:spLocks noGrp="1"/>
           </p:cNvSpPr>
@@ -10028,86 +10076,319 @@
         <p:spPr/>
         <p:txBody>
           <a:bodyPr>
-            <a:normAutofit fontScale="77500" lnSpcReduction="20000"/>
+            <a:normAutofit/>
           </a:bodyPr>
           <a:lstStyle/>
           <a:p>
             <a:r>
-              <a:rPr lang="en-US" dirty="0" smtClean="0"/>
-              <a:t>Assignment</a:t>
+              <a:rPr lang="en-US" sz="2000" dirty="0" smtClean="0">
+                <a:latin typeface="Courier New"/>
+                <a:cs typeface="Courier New"/>
+              </a:rPr>
+              <a:t>&lt;</a:t>
+            </a:r>
+            <a:r>
+              <a:rPr lang="en-US" sz="2000" dirty="0" err="1" smtClean="0">
+                <a:latin typeface="Courier New"/>
+                <a:cs typeface="Courier New"/>
+                <a:hlinkClick r:id="rId3"/>
+              </a:rPr>
+              <a:t>cfif</a:t>
+            </a:r>
+            <a:r>
+              <a:rPr lang="en-US" sz="2000" dirty="0" smtClean="0">
+                <a:latin typeface="Courier New"/>
+                <a:cs typeface="Courier New"/>
+              </a:rPr>
+              <a:t> CONDITION&gt;, &lt;</a:t>
+            </a:r>
+            <a:r>
+              <a:rPr lang="en-US" sz="2000" dirty="0" err="1" smtClean="0">
+                <a:latin typeface="Courier New"/>
+                <a:cs typeface="Courier New"/>
+                <a:hlinkClick r:id="rId4"/>
+              </a:rPr>
+              <a:t>cfelseif</a:t>
+            </a:r>
+            <a:r>
+              <a:rPr lang="en-US" sz="2000" dirty="0" smtClean="0">
+                <a:latin typeface="Courier New"/>
+                <a:cs typeface="Courier New"/>
+              </a:rPr>
+              <a:t> CONDITION&gt;, &lt;</a:t>
+            </a:r>
+            <a:r>
+              <a:rPr lang="en-US" sz="2000" dirty="0" err="1" smtClean="0">
+                <a:latin typeface="Courier New"/>
+                <a:cs typeface="Courier New"/>
+                <a:hlinkClick r:id="rId5"/>
+              </a:rPr>
+              <a:t>cfelse</a:t>
+            </a:r>
+            <a:r>
+              <a:rPr lang="en-US" sz="2000" dirty="0" smtClean="0">
+                <a:latin typeface="Courier New"/>
+                <a:cs typeface="Courier New"/>
+              </a:rPr>
+              <a:t>&gt;</a:t>
+            </a:r>
+          </a:p>
+          <a:p>
+            <a:r>
+              <a:rPr lang="en-US" sz="2000" dirty="0" smtClean="0">
+                <a:latin typeface="Courier New"/>
+                <a:cs typeface="Courier New"/>
+              </a:rPr>
+              <a:t>&lt;</a:t>
+            </a:r>
+            <a:r>
+              <a:rPr lang="en-US" sz="2000" dirty="0" err="1" smtClean="0">
+                <a:latin typeface="Courier New"/>
+                <a:cs typeface="Courier New"/>
+                <a:hlinkClick r:id="rId6"/>
+              </a:rPr>
+              <a:t>cfswitch</a:t>
+            </a:r>
+            <a:r>
+              <a:rPr lang="en-US" sz="2000" dirty="0" smtClean="0">
+                <a:latin typeface="Courier New"/>
+                <a:cs typeface="Courier New"/>
+              </a:rPr>
+              <a:t> expression=“VALUE”&gt;, &lt;</a:t>
+            </a:r>
+            <a:r>
+              <a:rPr lang="en-US" sz="2000" dirty="0" err="1" smtClean="0">
+                <a:latin typeface="Courier New"/>
+                <a:cs typeface="Courier New"/>
+                <a:hlinkClick r:id="rId7"/>
+              </a:rPr>
+              <a:t>cfcase</a:t>
+            </a:r>
+            <a:r>
+              <a:rPr lang="en-US" sz="2000" dirty="0" smtClean="0">
+                <a:latin typeface="Courier New"/>
+                <a:cs typeface="Courier New"/>
+              </a:rPr>
+              <a:t> value=“VALUE</a:t>
+            </a:r>
+            <a:r>
+              <a:rPr lang="en-US" sz="2000" dirty="0">
+                <a:latin typeface="Courier New"/>
+                <a:cs typeface="Courier New"/>
+              </a:rPr>
+              <a:t>”&gt;, &lt;</a:t>
+            </a:r>
+            <a:r>
+              <a:rPr lang="en-US" sz="2000" dirty="0" err="1">
+                <a:latin typeface="Courier New"/>
+                <a:cs typeface="Courier New"/>
+              </a:rPr>
+              <a:t>cfcase</a:t>
+            </a:r>
+            <a:r>
+              <a:rPr lang="en-US" sz="2000" dirty="0">
+                <a:latin typeface="Courier New"/>
+                <a:cs typeface="Courier New"/>
+              </a:rPr>
+              <a:t> value=“</a:t>
+            </a:r>
+            <a:r>
+              <a:rPr lang="en-US" sz="2000" dirty="0" smtClean="0">
+                <a:latin typeface="Courier New"/>
+                <a:cs typeface="Courier New"/>
+              </a:rPr>
+              <a:t>VALUE1,VALUE2”</a:t>
+            </a:r>
+            <a:r>
+              <a:rPr lang="en-US" sz="2000" dirty="0">
+                <a:latin typeface="Courier New"/>
+                <a:cs typeface="Courier New"/>
+              </a:rPr>
+              <a:t>&gt;</a:t>
+            </a:r>
+            <a:r>
+              <a:rPr lang="en-US" sz="2000" dirty="0" smtClean="0">
+                <a:latin typeface="Courier New"/>
+                <a:cs typeface="Courier New"/>
+              </a:rPr>
+              <a:t>, &lt;</a:t>
+            </a:r>
+            <a:r>
+              <a:rPr lang="en-US" sz="2000" dirty="0" err="1" smtClean="0">
+                <a:latin typeface="Courier New"/>
+                <a:cs typeface="Courier New"/>
+                <a:hlinkClick r:id="rId8"/>
+              </a:rPr>
+              <a:t>cfdefaultcase</a:t>
+            </a:r>
+            <a:r>
+              <a:rPr lang="en-US" sz="2000" dirty="0" smtClean="0">
+                <a:latin typeface="Courier New"/>
+                <a:cs typeface="Courier New"/>
+              </a:rPr>
+              <a:t>&gt;</a:t>
+            </a:r>
+          </a:p>
+          <a:p>
+            <a:r>
+              <a:rPr lang="en-US" sz="2000" dirty="0" smtClean="0">
+                <a:latin typeface="Courier New"/>
+                <a:cs typeface="Courier New"/>
+              </a:rPr>
+              <a:t>&lt;</a:t>
+            </a:r>
+            <a:r>
+              <a:rPr lang="en-US" sz="2000" dirty="0" err="1" smtClean="0">
+                <a:latin typeface="Courier New"/>
+                <a:cs typeface="Courier New"/>
+                <a:hlinkClick r:id="rId9"/>
+              </a:rPr>
+              <a:t>cftry</a:t>
+            </a:r>
+            <a:r>
+              <a:rPr lang="en-US" sz="2000" dirty="0" smtClean="0">
+                <a:latin typeface="Courier New"/>
+                <a:cs typeface="Courier New"/>
+              </a:rPr>
+              <a:t>&gt;, &lt;</a:t>
+            </a:r>
+            <a:r>
+              <a:rPr lang="en-US" sz="2000" dirty="0" err="1" smtClean="0">
+                <a:latin typeface="Courier New"/>
+                <a:cs typeface="Courier New"/>
+                <a:hlinkClick r:id="rId10"/>
+              </a:rPr>
+              <a:t>cfcatch</a:t>
+            </a:r>
+            <a:r>
+              <a:rPr lang="en-US" sz="2000" dirty="0" smtClean="0">
+                <a:latin typeface="Courier New"/>
+                <a:cs typeface="Courier New"/>
+              </a:rPr>
+              <a:t> type=“TYPE”&gt;, &lt;</a:t>
+            </a:r>
+            <a:r>
+              <a:rPr lang="en-US" sz="2000" dirty="0" err="1" smtClean="0">
+                <a:latin typeface="Courier New"/>
+                <a:cs typeface="Courier New"/>
+                <a:hlinkClick r:id="rId11"/>
+              </a:rPr>
+              <a:t>cffinally</a:t>
+            </a:r>
+            <a:r>
+              <a:rPr lang="en-US" sz="2000" dirty="0" smtClean="0">
+                <a:latin typeface="Courier New"/>
+                <a:cs typeface="Courier New"/>
+              </a:rPr>
+              <a:t>&gt;</a:t>
             </a:r>
           </a:p>
           <a:p>
             <a:pPr lvl="1"/>
             <a:r>
-              <a:rPr lang="en-US" dirty="0" smtClean="0"/>
-              <a:t>=, +=, -=, &amp;=, /=, *=, %=</a:t>
-            </a:r>
-          </a:p>
-          <a:p>
-            <a:r>
-              <a:rPr lang="en-US" dirty="0" smtClean="0"/>
-              <a:t>Unary</a:t>
+              <a:rPr lang="en-US" sz="2000" dirty="0" smtClean="0">
+                <a:latin typeface="Courier New"/>
+                <a:cs typeface="Courier New"/>
+              </a:rPr>
+              <a:t>&lt;</a:t>
+            </a:r>
+            <a:r>
+              <a:rPr lang="en-US" sz="2000" dirty="0" err="1" smtClean="0">
+                <a:latin typeface="Courier New"/>
+                <a:cs typeface="Courier New"/>
+              </a:rPr>
+              <a:t>cfcatch</a:t>
+            </a:r>
+            <a:r>
+              <a:rPr lang="en-US" sz="2000" dirty="0" smtClean="0">
+                <a:latin typeface="Courier New"/>
+                <a:cs typeface="Courier New"/>
+              </a:rPr>
+              <a:t>&gt;</a:t>
+            </a:r>
+            <a:r>
+              <a:rPr lang="en-US" dirty="0" smtClean="0"/>
+              <a:t> exposes a special </a:t>
+            </a:r>
+            <a:r>
+              <a:rPr lang="en-US" dirty="0" err="1" smtClean="0"/>
+              <a:t>cfcatch</a:t>
+            </a:r>
+            <a:r>
+              <a:rPr lang="en-US" dirty="0" smtClean="0"/>
+              <a:t> scope</a:t>
+            </a:r>
+          </a:p>
+          <a:p>
+            <a:r>
+              <a:rPr lang="en-US" sz="2000" dirty="0" smtClean="0">
+                <a:latin typeface="Courier New"/>
+                <a:cs typeface="Courier New"/>
+              </a:rPr>
+              <a:t>&lt;</a:t>
+            </a:r>
+            <a:r>
+              <a:rPr lang="en-US" sz="2000" dirty="0" err="1" smtClean="0">
+                <a:latin typeface="Courier New"/>
+                <a:cs typeface="Courier New"/>
+                <a:hlinkClick r:id="rId12"/>
+              </a:rPr>
+              <a:t>cflocation</a:t>
+            </a:r>
+            <a:r>
+              <a:rPr lang="en-US" sz="2000" dirty="0" smtClean="0">
+                <a:latin typeface="Courier New"/>
+                <a:cs typeface="Courier New"/>
+              </a:rPr>
+              <a:t> </a:t>
+            </a:r>
+            <a:r>
+              <a:rPr lang="en-US" sz="2000" dirty="0" err="1" smtClean="0">
+                <a:latin typeface="Courier New"/>
+                <a:cs typeface="Courier New"/>
+              </a:rPr>
+              <a:t>url</a:t>
+            </a:r>
+            <a:r>
+              <a:rPr lang="en-US" sz="2000" dirty="0" smtClean="0">
+                <a:latin typeface="Courier New"/>
+                <a:cs typeface="Courier New"/>
+              </a:rPr>
+              <a:t>=“URL” </a:t>
+            </a:r>
+            <a:r>
+              <a:rPr lang="en-US" sz="2000" dirty="0" err="1" smtClean="0">
+                <a:latin typeface="Courier New"/>
+                <a:cs typeface="Courier New"/>
+              </a:rPr>
+              <a:t>addtoken</a:t>
+            </a:r>
+            <a:r>
+              <a:rPr lang="en-US" sz="2000" dirty="0" smtClean="0">
+                <a:latin typeface="Courier New"/>
+                <a:cs typeface="Courier New"/>
+              </a:rPr>
+              <a:t>=“BOOLEAN”&gt;</a:t>
             </a:r>
           </a:p>
           <a:p>
             <a:pPr lvl="1"/>
             <a:r>
-              <a:rPr lang="en-US" dirty="0" smtClean="0"/>
-              <a:t>++, --, +, -, /, *</a:t>
-            </a:r>
-          </a:p>
-          <a:p>
-            <a:r>
-              <a:rPr lang="en-US" dirty="0" smtClean="0"/>
-              <a:t>Binary</a:t>
-            </a:r>
-          </a:p>
-          <a:p>
-            <a:pPr lvl="1"/>
-            <a:r>
-              <a:rPr lang="en-US" dirty="0" smtClean="0"/>
-              <a:t>% or MOD</a:t>
-            </a:r>
-          </a:p>
-          <a:p>
-            <a:r>
-              <a:rPr lang="en-US" dirty="0" smtClean="0"/>
-              <a:t>Logical</a:t>
-            </a:r>
-          </a:p>
-          <a:p>
-            <a:pPr lvl="1"/>
-            <a:r>
-              <a:rPr lang="en-US" dirty="0" smtClean="0"/>
-              <a:t>! or NOT, OR, AND, XOR</a:t>
-            </a:r>
-          </a:p>
-          <a:p>
-            <a:r>
-              <a:rPr lang="en-US" dirty="0" smtClean="0"/>
-              <a:t>Comparators</a:t>
-            </a:r>
-          </a:p>
-          <a:p>
-            <a:pPr lvl="1"/>
-            <a:r>
-              <a:rPr lang="en-US" dirty="0" smtClean="0"/>
-              <a:t>EQ, NEQ, LT, LTE, GT, GTE, IS, IS NOT, CONTAINS</a:t>
-            </a:r>
-          </a:p>
-          <a:p>
-            <a:r>
-              <a:rPr lang="en-US" dirty="0" smtClean="0"/>
-              <a:t>This is not a complete list.</a:t>
-            </a:r>
+              <a:rPr lang="en-US" dirty="0" err="1" smtClean="0"/>
+              <a:t>addtoken</a:t>
+            </a:r>
+            <a:r>
+              <a:rPr lang="en-US" dirty="0" smtClean="0"/>
+              <a:t> = “true” adds session tokens to URL</a:t>
+            </a:r>
+            <a:endParaRPr lang="en-US" dirty="0"/>
           </a:p>
         </p:txBody>
       </p:sp>
     </p:spTree>
     <p:extLst>
       <p:ext uri="{BB962C8B-B14F-4D97-AF65-F5344CB8AC3E}">
-        <p14:creationId xmlns:p14="http://schemas.microsoft.com/office/powerpoint/2010/main" val="2233413174"/>
+        <p14:creationId xmlns:p14="http://schemas.microsoft.com/office/powerpoint/2010/main" val="2696741995"/>
       </p:ext>
     </p:extLst>
   </p:cSld>
@@ -10141,17 +10422,17 @@
             <a:spLocks noGrp="1"/>
           </p:cNvSpPr>
           <p:nvPr>
-            <p:ph type="ctrTitle"/>
-          </p:nvPr>
-        </p:nvSpPr>
-        <p:spPr/>
-        <p:txBody>
-          <a:bodyPr/>
-          <a:lstStyle/>
-          <a:p>
-            <a:r>
-              <a:rPr lang="en-US" dirty="0" smtClean="0"/>
-              <a:t>Demo 02</a:t>
+            <p:ph type="title"/>
+          </p:nvPr>
+        </p:nvSpPr>
+        <p:spPr/>
+        <p:txBody>
+          <a:bodyPr/>
+          <a:lstStyle/>
+          <a:p>
+            <a:r>
+              <a:rPr lang="en-US" dirty="0" smtClean="0"/>
+              <a:t>Iterations</a:t>
             </a:r>
             <a:endParaRPr lang="en-US" dirty="0"/>
           </a:p>
@@ -10159,39 +10440,182 @@
       </p:sp>
       <p:sp>
         <p:nvSpPr>
-          <p:cNvPr id="4" name="Subtitle 3"/>
-          <p:cNvSpPr>
-            <a:spLocks noGrp="1"/>
-          </p:cNvSpPr>
-          <p:nvPr>
-            <p:ph type="subTitle" idx="1"/>
-          </p:nvPr>
-        </p:nvSpPr>
-        <p:spPr/>
-        <p:txBody>
-          <a:bodyPr/>
-          <a:lstStyle/>
-          <a:p>
-            <a:endParaRPr lang="en-US"/>
-          </a:p>
-        </p:txBody>
-      </p:sp>
-      <p:sp>
-        <p:nvSpPr>
-          <p:cNvPr id="5" name="Picture Placeholder 4"/>
-          <p:cNvSpPr>
-            <a:spLocks noGrp="1"/>
-          </p:cNvSpPr>
-          <p:nvPr>
-            <p:ph type="pic" idx="13"/>
-          </p:nvPr>
-        </p:nvSpPr>
-        <p:spPr/>
+          <p:cNvPr id="3" name="Content Placeholder 2"/>
+          <p:cNvSpPr>
+            <a:spLocks noGrp="1"/>
+          </p:cNvSpPr>
+          <p:nvPr>
+            <p:ph idx="1"/>
+          </p:nvPr>
+        </p:nvSpPr>
+        <p:spPr/>
+        <p:txBody>
+          <a:bodyPr>
+            <a:normAutofit/>
+          </a:bodyPr>
+          <a:lstStyle/>
+          <a:p>
+            <a:r>
+              <a:rPr lang="en-US" sz="2000" dirty="0" smtClean="0">
+                <a:latin typeface="Courier New"/>
+                <a:cs typeface="Courier New"/>
+              </a:rPr>
+              <a:t>&lt;</a:t>
+            </a:r>
+            <a:r>
+              <a:rPr lang="en-US" sz="2000" dirty="0" err="1" smtClean="0">
+                <a:latin typeface="Courier New"/>
+                <a:cs typeface="Courier New"/>
+                <a:hlinkClick r:id="rId3"/>
+              </a:rPr>
+              <a:t>cfloop</a:t>
+            </a:r>
+            <a:r>
+              <a:rPr lang="en-US" sz="2000" dirty="0" smtClean="0">
+                <a:latin typeface="Courier New"/>
+                <a:cs typeface="Courier New"/>
+              </a:rPr>
+              <a:t>&gt;</a:t>
+            </a:r>
+          </a:p>
+          <a:p>
+            <a:pPr lvl="1"/>
+            <a:r>
+              <a:rPr lang="en-US" dirty="0" smtClean="0"/>
+              <a:t>Types of loops</a:t>
+            </a:r>
+          </a:p>
+          <a:p>
+            <a:pPr lvl="2"/>
+            <a:r>
+              <a:rPr lang="en-US" dirty="0" smtClean="0"/>
+              <a:t>Numeric: from, </a:t>
+            </a:r>
+            <a:r>
+              <a:rPr lang="en-US" dirty="0"/>
+              <a:t>to, step, index</a:t>
+            </a:r>
+            <a:endParaRPr lang="en-US" dirty="0" smtClean="0"/>
+          </a:p>
+          <a:p>
+            <a:pPr lvl="2"/>
+            <a:r>
+              <a:rPr lang="en-US" dirty="0" smtClean="0"/>
+              <a:t>Condition: condition</a:t>
+            </a:r>
+          </a:p>
+          <a:p>
+            <a:pPr lvl="2"/>
+            <a:r>
+              <a:rPr lang="en-US" dirty="0" smtClean="0"/>
+              <a:t>Array: array, index</a:t>
+            </a:r>
+          </a:p>
+          <a:p>
+            <a:pPr lvl="2"/>
+            <a:r>
+              <a:rPr lang="en-US" dirty="0" smtClean="0"/>
+              <a:t>List: list, index, delimiters</a:t>
+            </a:r>
+          </a:p>
+          <a:p>
+            <a:pPr lvl="2"/>
+            <a:r>
+              <a:rPr lang="en-US" dirty="0" smtClean="0"/>
+              <a:t>Collection: collection, item</a:t>
+            </a:r>
+          </a:p>
+          <a:p>
+            <a:pPr lvl="2"/>
+            <a:r>
+              <a:rPr lang="en-US" dirty="0" smtClean="0"/>
+              <a:t>Query: query, </a:t>
+            </a:r>
+            <a:r>
+              <a:rPr lang="en-US" dirty="0" err="1" smtClean="0"/>
+              <a:t>startrow</a:t>
+            </a:r>
+            <a:r>
+              <a:rPr lang="en-US" dirty="0" smtClean="0"/>
+              <a:t>, </a:t>
+            </a:r>
+            <a:r>
+              <a:rPr lang="en-US" dirty="0" err="1" smtClean="0"/>
+              <a:t>endrow</a:t>
+            </a:r>
+            <a:endParaRPr lang="en-US" dirty="0" smtClean="0"/>
+          </a:p>
+          <a:p>
+            <a:pPr lvl="2"/>
+            <a:r>
+              <a:rPr lang="en-US" dirty="0"/>
+              <a:t>File: file, index, </a:t>
+            </a:r>
+            <a:r>
+              <a:rPr lang="en-US" dirty="0" smtClean="0"/>
+              <a:t>characters</a:t>
+            </a:r>
+          </a:p>
+          <a:p>
+            <a:pPr lvl="1"/>
+            <a:r>
+              <a:rPr lang="en-US" sz="2000" dirty="0" smtClean="0">
+                <a:latin typeface="Courier New"/>
+                <a:cs typeface="Courier New"/>
+              </a:rPr>
+              <a:t>&lt;</a:t>
+            </a:r>
+            <a:r>
+              <a:rPr lang="en-US" sz="2000" dirty="0" err="1" smtClean="0">
+                <a:latin typeface="Courier New"/>
+                <a:cs typeface="Courier New"/>
+                <a:hlinkClick r:id="rId4"/>
+              </a:rPr>
+              <a:t>cfbreak</a:t>
+            </a:r>
+            <a:r>
+              <a:rPr lang="en-US" sz="2000" dirty="0" smtClean="0">
+                <a:latin typeface="Courier New"/>
+                <a:cs typeface="Courier New"/>
+              </a:rPr>
+              <a:t>&gt;</a:t>
+            </a:r>
+          </a:p>
+          <a:p>
+            <a:pPr lvl="1"/>
+            <a:r>
+              <a:rPr lang="en-US" sz="2000" dirty="0" smtClean="0">
+                <a:latin typeface="Courier New"/>
+                <a:cs typeface="Courier New"/>
+              </a:rPr>
+              <a:t>&lt;</a:t>
+            </a:r>
+            <a:r>
+              <a:rPr lang="en-US" sz="2000" dirty="0" err="1" smtClean="0">
+                <a:latin typeface="Courier New"/>
+                <a:cs typeface="Courier New"/>
+                <a:hlinkClick r:id="rId5"/>
+              </a:rPr>
+              <a:t>cfcontinue</a:t>
+            </a:r>
+            <a:r>
+              <a:rPr lang="en-US" sz="2000" dirty="0" smtClean="0">
+                <a:latin typeface="Courier New"/>
+                <a:cs typeface="Courier New"/>
+              </a:rPr>
+              <a:t>&gt;</a:t>
+            </a:r>
+            <a:endParaRPr lang="en-US" sz="2000" dirty="0">
+              <a:latin typeface="Courier New"/>
+              <a:cs typeface="Courier New"/>
+            </a:endParaRPr>
+          </a:p>
+        </p:txBody>
       </p:sp>
     </p:spTree>
     <p:extLst>
       <p:ext uri="{BB962C8B-B14F-4D97-AF65-F5344CB8AC3E}">
-        <p14:creationId xmlns:p14="http://schemas.microsoft.com/office/powerpoint/2010/main" val="3132652974"/>
+        <p14:creationId xmlns:p14="http://schemas.microsoft.com/office/powerpoint/2010/main" val="3196592386"/>
       </p:ext>
     </p:extLst>
   </p:cSld>
@@ -10220,7 +10644,7 @@
       </p:grpSpPr>
       <p:sp>
         <p:nvSpPr>
-          <p:cNvPr id="5" name="Title 4"/>
+          <p:cNvPr id="2" name="Title 1"/>
           <p:cNvSpPr>
             <a:spLocks noGrp="1"/>
           </p:cNvSpPr>
@@ -10235,7 +10659,7 @@
           <a:p>
             <a:r>
               <a:rPr lang="en-US" dirty="0" smtClean="0"/>
-              <a:t>Control</a:t>
+              <a:t>Content</a:t>
             </a:r>
             <a:endParaRPr lang="en-US" dirty="0"/>
           </a:p>
@@ -10243,7 +10667,7 @@
       </p:sp>
       <p:sp>
         <p:nvSpPr>
-          <p:cNvPr id="6" name="Content Placeholder 5"/>
+          <p:cNvPr id="3" name="Content Placeholder 2"/>
           <p:cNvSpPr>
             <a:spLocks noGrp="1"/>
           </p:cNvSpPr>
@@ -10254,7 +10678,7 @@
         <p:spPr/>
         <p:txBody>
           <a:bodyPr>
-            <a:normAutofit/>
+            <a:normAutofit fontScale="77500" lnSpcReduction="20000"/>
           </a:bodyPr>
           <a:lstStyle/>
           <a:p>
@@ -10266,307 +10690,255 @@
               <a:t>&lt;</a:t>
             </a:r>
             <a:r>
-              <a:rPr lang="en-US" sz="2000" dirty="0" err="1" smtClean="0">
+              <a:rPr lang="en-US" sz="2000" dirty="0" smtClean="0">
                 <a:latin typeface="Courier New"/>
                 <a:cs typeface="Courier New"/>
                 <a:hlinkClick r:id="rId3"/>
               </a:rPr>
-              <a:t>cfif</a:t>
+              <a:t>cfdirectory</a:t>
             </a:r>
             <a:r>
               <a:rPr lang="en-US" sz="2000" dirty="0" smtClean="0">
                 <a:latin typeface="Courier New"/>
                 <a:cs typeface="Courier New"/>
               </a:rPr>
-              <a:t> CONDITION&gt;, &lt;</a:t>
-            </a:r>
-            <a:r>
-              <a:rPr lang="en-US" sz="2000" dirty="0" err="1" smtClean="0">
+              <a:t> action=“ACTION” directory=“REAL PATH” name=“NAME”&gt;</a:t>
+            </a:r>
+          </a:p>
+          <a:p>
+            <a:pPr lvl="1"/>
+            <a:r>
+              <a:rPr lang="en-US" dirty="0" smtClean="0"/>
+              <a:t>Actions: list, create, rename, delete</a:t>
+            </a:r>
+          </a:p>
+          <a:p>
+            <a:r>
+              <a:rPr lang="en-US" sz="2200" dirty="0" smtClean="0">
+                <a:latin typeface="Courier New"/>
+                <a:cs typeface="Courier New"/>
+              </a:rPr>
+              <a:t>&lt;</a:t>
+            </a:r>
+            <a:r>
+              <a:rPr lang="en-US" sz="2200" dirty="0" smtClean="0">
                 <a:latin typeface="Courier New"/>
                 <a:cs typeface="Courier New"/>
                 <a:hlinkClick r:id="rId4"/>
               </a:rPr>
-              <a:t>cfelseif</a:t>
-            </a:r>
-            <a:r>
-              <a:rPr lang="en-US" sz="2000" dirty="0" smtClean="0">
-                <a:latin typeface="Courier New"/>
-                <a:cs typeface="Courier New"/>
-              </a:rPr>
-              <a:t> CONDITION&gt;, &lt;</a:t>
-            </a:r>
-            <a:r>
-              <a:rPr lang="en-US" sz="2000" dirty="0" err="1" smtClean="0">
+              <a:t>cfhttp</a:t>
+            </a:r>
+            <a:r>
+              <a:rPr lang="en-US" sz="2200" dirty="0" smtClean="0">
+                <a:latin typeface="Courier New"/>
+                <a:cs typeface="Courier New"/>
+              </a:rPr>
+              <a:t> </a:t>
+            </a:r>
+            <a:r>
+              <a:rPr lang="en-US" sz="2200" dirty="0" err="1" smtClean="0">
+                <a:latin typeface="Courier New"/>
+                <a:cs typeface="Courier New"/>
+              </a:rPr>
+              <a:t>url</a:t>
+            </a:r>
+            <a:r>
+              <a:rPr lang="en-US" sz="2200" dirty="0" smtClean="0">
+                <a:latin typeface="Courier New"/>
+                <a:cs typeface="Courier New"/>
+              </a:rPr>
+              <a:t>=“URL”&gt;, &lt;</a:t>
+            </a:r>
+            <a:r>
+              <a:rPr lang="en-US" sz="2200" dirty="0" smtClean="0">
                 <a:latin typeface="Courier New"/>
                 <a:cs typeface="Courier New"/>
                 <a:hlinkClick r:id="rId5"/>
               </a:rPr>
-              <a:t>cfelse</a:t>
-            </a:r>
-            <a:r>
-              <a:rPr lang="en-US" sz="2000" dirty="0" smtClean="0">
+              <a:t>cfhttpparam</a:t>
+            </a:r>
+            <a:r>
+              <a:rPr lang="en-US" sz="2200" dirty="0" smtClean="0">
+                <a:latin typeface="Courier New"/>
+                <a:cs typeface="Courier New"/>
+              </a:rPr>
+              <a:t> type=“TYPE” value=“VALUE” name=“NAME”&gt;</a:t>
+            </a:r>
+          </a:p>
+          <a:p>
+            <a:pPr lvl="1"/>
+            <a:r>
+              <a:rPr lang="en-US" dirty="0" smtClean="0"/>
+              <a:t>Exposes a special </a:t>
+            </a:r>
+            <a:r>
+              <a:rPr lang="en-US" dirty="0" err="1" smtClean="0"/>
+              <a:t>cfhttp</a:t>
+            </a:r>
+            <a:r>
+              <a:rPr lang="en-US" dirty="0" smtClean="0"/>
+              <a:t> scope</a:t>
+            </a:r>
+          </a:p>
+          <a:p>
+            <a:pPr lvl="1"/>
+            <a:r>
+              <a:rPr lang="en-US" sz="1900" dirty="0" smtClean="0">
+                <a:latin typeface="Courier New"/>
+                <a:cs typeface="Courier New"/>
+              </a:rPr>
+              <a:t>&lt;</a:t>
+            </a:r>
+            <a:r>
+              <a:rPr lang="en-US" sz="1900" dirty="0" err="1" smtClean="0">
+                <a:latin typeface="Courier New"/>
+                <a:cs typeface="Courier New"/>
+              </a:rPr>
+              <a:t>cfhttpparam</a:t>
+            </a:r>
+            <a:r>
+              <a:rPr lang="en-US" sz="1900" dirty="0" smtClean="0">
                 <a:latin typeface="Courier New"/>
                 <a:cs typeface="Courier New"/>
               </a:rPr>
               <a:t>&gt;</a:t>
             </a:r>
-          </a:p>
-          <a:p>
-            <a:r>
-              <a:rPr lang="en-US" sz="2000" dirty="0" smtClean="0">
+            <a:r>
+              <a:rPr lang="en-US" dirty="0" smtClean="0"/>
+              <a:t> types are</a:t>
+            </a:r>
+            <a:r>
+              <a:rPr lang="en-US" dirty="0"/>
+              <a:t>: </a:t>
+            </a:r>
+            <a:r>
+              <a:rPr lang="en-US" dirty="0" err="1"/>
+              <a:t>url</a:t>
+            </a:r>
+            <a:r>
+              <a:rPr lang="en-US" dirty="0"/>
+              <a:t>, </a:t>
+            </a:r>
+            <a:r>
+              <a:rPr lang="en-US" dirty="0" err="1"/>
+              <a:t>formfield</a:t>
+            </a:r>
+            <a:r>
+              <a:rPr lang="en-US" dirty="0"/>
+              <a:t>, </a:t>
+            </a:r>
+            <a:r>
+              <a:rPr lang="en-US" dirty="0" err="1"/>
+              <a:t>cgi</a:t>
+            </a:r>
+            <a:r>
+              <a:rPr lang="en-US" dirty="0"/>
+              <a:t>, body, xml, header, cookie, file</a:t>
+            </a:r>
+            <a:endParaRPr lang="en-US" dirty="0" smtClean="0"/>
+          </a:p>
+          <a:p>
+            <a:r>
+              <a:rPr lang="en-US" sz="2100" dirty="0">
                 <a:latin typeface="Courier New"/>
                 <a:cs typeface="Courier New"/>
               </a:rPr>
               <a:t>&lt;</a:t>
             </a:r>
             <a:r>
-              <a:rPr lang="en-US" sz="2000" dirty="0" err="1" smtClean="0">
+              <a:rPr lang="en-US" sz="2100" dirty="0" smtClean="0">
                 <a:latin typeface="Courier New"/>
                 <a:cs typeface="Courier New"/>
                 <a:hlinkClick r:id="rId6"/>
               </a:rPr>
-              <a:t>cfswitch</a:t>
-            </a:r>
-            <a:r>
-              <a:rPr lang="en-US" sz="2000" dirty="0" smtClean="0">
-                <a:latin typeface="Courier New"/>
-                <a:cs typeface="Courier New"/>
-              </a:rPr>
-              <a:t> expression=“VALUE”&gt;, &lt;</a:t>
-            </a:r>
-            <a:r>
-              <a:rPr lang="en-US" sz="2000" dirty="0" err="1" smtClean="0">
+              <a:t>cffile</a:t>
+            </a:r>
+            <a:r>
+              <a:rPr lang="en-US" sz="2100" dirty="0" smtClean="0">
+                <a:latin typeface="Courier New"/>
+                <a:cs typeface="Courier New"/>
+              </a:rPr>
+              <a:t> action=“ACTION” file=“REAL PATH” variable=“NAME”&gt;</a:t>
+            </a:r>
+          </a:p>
+          <a:p>
+            <a:pPr lvl="1"/>
+            <a:r>
+              <a:rPr lang="en-US" dirty="0" smtClean="0"/>
+              <a:t>Actions: read, </a:t>
+            </a:r>
+            <a:r>
+              <a:rPr lang="en-US" dirty="0" err="1" smtClean="0"/>
+              <a:t>readbinary</a:t>
+            </a:r>
+            <a:r>
+              <a:rPr lang="en-US" dirty="0" smtClean="0"/>
+              <a:t>, write, append, delete, rename, upload, copy, move</a:t>
+            </a:r>
+          </a:p>
+          <a:p>
+            <a:pPr lvl="1"/>
+            <a:r>
+              <a:rPr lang="en-US" dirty="0" smtClean="0"/>
+              <a:t>Exposes a special </a:t>
+            </a:r>
+            <a:r>
+              <a:rPr lang="en-US" dirty="0" err="1" smtClean="0"/>
+              <a:t>cffile</a:t>
+            </a:r>
+            <a:r>
+              <a:rPr lang="en-US" dirty="0" smtClean="0"/>
+              <a:t> scope (sometimes)</a:t>
+            </a:r>
+          </a:p>
+          <a:p>
+            <a:r>
+              <a:rPr lang="en-US" sz="2300" dirty="0" smtClean="0">
+                <a:latin typeface="Courier New"/>
+                <a:cs typeface="Courier New"/>
+              </a:rPr>
+              <a:t>&lt;</a:t>
+            </a:r>
+            <a:r>
+              <a:rPr lang="en-US" sz="2300" dirty="0" smtClean="0">
                 <a:latin typeface="Courier New"/>
                 <a:cs typeface="Courier New"/>
                 <a:hlinkClick r:id="rId7"/>
               </a:rPr>
-              <a:t>cfcase</a:t>
-            </a:r>
-            <a:r>
-              <a:rPr lang="en-US" sz="2000" dirty="0" smtClean="0">
-                <a:latin typeface="Courier New"/>
-                <a:cs typeface="Courier New"/>
-              </a:rPr>
-              <a:t> value=“VALUE</a:t>
-            </a:r>
-            <a:r>
-              <a:rPr lang="en-US" sz="2000" dirty="0">
-                <a:latin typeface="Courier New"/>
-                <a:cs typeface="Courier New"/>
-              </a:rPr>
-              <a:t>”&gt;, &lt;</a:t>
-            </a:r>
-            <a:r>
-              <a:rPr lang="en-US" sz="2000" dirty="0" err="1">
-                <a:latin typeface="Courier New"/>
-                <a:cs typeface="Courier New"/>
-              </a:rPr>
-              <a:t>cfcase</a:t>
-            </a:r>
-            <a:r>
-              <a:rPr lang="en-US" sz="2000" dirty="0">
-                <a:latin typeface="Courier New"/>
-                <a:cs typeface="Courier New"/>
-              </a:rPr>
-              <a:t> value=“</a:t>
-            </a:r>
-            <a:r>
-              <a:rPr lang="en-US" sz="2000" dirty="0" smtClean="0">
-                <a:latin typeface="Courier New"/>
-                <a:cs typeface="Courier New"/>
-              </a:rPr>
-              <a:t>VALUE1,VALUE2”</a:t>
-            </a:r>
-            <a:r>
-              <a:rPr lang="en-US" sz="2000" dirty="0">
-                <a:latin typeface="Courier New"/>
-                <a:cs typeface="Courier New"/>
-              </a:rPr>
-              <a:t>&gt;</a:t>
-            </a:r>
-            <a:r>
-              <a:rPr lang="en-US" sz="2000" dirty="0" smtClean="0">
-                <a:latin typeface="Courier New"/>
-                <a:cs typeface="Courier New"/>
-              </a:rPr>
-              <a:t>, &lt;</a:t>
-            </a:r>
-            <a:r>
-              <a:rPr lang="en-US" sz="2000" dirty="0" err="1" smtClean="0">
-                <a:latin typeface="Courier New"/>
-                <a:cs typeface="Courier New"/>
-                <a:hlinkClick r:id="rId8"/>
-              </a:rPr>
-              <a:t>cfdefaultcase</a:t>
-            </a:r>
-            <a:r>
-              <a:rPr lang="en-US" sz="2000" dirty="0" smtClean="0">
-                <a:latin typeface="Courier New"/>
-                <a:cs typeface="Courier New"/>
-              </a:rPr>
-              <a:t>&gt;</a:t>
-            </a:r>
-          </a:p>
-          <a:p>
-            <a:r>
-              <a:rPr lang="en-US" sz="2000" dirty="0" smtClean="0">
-                <a:latin typeface="Courier New"/>
-                <a:cs typeface="Courier New"/>
-              </a:rPr>
-              <a:t>&lt;</a:t>
-            </a:r>
-            <a:r>
-              <a:rPr lang="en-US" sz="2000" dirty="0" err="1" smtClean="0">
-                <a:latin typeface="Courier New"/>
-                <a:cs typeface="Courier New"/>
-                <a:hlinkClick r:id="rId9"/>
-              </a:rPr>
-              <a:t>cftry</a:t>
-            </a:r>
-            <a:r>
-              <a:rPr lang="en-US" sz="2000" dirty="0" smtClean="0">
-                <a:latin typeface="Courier New"/>
-                <a:cs typeface="Courier New"/>
-              </a:rPr>
-              <a:t>&gt;, &lt;</a:t>
-            </a:r>
-            <a:r>
-              <a:rPr lang="en-US" sz="2000" dirty="0" err="1" smtClean="0">
-                <a:latin typeface="Courier New"/>
-                <a:cs typeface="Courier New"/>
-                <a:hlinkClick r:id="rId10"/>
-              </a:rPr>
-              <a:t>cfcatch</a:t>
-            </a:r>
-            <a:r>
-              <a:rPr lang="en-US" sz="2000" dirty="0" smtClean="0">
-                <a:latin typeface="Courier New"/>
-                <a:cs typeface="Courier New"/>
-              </a:rPr>
-              <a:t> type=“TYPE”&gt;, &lt;</a:t>
-            </a:r>
-            <a:r>
-              <a:rPr lang="en-US" sz="2000" dirty="0" err="1" smtClean="0">
-                <a:latin typeface="Courier New"/>
-                <a:cs typeface="Courier New"/>
-                <a:hlinkClick r:id="rId11"/>
-              </a:rPr>
-              <a:t>cffinally</a:t>
-            </a:r>
-            <a:r>
-              <a:rPr lang="en-US" sz="2000" dirty="0" smtClean="0">
-                <a:latin typeface="Courier New"/>
-                <a:cs typeface="Courier New"/>
-              </a:rPr>
-              <a:t>&gt;</a:t>
+              <a:t>cfhtmlhead</a:t>
+            </a:r>
+            <a:r>
+              <a:rPr lang="en-US" sz="2300" dirty="0" smtClean="0">
+                <a:latin typeface="Courier New"/>
+                <a:cs typeface="Courier New"/>
+              </a:rPr>
+              <a:t> text=“TEXT”&gt;</a:t>
             </a:r>
           </a:p>
           <a:p>
             <a:pPr lvl="1"/>
             <a:r>
-              <a:rPr lang="en-US" sz="2000" dirty="0" smtClean="0">
-                <a:latin typeface="Courier New"/>
-                <a:cs typeface="Courier New"/>
-              </a:rPr>
-              <a:t>&lt;</a:t>
-            </a:r>
-            <a:r>
-              <a:rPr lang="en-US" sz="2000" dirty="0" err="1" smtClean="0">
-                <a:latin typeface="Courier New"/>
-                <a:cs typeface="Courier New"/>
-              </a:rPr>
-              <a:t>cfcatch</a:t>
-            </a:r>
-            <a:r>
-              <a:rPr lang="en-US" sz="2000" dirty="0" smtClean="0">
-                <a:latin typeface="Courier New"/>
-                <a:cs typeface="Courier New"/>
-              </a:rPr>
-              <a:t>&gt;</a:t>
-            </a:r>
-            <a:r>
-              <a:rPr lang="en-US" dirty="0" smtClean="0"/>
-              <a:t> exposes a special </a:t>
-            </a:r>
-            <a:r>
-              <a:rPr lang="en-US" dirty="0" err="1" smtClean="0"/>
-              <a:t>cfcatch</a:t>
-            </a:r>
-            <a:r>
-              <a:rPr lang="en-US" dirty="0" smtClean="0"/>
-              <a:t> scope</a:t>
-            </a:r>
-          </a:p>
-          <a:p>
-            <a:r>
-              <a:rPr lang="en-US" sz="2000" dirty="0" smtClean="0">
-                <a:latin typeface="Courier New"/>
-                <a:cs typeface="Courier New"/>
-              </a:rPr>
-              <a:t>&lt;</a:t>
-            </a:r>
-            <a:r>
-              <a:rPr lang="en-US" sz="2000" dirty="0" err="1" smtClean="0">
-                <a:latin typeface="Courier New"/>
-                <a:cs typeface="Courier New"/>
-                <a:hlinkClick r:id="rId12"/>
-              </a:rPr>
-              <a:t>cflocation</a:t>
-            </a:r>
-            <a:r>
-              <a:rPr lang="en-US" sz="2000" dirty="0" smtClean="0">
-                <a:latin typeface="Courier New"/>
-                <a:cs typeface="Courier New"/>
-              </a:rPr>
-              <a:t> </a:t>
-            </a:r>
-            <a:r>
-              <a:rPr lang="en-US" sz="2000" dirty="0" err="1" smtClean="0">
-                <a:latin typeface="Courier New"/>
-                <a:cs typeface="Courier New"/>
-              </a:rPr>
-              <a:t>url</a:t>
-            </a:r>
-            <a:r>
-              <a:rPr lang="en-US" sz="2000" dirty="0" smtClean="0">
-                <a:latin typeface="Courier New"/>
-                <a:cs typeface="Courier New"/>
-              </a:rPr>
-              <a:t>=“URL” </a:t>
-            </a:r>
-            <a:r>
-              <a:rPr lang="en-US" sz="2000" dirty="0" err="1" smtClean="0">
-                <a:latin typeface="Courier New"/>
-                <a:cs typeface="Courier New"/>
-              </a:rPr>
-              <a:t>addtoken</a:t>
-            </a:r>
-            <a:r>
-              <a:rPr lang="en-US" sz="2000" dirty="0" smtClean="0">
-                <a:latin typeface="Courier New"/>
-                <a:cs typeface="Courier New"/>
-              </a:rPr>
-              <a:t>=“BOOLEAN”&gt;</a:t>
-            </a:r>
-          </a:p>
-          <a:p>
-            <a:pPr lvl="1"/>
-            <a:r>
-              <a:rPr lang="en-US" dirty="0" err="1" smtClean="0"/>
-              <a:t>addtoken</a:t>
-            </a:r>
-            <a:r>
-              <a:rPr lang="en-US" dirty="0" smtClean="0"/>
-              <a:t> = “true” adds session tokens to URL</a:t>
-            </a:r>
-            <a:endParaRPr lang="en-US" dirty="0"/>
+              <a:rPr lang="en-US" dirty="0" smtClean="0"/>
+              <a:t>Text is any HTML you want inserted right before </a:t>
+            </a:r>
+            <a:r>
+              <a:rPr lang="en-US" sz="2100" dirty="0" smtClean="0">
+                <a:latin typeface="Courier New"/>
+                <a:cs typeface="Courier New"/>
+              </a:rPr>
+              <a:t>&lt;/head&gt;</a:t>
+            </a:r>
+            <a:endParaRPr lang="en-US" dirty="0" smtClean="0">
+              <a:latin typeface="Courier New"/>
+              <a:cs typeface="Courier New"/>
+            </a:endParaRPr>
           </a:p>
         </p:txBody>
       </p:sp>
     </p:spTree>
     <p:extLst>
       <p:ext uri="{BB962C8B-B14F-4D97-AF65-F5344CB8AC3E}">
-        <p14:creationId xmlns:p14="http://schemas.microsoft.com/office/powerpoint/2010/main" val="2696741995"/>
+        <p14:creationId xmlns:p14="http://schemas.microsoft.com/office/powerpoint/2010/main" val="2652134881"/>
       </p:ext>
     </p:extLst>
   </p:cSld>
@@ -10610,7 +10982,7 @@
           <a:p>
             <a:r>
               <a:rPr lang="en-US" dirty="0" smtClean="0"/>
-              <a:t>Iterations</a:t>
+              <a:t>Database Content</a:t>
             </a:r>
             <a:endParaRPr lang="en-US" dirty="0"/>
           </a:p>
@@ -10629,171 +11001,244 @@
         <p:spPr/>
         <p:txBody>
           <a:bodyPr>
-            <a:normAutofit/>
+            <a:normAutofit fontScale="70000" lnSpcReduction="20000"/>
           </a:bodyPr>
           <a:lstStyle/>
           <a:p>
             <a:r>
-              <a:rPr lang="en-US" sz="2000" dirty="0" smtClean="0">
+              <a:rPr lang="en-US" dirty="0" err="1" smtClean="0"/>
+              <a:t>Datasources</a:t>
+            </a:r>
+            <a:r>
+              <a:rPr lang="en-US" dirty="0" smtClean="0"/>
+              <a:t> are setup in administrator (no connection strings)</a:t>
+            </a:r>
+          </a:p>
+          <a:p>
+            <a:r>
+              <a:rPr lang="en-US" sz="2300" dirty="0" smtClean="0">
                 <a:latin typeface="Courier New"/>
                 <a:cs typeface="Courier New"/>
               </a:rPr>
               <a:t>&lt;</a:t>
             </a:r>
             <a:r>
-              <a:rPr lang="en-US" sz="2000" dirty="0" err="1" smtClean="0">
+              <a:rPr lang="en-US" sz="2300" dirty="0" smtClean="0">
                 <a:latin typeface="Courier New"/>
                 <a:cs typeface="Courier New"/>
                 <a:hlinkClick r:id="rId3"/>
               </a:rPr>
-              <a:t>cfloop</a:t>
-            </a:r>
-            <a:r>
-              <a:rPr lang="en-US" sz="2000" dirty="0" smtClean="0">
-                <a:latin typeface="Courier New"/>
-                <a:cs typeface="Courier New"/>
-              </a:rPr>
-              <a:t>&gt;</a:t>
+              <a:t>cfquery</a:t>
+            </a:r>
+            <a:r>
+              <a:rPr lang="en-US" sz="2300" dirty="0" smtClean="0">
+                <a:latin typeface="Courier New"/>
+                <a:cs typeface="Courier New"/>
+              </a:rPr>
+              <a:t> </a:t>
+            </a:r>
+            <a:r>
+              <a:rPr lang="en-US" sz="2300" dirty="0" err="1" smtClean="0">
+                <a:latin typeface="Courier New"/>
+                <a:cs typeface="Courier New"/>
+              </a:rPr>
+              <a:t>datasource</a:t>
+            </a:r>
+            <a:r>
+              <a:rPr lang="en-US" sz="2300" dirty="0" smtClean="0">
+                <a:latin typeface="Courier New"/>
+                <a:cs typeface="Courier New"/>
+              </a:rPr>
+              <a:t>=“DSN” name=“NAME” </a:t>
+            </a:r>
+            <a:r>
+              <a:rPr lang="en-US" sz="2300" dirty="0" err="1" smtClean="0">
+                <a:latin typeface="Courier New"/>
+                <a:cs typeface="Courier New"/>
+              </a:rPr>
+              <a:t>cachedwithin</a:t>
+            </a:r>
+            <a:r>
+              <a:rPr lang="en-US" sz="2300" dirty="0" smtClean="0">
+                <a:latin typeface="Courier New"/>
+                <a:cs typeface="Courier New"/>
+              </a:rPr>
+              <a:t>=“TIME SPAN”&gt;</a:t>
             </a:r>
           </a:p>
           <a:p>
             <a:pPr lvl="1"/>
             <a:r>
               <a:rPr lang="en-US" dirty="0" smtClean="0"/>
-              <a:t>Types of loops</a:t>
-            </a:r>
-          </a:p>
-          <a:p>
-            <a:pPr lvl="2"/>
-            <a:r>
-              <a:rPr lang="en-US" dirty="0" smtClean="0"/>
-              <a:t>Numeric: from, </a:t>
-            </a:r>
-            <a:r>
-              <a:rPr lang="en-US" dirty="0"/>
-              <a:t>to, step, index</a:t>
+              <a:t>Create a timespan using </a:t>
+            </a:r>
+            <a:r>
+              <a:rPr lang="en-US" dirty="0" err="1" smtClean="0"/>
+              <a:t>CreateTimespan</a:t>
+            </a:r>
+            <a:r>
+              <a:rPr lang="en-US" dirty="0" smtClean="0"/>
+              <a:t>()</a:t>
+            </a:r>
+          </a:p>
+          <a:p>
+            <a:pPr lvl="1"/>
+            <a:r>
+              <a:rPr lang="en-US" dirty="0" smtClean="0"/>
+              <a:t>Returns special query object called NAME</a:t>
+            </a:r>
+          </a:p>
+          <a:p>
+            <a:pPr lvl="1"/>
+            <a:r>
+              <a:rPr lang="en-US" dirty="0" smtClean="0"/>
+              <a:t>Query has records, but also properties: </a:t>
+            </a:r>
+            <a:r>
+              <a:rPr lang="en-US" dirty="0" err="1" smtClean="0"/>
+              <a:t>RecordCount</a:t>
+            </a:r>
+            <a:r>
+              <a:rPr lang="en-US" dirty="0" smtClean="0"/>
+              <a:t>, </a:t>
+            </a:r>
+            <a:r>
+              <a:rPr lang="en-US" dirty="0" err="1" smtClean="0"/>
+              <a:t>CurrentRow</a:t>
+            </a:r>
+            <a:r>
+              <a:rPr lang="en-US" dirty="0" smtClean="0"/>
+              <a:t>, </a:t>
+            </a:r>
+            <a:r>
+              <a:rPr lang="en-US" dirty="0" err="1" smtClean="0"/>
+              <a:t>ColumnList</a:t>
             </a:r>
             <a:endParaRPr lang="en-US" dirty="0" smtClean="0"/>
           </a:p>
           <a:p>
-            <a:pPr lvl="2"/>
-            <a:r>
-              <a:rPr lang="en-US" dirty="0" smtClean="0"/>
-              <a:t>Condition: condition</a:t>
-            </a:r>
-          </a:p>
-          <a:p>
-            <a:pPr lvl="2"/>
-            <a:r>
-              <a:rPr lang="en-US" dirty="0" smtClean="0"/>
-              <a:t>Array: array, index</a:t>
-            </a:r>
-          </a:p>
-          <a:p>
-            <a:pPr lvl="2"/>
-            <a:r>
-              <a:rPr lang="en-US" dirty="0" smtClean="0"/>
-              <a:t>List: list, index, delimiters</a:t>
-            </a:r>
-          </a:p>
-          <a:p>
-            <a:pPr lvl="2"/>
-            <a:r>
-              <a:rPr lang="en-US" dirty="0" smtClean="0"/>
-              <a:t>Collection: collection, item</a:t>
-            </a:r>
-          </a:p>
-          <a:p>
-            <a:pPr lvl="2"/>
-            <a:r>
-              <a:rPr lang="en-US" dirty="0" smtClean="0"/>
-              <a:t>Query: query, </a:t>
+            <a:r>
+              <a:rPr lang="en-US" sz="2300" dirty="0" smtClean="0">
+                <a:latin typeface="Courier New"/>
+                <a:cs typeface="Courier New"/>
+              </a:rPr>
+              <a:t>&lt;</a:t>
+            </a:r>
+            <a:r>
+              <a:rPr lang="en-US" sz="2300" dirty="0" smtClean="0">
+                <a:latin typeface="Courier New"/>
+                <a:cs typeface="Courier New"/>
+                <a:hlinkClick r:id="rId4"/>
+              </a:rPr>
+              <a:t>cfqueryparam</a:t>
+            </a:r>
+            <a:r>
+              <a:rPr lang="en-US" sz="2300" dirty="0" smtClean="0">
+                <a:latin typeface="Courier New"/>
+                <a:cs typeface="Courier New"/>
+              </a:rPr>
+              <a:t> </a:t>
+            </a:r>
+            <a:r>
+              <a:rPr lang="en-US" sz="2300" dirty="0" err="1" smtClean="0">
+                <a:latin typeface="Courier New"/>
+                <a:cs typeface="Courier New"/>
+              </a:rPr>
+              <a:t>cfsqltype</a:t>
+            </a:r>
+            <a:r>
+              <a:rPr lang="en-US" sz="2300" dirty="0" smtClean="0">
+                <a:latin typeface="Courier New"/>
+                <a:cs typeface="Courier New"/>
+              </a:rPr>
+              <a:t>=“SQL Type” value=“VAL”&gt;</a:t>
+            </a:r>
+          </a:p>
+          <a:p>
+            <a:pPr lvl="1"/>
+            <a:r>
+              <a:rPr lang="en-US" dirty="0" smtClean="0"/>
+              <a:t>SQL Types are </a:t>
             </a:r>
             <a:r>
               <a:rPr lang="en-US" dirty="0" err="1" smtClean="0"/>
-              <a:t>startrow</a:t>
-            </a:r>
-            <a:r>
-              <a:rPr lang="en-US" dirty="0" smtClean="0"/>
-              <a:t>, </a:t>
+              <a:t>cf_sql</a:t>
+            </a:r>
+            <a:r>
+              <a:rPr lang="en-US" dirty="0" smtClean="0"/>
+              <a:t>_[Type] (e.g. </a:t>
             </a:r>
             <a:r>
               <a:rPr lang="en-US" dirty="0" err="1" smtClean="0"/>
-              <a:t>endrow</a:t>
-            </a:r>
-            <a:endParaRPr lang="en-US" dirty="0" smtClean="0"/>
-          </a:p>
-          <a:p>
-            <a:pPr lvl="2"/>
-            <a:r>
-              <a:rPr lang="en-US" dirty="0"/>
-              <a:t>File: file, index, </a:t>
-            </a:r>
-            <a:r>
-              <a:rPr lang="en-US" dirty="0" smtClean="0"/>
-              <a:t>characters</a:t>
+              <a:t>cf_sql_varchar</a:t>
+            </a:r>
+            <a:r>
+              <a:rPr lang="en-US" dirty="0" smtClean="0"/>
+              <a:t>)</a:t>
             </a:r>
           </a:p>
           <a:p>
             <a:pPr lvl="1"/>
             <a:r>
-              <a:rPr lang="en-US" sz="2000" dirty="0" smtClean="0">
+              <a:rPr lang="en-US" dirty="0" smtClean="0"/>
+              <a:t>Provide a number of security and performance benefits</a:t>
+            </a:r>
+          </a:p>
+          <a:p>
+            <a:pPr lvl="1"/>
+            <a:r>
+              <a:rPr lang="en-US" dirty="0" smtClean="0"/>
+              <a:t>#1 way to protect against SQL injections</a:t>
+            </a:r>
+          </a:p>
+          <a:p>
+            <a:r>
+              <a:rPr lang="en-US" sz="2300" dirty="0" smtClean="0">
                 <a:latin typeface="Courier New"/>
                 <a:cs typeface="Courier New"/>
               </a:rPr>
               <a:t>&lt;</a:t>
             </a:r>
             <a:r>
-              <a:rPr lang="en-US" sz="2000" dirty="0" err="1" smtClean="0">
-                <a:latin typeface="Courier New"/>
-                <a:cs typeface="Courier New"/>
-                <a:hlinkClick r:id="rId4"/>
-              </a:rPr>
-              <a:t>cfbreak</a:t>
-            </a:r>
-            <a:r>
-              <a:rPr lang="en-US" sz="2000" dirty="0" smtClean="0">
-                <a:latin typeface="Courier New"/>
-                <a:cs typeface="Courier New"/>
-              </a:rPr>
-              <a:t>&gt;</a:t>
+              <a:rPr lang="en-US" sz="2300" dirty="0" err="1" smtClean="0">
+                <a:latin typeface="Courier New"/>
+                <a:cs typeface="Courier New"/>
+                <a:hlinkClick r:id="rId5"/>
+              </a:rPr>
+              <a:t>cftransaction</a:t>
+            </a:r>
+            <a:r>
+              <a:rPr lang="en-US" sz="2300" dirty="0" smtClean="0">
+                <a:latin typeface="Courier New"/>
+                <a:cs typeface="Courier New"/>
+              </a:rPr>
+              <a:t> action=“ACTION”&gt;</a:t>
             </a:r>
           </a:p>
           <a:p>
             <a:pPr lvl="1"/>
             <a:r>
-              <a:rPr lang="en-US" sz="2000" dirty="0" smtClean="0">
-                <a:latin typeface="Courier New"/>
-                <a:cs typeface="Courier New"/>
-              </a:rPr>
-              <a:t>&lt;</a:t>
-            </a:r>
-            <a:r>
-              <a:rPr lang="en-US" sz="2000" dirty="0" err="1" smtClean="0">
-                <a:latin typeface="Courier New"/>
-                <a:cs typeface="Courier New"/>
-                <a:hlinkClick r:id="rId5"/>
-              </a:rPr>
-              <a:t>cfcontinue</a:t>
-            </a:r>
-            <a:r>
-              <a:rPr lang="en-US" sz="2000" dirty="0" smtClean="0">
-                <a:latin typeface="Courier New"/>
-                <a:cs typeface="Courier New"/>
-              </a:rPr>
-              <a:t>&gt;</a:t>
-            </a:r>
-            <a:endParaRPr lang="en-US" sz="2000" dirty="0">
-              <a:latin typeface="Courier New"/>
-              <a:cs typeface="Courier New"/>
-            </a:endParaRPr>
+              <a:rPr lang="en-US" dirty="0" smtClean="0"/>
+              <a:t>Action can be: begin, commit, and rollback</a:t>
+            </a:r>
+          </a:p>
+          <a:p>
+            <a:pPr lvl="1"/>
+            <a:r>
+              <a:rPr lang="en-US" dirty="0" smtClean="0"/>
+              <a:t>Allows SQL transactions</a:t>
+            </a:r>
+            <a:endParaRPr lang="en-US" dirty="0"/>
+          </a:p>
+          <a:p>
+            <a:endParaRPr lang="en-US" dirty="0"/>
           </a:p>
         </p:txBody>
       </p:sp>
     </p:spTree>
     <p:extLst>
       <p:ext uri="{BB962C8B-B14F-4D97-AF65-F5344CB8AC3E}">
-        <p14:creationId xmlns:p14="http://schemas.microsoft.com/office/powerpoint/2010/main" val="3196592386"/>
+        <p14:creationId xmlns:p14="http://schemas.microsoft.com/office/powerpoint/2010/main" val="3347231083"/>
       </p:ext>
     </p:extLst>
   </p:cSld>
@@ -10822,22 +11267,22 @@
       </p:grpSpPr>
       <p:sp>
         <p:nvSpPr>
-          <p:cNvPr id="2" name="Title 1"/>
-          <p:cNvSpPr>
-            <a:spLocks noGrp="1"/>
-          </p:cNvSpPr>
-          <p:nvPr>
-            <p:ph type="title"/>
-          </p:nvPr>
-        </p:nvSpPr>
-        <p:spPr/>
-        <p:txBody>
-          <a:bodyPr/>
-          <a:lstStyle/>
-          <a:p>
-            <a:r>
-              <a:rPr lang="en-US" dirty="0" smtClean="0"/>
-              <a:t>Content</a:t>
+          <p:cNvPr id="4" name="Title 3"/>
+          <p:cNvSpPr>
+            <a:spLocks noGrp="1"/>
+          </p:cNvSpPr>
+          <p:nvPr>
+            <p:ph type="ctrTitle"/>
+          </p:nvPr>
+        </p:nvSpPr>
+        <p:spPr/>
+        <p:txBody>
+          <a:bodyPr/>
+          <a:lstStyle/>
+          <a:p>
+            <a:r>
+              <a:rPr lang="en-US" dirty="0" smtClean="0"/>
+              <a:t>Demo 03</a:t>
             </a:r>
             <a:endParaRPr lang="en-US" dirty="0"/>
           </a:p>
@@ -10845,278 +11290,39 @@
       </p:sp>
       <p:sp>
         <p:nvSpPr>
-          <p:cNvPr id="3" name="Content Placeholder 2"/>
-          <p:cNvSpPr>
-            <a:spLocks noGrp="1"/>
-          </p:cNvSpPr>
-          <p:nvPr>
-            <p:ph idx="1"/>
-          </p:nvPr>
-        </p:nvSpPr>
-        <p:spPr/>
-        <p:txBody>
-          <a:bodyPr>
-            <a:normAutofit fontScale="77500" lnSpcReduction="20000"/>
-          </a:bodyPr>
-          <a:lstStyle/>
-          <a:p>
-            <a:r>
-              <a:rPr lang="en-US" sz="2000" dirty="0" smtClean="0">
-                <a:latin typeface="Courier New"/>
-                <a:cs typeface="Courier New"/>
-              </a:rPr>
-              <a:t>&lt;</a:t>
-            </a:r>
-            <a:r>
-              <a:rPr lang="en-US" sz="2000" dirty="0" smtClean="0">
-                <a:latin typeface="Courier New"/>
-                <a:cs typeface="Courier New"/>
-                <a:hlinkClick r:id="rId3"/>
-              </a:rPr>
-              <a:t>cfdirectory</a:t>
-            </a:r>
-            <a:r>
-              <a:rPr lang="en-US" sz="2000" dirty="0" smtClean="0">
-                <a:latin typeface="Courier New"/>
-                <a:cs typeface="Courier New"/>
-              </a:rPr>
-              <a:t> action=“ACTION” directory=“REAL PATH” name=“NAME”&gt;</a:t>
-            </a:r>
-          </a:p>
-          <a:p>
-            <a:pPr lvl="1"/>
-            <a:r>
-              <a:rPr lang="en-US" dirty="0" smtClean="0"/>
-              <a:t>Actions: list, create, rename, delete</a:t>
-            </a:r>
-          </a:p>
-          <a:p>
-            <a:r>
-              <a:rPr lang="en-US" sz="2200" dirty="0" smtClean="0">
-                <a:latin typeface="Courier New"/>
-                <a:cs typeface="Courier New"/>
-              </a:rPr>
-              <a:t>&lt;</a:t>
-            </a:r>
-            <a:r>
-              <a:rPr lang="en-US" sz="2200" dirty="0" smtClean="0">
-                <a:latin typeface="Courier New"/>
-                <a:cs typeface="Courier New"/>
-                <a:hlinkClick r:id="rId4"/>
-              </a:rPr>
-              <a:t>cfhttp</a:t>
-            </a:r>
-            <a:r>
-              <a:rPr lang="en-US" sz="2200" dirty="0" smtClean="0">
-                <a:latin typeface="Courier New"/>
-                <a:cs typeface="Courier New"/>
-              </a:rPr>
-              <a:t> </a:t>
-            </a:r>
-            <a:r>
-              <a:rPr lang="en-US" sz="2200" dirty="0" err="1" smtClean="0">
-                <a:latin typeface="Courier New"/>
-                <a:cs typeface="Courier New"/>
-              </a:rPr>
-              <a:t>url</a:t>
-            </a:r>
-            <a:r>
-              <a:rPr lang="en-US" sz="2200" dirty="0" smtClean="0">
-                <a:latin typeface="Courier New"/>
-                <a:cs typeface="Courier New"/>
-              </a:rPr>
-              <a:t>=“URL”&gt;, &lt;</a:t>
-            </a:r>
-            <a:r>
-              <a:rPr lang="en-US" sz="2200" dirty="0" smtClean="0">
-                <a:latin typeface="Courier New"/>
-                <a:cs typeface="Courier New"/>
-                <a:hlinkClick r:id="rId5"/>
-              </a:rPr>
-              <a:t>cfhttpparam</a:t>
-            </a:r>
-            <a:r>
-              <a:rPr lang="en-US" sz="2200" dirty="0" smtClean="0">
-                <a:latin typeface="Courier New"/>
-                <a:cs typeface="Courier New"/>
-              </a:rPr>
-              <a:t> type=“TYPE” value=“VALUE” name=“NAME”&gt;</a:t>
-            </a:r>
-          </a:p>
-          <a:p>
-            <a:pPr lvl="1"/>
-            <a:r>
-              <a:rPr lang="en-US" dirty="0" smtClean="0"/>
-              <a:t>Exposes a special </a:t>
-            </a:r>
-            <a:r>
-              <a:rPr lang="en-US" dirty="0" err="1" smtClean="0"/>
-              <a:t>cfhttp</a:t>
-            </a:r>
-            <a:r>
-              <a:rPr lang="en-US" dirty="0" smtClean="0"/>
-              <a:t> scope</a:t>
-            </a:r>
-          </a:p>
-          <a:p>
-            <a:pPr lvl="1"/>
-            <a:r>
-              <a:rPr lang="en-US" sz="1900" dirty="0" smtClean="0">
-                <a:latin typeface="Courier New"/>
-                <a:cs typeface="Courier New"/>
-              </a:rPr>
-              <a:t>&lt;</a:t>
-            </a:r>
-            <a:r>
-              <a:rPr lang="en-US" sz="1900" dirty="0" err="1" smtClean="0">
-                <a:latin typeface="Courier New"/>
-                <a:cs typeface="Courier New"/>
-              </a:rPr>
-              <a:t>cfhttpparam</a:t>
-            </a:r>
-            <a:r>
-              <a:rPr lang="en-US" sz="1900" dirty="0" smtClean="0">
-                <a:latin typeface="Courier New"/>
-                <a:cs typeface="Courier New"/>
-              </a:rPr>
-              <a:t>&gt;</a:t>
-            </a:r>
-            <a:r>
-              <a:rPr lang="en-US" dirty="0" smtClean="0"/>
-              <a:t> types are</a:t>
-            </a:r>
-            <a:r>
-              <a:rPr lang="en-US" dirty="0"/>
-              <a:t>: </a:t>
-            </a:r>
-            <a:r>
-              <a:rPr lang="en-US" dirty="0" err="1"/>
-              <a:t>url</a:t>
-            </a:r>
-            <a:r>
-              <a:rPr lang="en-US" dirty="0"/>
-              <a:t>, </a:t>
-            </a:r>
-            <a:r>
-              <a:rPr lang="en-US" dirty="0" err="1"/>
-              <a:t>formfield</a:t>
-            </a:r>
-            <a:r>
-              <a:rPr lang="en-US" dirty="0"/>
-              <a:t>, </a:t>
-            </a:r>
-            <a:r>
-              <a:rPr lang="en-US" dirty="0" err="1"/>
-              <a:t>cgi</a:t>
-            </a:r>
-            <a:r>
-              <a:rPr lang="en-US" dirty="0"/>
-              <a:t>, body, xml, header, cookie, file</a:t>
-            </a:r>
-            <a:endParaRPr lang="en-US" dirty="0" smtClean="0"/>
-          </a:p>
-          <a:p>
-            <a:r>
-              <a:rPr lang="en-US" sz="2100" dirty="0">
-                <a:latin typeface="Courier New"/>
-                <a:cs typeface="Courier New"/>
-              </a:rPr>
-              <a:t>&lt;</a:t>
-            </a:r>
-            <a:r>
-              <a:rPr lang="en-US" sz="2100" dirty="0" smtClean="0">
-                <a:latin typeface="Courier New"/>
-                <a:cs typeface="Courier New"/>
-                <a:hlinkClick r:id="rId6"/>
-              </a:rPr>
-              <a:t>cffile</a:t>
-            </a:r>
-            <a:r>
-              <a:rPr lang="en-US" sz="2100" dirty="0" smtClean="0">
-                <a:latin typeface="Courier New"/>
-                <a:cs typeface="Courier New"/>
-              </a:rPr>
-              <a:t> action=“ACTION” file=“REAL PATH” variable=“NAME”&gt;</a:t>
-            </a:r>
-          </a:p>
-          <a:p>
-            <a:pPr lvl="1"/>
-            <a:r>
-              <a:rPr lang="en-US" dirty="0" smtClean="0"/>
-              <a:t>Actions: read, </a:t>
-            </a:r>
-            <a:r>
-              <a:rPr lang="en-US" dirty="0" err="1" smtClean="0"/>
-              <a:t>readbinary</a:t>
-            </a:r>
-            <a:r>
-              <a:rPr lang="en-US" dirty="0" smtClean="0"/>
-              <a:t>, write, append, delete, rename, upload, copy, move</a:t>
-            </a:r>
-          </a:p>
-          <a:p>
-            <a:pPr lvl="1"/>
-            <a:r>
-              <a:rPr lang="en-US" dirty="0" smtClean="0"/>
-              <a:t>Exposes a special </a:t>
-            </a:r>
-            <a:r>
-              <a:rPr lang="en-US" dirty="0" err="1" smtClean="0"/>
-              <a:t>cffile</a:t>
-            </a:r>
-            <a:r>
-              <a:rPr lang="en-US" dirty="0" smtClean="0"/>
-              <a:t> scope (sometimes)</a:t>
-            </a:r>
-          </a:p>
-          <a:p>
-            <a:r>
-              <a:rPr lang="en-US" sz="2300" dirty="0" smtClean="0">
-                <a:latin typeface="Courier New"/>
-                <a:cs typeface="Courier New"/>
-              </a:rPr>
-              <a:t>&lt;</a:t>
-            </a:r>
-            <a:r>
-              <a:rPr lang="en-US" sz="2300" dirty="0" smtClean="0">
-                <a:latin typeface="Courier New"/>
-                <a:cs typeface="Courier New"/>
-                <a:hlinkClick r:id="rId7"/>
-              </a:rPr>
-              <a:t>cfhtmlhead</a:t>
-            </a:r>
-            <a:r>
-              <a:rPr lang="en-US" sz="2300" dirty="0" smtClean="0">
-                <a:latin typeface="Courier New"/>
-                <a:cs typeface="Courier New"/>
-              </a:rPr>
-              <a:t> text=“TEXT”&gt;</a:t>
-            </a:r>
-          </a:p>
-          <a:p>
-            <a:pPr lvl="1"/>
-            <a:r>
-              <a:rPr lang="en-US" dirty="0" smtClean="0"/>
-              <a:t>Text is any HTML you want inserted right before </a:t>
-            </a:r>
-            <a:r>
-              <a:rPr lang="en-US" sz="2100" dirty="0" smtClean="0">
-                <a:latin typeface="Courier New"/>
-                <a:cs typeface="Courier New"/>
-              </a:rPr>
-              <a:t>&lt;/head&gt;</a:t>
-            </a:r>
-            <a:endParaRPr lang="en-US" dirty="0" smtClean="0">
-              <a:latin typeface="Courier New"/>
-              <a:cs typeface="Courier New"/>
-            </a:endParaRPr>
-          </a:p>
-        </p:txBody>
+          <p:cNvPr id="5" name="Subtitle 4"/>
+          <p:cNvSpPr>
+            <a:spLocks noGrp="1"/>
+          </p:cNvSpPr>
+          <p:nvPr>
+            <p:ph type="subTitle" idx="1"/>
+          </p:nvPr>
+        </p:nvSpPr>
+        <p:spPr/>
+        <p:txBody>
+          <a:bodyPr/>
+          <a:lstStyle/>
+          <a:p>
+            <a:endParaRPr lang="en-US"/>
+          </a:p>
+        </p:txBody>
+      </p:sp>
+      <p:sp>
+        <p:nvSpPr>
+          <p:cNvPr id="6" name="Picture Placeholder 5"/>
+          <p:cNvSpPr>
+            <a:spLocks noGrp="1"/>
+          </p:cNvSpPr>
+          <p:nvPr>
+            <p:ph type="pic" idx="13"/>
+          </p:nvPr>
+        </p:nvSpPr>
+        <p:spPr/>
       </p:sp>
     </p:spTree>
     <p:extLst>
       <p:ext uri="{BB962C8B-B14F-4D97-AF65-F5344CB8AC3E}">
-        <p14:creationId xmlns:p14="http://schemas.microsoft.com/office/powerpoint/2010/main" val="2652134881"/>
+        <p14:creationId xmlns:p14="http://schemas.microsoft.com/office/powerpoint/2010/main" val="2368212209"/>
       </p:ext>
     </p:extLst>
   </p:cSld>
@@ -11145,7 +11351,7 @@
       </p:grpSpPr>
       <p:sp>
         <p:nvSpPr>
-          <p:cNvPr id="2" name="Title 1"/>
+          <p:cNvPr id="5" name="Title 4"/>
           <p:cNvSpPr>
             <a:spLocks noGrp="1"/>
           </p:cNvSpPr>
@@ -11159,16 +11365,37 @@
           <a:lstStyle/>
           <a:p>
             <a:r>
-              <a:rPr lang="en-US" dirty="0" smtClean="0"/>
-              <a:t>Database Content</a:t>
-            </a:r>
-            <a:endParaRPr lang="en-US" dirty="0"/>
-          </a:p>
-        </p:txBody>
-      </p:sp>
-      <p:sp>
-        <p:nvSpPr>
-          <p:cNvPr id="3" name="Content Placeholder 2"/>
+              <a:rPr lang="en-US" sz="4400" dirty="0" smtClean="0">
+                <a:latin typeface="Courier New"/>
+                <a:cs typeface="Courier New"/>
+              </a:rPr>
+              <a:t>&lt;</a:t>
+            </a:r>
+            <a:r>
+              <a:rPr lang="en-US" sz="4400" dirty="0" err="1" smtClean="0">
+                <a:latin typeface="Courier New"/>
+                <a:cs typeface="Courier New"/>
+                <a:hlinkClick r:id="rId2"/>
+              </a:rPr>
+              <a:t>cfscript</a:t>
+            </a:r>
+            <a:r>
+              <a:rPr lang="en-US" sz="4400" dirty="0" smtClean="0">
+                <a:latin typeface="Courier New"/>
+                <a:cs typeface="Courier New"/>
+              </a:rPr>
+              <a:t>&gt;</a:t>
+            </a:r>
+            <a:endParaRPr lang="en-US" sz="4400" dirty="0">
+              <a:latin typeface="Courier New"/>
+              <a:cs typeface="Courier New"/>
+            </a:endParaRPr>
+          </a:p>
+        </p:txBody>
+      </p:sp>
+      <p:sp>
+        <p:nvSpPr>
+          <p:cNvPr id="6" name="Content Placeholder 5"/>
           <p:cNvSpPr>
             <a:spLocks noGrp="1"/>
           </p:cNvSpPr>
@@ -11178,237 +11405,43 @@
         </p:nvSpPr>
         <p:spPr/>
         <p:txBody>
-          <a:bodyPr>
-            <a:normAutofit fontScale="70000" lnSpcReduction="20000"/>
-          </a:bodyPr>
-          <a:lstStyle/>
-          <a:p>
-            <a:r>
-              <a:rPr lang="en-US" dirty="0" err="1" smtClean="0"/>
-              <a:t>Datasources</a:t>
-            </a:r>
-            <a:r>
-              <a:rPr lang="en-US" dirty="0" smtClean="0"/>
-              <a:t> are setup in administrator (no connection strings)</a:t>
-            </a:r>
-          </a:p>
-          <a:p>
-            <a:r>
-              <a:rPr lang="en-US" sz="2300" dirty="0" smtClean="0">
-                <a:latin typeface="Courier New"/>
-                <a:cs typeface="Courier New"/>
-              </a:rPr>
-              <a:t>&lt;</a:t>
-            </a:r>
-            <a:r>
-              <a:rPr lang="en-US" sz="2300" dirty="0" smtClean="0">
-                <a:latin typeface="Courier New"/>
-                <a:cs typeface="Courier New"/>
+          <a:bodyPr/>
+          <a:lstStyle/>
+          <a:p>
+            <a:r>
+              <a:rPr lang="en-US" dirty="0" smtClean="0"/>
+              <a:t>An entire ECMA-style scripting language</a:t>
+            </a:r>
+          </a:p>
+          <a:p>
+            <a:r>
+              <a:rPr lang="en-US" dirty="0" smtClean="0"/>
+              <a:t>Removes dependency on tag-based markup</a:t>
+            </a:r>
+          </a:p>
+          <a:p>
+            <a:r>
+              <a:rPr lang="en-US" dirty="0" smtClean="0"/>
+              <a:t>Feels “more at home” or “cleaner” for some developers</a:t>
+            </a:r>
+          </a:p>
+          <a:p>
+            <a:r>
+              <a:rPr lang="en-US" dirty="0" smtClean="0"/>
+              <a:t>Can be used amongst tag-based CFML</a:t>
+            </a:r>
+          </a:p>
+          <a:p>
+            <a:r>
+              <a:rPr lang="en-US" dirty="0" smtClean="0">
                 <a:hlinkClick r:id="rId3"/>
               </a:rPr>
-              <a:t>cfquery</a:t>
-            </a:r>
-            <a:r>
-              <a:rPr lang="en-US" sz="2300" dirty="0" smtClean="0">
-                <a:latin typeface="Courier New"/>
-                <a:cs typeface="Courier New"/>
-              </a:rPr>
-              <a:t> </a:t>
-            </a:r>
-            <a:r>
-              <a:rPr lang="en-US" sz="2300" dirty="0" err="1" smtClean="0">
-                <a:latin typeface="Courier New"/>
-                <a:cs typeface="Courier New"/>
-              </a:rPr>
-              <a:t>datasource</a:t>
-            </a:r>
-            <a:r>
-              <a:rPr lang="en-US" sz="2300" dirty="0" smtClean="0">
-                <a:latin typeface="Courier New"/>
-                <a:cs typeface="Courier New"/>
-              </a:rPr>
-              <a:t>=“DSN” name=“NAME” </a:t>
-            </a:r>
-            <a:r>
-              <a:rPr lang="en-US" sz="2300" dirty="0" err="1" smtClean="0">
-                <a:latin typeface="Courier New"/>
-                <a:cs typeface="Courier New"/>
-              </a:rPr>
-              <a:t>cachedwithin</a:t>
-            </a:r>
-            <a:r>
-              <a:rPr lang="en-US" sz="2300" dirty="0" smtClean="0">
-                <a:latin typeface="Courier New"/>
-                <a:cs typeface="Courier New"/>
-              </a:rPr>
-              <a:t>=“TIME SPAN”&gt;</a:t>
-            </a:r>
-          </a:p>
-          <a:p>
-            <a:pPr lvl="1"/>
-            <a:r>
-              <a:rPr lang="en-US" dirty="0" smtClean="0"/>
-              <a:t>Create a timespan using </a:t>
-            </a:r>
-            <a:r>
-              <a:rPr lang="en-US" dirty="0" err="1" smtClean="0"/>
-              <a:t>CreateTimespan</a:t>
-            </a:r>
-            <a:r>
-              <a:rPr lang="en-US" dirty="0" smtClean="0"/>
-              <a:t>()</a:t>
-            </a:r>
-          </a:p>
-          <a:p>
-            <a:pPr lvl="1"/>
-            <a:r>
-              <a:rPr lang="en-US" dirty="0" smtClean="0"/>
-              <a:t>Returns special query object called NAME</a:t>
-            </a:r>
-          </a:p>
-          <a:p>
-            <a:pPr lvl="1"/>
-            <a:r>
-              <a:rPr lang="en-US" dirty="0" smtClean="0"/>
-              <a:t>Query has records, but also properties: </a:t>
-            </a:r>
-            <a:r>
-              <a:rPr lang="en-US" dirty="0" err="1" smtClean="0"/>
-              <a:t>RecordCount</a:t>
-            </a:r>
-            <a:r>
-              <a:rPr lang="en-US" dirty="0" smtClean="0"/>
-              <a:t>, </a:t>
-            </a:r>
-            <a:r>
-              <a:rPr lang="en-US" dirty="0" err="1" smtClean="0"/>
-              <a:t>CurrentRow</a:t>
-            </a:r>
-            <a:r>
-              <a:rPr lang="en-US" dirty="0" smtClean="0"/>
-              <a:t>, </a:t>
-            </a:r>
-            <a:r>
-              <a:rPr lang="en-US" dirty="0" err="1" smtClean="0"/>
-              <a:t>ColumnList</a:t>
-            </a:r>
-            <a:endParaRPr lang="en-US" dirty="0" smtClean="0"/>
-          </a:p>
-          <a:p>
-            <a:r>
-              <a:rPr lang="en-US" sz="2300" dirty="0" smtClean="0">
-                <a:latin typeface="Courier New"/>
-                <a:cs typeface="Courier New"/>
-              </a:rPr>
-              <a:t>&lt;</a:t>
-            </a:r>
-            <a:r>
-              <a:rPr lang="en-US" sz="2300" dirty="0" smtClean="0">
-                <a:latin typeface="Courier New"/>
-                <a:cs typeface="Courier New"/>
-                <a:hlinkClick r:id="rId4"/>
-              </a:rPr>
-              <a:t>cfqueryparam</a:t>
-            </a:r>
-            <a:r>
-              <a:rPr lang="en-US" sz="2300" dirty="0" smtClean="0">
-                <a:latin typeface="Courier New"/>
-                <a:cs typeface="Courier New"/>
-              </a:rPr>
-              <a:t> </a:t>
-            </a:r>
-            <a:r>
-              <a:rPr lang="en-US" sz="2300" dirty="0" err="1" smtClean="0">
-                <a:latin typeface="Courier New"/>
-                <a:cs typeface="Courier New"/>
-              </a:rPr>
-              <a:t>cfsqltype</a:t>
-            </a:r>
-            <a:r>
-              <a:rPr lang="en-US" sz="2300" dirty="0" smtClean="0">
-                <a:latin typeface="Courier New"/>
-                <a:cs typeface="Courier New"/>
-              </a:rPr>
-              <a:t>=“SQL Type” value=“VAL”&gt;</a:t>
-            </a:r>
-          </a:p>
-          <a:p>
-            <a:pPr lvl="1"/>
-            <a:r>
-              <a:rPr lang="en-US" dirty="0" smtClean="0"/>
-              <a:t>SQL Types are </a:t>
-            </a:r>
-            <a:r>
-              <a:rPr lang="en-US" dirty="0" err="1" smtClean="0"/>
-              <a:t>cf_sql</a:t>
-            </a:r>
-            <a:r>
-              <a:rPr lang="en-US" dirty="0" smtClean="0"/>
-              <a:t>_[Type] (e.g. </a:t>
-            </a:r>
-            <a:r>
-              <a:rPr lang="en-US" dirty="0" err="1" smtClean="0"/>
-              <a:t>cf_sql_varchar</a:t>
-            </a:r>
-            <a:r>
-              <a:rPr lang="en-US" dirty="0" smtClean="0"/>
-              <a:t>)</a:t>
-            </a:r>
-          </a:p>
-          <a:p>
-            <a:pPr lvl="1"/>
-            <a:r>
-              <a:rPr lang="en-US" dirty="0" smtClean="0"/>
-              <a:t>Provide a number of security and performance benefits</a:t>
-            </a:r>
-          </a:p>
-          <a:p>
-            <a:pPr lvl="1"/>
-            <a:r>
-              <a:rPr lang="en-US" dirty="0" smtClean="0"/>
-              <a:t>#1 way to protect against SQL injections</a:t>
-            </a:r>
-          </a:p>
-          <a:p>
-            <a:r>
-              <a:rPr lang="en-US" sz="2300" dirty="0" smtClean="0">
-                <a:latin typeface="Courier New"/>
-                <a:cs typeface="Courier New"/>
-              </a:rPr>
-              <a:t>&lt;</a:t>
-            </a:r>
-            <a:r>
-              <a:rPr lang="en-US" sz="2300" dirty="0" err="1" smtClean="0">
-                <a:latin typeface="Courier New"/>
-                <a:cs typeface="Courier New"/>
-                <a:hlinkClick r:id="rId5"/>
-              </a:rPr>
-              <a:t>cftransaction</a:t>
-            </a:r>
-            <a:r>
-              <a:rPr lang="en-US" sz="2300" dirty="0" smtClean="0">
-                <a:latin typeface="Courier New"/>
-                <a:cs typeface="Courier New"/>
-              </a:rPr>
-              <a:t> action=“ACTION”&gt;</a:t>
-            </a:r>
-          </a:p>
-          <a:p>
-            <a:pPr lvl="1"/>
-            <a:r>
-              <a:rPr lang="en-US" dirty="0" smtClean="0"/>
-              <a:t>Action can be: begin, commit, and rollback</a:t>
-            </a:r>
-          </a:p>
-          <a:p>
-            <a:pPr lvl="1"/>
-            <a:r>
-              <a:rPr lang="en-US" dirty="0" smtClean="0"/>
-              <a:t>Allows SQL transactions</a:t>
-            </a:r>
-            <a:endParaRPr lang="en-US" dirty="0"/>
-          </a:p>
-          <a:p>
+              <a:t>Learn more</a:t>
+            </a:r>
+            <a:r>
+              <a:rPr lang="en-US" dirty="0" smtClean="0"/>
+              <a:t>.</a:t>
+            </a:r>
             <a:endParaRPr lang="en-US" dirty="0"/>
           </a:p>
         </p:txBody>
@@ -11416,7 +11449,7 @@
     </p:spTree>
     <p:extLst>
       <p:ext uri="{BB962C8B-B14F-4D97-AF65-F5344CB8AC3E}">
-        <p14:creationId xmlns:p14="http://schemas.microsoft.com/office/powerpoint/2010/main" val="3347231083"/>
+        <p14:creationId xmlns:p14="http://schemas.microsoft.com/office/powerpoint/2010/main" val="815495905"/>
       </p:ext>
     </p:extLst>
   </p:cSld>
@@ -11445,22 +11478,22 @@
       </p:grpSpPr>
       <p:sp>
         <p:nvSpPr>
-          <p:cNvPr id="4" name="Title 3"/>
-          <p:cNvSpPr>
-            <a:spLocks noGrp="1"/>
-          </p:cNvSpPr>
-          <p:nvPr>
-            <p:ph type="ctrTitle"/>
-          </p:nvPr>
-        </p:nvSpPr>
-        <p:spPr/>
-        <p:txBody>
-          <a:bodyPr/>
-          <a:lstStyle/>
-          <a:p>
-            <a:r>
-              <a:rPr lang="en-US" dirty="0" smtClean="0"/>
-              <a:t>Demo 03</a:t>
+          <p:cNvPr id="2" name="Title 1"/>
+          <p:cNvSpPr>
+            <a:spLocks noGrp="1"/>
+          </p:cNvSpPr>
+          <p:nvPr>
+            <p:ph type="title"/>
+          </p:nvPr>
+        </p:nvSpPr>
+        <p:spPr/>
+        <p:txBody>
+          <a:bodyPr/>
+          <a:lstStyle/>
+          <a:p>
+            <a:r>
+              <a:rPr lang="en-US" dirty="0" smtClean="0"/>
+              <a:t>Functions</a:t>
             </a:r>
             <a:endParaRPr lang="en-US" dirty="0"/>
           </a:p>
@@ -11468,39 +11501,166 @@
       </p:sp>
       <p:sp>
         <p:nvSpPr>
-          <p:cNvPr id="5" name="Subtitle 4"/>
-          <p:cNvSpPr>
-            <a:spLocks noGrp="1"/>
-          </p:cNvSpPr>
-          <p:nvPr>
-            <p:ph type="subTitle" idx="1"/>
-          </p:nvPr>
-        </p:nvSpPr>
-        <p:spPr/>
-        <p:txBody>
-          <a:bodyPr/>
-          <a:lstStyle/>
-          <a:p>
-            <a:endParaRPr lang="en-US"/>
-          </a:p>
-        </p:txBody>
-      </p:sp>
-      <p:sp>
-        <p:nvSpPr>
-          <p:cNvPr id="6" name="Picture Placeholder 5"/>
-          <p:cNvSpPr>
-            <a:spLocks noGrp="1"/>
-          </p:cNvSpPr>
-          <p:nvPr>
-            <p:ph type="pic" idx="13"/>
-          </p:nvPr>
-        </p:nvSpPr>
-        <p:spPr/>
+          <p:cNvPr id="3" name="Content Placeholder 2"/>
+          <p:cNvSpPr>
+            <a:spLocks noGrp="1"/>
+          </p:cNvSpPr>
+          <p:nvPr>
+            <p:ph idx="1"/>
+          </p:nvPr>
+        </p:nvSpPr>
+        <p:spPr/>
+        <p:txBody>
+          <a:bodyPr/>
+          <a:lstStyle/>
+          <a:p>
+            <a:r>
+              <a:rPr lang="en-US" dirty="0" smtClean="0"/>
+              <a:t>2 basic types: </a:t>
+            </a:r>
+            <a:r>
+              <a:rPr lang="en-US" dirty="0" smtClean="0">
+                <a:hlinkClick r:id="rId3"/>
+              </a:rPr>
+              <a:t>core</a:t>
+            </a:r>
+            <a:r>
+              <a:rPr lang="en-US" dirty="0" smtClean="0"/>
+              <a:t> (built-in) and user-defined (UDF)</a:t>
+            </a:r>
+          </a:p>
+          <a:p>
+            <a:r>
+              <a:rPr lang="en-US" dirty="0" smtClean="0"/>
+              <a:t>Can define custom using </a:t>
+            </a:r>
+            <a:r>
+              <a:rPr lang="en-US" sz="2000" dirty="0" smtClean="0">
+                <a:latin typeface="Courier New"/>
+                <a:cs typeface="Courier New"/>
+              </a:rPr>
+              <a:t>&lt;</a:t>
+            </a:r>
+            <a:r>
+              <a:rPr lang="en-US" sz="2000" dirty="0" err="1" smtClean="0">
+                <a:latin typeface="Courier New"/>
+                <a:cs typeface="Courier New"/>
+              </a:rPr>
+              <a:t>cffunction</a:t>
+            </a:r>
+            <a:r>
+              <a:rPr lang="en-US" sz="2000" dirty="0" smtClean="0">
+                <a:latin typeface="Courier New"/>
+                <a:cs typeface="Courier New"/>
+              </a:rPr>
+              <a:t> …&gt; </a:t>
+            </a:r>
+            <a:r>
+              <a:rPr lang="en-US" dirty="0" smtClean="0"/>
+              <a:t>or CFCs</a:t>
+            </a:r>
+          </a:p>
+          <a:p>
+            <a:r>
+              <a:rPr lang="en-US" dirty="0" smtClean="0"/>
+              <a:t>Might return a value, output something, or both</a:t>
+            </a:r>
+          </a:p>
+          <a:p>
+            <a:r>
+              <a:rPr lang="en-US" dirty="0" smtClean="0"/>
+              <a:t>Syntax</a:t>
+            </a:r>
+          </a:p>
+          <a:p>
+            <a:pPr lvl="1"/>
+            <a:r>
+              <a:rPr lang="en-US" sz="2000" dirty="0" err="1" smtClean="0">
+                <a:latin typeface="Courier New"/>
+                <a:cs typeface="Courier New"/>
+              </a:rPr>
+              <a:t>FunctionName</a:t>
+            </a:r>
+            <a:r>
+              <a:rPr lang="en-US" sz="2000" dirty="0" smtClean="0">
+                <a:latin typeface="Courier New"/>
+                <a:cs typeface="Courier New"/>
+              </a:rPr>
+              <a:t>(“Miles”, 28)</a:t>
+            </a:r>
+          </a:p>
+          <a:p>
+            <a:pPr lvl="1"/>
+            <a:r>
+              <a:rPr lang="en-US" sz="2000" dirty="0" err="1" smtClean="0">
+                <a:latin typeface="Courier New"/>
+                <a:cs typeface="Courier New"/>
+              </a:rPr>
+              <a:t>FunctionName</a:t>
+            </a:r>
+            <a:r>
+              <a:rPr lang="en-US" sz="2000" dirty="0" smtClean="0">
+                <a:latin typeface="Courier New"/>
+                <a:cs typeface="Courier New"/>
+              </a:rPr>
+              <a:t>(name = “Miles”, age = 28)</a:t>
+            </a:r>
+          </a:p>
+          <a:p>
+            <a:pPr lvl="1"/>
+            <a:r>
+              <a:rPr lang="en-US" sz="2000" dirty="0" err="1" smtClean="0">
+                <a:latin typeface="Courier New"/>
+                <a:cs typeface="Courier New"/>
+              </a:rPr>
+              <a:t>FunctionName</a:t>
+            </a:r>
+            <a:r>
+              <a:rPr lang="en-US" sz="2000" dirty="0" smtClean="0">
+                <a:latin typeface="Courier New"/>
+                <a:cs typeface="Courier New"/>
+              </a:rPr>
+              <a:t>(</a:t>
+            </a:r>
+            <a:r>
+              <a:rPr lang="en-US" sz="2000" dirty="0" err="1" smtClean="0">
+                <a:latin typeface="Courier New"/>
+                <a:cs typeface="Courier New"/>
+              </a:rPr>
+              <a:t>argumentcollection</a:t>
+            </a:r>
+            <a:r>
+              <a:rPr lang="en-US" sz="2000" dirty="0" smtClean="0">
+                <a:latin typeface="Courier New"/>
+                <a:cs typeface="Courier New"/>
+              </a:rPr>
+              <a:t> = </a:t>
+            </a:r>
+            <a:r>
+              <a:rPr lang="en-US" sz="2000" dirty="0" err="1" smtClean="0">
+                <a:latin typeface="Courier New"/>
+                <a:cs typeface="Courier New"/>
+              </a:rPr>
+              <a:t>argsStruct</a:t>
+            </a:r>
+            <a:r>
+              <a:rPr lang="en-US" sz="2000" dirty="0" smtClean="0">
+                <a:latin typeface="Courier New"/>
+                <a:cs typeface="Courier New"/>
+              </a:rPr>
+              <a:t>)</a:t>
+            </a:r>
+            <a:endParaRPr lang="en-US" sz="2000" dirty="0">
+              <a:latin typeface="Courier New"/>
+              <a:cs typeface="Courier New"/>
+            </a:endParaRPr>
+          </a:p>
+        </p:txBody>
       </p:sp>
     </p:spTree>
     <p:extLst>
       <p:ext uri="{BB962C8B-B14F-4D97-AF65-F5344CB8AC3E}">
-        <p14:creationId xmlns:p14="http://schemas.microsoft.com/office/powerpoint/2010/main" val="2368212209"/>
+        <p14:creationId xmlns:p14="http://schemas.microsoft.com/office/powerpoint/2010/main" val="1785793510"/>
       </p:ext>
     </p:extLst>
   </p:cSld>
@@ -11529,7 +11689,7 @@
       </p:grpSpPr>
       <p:sp>
         <p:nvSpPr>
-          <p:cNvPr id="5" name="Title 4"/>
+          <p:cNvPr id="2" name="Title 1"/>
           <p:cNvSpPr>
             <a:spLocks noGrp="1"/>
           </p:cNvSpPr>
@@ -11543,82 +11703,112 @@
           <a:lstStyle/>
           <a:p>
             <a:r>
-              <a:rPr lang="en-US" sz="4400" dirty="0" smtClean="0">
-                <a:latin typeface="Courier New"/>
-                <a:cs typeface="Courier New"/>
-              </a:rPr>
-              <a:t>&lt;</a:t>
-            </a:r>
-            <a:r>
-              <a:rPr lang="en-US" sz="4400" dirty="0" err="1" smtClean="0">
-                <a:latin typeface="Courier New"/>
-                <a:cs typeface="Courier New"/>
+              <a:rPr lang="en-US" dirty="0" smtClean="0"/>
+              <a:t>Core Functions</a:t>
+            </a:r>
+            <a:endParaRPr lang="en-US" dirty="0"/>
+          </a:p>
+        </p:txBody>
+      </p:sp>
+      <p:sp>
+        <p:nvSpPr>
+          <p:cNvPr id="3" name="Content Placeholder 2"/>
+          <p:cNvSpPr>
+            <a:spLocks noGrp="1"/>
+          </p:cNvSpPr>
+          <p:nvPr>
+            <p:ph idx="1"/>
+          </p:nvPr>
+        </p:nvSpPr>
+        <p:spPr/>
+        <p:txBody>
+          <a:bodyPr/>
+          <a:lstStyle/>
+          <a:p>
+            <a:r>
+              <a:rPr lang="en-US" dirty="0" smtClean="0"/>
+              <a:t>There are </a:t>
+            </a:r>
+            <a:r>
+              <a:rPr lang="en-US" dirty="0" smtClean="0">
                 <a:hlinkClick r:id="rId2"/>
               </a:rPr>
-              <a:t>cfscript</a:t>
-            </a:r>
-            <a:r>
-              <a:rPr lang="en-US" sz="4400" dirty="0" smtClean="0">
-                <a:latin typeface="Courier New"/>
-                <a:cs typeface="Courier New"/>
-              </a:rPr>
-              <a:t>&gt;</a:t>
-            </a:r>
-            <a:endParaRPr lang="en-US" sz="4400" dirty="0">
-              <a:latin typeface="Courier New"/>
-              <a:cs typeface="Courier New"/>
-            </a:endParaRPr>
-          </a:p>
-        </p:txBody>
-      </p:sp>
-      <p:sp>
-        <p:nvSpPr>
-          <p:cNvPr id="6" name="Content Placeholder 5"/>
-          <p:cNvSpPr>
-            <a:spLocks noGrp="1"/>
-          </p:cNvSpPr>
-          <p:nvPr>
-            <p:ph idx="1"/>
-          </p:nvPr>
-        </p:nvSpPr>
-        <p:spPr/>
-        <p:txBody>
-          <a:bodyPr/>
-          <a:lstStyle/>
-          <a:p>
-            <a:r>
-              <a:rPr lang="en-US" dirty="0" smtClean="0"/>
-              <a:t>An entire ECMA-style scripting language</a:t>
-            </a:r>
-          </a:p>
-          <a:p>
-            <a:r>
-              <a:rPr lang="en-US" dirty="0" smtClean="0"/>
-              <a:t>Removes dependency on tag-based markup</a:t>
-            </a:r>
-          </a:p>
-          <a:p>
-            <a:r>
-              <a:rPr lang="en-US" dirty="0" smtClean="0"/>
-              <a:t>Feels “more at home” or “cleaner” for some developers</a:t>
-            </a:r>
-          </a:p>
-          <a:p>
-            <a:r>
-              <a:rPr lang="en-US" dirty="0" smtClean="0"/>
-              <a:t>Can be used amongst tag-based CFML</a:t>
-            </a:r>
-          </a:p>
-          <a:p>
+              <a:t>a ton</a:t>
+            </a:r>
+            <a:endParaRPr lang="en-US" dirty="0" smtClean="0"/>
+          </a:p>
+          <a:p>
+            <a:r>
+              <a:rPr lang="en-US" dirty="0" smtClean="0"/>
+              <a:t>Some replicate tag functionality</a:t>
+            </a:r>
+          </a:p>
+          <a:p>
+            <a:pPr lvl="1"/>
+            <a:r>
+              <a:rPr lang="en-US" dirty="0" err="1" smtClean="0">
+                <a:hlinkClick r:id="rId3"/>
+              </a:rPr>
+              <a:t>WriteOutput</a:t>
+            </a:r>
+            <a:r>
+              <a:rPr lang="en-US" dirty="0" smtClean="0"/>
+              <a:t>(), </a:t>
+            </a:r>
+            <a:r>
+              <a:rPr lang="en-US" dirty="0" err="1" smtClean="0">
+                <a:hlinkClick r:id="rId4"/>
+              </a:rPr>
+              <a:t>WriteDump</a:t>
+            </a:r>
+            <a:r>
+              <a:rPr lang="en-US" dirty="0" smtClean="0"/>
+              <a:t>()</a:t>
+            </a:r>
+          </a:p>
+          <a:p>
+            <a:r>
+              <a:rPr lang="en-US" dirty="0" smtClean="0"/>
+              <a:t>Some stand alone</a:t>
+            </a:r>
+          </a:p>
+          <a:p>
+            <a:pPr lvl="1"/>
             <a:r>
               <a:rPr lang="en-US" dirty="0" smtClean="0">
-                <a:hlinkClick r:id="rId3"/>
-              </a:rPr>
-              <a:t>Learn more</a:t>
-            </a:r>
-            <a:r>
-              <a:rPr lang="en-US" dirty="0" smtClean="0"/>
-              <a:t>.</a:t>
+                <a:hlinkClick r:id="rId5"/>
+              </a:rPr>
+              <a:t>URLEncodedFormat</a:t>
+            </a:r>
+            <a:r>
+              <a:rPr lang="en-US" dirty="0" smtClean="0"/>
+              <a:t>(), </a:t>
+            </a:r>
+            <a:r>
+              <a:rPr lang="en-US" dirty="0" smtClean="0">
+                <a:hlinkClick r:id="rId6"/>
+              </a:rPr>
+              <a:t>Hash</a:t>
+            </a:r>
+            <a:r>
+              <a:rPr lang="en-US" dirty="0" smtClean="0"/>
+              <a:t>(), </a:t>
+            </a:r>
+            <a:r>
+              <a:rPr lang="en-US" dirty="0" smtClean="0">
+                <a:hlinkClick r:id="rId7"/>
+              </a:rPr>
+              <a:t>CreateTimespan</a:t>
+            </a:r>
+            <a:r>
+              <a:rPr lang="en-US" dirty="0" smtClean="0"/>
+              <a:t>()</a:t>
+            </a:r>
+          </a:p>
+          <a:p>
+            <a:r>
+              <a:rPr lang="en-US" dirty="0" smtClean="0"/>
+              <a:t>Usually return value and doesn’t output</a:t>
             </a:r>
             <a:endParaRPr lang="en-US" dirty="0"/>
           </a:p>
@@ -11627,7 +11817,7 @@
     </p:spTree>
     <p:extLst>
       <p:ext uri="{BB962C8B-B14F-4D97-AF65-F5344CB8AC3E}">
-        <p14:creationId xmlns:p14="http://schemas.microsoft.com/office/powerpoint/2010/main" val="815495905"/>
+        <p14:creationId xmlns:p14="http://schemas.microsoft.com/office/powerpoint/2010/main" val="1392956625"/>
       </p:ext>
     </p:extLst>
   </p:cSld>
@@ -11814,7 +12004,7 @@
           <a:p>
             <a:r>
               <a:rPr lang="en-US" dirty="0" smtClean="0"/>
-              <a:t>Functions</a:t>
+              <a:t>UDFs</a:t>
             </a:r>
             <a:endParaRPr lang="en-US" dirty="0"/>
           </a:p>
@@ -11836,152 +12026,154 @@
           <a:lstStyle/>
           <a:p>
             <a:r>
-              <a:rPr lang="en-US" dirty="0" smtClean="0"/>
-              <a:t>2 basic types: </a:t>
-            </a:r>
-            <a:r>
-              <a:rPr lang="en-US" dirty="0" smtClean="0">
+              <a:rPr lang="en-US" sz="2000" dirty="0" smtClean="0">
+                <a:latin typeface="Courier New"/>
+                <a:cs typeface="Courier New"/>
+              </a:rPr>
+              <a:t>&lt;</a:t>
+            </a:r>
+            <a:r>
+              <a:rPr lang="en-US" sz="2000" dirty="0" smtClean="0">
+                <a:latin typeface="Courier New"/>
+                <a:cs typeface="Courier New"/>
+                <a:hlinkClick r:id="rId2"/>
+              </a:rPr>
+              <a:t>cffunction</a:t>
+            </a:r>
+            <a:r>
+              <a:rPr lang="en-US" sz="2000" dirty="0" smtClean="0">
+                <a:latin typeface="Courier New"/>
+                <a:cs typeface="Courier New"/>
+              </a:rPr>
+              <a:t> name=“NAME” access=“ACCESS” </a:t>
+            </a:r>
+            <a:r>
+              <a:rPr lang="en-US" sz="2000" dirty="0" err="1" smtClean="0">
+                <a:latin typeface="Courier New"/>
+                <a:cs typeface="Courier New"/>
+              </a:rPr>
+              <a:t>returntype</a:t>
+            </a:r>
+            <a:r>
+              <a:rPr lang="en-US" sz="2000" dirty="0" smtClean="0">
+                <a:latin typeface="Courier New"/>
+                <a:cs typeface="Courier New"/>
+              </a:rPr>
+              <a:t>=“VARIABLE TYPE”&gt;</a:t>
+            </a:r>
+          </a:p>
+          <a:p>
+            <a:pPr lvl="1"/>
+            <a:r>
+              <a:rPr lang="en-US" sz="2000" dirty="0" smtClean="0"/>
+              <a:t>Access: public, private, package, remote</a:t>
+            </a:r>
+          </a:p>
+          <a:p>
+            <a:r>
+              <a:rPr lang="en-US" sz="2000" dirty="0" smtClean="0">
+                <a:latin typeface="Courier New"/>
+                <a:cs typeface="Courier New"/>
+              </a:rPr>
+              <a:t>&lt;</a:t>
+            </a:r>
+            <a:r>
+              <a:rPr lang="en-US" sz="2000" dirty="0">
+                <a:latin typeface="Courier New"/>
+                <a:cs typeface="Courier New"/>
                 <a:hlinkClick r:id="rId3"/>
               </a:rPr>
-              <a:t>core</a:t>
-            </a:r>
-            <a:r>
-              <a:rPr lang="en-US" dirty="0" smtClean="0"/>
-              <a:t> (built-in) and user-defined (UDF)</a:t>
-            </a:r>
-          </a:p>
-          <a:p>
-            <a:r>
-              <a:rPr lang="en-US" dirty="0" smtClean="0"/>
-              <a:t>Can define custom using </a:t>
+              <a:t>cfargument</a:t>
+            </a:r>
+            <a:r>
+              <a:rPr lang="en-US" sz="2000" dirty="0">
+                <a:latin typeface="Courier New"/>
+                <a:cs typeface="Courier New"/>
+              </a:rPr>
+              <a:t> name=“NAME” required=“BOOLEAN” type=“VARIABLE TYPE” default=“VALUE”</a:t>
             </a:r>
             <a:r>
               <a:rPr lang="en-US" sz="2000" dirty="0" smtClean="0">
                 <a:latin typeface="Courier New"/>
                 <a:cs typeface="Courier New"/>
               </a:rPr>
-              <a:t>&lt;</a:t>
-            </a:r>
-            <a:r>
-              <a:rPr lang="en-US" sz="2000" dirty="0" err="1" smtClean="0">
-                <a:latin typeface="Courier New"/>
-                <a:cs typeface="Courier New"/>
-              </a:rPr>
-              <a:t>cffunction</a:t>
-            </a:r>
-            <a:r>
-              <a:rPr lang="en-US" sz="2000" dirty="0" smtClean="0">
-                <a:latin typeface="Courier New"/>
-                <a:cs typeface="Courier New"/>
-              </a:rPr>
-              <a:t> …&gt; </a:t>
-            </a:r>
-            <a:r>
-              <a:rPr lang="en-US" dirty="0" smtClean="0"/>
-              <a:t>or CFCs</a:t>
-            </a:r>
-          </a:p>
-          <a:p>
-            <a:r>
-              <a:rPr lang="en-US" dirty="0" smtClean="0"/>
-              <a:t>Might return a value, output something, or both</a:t>
-            </a:r>
-          </a:p>
-          <a:p>
-            <a:r>
-              <a:rPr lang="en-US" dirty="0" smtClean="0"/>
-              <a:t>Syntax</a:t>
+              <a:t>&gt;</a:t>
             </a:r>
           </a:p>
           <a:p>
             <a:pPr lvl="1"/>
             <a:r>
-              <a:rPr lang="en-US" sz="2000" dirty="0" err="1" smtClean="0">
-                <a:latin typeface="Courier New"/>
-                <a:cs typeface="Courier New"/>
-              </a:rPr>
-              <a:t>FunctionName</a:t>
-            </a:r>
-            <a:r>
-              <a:rPr lang="en-US" sz="2000" dirty="0" smtClean="0">
-                <a:latin typeface="Courier New"/>
-                <a:cs typeface="Courier New"/>
-              </a:rPr>
-              <a:t>(“Miles”, 28)</a:t>
-            </a:r>
-          </a:p>
-          <a:p>
-            <a:pPr lvl="1"/>
-            <a:r>
-              <a:rPr lang="en-US" sz="2000" dirty="0" err="1" smtClean="0">
-                <a:latin typeface="Courier New"/>
-                <a:cs typeface="Courier New"/>
-              </a:rPr>
-              <a:t>FunctionName</a:t>
-            </a:r>
-            <a:r>
-              <a:rPr lang="en-US" sz="2000" dirty="0" smtClean="0">
-                <a:latin typeface="Courier New"/>
-                <a:cs typeface="Courier New"/>
-              </a:rPr>
-              <a:t>(name = “Miles”, age = 28)</a:t>
-            </a:r>
-          </a:p>
-          <a:p>
-            <a:pPr lvl="1"/>
-            <a:r>
-              <a:rPr lang="en-US" sz="2000" dirty="0" err="1" smtClean="0">
-                <a:latin typeface="Courier New"/>
-                <a:cs typeface="Courier New"/>
-              </a:rPr>
-              <a:t>FunctionName</a:t>
-            </a:r>
-            <a:r>
-              <a:rPr lang="en-US" sz="2000" dirty="0" smtClean="0">
-                <a:latin typeface="Courier New"/>
-                <a:cs typeface="Courier New"/>
-              </a:rPr>
-              <a:t>(</a:t>
-            </a:r>
-            <a:r>
-              <a:rPr lang="en-US" sz="2000" dirty="0" err="1" smtClean="0">
-                <a:latin typeface="Courier New"/>
-                <a:cs typeface="Courier New"/>
-              </a:rPr>
-              <a:t>argumentcollection</a:t>
-            </a:r>
-            <a:r>
-              <a:rPr lang="en-US" sz="2000" dirty="0" smtClean="0">
-                <a:latin typeface="Courier New"/>
-                <a:cs typeface="Courier New"/>
-              </a:rPr>
-              <a:t> = </a:t>
-            </a:r>
-            <a:r>
-              <a:rPr lang="en-US" sz="2000" dirty="0" err="1" smtClean="0">
-                <a:latin typeface="Courier New"/>
-                <a:cs typeface="Courier New"/>
-              </a:rPr>
-              <a:t>argsStruct</a:t>
-            </a:r>
-            <a:r>
-              <a:rPr lang="en-US" sz="2000" dirty="0" smtClean="0">
-                <a:latin typeface="Courier New"/>
-                <a:cs typeface="Courier New"/>
-              </a:rPr>
-              <a:t>)</a:t>
-            </a:r>
-            <a:endParaRPr lang="en-US" sz="2000" dirty="0">
+              <a:rPr lang="en-US" sz="2000" dirty="0"/>
+              <a:t>Exposes a special arguments </a:t>
+            </a:r>
+            <a:r>
+              <a:rPr lang="en-US" sz="2000" dirty="0" smtClean="0"/>
+              <a:t>scope</a:t>
+            </a:r>
+            <a:endParaRPr lang="en-US" sz="2000" dirty="0" smtClean="0">
               <a:latin typeface="Courier New"/>
               <a:cs typeface="Courier New"/>
             </a:endParaRPr>
           </a:p>
+          <a:p>
+            <a:r>
+              <a:rPr lang="en-US" sz="2000" dirty="0">
+                <a:latin typeface="Courier New"/>
+                <a:cs typeface="Courier New"/>
+              </a:rPr>
+              <a:t>&lt;</a:t>
+            </a:r>
+            <a:r>
+              <a:rPr lang="en-US" sz="2000" dirty="0">
+                <a:latin typeface="Courier New"/>
+                <a:cs typeface="Courier New"/>
+                <a:hlinkClick r:id="rId4"/>
+              </a:rPr>
+              <a:t>cfreturn</a:t>
+            </a:r>
+            <a:r>
+              <a:rPr lang="en-US" sz="2000" dirty="0">
+                <a:latin typeface="Courier New"/>
+                <a:cs typeface="Courier New"/>
+              </a:rPr>
+              <a:t> VAL</a:t>
+            </a:r>
+            <a:r>
+              <a:rPr lang="en-US" sz="2000" dirty="0" smtClean="0">
+                <a:latin typeface="Courier New"/>
+                <a:cs typeface="Courier New"/>
+              </a:rPr>
+              <a:t>&gt;</a:t>
+            </a:r>
+          </a:p>
+          <a:p>
+            <a:pPr lvl="1"/>
+            <a:r>
+              <a:rPr lang="en-US" sz="2000" dirty="0" smtClean="0">
+                <a:cs typeface="Courier New"/>
+              </a:rPr>
+              <a:t>VAL should match “</a:t>
+            </a:r>
+            <a:r>
+              <a:rPr lang="en-US" sz="2000" dirty="0" err="1" smtClean="0">
+                <a:cs typeface="Courier New"/>
+              </a:rPr>
+              <a:t>returntype</a:t>
+            </a:r>
+            <a:r>
+              <a:rPr lang="en-US" sz="2000" dirty="0" smtClean="0">
+                <a:cs typeface="Courier New"/>
+              </a:rPr>
+              <a:t>” above</a:t>
+            </a:r>
+            <a:endParaRPr lang="en-US" sz="2000" dirty="0"/>
+          </a:p>
         </p:txBody>
       </p:sp>
     </p:spTree>
     <p:extLst>
       <p:ext uri="{BB962C8B-B14F-4D97-AF65-F5344CB8AC3E}">
-        <p14:creationId xmlns:p14="http://schemas.microsoft.com/office/powerpoint/2010/main" val="1785793510"/>
+        <p14:creationId xmlns:p14="http://schemas.microsoft.com/office/powerpoint/2010/main" val="344482261"/>
       </p:ext>
     </p:extLst>
   </p:cSld>
@@ -12010,22 +12202,22 @@
       </p:grpSpPr>
       <p:sp>
         <p:nvSpPr>
-          <p:cNvPr id="2" name="Title 1"/>
-          <p:cNvSpPr>
-            <a:spLocks noGrp="1"/>
-          </p:cNvSpPr>
-          <p:nvPr>
-            <p:ph type="title"/>
-          </p:nvPr>
-        </p:nvSpPr>
-        <p:spPr/>
-        <p:txBody>
-          <a:bodyPr/>
-          <a:lstStyle/>
-          <a:p>
-            <a:r>
-              <a:rPr lang="en-US" dirty="0" smtClean="0"/>
-              <a:t>Core Functions</a:t>
+          <p:cNvPr id="4" name="Title 3"/>
+          <p:cNvSpPr>
+            <a:spLocks noGrp="1"/>
+          </p:cNvSpPr>
+          <p:nvPr>
+            <p:ph type="ctrTitle"/>
+          </p:nvPr>
+        </p:nvSpPr>
+        <p:spPr/>
+        <p:txBody>
+          <a:bodyPr/>
+          <a:lstStyle/>
+          <a:p>
+            <a:r>
+              <a:rPr lang="en-US" dirty="0" smtClean="0"/>
+              <a:t>Demo 04</a:t>
             </a:r>
             <a:endParaRPr lang="en-US" dirty="0"/>
           </a:p>
@@ -12033,112 +12225,39 @@
       </p:sp>
       <p:sp>
         <p:nvSpPr>
-          <p:cNvPr id="3" name="Content Placeholder 2"/>
-          <p:cNvSpPr>
-            <a:spLocks noGrp="1"/>
-          </p:cNvSpPr>
-          <p:nvPr>
-            <p:ph idx="1"/>
-          </p:nvPr>
-        </p:nvSpPr>
-        <p:spPr/>
-        <p:txBody>
-          <a:bodyPr/>
-          <a:lstStyle/>
-          <a:p>
-            <a:r>
-              <a:rPr lang="en-US" dirty="0" smtClean="0"/>
-              <a:t>There are </a:t>
-            </a:r>
-            <a:r>
-              <a:rPr lang="en-US" dirty="0" smtClean="0">
-                <a:hlinkClick r:id="rId2"/>
-              </a:rPr>
-              <a:t>a ton</a:t>
-            </a:r>
-            <a:endParaRPr lang="en-US" dirty="0" smtClean="0"/>
-          </a:p>
-          <a:p>
-            <a:r>
-              <a:rPr lang="en-US" dirty="0" smtClean="0"/>
-              <a:t>Some replicate tag functionality</a:t>
-            </a:r>
-          </a:p>
-          <a:p>
-            <a:pPr lvl="1"/>
-            <a:r>
-              <a:rPr lang="en-US" dirty="0" err="1" smtClean="0">
-                <a:hlinkClick r:id="rId3"/>
-              </a:rPr>
-              <a:t>WriteOutput</a:t>
-            </a:r>
-            <a:r>
-              <a:rPr lang="en-US" dirty="0" smtClean="0"/>
-              <a:t>(), </a:t>
-            </a:r>
-            <a:r>
-              <a:rPr lang="en-US" dirty="0" err="1" smtClean="0">
-                <a:hlinkClick r:id="rId4"/>
-              </a:rPr>
-              <a:t>WriteDump</a:t>
-            </a:r>
-            <a:r>
-              <a:rPr lang="en-US" dirty="0" smtClean="0"/>
-              <a:t>()</a:t>
-            </a:r>
-          </a:p>
-          <a:p>
-            <a:r>
-              <a:rPr lang="en-US" dirty="0" smtClean="0"/>
-              <a:t>Some stand alone</a:t>
-            </a:r>
-          </a:p>
-          <a:p>
-            <a:pPr lvl="1"/>
-            <a:r>
-              <a:rPr lang="en-US" dirty="0" smtClean="0">
-                <a:hlinkClick r:id="rId5"/>
-              </a:rPr>
-              <a:t>URLEncodedFormat</a:t>
-            </a:r>
-            <a:r>
-              <a:rPr lang="en-US" dirty="0" smtClean="0"/>
-              <a:t>(), </a:t>
-            </a:r>
-            <a:r>
-              <a:rPr lang="en-US" dirty="0" smtClean="0">
-                <a:hlinkClick r:id="rId6"/>
-              </a:rPr>
-              <a:t>Hash</a:t>
-            </a:r>
-            <a:r>
-              <a:rPr lang="en-US" dirty="0" smtClean="0"/>
-              <a:t>(), </a:t>
-            </a:r>
-            <a:r>
-              <a:rPr lang="en-US" dirty="0" smtClean="0">
-                <a:hlinkClick r:id="rId7"/>
-              </a:rPr>
-              <a:t>CreateTimespan</a:t>
-            </a:r>
-            <a:r>
-              <a:rPr lang="en-US" dirty="0" smtClean="0"/>
-              <a:t>()</a:t>
-            </a:r>
-          </a:p>
-          <a:p>
-            <a:r>
-              <a:rPr lang="en-US" dirty="0" smtClean="0"/>
-              <a:t>Usually return value and doesn’t output</a:t>
-            </a:r>
-            <a:endParaRPr lang="en-US" dirty="0"/>
-          </a:p>
-        </p:txBody>
+          <p:cNvPr id="5" name="Subtitle 4"/>
+          <p:cNvSpPr>
+            <a:spLocks noGrp="1"/>
+          </p:cNvSpPr>
+          <p:nvPr>
+            <p:ph type="subTitle" idx="1"/>
+          </p:nvPr>
+        </p:nvSpPr>
+        <p:spPr/>
+        <p:txBody>
+          <a:bodyPr/>
+          <a:lstStyle/>
+          <a:p>
+            <a:endParaRPr lang="en-US"/>
+          </a:p>
+        </p:txBody>
+      </p:sp>
+      <p:sp>
+        <p:nvSpPr>
+          <p:cNvPr id="6" name="Picture Placeholder 5"/>
+          <p:cNvSpPr>
+            <a:spLocks noGrp="1"/>
+          </p:cNvSpPr>
+          <p:nvPr>
+            <p:ph type="pic" idx="13"/>
+          </p:nvPr>
+        </p:nvSpPr>
+        <p:spPr/>
       </p:sp>
     </p:spTree>
     <p:extLst>
       <p:ext uri="{BB962C8B-B14F-4D97-AF65-F5344CB8AC3E}">
-        <p14:creationId xmlns:p14="http://schemas.microsoft.com/office/powerpoint/2010/main" val="1392956625"/>
+        <p14:creationId xmlns:p14="http://schemas.microsoft.com/office/powerpoint/2010/main" val="4245153542"/>
       </p:ext>
     </p:extLst>
   </p:cSld>
@@ -12167,7 +12286,7 @@
       </p:grpSpPr>
       <p:sp>
         <p:nvSpPr>
-          <p:cNvPr id="2" name="Title 1"/>
+          <p:cNvPr id="5" name="Title 4"/>
           <p:cNvSpPr>
             <a:spLocks noGrp="1"/>
           </p:cNvSpPr>
@@ -12182,176 +12301,103 @@
           <a:p>
             <a:r>
               <a:rPr lang="en-US" dirty="0" smtClean="0"/>
+              <a:t>Modularity</a:t>
+            </a:r>
+            <a:endParaRPr lang="en-US" dirty="0"/>
+          </a:p>
+        </p:txBody>
+      </p:sp>
+      <p:sp>
+        <p:nvSpPr>
+          <p:cNvPr id="6" name="Content Placeholder 5"/>
+          <p:cNvSpPr>
+            <a:spLocks noGrp="1"/>
+          </p:cNvSpPr>
+          <p:nvPr>
+            <p:ph idx="1"/>
+          </p:nvPr>
+        </p:nvSpPr>
+        <p:spPr/>
+        <p:txBody>
+          <a:bodyPr/>
+          <a:lstStyle/>
+          <a:p>
+            <a:r>
+              <a:rPr lang="en-US" dirty="0" smtClean="0"/>
+              <a:t>&lt;</a:t>
+            </a:r>
+            <a:r>
+              <a:rPr lang="en-US" dirty="0" smtClean="0">
+                <a:hlinkClick r:id="rId3"/>
+              </a:rPr>
+              <a:t>cfinclude</a:t>
+            </a:r>
+            <a:r>
+              <a:rPr lang="en-US" dirty="0" smtClean="0"/>
+              <a:t> template=“REAL PATH”&gt;</a:t>
+            </a:r>
+          </a:p>
+          <a:p>
+            <a:pPr lvl="1"/>
+            <a:r>
+              <a:rPr lang="en-US" dirty="0" smtClean="0"/>
+              <a:t>Executes the template into your page</a:t>
+            </a:r>
+          </a:p>
+          <a:p>
+            <a:r>
+              <a:rPr lang="en-US" dirty="0" smtClean="0"/>
+              <a:t>Custom Tags</a:t>
+            </a:r>
+          </a:p>
+          <a:p>
+            <a:pPr lvl="1"/>
+            <a:r>
+              <a:rPr lang="en-US" dirty="0" smtClean="0"/>
+              <a:t>&lt;</a:t>
+            </a:r>
+            <a:r>
+              <a:rPr lang="en-US" dirty="0" err="1" smtClean="0"/>
+              <a:t>cf_mycustomtag</a:t>
+            </a:r>
+            <a:r>
+              <a:rPr lang="en-US" dirty="0" smtClean="0"/>
+              <a:t> ...&gt;</a:t>
+            </a:r>
+          </a:p>
+          <a:p>
+            <a:pPr lvl="1"/>
+            <a:r>
+              <a:rPr lang="en-US" dirty="0" smtClean="0"/>
+              <a:t>Must drop custom tag into custom tags folder</a:t>
+            </a:r>
+          </a:p>
+          <a:p>
+            <a:r>
+              <a:rPr lang="en-US" dirty="0" smtClean="0"/>
               <a:t>UDFs</a:t>
             </a:r>
+          </a:p>
+          <a:p>
+            <a:r>
+              <a:rPr lang="en-US" dirty="0" smtClean="0"/>
+              <a:t>ColdFusion Components (CFCs)</a:t>
+            </a:r>
+          </a:p>
+          <a:p>
+            <a:pPr lvl="1"/>
+            <a:r>
+              <a:rPr lang="en-US" dirty="0" smtClean="0"/>
+              <a:t>Can be collection of UDFs or an object</a:t>
+            </a:r>
             <a:endParaRPr lang="en-US" dirty="0"/>
-          </a:p>
-        </p:txBody>
-      </p:sp>
-      <p:sp>
-        <p:nvSpPr>
-          <p:cNvPr id="3" name="Content Placeholder 2"/>
-          <p:cNvSpPr>
-            <a:spLocks noGrp="1"/>
-          </p:cNvSpPr>
-          <p:nvPr>
-            <p:ph idx="1"/>
-          </p:nvPr>
-        </p:nvSpPr>
-        <p:spPr/>
-        <p:txBody>
-          <a:bodyPr/>
-          <a:lstStyle/>
-          <a:p>
-            <a:r>
-              <a:rPr lang="en-US" sz="2000" dirty="0" smtClean="0">
-                <a:latin typeface="Courier New"/>
-                <a:cs typeface="Courier New"/>
-              </a:rPr>
-              <a:t>&lt;</a:t>
-            </a:r>
-            <a:r>
-              <a:rPr lang="en-US" sz="2000" dirty="0" smtClean="0">
-                <a:latin typeface="Courier New"/>
-                <a:cs typeface="Courier New"/>
-                <a:hlinkClick r:id="rId2"/>
-              </a:rPr>
-              <a:t>cffunction</a:t>
-            </a:r>
-            <a:r>
-              <a:rPr lang="en-US" sz="2000" dirty="0" smtClean="0">
-                <a:latin typeface="Courier New"/>
-                <a:cs typeface="Courier New"/>
-              </a:rPr>
-              <a:t> name=“NAME” access=“ACCESS” </a:t>
-            </a:r>
-            <a:r>
-              <a:rPr lang="en-US" sz="2000" dirty="0" err="1" smtClean="0">
-                <a:latin typeface="Courier New"/>
-                <a:cs typeface="Courier New"/>
-              </a:rPr>
-              <a:t>returntype</a:t>
-            </a:r>
-            <a:r>
-              <a:rPr lang="en-US" sz="2000" dirty="0" smtClean="0">
-                <a:latin typeface="Courier New"/>
-                <a:cs typeface="Courier New"/>
-              </a:rPr>
-              <a:t>=“VARIABLE TYPE”&gt;</a:t>
-            </a:r>
-          </a:p>
-          <a:p>
-            <a:pPr lvl="1"/>
-            <a:r>
-              <a:rPr lang="en-US" sz="2000" dirty="0" smtClean="0"/>
-              <a:t>Access: public, private, package, remote</a:t>
-            </a:r>
-          </a:p>
-          <a:p>
-            <a:r>
-              <a:rPr lang="en-US" sz="2000" dirty="0" smtClean="0">
-                <a:latin typeface="Courier New"/>
-                <a:cs typeface="Courier New"/>
-              </a:rPr>
-              <a:t>&lt;</a:t>
-            </a:r>
-            <a:r>
-              <a:rPr lang="en-US" sz="2000" dirty="0">
-                <a:latin typeface="Courier New"/>
-                <a:cs typeface="Courier New"/>
-                <a:hlinkClick r:id="rId3"/>
-              </a:rPr>
-              <a:t>cfargument</a:t>
-            </a:r>
-            <a:r>
-              <a:rPr lang="en-US" sz="2000" dirty="0">
-                <a:latin typeface="Courier New"/>
-                <a:cs typeface="Courier New"/>
-              </a:rPr>
-              <a:t> name=“NAME” required=“BOOLEAN” type=“VARIABLE TYPE” default=“VALUE”</a:t>
-            </a:r>
-            <a:r>
-              <a:rPr lang="en-US" sz="2000" dirty="0" smtClean="0">
-                <a:latin typeface="Courier New"/>
-                <a:cs typeface="Courier New"/>
-              </a:rPr>
-              <a:t>&gt;</a:t>
-            </a:r>
-          </a:p>
-          <a:p>
-            <a:pPr lvl="1"/>
-            <a:r>
-              <a:rPr lang="en-US" sz="2000" dirty="0"/>
-              <a:t>Exposes a special arguments </a:t>
-            </a:r>
-            <a:r>
-              <a:rPr lang="en-US" sz="2000" dirty="0" smtClean="0"/>
-              <a:t>scope</a:t>
-            </a:r>
-            <a:endParaRPr lang="en-US" sz="2000" dirty="0" smtClean="0">
-              <a:latin typeface="Courier New"/>
-              <a:cs typeface="Courier New"/>
-            </a:endParaRPr>
-          </a:p>
-          <a:p>
-            <a:r>
-              <a:rPr lang="en-US" sz="2000" dirty="0">
-                <a:latin typeface="Courier New"/>
-                <a:cs typeface="Courier New"/>
-              </a:rPr>
-              <a:t>&lt;</a:t>
-            </a:r>
-            <a:r>
-              <a:rPr lang="en-US" sz="2000" dirty="0">
-                <a:latin typeface="Courier New"/>
-                <a:cs typeface="Courier New"/>
-                <a:hlinkClick r:id="rId4"/>
-              </a:rPr>
-              <a:t>cfreturn</a:t>
-            </a:r>
-            <a:r>
-              <a:rPr lang="en-US" sz="2000" dirty="0">
-                <a:latin typeface="Courier New"/>
-                <a:cs typeface="Courier New"/>
-              </a:rPr>
-              <a:t> VAL</a:t>
-            </a:r>
-            <a:r>
-              <a:rPr lang="en-US" sz="2000" dirty="0" smtClean="0">
-                <a:latin typeface="Courier New"/>
-                <a:cs typeface="Courier New"/>
-              </a:rPr>
-              <a:t>&gt;</a:t>
-            </a:r>
-          </a:p>
-          <a:p>
-            <a:pPr lvl="1"/>
-            <a:r>
-              <a:rPr lang="en-US" sz="2000" dirty="0" smtClean="0">
-                <a:cs typeface="Courier New"/>
-              </a:rPr>
-              <a:t>VAL should match “</a:t>
-            </a:r>
-            <a:r>
-              <a:rPr lang="en-US" sz="2000" dirty="0" err="1" smtClean="0">
-                <a:cs typeface="Courier New"/>
-              </a:rPr>
-              <a:t>returntype</a:t>
-            </a:r>
-            <a:r>
-              <a:rPr lang="en-US" sz="2000" dirty="0" smtClean="0">
-                <a:cs typeface="Courier New"/>
-              </a:rPr>
-              <a:t>” above</a:t>
-            </a:r>
-            <a:endParaRPr lang="en-US" sz="2000" dirty="0"/>
           </a:p>
         </p:txBody>
       </p:sp>
     </p:spTree>
     <p:extLst>
       <p:ext uri="{BB962C8B-B14F-4D97-AF65-F5344CB8AC3E}">
-        <p14:creationId xmlns:p14="http://schemas.microsoft.com/office/powerpoint/2010/main" val="344482261"/>
+        <p14:creationId xmlns:p14="http://schemas.microsoft.com/office/powerpoint/2010/main" val="2014084714"/>
       </p:ext>
     </p:extLst>
   </p:cSld>
@@ -12380,22 +12426,22 @@
       </p:grpSpPr>
       <p:sp>
         <p:nvSpPr>
-          <p:cNvPr id="4" name="Title 3"/>
-          <p:cNvSpPr>
-            <a:spLocks noGrp="1"/>
-          </p:cNvSpPr>
-          <p:nvPr>
-            <p:ph type="ctrTitle"/>
-          </p:nvPr>
-        </p:nvSpPr>
-        <p:spPr/>
-        <p:txBody>
-          <a:bodyPr/>
-          <a:lstStyle/>
-          <a:p>
-            <a:r>
-              <a:rPr lang="en-US" dirty="0" smtClean="0"/>
-              <a:t>Demo 04</a:t>
+          <p:cNvPr id="2" name="Title 1"/>
+          <p:cNvSpPr>
+            <a:spLocks noGrp="1"/>
+          </p:cNvSpPr>
+          <p:nvPr>
+            <p:ph type="title"/>
+          </p:nvPr>
+        </p:nvSpPr>
+        <p:spPr/>
+        <p:txBody>
+          <a:bodyPr/>
+          <a:lstStyle/>
+          <a:p>
+            <a:r>
+              <a:rPr lang="en-US" dirty="0" smtClean="0"/>
+              <a:t>CFC Syntax</a:t>
             </a:r>
             <a:endParaRPr lang="en-US" dirty="0"/>
           </a:p>
@@ -12403,39 +12449,200 @@
       </p:sp>
       <p:sp>
         <p:nvSpPr>
-          <p:cNvPr id="5" name="Subtitle 4"/>
-          <p:cNvSpPr>
-            <a:spLocks noGrp="1"/>
-          </p:cNvSpPr>
-          <p:nvPr>
-            <p:ph type="subTitle" idx="1"/>
-          </p:nvPr>
-        </p:nvSpPr>
-        <p:spPr/>
-        <p:txBody>
-          <a:bodyPr/>
-          <a:lstStyle/>
-          <a:p>
-            <a:endParaRPr lang="en-US"/>
-          </a:p>
-        </p:txBody>
-      </p:sp>
-      <p:sp>
-        <p:nvSpPr>
-          <p:cNvPr id="6" name="Picture Placeholder 5"/>
-          <p:cNvSpPr>
-            <a:spLocks noGrp="1"/>
-          </p:cNvSpPr>
-          <p:nvPr>
-            <p:ph type="pic" idx="13"/>
-          </p:nvPr>
-        </p:nvSpPr>
-        <p:spPr/>
+          <p:cNvPr id="3" name="Content Placeholder 2"/>
+          <p:cNvSpPr>
+            <a:spLocks noGrp="1"/>
+          </p:cNvSpPr>
+          <p:nvPr>
+            <p:ph idx="1"/>
+          </p:nvPr>
+        </p:nvSpPr>
+        <p:spPr/>
+        <p:txBody>
+          <a:bodyPr>
+            <a:normAutofit lnSpcReduction="10000"/>
+          </a:bodyPr>
+          <a:lstStyle/>
+          <a:p>
+            <a:r>
+              <a:rPr lang="en-US" sz="2000" dirty="0" smtClean="0">
+                <a:latin typeface="Courier New"/>
+                <a:cs typeface="Courier New"/>
+              </a:rPr>
+              <a:t>&lt;</a:t>
+            </a:r>
+            <a:r>
+              <a:rPr lang="en-US" sz="2000" dirty="0" smtClean="0">
+                <a:latin typeface="Courier New"/>
+                <a:cs typeface="Courier New"/>
+                <a:hlinkClick r:id="rId3"/>
+              </a:rPr>
+              <a:t>cfcomponent</a:t>
+            </a:r>
+            <a:r>
+              <a:rPr lang="en-US" sz="2000" dirty="0" smtClean="0">
+                <a:latin typeface="Courier New"/>
+                <a:cs typeface="Courier New"/>
+              </a:rPr>
+              <a:t> output=“BOOLEAN” </a:t>
+            </a:r>
+            <a:r>
+              <a:rPr lang="en-US" sz="2000" dirty="0" err="1" smtClean="0">
+                <a:latin typeface="Courier New"/>
+                <a:cs typeface="Courier New"/>
+              </a:rPr>
+              <a:t>displayname</a:t>
+            </a:r>
+            <a:r>
+              <a:rPr lang="en-US" sz="2000" dirty="0" smtClean="0">
+                <a:latin typeface="Courier New"/>
+                <a:cs typeface="Courier New"/>
+              </a:rPr>
+              <a:t>=“NAME” hint=“STRING” extends=“COMPONENT”&gt;</a:t>
+            </a:r>
+          </a:p>
+          <a:p>
+            <a:pPr lvl="1"/>
+            <a:r>
+              <a:rPr lang="en-US" dirty="0" smtClean="0"/>
+              <a:t>Wraps your CFC</a:t>
+            </a:r>
+          </a:p>
+          <a:p>
+            <a:pPr lvl="1"/>
+            <a:r>
+              <a:rPr lang="en-US" dirty="0"/>
+              <a:t>T</a:t>
+            </a:r>
+            <a:r>
+              <a:rPr lang="en-US" dirty="0" smtClean="0"/>
+              <a:t>ags are optional, most for documentation</a:t>
+            </a:r>
+          </a:p>
+          <a:p>
+            <a:r>
+              <a:rPr lang="en-US" dirty="0" smtClean="0"/>
+              <a:t>Define functions with </a:t>
+            </a:r>
+            <a:r>
+              <a:rPr lang="en-US" sz="2000" dirty="0" smtClean="0">
+                <a:latin typeface="Courier New"/>
+                <a:cs typeface="Courier New"/>
+              </a:rPr>
+              <a:t>&lt;</a:t>
+            </a:r>
+            <a:r>
+              <a:rPr lang="en-US" sz="2000" dirty="0" err="1" smtClean="0">
+                <a:latin typeface="Courier New"/>
+                <a:cs typeface="Courier New"/>
+              </a:rPr>
+              <a:t>cffunction</a:t>
+            </a:r>
+            <a:r>
+              <a:rPr lang="en-US" sz="2000" dirty="0" smtClean="0">
+                <a:latin typeface="Courier New"/>
+                <a:cs typeface="Courier New"/>
+              </a:rPr>
+              <a:t>&gt;</a:t>
+            </a:r>
+            <a:endParaRPr lang="en-US" dirty="0" smtClean="0">
+              <a:latin typeface="Courier New"/>
+              <a:cs typeface="Courier New"/>
+            </a:endParaRPr>
+          </a:p>
+          <a:p>
+            <a:r>
+              <a:rPr lang="en-US" dirty="0" smtClean="0"/>
+              <a:t>Code between </a:t>
+            </a:r>
+            <a:r>
+              <a:rPr lang="en-US" sz="2000" dirty="0" smtClean="0">
+                <a:latin typeface="Courier New"/>
+                <a:cs typeface="Courier New"/>
+              </a:rPr>
+              <a:t>&lt;</a:t>
+            </a:r>
+            <a:r>
+              <a:rPr lang="en-US" sz="2000" dirty="0" err="1" smtClean="0">
+                <a:latin typeface="Courier New"/>
+                <a:cs typeface="Courier New"/>
+              </a:rPr>
+              <a:t>cfcomponent</a:t>
+            </a:r>
+            <a:r>
+              <a:rPr lang="en-US" sz="2000" dirty="0" smtClean="0">
+                <a:latin typeface="Courier New"/>
+                <a:cs typeface="Courier New"/>
+              </a:rPr>
+              <a:t>&gt;</a:t>
+            </a:r>
+            <a:r>
+              <a:rPr lang="en-US" dirty="0" smtClean="0"/>
+              <a:t> and first </a:t>
+            </a:r>
+            <a:r>
+              <a:rPr lang="en-US" sz="2000" dirty="0" smtClean="0">
+                <a:latin typeface="Courier New"/>
+                <a:cs typeface="Courier New"/>
+              </a:rPr>
+              <a:t>&lt;</a:t>
+            </a:r>
+            <a:r>
+              <a:rPr lang="en-US" sz="2000" dirty="0" err="1" smtClean="0">
+                <a:latin typeface="Courier New"/>
+                <a:cs typeface="Courier New"/>
+              </a:rPr>
+              <a:t>cffunction</a:t>
+            </a:r>
+            <a:r>
+              <a:rPr lang="en-US" sz="2000" dirty="0" smtClean="0">
+                <a:latin typeface="Courier New"/>
+                <a:cs typeface="Courier New"/>
+              </a:rPr>
+              <a:t>&gt;</a:t>
+            </a:r>
+            <a:r>
+              <a:rPr lang="en-US" dirty="0" smtClean="0"/>
+              <a:t> acts as “</a:t>
+            </a:r>
+            <a:r>
+              <a:rPr lang="en-US" dirty="0" err="1" smtClean="0"/>
+              <a:t>init</a:t>
+            </a:r>
+            <a:r>
+              <a:rPr lang="en-US" dirty="0" smtClean="0"/>
+              <a:t>()”</a:t>
+            </a:r>
+          </a:p>
+          <a:p>
+            <a:r>
+              <a:rPr lang="en-US" dirty="0" smtClean="0"/>
+              <a:t>Getters / Setters not automatically created</a:t>
+            </a:r>
+          </a:p>
+          <a:p>
+            <a:r>
+              <a:rPr lang="en-US" dirty="0" smtClean="0"/>
+              <a:t>Instantiated using </a:t>
+            </a:r>
+            <a:r>
+              <a:rPr lang="en-US" dirty="0" err="1" smtClean="0">
+                <a:hlinkClick r:id="rId4"/>
+              </a:rPr>
+              <a:t>CreateObject</a:t>
+            </a:r>
+            <a:r>
+              <a:rPr lang="en-US" dirty="0" smtClean="0"/>
+              <a:t>()</a:t>
+            </a:r>
+            <a:endParaRPr lang="en-US" dirty="0"/>
+          </a:p>
+        </p:txBody>
       </p:sp>
     </p:spTree>
     <p:extLst>
       <p:ext uri="{BB962C8B-B14F-4D97-AF65-F5344CB8AC3E}">
-        <p14:creationId xmlns:p14="http://schemas.microsoft.com/office/powerpoint/2010/main" val="4245153542"/>
+        <p14:creationId xmlns:p14="http://schemas.microsoft.com/office/powerpoint/2010/main" val="1769265055"/>
       </p:ext>
     </p:extLst>
   </p:cSld>
@@ -12464,7 +12671,7 @@
       </p:grpSpPr>
       <p:sp>
         <p:nvSpPr>
-          <p:cNvPr id="5" name="Title 4"/>
+          <p:cNvPr id="2" name="Title 1"/>
           <p:cNvSpPr>
             <a:spLocks noGrp="1"/>
           </p:cNvSpPr>
@@ -12479,7 +12686,7 @@
           <a:p>
             <a:r>
               <a:rPr lang="en-US" dirty="0" smtClean="0"/>
-              <a:t>Modularity</a:t>
+              <a:t>CFC Variable Scope</a:t>
             </a:r>
             <a:endParaRPr lang="en-US" dirty="0"/>
           </a:p>
@@ -12487,7 +12694,7 @@
       </p:sp>
       <p:sp>
         <p:nvSpPr>
-          <p:cNvPr id="6" name="Content Placeholder 5"/>
+          <p:cNvPr id="3" name="Content Placeholder 2"/>
           <p:cNvSpPr>
             <a:spLocks noGrp="1"/>
           </p:cNvSpPr>
@@ -12502,80 +12709,64 @@
           <a:p>
             <a:r>
               <a:rPr lang="en-US" dirty="0" smtClean="0"/>
-              <a:t>&lt;</a:t>
-            </a:r>
-            <a:r>
-              <a:rPr lang="en-US" dirty="0" smtClean="0">
-                <a:hlinkClick r:id="rId3"/>
-              </a:rPr>
-              <a:t>cfinclude</a:t>
-            </a:r>
-            <a:r>
-              <a:rPr lang="en-US" dirty="0" smtClean="0"/>
-              <a:t> template=“REAL PATH”&gt;</a:t>
+              <a:t>this</a:t>
             </a:r>
           </a:p>
           <a:p>
             <a:pPr lvl="1"/>
             <a:r>
               <a:rPr lang="en-US" dirty="0" smtClean="0"/>
-              <a:t>Executes the template into your page</a:t>
-            </a:r>
-          </a:p>
-          <a:p>
-            <a:r>
-              <a:rPr lang="en-US" dirty="0" smtClean="0"/>
-              <a:t>Custom Tags</a:t>
+              <a:t>CFC’s global scope</a:t>
             </a:r>
           </a:p>
           <a:p>
             <a:pPr lvl="1"/>
             <a:r>
               <a:rPr lang="en-US" dirty="0" smtClean="0"/>
-              <a:t>&lt;</a:t>
+              <a:t>Public when added as </a:t>
             </a:r>
             <a:r>
               <a:rPr lang="en-US" dirty="0" err="1" smtClean="0"/>
-              <a:t>cf_mycustomtag</a:t>
-            </a:r>
-            <a:r>
-              <a:rPr lang="en-US" dirty="0" smtClean="0"/>
-              <a:t> ...&gt;</a:t>
+              <a:t>this.VARIABLE</a:t>
+            </a:r>
+            <a:endParaRPr lang="en-US" dirty="0" smtClean="0"/>
+          </a:p>
+          <a:p>
+            <a:r>
+              <a:rPr lang="en-US" dirty="0" smtClean="0"/>
+              <a:t>variables</a:t>
             </a:r>
           </a:p>
           <a:p>
             <a:pPr lvl="1"/>
             <a:r>
               <a:rPr lang="en-US" dirty="0" smtClean="0"/>
-              <a:t>Must drop custom tag into custom tags folder</a:t>
-            </a:r>
-          </a:p>
-          <a:p>
-            <a:r>
-              <a:rPr lang="en-US" dirty="0" smtClean="0"/>
-              <a:t>UDFs</a:t>
-            </a:r>
-          </a:p>
-          <a:p>
-            <a:r>
-              <a:rPr lang="en-US" dirty="0" smtClean="0"/>
-              <a:t>ColdFusion Components (CFCs)</a:t>
+              <a:t>CFC’s private scope</a:t>
+            </a:r>
+          </a:p>
+          <a:p>
+            <a:r>
+              <a:rPr lang="en-US" dirty="0" err="1" smtClean="0"/>
+              <a:t>var’d</a:t>
+            </a:r>
+            <a:r>
+              <a:rPr lang="en-US" dirty="0" smtClean="0"/>
+              <a:t> variables</a:t>
             </a:r>
           </a:p>
           <a:p>
             <a:pPr lvl="1"/>
             <a:r>
               <a:rPr lang="en-US" dirty="0" smtClean="0"/>
-              <a:t>Can be collection of UDFs or an object</a:t>
-            </a:r>
-            <a:endParaRPr lang="en-US" dirty="0"/>
+              <a:t>Function’s local scope	</a:t>
+            </a:r>
           </a:p>
         </p:txBody>
       </p:sp>
     </p:spTree>
     <p:extLst>
       <p:ext uri="{BB962C8B-B14F-4D97-AF65-F5344CB8AC3E}">
-        <p14:creationId xmlns:p14="http://schemas.microsoft.com/office/powerpoint/2010/main" val="2014084714"/>
+        <p14:creationId xmlns:p14="http://schemas.microsoft.com/office/powerpoint/2010/main" val="741162050"/>
       </p:ext>
     </p:extLst>
   </p:cSld>
@@ -12604,22 +12795,22 @@
       </p:grpSpPr>
       <p:sp>
         <p:nvSpPr>
-          <p:cNvPr id="2" name="Title 1"/>
-          <p:cNvSpPr>
-            <a:spLocks noGrp="1"/>
-          </p:cNvSpPr>
-          <p:nvPr>
-            <p:ph type="title"/>
-          </p:nvPr>
-        </p:nvSpPr>
-        <p:spPr/>
-        <p:txBody>
-          <a:bodyPr/>
-          <a:lstStyle/>
-          <a:p>
-            <a:r>
-              <a:rPr lang="en-US" dirty="0" smtClean="0"/>
-              <a:t>CFC Syntax</a:t>
+          <p:cNvPr id="4" name="Title 3"/>
+          <p:cNvSpPr>
+            <a:spLocks noGrp="1"/>
+          </p:cNvSpPr>
+          <p:nvPr>
+            <p:ph type="ctrTitle"/>
+          </p:nvPr>
+        </p:nvSpPr>
+        <p:spPr/>
+        <p:txBody>
+          <a:bodyPr/>
+          <a:lstStyle/>
+          <a:p>
+            <a:r>
+              <a:rPr lang="en-US" dirty="0" smtClean="0"/>
+              <a:t>Demo 05</a:t>
             </a:r>
             <a:endParaRPr lang="en-US" dirty="0"/>
           </a:p>
@@ -12627,200 +12818,39 @@
       </p:sp>
       <p:sp>
         <p:nvSpPr>
-          <p:cNvPr id="3" name="Content Placeholder 2"/>
-          <p:cNvSpPr>
-            <a:spLocks noGrp="1"/>
-          </p:cNvSpPr>
-          <p:nvPr>
-            <p:ph idx="1"/>
-          </p:nvPr>
-        </p:nvSpPr>
-        <p:spPr/>
-        <p:txBody>
-          <a:bodyPr>
-            <a:normAutofit lnSpcReduction="10000"/>
-          </a:bodyPr>
-          <a:lstStyle/>
-          <a:p>
-            <a:r>
-              <a:rPr lang="en-US" sz="2000" dirty="0" smtClean="0">
-                <a:latin typeface="Courier New"/>
-                <a:cs typeface="Courier New"/>
-              </a:rPr>
-              <a:t>&lt;</a:t>
-            </a:r>
-            <a:r>
-              <a:rPr lang="en-US" sz="2000" dirty="0" smtClean="0">
-                <a:latin typeface="Courier New"/>
-                <a:cs typeface="Courier New"/>
-                <a:hlinkClick r:id="rId3"/>
-              </a:rPr>
-              <a:t>cfcomponent</a:t>
-            </a:r>
-            <a:r>
-              <a:rPr lang="en-US" sz="2000" dirty="0" smtClean="0">
-                <a:latin typeface="Courier New"/>
-                <a:cs typeface="Courier New"/>
-              </a:rPr>
-              <a:t> output=“BOOLEAN” </a:t>
-            </a:r>
-            <a:r>
-              <a:rPr lang="en-US" sz="2000" dirty="0" err="1" smtClean="0">
-                <a:latin typeface="Courier New"/>
-                <a:cs typeface="Courier New"/>
-              </a:rPr>
-              <a:t>displayname</a:t>
-            </a:r>
-            <a:r>
-              <a:rPr lang="en-US" sz="2000" dirty="0" smtClean="0">
-                <a:latin typeface="Courier New"/>
-                <a:cs typeface="Courier New"/>
-              </a:rPr>
-              <a:t>=“NAME” hint=“STRING” extends=“COMPONENT”&gt;</a:t>
-            </a:r>
-          </a:p>
-          <a:p>
-            <a:pPr lvl="1"/>
-            <a:r>
-              <a:rPr lang="en-US" dirty="0" smtClean="0"/>
-              <a:t>Wraps your CFC</a:t>
-            </a:r>
-          </a:p>
-          <a:p>
-            <a:pPr lvl="1"/>
-            <a:r>
-              <a:rPr lang="en-US" dirty="0"/>
-              <a:t>T</a:t>
-            </a:r>
-            <a:r>
-              <a:rPr lang="en-US" dirty="0" smtClean="0"/>
-              <a:t>ags are optional, most for documentation</a:t>
-            </a:r>
-          </a:p>
-          <a:p>
-            <a:r>
-              <a:rPr lang="en-US" dirty="0" smtClean="0"/>
-              <a:t>Define functions with </a:t>
-            </a:r>
-            <a:r>
-              <a:rPr lang="en-US" sz="2000" dirty="0" smtClean="0">
-                <a:latin typeface="Courier New"/>
-                <a:cs typeface="Courier New"/>
-              </a:rPr>
-              <a:t>&lt;</a:t>
-            </a:r>
-            <a:r>
-              <a:rPr lang="en-US" sz="2000" dirty="0" err="1" smtClean="0">
-                <a:latin typeface="Courier New"/>
-                <a:cs typeface="Courier New"/>
-              </a:rPr>
-              <a:t>cffunction</a:t>
-            </a:r>
-            <a:r>
-              <a:rPr lang="en-US" sz="2000" dirty="0" smtClean="0">
-                <a:latin typeface="Courier New"/>
-                <a:cs typeface="Courier New"/>
-              </a:rPr>
-              <a:t>&gt;</a:t>
-            </a:r>
-            <a:endParaRPr lang="en-US" dirty="0" smtClean="0">
-              <a:latin typeface="Courier New"/>
-              <a:cs typeface="Courier New"/>
-            </a:endParaRPr>
-          </a:p>
-          <a:p>
-            <a:r>
-              <a:rPr lang="en-US" dirty="0" smtClean="0"/>
-              <a:t>Code between </a:t>
-            </a:r>
-            <a:r>
-              <a:rPr lang="en-US" sz="2000" dirty="0" smtClean="0">
-                <a:latin typeface="Courier New"/>
-                <a:cs typeface="Courier New"/>
-              </a:rPr>
-              <a:t>&lt;</a:t>
-            </a:r>
-            <a:r>
-              <a:rPr lang="en-US" sz="2000" dirty="0" err="1" smtClean="0">
-                <a:latin typeface="Courier New"/>
-                <a:cs typeface="Courier New"/>
-              </a:rPr>
-              <a:t>cfcomponent</a:t>
-            </a:r>
-            <a:r>
-              <a:rPr lang="en-US" sz="2000" dirty="0" smtClean="0">
-                <a:latin typeface="Courier New"/>
-                <a:cs typeface="Courier New"/>
-              </a:rPr>
-              <a:t>&gt;</a:t>
-            </a:r>
-            <a:r>
-              <a:rPr lang="en-US" dirty="0" smtClean="0"/>
-              <a:t> and first </a:t>
-            </a:r>
-            <a:r>
-              <a:rPr lang="en-US" sz="2000" dirty="0" smtClean="0">
-                <a:latin typeface="Courier New"/>
-                <a:cs typeface="Courier New"/>
-              </a:rPr>
-              <a:t>&lt;</a:t>
-            </a:r>
-            <a:r>
-              <a:rPr lang="en-US" sz="2000" dirty="0" err="1" smtClean="0">
-                <a:latin typeface="Courier New"/>
-                <a:cs typeface="Courier New"/>
-              </a:rPr>
-              <a:t>cffunction</a:t>
-            </a:r>
-            <a:r>
-              <a:rPr lang="en-US" sz="2000" dirty="0" smtClean="0">
-                <a:latin typeface="Courier New"/>
-                <a:cs typeface="Courier New"/>
-              </a:rPr>
-              <a:t>&gt;</a:t>
-            </a:r>
-            <a:r>
-              <a:rPr lang="en-US" dirty="0" smtClean="0"/>
-              <a:t> acts as “</a:t>
-            </a:r>
-            <a:r>
-              <a:rPr lang="en-US" dirty="0" err="1" smtClean="0"/>
-              <a:t>init</a:t>
-            </a:r>
-            <a:r>
-              <a:rPr lang="en-US" dirty="0" smtClean="0"/>
-              <a:t>()”</a:t>
-            </a:r>
-          </a:p>
-          <a:p>
-            <a:r>
-              <a:rPr lang="en-US" dirty="0" smtClean="0"/>
-              <a:t>Getters / Setters not automatically created</a:t>
-            </a:r>
-          </a:p>
-          <a:p>
-            <a:r>
-              <a:rPr lang="en-US" dirty="0" smtClean="0"/>
-              <a:t>Instantiated using </a:t>
-            </a:r>
-            <a:r>
-              <a:rPr lang="en-US" dirty="0" err="1" smtClean="0">
-                <a:hlinkClick r:id="rId4"/>
-              </a:rPr>
-              <a:t>CreateObject</a:t>
-            </a:r>
-            <a:r>
-              <a:rPr lang="en-US" dirty="0" smtClean="0"/>
-              <a:t>()</a:t>
-            </a:r>
-            <a:endParaRPr lang="en-US" dirty="0"/>
-          </a:p>
-        </p:txBody>
+          <p:cNvPr id="5" name="Subtitle 4"/>
+          <p:cNvSpPr>
+            <a:spLocks noGrp="1"/>
+          </p:cNvSpPr>
+          <p:nvPr>
+            <p:ph type="subTitle" idx="1"/>
+          </p:nvPr>
+        </p:nvSpPr>
+        <p:spPr/>
+        <p:txBody>
+          <a:bodyPr/>
+          <a:lstStyle/>
+          <a:p>
+            <a:endParaRPr lang="en-US"/>
+          </a:p>
+        </p:txBody>
+      </p:sp>
+      <p:sp>
+        <p:nvSpPr>
+          <p:cNvPr id="6" name="Picture Placeholder 5"/>
+          <p:cNvSpPr>
+            <a:spLocks noGrp="1"/>
+          </p:cNvSpPr>
+          <p:nvPr>
+            <p:ph type="pic" idx="13"/>
+          </p:nvPr>
+        </p:nvSpPr>
+        <p:spPr/>
       </p:sp>
     </p:spTree>
     <p:extLst>
       <p:ext uri="{BB962C8B-B14F-4D97-AF65-F5344CB8AC3E}">
-        <p14:creationId xmlns:p14="http://schemas.microsoft.com/office/powerpoint/2010/main" val="1769265055"/>
+        <p14:creationId xmlns:p14="http://schemas.microsoft.com/office/powerpoint/2010/main" val="4199451968"/>
       </p:ext>
     </p:extLst>
   </p:cSld>
@@ -12849,7 +12879,7 @@
       </p:grpSpPr>
       <p:sp>
         <p:nvSpPr>
-          <p:cNvPr id="2" name="Title 1"/>
+          <p:cNvPr id="5" name="Title 4"/>
           <p:cNvSpPr>
             <a:spLocks noGrp="1"/>
           </p:cNvSpPr>
@@ -12864,7 +12894,7 @@
           <a:p>
             <a:r>
               <a:rPr lang="en-US" dirty="0" smtClean="0"/>
-              <a:t>CFC Variable Scope</a:t>
+              <a:t>Applications</a:t>
             </a:r>
             <a:endParaRPr lang="en-US" dirty="0"/>
           </a:p>
@@ -12872,7 +12902,7 @@
       </p:sp>
       <p:sp>
         <p:nvSpPr>
-          <p:cNvPr id="3" name="Content Placeholder 2"/>
+          <p:cNvPr id="6" name="Content Placeholder 5"/>
           <p:cNvSpPr>
             <a:spLocks noGrp="1"/>
           </p:cNvSpPr>
@@ -12882,69 +12912,193 @@
         </p:nvSpPr>
         <p:spPr/>
         <p:txBody>
-          <a:bodyPr/>
-          <a:lstStyle/>
-          <a:p>
-            <a:r>
-              <a:rPr lang="en-US" dirty="0" smtClean="0"/>
-              <a:t>this</a:t>
+          <a:bodyPr>
+            <a:normAutofit fontScale="92500" lnSpcReduction="20000"/>
+          </a:bodyPr>
+          <a:lstStyle/>
+          <a:p>
+            <a:r>
+              <a:rPr lang="en-US" dirty="0" err="1" smtClean="0"/>
+              <a:t>Application.cfc</a:t>
+            </a:r>
+            <a:r>
+              <a:rPr lang="en-US" dirty="0" smtClean="0"/>
+              <a:t> or </a:t>
+            </a:r>
+            <a:r>
+              <a:rPr lang="en-US" dirty="0" err="1" smtClean="0"/>
+              <a:t>Application.cfm</a:t>
+            </a:r>
+            <a:r>
+              <a:rPr lang="en-US" dirty="0" smtClean="0"/>
+              <a:t> creates an application</a:t>
+            </a:r>
+          </a:p>
+          <a:p>
+            <a:r>
+              <a:rPr lang="en-US" dirty="0" smtClean="0"/>
+              <a:t>Has special properties</a:t>
             </a:r>
           </a:p>
           <a:p>
             <a:pPr lvl="1"/>
             <a:r>
-              <a:rPr lang="en-US" dirty="0" smtClean="0"/>
-              <a:t>CFC’s global scope</a:t>
+              <a:rPr lang="en-US" dirty="0" err="1" smtClean="0"/>
+              <a:t>this.name</a:t>
+            </a:r>
+            <a:r>
+              <a:rPr lang="en-US" dirty="0" smtClean="0"/>
+              <a:t>, </a:t>
+            </a:r>
+            <a:r>
+              <a:rPr lang="en-US" dirty="0" err="1" smtClean="0"/>
+              <a:t>this.scriptprotect</a:t>
+            </a:r>
+            <a:r>
+              <a:rPr lang="en-US" dirty="0" smtClean="0"/>
+              <a:t>, </a:t>
+            </a:r>
+            <a:r>
+              <a:rPr lang="en-US" dirty="0" err="1" smtClean="0"/>
+              <a:t>this.applicationtimeout</a:t>
+            </a:r>
+            <a:r>
+              <a:rPr lang="en-US" dirty="0" smtClean="0"/>
+              <a:t>, </a:t>
+            </a:r>
+            <a:r>
+              <a:rPr lang="en-US" dirty="0" err="1" smtClean="0"/>
+              <a:t>this.sessionmanagement</a:t>
+            </a:r>
+            <a:r>
+              <a:rPr lang="en-US" dirty="0" smtClean="0"/>
+              <a:t>, </a:t>
+            </a:r>
+            <a:r>
+              <a:rPr lang="en-US" dirty="0" err="1" smtClean="0"/>
+              <a:t>this.sessiontimeout</a:t>
+            </a:r>
+            <a:endParaRPr lang="en-US" dirty="0" smtClean="0"/>
+          </a:p>
+          <a:p>
+            <a:r>
+              <a:rPr lang="en-US" dirty="0" smtClean="0"/>
+              <a:t>Has normal properties: </a:t>
+            </a:r>
+            <a:r>
+              <a:rPr lang="en-US" dirty="0" err="1" smtClean="0"/>
+              <a:t>application.NAME</a:t>
+            </a:r>
+            <a:endParaRPr lang="en-US" dirty="0" smtClean="0"/>
+          </a:p>
+          <a:p>
+            <a:r>
+              <a:rPr lang="en-US" dirty="0" smtClean="0"/>
+              <a:t>Has special methods</a:t>
             </a:r>
           </a:p>
           <a:p>
             <a:pPr lvl="1"/>
             <a:r>
-              <a:rPr lang="en-US" dirty="0" smtClean="0"/>
-              <a:t>Public when added as </a:t>
-            </a:r>
-            <a:r>
               <a:rPr lang="en-US" dirty="0" err="1" smtClean="0"/>
-              <a:t>this.VARIABLE</a:t>
-            </a:r>
-            <a:endParaRPr lang="en-US" dirty="0" smtClean="0"/>
-          </a:p>
-          <a:p>
-            <a:r>
-              <a:rPr lang="en-US" dirty="0" smtClean="0"/>
-              <a:t>variables</a:t>
+              <a:t>onApplicationStart</a:t>
+            </a:r>
+            <a:r>
+              <a:rPr lang="en-US" dirty="0" smtClean="0"/>
+              <a:t>() / </a:t>
+            </a:r>
+            <a:r>
+              <a:rPr lang="en-US" dirty="0" err="1" smtClean="0"/>
+              <a:t>onApplicationEnd</a:t>
+            </a:r>
+            <a:r>
+              <a:rPr lang="en-US" dirty="0" smtClean="0"/>
+              <a:t>()</a:t>
             </a:r>
           </a:p>
           <a:p>
             <a:pPr lvl="1"/>
             <a:r>
-              <a:rPr lang="en-US" dirty="0" smtClean="0"/>
-              <a:t>CFC’s private scope</a:t>
-            </a:r>
-          </a:p>
-          <a:p>
-            <a:r>
               <a:rPr lang="en-US" dirty="0" err="1" smtClean="0"/>
-              <a:t>var’d</a:t>
-            </a:r>
-            <a:r>
-              <a:rPr lang="en-US" dirty="0" smtClean="0"/>
-              <a:t> variables</a:t>
+              <a:t>onSessionStart</a:t>
+            </a:r>
+            <a:r>
+              <a:rPr lang="en-US" dirty="0" smtClean="0"/>
+              <a:t>() / </a:t>
+            </a:r>
+            <a:r>
+              <a:rPr lang="en-US" dirty="0" err="1" smtClean="0"/>
+              <a:t>onSessionEnd</a:t>
+            </a:r>
+            <a:r>
+              <a:rPr lang="en-US" dirty="0" smtClean="0"/>
+              <a:t>()</a:t>
             </a:r>
           </a:p>
           <a:p>
             <a:pPr lvl="1"/>
             <a:r>
-              <a:rPr lang="en-US" dirty="0" smtClean="0"/>
-              <a:t>Function’s local scope	</a:t>
-            </a:r>
+              <a:rPr lang="en-US" dirty="0" err="1" smtClean="0"/>
+              <a:t>onRequest</a:t>
+            </a:r>
+            <a:r>
+              <a:rPr lang="en-US" dirty="0" smtClean="0"/>
+              <a:t>() / </a:t>
+            </a:r>
+            <a:r>
+              <a:rPr lang="en-US" dirty="0" err="1" smtClean="0"/>
+              <a:t>onRequestStart</a:t>
+            </a:r>
+            <a:r>
+              <a:rPr lang="en-US" dirty="0" smtClean="0"/>
+              <a:t>() / </a:t>
+            </a:r>
+            <a:r>
+              <a:rPr lang="en-US" dirty="0" err="1" smtClean="0"/>
+              <a:t>onRequestEnd</a:t>
+            </a:r>
+            <a:r>
+              <a:rPr lang="en-US" dirty="0" smtClean="0"/>
+              <a:t>()</a:t>
+            </a:r>
+          </a:p>
+          <a:p>
+            <a:pPr lvl="1"/>
+            <a:r>
+              <a:rPr lang="en-US" dirty="0" err="1" smtClean="0"/>
+              <a:t>onError</a:t>
+            </a:r>
+            <a:r>
+              <a:rPr lang="en-US" dirty="0" smtClean="0"/>
+              <a:t>()</a:t>
+            </a:r>
+          </a:p>
+          <a:p>
+            <a:pPr lvl="1"/>
+            <a:r>
+              <a:rPr lang="en-US" dirty="0" err="1" smtClean="0"/>
+              <a:t>onMissingTemplate</a:t>
+            </a:r>
+            <a:r>
+              <a:rPr lang="en-US" dirty="0" smtClean="0"/>
+              <a:t>() / </a:t>
+            </a:r>
+            <a:r>
+              <a:rPr lang="en-US" dirty="0" err="1" smtClean="0"/>
+              <a:t>onMissingMethod</a:t>
+            </a:r>
+            <a:r>
+              <a:rPr lang="en-US" dirty="0" smtClean="0"/>
+              <a:t>()</a:t>
+            </a:r>
+            <a:endParaRPr lang="en-US" dirty="0"/>
           </a:p>
         </p:txBody>
       </p:sp>
     </p:spTree>
     <p:extLst>
       <p:ext uri="{BB962C8B-B14F-4D97-AF65-F5344CB8AC3E}">
-        <p14:creationId xmlns:p14="http://schemas.microsoft.com/office/powerpoint/2010/main" val="741162050"/>
+        <p14:creationId xmlns:p14="http://schemas.microsoft.com/office/powerpoint/2010/main" val="2873994102"/>
       </p:ext>
     </p:extLst>
   </p:cSld>
@@ -12988,7 +13142,7 @@
           <a:p>
             <a:r>
               <a:rPr lang="en-US" dirty="0" smtClean="0"/>
-              <a:t>Demo 05</a:t>
+              <a:t>Demo 06</a:t>
             </a:r>
             <a:endParaRPr lang="en-US" dirty="0"/>
           </a:p>
@@ -13028,7 +13182,7 @@
     </p:spTree>
     <p:extLst>
       <p:ext uri="{BB962C8B-B14F-4D97-AF65-F5344CB8AC3E}">
-        <p14:creationId xmlns:p14="http://schemas.microsoft.com/office/powerpoint/2010/main" val="4199451968"/>
+        <p14:creationId xmlns:p14="http://schemas.microsoft.com/office/powerpoint/2010/main" val="2724574937"/>
       </p:ext>
     </p:extLst>
   </p:cSld>
@@ -13072,7 +13226,14 @@
           <a:p>
             <a:r>
               <a:rPr lang="en-US" dirty="0" smtClean="0"/>
-              <a:t>Applications</a:t>
+              <a:t>Problems with</a:t>
+            </a:r>
+            <a:br>
+              <a:rPr lang="en-US" dirty="0" smtClean="0"/>
+            </a:br>
+            <a:r>
+              <a:rPr lang="en-US" dirty="0" smtClean="0"/>
+              <a:t>Open Source CFML</a:t>
             </a:r>
             <a:endParaRPr lang="en-US" dirty="0"/>
           </a:p>
@@ -13090,184 +13251,42 @@
         </p:nvSpPr>
         <p:spPr/>
         <p:txBody>
-          <a:bodyPr>
-            <a:normAutofit fontScale="92500" lnSpcReduction="20000"/>
-          </a:bodyPr>
-          <a:lstStyle/>
-          <a:p>
-            <a:r>
-              <a:rPr lang="en-US" dirty="0" err="1" smtClean="0"/>
-              <a:t>Application.cfc</a:t>
-            </a:r>
-            <a:r>
-              <a:rPr lang="en-US" dirty="0" smtClean="0"/>
-              <a:t> or </a:t>
-            </a:r>
-            <a:r>
-              <a:rPr lang="en-US" dirty="0" err="1" smtClean="0"/>
-              <a:t>Application.cfm</a:t>
-            </a:r>
-            <a:r>
-              <a:rPr lang="en-US" dirty="0" smtClean="0"/>
-              <a:t> creates an application</a:t>
-            </a:r>
-          </a:p>
-          <a:p>
-            <a:r>
-              <a:rPr lang="en-US" dirty="0" smtClean="0"/>
-              <a:t>Has special properties</a:t>
-            </a:r>
-          </a:p>
-          <a:p>
-            <a:pPr lvl="1"/>
-            <a:r>
-              <a:rPr lang="en-US" dirty="0" err="1" smtClean="0"/>
-              <a:t>this.name</a:t>
-            </a:r>
-            <a:r>
-              <a:rPr lang="en-US" dirty="0" smtClean="0"/>
-              <a:t>, </a:t>
-            </a:r>
-            <a:r>
-              <a:rPr lang="en-US" dirty="0" err="1" smtClean="0"/>
-              <a:t>this.scriptprotect</a:t>
-            </a:r>
-            <a:r>
-              <a:rPr lang="en-US" dirty="0" smtClean="0"/>
-              <a:t>, </a:t>
-            </a:r>
-            <a:r>
-              <a:rPr lang="en-US" dirty="0" err="1" smtClean="0"/>
-              <a:t>this.applicationtimeout</a:t>
-            </a:r>
-            <a:r>
-              <a:rPr lang="en-US" dirty="0" smtClean="0"/>
-              <a:t>, </a:t>
-            </a:r>
-            <a:r>
-              <a:rPr lang="en-US" dirty="0" err="1" smtClean="0"/>
-              <a:t>this.sessionmanagement</a:t>
-            </a:r>
-            <a:r>
-              <a:rPr lang="en-US" dirty="0" smtClean="0"/>
-              <a:t>, </a:t>
-            </a:r>
-            <a:r>
-              <a:rPr lang="en-US" dirty="0" err="1" smtClean="0"/>
-              <a:t>this.sessiontimeout</a:t>
-            </a:r>
-            <a:endParaRPr lang="en-US" dirty="0" smtClean="0"/>
-          </a:p>
-          <a:p>
-            <a:r>
-              <a:rPr lang="en-US" dirty="0" smtClean="0"/>
-              <a:t>Has normal properties: </a:t>
-            </a:r>
-            <a:r>
-              <a:rPr lang="en-US" dirty="0" err="1" smtClean="0"/>
-              <a:t>application.NAME</a:t>
-            </a:r>
-            <a:endParaRPr lang="en-US" dirty="0" smtClean="0"/>
-          </a:p>
-          <a:p>
-            <a:r>
-              <a:rPr lang="en-US" dirty="0" smtClean="0"/>
-              <a:t>Has special methods</a:t>
-            </a:r>
-          </a:p>
-          <a:p>
-            <a:pPr lvl="1"/>
-            <a:r>
-              <a:rPr lang="en-US" dirty="0" err="1" smtClean="0"/>
-              <a:t>onApplicationStart</a:t>
-            </a:r>
-            <a:r>
-              <a:rPr lang="en-US" dirty="0" smtClean="0"/>
-              <a:t>() / </a:t>
-            </a:r>
-            <a:r>
-              <a:rPr lang="en-US" dirty="0" err="1" smtClean="0"/>
-              <a:t>onApplicationEnd</a:t>
-            </a:r>
-            <a:r>
-              <a:rPr lang="en-US" dirty="0" smtClean="0"/>
-              <a:t>()</a:t>
-            </a:r>
-          </a:p>
-          <a:p>
-            <a:pPr lvl="1"/>
-            <a:r>
-              <a:rPr lang="en-US" dirty="0" err="1" smtClean="0"/>
-              <a:t>onSessionStart</a:t>
-            </a:r>
-            <a:r>
-              <a:rPr lang="en-US" dirty="0" smtClean="0"/>
-              <a:t>() / </a:t>
-            </a:r>
-            <a:r>
-              <a:rPr lang="en-US" dirty="0" err="1" smtClean="0"/>
-              <a:t>onSessionEnd</a:t>
-            </a:r>
-            <a:r>
-              <a:rPr lang="en-US" dirty="0" smtClean="0"/>
-              <a:t>()</a:t>
-            </a:r>
-          </a:p>
-          <a:p>
-            <a:pPr lvl="1"/>
-            <a:r>
-              <a:rPr lang="en-US" dirty="0" err="1" smtClean="0"/>
-              <a:t>onRequest</a:t>
-            </a:r>
-            <a:r>
-              <a:rPr lang="en-US" dirty="0" smtClean="0"/>
-              <a:t>() / </a:t>
-            </a:r>
-            <a:r>
-              <a:rPr lang="en-US" dirty="0" err="1" smtClean="0"/>
-              <a:t>onRequestStart</a:t>
-            </a:r>
-            <a:r>
-              <a:rPr lang="en-US" dirty="0" smtClean="0"/>
-              <a:t>() / </a:t>
-            </a:r>
-            <a:r>
-              <a:rPr lang="en-US" dirty="0" err="1" smtClean="0"/>
-              <a:t>onRequestEnd</a:t>
-            </a:r>
-            <a:r>
-              <a:rPr lang="en-US" dirty="0" smtClean="0"/>
-              <a:t>()</a:t>
-            </a:r>
-          </a:p>
-          <a:p>
-            <a:pPr lvl="1"/>
-            <a:r>
-              <a:rPr lang="en-US" dirty="0" err="1" smtClean="0"/>
-              <a:t>onError</a:t>
-            </a:r>
-            <a:r>
-              <a:rPr lang="en-US" dirty="0" smtClean="0"/>
-              <a:t>()</a:t>
-            </a:r>
-          </a:p>
-          <a:p>
-            <a:pPr lvl="1"/>
-            <a:r>
-              <a:rPr lang="en-US" dirty="0" err="1" smtClean="0"/>
-              <a:t>onMissingTemplate</a:t>
-            </a:r>
-            <a:r>
-              <a:rPr lang="en-US" dirty="0" smtClean="0"/>
-              <a:t>() / </a:t>
-            </a:r>
-            <a:r>
-              <a:rPr lang="en-US" dirty="0" err="1" smtClean="0"/>
-              <a:t>onMissingMethod</a:t>
-            </a:r>
-            <a:r>
-              <a:rPr lang="en-US" dirty="0" smtClean="0"/>
-              <a:t>()</a:t>
+          <a:bodyPr/>
+          <a:lstStyle/>
+          <a:p>
+            <a:r>
+              <a:rPr lang="en-US" dirty="0" smtClean="0"/>
+              <a:t>Adobe is big and closed (like Mono and Microsoft)</a:t>
+            </a:r>
+          </a:p>
+          <a:p>
+            <a:r>
+              <a:rPr lang="en-US" dirty="0" smtClean="0"/>
+              <a:t>Community isn’t vibrant</a:t>
+            </a:r>
+          </a:p>
+          <a:p>
+            <a:r>
+              <a:rPr lang="en-US" dirty="0" smtClean="0"/>
+              <a:t>Few high-profile projects that reach beyond CFML</a:t>
+            </a:r>
+          </a:p>
+          <a:p>
+            <a:r>
+              <a:rPr lang="en-US" dirty="0" smtClean="0"/>
+              <a:t>Hosting costs high and capabilities limited</a:t>
+            </a:r>
+          </a:p>
+          <a:p>
+            <a:r>
+              <a:rPr lang="en-US" dirty="0" smtClean="0"/>
+              <a:t>Perception against CFML</a:t>
+            </a:r>
+          </a:p>
+          <a:p>
+            <a:r>
+              <a:rPr lang="en-US" dirty="0" smtClean="0"/>
+              <a:t>Depends on Java / JVM</a:t>
             </a:r>
             <a:endParaRPr lang="en-US" dirty="0"/>
           </a:p>
@@ -13276,7 +13295,7 @@
     </p:spTree>
     <p:extLst>
       <p:ext uri="{BB962C8B-B14F-4D97-AF65-F5344CB8AC3E}">
-        <p14:creationId xmlns:p14="http://schemas.microsoft.com/office/powerpoint/2010/main" val="2873994102"/>
+        <p14:creationId xmlns:p14="http://schemas.microsoft.com/office/powerpoint/2010/main" val="1944215748"/>
       </p:ext>
     </p:extLst>
   </p:cSld>
@@ -13305,22 +13324,29 @@
       </p:grpSpPr>
       <p:sp>
         <p:nvSpPr>
-          <p:cNvPr id="4" name="Title 3"/>
-          <p:cNvSpPr>
-            <a:spLocks noGrp="1"/>
-          </p:cNvSpPr>
-          <p:nvPr>
-            <p:ph type="ctrTitle"/>
-          </p:nvPr>
-        </p:nvSpPr>
-        <p:spPr/>
-        <p:txBody>
-          <a:bodyPr/>
-          <a:lstStyle/>
-          <a:p>
-            <a:r>
-              <a:rPr lang="en-US" dirty="0" smtClean="0"/>
-              <a:t>Demo 06</a:t>
+          <p:cNvPr id="2" name="Title 1"/>
+          <p:cNvSpPr>
+            <a:spLocks noGrp="1"/>
+          </p:cNvSpPr>
+          <p:nvPr>
+            <p:ph type="title"/>
+          </p:nvPr>
+        </p:nvSpPr>
+        <p:spPr/>
+        <p:txBody>
+          <a:bodyPr/>
+          <a:lstStyle/>
+          <a:p>
+            <a:r>
+              <a:rPr lang="en-US" dirty="0" smtClean="0"/>
+              <a:t>Benefits of</a:t>
+            </a:r>
+            <a:br>
+              <a:rPr lang="en-US" dirty="0" smtClean="0"/>
+            </a:br>
+            <a:r>
+              <a:rPr lang="en-US" dirty="0" smtClean="0"/>
+              <a:t>Open Source CFML</a:t>
             </a:r>
             <a:endParaRPr lang="en-US" dirty="0"/>
           </a:p>
@@ -13328,39 +13354,60 @@
       </p:sp>
       <p:sp>
         <p:nvSpPr>
-          <p:cNvPr id="5" name="Subtitle 4"/>
-          <p:cNvSpPr>
-            <a:spLocks noGrp="1"/>
-          </p:cNvSpPr>
-          <p:nvPr>
-            <p:ph type="subTitle" idx="1"/>
-          </p:nvPr>
-        </p:nvSpPr>
-        <p:spPr/>
-        <p:txBody>
-          <a:bodyPr/>
-          <a:lstStyle/>
-          <a:p>
-            <a:endParaRPr lang="en-US"/>
-          </a:p>
-        </p:txBody>
-      </p:sp>
-      <p:sp>
-        <p:nvSpPr>
-          <p:cNvPr id="6" name="Picture Placeholder 5"/>
-          <p:cNvSpPr>
-            <a:spLocks noGrp="1"/>
-          </p:cNvSpPr>
-          <p:nvPr>
-            <p:ph type="pic" idx="13"/>
-          </p:nvPr>
-        </p:nvSpPr>
-        <p:spPr/>
+          <p:cNvPr id="3" name="Content Placeholder 2"/>
+          <p:cNvSpPr>
+            <a:spLocks noGrp="1"/>
+          </p:cNvSpPr>
+          <p:nvPr>
+            <p:ph idx="1"/>
+          </p:nvPr>
+        </p:nvSpPr>
+        <p:spPr/>
+        <p:txBody>
+          <a:bodyPr/>
+          <a:lstStyle/>
+          <a:p>
+            <a:r>
+              <a:rPr lang="en-US" dirty="0" smtClean="0"/>
+              <a:t>Easy to learn</a:t>
+            </a:r>
+          </a:p>
+          <a:p>
+            <a:r>
+              <a:rPr lang="en-US" dirty="0" smtClean="0"/>
+              <a:t>Adobe is a big player</a:t>
+            </a:r>
+          </a:p>
+          <a:p>
+            <a:r>
+              <a:rPr lang="en-US" dirty="0" smtClean="0"/>
+              <a:t>(Slowly) Growing community</a:t>
+            </a:r>
+          </a:p>
+          <a:p>
+            <a:r>
+              <a:rPr lang="en-US" dirty="0" smtClean="0"/>
+              <a:t>Respectable number of “also” projects</a:t>
+            </a:r>
+          </a:p>
+          <a:p>
+            <a:r>
+              <a:rPr lang="en-US" dirty="0" smtClean="0"/>
+              <a:t>Builds on Java</a:t>
+            </a:r>
+          </a:p>
+          <a:p>
+            <a:r>
+              <a:rPr lang="en-US" dirty="0" smtClean="0"/>
+              <a:t>Can (theoretically) be hosted on JVM-supported hosting</a:t>
+            </a:r>
+          </a:p>
+        </p:txBody>
       </p:sp>
     </p:spTree>
     <p:extLst>
       <p:ext uri="{BB962C8B-B14F-4D97-AF65-F5344CB8AC3E}">
-        <p14:creationId xmlns:p14="http://schemas.microsoft.com/office/powerpoint/2010/main" val="2724574937"/>
+        <p14:creationId xmlns:p14="http://schemas.microsoft.com/office/powerpoint/2010/main" val="3288685297"/>
       </p:ext>
     </p:extLst>
   </p:cSld>
@@ -13475,231 +13522,6 @@
       </p:grpSpPr>
       <p:sp>
         <p:nvSpPr>
-          <p:cNvPr id="5" name="Title 4"/>
-          <p:cNvSpPr>
-            <a:spLocks noGrp="1"/>
-          </p:cNvSpPr>
-          <p:nvPr>
-            <p:ph type="title"/>
-          </p:nvPr>
-        </p:nvSpPr>
-        <p:spPr/>
-        <p:txBody>
-          <a:bodyPr/>
-          <a:lstStyle/>
-          <a:p>
-            <a:r>
-              <a:rPr lang="en-US" dirty="0" smtClean="0"/>
-              <a:t>Problems with</a:t>
-            </a:r>
-            <a:br>
-              <a:rPr lang="en-US" dirty="0" smtClean="0"/>
-            </a:br>
-            <a:r>
-              <a:rPr lang="en-US" dirty="0" smtClean="0"/>
-              <a:t>Open Source CFML</a:t>
-            </a:r>
-            <a:endParaRPr lang="en-US" dirty="0"/>
-          </a:p>
-        </p:txBody>
-      </p:sp>
-      <p:sp>
-        <p:nvSpPr>
-          <p:cNvPr id="6" name="Content Placeholder 5"/>
-          <p:cNvSpPr>
-            <a:spLocks noGrp="1"/>
-          </p:cNvSpPr>
-          <p:nvPr>
-            <p:ph idx="1"/>
-          </p:nvPr>
-        </p:nvSpPr>
-        <p:spPr/>
-        <p:txBody>
-          <a:bodyPr/>
-          <a:lstStyle/>
-          <a:p>
-            <a:r>
-              <a:rPr lang="en-US" dirty="0" smtClean="0"/>
-              <a:t>Adobe is big and closed (like Mono and Microsoft)</a:t>
-            </a:r>
-          </a:p>
-          <a:p>
-            <a:r>
-              <a:rPr lang="en-US" dirty="0" smtClean="0"/>
-              <a:t>Community isn’t vibrant</a:t>
-            </a:r>
-          </a:p>
-          <a:p>
-            <a:r>
-              <a:rPr lang="en-US" dirty="0" smtClean="0"/>
-              <a:t>Few high-profile projects that reach beyond CFML</a:t>
-            </a:r>
-          </a:p>
-          <a:p>
-            <a:r>
-              <a:rPr lang="en-US" dirty="0" smtClean="0"/>
-              <a:t>Hosting costs high and capabilities limited</a:t>
-            </a:r>
-          </a:p>
-          <a:p>
-            <a:r>
-              <a:rPr lang="en-US" dirty="0" smtClean="0"/>
-              <a:t>Perception against CFML</a:t>
-            </a:r>
-          </a:p>
-          <a:p>
-            <a:r>
-              <a:rPr lang="en-US" dirty="0" smtClean="0"/>
-              <a:t>Depends on Java / JVM</a:t>
-            </a:r>
-            <a:endParaRPr lang="en-US" dirty="0"/>
-          </a:p>
-        </p:txBody>
-      </p:sp>
-    </p:spTree>
-    <p:extLst>
-      <p:ext uri="{BB962C8B-B14F-4D97-AF65-F5344CB8AC3E}">
-        <p14:creationId xmlns:p14="http://schemas.microsoft.com/office/powerpoint/2010/main" val="1944215748"/>
-      </p:ext>
-    </p:extLst>
-  </p:cSld>
-  <p:clrMapOvr>
-    <a:masterClrMapping/>
-  </p:clrMapOvr>
-</p:sld>
-</file>
-
-<file path=ppt/slides/slide41.xml><?xml version="1.0" encoding="utf-8"?>
-<p:sld xmlns:a="http://schemas.openxmlformats.org/drawingml/2006/main" xmlns:r="http://schemas.openxmlformats.org/officeDocument/2006/relationships" xmlns:p="http://schemas.openxmlformats.org/presentationml/2006/main">
-  <p:cSld>
-    <p:spTree>
-      <p:nvGrpSpPr>
-        <p:cNvPr id="1" name=""/>
-        <p:cNvGrpSpPr/>
-        <p:nvPr/>
-      </p:nvGrpSpPr>
-      <p:grpSpPr>
-        <a:xfrm>
-          <a:off x="0" y="0"/>
-          <a:ext cx="0" cy="0"/>
-          <a:chOff x="0" y="0"/>
-          <a:chExt cx="0" cy="0"/>
-        </a:xfrm>
-      </p:grpSpPr>
-      <p:sp>
-        <p:nvSpPr>
-          <p:cNvPr id="2" name="Title 1"/>
-          <p:cNvSpPr>
-            <a:spLocks noGrp="1"/>
-          </p:cNvSpPr>
-          <p:nvPr>
-            <p:ph type="title"/>
-          </p:nvPr>
-        </p:nvSpPr>
-        <p:spPr/>
-        <p:txBody>
-          <a:bodyPr/>
-          <a:lstStyle/>
-          <a:p>
-            <a:r>
-              <a:rPr lang="en-US" dirty="0" smtClean="0"/>
-              <a:t>Benefits of</a:t>
-            </a:r>
-            <a:br>
-              <a:rPr lang="en-US" dirty="0" smtClean="0"/>
-            </a:br>
-            <a:r>
-              <a:rPr lang="en-US" dirty="0" smtClean="0"/>
-              <a:t>Open Source CFML</a:t>
-            </a:r>
-            <a:endParaRPr lang="en-US" dirty="0"/>
-          </a:p>
-        </p:txBody>
-      </p:sp>
-      <p:sp>
-        <p:nvSpPr>
-          <p:cNvPr id="3" name="Content Placeholder 2"/>
-          <p:cNvSpPr>
-            <a:spLocks noGrp="1"/>
-          </p:cNvSpPr>
-          <p:nvPr>
-            <p:ph idx="1"/>
-          </p:nvPr>
-        </p:nvSpPr>
-        <p:spPr/>
-        <p:txBody>
-          <a:bodyPr/>
-          <a:lstStyle/>
-          <a:p>
-            <a:r>
-              <a:rPr lang="en-US" dirty="0" smtClean="0"/>
-              <a:t>Easy to learn</a:t>
-            </a:r>
-          </a:p>
-          <a:p>
-            <a:r>
-              <a:rPr lang="en-US" dirty="0" smtClean="0"/>
-              <a:t>Adobe is a big player</a:t>
-            </a:r>
-          </a:p>
-          <a:p>
-            <a:r>
-              <a:rPr lang="en-US" dirty="0" smtClean="0"/>
-              <a:t>(Slowly) Growing community</a:t>
-            </a:r>
-          </a:p>
-          <a:p>
-            <a:r>
-              <a:rPr lang="en-US" dirty="0" smtClean="0"/>
-              <a:t>Respectable number of “also” projects</a:t>
-            </a:r>
-          </a:p>
-          <a:p>
-            <a:r>
-              <a:rPr lang="en-US" dirty="0" smtClean="0"/>
-              <a:t>Builds on Java</a:t>
-            </a:r>
-          </a:p>
-          <a:p>
-            <a:r>
-              <a:rPr lang="en-US" dirty="0" smtClean="0"/>
-              <a:t>Can (theoretically) be hosted on JVM-supported hosting</a:t>
-            </a:r>
-          </a:p>
-        </p:txBody>
-      </p:sp>
-    </p:spTree>
-    <p:extLst>
-      <p:ext uri="{BB962C8B-B14F-4D97-AF65-F5344CB8AC3E}">
-        <p14:creationId xmlns:p14="http://schemas.microsoft.com/office/powerpoint/2010/main" val="3288685297"/>
-      </p:ext>
-    </p:extLst>
-  </p:cSld>
-  <p:clrMapOvr>
-    <a:masterClrMapping/>
-  </p:clrMapOvr>
-</p:sld>
-</file>
-
-<file path=ppt/slides/slide42.xml><?xml version="1.0" encoding="utf-8"?>
-<p:sld xmlns:a="http://schemas.openxmlformats.org/drawingml/2006/main" xmlns:r="http://schemas.openxmlformats.org/officeDocument/2006/relationships" xmlns:p="http://schemas.openxmlformats.org/presentationml/2006/main">
-  <p:cSld>
-    <p:spTree>
-      <p:nvGrpSpPr>
-        <p:cNvPr id="1" name=""/>
-        <p:cNvGrpSpPr/>
-        <p:nvPr/>
-      </p:nvGrpSpPr>
-      <p:grpSpPr>
-        <a:xfrm>
-          <a:off x="0" y="0"/>
-          <a:ext cx="0" cy="0"/>
-          <a:chOff x="0" y="0"/>
-          <a:chExt cx="0" cy="0"/>
-        </a:xfrm>
-      </p:grpSpPr>
-      <p:sp>
-        <p:nvSpPr>
           <p:cNvPr id="2" name="Title 1"/>
           <p:cNvSpPr>
             <a:spLocks noGrp="1"/>
@@ -13818,7 +13640,7 @@
 </p:sld>
 </file>
 
-<file path=ppt/slides/slide43.xml><?xml version="1.0" encoding="utf-8"?>
+<file path=ppt/slides/slide41.xml><?xml version="1.0" encoding="utf-8"?>
 <p:sld xmlns:a="http://schemas.openxmlformats.org/drawingml/2006/main" xmlns:r="http://schemas.openxmlformats.org/officeDocument/2006/relationships" xmlns:p="http://schemas.openxmlformats.org/presentationml/2006/main">
   <p:cSld>
     <p:spTree>

--- a/presentation.pptx
+++ b/presentation.pptx
@@ -7835,7 +7835,7 @@
           <a:p>
             <a:r>
               <a:rPr lang="en-US" dirty="0" smtClean="0"/>
-              <a:t>Administrator</a:t>
+              <a:t>Administration</a:t>
             </a:r>
             <a:endParaRPr lang="en-US" dirty="0"/>
           </a:p>
@@ -7989,37 +7989,6 @@
           </a:p>
         </p:txBody>
       </p:sp>
-      <p:sp>
-        <p:nvSpPr>
-          <p:cNvPr id="5" name="Subtitle 4"/>
-          <p:cNvSpPr>
-            <a:spLocks noGrp="1"/>
-          </p:cNvSpPr>
-          <p:nvPr>
-            <p:ph type="subTitle" idx="1"/>
-          </p:nvPr>
-        </p:nvSpPr>
-        <p:spPr/>
-        <p:txBody>
-          <a:bodyPr/>
-          <a:lstStyle/>
-          <a:p>
-            <a:endParaRPr lang="en-US" dirty="0"/>
-          </a:p>
-        </p:txBody>
-      </p:sp>
-      <p:sp>
-        <p:nvSpPr>
-          <p:cNvPr id="6" name="Picture Placeholder 5"/>
-          <p:cNvSpPr>
-            <a:spLocks noGrp="1"/>
-          </p:cNvSpPr>
-          <p:nvPr>
-            <p:ph type="pic" idx="13"/>
-          </p:nvPr>
-        </p:nvSpPr>
-        <p:spPr/>
-      </p:sp>
     </p:spTree>
     <p:extLst>
       <p:ext uri="{BB962C8B-B14F-4D97-AF65-F5344CB8AC3E}">
@@ -8336,7 +8305,43 @@
           <a:p>
             <a:r>
               <a:rPr lang="en-US" dirty="0" smtClean="0"/>
-              <a:t>Reference variables [scope].[variable’s name] or [scope][‘variable’s name’]</a:t>
+              <a:t>Reference variables </a:t>
+            </a:r>
+            <a:r>
+              <a:rPr lang="en-US" i="1" dirty="0" err="1" smtClean="0"/>
+              <a:t>scope</a:t>
+            </a:r>
+            <a:r>
+              <a:rPr lang="en-US" dirty="0" err="1" smtClean="0"/>
+              <a:t>.</a:t>
+            </a:r>
+            <a:r>
+              <a:rPr lang="en-US" i="1" dirty="0" err="1" smtClean="0"/>
+              <a:t>variable_name</a:t>
+            </a:r>
+            <a:r>
+              <a:rPr lang="en-US" dirty="0" smtClean="0"/>
+              <a:t> or </a:t>
+            </a:r>
+            <a:r>
+              <a:rPr lang="en-US" i="1" dirty="0" smtClean="0"/>
+              <a:t>scope</a:t>
+            </a:r>
+            <a:r>
+              <a:rPr lang="en-US" dirty="0" smtClean="0"/>
+              <a:t>[</a:t>
+            </a:r>
+            <a:r>
+              <a:rPr lang="en-US" dirty="0" smtClean="0"/>
+              <a:t>‘</a:t>
+            </a:r>
+            <a:r>
+              <a:rPr lang="en-US" i="1" dirty="0" err="1" smtClean="0"/>
+              <a:t>variable_name</a:t>
+            </a:r>
+            <a:r>
+              <a:rPr lang="en-US" dirty="0" smtClean="0"/>
+              <a:t>’]</a:t>
             </a:r>
           </a:p>
           <a:p>
@@ -8806,7 +8811,56 @@
                 <a:latin typeface="Courier New"/>
                 <a:cs typeface="Courier New"/>
               </a:rPr>
-              <a:t> name=“name” default=“No Name”&gt;</a:t>
+              <a:t> name=</a:t>
+            </a:r>
+            <a:r>
+              <a:rPr lang="en-US" sz="2000" dirty="0" smtClean="0">
+                <a:latin typeface="Courier New"/>
+                <a:cs typeface="Courier New"/>
+              </a:rPr>
+              <a:t>“</a:t>
+            </a:r>
+            <a:r>
+              <a:rPr lang="en-US" sz="2000" i="1" dirty="0" err="1" smtClean="0">
+                <a:latin typeface="Courier New"/>
+                <a:cs typeface="Courier New"/>
+              </a:rPr>
+              <a:t>variable_name</a:t>
+            </a:r>
+            <a:r>
+              <a:rPr lang="en-US" sz="2000" dirty="0" smtClean="0">
+                <a:latin typeface="Courier New"/>
+                <a:cs typeface="Courier New"/>
+              </a:rPr>
+              <a:t>” default=</a:t>
+            </a:r>
+            <a:r>
+              <a:rPr lang="en-US" sz="2000" dirty="0" smtClean="0">
+                <a:latin typeface="Courier New"/>
+                <a:cs typeface="Courier New"/>
+              </a:rPr>
+              <a:t>“</a:t>
+            </a:r>
+            <a:r>
+              <a:rPr lang="en-US" sz="2000" i="1" dirty="0" err="1" smtClean="0">
+                <a:latin typeface="Courier New"/>
+                <a:cs typeface="Courier New"/>
+              </a:rPr>
+              <a:t>default_value</a:t>
+            </a:r>
+            <a:r>
+              <a:rPr lang="en-US" sz="2000" dirty="0" smtClean="0">
+                <a:latin typeface="Courier New"/>
+                <a:cs typeface="Courier New"/>
+              </a:rPr>
+              <a:t>”</a:t>
+            </a:r>
+            <a:r>
+              <a:rPr lang="en-US" sz="2000" dirty="0" smtClean="0">
+                <a:latin typeface="Courier New"/>
+                <a:cs typeface="Courier New"/>
+              </a:rPr>
+              <a:t>&gt;</a:t>
             </a:r>
           </a:p>
           <a:p>
@@ -9584,18 +9638,23 @@
           </a:p>
           <a:p>
             <a:r>
-              <a:rPr lang="en-US" sz="2100" dirty="0">
-                <a:latin typeface="Courier New"/>
+              <a:rPr lang="en-US" sz="2200" dirty="0">
                 <a:cs typeface="Courier New"/>
               </a:rPr>
               <a:t>Check for existence before </a:t>
             </a:r>
             <a:r>
+              <a:rPr lang="en-US" sz="2200" dirty="0" smtClean="0">
+                <a:cs typeface="Courier New"/>
+              </a:rPr>
+              <a:t>using:</a:t>
+            </a:r>
+            <a:r>
               <a:rPr lang="en-US" sz="2100" dirty="0" smtClean="0">
                 <a:latin typeface="Courier New"/>
                 <a:cs typeface="Courier New"/>
               </a:rPr>
-              <a:t>using:</a:t>
+              <a:t/>
             </a:r>
             <a:br>
               <a:rPr lang="en-US" sz="2100" dirty="0" smtClean="0">
@@ -9643,14 +9702,21 @@
                 <a:latin typeface="Courier New"/>
                 <a:cs typeface="Courier New"/>
               </a:rPr>
-              <a:t>meta.engine</a:t>
+              <a:t>meta.homepage</a:t>
             </a:r>
             <a:r>
               <a:rPr lang="en-US" sz="2100" dirty="0" smtClean="0">
                 <a:latin typeface="Courier New"/>
                 <a:cs typeface="Courier New"/>
               </a:rPr>
-              <a:t>”)&gt;</a:t>
+              <a:t>”</a:t>
+            </a:r>
+            <a:r>
+              <a:rPr lang="en-US" sz="2100" dirty="0" smtClean="0">
+                <a:latin typeface="Courier New"/>
+                <a:cs typeface="Courier New"/>
+              </a:rPr>
+              <a:t>)&gt;</a:t>
             </a:r>
             <a:br>
               <a:rPr lang="en-US" sz="2100" dirty="0" smtClean="0">
@@ -9691,7 +9757,21 @@
                 <a:latin typeface="Courier New"/>
                 <a:cs typeface="Courier New"/>
               </a:rPr>
-              <a:t>(meta, “engine”)&gt;</a:t>
+              <a:t>(meta, </a:t>
+            </a:r>
+            <a:r>
+              <a:rPr lang="en-US" sz="2100" dirty="0" smtClean="0">
+                <a:latin typeface="Courier New"/>
+                <a:cs typeface="Courier New"/>
+              </a:rPr>
+              <a:t>“homepage”</a:t>
+            </a:r>
+            <a:r>
+              <a:rPr lang="en-US" sz="2100" dirty="0" smtClean="0">
+                <a:latin typeface="Courier New"/>
+                <a:cs typeface="Courier New"/>
+              </a:rPr>
+              <a:t>)&gt;</a:t>
             </a:r>
             <a:endParaRPr lang="en-US" sz="2100" dirty="0">
               <a:latin typeface="Courier New"/>
@@ -9979,37 +10059,6 @@
           </a:p>
         </p:txBody>
       </p:sp>
-      <p:sp>
-        <p:nvSpPr>
-          <p:cNvPr id="4" name="Subtitle 3"/>
-          <p:cNvSpPr>
-            <a:spLocks noGrp="1"/>
-          </p:cNvSpPr>
-          <p:nvPr>
-            <p:ph type="subTitle" idx="1"/>
-          </p:nvPr>
-        </p:nvSpPr>
-        <p:spPr/>
-        <p:txBody>
-          <a:bodyPr/>
-          <a:lstStyle/>
-          <a:p>
-            <a:endParaRPr lang="en-US"/>
-          </a:p>
-        </p:txBody>
-      </p:sp>
-      <p:sp>
-        <p:nvSpPr>
-          <p:cNvPr id="5" name="Picture Placeholder 4"/>
-          <p:cNvSpPr>
-            <a:spLocks noGrp="1"/>
-          </p:cNvSpPr>
-          <p:nvPr>
-            <p:ph type="pic" idx="13"/>
-          </p:nvPr>
-        </p:nvSpPr>
-        <p:spPr/>
-      </p:sp>
     </p:spTree>
     <p:extLst>
       <p:ext uri="{BB962C8B-B14F-4D97-AF65-F5344CB8AC3E}">
@@ -11287,37 +11336,6 @@
             <a:endParaRPr lang="en-US" dirty="0"/>
           </a:p>
         </p:txBody>
-      </p:sp>
-      <p:sp>
-        <p:nvSpPr>
-          <p:cNvPr id="5" name="Subtitle 4"/>
-          <p:cNvSpPr>
-            <a:spLocks noGrp="1"/>
-          </p:cNvSpPr>
-          <p:nvPr>
-            <p:ph type="subTitle" idx="1"/>
-          </p:nvPr>
-        </p:nvSpPr>
-        <p:spPr/>
-        <p:txBody>
-          <a:bodyPr/>
-          <a:lstStyle/>
-          <a:p>
-            <a:endParaRPr lang="en-US"/>
-          </a:p>
-        </p:txBody>
-      </p:sp>
-      <p:sp>
-        <p:nvSpPr>
-          <p:cNvPr id="6" name="Picture Placeholder 5"/>
-          <p:cNvSpPr>
-            <a:spLocks noGrp="1"/>
-          </p:cNvSpPr>
-          <p:nvPr>
-            <p:ph type="pic" idx="13"/>
-          </p:nvPr>
-        </p:nvSpPr>
-        <p:spPr/>
       </p:sp>
     </p:spTree>
     <p:extLst>
@@ -12223,37 +12241,6 @@
           </a:p>
         </p:txBody>
       </p:sp>
-      <p:sp>
-        <p:nvSpPr>
-          <p:cNvPr id="5" name="Subtitle 4"/>
-          <p:cNvSpPr>
-            <a:spLocks noGrp="1"/>
-          </p:cNvSpPr>
-          <p:nvPr>
-            <p:ph type="subTitle" idx="1"/>
-          </p:nvPr>
-        </p:nvSpPr>
-        <p:spPr/>
-        <p:txBody>
-          <a:bodyPr/>
-          <a:lstStyle/>
-          <a:p>
-            <a:endParaRPr lang="en-US"/>
-          </a:p>
-        </p:txBody>
-      </p:sp>
-      <p:sp>
-        <p:nvSpPr>
-          <p:cNvPr id="6" name="Picture Placeholder 5"/>
-          <p:cNvSpPr>
-            <a:spLocks noGrp="1"/>
-          </p:cNvSpPr>
-          <p:nvPr>
-            <p:ph type="pic" idx="13"/>
-          </p:nvPr>
-        </p:nvSpPr>
-        <p:spPr/>
-      </p:sp>
     </p:spTree>
     <p:extLst>
       <p:ext uri="{BB962C8B-B14F-4D97-AF65-F5344CB8AC3E}">
@@ -12816,37 +12803,6 @@
           </a:p>
         </p:txBody>
       </p:sp>
-      <p:sp>
-        <p:nvSpPr>
-          <p:cNvPr id="5" name="Subtitle 4"/>
-          <p:cNvSpPr>
-            <a:spLocks noGrp="1"/>
-          </p:cNvSpPr>
-          <p:nvPr>
-            <p:ph type="subTitle" idx="1"/>
-          </p:nvPr>
-        </p:nvSpPr>
-        <p:spPr/>
-        <p:txBody>
-          <a:bodyPr/>
-          <a:lstStyle/>
-          <a:p>
-            <a:endParaRPr lang="en-US"/>
-          </a:p>
-        </p:txBody>
-      </p:sp>
-      <p:sp>
-        <p:nvSpPr>
-          <p:cNvPr id="6" name="Picture Placeholder 5"/>
-          <p:cNvSpPr>
-            <a:spLocks noGrp="1"/>
-          </p:cNvSpPr>
-          <p:nvPr>
-            <p:ph type="pic" idx="13"/>
-          </p:nvPr>
-        </p:nvSpPr>
-        <p:spPr/>
-      </p:sp>
     </p:spTree>
     <p:extLst>
       <p:ext uri="{BB962C8B-B14F-4D97-AF65-F5344CB8AC3E}">
@@ -13147,37 +13103,6 @@
             <a:endParaRPr lang="en-US" dirty="0"/>
           </a:p>
         </p:txBody>
-      </p:sp>
-      <p:sp>
-        <p:nvSpPr>
-          <p:cNvPr id="5" name="Subtitle 4"/>
-          <p:cNvSpPr>
-            <a:spLocks noGrp="1"/>
-          </p:cNvSpPr>
-          <p:nvPr>
-            <p:ph type="subTitle" idx="1"/>
-          </p:nvPr>
-        </p:nvSpPr>
-        <p:spPr/>
-        <p:txBody>
-          <a:bodyPr/>
-          <a:lstStyle/>
-          <a:p>
-            <a:endParaRPr lang="en-US"/>
-          </a:p>
-        </p:txBody>
-      </p:sp>
-      <p:sp>
-        <p:nvSpPr>
-          <p:cNvPr id="6" name="Picture Placeholder 5"/>
-          <p:cNvSpPr>
-            <a:spLocks noGrp="1"/>
-          </p:cNvSpPr>
-          <p:nvPr>
-            <p:ph type="pic" idx="13"/>
-          </p:nvPr>
-        </p:nvSpPr>
-        <p:spPr/>
       </p:sp>
     </p:spTree>
     <p:extLst>
@@ -13679,37 +13604,6 @@
             <a:endParaRPr lang="en-US" dirty="0"/>
           </a:p>
         </p:txBody>
-      </p:sp>
-      <p:sp>
-        <p:nvSpPr>
-          <p:cNvPr id="5" name="Subtitle 4"/>
-          <p:cNvSpPr>
-            <a:spLocks noGrp="1"/>
-          </p:cNvSpPr>
-          <p:nvPr>
-            <p:ph type="subTitle" idx="1"/>
-          </p:nvPr>
-        </p:nvSpPr>
-        <p:spPr/>
-        <p:txBody>
-          <a:bodyPr/>
-          <a:lstStyle/>
-          <a:p>
-            <a:endParaRPr lang="en-US"/>
-          </a:p>
-        </p:txBody>
-      </p:sp>
-      <p:sp>
-        <p:nvSpPr>
-          <p:cNvPr id="6" name="Picture Placeholder 5"/>
-          <p:cNvSpPr>
-            <a:spLocks noGrp="1"/>
-          </p:cNvSpPr>
-          <p:nvPr>
-            <p:ph type="pic" idx="13"/>
-          </p:nvPr>
-        </p:nvSpPr>
-        <p:spPr/>
       </p:sp>
     </p:spTree>
     <p:extLst>
